--- a/notebooks/xiaoqi-why-julia-fast.pptx
+++ b/notebooks/xiaoqi-why-julia-fast.pptx
@@ -4,12 +4,17 @@
   <p:sldMasterIdLst>
     <p:sldMasterId id="2147483648" r:id="rId1"/>
   </p:sldMasterIdLst>
+  <p:notesMasterIdLst>
+    <p:notesMasterId r:id="rId9"/>
+  </p:notesMasterIdLst>
   <p:sldIdLst>
     <p:sldId id="256" r:id="rId2"/>
     <p:sldId id="260" r:id="rId3"/>
     <p:sldId id="258" r:id="rId4"/>
     <p:sldId id="257" r:id="rId5"/>
-    <p:sldId id="259" r:id="rId6"/>
+    <p:sldId id="262" r:id="rId6"/>
+    <p:sldId id="261" r:id="rId7"/>
+    <p:sldId id="263" r:id="rId8"/>
   </p:sldIdLst>
   <p:sldSz cx="12192000" cy="6858000"/>
   <p:notesSz cx="6858000" cy="9144000"/>
@@ -108,7 +113,3831 @@
       </a:defRPr>
     </a:lvl9pPr>
   </p:defaultTextStyle>
+  <p:extLst>
+    <p:ext uri="{EFAFB233-063F-42B5-8137-9DF3F51BA10A}">
+      <p15:sldGuideLst xmlns:p15="http://schemas.microsoft.com/office/powerpoint/2012/main"/>
+    </p:ext>
+  </p:extLst>
 </p:presentation>
+</file>
+
+<file path=ppt/diagrams/colors1.xml><?xml version="1.0" encoding="utf-8"?>
+<dgm:colorsDef xmlns:dgm="http://schemas.openxmlformats.org/drawingml/2006/diagram" xmlns:a="http://schemas.openxmlformats.org/drawingml/2006/main" uniqueId="urn:microsoft.com/office/officeart/2005/8/colors/colorful2">
+  <dgm:title val=""/>
+  <dgm:desc val=""/>
+  <dgm:catLst>
+    <dgm:cat type="colorful" pri="10200"/>
+  </dgm:catLst>
+  <dgm:styleLbl name="node0">
+    <dgm:fillClrLst meth="repeat">
+      <a:schemeClr val="accent1"/>
+    </dgm:fillClrLst>
+    <dgm:linClrLst meth="repeat">
+      <a:schemeClr val="lt1"/>
+    </dgm:linClrLst>
+    <dgm:effectClrLst/>
+    <dgm:txLinClrLst/>
+    <dgm:txFillClrLst/>
+    <dgm:txEffectClrLst/>
+  </dgm:styleLbl>
+  <dgm:styleLbl name="node1">
+    <dgm:fillClrLst>
+      <a:schemeClr val="accent2"/>
+      <a:schemeClr val="accent3"/>
+    </dgm:fillClrLst>
+    <dgm:linClrLst meth="repeat">
+      <a:schemeClr val="lt1"/>
+    </dgm:linClrLst>
+    <dgm:effectClrLst/>
+    <dgm:txLinClrLst/>
+    <dgm:txFillClrLst/>
+    <dgm:txEffectClrLst/>
+  </dgm:styleLbl>
+  <dgm:styleLbl name="alignNode1">
+    <dgm:fillClrLst>
+      <a:schemeClr val="accent2"/>
+      <a:schemeClr val="accent3"/>
+    </dgm:fillClrLst>
+    <dgm:linClrLst>
+      <a:schemeClr val="accent2"/>
+      <a:schemeClr val="accent3"/>
+    </dgm:linClrLst>
+    <dgm:effectClrLst/>
+    <dgm:txLinClrLst/>
+    <dgm:txFillClrLst/>
+    <dgm:txEffectClrLst/>
+  </dgm:styleLbl>
+  <dgm:styleLbl name="lnNode1">
+    <dgm:fillClrLst>
+      <a:schemeClr val="accent2"/>
+      <a:schemeClr val="accent3"/>
+    </dgm:fillClrLst>
+    <dgm:linClrLst meth="repeat">
+      <a:schemeClr val="lt1"/>
+    </dgm:linClrLst>
+    <dgm:effectClrLst/>
+    <dgm:txLinClrLst/>
+    <dgm:txFillClrLst/>
+    <dgm:txEffectClrLst/>
+  </dgm:styleLbl>
+  <dgm:styleLbl name="vennNode1">
+    <dgm:fillClrLst>
+      <a:schemeClr val="accent2">
+        <a:alpha val="50000"/>
+      </a:schemeClr>
+      <a:schemeClr val="accent3">
+        <a:alpha val="50000"/>
+      </a:schemeClr>
+    </dgm:fillClrLst>
+    <dgm:linClrLst meth="repeat">
+      <a:schemeClr val="lt1"/>
+    </dgm:linClrLst>
+    <dgm:effectClrLst/>
+    <dgm:txLinClrLst/>
+    <dgm:txFillClrLst/>
+    <dgm:txEffectClrLst/>
+  </dgm:styleLbl>
+  <dgm:styleLbl name="node2">
+    <dgm:fillClrLst>
+      <a:schemeClr val="accent3"/>
+    </dgm:fillClrLst>
+    <dgm:linClrLst meth="repeat">
+      <a:schemeClr val="lt1"/>
+    </dgm:linClrLst>
+    <dgm:effectClrLst/>
+    <dgm:txLinClrLst/>
+    <dgm:txFillClrLst/>
+    <dgm:txEffectClrLst/>
+  </dgm:styleLbl>
+  <dgm:styleLbl name="node3">
+    <dgm:fillClrLst>
+      <a:schemeClr val="accent4"/>
+    </dgm:fillClrLst>
+    <dgm:linClrLst meth="repeat">
+      <a:schemeClr val="lt1"/>
+    </dgm:linClrLst>
+    <dgm:effectClrLst/>
+    <dgm:txLinClrLst/>
+    <dgm:txFillClrLst/>
+    <dgm:txEffectClrLst/>
+  </dgm:styleLbl>
+  <dgm:styleLbl name="node4">
+    <dgm:fillClrLst>
+      <a:schemeClr val="accent5"/>
+    </dgm:fillClrLst>
+    <dgm:linClrLst meth="repeat">
+      <a:schemeClr val="lt1"/>
+    </dgm:linClrLst>
+    <dgm:effectClrLst/>
+    <dgm:txLinClrLst/>
+    <dgm:txFillClrLst/>
+    <dgm:txEffectClrLst/>
+  </dgm:styleLbl>
+  <dgm:styleLbl name="fgImgPlace1">
+    <dgm:fillClrLst>
+      <a:schemeClr val="accent2">
+        <a:tint val="50000"/>
+      </a:schemeClr>
+      <a:schemeClr val="accent3">
+        <a:tint val="50000"/>
+      </a:schemeClr>
+    </dgm:fillClrLst>
+    <dgm:linClrLst meth="repeat">
+      <a:schemeClr val="lt1"/>
+    </dgm:linClrLst>
+    <dgm:effectClrLst/>
+    <dgm:txLinClrLst/>
+    <dgm:txFillClrLst meth="repeat">
+      <a:schemeClr val="lt1"/>
+    </dgm:txFillClrLst>
+    <dgm:txEffectClrLst/>
+  </dgm:styleLbl>
+  <dgm:styleLbl name="alignImgPlace1">
+    <dgm:fillClrLst>
+      <a:schemeClr val="accent2">
+        <a:tint val="50000"/>
+      </a:schemeClr>
+      <a:schemeClr val="accent3">
+        <a:tint val="20000"/>
+      </a:schemeClr>
+    </dgm:fillClrLst>
+    <dgm:linClrLst meth="repeat">
+      <a:schemeClr val="lt1"/>
+    </dgm:linClrLst>
+    <dgm:effectClrLst/>
+    <dgm:txLinClrLst/>
+    <dgm:txFillClrLst meth="repeat">
+      <a:schemeClr val="lt1"/>
+    </dgm:txFillClrLst>
+    <dgm:txEffectClrLst/>
+  </dgm:styleLbl>
+  <dgm:styleLbl name="bgImgPlace1">
+    <dgm:fillClrLst>
+      <a:schemeClr val="accent2">
+        <a:tint val="50000"/>
+      </a:schemeClr>
+      <a:schemeClr val="accent3">
+        <a:tint val="20000"/>
+      </a:schemeClr>
+    </dgm:fillClrLst>
+    <dgm:linClrLst meth="repeat">
+      <a:schemeClr val="lt1"/>
+    </dgm:linClrLst>
+    <dgm:effectClrLst/>
+    <dgm:txLinClrLst/>
+    <dgm:txFillClrLst meth="repeat">
+      <a:schemeClr val="lt1"/>
+    </dgm:txFillClrLst>
+    <dgm:txEffectClrLst/>
+  </dgm:styleLbl>
+  <dgm:styleLbl name="sibTrans2D1">
+    <dgm:fillClrLst>
+      <a:schemeClr val="accent2"/>
+      <a:schemeClr val="accent3"/>
+    </dgm:fillClrLst>
+    <dgm:linClrLst meth="repeat">
+      <a:schemeClr val="lt1"/>
+    </dgm:linClrLst>
+    <dgm:effectClrLst/>
+    <dgm:txLinClrLst/>
+    <dgm:txFillClrLst/>
+    <dgm:txEffectClrLst/>
+  </dgm:styleLbl>
+  <dgm:styleLbl name="fgSibTrans2D1">
+    <dgm:fillClrLst>
+      <a:schemeClr val="accent2"/>
+      <a:schemeClr val="accent3"/>
+    </dgm:fillClrLst>
+    <dgm:linClrLst meth="repeat">
+      <a:schemeClr val="lt1"/>
+    </dgm:linClrLst>
+    <dgm:effectClrLst/>
+    <dgm:txLinClrLst/>
+    <dgm:txFillClrLst meth="repeat">
+      <a:schemeClr val="lt1"/>
+    </dgm:txFillClrLst>
+    <dgm:txEffectClrLst/>
+  </dgm:styleLbl>
+  <dgm:styleLbl name="bgSibTrans2D1">
+    <dgm:fillClrLst>
+      <a:schemeClr val="accent2"/>
+      <a:schemeClr val="accent3"/>
+    </dgm:fillClrLst>
+    <dgm:linClrLst meth="repeat">
+      <a:schemeClr val="lt1"/>
+    </dgm:linClrLst>
+    <dgm:effectClrLst/>
+    <dgm:txLinClrLst/>
+    <dgm:txFillClrLst meth="repeat">
+      <a:schemeClr val="lt1"/>
+    </dgm:txFillClrLst>
+    <dgm:txEffectClrLst/>
+  </dgm:styleLbl>
+  <dgm:styleLbl name="sibTrans1D1">
+    <dgm:fillClrLst/>
+    <dgm:linClrLst>
+      <a:schemeClr val="accent2"/>
+      <a:schemeClr val="accent3"/>
+    </dgm:linClrLst>
+    <dgm:effectClrLst/>
+    <dgm:txLinClrLst/>
+    <dgm:txFillClrLst meth="repeat">
+      <a:schemeClr val="tx1"/>
+    </dgm:txFillClrLst>
+    <dgm:txEffectClrLst/>
+  </dgm:styleLbl>
+  <dgm:styleLbl name="callout">
+    <dgm:fillClrLst meth="repeat">
+      <a:schemeClr val="accent2"/>
+    </dgm:fillClrLst>
+    <dgm:linClrLst meth="repeat">
+      <a:schemeClr val="accent2">
+        <a:tint val="50000"/>
+      </a:schemeClr>
+    </dgm:linClrLst>
+    <dgm:effectClrLst/>
+    <dgm:txLinClrLst/>
+    <dgm:txFillClrLst meth="repeat">
+      <a:schemeClr val="tx1"/>
+    </dgm:txFillClrLst>
+    <dgm:txEffectClrLst/>
+  </dgm:styleLbl>
+  <dgm:styleLbl name="asst0">
+    <dgm:fillClrLst meth="repeat">
+      <a:schemeClr val="accent2"/>
+    </dgm:fillClrLst>
+    <dgm:linClrLst meth="repeat">
+      <a:schemeClr val="lt1">
+        <a:shade val="80000"/>
+      </a:schemeClr>
+    </dgm:linClrLst>
+    <dgm:effectClrLst/>
+    <dgm:txLinClrLst/>
+    <dgm:txFillClrLst/>
+    <dgm:txEffectClrLst/>
+  </dgm:styleLbl>
+  <dgm:styleLbl name="asst1">
+    <dgm:fillClrLst meth="repeat">
+      <a:schemeClr val="accent3"/>
+    </dgm:fillClrLst>
+    <dgm:linClrLst meth="repeat">
+      <a:schemeClr val="lt1">
+        <a:shade val="80000"/>
+      </a:schemeClr>
+    </dgm:linClrLst>
+    <dgm:effectClrLst/>
+    <dgm:txLinClrLst/>
+    <dgm:txFillClrLst/>
+    <dgm:txEffectClrLst/>
+  </dgm:styleLbl>
+  <dgm:styleLbl name="asst2">
+    <dgm:fillClrLst>
+      <a:schemeClr val="accent4"/>
+    </dgm:fillClrLst>
+    <dgm:linClrLst meth="repeat">
+      <a:schemeClr val="lt1"/>
+    </dgm:linClrLst>
+    <dgm:effectClrLst/>
+    <dgm:txLinClrLst/>
+    <dgm:txFillClrLst/>
+    <dgm:txEffectClrLst/>
+  </dgm:styleLbl>
+  <dgm:styleLbl name="asst3">
+    <dgm:fillClrLst>
+      <a:schemeClr val="accent5"/>
+    </dgm:fillClrLst>
+    <dgm:linClrLst meth="repeat">
+      <a:schemeClr val="lt1"/>
+    </dgm:linClrLst>
+    <dgm:effectClrLst/>
+    <dgm:txLinClrLst/>
+    <dgm:txFillClrLst/>
+    <dgm:txEffectClrLst/>
+  </dgm:styleLbl>
+  <dgm:styleLbl name="asst4">
+    <dgm:fillClrLst>
+      <a:schemeClr val="accent6"/>
+    </dgm:fillClrLst>
+    <dgm:linClrLst meth="repeat">
+      <a:schemeClr val="lt1"/>
+    </dgm:linClrLst>
+    <dgm:effectClrLst/>
+    <dgm:txLinClrLst/>
+    <dgm:txFillClrLst/>
+    <dgm:txEffectClrLst/>
+  </dgm:styleLbl>
+  <dgm:styleLbl name="parChTrans2D1">
+    <dgm:fillClrLst meth="repeat">
+      <a:schemeClr val="accent2"/>
+    </dgm:fillClrLst>
+    <dgm:linClrLst meth="repeat">
+      <a:schemeClr val="lt1"/>
+    </dgm:linClrLst>
+    <dgm:effectClrLst/>
+    <dgm:txLinClrLst/>
+    <dgm:txFillClrLst meth="repeat">
+      <a:schemeClr val="lt1"/>
+    </dgm:txFillClrLst>
+    <dgm:txEffectClrLst/>
+  </dgm:styleLbl>
+  <dgm:styleLbl name="parChTrans2D2">
+    <dgm:fillClrLst meth="repeat">
+      <a:schemeClr val="accent3"/>
+    </dgm:fillClrLst>
+    <dgm:linClrLst meth="repeat">
+      <a:schemeClr val="lt1"/>
+    </dgm:linClrLst>
+    <dgm:effectClrLst/>
+    <dgm:txLinClrLst/>
+    <dgm:txFillClrLst/>
+    <dgm:txEffectClrLst/>
+  </dgm:styleLbl>
+  <dgm:styleLbl name="parChTrans2D3">
+    <dgm:fillClrLst meth="repeat">
+      <a:schemeClr val="accent4"/>
+    </dgm:fillClrLst>
+    <dgm:linClrLst meth="repeat">
+      <a:schemeClr val="lt1"/>
+    </dgm:linClrLst>
+    <dgm:effectClrLst/>
+    <dgm:txLinClrLst/>
+    <dgm:txFillClrLst/>
+    <dgm:txEffectClrLst/>
+  </dgm:styleLbl>
+  <dgm:styleLbl name="parChTrans2D4">
+    <dgm:fillClrLst meth="repeat">
+      <a:schemeClr val="accent5"/>
+    </dgm:fillClrLst>
+    <dgm:linClrLst meth="repeat">
+      <a:schemeClr val="lt1"/>
+    </dgm:linClrLst>
+    <dgm:effectClrLst/>
+    <dgm:txLinClrLst/>
+    <dgm:txFillClrLst meth="repeat">
+      <a:schemeClr val="lt1"/>
+    </dgm:txFillClrLst>
+    <dgm:txEffectClrLst/>
+  </dgm:styleLbl>
+  <dgm:styleLbl name="parChTrans1D1">
+    <dgm:fillClrLst meth="repeat">
+      <a:schemeClr val="accent2"/>
+    </dgm:fillClrLst>
+    <dgm:linClrLst meth="repeat">
+      <a:schemeClr val="accent2"/>
+    </dgm:linClrLst>
+    <dgm:effectClrLst/>
+    <dgm:txLinClrLst/>
+    <dgm:txFillClrLst meth="repeat">
+      <a:schemeClr val="tx1"/>
+    </dgm:txFillClrLst>
+    <dgm:txEffectClrLst/>
+  </dgm:styleLbl>
+  <dgm:styleLbl name="parChTrans1D2">
+    <dgm:fillClrLst meth="repeat">
+      <a:schemeClr val="accent2">
+        <a:tint val="90000"/>
+      </a:schemeClr>
+    </dgm:fillClrLst>
+    <dgm:linClrLst meth="repeat">
+      <a:schemeClr val="accent3"/>
+    </dgm:linClrLst>
+    <dgm:effectClrLst/>
+    <dgm:txLinClrLst/>
+    <dgm:txFillClrLst meth="repeat">
+      <a:schemeClr val="tx1"/>
+    </dgm:txFillClrLst>
+    <dgm:txEffectClrLst/>
+  </dgm:styleLbl>
+  <dgm:styleLbl name="parChTrans1D3">
+    <dgm:fillClrLst meth="repeat">
+      <a:schemeClr val="accent2">
+        <a:tint val="70000"/>
+      </a:schemeClr>
+    </dgm:fillClrLst>
+    <dgm:linClrLst meth="repeat">
+      <a:schemeClr val="accent4"/>
+    </dgm:linClrLst>
+    <dgm:effectClrLst/>
+    <dgm:txLinClrLst/>
+    <dgm:txFillClrLst meth="repeat">
+      <a:schemeClr val="tx1"/>
+    </dgm:txFillClrLst>
+    <dgm:txEffectClrLst/>
+  </dgm:styleLbl>
+  <dgm:styleLbl name="parChTrans1D4">
+    <dgm:fillClrLst meth="repeat">
+      <a:schemeClr val="accent2">
+        <a:tint val="50000"/>
+      </a:schemeClr>
+    </dgm:fillClrLst>
+    <dgm:linClrLst meth="repeat">
+      <a:schemeClr val="accent5"/>
+    </dgm:linClrLst>
+    <dgm:effectClrLst/>
+    <dgm:txLinClrLst/>
+    <dgm:txFillClrLst meth="repeat">
+      <a:schemeClr val="tx1"/>
+    </dgm:txFillClrLst>
+    <dgm:txEffectClrLst/>
+  </dgm:styleLbl>
+  <dgm:styleLbl name="fgAcc1">
+    <dgm:fillClrLst meth="repeat">
+      <a:schemeClr val="lt1">
+        <a:alpha val="90000"/>
+      </a:schemeClr>
+    </dgm:fillClrLst>
+    <dgm:linClrLst>
+      <a:schemeClr val="accent2"/>
+      <a:schemeClr val="accent3"/>
+    </dgm:linClrLst>
+    <dgm:effectClrLst/>
+    <dgm:txLinClrLst/>
+    <dgm:txFillClrLst meth="repeat">
+      <a:schemeClr val="dk1"/>
+    </dgm:txFillClrLst>
+    <dgm:txEffectClrLst/>
+  </dgm:styleLbl>
+  <dgm:styleLbl name="conFgAcc1">
+    <dgm:fillClrLst meth="repeat">
+      <a:schemeClr val="lt1">
+        <a:alpha val="90000"/>
+      </a:schemeClr>
+    </dgm:fillClrLst>
+    <dgm:linClrLst>
+      <a:schemeClr val="accent2"/>
+      <a:schemeClr val="accent3"/>
+    </dgm:linClrLst>
+    <dgm:effectClrLst/>
+    <dgm:txLinClrLst/>
+    <dgm:txFillClrLst meth="repeat">
+      <a:schemeClr val="dk1"/>
+    </dgm:txFillClrLst>
+    <dgm:txEffectClrLst/>
+  </dgm:styleLbl>
+  <dgm:styleLbl name="alignAcc1">
+    <dgm:fillClrLst meth="repeat">
+      <a:schemeClr val="lt1">
+        <a:alpha val="90000"/>
+      </a:schemeClr>
+    </dgm:fillClrLst>
+    <dgm:linClrLst>
+      <a:schemeClr val="accent2"/>
+      <a:schemeClr val="accent3"/>
+    </dgm:linClrLst>
+    <dgm:effectClrLst/>
+    <dgm:txLinClrLst/>
+    <dgm:txFillClrLst meth="repeat">
+      <a:schemeClr val="dk1"/>
+    </dgm:txFillClrLst>
+    <dgm:txEffectClrLst/>
+  </dgm:styleLbl>
+  <dgm:styleLbl name="trAlignAcc1">
+    <dgm:fillClrLst meth="repeat">
+      <a:schemeClr val="lt1">
+        <a:alpha val="40000"/>
+      </a:schemeClr>
+    </dgm:fillClrLst>
+    <dgm:linClrLst meth="repeat">
+      <a:schemeClr val="accent2"/>
+    </dgm:linClrLst>
+    <dgm:effectClrLst/>
+    <dgm:txLinClrLst/>
+    <dgm:txFillClrLst meth="repeat">
+      <a:schemeClr val="dk1"/>
+    </dgm:txFillClrLst>
+    <dgm:txEffectClrLst/>
+  </dgm:styleLbl>
+  <dgm:styleLbl name="bgAcc1">
+    <dgm:fillClrLst meth="repeat">
+      <a:schemeClr val="lt1">
+        <a:alpha val="90000"/>
+      </a:schemeClr>
+    </dgm:fillClrLst>
+    <dgm:linClrLst>
+      <a:schemeClr val="accent2"/>
+      <a:schemeClr val="accent3"/>
+    </dgm:linClrLst>
+    <dgm:effectClrLst/>
+    <dgm:txLinClrLst/>
+    <dgm:txFillClrLst meth="repeat">
+      <a:schemeClr val="dk1"/>
+    </dgm:txFillClrLst>
+    <dgm:txEffectClrLst/>
+  </dgm:styleLbl>
+  <dgm:styleLbl name="solidFgAcc1">
+    <dgm:fillClrLst meth="repeat">
+      <a:schemeClr val="lt1"/>
+    </dgm:fillClrLst>
+    <dgm:linClrLst>
+      <a:schemeClr val="accent2"/>
+      <a:schemeClr val="accent3"/>
+    </dgm:linClrLst>
+    <dgm:effectClrLst/>
+    <dgm:txLinClrLst/>
+    <dgm:txFillClrLst meth="repeat">
+      <a:schemeClr val="dk1"/>
+    </dgm:txFillClrLst>
+    <dgm:txEffectClrLst/>
+  </dgm:styleLbl>
+  <dgm:styleLbl name="solidAlignAcc1">
+    <dgm:fillClrLst meth="repeat">
+      <a:schemeClr val="lt1"/>
+    </dgm:fillClrLst>
+    <dgm:linClrLst>
+      <a:schemeClr val="accent2"/>
+      <a:schemeClr val="accent3"/>
+    </dgm:linClrLst>
+    <dgm:effectClrLst/>
+    <dgm:txLinClrLst/>
+    <dgm:txFillClrLst meth="repeat">
+      <a:schemeClr val="dk1"/>
+    </dgm:txFillClrLst>
+    <dgm:txEffectClrLst/>
+  </dgm:styleLbl>
+  <dgm:styleLbl name="solidBgAcc1">
+    <dgm:fillClrLst meth="repeat">
+      <a:schemeClr val="lt1"/>
+    </dgm:fillClrLst>
+    <dgm:linClrLst>
+      <a:schemeClr val="accent2"/>
+      <a:schemeClr val="accent3"/>
+    </dgm:linClrLst>
+    <dgm:effectClrLst/>
+    <dgm:txLinClrLst/>
+    <dgm:txFillClrLst meth="repeat">
+      <a:schemeClr val="dk1"/>
+    </dgm:txFillClrLst>
+    <dgm:txEffectClrLst/>
+  </dgm:styleLbl>
+  <dgm:styleLbl name="fgAccFollowNode1">
+    <dgm:fillClrLst>
+      <a:schemeClr val="accent2">
+        <a:tint val="40000"/>
+        <a:alpha val="90000"/>
+      </a:schemeClr>
+      <a:schemeClr val="accent3">
+        <a:tint val="40000"/>
+        <a:alpha val="90000"/>
+      </a:schemeClr>
+    </dgm:fillClrLst>
+    <dgm:linClrLst>
+      <a:schemeClr val="accent2">
+        <a:tint val="40000"/>
+        <a:alpha val="90000"/>
+      </a:schemeClr>
+      <a:schemeClr val="accent3">
+        <a:tint val="40000"/>
+        <a:alpha val="90000"/>
+      </a:schemeClr>
+    </dgm:linClrLst>
+    <dgm:effectClrLst/>
+    <dgm:txLinClrLst/>
+    <dgm:txFillClrLst meth="repeat">
+      <a:schemeClr val="dk1"/>
+    </dgm:txFillClrLst>
+    <dgm:txEffectClrLst/>
+  </dgm:styleLbl>
+  <dgm:styleLbl name="alignAccFollowNode1">
+    <dgm:fillClrLst>
+      <a:schemeClr val="accent2">
+        <a:tint val="40000"/>
+        <a:alpha val="90000"/>
+      </a:schemeClr>
+      <a:schemeClr val="accent3">
+        <a:tint val="40000"/>
+        <a:alpha val="90000"/>
+      </a:schemeClr>
+    </dgm:fillClrLst>
+    <dgm:linClrLst>
+      <a:schemeClr val="accent2">
+        <a:tint val="40000"/>
+        <a:alpha val="90000"/>
+      </a:schemeClr>
+      <a:schemeClr val="accent3">
+        <a:tint val="40000"/>
+        <a:alpha val="90000"/>
+      </a:schemeClr>
+    </dgm:linClrLst>
+    <dgm:effectClrLst/>
+    <dgm:txLinClrLst/>
+    <dgm:txFillClrLst meth="repeat">
+      <a:schemeClr val="dk1"/>
+    </dgm:txFillClrLst>
+    <dgm:txEffectClrLst/>
+  </dgm:styleLbl>
+  <dgm:styleLbl name="bgAccFollowNode1">
+    <dgm:fillClrLst>
+      <a:schemeClr val="accent2">
+        <a:tint val="40000"/>
+        <a:alpha val="90000"/>
+      </a:schemeClr>
+      <a:schemeClr val="accent3">
+        <a:tint val="40000"/>
+        <a:alpha val="90000"/>
+      </a:schemeClr>
+    </dgm:fillClrLst>
+    <dgm:linClrLst>
+      <a:schemeClr val="accent2">
+        <a:tint val="40000"/>
+        <a:alpha val="90000"/>
+      </a:schemeClr>
+      <a:schemeClr val="accent3">
+        <a:tint val="40000"/>
+        <a:alpha val="90000"/>
+      </a:schemeClr>
+    </dgm:linClrLst>
+    <dgm:effectClrLst/>
+    <dgm:txLinClrLst/>
+    <dgm:txFillClrLst meth="repeat">
+      <a:schemeClr val="dk1"/>
+    </dgm:txFillClrLst>
+    <dgm:txEffectClrLst/>
+  </dgm:styleLbl>
+  <dgm:styleLbl name="fgAcc0">
+    <dgm:fillClrLst meth="repeat">
+      <a:schemeClr val="lt1">
+        <a:alpha val="90000"/>
+      </a:schemeClr>
+    </dgm:fillClrLst>
+    <dgm:linClrLst>
+      <a:schemeClr val="accent1"/>
+    </dgm:linClrLst>
+    <dgm:effectClrLst/>
+    <dgm:txLinClrLst/>
+    <dgm:txFillClrLst meth="repeat">
+      <a:schemeClr val="dk1"/>
+    </dgm:txFillClrLst>
+    <dgm:txEffectClrLst/>
+  </dgm:styleLbl>
+  <dgm:styleLbl name="fgAcc2">
+    <dgm:fillClrLst meth="repeat">
+      <a:schemeClr val="lt1">
+        <a:alpha val="90000"/>
+      </a:schemeClr>
+    </dgm:fillClrLst>
+    <dgm:linClrLst>
+      <a:schemeClr val="accent3"/>
+    </dgm:linClrLst>
+    <dgm:effectClrLst/>
+    <dgm:txLinClrLst/>
+    <dgm:txFillClrLst meth="repeat">
+      <a:schemeClr val="dk1"/>
+    </dgm:txFillClrLst>
+    <dgm:txEffectClrLst/>
+  </dgm:styleLbl>
+  <dgm:styleLbl name="fgAcc3">
+    <dgm:fillClrLst meth="repeat">
+      <a:schemeClr val="lt1">
+        <a:alpha val="90000"/>
+      </a:schemeClr>
+    </dgm:fillClrLst>
+    <dgm:linClrLst>
+      <a:schemeClr val="accent4"/>
+    </dgm:linClrLst>
+    <dgm:effectClrLst/>
+    <dgm:txLinClrLst/>
+    <dgm:txFillClrLst meth="repeat">
+      <a:schemeClr val="dk1"/>
+    </dgm:txFillClrLst>
+    <dgm:txEffectClrLst/>
+  </dgm:styleLbl>
+  <dgm:styleLbl name="fgAcc4">
+    <dgm:fillClrLst meth="repeat">
+      <a:schemeClr val="lt1">
+        <a:alpha val="90000"/>
+      </a:schemeClr>
+    </dgm:fillClrLst>
+    <dgm:linClrLst>
+      <a:schemeClr val="accent5"/>
+    </dgm:linClrLst>
+    <dgm:effectClrLst/>
+    <dgm:txLinClrLst/>
+    <dgm:txFillClrLst meth="repeat">
+      <a:schemeClr val="dk1"/>
+    </dgm:txFillClrLst>
+    <dgm:txEffectClrLst/>
+  </dgm:styleLbl>
+  <dgm:styleLbl name="bgShp">
+    <dgm:fillClrLst meth="repeat">
+      <a:schemeClr val="accent2">
+        <a:tint val="40000"/>
+      </a:schemeClr>
+    </dgm:fillClrLst>
+    <dgm:linClrLst meth="repeat">
+      <a:schemeClr val="dk1"/>
+    </dgm:linClrLst>
+    <dgm:effectClrLst/>
+    <dgm:txLinClrLst/>
+    <dgm:txFillClrLst meth="repeat">
+      <a:schemeClr val="dk1"/>
+    </dgm:txFillClrLst>
+    <dgm:txEffectClrLst/>
+  </dgm:styleLbl>
+  <dgm:styleLbl name="dkBgShp">
+    <dgm:fillClrLst meth="repeat">
+      <a:schemeClr val="accent2">
+        <a:shade val="90000"/>
+      </a:schemeClr>
+    </dgm:fillClrLst>
+    <dgm:linClrLst meth="repeat">
+      <a:schemeClr val="dk1"/>
+    </dgm:linClrLst>
+    <dgm:effectClrLst/>
+    <dgm:txLinClrLst/>
+    <dgm:txFillClrLst meth="repeat">
+      <a:schemeClr val="lt1"/>
+    </dgm:txFillClrLst>
+    <dgm:txEffectClrLst/>
+  </dgm:styleLbl>
+  <dgm:styleLbl name="trBgShp">
+    <dgm:fillClrLst meth="repeat">
+      <a:schemeClr val="accent2">
+        <a:tint val="50000"/>
+        <a:alpha val="40000"/>
+      </a:schemeClr>
+    </dgm:fillClrLst>
+    <dgm:linClrLst meth="repeat">
+      <a:schemeClr val="accent2"/>
+    </dgm:linClrLst>
+    <dgm:effectClrLst/>
+    <dgm:txLinClrLst/>
+    <dgm:txFillClrLst meth="repeat">
+      <a:schemeClr val="lt1"/>
+    </dgm:txFillClrLst>
+    <dgm:txEffectClrLst/>
+  </dgm:styleLbl>
+  <dgm:styleLbl name="fgShp">
+    <dgm:fillClrLst meth="repeat">
+      <a:schemeClr val="accent2">
+        <a:tint val="40000"/>
+      </a:schemeClr>
+    </dgm:fillClrLst>
+    <dgm:linClrLst meth="repeat">
+      <a:schemeClr val="lt1"/>
+    </dgm:linClrLst>
+    <dgm:effectClrLst/>
+    <dgm:txLinClrLst/>
+    <dgm:txFillClrLst meth="repeat">
+      <a:schemeClr val="dk1"/>
+    </dgm:txFillClrLst>
+    <dgm:txEffectClrLst/>
+  </dgm:styleLbl>
+  <dgm:styleLbl name="revTx">
+    <dgm:fillClrLst meth="repeat">
+      <a:schemeClr val="lt1">
+        <a:alpha val="0"/>
+      </a:schemeClr>
+    </dgm:fillClrLst>
+    <dgm:linClrLst meth="repeat">
+      <a:schemeClr val="dk1">
+        <a:alpha val="0"/>
+      </a:schemeClr>
+    </dgm:linClrLst>
+    <dgm:effectClrLst/>
+    <dgm:txLinClrLst/>
+    <dgm:txFillClrLst meth="repeat">
+      <a:schemeClr val="tx1"/>
+    </dgm:txFillClrLst>
+    <dgm:txEffectClrLst/>
+  </dgm:styleLbl>
+</dgm:colorsDef>
+</file>
+
+<file path=ppt/diagrams/data1.xml><?xml version="1.0" encoding="utf-8"?>
+<dgm:dataModel xmlns:dgm="http://schemas.openxmlformats.org/drawingml/2006/diagram" xmlns:a="http://schemas.openxmlformats.org/drawingml/2006/main">
+  <dgm:ptLst>
+    <dgm:pt modelId="{A1BFBDD7-1E18-445F-8115-E09FF590B384}" type="doc">
+      <dgm:prSet loTypeId="urn:microsoft.com/office/officeart/2005/8/layout/vList5" loCatId="list" qsTypeId="urn:microsoft.com/office/officeart/2005/8/quickstyle/simple1" qsCatId="simple" csTypeId="urn:microsoft.com/office/officeart/2005/8/colors/colorful2" csCatId="colorful" phldr="1"/>
+      <dgm:spPr/>
+      <dgm:t>
+        <a:bodyPr/>
+        <a:lstStyle/>
+        <a:p>
+          <a:endParaRPr lang="en-US"/>
+        </a:p>
+      </dgm:t>
+    </dgm:pt>
+    <dgm:pt modelId="{5C568554-7535-4300-8615-374316965E9C}">
+      <dgm:prSet/>
+      <dgm:spPr/>
+      <dgm:t>
+        <a:bodyPr/>
+        <a:lstStyle/>
+        <a:p>
+          <a:r>
+            <a:rPr lang="en-US" dirty="0"/>
+            <a:t>Coroutines</a:t>
+          </a:r>
+        </a:p>
+      </dgm:t>
+    </dgm:pt>
+    <dgm:pt modelId="{5E668361-676E-41E3-8736-49DC20FD8275}" type="parTrans" cxnId="{F1205EF0-6C04-4628-9577-8EF2693DDB93}">
+      <dgm:prSet/>
+      <dgm:spPr/>
+      <dgm:t>
+        <a:bodyPr/>
+        <a:lstStyle/>
+        <a:p>
+          <a:endParaRPr lang="en-US"/>
+        </a:p>
+      </dgm:t>
+    </dgm:pt>
+    <dgm:pt modelId="{4BB1CD2E-0D05-4741-9C6A-BDFA8A4BCE07}" type="sibTrans" cxnId="{F1205EF0-6C04-4628-9577-8EF2693DDB93}">
+      <dgm:prSet/>
+      <dgm:spPr/>
+      <dgm:t>
+        <a:bodyPr/>
+        <a:lstStyle/>
+        <a:p>
+          <a:endParaRPr lang="en-US"/>
+        </a:p>
+      </dgm:t>
+    </dgm:pt>
+    <dgm:pt modelId="{09EBAF86-E7E2-4C25-8A3F-CE0F908053AE}">
+      <dgm:prSet/>
+      <dgm:spPr/>
+      <dgm:t>
+        <a:bodyPr/>
+        <a:lstStyle/>
+        <a:p>
+          <a:r>
+            <a:rPr lang="en-US" dirty="0"/>
+            <a:t>Most </a:t>
+          </a:r>
+          <a:r>
+            <a:rPr lang="en-US" dirty="0" err="1"/>
+            <a:t>usefull</a:t>
+          </a:r>
+          <a:r>
+            <a:rPr lang="en-US" dirty="0"/>
+            <a:t> in unbalanced workloads. Dynamic scheduling with producer and consumer algorithms</a:t>
+          </a:r>
+        </a:p>
+      </dgm:t>
+    </dgm:pt>
+    <dgm:pt modelId="{64D06446-2AAF-496C-B4D2-11E2ABF2D1CF}" type="parTrans" cxnId="{7C5D4870-E458-406E-AF37-BF6CFE76D3F2}">
+      <dgm:prSet/>
+      <dgm:spPr/>
+      <dgm:t>
+        <a:bodyPr/>
+        <a:lstStyle/>
+        <a:p>
+          <a:endParaRPr lang="en-US"/>
+        </a:p>
+      </dgm:t>
+    </dgm:pt>
+    <dgm:pt modelId="{403656B3-781D-42E2-89D3-3BFCB18EB14F}" type="sibTrans" cxnId="{7C5D4870-E458-406E-AF37-BF6CFE76D3F2}">
+      <dgm:prSet/>
+      <dgm:spPr/>
+      <dgm:t>
+        <a:bodyPr/>
+        <a:lstStyle/>
+        <a:p>
+          <a:endParaRPr lang="en-US"/>
+        </a:p>
+      </dgm:t>
+    </dgm:pt>
+    <dgm:pt modelId="{72D78306-E24E-4A50-9867-E4E7044F5AD5}">
+      <dgm:prSet/>
+      <dgm:spPr/>
+      <dgm:t>
+        <a:bodyPr/>
+        <a:lstStyle/>
+        <a:p>
+          <a:r>
+            <a:rPr lang="en-US" dirty="0"/>
+            <a:t>Multi-threading</a:t>
+          </a:r>
+        </a:p>
+      </dgm:t>
+    </dgm:pt>
+    <dgm:pt modelId="{675EE85A-3FD4-47F5-9F2B-BAB6B113D1E4}" type="parTrans" cxnId="{A4D61DE6-543D-44B2-872E-3113675C832D}">
+      <dgm:prSet/>
+      <dgm:spPr/>
+      <dgm:t>
+        <a:bodyPr/>
+        <a:lstStyle/>
+        <a:p>
+          <a:endParaRPr lang="en-US"/>
+        </a:p>
+      </dgm:t>
+    </dgm:pt>
+    <dgm:pt modelId="{0882FDED-A438-4DF3-AA7C-21E9F99C770E}" type="sibTrans" cxnId="{A4D61DE6-543D-44B2-872E-3113675C832D}">
+      <dgm:prSet/>
+      <dgm:spPr/>
+      <dgm:t>
+        <a:bodyPr/>
+        <a:lstStyle/>
+        <a:p>
+          <a:endParaRPr lang="en-US"/>
+        </a:p>
+      </dgm:t>
+    </dgm:pt>
+    <dgm:pt modelId="{9A6250AD-EFB0-4200-A8C7-55350B13E8AC}">
+      <dgm:prSet/>
+      <dgm:spPr/>
+      <dgm:t>
+        <a:bodyPr/>
+        <a:lstStyle/>
+        <a:p>
+          <a:r>
+            <a:rPr lang="en-US" dirty="0"/>
+            <a:t>@thread macro</a:t>
+          </a:r>
+        </a:p>
+      </dgm:t>
+    </dgm:pt>
+    <dgm:pt modelId="{0ECF86A8-533C-4F19-9FC3-C02D7211E868}" type="parTrans" cxnId="{948DB717-D957-453D-9D19-FF66D970F775}">
+      <dgm:prSet/>
+      <dgm:spPr/>
+      <dgm:t>
+        <a:bodyPr/>
+        <a:lstStyle/>
+        <a:p>
+          <a:endParaRPr lang="en-US"/>
+        </a:p>
+      </dgm:t>
+    </dgm:pt>
+    <dgm:pt modelId="{D488C0E8-4E95-47A0-BDEA-2E1F15099791}" type="sibTrans" cxnId="{948DB717-D957-453D-9D19-FF66D970F775}">
+      <dgm:prSet/>
+      <dgm:spPr/>
+      <dgm:t>
+        <a:bodyPr/>
+        <a:lstStyle/>
+        <a:p>
+          <a:endParaRPr lang="en-US"/>
+        </a:p>
+      </dgm:t>
+    </dgm:pt>
+    <dgm:pt modelId="{BFD8B4BB-2A02-4DF8-A13D-148A7D546FF7}">
+      <dgm:prSet/>
+      <dgm:spPr/>
+      <dgm:t>
+        <a:bodyPr/>
+        <a:lstStyle/>
+        <a:p>
+          <a:r>
+            <a:rPr lang="en-US" dirty="0"/>
+            <a:t>Atomic operations -&gt; avoid race condition</a:t>
+          </a:r>
+        </a:p>
+      </dgm:t>
+    </dgm:pt>
+    <dgm:pt modelId="{854F7687-E44A-4CE7-911F-74BDD448941F}" type="parTrans" cxnId="{A162D84B-14D6-4864-8B3D-67FBFA025942}">
+      <dgm:prSet/>
+      <dgm:spPr/>
+      <dgm:t>
+        <a:bodyPr/>
+        <a:lstStyle/>
+        <a:p>
+          <a:endParaRPr lang="en-US"/>
+        </a:p>
+      </dgm:t>
+    </dgm:pt>
+    <dgm:pt modelId="{709BCD26-5C12-488F-B33C-515335F9E894}" type="sibTrans" cxnId="{A162D84B-14D6-4864-8B3D-67FBFA025942}">
+      <dgm:prSet/>
+      <dgm:spPr/>
+      <dgm:t>
+        <a:bodyPr/>
+        <a:lstStyle/>
+        <a:p>
+          <a:endParaRPr lang="en-US"/>
+        </a:p>
+      </dgm:t>
+    </dgm:pt>
+    <dgm:pt modelId="{1E476772-E926-42A1-9A1B-CAC3A749F5DA}">
+      <dgm:prSet/>
+      <dgm:spPr/>
+      <dgm:t>
+        <a:bodyPr/>
+        <a:lstStyle/>
+        <a:p>
+          <a:r>
+            <a:rPr lang="en-US"/>
+            <a:t>Distributed Computing</a:t>
+          </a:r>
+        </a:p>
+      </dgm:t>
+    </dgm:pt>
+    <dgm:pt modelId="{F6FA7A1B-C792-4ECC-A061-CEB27BD69CF1}" type="parTrans" cxnId="{EFB27BE6-A1F0-44D2-867A-4466D249D959}">
+      <dgm:prSet/>
+      <dgm:spPr/>
+      <dgm:t>
+        <a:bodyPr/>
+        <a:lstStyle/>
+        <a:p>
+          <a:endParaRPr lang="en-US"/>
+        </a:p>
+      </dgm:t>
+    </dgm:pt>
+    <dgm:pt modelId="{F793F875-7251-449A-B592-4FB63D8FDCDD}" type="sibTrans" cxnId="{EFB27BE6-A1F0-44D2-867A-4466D249D959}">
+      <dgm:prSet/>
+      <dgm:spPr/>
+      <dgm:t>
+        <a:bodyPr/>
+        <a:lstStyle/>
+        <a:p>
+          <a:endParaRPr lang="en-US"/>
+        </a:p>
+      </dgm:t>
+    </dgm:pt>
+    <dgm:pt modelId="{C98FC20D-A10E-44A4-A108-62A273769370}">
+      <dgm:prSet/>
+      <dgm:spPr/>
+      <dgm:t>
+        <a:bodyPr/>
+        <a:lstStyle/>
+        <a:p>
+          <a:r>
+            <a:rPr lang="en-US"/>
+            <a:t>Code availability and loading packages  </a:t>
+          </a:r>
+        </a:p>
+      </dgm:t>
+    </dgm:pt>
+    <dgm:pt modelId="{C695B60A-29CA-48D8-984D-28C1676160F8}" type="parTrans" cxnId="{62BC2D92-CE86-4C95-8AC1-66658F5842FF}">
+      <dgm:prSet/>
+      <dgm:spPr/>
+      <dgm:t>
+        <a:bodyPr/>
+        <a:lstStyle/>
+        <a:p>
+          <a:endParaRPr lang="en-US"/>
+        </a:p>
+      </dgm:t>
+    </dgm:pt>
+    <dgm:pt modelId="{C8E44A61-19D7-4AD9-8772-2C1A66455F1D}" type="sibTrans" cxnId="{62BC2D92-CE86-4C95-8AC1-66658F5842FF}">
+      <dgm:prSet/>
+      <dgm:spPr/>
+      <dgm:t>
+        <a:bodyPr/>
+        <a:lstStyle/>
+        <a:p>
+          <a:endParaRPr lang="en-US"/>
+        </a:p>
+      </dgm:t>
+    </dgm:pt>
+    <dgm:pt modelId="{D6E7D8BF-5499-4108-8C39-5A57C4CB5272}">
+      <dgm:prSet/>
+      <dgm:spPr/>
+      <dgm:t>
+        <a:bodyPr/>
+        <a:lstStyle/>
+        <a:p>
+          <a:r>
+            <a:rPr lang="en-US"/>
+            <a:t>Data movement</a:t>
+          </a:r>
+        </a:p>
+      </dgm:t>
+    </dgm:pt>
+    <dgm:pt modelId="{25981B64-0CFA-4CF4-94C9-CCCA678AD27C}" type="parTrans" cxnId="{7239DC79-63FB-4124-8B34-3E6E70AFD6F5}">
+      <dgm:prSet/>
+      <dgm:spPr/>
+      <dgm:t>
+        <a:bodyPr/>
+        <a:lstStyle/>
+        <a:p>
+          <a:endParaRPr lang="en-US"/>
+        </a:p>
+      </dgm:t>
+    </dgm:pt>
+    <dgm:pt modelId="{11BB140F-79CA-4536-9AF2-EE48841644D0}" type="sibTrans" cxnId="{7239DC79-63FB-4124-8B34-3E6E70AFD6F5}">
+      <dgm:prSet/>
+      <dgm:spPr/>
+      <dgm:t>
+        <a:bodyPr/>
+        <a:lstStyle/>
+        <a:p>
+          <a:endParaRPr lang="en-US"/>
+        </a:p>
+      </dgm:t>
+    </dgm:pt>
+    <dgm:pt modelId="{CDFC4793-86E9-4044-95FE-6AD5184DBCEA}">
+      <dgm:prSet/>
+      <dgm:spPr/>
+      <dgm:t>
+        <a:bodyPr/>
+        <a:lstStyle/>
+        <a:p>
+          <a:r>
+            <a:rPr lang="en-US"/>
+            <a:t>GPU</a:t>
+          </a:r>
+        </a:p>
+      </dgm:t>
+    </dgm:pt>
+    <dgm:pt modelId="{542CA93F-266A-431F-92A2-F30873A6A78E}" type="parTrans" cxnId="{96FA862B-4400-417F-9359-5ED7779A08A7}">
+      <dgm:prSet/>
+      <dgm:spPr/>
+      <dgm:t>
+        <a:bodyPr/>
+        <a:lstStyle/>
+        <a:p>
+          <a:endParaRPr lang="en-US"/>
+        </a:p>
+      </dgm:t>
+    </dgm:pt>
+    <dgm:pt modelId="{AEC5520D-9456-4A72-A41D-58F7C507CB6B}" type="sibTrans" cxnId="{96FA862B-4400-417F-9359-5ED7779A08A7}">
+      <dgm:prSet/>
+      <dgm:spPr/>
+      <dgm:t>
+        <a:bodyPr/>
+        <a:lstStyle/>
+        <a:p>
+          <a:endParaRPr lang="en-US"/>
+        </a:p>
+      </dgm:t>
+    </dgm:pt>
+    <dgm:pt modelId="{DC8C6BBF-C147-4868-A57A-6497CAE604D1}">
+      <dgm:prSet/>
+      <dgm:spPr/>
+      <dgm:t>
+        <a:bodyPr/>
+        <a:lstStyle/>
+        <a:p>
+          <a:r>
+            <a:rPr lang="en-US"/>
+            <a:t>CUDA and OpenCL support</a:t>
+          </a:r>
+        </a:p>
+      </dgm:t>
+    </dgm:pt>
+    <dgm:pt modelId="{3A8C441B-7393-49C6-8314-FC0DC488ACEF}" type="parTrans" cxnId="{23BCEB32-0336-4C37-91B0-31589EA87469}">
+      <dgm:prSet/>
+      <dgm:spPr/>
+      <dgm:t>
+        <a:bodyPr/>
+        <a:lstStyle/>
+        <a:p>
+          <a:endParaRPr lang="en-US"/>
+        </a:p>
+      </dgm:t>
+    </dgm:pt>
+    <dgm:pt modelId="{1A880C34-7F82-43F9-BD57-945CF5FF40CB}" type="sibTrans" cxnId="{23BCEB32-0336-4C37-91B0-31589EA87469}">
+      <dgm:prSet/>
+      <dgm:spPr/>
+      <dgm:t>
+        <a:bodyPr/>
+        <a:lstStyle/>
+        <a:p>
+          <a:endParaRPr lang="en-US"/>
+        </a:p>
+      </dgm:t>
+    </dgm:pt>
+    <dgm:pt modelId="{39F4DC2A-F490-49EA-BA5D-95F5D433C87A}">
+      <dgm:prSet/>
+      <dgm:spPr/>
+      <dgm:t>
+        <a:bodyPr/>
+        <a:lstStyle/>
+        <a:p>
+          <a:r>
+            <a:rPr lang="en-US"/>
+            <a:t>Hands off approach: use existing library such as CuArrays or CLArrays </a:t>
+          </a:r>
+        </a:p>
+      </dgm:t>
+    </dgm:pt>
+    <dgm:pt modelId="{6EDDE6E3-64EA-4442-A678-A719A0E7E8CF}" type="parTrans" cxnId="{3F223F07-3C5E-4ABB-92B7-42827A5F1EC1}">
+      <dgm:prSet/>
+      <dgm:spPr/>
+      <dgm:t>
+        <a:bodyPr/>
+        <a:lstStyle/>
+        <a:p>
+          <a:endParaRPr lang="en-US"/>
+        </a:p>
+      </dgm:t>
+    </dgm:pt>
+    <dgm:pt modelId="{B47119B0-95D0-467B-AB5A-9CCD79227EC4}" type="sibTrans" cxnId="{3F223F07-3C5E-4ABB-92B7-42827A5F1EC1}">
+      <dgm:prSet/>
+      <dgm:spPr/>
+      <dgm:t>
+        <a:bodyPr/>
+        <a:lstStyle/>
+        <a:p>
+          <a:endParaRPr lang="en-US"/>
+        </a:p>
+      </dgm:t>
+    </dgm:pt>
+    <dgm:pt modelId="{69A67A82-3E41-4064-B619-864A1866FAE5}">
+      <dgm:prSet/>
+      <dgm:spPr/>
+      <dgm:t>
+        <a:bodyPr/>
+        <a:lstStyle/>
+        <a:p>
+          <a:r>
+            <a:rPr lang="en-US"/>
+            <a:t>Hands on approach: write custom GPU kernel using CUDAnative and CUDAdrv</a:t>
+          </a:r>
+        </a:p>
+      </dgm:t>
+    </dgm:pt>
+    <dgm:pt modelId="{1F9B1627-4EB1-4BA0-AC60-EF8E44F9A529}" type="parTrans" cxnId="{C10EB3DE-C4A9-4B9E-AE27-554FE2895AC9}">
+      <dgm:prSet/>
+      <dgm:spPr/>
+      <dgm:t>
+        <a:bodyPr/>
+        <a:lstStyle/>
+        <a:p>
+          <a:endParaRPr lang="en-US"/>
+        </a:p>
+      </dgm:t>
+    </dgm:pt>
+    <dgm:pt modelId="{7A0ABF5D-F3B3-41F0-AADC-64D60C8D6DAE}" type="sibTrans" cxnId="{C10EB3DE-C4A9-4B9E-AE27-554FE2895AC9}">
+      <dgm:prSet/>
+      <dgm:spPr/>
+      <dgm:t>
+        <a:bodyPr/>
+        <a:lstStyle/>
+        <a:p>
+          <a:endParaRPr lang="en-US"/>
+        </a:p>
+      </dgm:t>
+    </dgm:pt>
+    <dgm:pt modelId="{3B17F6D1-1289-D84A-998F-5B0F9C690318}" type="pres">
+      <dgm:prSet presAssocID="{A1BFBDD7-1E18-445F-8115-E09FF590B384}" presName="Name0" presStyleCnt="0">
+        <dgm:presLayoutVars>
+          <dgm:dir/>
+          <dgm:animLvl val="lvl"/>
+          <dgm:resizeHandles val="exact"/>
+        </dgm:presLayoutVars>
+      </dgm:prSet>
+      <dgm:spPr/>
+    </dgm:pt>
+    <dgm:pt modelId="{AF9E883A-F6A6-8349-8997-B3659E49C965}" type="pres">
+      <dgm:prSet presAssocID="{5C568554-7535-4300-8615-374316965E9C}" presName="linNode" presStyleCnt="0"/>
+      <dgm:spPr/>
+    </dgm:pt>
+    <dgm:pt modelId="{C348B490-4758-2348-95D4-F47331E4A85A}" type="pres">
+      <dgm:prSet presAssocID="{5C568554-7535-4300-8615-374316965E9C}" presName="parentText" presStyleLbl="node1" presStyleIdx="0" presStyleCnt="4">
+        <dgm:presLayoutVars>
+          <dgm:chMax val="1"/>
+          <dgm:bulletEnabled val="1"/>
+        </dgm:presLayoutVars>
+      </dgm:prSet>
+      <dgm:spPr/>
+    </dgm:pt>
+    <dgm:pt modelId="{FDBF05B4-D36B-C149-B968-D2A2DE9F55BC}" type="pres">
+      <dgm:prSet presAssocID="{5C568554-7535-4300-8615-374316965E9C}" presName="descendantText" presStyleLbl="alignAccFollowNode1" presStyleIdx="0" presStyleCnt="4">
+        <dgm:presLayoutVars>
+          <dgm:bulletEnabled val="1"/>
+        </dgm:presLayoutVars>
+      </dgm:prSet>
+      <dgm:spPr/>
+    </dgm:pt>
+    <dgm:pt modelId="{9528C5E7-5B33-9C4E-9A41-983A87AA15D9}" type="pres">
+      <dgm:prSet presAssocID="{4BB1CD2E-0D05-4741-9C6A-BDFA8A4BCE07}" presName="sp" presStyleCnt="0"/>
+      <dgm:spPr/>
+    </dgm:pt>
+    <dgm:pt modelId="{C63BA1E9-3E45-9549-B706-2667FF452DA1}" type="pres">
+      <dgm:prSet presAssocID="{72D78306-E24E-4A50-9867-E4E7044F5AD5}" presName="linNode" presStyleCnt="0"/>
+      <dgm:spPr/>
+    </dgm:pt>
+    <dgm:pt modelId="{A4EBBE77-BE75-574C-8FCD-5A1BDCEE059F}" type="pres">
+      <dgm:prSet presAssocID="{72D78306-E24E-4A50-9867-E4E7044F5AD5}" presName="parentText" presStyleLbl="node1" presStyleIdx="1" presStyleCnt="4">
+        <dgm:presLayoutVars>
+          <dgm:chMax val="1"/>
+          <dgm:bulletEnabled val="1"/>
+        </dgm:presLayoutVars>
+      </dgm:prSet>
+      <dgm:spPr/>
+    </dgm:pt>
+    <dgm:pt modelId="{BBBEA0E7-4147-C34B-9D66-877A2F2FBAC3}" type="pres">
+      <dgm:prSet presAssocID="{72D78306-E24E-4A50-9867-E4E7044F5AD5}" presName="descendantText" presStyleLbl="alignAccFollowNode1" presStyleIdx="1" presStyleCnt="4">
+        <dgm:presLayoutVars>
+          <dgm:bulletEnabled val="1"/>
+        </dgm:presLayoutVars>
+      </dgm:prSet>
+      <dgm:spPr/>
+    </dgm:pt>
+    <dgm:pt modelId="{D127B4C9-27FB-B34D-87BF-E84060B5543B}" type="pres">
+      <dgm:prSet presAssocID="{0882FDED-A438-4DF3-AA7C-21E9F99C770E}" presName="sp" presStyleCnt="0"/>
+      <dgm:spPr/>
+    </dgm:pt>
+    <dgm:pt modelId="{FB6A2B43-3FBB-4542-B549-8A57F2F021C3}" type="pres">
+      <dgm:prSet presAssocID="{1E476772-E926-42A1-9A1B-CAC3A749F5DA}" presName="linNode" presStyleCnt="0"/>
+      <dgm:spPr/>
+    </dgm:pt>
+    <dgm:pt modelId="{E0755FB0-923B-CD40-96F6-31C3C4C3B293}" type="pres">
+      <dgm:prSet presAssocID="{1E476772-E926-42A1-9A1B-CAC3A749F5DA}" presName="parentText" presStyleLbl="node1" presStyleIdx="2" presStyleCnt="4">
+        <dgm:presLayoutVars>
+          <dgm:chMax val="1"/>
+          <dgm:bulletEnabled val="1"/>
+        </dgm:presLayoutVars>
+      </dgm:prSet>
+      <dgm:spPr/>
+    </dgm:pt>
+    <dgm:pt modelId="{8463B778-1DDB-8E4F-B9A1-A6214970B0E1}" type="pres">
+      <dgm:prSet presAssocID="{1E476772-E926-42A1-9A1B-CAC3A749F5DA}" presName="descendantText" presStyleLbl="alignAccFollowNode1" presStyleIdx="2" presStyleCnt="4">
+        <dgm:presLayoutVars>
+          <dgm:bulletEnabled val="1"/>
+        </dgm:presLayoutVars>
+      </dgm:prSet>
+      <dgm:spPr/>
+    </dgm:pt>
+    <dgm:pt modelId="{B23D2AAC-6BA3-C046-BF82-B2059A3BDD42}" type="pres">
+      <dgm:prSet presAssocID="{F793F875-7251-449A-B592-4FB63D8FDCDD}" presName="sp" presStyleCnt="0"/>
+      <dgm:spPr/>
+    </dgm:pt>
+    <dgm:pt modelId="{4C79C561-E37D-E740-A25E-97D8AF251362}" type="pres">
+      <dgm:prSet presAssocID="{CDFC4793-86E9-4044-95FE-6AD5184DBCEA}" presName="linNode" presStyleCnt="0"/>
+      <dgm:spPr/>
+    </dgm:pt>
+    <dgm:pt modelId="{C1FE65BE-02DD-8147-BB71-65637701F9FD}" type="pres">
+      <dgm:prSet presAssocID="{CDFC4793-86E9-4044-95FE-6AD5184DBCEA}" presName="parentText" presStyleLbl="node1" presStyleIdx="3" presStyleCnt="4">
+        <dgm:presLayoutVars>
+          <dgm:chMax val="1"/>
+          <dgm:bulletEnabled val="1"/>
+        </dgm:presLayoutVars>
+      </dgm:prSet>
+      <dgm:spPr/>
+    </dgm:pt>
+    <dgm:pt modelId="{C00F8C18-05EB-7F40-B33A-0737D27B4492}" type="pres">
+      <dgm:prSet presAssocID="{CDFC4793-86E9-4044-95FE-6AD5184DBCEA}" presName="descendantText" presStyleLbl="alignAccFollowNode1" presStyleIdx="3" presStyleCnt="4">
+        <dgm:presLayoutVars>
+          <dgm:bulletEnabled val="1"/>
+        </dgm:presLayoutVars>
+      </dgm:prSet>
+      <dgm:spPr/>
+    </dgm:pt>
+  </dgm:ptLst>
+  <dgm:cxnLst>
+    <dgm:cxn modelId="{3F223F07-3C5E-4ABB-92B7-42827A5F1EC1}" srcId="{CDFC4793-86E9-4044-95FE-6AD5184DBCEA}" destId="{39F4DC2A-F490-49EA-BA5D-95F5D433C87A}" srcOrd="1" destOrd="0" parTransId="{6EDDE6E3-64EA-4442-A678-A719A0E7E8CF}" sibTransId="{B47119B0-95D0-467B-AB5A-9CCD79227EC4}"/>
+    <dgm:cxn modelId="{948DB717-D957-453D-9D19-FF66D970F775}" srcId="{72D78306-E24E-4A50-9867-E4E7044F5AD5}" destId="{9A6250AD-EFB0-4200-A8C7-55350B13E8AC}" srcOrd="0" destOrd="0" parTransId="{0ECF86A8-533C-4F19-9FC3-C02D7211E868}" sibTransId="{D488C0E8-4E95-47A0-BDEA-2E1F15099791}"/>
+    <dgm:cxn modelId="{96FA862B-4400-417F-9359-5ED7779A08A7}" srcId="{A1BFBDD7-1E18-445F-8115-E09FF590B384}" destId="{CDFC4793-86E9-4044-95FE-6AD5184DBCEA}" srcOrd="3" destOrd="0" parTransId="{542CA93F-266A-431F-92A2-F30873A6A78E}" sibTransId="{AEC5520D-9456-4A72-A41D-58F7C507CB6B}"/>
+    <dgm:cxn modelId="{E164972B-3D47-B74C-AFB0-EF3A03C6ACAC}" type="presOf" srcId="{09EBAF86-E7E2-4C25-8A3F-CE0F908053AE}" destId="{FDBF05B4-D36B-C149-B968-D2A2DE9F55BC}" srcOrd="0" destOrd="0" presId="urn:microsoft.com/office/officeart/2005/8/layout/vList5"/>
+    <dgm:cxn modelId="{B857F32F-BAF2-0E4E-B461-3BDA690DCFBE}" type="presOf" srcId="{9A6250AD-EFB0-4200-A8C7-55350B13E8AC}" destId="{BBBEA0E7-4147-C34B-9D66-877A2F2FBAC3}" srcOrd="0" destOrd="0" presId="urn:microsoft.com/office/officeart/2005/8/layout/vList5"/>
+    <dgm:cxn modelId="{495BB632-CCBD-B544-937A-4EAE739E28BB}" type="presOf" srcId="{D6E7D8BF-5499-4108-8C39-5A57C4CB5272}" destId="{8463B778-1DDB-8E4F-B9A1-A6214970B0E1}" srcOrd="0" destOrd="1" presId="urn:microsoft.com/office/officeart/2005/8/layout/vList5"/>
+    <dgm:cxn modelId="{23BCEB32-0336-4C37-91B0-31589EA87469}" srcId="{CDFC4793-86E9-4044-95FE-6AD5184DBCEA}" destId="{DC8C6BBF-C147-4868-A57A-6497CAE604D1}" srcOrd="0" destOrd="0" parTransId="{3A8C441B-7393-49C6-8314-FC0DC488ACEF}" sibTransId="{1A880C34-7F82-43F9-BD57-945CF5FF40CB}"/>
+    <dgm:cxn modelId="{A162D84B-14D6-4864-8B3D-67FBFA025942}" srcId="{72D78306-E24E-4A50-9867-E4E7044F5AD5}" destId="{BFD8B4BB-2A02-4DF8-A13D-148A7D546FF7}" srcOrd="1" destOrd="0" parTransId="{854F7687-E44A-4CE7-911F-74BDD448941F}" sibTransId="{709BCD26-5C12-488F-B33C-515335F9E894}"/>
+    <dgm:cxn modelId="{D3FAD658-CFE6-FA4D-92A2-CACFDCA17EA3}" type="presOf" srcId="{CDFC4793-86E9-4044-95FE-6AD5184DBCEA}" destId="{C1FE65BE-02DD-8147-BB71-65637701F9FD}" srcOrd="0" destOrd="0" presId="urn:microsoft.com/office/officeart/2005/8/layout/vList5"/>
+    <dgm:cxn modelId="{11AF366A-CCA2-7B4B-812B-8FC7F332A960}" type="presOf" srcId="{DC8C6BBF-C147-4868-A57A-6497CAE604D1}" destId="{C00F8C18-05EB-7F40-B33A-0737D27B4492}" srcOrd="0" destOrd="0" presId="urn:microsoft.com/office/officeart/2005/8/layout/vList5"/>
+    <dgm:cxn modelId="{BA4C666F-B0E3-AC44-9F56-B1F465F3BD3E}" type="presOf" srcId="{C98FC20D-A10E-44A4-A108-62A273769370}" destId="{8463B778-1DDB-8E4F-B9A1-A6214970B0E1}" srcOrd="0" destOrd="0" presId="urn:microsoft.com/office/officeart/2005/8/layout/vList5"/>
+    <dgm:cxn modelId="{7C5D4870-E458-406E-AF37-BF6CFE76D3F2}" srcId="{5C568554-7535-4300-8615-374316965E9C}" destId="{09EBAF86-E7E2-4C25-8A3F-CE0F908053AE}" srcOrd="0" destOrd="0" parTransId="{64D06446-2AAF-496C-B4D2-11E2ABF2D1CF}" sibTransId="{403656B3-781D-42E2-89D3-3BFCB18EB14F}"/>
+    <dgm:cxn modelId="{4504B573-6C30-E444-8C9B-A0ED6F55D92E}" type="presOf" srcId="{BFD8B4BB-2A02-4DF8-A13D-148A7D546FF7}" destId="{BBBEA0E7-4147-C34B-9D66-877A2F2FBAC3}" srcOrd="0" destOrd="1" presId="urn:microsoft.com/office/officeart/2005/8/layout/vList5"/>
+    <dgm:cxn modelId="{7239DC79-63FB-4124-8B34-3E6E70AFD6F5}" srcId="{1E476772-E926-42A1-9A1B-CAC3A749F5DA}" destId="{D6E7D8BF-5499-4108-8C39-5A57C4CB5272}" srcOrd="1" destOrd="0" parTransId="{25981B64-0CFA-4CF4-94C9-CCCA678AD27C}" sibTransId="{11BB140F-79CA-4536-9AF2-EE48841644D0}"/>
+    <dgm:cxn modelId="{8CC3D686-9B36-9E4E-802E-D877FD31CA41}" type="presOf" srcId="{69A67A82-3E41-4064-B619-864A1866FAE5}" destId="{C00F8C18-05EB-7F40-B33A-0737D27B4492}" srcOrd="0" destOrd="2" presId="urn:microsoft.com/office/officeart/2005/8/layout/vList5"/>
+    <dgm:cxn modelId="{62BC2D92-CE86-4C95-8AC1-66658F5842FF}" srcId="{1E476772-E926-42A1-9A1B-CAC3A749F5DA}" destId="{C98FC20D-A10E-44A4-A108-62A273769370}" srcOrd="0" destOrd="0" parTransId="{C695B60A-29CA-48D8-984D-28C1676160F8}" sibTransId="{C8E44A61-19D7-4AD9-8772-2C1A66455F1D}"/>
+    <dgm:cxn modelId="{EB346694-15B8-2146-B0C6-20FF84184762}" type="presOf" srcId="{1E476772-E926-42A1-9A1B-CAC3A749F5DA}" destId="{E0755FB0-923B-CD40-96F6-31C3C4C3B293}" srcOrd="0" destOrd="0" presId="urn:microsoft.com/office/officeart/2005/8/layout/vList5"/>
+    <dgm:cxn modelId="{FBCC07AE-1CF7-3F4F-A148-24E90ACD5023}" type="presOf" srcId="{39F4DC2A-F490-49EA-BA5D-95F5D433C87A}" destId="{C00F8C18-05EB-7F40-B33A-0737D27B4492}" srcOrd="0" destOrd="1" presId="urn:microsoft.com/office/officeart/2005/8/layout/vList5"/>
+    <dgm:cxn modelId="{5162A2BC-49D5-5C4D-A042-7C9CFB1F8697}" type="presOf" srcId="{5C568554-7535-4300-8615-374316965E9C}" destId="{C348B490-4758-2348-95D4-F47331E4A85A}" srcOrd="0" destOrd="0" presId="urn:microsoft.com/office/officeart/2005/8/layout/vList5"/>
+    <dgm:cxn modelId="{2EC7B4BC-4F25-FF43-AF3D-6AB8ABF4B016}" type="presOf" srcId="{72D78306-E24E-4A50-9867-E4E7044F5AD5}" destId="{A4EBBE77-BE75-574C-8FCD-5A1BDCEE059F}" srcOrd="0" destOrd="0" presId="urn:microsoft.com/office/officeart/2005/8/layout/vList5"/>
+    <dgm:cxn modelId="{C10EB3DE-C4A9-4B9E-AE27-554FE2895AC9}" srcId="{CDFC4793-86E9-4044-95FE-6AD5184DBCEA}" destId="{69A67A82-3E41-4064-B619-864A1866FAE5}" srcOrd="2" destOrd="0" parTransId="{1F9B1627-4EB1-4BA0-AC60-EF8E44F9A529}" sibTransId="{7A0ABF5D-F3B3-41F0-AADC-64D60C8D6DAE}"/>
+    <dgm:cxn modelId="{A4D61DE6-543D-44B2-872E-3113675C832D}" srcId="{A1BFBDD7-1E18-445F-8115-E09FF590B384}" destId="{72D78306-E24E-4A50-9867-E4E7044F5AD5}" srcOrd="1" destOrd="0" parTransId="{675EE85A-3FD4-47F5-9F2B-BAB6B113D1E4}" sibTransId="{0882FDED-A438-4DF3-AA7C-21E9F99C770E}"/>
+    <dgm:cxn modelId="{EFB27BE6-A1F0-44D2-867A-4466D249D959}" srcId="{A1BFBDD7-1E18-445F-8115-E09FF590B384}" destId="{1E476772-E926-42A1-9A1B-CAC3A749F5DA}" srcOrd="2" destOrd="0" parTransId="{F6FA7A1B-C792-4ECC-A061-CEB27BD69CF1}" sibTransId="{F793F875-7251-449A-B592-4FB63D8FDCDD}"/>
+    <dgm:cxn modelId="{F1205EF0-6C04-4628-9577-8EF2693DDB93}" srcId="{A1BFBDD7-1E18-445F-8115-E09FF590B384}" destId="{5C568554-7535-4300-8615-374316965E9C}" srcOrd="0" destOrd="0" parTransId="{5E668361-676E-41E3-8736-49DC20FD8275}" sibTransId="{4BB1CD2E-0D05-4741-9C6A-BDFA8A4BCE07}"/>
+    <dgm:cxn modelId="{AB6494FE-BE24-C34E-8E54-3BB0A8447E52}" type="presOf" srcId="{A1BFBDD7-1E18-445F-8115-E09FF590B384}" destId="{3B17F6D1-1289-D84A-998F-5B0F9C690318}" srcOrd="0" destOrd="0" presId="urn:microsoft.com/office/officeart/2005/8/layout/vList5"/>
+    <dgm:cxn modelId="{CFAFAF6A-88FC-4E4B-9133-85F4E9C15351}" type="presParOf" srcId="{3B17F6D1-1289-D84A-998F-5B0F9C690318}" destId="{AF9E883A-F6A6-8349-8997-B3659E49C965}" srcOrd="0" destOrd="0" presId="urn:microsoft.com/office/officeart/2005/8/layout/vList5"/>
+    <dgm:cxn modelId="{EAE05424-881F-F440-BD30-09C5B16B5251}" type="presParOf" srcId="{AF9E883A-F6A6-8349-8997-B3659E49C965}" destId="{C348B490-4758-2348-95D4-F47331E4A85A}" srcOrd="0" destOrd="0" presId="urn:microsoft.com/office/officeart/2005/8/layout/vList5"/>
+    <dgm:cxn modelId="{F80BAD51-3E88-FB4D-BAF9-0601C81D5360}" type="presParOf" srcId="{AF9E883A-F6A6-8349-8997-B3659E49C965}" destId="{FDBF05B4-D36B-C149-B968-D2A2DE9F55BC}" srcOrd="1" destOrd="0" presId="urn:microsoft.com/office/officeart/2005/8/layout/vList5"/>
+    <dgm:cxn modelId="{08648083-2521-994E-8BA5-F2C0A0E39EA7}" type="presParOf" srcId="{3B17F6D1-1289-D84A-998F-5B0F9C690318}" destId="{9528C5E7-5B33-9C4E-9A41-983A87AA15D9}" srcOrd="1" destOrd="0" presId="urn:microsoft.com/office/officeart/2005/8/layout/vList5"/>
+    <dgm:cxn modelId="{F7582F23-B98F-4C41-8D96-23EC77F8E1BF}" type="presParOf" srcId="{3B17F6D1-1289-D84A-998F-5B0F9C690318}" destId="{C63BA1E9-3E45-9549-B706-2667FF452DA1}" srcOrd="2" destOrd="0" presId="urn:microsoft.com/office/officeart/2005/8/layout/vList5"/>
+    <dgm:cxn modelId="{D518ACB2-899A-D946-B788-47F43D71BF8F}" type="presParOf" srcId="{C63BA1E9-3E45-9549-B706-2667FF452DA1}" destId="{A4EBBE77-BE75-574C-8FCD-5A1BDCEE059F}" srcOrd="0" destOrd="0" presId="urn:microsoft.com/office/officeart/2005/8/layout/vList5"/>
+    <dgm:cxn modelId="{5251967F-2D53-0447-B9C1-6F12B6B46F16}" type="presParOf" srcId="{C63BA1E9-3E45-9549-B706-2667FF452DA1}" destId="{BBBEA0E7-4147-C34B-9D66-877A2F2FBAC3}" srcOrd="1" destOrd="0" presId="urn:microsoft.com/office/officeart/2005/8/layout/vList5"/>
+    <dgm:cxn modelId="{14C377F4-2AFD-1144-AA13-87CE3D277772}" type="presParOf" srcId="{3B17F6D1-1289-D84A-998F-5B0F9C690318}" destId="{D127B4C9-27FB-B34D-87BF-E84060B5543B}" srcOrd="3" destOrd="0" presId="urn:microsoft.com/office/officeart/2005/8/layout/vList5"/>
+    <dgm:cxn modelId="{2C53DD7D-CB9E-5A40-9E0B-15D24970B8CC}" type="presParOf" srcId="{3B17F6D1-1289-D84A-998F-5B0F9C690318}" destId="{FB6A2B43-3FBB-4542-B549-8A57F2F021C3}" srcOrd="4" destOrd="0" presId="urn:microsoft.com/office/officeart/2005/8/layout/vList5"/>
+    <dgm:cxn modelId="{922F70FD-49F6-6D45-A1B3-7EE175C5555E}" type="presParOf" srcId="{FB6A2B43-3FBB-4542-B549-8A57F2F021C3}" destId="{E0755FB0-923B-CD40-96F6-31C3C4C3B293}" srcOrd="0" destOrd="0" presId="urn:microsoft.com/office/officeart/2005/8/layout/vList5"/>
+    <dgm:cxn modelId="{43A233A6-4BC5-8D45-85D5-BF4557A13710}" type="presParOf" srcId="{FB6A2B43-3FBB-4542-B549-8A57F2F021C3}" destId="{8463B778-1DDB-8E4F-B9A1-A6214970B0E1}" srcOrd="1" destOrd="0" presId="urn:microsoft.com/office/officeart/2005/8/layout/vList5"/>
+    <dgm:cxn modelId="{7070260D-C24C-1347-BFC2-74A7CF38D4D1}" type="presParOf" srcId="{3B17F6D1-1289-D84A-998F-5B0F9C690318}" destId="{B23D2AAC-6BA3-C046-BF82-B2059A3BDD42}" srcOrd="5" destOrd="0" presId="urn:microsoft.com/office/officeart/2005/8/layout/vList5"/>
+    <dgm:cxn modelId="{6FBDA669-56B8-3645-B448-0688D5651EE8}" type="presParOf" srcId="{3B17F6D1-1289-D84A-998F-5B0F9C690318}" destId="{4C79C561-E37D-E740-A25E-97D8AF251362}" srcOrd="6" destOrd="0" presId="urn:microsoft.com/office/officeart/2005/8/layout/vList5"/>
+    <dgm:cxn modelId="{9ED99509-C686-A94C-A17B-06184CC1B672}" type="presParOf" srcId="{4C79C561-E37D-E740-A25E-97D8AF251362}" destId="{C1FE65BE-02DD-8147-BB71-65637701F9FD}" srcOrd="0" destOrd="0" presId="urn:microsoft.com/office/officeart/2005/8/layout/vList5"/>
+    <dgm:cxn modelId="{899DB646-E1AF-AF4F-BC2D-037F78510AB5}" type="presParOf" srcId="{4C79C561-E37D-E740-A25E-97D8AF251362}" destId="{C00F8C18-05EB-7F40-B33A-0737D27B4492}" srcOrd="1" destOrd="0" presId="urn:microsoft.com/office/officeart/2005/8/layout/vList5"/>
+  </dgm:cxnLst>
+  <dgm:bg/>
+  <dgm:whole/>
+  <dgm:extLst>
+    <a:ext uri="http://schemas.microsoft.com/office/drawing/2008/diagram">
+      <dsp:dataModelExt xmlns:dsp="http://schemas.microsoft.com/office/drawing/2008/diagram" relId="rId7" minVer="http://schemas.openxmlformats.org/drawingml/2006/diagram"/>
+    </a:ext>
+  </dgm:extLst>
+</dgm:dataModel>
+</file>
+
+<file path=ppt/diagrams/drawing1.xml><?xml version="1.0" encoding="utf-8"?>
+<dsp:drawing xmlns:dgm="http://schemas.openxmlformats.org/drawingml/2006/diagram" xmlns:dsp="http://schemas.microsoft.com/office/drawing/2008/diagram" xmlns:a="http://schemas.openxmlformats.org/drawingml/2006/main">
+  <dsp:spTree>
+    <dsp:nvGrpSpPr>
+      <dsp:cNvPr id="0" name=""/>
+      <dsp:cNvGrpSpPr/>
+    </dsp:nvGrpSpPr>
+    <dsp:grpSpPr/>
+    <dsp:sp modelId="{FDBF05B4-D36B-C149-B968-D2A2DE9F55BC}">
+      <dsp:nvSpPr>
+        <dsp:cNvPr id="0" name=""/>
+        <dsp:cNvSpPr/>
+      </dsp:nvSpPr>
+      <dsp:spPr>
+        <a:xfrm rot="5400000">
+          <a:off x="3862548" y="-1373030"/>
+          <a:ext cx="1133404" cy="4168706"/>
+        </a:xfrm>
+        <a:prstGeom prst="round2SameRect">
+          <a:avLst/>
+        </a:prstGeom>
+        <a:solidFill>
+          <a:schemeClr val="accent2">
+            <a:tint val="40000"/>
+            <a:alpha val="90000"/>
+            <a:hueOff val="0"/>
+            <a:satOff val="0"/>
+            <a:lumOff val="0"/>
+            <a:alphaOff val="0"/>
+          </a:schemeClr>
+        </a:solidFill>
+        <a:ln w="12700" cap="flat" cmpd="sng" algn="ctr">
+          <a:solidFill>
+            <a:schemeClr val="accent2">
+              <a:tint val="40000"/>
+              <a:alpha val="90000"/>
+              <a:hueOff val="0"/>
+              <a:satOff val="0"/>
+              <a:lumOff val="0"/>
+              <a:alphaOff val="0"/>
+            </a:schemeClr>
+          </a:solidFill>
+          <a:prstDash val="solid"/>
+          <a:miter lim="800000"/>
+        </a:ln>
+        <a:effectLst/>
+      </dsp:spPr>
+      <dsp:style>
+        <a:lnRef idx="2">
+          <a:scrgbClr r="0" g="0" b="0"/>
+        </a:lnRef>
+        <a:fillRef idx="1">
+          <a:scrgbClr r="0" g="0" b="0"/>
+        </a:fillRef>
+        <a:effectRef idx="0">
+          <a:scrgbClr r="0" g="0" b="0"/>
+        </a:effectRef>
+        <a:fontRef idx="minor"/>
+      </dsp:style>
+      <dsp:txBody>
+        <a:bodyPr spcFirstLastPara="0" vert="horz" wrap="square" lIns="49530" tIns="24765" rIns="49530" bIns="24765" numCol="1" spcCol="1270" anchor="ctr" anchorCtr="0">
+          <a:noAutofit/>
+        </a:bodyPr>
+        <a:lstStyle/>
+        <a:p>
+          <a:pPr marL="114300" lvl="1" indent="-114300" algn="l" defTabSz="577850">
+            <a:lnSpc>
+              <a:spcPct val="90000"/>
+            </a:lnSpc>
+            <a:spcBef>
+              <a:spcPct val="0"/>
+            </a:spcBef>
+            <a:spcAft>
+              <a:spcPct val="15000"/>
+            </a:spcAft>
+            <a:buChar char="•"/>
+          </a:pPr>
+          <a:r>
+            <a:rPr lang="en-US" sz="1300" kern="1200" dirty="0"/>
+            <a:t>Most </a:t>
+          </a:r>
+          <a:r>
+            <a:rPr lang="en-US" sz="1300" kern="1200" dirty="0" err="1"/>
+            <a:t>usefull</a:t>
+          </a:r>
+          <a:r>
+            <a:rPr lang="en-US" sz="1300" kern="1200" dirty="0"/>
+            <a:t> in unbalanced workloads. Dynamic scheduling with producer and consumer algorithms</a:t>
+          </a:r>
+        </a:p>
+      </dsp:txBody>
+      <dsp:txXfrm rot="-5400000">
+        <a:off x="2344897" y="199949"/>
+        <a:ext cx="4113378" cy="1022748"/>
+      </dsp:txXfrm>
+    </dsp:sp>
+    <dsp:sp modelId="{C348B490-4758-2348-95D4-F47331E4A85A}">
+      <dsp:nvSpPr>
+        <dsp:cNvPr id="0" name=""/>
+        <dsp:cNvSpPr/>
+      </dsp:nvSpPr>
+      <dsp:spPr>
+        <a:xfrm>
+          <a:off x="0" y="2945"/>
+          <a:ext cx="2344897" cy="1416755"/>
+        </a:xfrm>
+        <a:prstGeom prst="roundRect">
+          <a:avLst/>
+        </a:prstGeom>
+        <a:solidFill>
+          <a:schemeClr val="accent2">
+            <a:hueOff val="0"/>
+            <a:satOff val="0"/>
+            <a:lumOff val="0"/>
+            <a:alphaOff val="0"/>
+          </a:schemeClr>
+        </a:solidFill>
+        <a:ln w="12700" cap="flat" cmpd="sng" algn="ctr">
+          <a:solidFill>
+            <a:schemeClr val="lt1">
+              <a:hueOff val="0"/>
+              <a:satOff val="0"/>
+              <a:lumOff val="0"/>
+              <a:alphaOff val="0"/>
+            </a:schemeClr>
+          </a:solidFill>
+          <a:prstDash val="solid"/>
+          <a:miter lim="800000"/>
+        </a:ln>
+        <a:effectLst/>
+      </dsp:spPr>
+      <dsp:style>
+        <a:lnRef idx="2">
+          <a:scrgbClr r="0" g="0" b="0"/>
+        </a:lnRef>
+        <a:fillRef idx="1">
+          <a:scrgbClr r="0" g="0" b="0"/>
+        </a:fillRef>
+        <a:effectRef idx="0">
+          <a:scrgbClr r="0" g="0" b="0"/>
+        </a:effectRef>
+        <a:fontRef idx="minor">
+          <a:schemeClr val="lt1"/>
+        </a:fontRef>
+      </dsp:style>
+      <dsp:txBody>
+        <a:bodyPr spcFirstLastPara="0" vert="horz" wrap="square" lIns="121920" tIns="60960" rIns="121920" bIns="60960" numCol="1" spcCol="1270" anchor="ctr" anchorCtr="0">
+          <a:noAutofit/>
+        </a:bodyPr>
+        <a:lstStyle/>
+        <a:p>
+          <a:pPr marL="0" lvl="0" indent="0" algn="ctr" defTabSz="1422400">
+            <a:lnSpc>
+              <a:spcPct val="90000"/>
+            </a:lnSpc>
+            <a:spcBef>
+              <a:spcPct val="0"/>
+            </a:spcBef>
+            <a:spcAft>
+              <a:spcPct val="35000"/>
+            </a:spcAft>
+            <a:buNone/>
+          </a:pPr>
+          <a:r>
+            <a:rPr lang="en-US" sz="3200" kern="1200" dirty="0"/>
+            <a:t>Coroutines</a:t>
+          </a:r>
+        </a:p>
+      </dsp:txBody>
+      <dsp:txXfrm>
+        <a:off x="69160" y="72105"/>
+        <a:ext cx="2206577" cy="1278435"/>
+      </dsp:txXfrm>
+    </dsp:sp>
+    <dsp:sp modelId="{BBBEA0E7-4147-C34B-9D66-877A2F2FBAC3}">
+      <dsp:nvSpPr>
+        <dsp:cNvPr id="0" name=""/>
+        <dsp:cNvSpPr/>
+      </dsp:nvSpPr>
+      <dsp:spPr>
+        <a:xfrm rot="5400000">
+          <a:off x="3862548" y="114563"/>
+          <a:ext cx="1133404" cy="4168706"/>
+        </a:xfrm>
+        <a:prstGeom prst="round2SameRect">
+          <a:avLst/>
+        </a:prstGeom>
+        <a:solidFill>
+          <a:schemeClr val="accent2">
+            <a:tint val="40000"/>
+            <a:alpha val="90000"/>
+            <a:hueOff val="-283075"/>
+            <a:satOff val="-25115"/>
+            <a:lumOff val="-256"/>
+            <a:alphaOff val="0"/>
+          </a:schemeClr>
+        </a:solidFill>
+        <a:ln w="12700" cap="flat" cmpd="sng" algn="ctr">
+          <a:solidFill>
+            <a:schemeClr val="accent2">
+              <a:tint val="40000"/>
+              <a:alpha val="90000"/>
+              <a:hueOff val="-283075"/>
+              <a:satOff val="-25115"/>
+              <a:lumOff val="-256"/>
+              <a:alphaOff val="0"/>
+            </a:schemeClr>
+          </a:solidFill>
+          <a:prstDash val="solid"/>
+          <a:miter lim="800000"/>
+        </a:ln>
+        <a:effectLst/>
+      </dsp:spPr>
+      <dsp:style>
+        <a:lnRef idx="2">
+          <a:scrgbClr r="0" g="0" b="0"/>
+        </a:lnRef>
+        <a:fillRef idx="1">
+          <a:scrgbClr r="0" g="0" b="0"/>
+        </a:fillRef>
+        <a:effectRef idx="0">
+          <a:scrgbClr r="0" g="0" b="0"/>
+        </a:effectRef>
+        <a:fontRef idx="minor"/>
+      </dsp:style>
+      <dsp:txBody>
+        <a:bodyPr spcFirstLastPara="0" vert="horz" wrap="square" lIns="49530" tIns="24765" rIns="49530" bIns="24765" numCol="1" spcCol="1270" anchor="ctr" anchorCtr="0">
+          <a:noAutofit/>
+        </a:bodyPr>
+        <a:lstStyle/>
+        <a:p>
+          <a:pPr marL="114300" lvl="1" indent="-114300" algn="l" defTabSz="577850">
+            <a:lnSpc>
+              <a:spcPct val="90000"/>
+            </a:lnSpc>
+            <a:spcBef>
+              <a:spcPct val="0"/>
+            </a:spcBef>
+            <a:spcAft>
+              <a:spcPct val="15000"/>
+            </a:spcAft>
+            <a:buChar char="•"/>
+          </a:pPr>
+          <a:r>
+            <a:rPr lang="en-US" sz="1300" kern="1200" dirty="0"/>
+            <a:t>@thread macro</a:t>
+          </a:r>
+        </a:p>
+        <a:p>
+          <a:pPr marL="114300" lvl="1" indent="-114300" algn="l" defTabSz="577850">
+            <a:lnSpc>
+              <a:spcPct val="90000"/>
+            </a:lnSpc>
+            <a:spcBef>
+              <a:spcPct val="0"/>
+            </a:spcBef>
+            <a:spcAft>
+              <a:spcPct val="15000"/>
+            </a:spcAft>
+            <a:buChar char="•"/>
+          </a:pPr>
+          <a:r>
+            <a:rPr lang="en-US" sz="1300" kern="1200" dirty="0"/>
+            <a:t>Atomic operations -&gt; avoid race condition</a:t>
+          </a:r>
+        </a:p>
+      </dsp:txBody>
+      <dsp:txXfrm rot="-5400000">
+        <a:off x="2344897" y="1687542"/>
+        <a:ext cx="4113378" cy="1022748"/>
+      </dsp:txXfrm>
+    </dsp:sp>
+    <dsp:sp modelId="{A4EBBE77-BE75-574C-8FCD-5A1BDCEE059F}">
+      <dsp:nvSpPr>
+        <dsp:cNvPr id="0" name=""/>
+        <dsp:cNvSpPr/>
+      </dsp:nvSpPr>
+      <dsp:spPr>
+        <a:xfrm>
+          <a:off x="0" y="1490538"/>
+          <a:ext cx="2344897" cy="1416755"/>
+        </a:xfrm>
+        <a:prstGeom prst="roundRect">
+          <a:avLst/>
+        </a:prstGeom>
+        <a:solidFill>
+          <a:schemeClr val="accent2">
+            <a:hueOff val="-485121"/>
+            <a:satOff val="-27976"/>
+            <a:lumOff val="2876"/>
+            <a:alphaOff val="0"/>
+          </a:schemeClr>
+        </a:solidFill>
+        <a:ln w="12700" cap="flat" cmpd="sng" algn="ctr">
+          <a:solidFill>
+            <a:schemeClr val="lt1">
+              <a:hueOff val="0"/>
+              <a:satOff val="0"/>
+              <a:lumOff val="0"/>
+              <a:alphaOff val="0"/>
+            </a:schemeClr>
+          </a:solidFill>
+          <a:prstDash val="solid"/>
+          <a:miter lim="800000"/>
+        </a:ln>
+        <a:effectLst/>
+      </dsp:spPr>
+      <dsp:style>
+        <a:lnRef idx="2">
+          <a:scrgbClr r="0" g="0" b="0"/>
+        </a:lnRef>
+        <a:fillRef idx="1">
+          <a:scrgbClr r="0" g="0" b="0"/>
+        </a:fillRef>
+        <a:effectRef idx="0">
+          <a:scrgbClr r="0" g="0" b="0"/>
+        </a:effectRef>
+        <a:fontRef idx="minor">
+          <a:schemeClr val="lt1"/>
+        </a:fontRef>
+      </dsp:style>
+      <dsp:txBody>
+        <a:bodyPr spcFirstLastPara="0" vert="horz" wrap="square" lIns="121920" tIns="60960" rIns="121920" bIns="60960" numCol="1" spcCol="1270" anchor="ctr" anchorCtr="0">
+          <a:noAutofit/>
+        </a:bodyPr>
+        <a:lstStyle/>
+        <a:p>
+          <a:pPr marL="0" lvl="0" indent="0" algn="ctr" defTabSz="1422400">
+            <a:lnSpc>
+              <a:spcPct val="90000"/>
+            </a:lnSpc>
+            <a:spcBef>
+              <a:spcPct val="0"/>
+            </a:spcBef>
+            <a:spcAft>
+              <a:spcPct val="35000"/>
+            </a:spcAft>
+            <a:buNone/>
+          </a:pPr>
+          <a:r>
+            <a:rPr lang="en-US" sz="3200" kern="1200" dirty="0"/>
+            <a:t>Multi-threading</a:t>
+          </a:r>
+        </a:p>
+      </dsp:txBody>
+      <dsp:txXfrm>
+        <a:off x="69160" y="1559698"/>
+        <a:ext cx="2206577" cy="1278435"/>
+      </dsp:txXfrm>
+    </dsp:sp>
+    <dsp:sp modelId="{8463B778-1DDB-8E4F-B9A1-A6214970B0E1}">
+      <dsp:nvSpPr>
+        <dsp:cNvPr id="0" name=""/>
+        <dsp:cNvSpPr/>
+      </dsp:nvSpPr>
+      <dsp:spPr>
+        <a:xfrm rot="5400000">
+          <a:off x="3862548" y="1602156"/>
+          <a:ext cx="1133404" cy="4168706"/>
+        </a:xfrm>
+        <a:prstGeom prst="round2SameRect">
+          <a:avLst/>
+        </a:prstGeom>
+        <a:solidFill>
+          <a:schemeClr val="accent2">
+            <a:tint val="40000"/>
+            <a:alpha val="90000"/>
+            <a:hueOff val="-566151"/>
+            <a:satOff val="-50231"/>
+            <a:lumOff val="-513"/>
+            <a:alphaOff val="0"/>
+          </a:schemeClr>
+        </a:solidFill>
+        <a:ln w="12700" cap="flat" cmpd="sng" algn="ctr">
+          <a:solidFill>
+            <a:schemeClr val="accent2">
+              <a:tint val="40000"/>
+              <a:alpha val="90000"/>
+              <a:hueOff val="-566151"/>
+              <a:satOff val="-50231"/>
+              <a:lumOff val="-513"/>
+              <a:alphaOff val="0"/>
+            </a:schemeClr>
+          </a:solidFill>
+          <a:prstDash val="solid"/>
+          <a:miter lim="800000"/>
+        </a:ln>
+        <a:effectLst/>
+      </dsp:spPr>
+      <dsp:style>
+        <a:lnRef idx="2">
+          <a:scrgbClr r="0" g="0" b="0"/>
+        </a:lnRef>
+        <a:fillRef idx="1">
+          <a:scrgbClr r="0" g="0" b="0"/>
+        </a:fillRef>
+        <a:effectRef idx="0">
+          <a:scrgbClr r="0" g="0" b="0"/>
+        </a:effectRef>
+        <a:fontRef idx="minor"/>
+      </dsp:style>
+      <dsp:txBody>
+        <a:bodyPr spcFirstLastPara="0" vert="horz" wrap="square" lIns="49530" tIns="24765" rIns="49530" bIns="24765" numCol="1" spcCol="1270" anchor="ctr" anchorCtr="0">
+          <a:noAutofit/>
+        </a:bodyPr>
+        <a:lstStyle/>
+        <a:p>
+          <a:pPr marL="114300" lvl="1" indent="-114300" algn="l" defTabSz="577850">
+            <a:lnSpc>
+              <a:spcPct val="90000"/>
+            </a:lnSpc>
+            <a:spcBef>
+              <a:spcPct val="0"/>
+            </a:spcBef>
+            <a:spcAft>
+              <a:spcPct val="15000"/>
+            </a:spcAft>
+            <a:buChar char="•"/>
+          </a:pPr>
+          <a:r>
+            <a:rPr lang="en-US" sz="1300" kern="1200"/>
+            <a:t>Code availability and loading packages  </a:t>
+          </a:r>
+        </a:p>
+        <a:p>
+          <a:pPr marL="114300" lvl="1" indent="-114300" algn="l" defTabSz="577850">
+            <a:lnSpc>
+              <a:spcPct val="90000"/>
+            </a:lnSpc>
+            <a:spcBef>
+              <a:spcPct val="0"/>
+            </a:spcBef>
+            <a:spcAft>
+              <a:spcPct val="15000"/>
+            </a:spcAft>
+            <a:buChar char="•"/>
+          </a:pPr>
+          <a:r>
+            <a:rPr lang="en-US" sz="1300" kern="1200"/>
+            <a:t>Data movement</a:t>
+          </a:r>
+        </a:p>
+      </dsp:txBody>
+      <dsp:txXfrm rot="-5400000">
+        <a:off x="2344897" y="3175135"/>
+        <a:ext cx="4113378" cy="1022748"/>
+      </dsp:txXfrm>
+    </dsp:sp>
+    <dsp:sp modelId="{E0755FB0-923B-CD40-96F6-31C3C4C3B293}">
+      <dsp:nvSpPr>
+        <dsp:cNvPr id="0" name=""/>
+        <dsp:cNvSpPr/>
+      </dsp:nvSpPr>
+      <dsp:spPr>
+        <a:xfrm>
+          <a:off x="0" y="2978131"/>
+          <a:ext cx="2344897" cy="1416755"/>
+        </a:xfrm>
+        <a:prstGeom prst="roundRect">
+          <a:avLst/>
+        </a:prstGeom>
+        <a:solidFill>
+          <a:schemeClr val="accent2">
+            <a:hueOff val="-970242"/>
+            <a:satOff val="-55952"/>
+            <a:lumOff val="5752"/>
+            <a:alphaOff val="0"/>
+          </a:schemeClr>
+        </a:solidFill>
+        <a:ln w="12700" cap="flat" cmpd="sng" algn="ctr">
+          <a:solidFill>
+            <a:schemeClr val="lt1">
+              <a:hueOff val="0"/>
+              <a:satOff val="0"/>
+              <a:lumOff val="0"/>
+              <a:alphaOff val="0"/>
+            </a:schemeClr>
+          </a:solidFill>
+          <a:prstDash val="solid"/>
+          <a:miter lim="800000"/>
+        </a:ln>
+        <a:effectLst/>
+      </dsp:spPr>
+      <dsp:style>
+        <a:lnRef idx="2">
+          <a:scrgbClr r="0" g="0" b="0"/>
+        </a:lnRef>
+        <a:fillRef idx="1">
+          <a:scrgbClr r="0" g="0" b="0"/>
+        </a:fillRef>
+        <a:effectRef idx="0">
+          <a:scrgbClr r="0" g="0" b="0"/>
+        </a:effectRef>
+        <a:fontRef idx="minor">
+          <a:schemeClr val="lt1"/>
+        </a:fontRef>
+      </dsp:style>
+      <dsp:txBody>
+        <a:bodyPr spcFirstLastPara="0" vert="horz" wrap="square" lIns="121920" tIns="60960" rIns="121920" bIns="60960" numCol="1" spcCol="1270" anchor="ctr" anchorCtr="0">
+          <a:noAutofit/>
+        </a:bodyPr>
+        <a:lstStyle/>
+        <a:p>
+          <a:pPr marL="0" lvl="0" indent="0" algn="ctr" defTabSz="1422400">
+            <a:lnSpc>
+              <a:spcPct val="90000"/>
+            </a:lnSpc>
+            <a:spcBef>
+              <a:spcPct val="0"/>
+            </a:spcBef>
+            <a:spcAft>
+              <a:spcPct val="35000"/>
+            </a:spcAft>
+            <a:buNone/>
+          </a:pPr>
+          <a:r>
+            <a:rPr lang="en-US" sz="3200" kern="1200"/>
+            <a:t>Distributed Computing</a:t>
+          </a:r>
+        </a:p>
+      </dsp:txBody>
+      <dsp:txXfrm>
+        <a:off x="69160" y="3047291"/>
+        <a:ext cx="2206577" cy="1278435"/>
+      </dsp:txXfrm>
+    </dsp:sp>
+    <dsp:sp modelId="{C00F8C18-05EB-7F40-B33A-0737D27B4492}">
+      <dsp:nvSpPr>
+        <dsp:cNvPr id="0" name=""/>
+        <dsp:cNvSpPr/>
+      </dsp:nvSpPr>
+      <dsp:spPr>
+        <a:xfrm rot="5400000">
+          <a:off x="3862548" y="3089749"/>
+          <a:ext cx="1133404" cy="4168706"/>
+        </a:xfrm>
+        <a:prstGeom prst="round2SameRect">
+          <a:avLst/>
+        </a:prstGeom>
+        <a:solidFill>
+          <a:schemeClr val="accent2">
+            <a:tint val="40000"/>
+            <a:alpha val="90000"/>
+            <a:hueOff val="-849226"/>
+            <a:satOff val="-75346"/>
+            <a:lumOff val="-769"/>
+            <a:alphaOff val="0"/>
+          </a:schemeClr>
+        </a:solidFill>
+        <a:ln w="12700" cap="flat" cmpd="sng" algn="ctr">
+          <a:solidFill>
+            <a:schemeClr val="accent2">
+              <a:tint val="40000"/>
+              <a:alpha val="90000"/>
+              <a:hueOff val="-849226"/>
+              <a:satOff val="-75346"/>
+              <a:lumOff val="-769"/>
+              <a:alphaOff val="0"/>
+            </a:schemeClr>
+          </a:solidFill>
+          <a:prstDash val="solid"/>
+          <a:miter lim="800000"/>
+        </a:ln>
+        <a:effectLst/>
+      </dsp:spPr>
+      <dsp:style>
+        <a:lnRef idx="2">
+          <a:scrgbClr r="0" g="0" b="0"/>
+        </a:lnRef>
+        <a:fillRef idx="1">
+          <a:scrgbClr r="0" g="0" b="0"/>
+        </a:fillRef>
+        <a:effectRef idx="0">
+          <a:scrgbClr r="0" g="0" b="0"/>
+        </a:effectRef>
+        <a:fontRef idx="minor"/>
+      </dsp:style>
+      <dsp:txBody>
+        <a:bodyPr spcFirstLastPara="0" vert="horz" wrap="square" lIns="49530" tIns="24765" rIns="49530" bIns="24765" numCol="1" spcCol="1270" anchor="ctr" anchorCtr="0">
+          <a:noAutofit/>
+        </a:bodyPr>
+        <a:lstStyle/>
+        <a:p>
+          <a:pPr marL="114300" lvl="1" indent="-114300" algn="l" defTabSz="577850">
+            <a:lnSpc>
+              <a:spcPct val="90000"/>
+            </a:lnSpc>
+            <a:spcBef>
+              <a:spcPct val="0"/>
+            </a:spcBef>
+            <a:spcAft>
+              <a:spcPct val="15000"/>
+            </a:spcAft>
+            <a:buChar char="•"/>
+          </a:pPr>
+          <a:r>
+            <a:rPr lang="en-US" sz="1300" kern="1200"/>
+            <a:t>CUDA and OpenCL support</a:t>
+          </a:r>
+        </a:p>
+        <a:p>
+          <a:pPr marL="114300" lvl="1" indent="-114300" algn="l" defTabSz="577850">
+            <a:lnSpc>
+              <a:spcPct val="90000"/>
+            </a:lnSpc>
+            <a:spcBef>
+              <a:spcPct val="0"/>
+            </a:spcBef>
+            <a:spcAft>
+              <a:spcPct val="15000"/>
+            </a:spcAft>
+            <a:buChar char="•"/>
+          </a:pPr>
+          <a:r>
+            <a:rPr lang="en-US" sz="1300" kern="1200"/>
+            <a:t>Hands off approach: use existing library such as CuArrays or CLArrays </a:t>
+          </a:r>
+        </a:p>
+        <a:p>
+          <a:pPr marL="114300" lvl="1" indent="-114300" algn="l" defTabSz="577850">
+            <a:lnSpc>
+              <a:spcPct val="90000"/>
+            </a:lnSpc>
+            <a:spcBef>
+              <a:spcPct val="0"/>
+            </a:spcBef>
+            <a:spcAft>
+              <a:spcPct val="15000"/>
+            </a:spcAft>
+            <a:buChar char="•"/>
+          </a:pPr>
+          <a:r>
+            <a:rPr lang="en-US" sz="1300" kern="1200"/>
+            <a:t>Hands on approach: write custom GPU kernel using CUDAnative and CUDAdrv</a:t>
+          </a:r>
+        </a:p>
+      </dsp:txBody>
+      <dsp:txXfrm rot="-5400000">
+        <a:off x="2344897" y="4662728"/>
+        <a:ext cx="4113378" cy="1022748"/>
+      </dsp:txXfrm>
+    </dsp:sp>
+    <dsp:sp modelId="{C1FE65BE-02DD-8147-BB71-65637701F9FD}">
+      <dsp:nvSpPr>
+        <dsp:cNvPr id="0" name=""/>
+        <dsp:cNvSpPr/>
+      </dsp:nvSpPr>
+      <dsp:spPr>
+        <a:xfrm>
+          <a:off x="0" y="4465725"/>
+          <a:ext cx="2344897" cy="1416755"/>
+        </a:xfrm>
+        <a:prstGeom prst="roundRect">
+          <a:avLst/>
+        </a:prstGeom>
+        <a:solidFill>
+          <a:schemeClr val="accent2">
+            <a:hueOff val="-1455363"/>
+            <a:satOff val="-83928"/>
+            <a:lumOff val="8628"/>
+            <a:alphaOff val="0"/>
+          </a:schemeClr>
+        </a:solidFill>
+        <a:ln w="12700" cap="flat" cmpd="sng" algn="ctr">
+          <a:solidFill>
+            <a:schemeClr val="lt1">
+              <a:hueOff val="0"/>
+              <a:satOff val="0"/>
+              <a:lumOff val="0"/>
+              <a:alphaOff val="0"/>
+            </a:schemeClr>
+          </a:solidFill>
+          <a:prstDash val="solid"/>
+          <a:miter lim="800000"/>
+        </a:ln>
+        <a:effectLst/>
+      </dsp:spPr>
+      <dsp:style>
+        <a:lnRef idx="2">
+          <a:scrgbClr r="0" g="0" b="0"/>
+        </a:lnRef>
+        <a:fillRef idx="1">
+          <a:scrgbClr r="0" g="0" b="0"/>
+        </a:fillRef>
+        <a:effectRef idx="0">
+          <a:scrgbClr r="0" g="0" b="0"/>
+        </a:effectRef>
+        <a:fontRef idx="minor">
+          <a:schemeClr val="lt1"/>
+        </a:fontRef>
+      </dsp:style>
+      <dsp:txBody>
+        <a:bodyPr spcFirstLastPara="0" vert="horz" wrap="square" lIns="121920" tIns="60960" rIns="121920" bIns="60960" numCol="1" spcCol="1270" anchor="ctr" anchorCtr="0">
+          <a:noAutofit/>
+        </a:bodyPr>
+        <a:lstStyle/>
+        <a:p>
+          <a:pPr marL="0" lvl="0" indent="0" algn="ctr" defTabSz="1422400">
+            <a:lnSpc>
+              <a:spcPct val="90000"/>
+            </a:lnSpc>
+            <a:spcBef>
+              <a:spcPct val="0"/>
+            </a:spcBef>
+            <a:spcAft>
+              <a:spcPct val="35000"/>
+            </a:spcAft>
+            <a:buNone/>
+          </a:pPr>
+          <a:r>
+            <a:rPr lang="en-US" sz="3200" kern="1200"/>
+            <a:t>GPU</a:t>
+          </a:r>
+        </a:p>
+      </dsp:txBody>
+      <dsp:txXfrm>
+        <a:off x="69160" y="4534885"/>
+        <a:ext cx="2206577" cy="1278435"/>
+      </dsp:txXfrm>
+    </dsp:sp>
+  </dsp:spTree>
+</dsp:drawing>
+</file>
+
+<file path=ppt/diagrams/layout1.xml><?xml version="1.0" encoding="utf-8"?>
+<dgm:layoutDef xmlns:dgm="http://schemas.openxmlformats.org/drawingml/2006/diagram" xmlns:a="http://schemas.openxmlformats.org/drawingml/2006/main" uniqueId="urn:microsoft.com/office/officeart/2005/8/layout/vList5">
+  <dgm:title val=""/>
+  <dgm:desc val=""/>
+  <dgm:catLst>
+    <dgm:cat type="list" pri="15000"/>
+    <dgm:cat type="convert" pri="2000"/>
+  </dgm:catLst>
+  <dgm:sampData>
+    <dgm:dataModel>
+      <dgm:ptLst>
+        <dgm:pt modelId="0" type="doc"/>
+        <dgm:pt modelId="1">
+          <dgm:prSet phldr="1"/>
+        </dgm:pt>
+        <dgm:pt modelId="11">
+          <dgm:prSet phldr="1"/>
+        </dgm:pt>
+        <dgm:pt modelId="12">
+          <dgm:prSet phldr="1"/>
+        </dgm:pt>
+        <dgm:pt modelId="2">
+          <dgm:prSet phldr="1"/>
+        </dgm:pt>
+        <dgm:pt modelId="21">
+          <dgm:prSet phldr="1"/>
+        </dgm:pt>
+        <dgm:pt modelId="22">
+          <dgm:prSet phldr="1"/>
+        </dgm:pt>
+        <dgm:pt modelId="3">
+          <dgm:prSet phldr="1"/>
+        </dgm:pt>
+        <dgm:pt modelId="31">
+          <dgm:prSet phldr="1"/>
+        </dgm:pt>
+        <dgm:pt modelId="32">
+          <dgm:prSet phldr="1"/>
+        </dgm:pt>
+      </dgm:ptLst>
+      <dgm:cxnLst>
+        <dgm:cxn modelId="4" srcId="0" destId="1" srcOrd="0" destOrd="0"/>
+        <dgm:cxn modelId="5" srcId="0" destId="2" srcOrd="1" destOrd="0"/>
+        <dgm:cxn modelId="6" srcId="0" destId="3" srcOrd="2" destOrd="0"/>
+        <dgm:cxn modelId="13" srcId="1" destId="11" srcOrd="0" destOrd="0"/>
+        <dgm:cxn modelId="14" srcId="1" destId="12" srcOrd="1" destOrd="0"/>
+        <dgm:cxn modelId="23" srcId="2" destId="21" srcOrd="0" destOrd="0"/>
+        <dgm:cxn modelId="24" srcId="2" destId="22" srcOrd="1" destOrd="0"/>
+        <dgm:cxn modelId="33" srcId="3" destId="31" srcOrd="0" destOrd="0"/>
+        <dgm:cxn modelId="34" srcId="3" destId="32" srcOrd="1" destOrd="0"/>
+      </dgm:cxnLst>
+      <dgm:bg/>
+      <dgm:whole/>
+    </dgm:dataModel>
+  </dgm:sampData>
+  <dgm:styleData>
+    <dgm:dataModel>
+      <dgm:ptLst>
+        <dgm:pt modelId="0" type="doc"/>
+        <dgm:pt modelId="1"/>
+        <dgm:pt modelId="11"/>
+        <dgm:pt modelId="2"/>
+        <dgm:pt modelId="21"/>
+      </dgm:ptLst>
+      <dgm:cxnLst>
+        <dgm:cxn modelId="4" srcId="0" destId="1" srcOrd="0" destOrd="0"/>
+        <dgm:cxn modelId="5" srcId="0" destId="2" srcOrd="1" destOrd="0"/>
+        <dgm:cxn modelId="13" srcId="1" destId="11" srcOrd="0" destOrd="0"/>
+        <dgm:cxn modelId="23" srcId="2" destId="21" srcOrd="0" destOrd="0"/>
+      </dgm:cxnLst>
+      <dgm:bg/>
+      <dgm:whole/>
+    </dgm:dataModel>
+  </dgm:styleData>
+  <dgm:clrData>
+    <dgm:dataModel>
+      <dgm:ptLst>
+        <dgm:pt modelId="0" type="doc"/>
+        <dgm:pt modelId="1"/>
+        <dgm:pt modelId="11"/>
+        <dgm:pt modelId="2"/>
+        <dgm:pt modelId="21"/>
+        <dgm:pt modelId="3"/>
+        <dgm:pt modelId="31"/>
+        <dgm:pt modelId="4"/>
+        <dgm:pt modelId="41"/>
+      </dgm:ptLst>
+      <dgm:cxnLst>
+        <dgm:cxn modelId="5" srcId="0" destId="1" srcOrd="0" destOrd="0"/>
+        <dgm:cxn modelId="6" srcId="0" destId="2" srcOrd="1" destOrd="0"/>
+        <dgm:cxn modelId="7" srcId="0" destId="3" srcOrd="2" destOrd="0"/>
+        <dgm:cxn modelId="8" srcId="0" destId="4" srcOrd="3" destOrd="0"/>
+        <dgm:cxn modelId="13" srcId="1" destId="11" srcOrd="0" destOrd="0"/>
+        <dgm:cxn modelId="23" srcId="2" destId="21" srcOrd="0" destOrd="0"/>
+        <dgm:cxn modelId="33" srcId="3" destId="31" srcOrd="0" destOrd="0"/>
+        <dgm:cxn modelId="43" srcId="4" destId="41" srcOrd="0" destOrd="0"/>
+      </dgm:cxnLst>
+      <dgm:bg/>
+      <dgm:whole/>
+    </dgm:dataModel>
+  </dgm:clrData>
+  <dgm:layoutNode name="Name0">
+    <dgm:varLst>
+      <dgm:dir/>
+      <dgm:animLvl val="lvl"/>
+      <dgm:resizeHandles val="exact"/>
+    </dgm:varLst>
+    <dgm:choose name="Name1">
+      <dgm:if name="Name2" func="var" arg="dir" op="equ" val="norm">
+        <dgm:alg type="lin">
+          <dgm:param type="linDir" val="fromT"/>
+          <dgm:param type="nodeHorzAlign" val="l"/>
+        </dgm:alg>
+      </dgm:if>
+      <dgm:else name="Name3">
+        <dgm:alg type="lin">
+          <dgm:param type="linDir" val="fromT"/>
+          <dgm:param type="nodeHorzAlign" val="r"/>
+        </dgm:alg>
+      </dgm:else>
+    </dgm:choose>
+    <dgm:shape xmlns:r="http://schemas.openxmlformats.org/officeDocument/2006/relationships" r:blip="">
+      <dgm:adjLst/>
+    </dgm:shape>
+    <dgm:presOf/>
+    <dgm:constrLst>
+      <dgm:constr type="h" for="ch" forName="linNode" refType="h"/>
+      <dgm:constr type="w" for="ch" forName="linNode" refType="w"/>
+      <dgm:constr type="h" for="ch" forName="sp" refType="h" fact="0.05"/>
+      <dgm:constr type="primFontSz" for="des" forName="parentText" op="equ" val="65"/>
+      <dgm:constr type="secFontSz" for="des" forName="descendantText" op="equ"/>
+    </dgm:constrLst>
+    <dgm:ruleLst/>
+    <dgm:forEach name="Name4" axis="ch" ptType="node">
+      <dgm:layoutNode name="linNode">
+        <dgm:choose name="Name5">
+          <dgm:if name="Name6" func="var" arg="dir" op="equ" val="norm">
+            <dgm:alg type="lin">
+              <dgm:param type="linDir" val="fromL"/>
+            </dgm:alg>
+          </dgm:if>
+          <dgm:else name="Name7">
+            <dgm:alg type="lin">
+              <dgm:param type="linDir" val="fromR"/>
+            </dgm:alg>
+          </dgm:else>
+        </dgm:choose>
+        <dgm:shape xmlns:r="http://schemas.openxmlformats.org/officeDocument/2006/relationships" r:blip="">
+          <dgm:adjLst/>
+        </dgm:shape>
+        <dgm:presOf/>
+        <dgm:constrLst>
+          <dgm:constr type="w" for="ch" forName="parentText" refType="w" fact="0.36"/>
+          <dgm:constr type="w" for="ch" forName="descendantText" refType="w" fact="0.64"/>
+          <dgm:constr type="h" for="ch" forName="parentText" refType="h"/>
+          <dgm:constr type="h" for="ch" forName="descendantText" refType="h" refFor="ch" refForName="parentText" fact="0.8"/>
+        </dgm:constrLst>
+        <dgm:ruleLst/>
+        <dgm:layoutNode name="parentText">
+          <dgm:varLst>
+            <dgm:chMax val="1"/>
+            <dgm:bulletEnabled val="1"/>
+          </dgm:varLst>
+          <dgm:alg type="tx"/>
+          <dgm:shape xmlns:r="http://schemas.openxmlformats.org/officeDocument/2006/relationships" type="roundRect" r:blip="" zOrderOff="3">
+            <dgm:adjLst/>
+          </dgm:shape>
+          <dgm:presOf axis="self" ptType="node"/>
+          <dgm:constrLst>
+            <dgm:constr type="tMarg" refType="primFontSz" fact="0.15"/>
+            <dgm:constr type="bMarg" refType="primFontSz" fact="0.15"/>
+            <dgm:constr type="lMarg" refType="primFontSz" fact="0.3"/>
+            <dgm:constr type="rMarg" refType="primFontSz" fact="0.3"/>
+          </dgm:constrLst>
+          <dgm:ruleLst>
+            <dgm:rule type="primFontSz" val="5" fact="NaN" max="NaN"/>
+          </dgm:ruleLst>
+        </dgm:layoutNode>
+        <dgm:choose name="Name8">
+          <dgm:if name="Name9" axis="ch" ptType="node" func="cnt" op="gte" val="1">
+            <dgm:layoutNode name="descendantText" styleLbl="alignAccFollowNode1">
+              <dgm:varLst>
+                <dgm:bulletEnabled val="1"/>
+              </dgm:varLst>
+              <dgm:alg type="tx">
+                <dgm:param type="stBulletLvl" val="1"/>
+                <dgm:param type="txAnchorVertCh" val="mid"/>
+              </dgm:alg>
+              <dgm:choose name="Name10">
+                <dgm:if name="Name11" func="var" arg="dir" op="equ" val="norm">
+                  <dgm:shape xmlns:r="http://schemas.openxmlformats.org/officeDocument/2006/relationships" rot="90" type="round2SameRect" r:blip="">
+                    <dgm:adjLst/>
+                  </dgm:shape>
+                </dgm:if>
+                <dgm:else name="Name12">
+                  <dgm:shape xmlns:r="http://schemas.openxmlformats.org/officeDocument/2006/relationships" rot="-90" type="round2SameRect" r:blip="">
+                    <dgm:adjLst/>
+                  </dgm:shape>
+                </dgm:else>
+              </dgm:choose>
+              <dgm:presOf axis="des" ptType="node"/>
+              <dgm:constrLst>
+                <dgm:constr type="secFontSz" val="65"/>
+                <dgm:constr type="primFontSz" refType="secFontSz"/>
+                <dgm:constr type="lMarg" refType="secFontSz" fact="0.3"/>
+                <dgm:constr type="rMarg" refType="secFontSz" fact="0.3"/>
+                <dgm:constr type="tMarg" refType="secFontSz" fact="0.15"/>
+                <dgm:constr type="bMarg" refType="secFontSz" fact="0.15"/>
+              </dgm:constrLst>
+              <dgm:ruleLst>
+                <dgm:rule type="secFontSz" val="5" fact="NaN" max="NaN"/>
+              </dgm:ruleLst>
+            </dgm:layoutNode>
+          </dgm:if>
+          <dgm:else name="Name13"/>
+        </dgm:choose>
+      </dgm:layoutNode>
+      <dgm:forEach name="Name14" axis="followSib" ptType="sibTrans" cnt="1">
+        <dgm:layoutNode name="sp">
+          <dgm:alg type="sp"/>
+          <dgm:shape xmlns:r="http://schemas.openxmlformats.org/officeDocument/2006/relationships" r:blip="">
+            <dgm:adjLst/>
+          </dgm:shape>
+          <dgm:presOf/>
+          <dgm:constrLst/>
+          <dgm:ruleLst/>
+        </dgm:layoutNode>
+      </dgm:forEach>
+    </dgm:forEach>
+  </dgm:layoutNode>
+</dgm:layoutDef>
+</file>
+
+<file path=ppt/diagrams/quickStyle1.xml><?xml version="1.0" encoding="utf-8"?>
+<dgm:styleDef xmlns:dgm="http://schemas.openxmlformats.org/drawingml/2006/diagram" xmlns:a="http://schemas.openxmlformats.org/drawingml/2006/main" uniqueId="urn:microsoft.com/office/officeart/2005/8/quickstyle/simple1">
+  <dgm:title val=""/>
+  <dgm:desc val=""/>
+  <dgm:catLst>
+    <dgm:cat type="simple" pri="10100"/>
+  </dgm:catLst>
+  <dgm:scene3d>
+    <a:camera prst="orthographicFront"/>
+    <a:lightRig rig="threePt" dir="t"/>
+  </dgm:scene3d>
+  <dgm:styleLbl name="node0">
+    <dgm:scene3d>
+      <a:camera prst="orthographicFront"/>
+      <a:lightRig rig="threePt" dir="t"/>
+    </dgm:scene3d>
+    <dgm:sp3d/>
+    <dgm:txPr/>
+    <dgm:style>
+      <a:lnRef idx="2">
+        <a:scrgbClr r="0" g="0" b="0"/>
+      </a:lnRef>
+      <a:fillRef idx="1">
+        <a:scrgbClr r="0" g="0" b="0"/>
+      </a:fillRef>
+      <a:effectRef idx="0">
+        <a:scrgbClr r="0" g="0" b="0"/>
+      </a:effectRef>
+      <a:fontRef idx="minor">
+        <a:schemeClr val="lt1"/>
+      </a:fontRef>
+    </dgm:style>
+  </dgm:styleLbl>
+  <dgm:styleLbl name="lnNode1">
+    <dgm:scene3d>
+      <a:camera prst="orthographicFront"/>
+      <a:lightRig rig="threePt" dir="t"/>
+    </dgm:scene3d>
+    <dgm:sp3d/>
+    <dgm:txPr/>
+    <dgm:style>
+      <a:lnRef idx="2">
+        <a:scrgbClr r="0" g="0" b="0"/>
+      </a:lnRef>
+      <a:fillRef idx="1">
+        <a:scrgbClr r="0" g="0" b="0"/>
+      </a:fillRef>
+      <a:effectRef idx="0">
+        <a:scrgbClr r="0" g="0" b="0"/>
+      </a:effectRef>
+      <a:fontRef idx="minor">
+        <a:schemeClr val="lt1"/>
+      </a:fontRef>
+    </dgm:style>
+  </dgm:styleLbl>
+  <dgm:styleLbl name="vennNode1">
+    <dgm:scene3d>
+      <a:camera prst="orthographicFront"/>
+      <a:lightRig rig="threePt" dir="t"/>
+    </dgm:scene3d>
+    <dgm:sp3d/>
+    <dgm:txPr/>
+    <dgm:style>
+      <a:lnRef idx="2">
+        <a:scrgbClr r="0" g="0" b="0"/>
+      </a:lnRef>
+      <a:fillRef idx="1">
+        <a:scrgbClr r="0" g="0" b="0"/>
+      </a:fillRef>
+      <a:effectRef idx="0">
+        <a:scrgbClr r="0" g="0" b="0"/>
+      </a:effectRef>
+      <a:fontRef idx="minor">
+        <a:schemeClr val="tx1"/>
+      </a:fontRef>
+    </dgm:style>
+  </dgm:styleLbl>
+  <dgm:styleLbl name="alignNode1">
+    <dgm:scene3d>
+      <a:camera prst="orthographicFront"/>
+      <a:lightRig rig="threePt" dir="t"/>
+    </dgm:scene3d>
+    <dgm:sp3d/>
+    <dgm:txPr/>
+    <dgm:style>
+      <a:lnRef idx="2">
+        <a:scrgbClr r="0" g="0" b="0"/>
+      </a:lnRef>
+      <a:fillRef idx="1">
+        <a:scrgbClr r="0" g="0" b="0"/>
+      </a:fillRef>
+      <a:effectRef idx="0">
+        <a:scrgbClr r="0" g="0" b="0"/>
+      </a:effectRef>
+      <a:fontRef idx="minor">
+        <a:schemeClr val="lt1"/>
+      </a:fontRef>
+    </dgm:style>
+  </dgm:styleLbl>
+  <dgm:styleLbl name="node1">
+    <dgm:scene3d>
+      <a:camera prst="orthographicFront"/>
+      <a:lightRig rig="threePt" dir="t"/>
+    </dgm:scene3d>
+    <dgm:sp3d/>
+    <dgm:txPr/>
+    <dgm:style>
+      <a:lnRef idx="2">
+        <a:scrgbClr r="0" g="0" b="0"/>
+      </a:lnRef>
+      <a:fillRef idx="1">
+        <a:scrgbClr r="0" g="0" b="0"/>
+      </a:fillRef>
+      <a:effectRef idx="0">
+        <a:scrgbClr r="0" g="0" b="0"/>
+      </a:effectRef>
+      <a:fontRef idx="minor">
+        <a:schemeClr val="lt1"/>
+      </a:fontRef>
+    </dgm:style>
+  </dgm:styleLbl>
+  <dgm:styleLbl name="node2">
+    <dgm:scene3d>
+      <a:camera prst="orthographicFront"/>
+      <a:lightRig rig="threePt" dir="t"/>
+    </dgm:scene3d>
+    <dgm:sp3d/>
+    <dgm:txPr/>
+    <dgm:style>
+      <a:lnRef idx="2">
+        <a:scrgbClr r="0" g="0" b="0"/>
+      </a:lnRef>
+      <a:fillRef idx="1">
+        <a:scrgbClr r="0" g="0" b="0"/>
+      </a:fillRef>
+      <a:effectRef idx="0">
+        <a:scrgbClr r="0" g="0" b="0"/>
+      </a:effectRef>
+      <a:fontRef idx="minor">
+        <a:schemeClr val="lt1"/>
+      </a:fontRef>
+    </dgm:style>
+  </dgm:styleLbl>
+  <dgm:styleLbl name="node3">
+    <dgm:scene3d>
+      <a:camera prst="orthographicFront"/>
+      <a:lightRig rig="threePt" dir="t"/>
+    </dgm:scene3d>
+    <dgm:sp3d/>
+    <dgm:txPr/>
+    <dgm:style>
+      <a:lnRef idx="2">
+        <a:scrgbClr r="0" g="0" b="0"/>
+      </a:lnRef>
+      <a:fillRef idx="1">
+        <a:scrgbClr r="0" g="0" b="0"/>
+      </a:fillRef>
+      <a:effectRef idx="0">
+        <a:scrgbClr r="0" g="0" b="0"/>
+      </a:effectRef>
+      <a:fontRef idx="minor">
+        <a:schemeClr val="lt1"/>
+      </a:fontRef>
+    </dgm:style>
+  </dgm:styleLbl>
+  <dgm:styleLbl name="node4">
+    <dgm:scene3d>
+      <a:camera prst="orthographicFront"/>
+      <a:lightRig rig="threePt" dir="t"/>
+    </dgm:scene3d>
+    <dgm:sp3d/>
+    <dgm:txPr/>
+    <dgm:style>
+      <a:lnRef idx="2">
+        <a:scrgbClr r="0" g="0" b="0"/>
+      </a:lnRef>
+      <a:fillRef idx="1">
+        <a:scrgbClr r="0" g="0" b="0"/>
+      </a:fillRef>
+      <a:effectRef idx="0">
+        <a:scrgbClr r="0" g="0" b="0"/>
+      </a:effectRef>
+      <a:fontRef idx="minor">
+        <a:schemeClr val="lt1"/>
+      </a:fontRef>
+    </dgm:style>
+  </dgm:styleLbl>
+  <dgm:styleLbl name="fgImgPlace1">
+    <dgm:scene3d>
+      <a:camera prst="orthographicFront"/>
+      <a:lightRig rig="threePt" dir="t"/>
+    </dgm:scene3d>
+    <dgm:sp3d/>
+    <dgm:txPr/>
+    <dgm:style>
+      <a:lnRef idx="2">
+        <a:scrgbClr r="0" g="0" b="0"/>
+      </a:lnRef>
+      <a:fillRef idx="1">
+        <a:scrgbClr r="0" g="0" b="0"/>
+      </a:fillRef>
+      <a:effectRef idx="0">
+        <a:scrgbClr r="0" g="0" b="0"/>
+      </a:effectRef>
+      <a:fontRef idx="minor"/>
+    </dgm:style>
+  </dgm:styleLbl>
+  <dgm:styleLbl name="alignImgPlace1">
+    <dgm:scene3d>
+      <a:camera prst="orthographicFront"/>
+      <a:lightRig rig="threePt" dir="t"/>
+    </dgm:scene3d>
+    <dgm:sp3d/>
+    <dgm:txPr/>
+    <dgm:style>
+      <a:lnRef idx="2">
+        <a:scrgbClr r="0" g="0" b="0"/>
+      </a:lnRef>
+      <a:fillRef idx="1">
+        <a:scrgbClr r="0" g="0" b="0"/>
+      </a:fillRef>
+      <a:effectRef idx="0">
+        <a:scrgbClr r="0" g="0" b="0"/>
+      </a:effectRef>
+      <a:fontRef idx="minor"/>
+    </dgm:style>
+  </dgm:styleLbl>
+  <dgm:styleLbl name="bgImgPlace1">
+    <dgm:scene3d>
+      <a:camera prst="orthographicFront"/>
+      <a:lightRig rig="threePt" dir="t"/>
+    </dgm:scene3d>
+    <dgm:sp3d/>
+    <dgm:txPr/>
+    <dgm:style>
+      <a:lnRef idx="2">
+        <a:scrgbClr r="0" g="0" b="0"/>
+      </a:lnRef>
+      <a:fillRef idx="1">
+        <a:scrgbClr r="0" g="0" b="0"/>
+      </a:fillRef>
+      <a:effectRef idx="0">
+        <a:scrgbClr r="0" g="0" b="0"/>
+      </a:effectRef>
+      <a:fontRef idx="minor"/>
+    </dgm:style>
+  </dgm:styleLbl>
+  <dgm:styleLbl name="sibTrans2D1">
+    <dgm:scene3d>
+      <a:camera prst="orthographicFront"/>
+      <a:lightRig rig="threePt" dir="t"/>
+    </dgm:scene3d>
+    <dgm:sp3d/>
+    <dgm:txPr/>
+    <dgm:style>
+      <a:lnRef idx="0">
+        <a:scrgbClr r="0" g="0" b="0"/>
+      </a:lnRef>
+      <a:fillRef idx="1">
+        <a:scrgbClr r="0" g="0" b="0"/>
+      </a:fillRef>
+      <a:effectRef idx="0">
+        <a:scrgbClr r="0" g="0" b="0"/>
+      </a:effectRef>
+      <a:fontRef idx="minor">
+        <a:schemeClr val="lt1"/>
+      </a:fontRef>
+    </dgm:style>
+  </dgm:styleLbl>
+  <dgm:styleLbl name="fgSibTrans2D1">
+    <dgm:scene3d>
+      <a:camera prst="orthographicFront"/>
+      <a:lightRig rig="threePt" dir="t"/>
+    </dgm:scene3d>
+    <dgm:sp3d/>
+    <dgm:txPr/>
+    <dgm:style>
+      <a:lnRef idx="0">
+        <a:scrgbClr r="0" g="0" b="0"/>
+      </a:lnRef>
+      <a:fillRef idx="1">
+        <a:scrgbClr r="0" g="0" b="0"/>
+      </a:fillRef>
+      <a:effectRef idx="0">
+        <a:scrgbClr r="0" g="0" b="0"/>
+      </a:effectRef>
+      <a:fontRef idx="minor">
+        <a:schemeClr val="lt1"/>
+      </a:fontRef>
+    </dgm:style>
+  </dgm:styleLbl>
+  <dgm:styleLbl name="bgSibTrans2D1">
+    <dgm:scene3d>
+      <a:camera prst="orthographicFront"/>
+      <a:lightRig rig="threePt" dir="t"/>
+    </dgm:scene3d>
+    <dgm:sp3d/>
+    <dgm:txPr/>
+    <dgm:style>
+      <a:lnRef idx="0">
+        <a:scrgbClr r="0" g="0" b="0"/>
+      </a:lnRef>
+      <a:fillRef idx="1">
+        <a:scrgbClr r="0" g="0" b="0"/>
+      </a:fillRef>
+      <a:effectRef idx="0">
+        <a:scrgbClr r="0" g="0" b="0"/>
+      </a:effectRef>
+      <a:fontRef idx="minor">
+        <a:schemeClr val="lt1"/>
+      </a:fontRef>
+    </dgm:style>
+  </dgm:styleLbl>
+  <dgm:styleLbl name="sibTrans1D1">
+    <dgm:scene3d>
+      <a:camera prst="orthographicFront"/>
+      <a:lightRig rig="threePt" dir="t"/>
+    </dgm:scene3d>
+    <dgm:sp3d/>
+    <dgm:txPr/>
+    <dgm:style>
+      <a:lnRef idx="1">
+        <a:scrgbClr r="0" g="0" b="0"/>
+      </a:lnRef>
+      <a:fillRef idx="0">
+        <a:scrgbClr r="0" g="0" b="0"/>
+      </a:fillRef>
+      <a:effectRef idx="0">
+        <a:scrgbClr r="0" g="0" b="0"/>
+      </a:effectRef>
+      <a:fontRef idx="minor"/>
+    </dgm:style>
+  </dgm:styleLbl>
+  <dgm:styleLbl name="callout">
+    <dgm:scene3d>
+      <a:camera prst="orthographicFront"/>
+      <a:lightRig rig="threePt" dir="t"/>
+    </dgm:scene3d>
+    <dgm:sp3d/>
+    <dgm:txPr/>
+    <dgm:style>
+      <a:lnRef idx="2">
+        <a:scrgbClr r="0" g="0" b="0"/>
+      </a:lnRef>
+      <a:fillRef idx="1">
+        <a:scrgbClr r="0" g="0" b="0"/>
+      </a:fillRef>
+      <a:effectRef idx="0">
+        <a:scrgbClr r="0" g="0" b="0"/>
+      </a:effectRef>
+      <a:fontRef idx="minor"/>
+    </dgm:style>
+  </dgm:styleLbl>
+  <dgm:styleLbl name="asst0">
+    <dgm:scene3d>
+      <a:camera prst="orthographicFront"/>
+      <a:lightRig rig="threePt" dir="t"/>
+    </dgm:scene3d>
+    <dgm:sp3d/>
+    <dgm:txPr/>
+    <dgm:style>
+      <a:lnRef idx="2">
+        <a:scrgbClr r="0" g="0" b="0"/>
+      </a:lnRef>
+      <a:fillRef idx="1">
+        <a:scrgbClr r="0" g="0" b="0"/>
+      </a:fillRef>
+      <a:effectRef idx="0">
+        <a:scrgbClr r="0" g="0" b="0"/>
+      </a:effectRef>
+      <a:fontRef idx="minor">
+        <a:schemeClr val="lt1"/>
+      </a:fontRef>
+    </dgm:style>
+  </dgm:styleLbl>
+  <dgm:styleLbl name="asst1">
+    <dgm:scene3d>
+      <a:camera prst="orthographicFront"/>
+      <a:lightRig rig="threePt" dir="t"/>
+    </dgm:scene3d>
+    <dgm:sp3d/>
+    <dgm:txPr/>
+    <dgm:style>
+      <a:lnRef idx="2">
+        <a:scrgbClr r="0" g="0" b="0"/>
+      </a:lnRef>
+      <a:fillRef idx="1">
+        <a:scrgbClr r="0" g="0" b="0"/>
+      </a:fillRef>
+      <a:effectRef idx="0">
+        <a:scrgbClr r="0" g="0" b="0"/>
+      </a:effectRef>
+      <a:fontRef idx="minor">
+        <a:schemeClr val="lt1"/>
+      </a:fontRef>
+    </dgm:style>
+  </dgm:styleLbl>
+  <dgm:styleLbl name="asst2">
+    <dgm:scene3d>
+      <a:camera prst="orthographicFront"/>
+      <a:lightRig rig="threePt" dir="t"/>
+    </dgm:scene3d>
+    <dgm:sp3d/>
+    <dgm:txPr/>
+    <dgm:style>
+      <a:lnRef idx="2">
+        <a:scrgbClr r="0" g="0" b="0"/>
+      </a:lnRef>
+      <a:fillRef idx="1">
+        <a:scrgbClr r="0" g="0" b="0"/>
+      </a:fillRef>
+      <a:effectRef idx="0">
+        <a:scrgbClr r="0" g="0" b="0"/>
+      </a:effectRef>
+      <a:fontRef idx="minor">
+        <a:schemeClr val="lt1"/>
+      </a:fontRef>
+    </dgm:style>
+  </dgm:styleLbl>
+  <dgm:styleLbl name="asst3">
+    <dgm:scene3d>
+      <a:camera prst="orthographicFront"/>
+      <a:lightRig rig="threePt" dir="t"/>
+    </dgm:scene3d>
+    <dgm:sp3d/>
+    <dgm:txPr/>
+    <dgm:style>
+      <a:lnRef idx="2">
+        <a:scrgbClr r="0" g="0" b="0"/>
+      </a:lnRef>
+      <a:fillRef idx="1">
+        <a:scrgbClr r="0" g="0" b="0"/>
+      </a:fillRef>
+      <a:effectRef idx="0">
+        <a:scrgbClr r="0" g="0" b="0"/>
+      </a:effectRef>
+      <a:fontRef idx="minor">
+        <a:schemeClr val="lt1"/>
+      </a:fontRef>
+    </dgm:style>
+  </dgm:styleLbl>
+  <dgm:styleLbl name="asst4">
+    <dgm:scene3d>
+      <a:camera prst="orthographicFront"/>
+      <a:lightRig rig="threePt" dir="t"/>
+    </dgm:scene3d>
+    <dgm:sp3d/>
+    <dgm:txPr/>
+    <dgm:style>
+      <a:lnRef idx="2">
+        <a:scrgbClr r="0" g="0" b="0"/>
+      </a:lnRef>
+      <a:fillRef idx="1">
+        <a:scrgbClr r="0" g="0" b="0"/>
+      </a:fillRef>
+      <a:effectRef idx="0">
+        <a:scrgbClr r="0" g="0" b="0"/>
+      </a:effectRef>
+      <a:fontRef idx="minor">
+        <a:schemeClr val="lt1"/>
+      </a:fontRef>
+    </dgm:style>
+  </dgm:styleLbl>
+  <dgm:styleLbl name="parChTrans2D1">
+    <dgm:scene3d>
+      <a:camera prst="orthographicFront"/>
+      <a:lightRig rig="threePt" dir="t"/>
+    </dgm:scene3d>
+    <dgm:sp3d/>
+    <dgm:txPr/>
+    <dgm:style>
+      <a:lnRef idx="2">
+        <a:scrgbClr r="0" g="0" b="0"/>
+      </a:lnRef>
+      <a:fillRef idx="1">
+        <a:scrgbClr r="0" g="0" b="0"/>
+      </a:fillRef>
+      <a:effectRef idx="0">
+        <a:scrgbClr r="0" g="0" b="0"/>
+      </a:effectRef>
+      <a:fontRef idx="minor">
+        <a:schemeClr val="lt1"/>
+      </a:fontRef>
+    </dgm:style>
+  </dgm:styleLbl>
+  <dgm:styleLbl name="parChTrans2D2">
+    <dgm:scene3d>
+      <a:camera prst="orthographicFront"/>
+      <a:lightRig rig="threePt" dir="t"/>
+    </dgm:scene3d>
+    <dgm:sp3d/>
+    <dgm:txPr/>
+    <dgm:style>
+      <a:lnRef idx="2">
+        <a:scrgbClr r="0" g="0" b="0"/>
+      </a:lnRef>
+      <a:fillRef idx="1">
+        <a:scrgbClr r="0" g="0" b="0"/>
+      </a:fillRef>
+      <a:effectRef idx="0">
+        <a:scrgbClr r="0" g="0" b="0"/>
+      </a:effectRef>
+      <a:fontRef idx="minor">
+        <a:schemeClr val="lt1"/>
+      </a:fontRef>
+    </dgm:style>
+  </dgm:styleLbl>
+  <dgm:styleLbl name="parChTrans2D3">
+    <dgm:scene3d>
+      <a:camera prst="orthographicFront"/>
+      <a:lightRig rig="threePt" dir="t"/>
+    </dgm:scene3d>
+    <dgm:sp3d/>
+    <dgm:txPr/>
+    <dgm:style>
+      <a:lnRef idx="2">
+        <a:scrgbClr r="0" g="0" b="0"/>
+      </a:lnRef>
+      <a:fillRef idx="1">
+        <a:scrgbClr r="0" g="0" b="0"/>
+      </a:fillRef>
+      <a:effectRef idx="0">
+        <a:scrgbClr r="0" g="0" b="0"/>
+      </a:effectRef>
+      <a:fontRef idx="minor">
+        <a:schemeClr val="lt1"/>
+      </a:fontRef>
+    </dgm:style>
+  </dgm:styleLbl>
+  <dgm:styleLbl name="parChTrans2D4">
+    <dgm:scene3d>
+      <a:camera prst="orthographicFront"/>
+      <a:lightRig rig="threePt" dir="t"/>
+    </dgm:scene3d>
+    <dgm:sp3d/>
+    <dgm:txPr/>
+    <dgm:style>
+      <a:lnRef idx="2">
+        <a:scrgbClr r="0" g="0" b="0"/>
+      </a:lnRef>
+      <a:fillRef idx="1">
+        <a:scrgbClr r="0" g="0" b="0"/>
+      </a:fillRef>
+      <a:effectRef idx="0">
+        <a:scrgbClr r="0" g="0" b="0"/>
+      </a:effectRef>
+      <a:fontRef idx="minor">
+        <a:schemeClr val="lt1"/>
+      </a:fontRef>
+    </dgm:style>
+  </dgm:styleLbl>
+  <dgm:styleLbl name="parChTrans1D1">
+    <dgm:scene3d>
+      <a:camera prst="orthographicFront"/>
+      <a:lightRig rig="threePt" dir="t"/>
+    </dgm:scene3d>
+    <dgm:sp3d/>
+    <dgm:txPr/>
+    <dgm:style>
+      <a:lnRef idx="2">
+        <a:scrgbClr r="0" g="0" b="0"/>
+      </a:lnRef>
+      <a:fillRef idx="0">
+        <a:scrgbClr r="0" g="0" b="0"/>
+      </a:fillRef>
+      <a:effectRef idx="0">
+        <a:scrgbClr r="0" g="0" b="0"/>
+      </a:effectRef>
+      <a:fontRef idx="minor"/>
+    </dgm:style>
+  </dgm:styleLbl>
+  <dgm:styleLbl name="parChTrans1D2">
+    <dgm:scene3d>
+      <a:camera prst="orthographicFront"/>
+      <a:lightRig rig="threePt" dir="t"/>
+    </dgm:scene3d>
+    <dgm:sp3d/>
+    <dgm:txPr/>
+    <dgm:style>
+      <a:lnRef idx="2">
+        <a:scrgbClr r="0" g="0" b="0"/>
+      </a:lnRef>
+      <a:fillRef idx="0">
+        <a:scrgbClr r="0" g="0" b="0"/>
+      </a:fillRef>
+      <a:effectRef idx="0">
+        <a:scrgbClr r="0" g="0" b="0"/>
+      </a:effectRef>
+      <a:fontRef idx="minor"/>
+    </dgm:style>
+  </dgm:styleLbl>
+  <dgm:styleLbl name="parChTrans1D3">
+    <dgm:scene3d>
+      <a:camera prst="orthographicFront"/>
+      <a:lightRig rig="threePt" dir="t"/>
+    </dgm:scene3d>
+    <dgm:sp3d/>
+    <dgm:txPr/>
+    <dgm:style>
+      <a:lnRef idx="2">
+        <a:scrgbClr r="0" g="0" b="0"/>
+      </a:lnRef>
+      <a:fillRef idx="0">
+        <a:scrgbClr r="0" g="0" b="0"/>
+      </a:fillRef>
+      <a:effectRef idx="0">
+        <a:scrgbClr r="0" g="0" b="0"/>
+      </a:effectRef>
+      <a:fontRef idx="minor"/>
+    </dgm:style>
+  </dgm:styleLbl>
+  <dgm:styleLbl name="parChTrans1D4">
+    <dgm:scene3d>
+      <a:camera prst="orthographicFront"/>
+      <a:lightRig rig="threePt" dir="t"/>
+    </dgm:scene3d>
+    <dgm:sp3d/>
+    <dgm:txPr/>
+    <dgm:style>
+      <a:lnRef idx="2">
+        <a:scrgbClr r="0" g="0" b="0"/>
+      </a:lnRef>
+      <a:fillRef idx="0">
+        <a:scrgbClr r="0" g="0" b="0"/>
+      </a:fillRef>
+      <a:effectRef idx="0">
+        <a:scrgbClr r="0" g="0" b="0"/>
+      </a:effectRef>
+      <a:fontRef idx="minor"/>
+    </dgm:style>
+  </dgm:styleLbl>
+  <dgm:styleLbl name="fgAcc1">
+    <dgm:scene3d>
+      <a:camera prst="orthographicFront"/>
+      <a:lightRig rig="threePt" dir="t"/>
+    </dgm:scene3d>
+    <dgm:sp3d/>
+    <dgm:txPr/>
+    <dgm:style>
+      <a:lnRef idx="2">
+        <a:scrgbClr r="0" g="0" b="0"/>
+      </a:lnRef>
+      <a:fillRef idx="1">
+        <a:scrgbClr r="0" g="0" b="0"/>
+      </a:fillRef>
+      <a:effectRef idx="0">
+        <a:scrgbClr r="0" g="0" b="0"/>
+      </a:effectRef>
+      <a:fontRef idx="minor"/>
+    </dgm:style>
+  </dgm:styleLbl>
+  <dgm:styleLbl name="conFgAcc1">
+    <dgm:scene3d>
+      <a:camera prst="orthographicFront"/>
+      <a:lightRig rig="threePt" dir="t"/>
+    </dgm:scene3d>
+    <dgm:sp3d/>
+    <dgm:txPr/>
+    <dgm:style>
+      <a:lnRef idx="2">
+        <a:scrgbClr r="0" g="0" b="0"/>
+      </a:lnRef>
+      <a:fillRef idx="1">
+        <a:scrgbClr r="0" g="0" b="0"/>
+      </a:fillRef>
+      <a:effectRef idx="0">
+        <a:scrgbClr r="0" g="0" b="0"/>
+      </a:effectRef>
+      <a:fontRef idx="minor"/>
+    </dgm:style>
+  </dgm:styleLbl>
+  <dgm:styleLbl name="alignAcc1">
+    <dgm:scene3d>
+      <a:camera prst="orthographicFront"/>
+      <a:lightRig rig="threePt" dir="t"/>
+    </dgm:scene3d>
+    <dgm:sp3d/>
+    <dgm:txPr/>
+    <dgm:style>
+      <a:lnRef idx="2">
+        <a:scrgbClr r="0" g="0" b="0"/>
+      </a:lnRef>
+      <a:fillRef idx="1">
+        <a:scrgbClr r="0" g="0" b="0"/>
+      </a:fillRef>
+      <a:effectRef idx="0">
+        <a:scrgbClr r="0" g="0" b="0"/>
+      </a:effectRef>
+      <a:fontRef idx="minor"/>
+    </dgm:style>
+  </dgm:styleLbl>
+  <dgm:styleLbl name="trAlignAcc1">
+    <dgm:scene3d>
+      <a:camera prst="orthographicFront"/>
+      <a:lightRig rig="threePt" dir="t"/>
+    </dgm:scene3d>
+    <dgm:sp3d/>
+    <dgm:txPr/>
+    <dgm:style>
+      <a:lnRef idx="1">
+        <a:scrgbClr r="0" g="0" b="0"/>
+      </a:lnRef>
+      <a:fillRef idx="1">
+        <a:scrgbClr r="0" g="0" b="0"/>
+      </a:fillRef>
+      <a:effectRef idx="0">
+        <a:scrgbClr r="0" g="0" b="0"/>
+      </a:effectRef>
+      <a:fontRef idx="minor"/>
+    </dgm:style>
+  </dgm:styleLbl>
+  <dgm:styleLbl name="bgAcc1">
+    <dgm:scene3d>
+      <a:camera prst="orthographicFront"/>
+      <a:lightRig rig="threePt" dir="t"/>
+    </dgm:scene3d>
+    <dgm:sp3d/>
+    <dgm:txPr/>
+    <dgm:style>
+      <a:lnRef idx="2">
+        <a:scrgbClr r="0" g="0" b="0"/>
+      </a:lnRef>
+      <a:fillRef idx="1">
+        <a:scrgbClr r="0" g="0" b="0"/>
+      </a:fillRef>
+      <a:effectRef idx="0">
+        <a:scrgbClr r="0" g="0" b="0"/>
+      </a:effectRef>
+      <a:fontRef idx="minor"/>
+    </dgm:style>
+  </dgm:styleLbl>
+  <dgm:styleLbl name="solidFgAcc1">
+    <dgm:scene3d>
+      <a:camera prst="orthographicFront"/>
+      <a:lightRig rig="threePt" dir="t"/>
+    </dgm:scene3d>
+    <dgm:sp3d/>
+    <dgm:txPr/>
+    <dgm:style>
+      <a:lnRef idx="2">
+        <a:scrgbClr r="0" g="0" b="0"/>
+      </a:lnRef>
+      <a:fillRef idx="1">
+        <a:scrgbClr r="0" g="0" b="0"/>
+      </a:fillRef>
+      <a:effectRef idx="0">
+        <a:scrgbClr r="0" g="0" b="0"/>
+      </a:effectRef>
+      <a:fontRef idx="minor"/>
+    </dgm:style>
+  </dgm:styleLbl>
+  <dgm:styleLbl name="solidAlignAcc1">
+    <dgm:scene3d>
+      <a:camera prst="orthographicFront"/>
+      <a:lightRig rig="threePt" dir="t"/>
+    </dgm:scene3d>
+    <dgm:sp3d/>
+    <dgm:txPr/>
+    <dgm:style>
+      <a:lnRef idx="2">
+        <a:scrgbClr r="0" g="0" b="0"/>
+      </a:lnRef>
+      <a:fillRef idx="1">
+        <a:scrgbClr r="0" g="0" b="0"/>
+      </a:fillRef>
+      <a:effectRef idx="0">
+        <a:scrgbClr r="0" g="0" b="0"/>
+      </a:effectRef>
+      <a:fontRef idx="minor"/>
+    </dgm:style>
+  </dgm:styleLbl>
+  <dgm:styleLbl name="solidBgAcc1">
+    <dgm:scene3d>
+      <a:camera prst="orthographicFront"/>
+      <a:lightRig rig="threePt" dir="t"/>
+    </dgm:scene3d>
+    <dgm:sp3d/>
+    <dgm:txPr/>
+    <dgm:style>
+      <a:lnRef idx="2">
+        <a:scrgbClr r="0" g="0" b="0"/>
+      </a:lnRef>
+      <a:fillRef idx="1">
+        <a:scrgbClr r="0" g="0" b="0"/>
+      </a:fillRef>
+      <a:effectRef idx="0">
+        <a:scrgbClr r="0" g="0" b="0"/>
+      </a:effectRef>
+      <a:fontRef idx="minor"/>
+    </dgm:style>
+  </dgm:styleLbl>
+  <dgm:styleLbl name="fgAccFollowNode1">
+    <dgm:scene3d>
+      <a:camera prst="orthographicFront"/>
+      <a:lightRig rig="threePt" dir="t"/>
+    </dgm:scene3d>
+    <dgm:sp3d/>
+    <dgm:txPr/>
+    <dgm:style>
+      <a:lnRef idx="2">
+        <a:scrgbClr r="0" g="0" b="0"/>
+      </a:lnRef>
+      <a:fillRef idx="1">
+        <a:scrgbClr r="0" g="0" b="0"/>
+      </a:fillRef>
+      <a:effectRef idx="0">
+        <a:scrgbClr r="0" g="0" b="0"/>
+      </a:effectRef>
+      <a:fontRef idx="minor"/>
+    </dgm:style>
+  </dgm:styleLbl>
+  <dgm:styleLbl name="alignAccFollowNode1">
+    <dgm:scene3d>
+      <a:camera prst="orthographicFront"/>
+      <a:lightRig rig="threePt" dir="t"/>
+    </dgm:scene3d>
+    <dgm:sp3d/>
+    <dgm:txPr/>
+    <dgm:style>
+      <a:lnRef idx="2">
+        <a:scrgbClr r="0" g="0" b="0"/>
+      </a:lnRef>
+      <a:fillRef idx="1">
+        <a:scrgbClr r="0" g="0" b="0"/>
+      </a:fillRef>
+      <a:effectRef idx="0">
+        <a:scrgbClr r="0" g="0" b="0"/>
+      </a:effectRef>
+      <a:fontRef idx="minor"/>
+    </dgm:style>
+  </dgm:styleLbl>
+  <dgm:styleLbl name="bgAccFollowNode1">
+    <dgm:scene3d>
+      <a:camera prst="orthographicFront"/>
+      <a:lightRig rig="threePt" dir="t"/>
+    </dgm:scene3d>
+    <dgm:sp3d/>
+    <dgm:txPr/>
+    <dgm:style>
+      <a:lnRef idx="2">
+        <a:scrgbClr r="0" g="0" b="0"/>
+      </a:lnRef>
+      <a:fillRef idx="1">
+        <a:scrgbClr r="0" g="0" b="0"/>
+      </a:fillRef>
+      <a:effectRef idx="0">
+        <a:scrgbClr r="0" g="0" b="0"/>
+      </a:effectRef>
+      <a:fontRef idx="minor"/>
+    </dgm:style>
+  </dgm:styleLbl>
+  <dgm:styleLbl name="fgAcc0">
+    <dgm:scene3d>
+      <a:camera prst="orthographicFront"/>
+      <a:lightRig rig="threePt" dir="t"/>
+    </dgm:scene3d>
+    <dgm:sp3d/>
+    <dgm:txPr/>
+    <dgm:style>
+      <a:lnRef idx="2">
+        <a:scrgbClr r="0" g="0" b="0"/>
+      </a:lnRef>
+      <a:fillRef idx="1">
+        <a:scrgbClr r="0" g="0" b="0"/>
+      </a:fillRef>
+      <a:effectRef idx="0">
+        <a:scrgbClr r="0" g="0" b="0"/>
+      </a:effectRef>
+      <a:fontRef idx="minor"/>
+    </dgm:style>
+  </dgm:styleLbl>
+  <dgm:styleLbl name="fgAcc2">
+    <dgm:scene3d>
+      <a:camera prst="orthographicFront"/>
+      <a:lightRig rig="threePt" dir="t"/>
+    </dgm:scene3d>
+    <dgm:sp3d/>
+    <dgm:txPr/>
+    <dgm:style>
+      <a:lnRef idx="2">
+        <a:scrgbClr r="0" g="0" b="0"/>
+      </a:lnRef>
+      <a:fillRef idx="1">
+        <a:scrgbClr r="0" g="0" b="0"/>
+      </a:fillRef>
+      <a:effectRef idx="0">
+        <a:scrgbClr r="0" g="0" b="0"/>
+      </a:effectRef>
+      <a:fontRef idx="minor"/>
+    </dgm:style>
+  </dgm:styleLbl>
+  <dgm:styleLbl name="fgAcc3">
+    <dgm:scene3d>
+      <a:camera prst="orthographicFront"/>
+      <a:lightRig rig="threePt" dir="t"/>
+    </dgm:scene3d>
+    <dgm:sp3d/>
+    <dgm:txPr/>
+    <dgm:style>
+      <a:lnRef idx="2">
+        <a:scrgbClr r="0" g="0" b="0"/>
+      </a:lnRef>
+      <a:fillRef idx="1">
+        <a:scrgbClr r="0" g="0" b="0"/>
+      </a:fillRef>
+      <a:effectRef idx="0">
+        <a:scrgbClr r="0" g="0" b="0"/>
+      </a:effectRef>
+      <a:fontRef idx="minor"/>
+    </dgm:style>
+  </dgm:styleLbl>
+  <dgm:styleLbl name="fgAcc4">
+    <dgm:scene3d>
+      <a:camera prst="orthographicFront"/>
+      <a:lightRig rig="threePt" dir="t"/>
+    </dgm:scene3d>
+    <dgm:sp3d/>
+    <dgm:txPr/>
+    <dgm:style>
+      <a:lnRef idx="2">
+        <a:scrgbClr r="0" g="0" b="0"/>
+      </a:lnRef>
+      <a:fillRef idx="1">
+        <a:scrgbClr r="0" g="0" b="0"/>
+      </a:fillRef>
+      <a:effectRef idx="0">
+        <a:scrgbClr r="0" g="0" b="0"/>
+      </a:effectRef>
+      <a:fontRef idx="minor"/>
+    </dgm:style>
+  </dgm:styleLbl>
+  <dgm:styleLbl name="bgShp">
+    <dgm:scene3d>
+      <a:camera prst="orthographicFront"/>
+      <a:lightRig rig="threePt" dir="t"/>
+    </dgm:scene3d>
+    <dgm:sp3d/>
+    <dgm:txPr/>
+    <dgm:style>
+      <a:lnRef idx="0">
+        <a:scrgbClr r="0" g="0" b="0"/>
+      </a:lnRef>
+      <a:fillRef idx="1">
+        <a:scrgbClr r="0" g="0" b="0"/>
+      </a:fillRef>
+      <a:effectRef idx="0">
+        <a:scrgbClr r="0" g="0" b="0"/>
+      </a:effectRef>
+      <a:fontRef idx="minor"/>
+    </dgm:style>
+  </dgm:styleLbl>
+  <dgm:styleLbl name="dkBgShp">
+    <dgm:scene3d>
+      <a:camera prst="orthographicFront"/>
+      <a:lightRig rig="threePt" dir="t"/>
+    </dgm:scene3d>
+    <dgm:sp3d/>
+    <dgm:txPr/>
+    <dgm:style>
+      <a:lnRef idx="0">
+        <a:scrgbClr r="0" g="0" b="0"/>
+      </a:lnRef>
+      <a:fillRef idx="1">
+        <a:scrgbClr r="0" g="0" b="0"/>
+      </a:fillRef>
+      <a:effectRef idx="0">
+        <a:scrgbClr r="0" g="0" b="0"/>
+      </a:effectRef>
+      <a:fontRef idx="minor"/>
+    </dgm:style>
+  </dgm:styleLbl>
+  <dgm:styleLbl name="trBgShp">
+    <dgm:scene3d>
+      <a:camera prst="orthographicFront"/>
+      <a:lightRig rig="threePt" dir="t"/>
+    </dgm:scene3d>
+    <dgm:sp3d/>
+    <dgm:txPr/>
+    <dgm:style>
+      <a:lnRef idx="0">
+        <a:scrgbClr r="0" g="0" b="0"/>
+      </a:lnRef>
+      <a:fillRef idx="1">
+        <a:scrgbClr r="0" g="0" b="0"/>
+      </a:fillRef>
+      <a:effectRef idx="0">
+        <a:scrgbClr r="0" g="0" b="0"/>
+      </a:effectRef>
+      <a:fontRef idx="minor"/>
+    </dgm:style>
+  </dgm:styleLbl>
+  <dgm:styleLbl name="fgShp">
+    <dgm:scene3d>
+      <a:camera prst="orthographicFront"/>
+      <a:lightRig rig="threePt" dir="t"/>
+    </dgm:scene3d>
+    <dgm:sp3d/>
+    <dgm:txPr/>
+    <dgm:style>
+      <a:lnRef idx="2">
+        <a:scrgbClr r="0" g="0" b="0"/>
+      </a:lnRef>
+      <a:fillRef idx="1">
+        <a:scrgbClr r="0" g="0" b="0"/>
+      </a:fillRef>
+      <a:effectRef idx="0">
+        <a:scrgbClr r="0" g="0" b="0"/>
+      </a:effectRef>
+      <a:fontRef idx="minor"/>
+    </dgm:style>
+  </dgm:styleLbl>
+  <dgm:styleLbl name="revTx">
+    <dgm:scene3d>
+      <a:camera prst="orthographicFront"/>
+      <a:lightRig rig="threePt" dir="t"/>
+    </dgm:scene3d>
+    <dgm:sp3d/>
+    <dgm:txPr/>
+    <dgm:style>
+      <a:lnRef idx="0">
+        <a:scrgbClr r="0" g="0" b="0"/>
+      </a:lnRef>
+      <a:fillRef idx="0">
+        <a:scrgbClr r="0" g="0" b="0"/>
+      </a:fillRef>
+      <a:effectRef idx="0">
+        <a:scrgbClr r="0" g="0" b="0"/>
+      </a:effectRef>
+      <a:fontRef idx="minor"/>
+    </dgm:style>
+  </dgm:styleLbl>
+</dgm:styleDef>
+</file>
+
+<file path=ppt/notesMasters/notesMaster1.xml><?xml version="1.0" encoding="utf-8"?>
+<p:notesMaster xmlns:a="http://schemas.openxmlformats.org/drawingml/2006/main" xmlns:r="http://schemas.openxmlformats.org/officeDocument/2006/relationships" xmlns:p="http://schemas.openxmlformats.org/presentationml/2006/main">
+  <p:cSld>
+    <p:bg>
+      <p:bgRef idx="1001">
+        <a:schemeClr val="bg1"/>
+      </p:bgRef>
+    </p:bg>
+    <p:spTree>
+      <p:nvGrpSpPr>
+        <p:cNvPr id="1" name=""/>
+        <p:cNvGrpSpPr/>
+        <p:nvPr/>
+      </p:nvGrpSpPr>
+      <p:grpSpPr>
+        <a:xfrm>
+          <a:off x="0" y="0"/>
+          <a:ext cx="0" cy="0"/>
+          <a:chOff x="0" y="0"/>
+          <a:chExt cx="0" cy="0"/>
+        </a:xfrm>
+      </p:grpSpPr>
+      <p:sp>
+        <p:nvSpPr>
+          <p:cNvPr id="2" name="Header Placeholder 1"/>
+          <p:cNvSpPr>
+            <a:spLocks noGrp="1"/>
+          </p:cNvSpPr>
+          <p:nvPr>
+            <p:ph type="hdr" sz="quarter"/>
+          </p:nvPr>
+        </p:nvSpPr>
+        <p:spPr>
+          <a:xfrm>
+            <a:off x="0" y="0"/>
+            <a:ext cx="2971800" cy="458788"/>
+          </a:xfrm>
+          <a:prstGeom prst="rect">
+            <a:avLst/>
+          </a:prstGeom>
+        </p:spPr>
+        <p:txBody>
+          <a:bodyPr vert="horz" lIns="91440" tIns="45720" rIns="91440" bIns="45720" rtlCol="0"/>
+          <a:lstStyle>
+            <a:lvl1pPr algn="l">
+              <a:defRPr sz="1200"/>
+            </a:lvl1pPr>
+          </a:lstStyle>
+          <a:p>
+            <a:endParaRPr lang="en-US"/>
+          </a:p>
+        </p:txBody>
+      </p:sp>
+      <p:sp>
+        <p:nvSpPr>
+          <p:cNvPr id="3" name="Date Placeholder 2"/>
+          <p:cNvSpPr>
+            <a:spLocks noGrp="1"/>
+          </p:cNvSpPr>
+          <p:nvPr>
+            <p:ph type="dt" idx="1"/>
+          </p:nvPr>
+        </p:nvSpPr>
+        <p:spPr>
+          <a:xfrm>
+            <a:off x="3884613" y="0"/>
+            <a:ext cx="2971800" cy="458788"/>
+          </a:xfrm>
+          <a:prstGeom prst="rect">
+            <a:avLst/>
+          </a:prstGeom>
+        </p:spPr>
+        <p:txBody>
+          <a:bodyPr vert="horz" lIns="91440" tIns="45720" rIns="91440" bIns="45720" rtlCol="0"/>
+          <a:lstStyle>
+            <a:lvl1pPr algn="r">
+              <a:defRPr sz="1200"/>
+            </a:lvl1pPr>
+          </a:lstStyle>
+          <a:p>
+            <a:fld id="{433C7FF0-8643-0F44-BA0E-C61513593107}" type="datetimeFigureOut">
+              <a:rPr lang="en-US" smtClean="0"/>
+              <a:t>10/23/19</a:t>
+            </a:fld>
+            <a:endParaRPr lang="en-US"/>
+          </a:p>
+        </p:txBody>
+      </p:sp>
+      <p:sp>
+        <p:nvSpPr>
+          <p:cNvPr id="4" name="Slide Image Placeholder 3"/>
+          <p:cNvSpPr>
+            <a:spLocks noGrp="1" noRot="1" noChangeAspect="1"/>
+          </p:cNvSpPr>
+          <p:nvPr>
+            <p:ph type="sldImg" idx="2"/>
+          </p:nvPr>
+        </p:nvSpPr>
+        <p:spPr>
+          <a:xfrm>
+            <a:off x="685800" y="1143000"/>
+            <a:ext cx="5486400" cy="3086100"/>
+          </a:xfrm>
+          <a:prstGeom prst="rect">
+            <a:avLst/>
+          </a:prstGeom>
+          <a:noFill/>
+          <a:ln w="12700">
+            <a:solidFill>
+              <a:prstClr val="black"/>
+            </a:solidFill>
+          </a:ln>
+        </p:spPr>
+        <p:txBody>
+          <a:bodyPr vert="horz" lIns="91440" tIns="45720" rIns="91440" bIns="45720" rtlCol="0" anchor="ctr"/>
+          <a:lstStyle/>
+          <a:p>
+            <a:endParaRPr lang="en-US"/>
+          </a:p>
+        </p:txBody>
+      </p:sp>
+      <p:sp>
+        <p:nvSpPr>
+          <p:cNvPr id="5" name="Notes Placeholder 4"/>
+          <p:cNvSpPr>
+            <a:spLocks noGrp="1"/>
+          </p:cNvSpPr>
+          <p:nvPr>
+            <p:ph type="body" sz="quarter" idx="3"/>
+          </p:nvPr>
+        </p:nvSpPr>
+        <p:spPr>
+          <a:xfrm>
+            <a:off x="685800" y="4400550"/>
+            <a:ext cx="5486400" cy="3600450"/>
+          </a:xfrm>
+          <a:prstGeom prst="rect">
+            <a:avLst/>
+          </a:prstGeom>
+        </p:spPr>
+        <p:txBody>
+          <a:bodyPr vert="horz" lIns="91440" tIns="45720" rIns="91440" bIns="45720" rtlCol="0"/>
+          <a:lstStyle/>
+          <a:p>
+            <a:pPr lvl="0"/>
+            <a:r>
+              <a:rPr lang="en-US"/>
+              <a:t>Click to edit Master text styles</a:t>
+            </a:r>
+          </a:p>
+          <a:p>
+            <a:pPr lvl="1"/>
+            <a:r>
+              <a:rPr lang="en-US"/>
+              <a:t>Second level</a:t>
+            </a:r>
+          </a:p>
+          <a:p>
+            <a:pPr lvl="2"/>
+            <a:r>
+              <a:rPr lang="en-US"/>
+              <a:t>Third level</a:t>
+            </a:r>
+          </a:p>
+          <a:p>
+            <a:pPr lvl="3"/>
+            <a:r>
+              <a:rPr lang="en-US"/>
+              <a:t>Fourth level</a:t>
+            </a:r>
+          </a:p>
+          <a:p>
+            <a:pPr lvl="4"/>
+            <a:r>
+              <a:rPr lang="en-US"/>
+              <a:t>Fifth level</a:t>
+            </a:r>
+          </a:p>
+        </p:txBody>
+      </p:sp>
+      <p:sp>
+        <p:nvSpPr>
+          <p:cNvPr id="6" name="Footer Placeholder 5"/>
+          <p:cNvSpPr>
+            <a:spLocks noGrp="1"/>
+          </p:cNvSpPr>
+          <p:nvPr>
+            <p:ph type="ftr" sz="quarter" idx="4"/>
+          </p:nvPr>
+        </p:nvSpPr>
+        <p:spPr>
+          <a:xfrm>
+            <a:off x="0" y="8685213"/>
+            <a:ext cx="2971800" cy="458787"/>
+          </a:xfrm>
+          <a:prstGeom prst="rect">
+            <a:avLst/>
+          </a:prstGeom>
+        </p:spPr>
+        <p:txBody>
+          <a:bodyPr vert="horz" lIns="91440" tIns="45720" rIns="91440" bIns="45720" rtlCol="0" anchor="b"/>
+          <a:lstStyle>
+            <a:lvl1pPr algn="l">
+              <a:defRPr sz="1200"/>
+            </a:lvl1pPr>
+          </a:lstStyle>
+          <a:p>
+            <a:endParaRPr lang="en-US"/>
+          </a:p>
+        </p:txBody>
+      </p:sp>
+      <p:sp>
+        <p:nvSpPr>
+          <p:cNvPr id="7" name="Slide Number Placeholder 6"/>
+          <p:cNvSpPr>
+            <a:spLocks noGrp="1"/>
+          </p:cNvSpPr>
+          <p:nvPr>
+            <p:ph type="sldNum" sz="quarter" idx="5"/>
+          </p:nvPr>
+        </p:nvSpPr>
+        <p:spPr>
+          <a:xfrm>
+            <a:off x="3884613" y="8685213"/>
+            <a:ext cx="2971800" cy="458787"/>
+          </a:xfrm>
+          <a:prstGeom prst="rect">
+            <a:avLst/>
+          </a:prstGeom>
+        </p:spPr>
+        <p:txBody>
+          <a:bodyPr vert="horz" lIns="91440" tIns="45720" rIns="91440" bIns="45720" rtlCol="0" anchor="b"/>
+          <a:lstStyle>
+            <a:lvl1pPr algn="r">
+              <a:defRPr sz="1200"/>
+            </a:lvl1pPr>
+          </a:lstStyle>
+          <a:p>
+            <a:fld id="{1C2353BB-4F7C-0247-BEC9-5CD8DBB29C46}" type="slidenum">
+              <a:rPr lang="en-US" smtClean="0"/>
+              <a:t>‹#›</a:t>
+            </a:fld>
+            <a:endParaRPr lang="en-US"/>
+          </a:p>
+        </p:txBody>
+      </p:sp>
+    </p:spTree>
+    <p:extLst>
+      <p:ext uri="{BB962C8B-B14F-4D97-AF65-F5344CB8AC3E}">
+        <p14:creationId xmlns:p14="http://schemas.microsoft.com/office/powerpoint/2010/main" val="862196672"/>
+      </p:ext>
+    </p:extLst>
+  </p:cSld>
+  <p:clrMap bg1="lt1" tx1="dk1" bg2="lt2" tx2="dk2" accent1="accent1" accent2="accent2" accent3="accent3" accent4="accent4" accent5="accent5" accent6="accent6" hlink="hlink" folHlink="folHlink"/>
+  <p:notesStyle>
+    <a:lvl1pPr marL="0" algn="l" defTabSz="914400" rtl="0" eaLnBrk="1" latinLnBrk="0" hangingPunct="1">
+      <a:defRPr sz="1200" kern="1200">
+        <a:solidFill>
+          <a:schemeClr val="tx1"/>
+        </a:solidFill>
+        <a:latin typeface="+mn-lt"/>
+        <a:ea typeface="+mn-ea"/>
+        <a:cs typeface="+mn-cs"/>
+      </a:defRPr>
+    </a:lvl1pPr>
+    <a:lvl2pPr marL="457200" algn="l" defTabSz="914400" rtl="0" eaLnBrk="1" latinLnBrk="0" hangingPunct="1">
+      <a:defRPr sz="1200" kern="1200">
+        <a:solidFill>
+          <a:schemeClr val="tx1"/>
+        </a:solidFill>
+        <a:latin typeface="+mn-lt"/>
+        <a:ea typeface="+mn-ea"/>
+        <a:cs typeface="+mn-cs"/>
+      </a:defRPr>
+    </a:lvl2pPr>
+    <a:lvl3pPr marL="914400" algn="l" defTabSz="914400" rtl="0" eaLnBrk="1" latinLnBrk="0" hangingPunct="1">
+      <a:defRPr sz="1200" kern="1200">
+        <a:solidFill>
+          <a:schemeClr val="tx1"/>
+        </a:solidFill>
+        <a:latin typeface="+mn-lt"/>
+        <a:ea typeface="+mn-ea"/>
+        <a:cs typeface="+mn-cs"/>
+      </a:defRPr>
+    </a:lvl3pPr>
+    <a:lvl4pPr marL="1371600" algn="l" defTabSz="914400" rtl="0" eaLnBrk="1" latinLnBrk="0" hangingPunct="1">
+      <a:defRPr sz="1200" kern="1200">
+        <a:solidFill>
+          <a:schemeClr val="tx1"/>
+        </a:solidFill>
+        <a:latin typeface="+mn-lt"/>
+        <a:ea typeface="+mn-ea"/>
+        <a:cs typeface="+mn-cs"/>
+      </a:defRPr>
+    </a:lvl4pPr>
+    <a:lvl5pPr marL="1828800" algn="l" defTabSz="914400" rtl="0" eaLnBrk="1" latinLnBrk="0" hangingPunct="1">
+      <a:defRPr sz="1200" kern="1200">
+        <a:solidFill>
+          <a:schemeClr val="tx1"/>
+        </a:solidFill>
+        <a:latin typeface="+mn-lt"/>
+        <a:ea typeface="+mn-ea"/>
+        <a:cs typeface="+mn-cs"/>
+      </a:defRPr>
+    </a:lvl5pPr>
+    <a:lvl6pPr marL="2286000" algn="l" defTabSz="914400" rtl="0" eaLnBrk="1" latinLnBrk="0" hangingPunct="1">
+      <a:defRPr sz="1200" kern="1200">
+        <a:solidFill>
+          <a:schemeClr val="tx1"/>
+        </a:solidFill>
+        <a:latin typeface="+mn-lt"/>
+        <a:ea typeface="+mn-ea"/>
+        <a:cs typeface="+mn-cs"/>
+      </a:defRPr>
+    </a:lvl6pPr>
+    <a:lvl7pPr marL="2743200" algn="l" defTabSz="914400" rtl="0" eaLnBrk="1" latinLnBrk="0" hangingPunct="1">
+      <a:defRPr sz="1200" kern="1200">
+        <a:solidFill>
+          <a:schemeClr val="tx1"/>
+        </a:solidFill>
+        <a:latin typeface="+mn-lt"/>
+        <a:ea typeface="+mn-ea"/>
+        <a:cs typeface="+mn-cs"/>
+      </a:defRPr>
+    </a:lvl7pPr>
+    <a:lvl8pPr marL="3200400" algn="l" defTabSz="914400" rtl="0" eaLnBrk="1" latinLnBrk="0" hangingPunct="1">
+      <a:defRPr sz="1200" kern="1200">
+        <a:solidFill>
+          <a:schemeClr val="tx1"/>
+        </a:solidFill>
+        <a:latin typeface="+mn-lt"/>
+        <a:ea typeface="+mn-ea"/>
+        <a:cs typeface="+mn-cs"/>
+      </a:defRPr>
+    </a:lvl8pPr>
+    <a:lvl9pPr marL="3657600" algn="l" defTabSz="914400" rtl="0" eaLnBrk="1" latinLnBrk="0" hangingPunct="1">
+      <a:defRPr sz="1200" kern="1200">
+        <a:solidFill>
+          <a:schemeClr val="tx1"/>
+        </a:solidFill>
+        <a:latin typeface="+mn-lt"/>
+        <a:ea typeface="+mn-ea"/>
+        <a:cs typeface="+mn-cs"/>
+      </a:defRPr>
+    </a:lvl9pPr>
+  </p:notesStyle>
+</p:notesMaster>
+</file>
+
+<file path=ppt/notesSlides/notesSlide1.xml><?xml version="1.0" encoding="utf-8"?>
+<p:notes xmlns:a="http://schemas.openxmlformats.org/drawingml/2006/main" xmlns:r="http://schemas.openxmlformats.org/officeDocument/2006/relationships" xmlns:p="http://schemas.openxmlformats.org/presentationml/2006/main">
+  <p:cSld>
+    <p:spTree>
+      <p:nvGrpSpPr>
+        <p:cNvPr id="1" name=""/>
+        <p:cNvGrpSpPr/>
+        <p:nvPr/>
+      </p:nvGrpSpPr>
+      <p:grpSpPr>
+        <a:xfrm>
+          <a:off x="0" y="0"/>
+          <a:ext cx="0" cy="0"/>
+          <a:chOff x="0" y="0"/>
+          <a:chExt cx="0" cy="0"/>
+        </a:xfrm>
+      </p:grpSpPr>
+      <p:sp>
+        <p:nvSpPr>
+          <p:cNvPr id="2" name="Slide Image Placeholder 1"/>
+          <p:cNvSpPr>
+            <a:spLocks noGrp="1" noRot="1" noChangeAspect="1"/>
+          </p:cNvSpPr>
+          <p:nvPr>
+            <p:ph type="sldImg"/>
+          </p:nvPr>
+        </p:nvSpPr>
+        <p:spPr/>
+      </p:sp>
+      <p:sp>
+        <p:nvSpPr>
+          <p:cNvPr id="3" name="Notes Placeholder 2"/>
+          <p:cNvSpPr>
+            <a:spLocks noGrp="1"/>
+          </p:cNvSpPr>
+          <p:nvPr>
+            <p:ph type="body" idx="1"/>
+          </p:nvPr>
+        </p:nvSpPr>
+        <p:spPr/>
+        <p:txBody>
+          <a:bodyPr/>
+          <a:lstStyle/>
+          <a:p>
+            <a:endParaRPr lang="en-US" dirty="0"/>
+          </a:p>
+        </p:txBody>
+      </p:sp>
+      <p:sp>
+        <p:nvSpPr>
+          <p:cNvPr id="4" name="Slide Number Placeholder 3"/>
+          <p:cNvSpPr>
+            <a:spLocks noGrp="1"/>
+          </p:cNvSpPr>
+          <p:nvPr>
+            <p:ph type="sldNum" sz="quarter" idx="5"/>
+          </p:nvPr>
+        </p:nvSpPr>
+        <p:spPr/>
+        <p:txBody>
+          <a:bodyPr/>
+          <a:lstStyle/>
+          <a:p>
+            <a:fld id="{1C2353BB-4F7C-0247-BEC9-5CD8DBB29C46}" type="slidenum">
+              <a:rPr lang="en-US" smtClean="0"/>
+              <a:t>7</a:t>
+            </a:fld>
+            <a:endParaRPr lang="en-US"/>
+          </a:p>
+        </p:txBody>
+      </p:sp>
+    </p:spTree>
+    <p:extLst>
+      <p:ext uri="{BB962C8B-B14F-4D97-AF65-F5344CB8AC3E}">
+        <p14:creationId xmlns:p14="http://schemas.microsoft.com/office/powerpoint/2010/main" val="3887378397"/>
+      </p:ext>
+    </p:extLst>
+  </p:cSld>
+  <p:clrMapOvr>
+    <a:masterClrMapping/>
+  </p:clrMapOvr>
+</p:notes>
 </file>
 
 <file path=ppt/slideLayouts/slideLayout1.xml><?xml version="1.0" encoding="utf-8"?>
@@ -3607,12 +7436,12 @@
           <a:lstStyle/>
           <a:p>
             <a:r>
-              <a:rPr lang="en-US" sz="4000">
+              <a:rPr lang="en-US" sz="4000" dirty="0">
                 <a:solidFill>
                   <a:schemeClr val="bg2"/>
                 </a:solidFill>
               </a:rPr>
-              <a:t>Why is Julia fast</a:t>
+              <a:t>Why is Julia fast and flexible</a:t>
             </a:r>
           </a:p>
         </p:txBody>
@@ -3657,10 +7486,10 @@
       </p:grpSpPr>
       <p:sp>
         <p:nvSpPr>
-          <p:cNvPr id="8" name="Rectangle 7">
+          <p:cNvPr id="25" name="Rectangle 24">
             <a:extLst>
               <a:ext uri="{FF2B5EF4-FFF2-40B4-BE49-F238E27FC236}">
-                <a16:creationId xmlns:a16="http://schemas.microsoft.com/office/drawing/2014/main" id="{23962611-DFD5-4092-AAFD-559E3DFCE2C9}"/>
+                <a16:creationId xmlns:a16="http://schemas.microsoft.com/office/drawing/2014/main" id="{C0B27210-D0CA-4654-B3E3-9ABB4F178EA1}"/>
               </a:ext>
               <a:ext uri="{C183D7F6-B498-43B3-948B-1728B52AA6E4}">
                 <adec:decorative xmlns:adec="http://schemas.microsoft.com/office/drawing/2017/decorative" val="1"/>
@@ -3680,37 +7509,18 @@
         </p:nvSpPr>
         <p:spPr>
           <a:xfrm>
-            <a:off x="475488" y="0"/>
-            <a:ext cx="10910292" cy="6858000"/>
+            <a:off x="0" y="0"/>
+            <a:ext cx="12192000" cy="6858000"/>
           </a:xfrm>
           <a:prstGeom prst="rect">
             <a:avLst/>
           </a:prstGeom>
-          <a:gradFill>
-            <a:gsLst>
-              <a:gs pos="0">
-                <a:schemeClr val="accent1">
-                  <a:lumMod val="90000"/>
-                </a:schemeClr>
-              </a:gs>
-              <a:gs pos="25000">
-                <a:schemeClr val="accent1">
-                  <a:lumMod val="90000"/>
-                </a:schemeClr>
-              </a:gs>
-              <a:gs pos="94000">
-                <a:schemeClr val="bg2">
-                  <a:lumMod val="25000"/>
-                </a:schemeClr>
-              </a:gs>
-              <a:gs pos="100000">
-                <a:schemeClr val="bg2">
-                  <a:lumMod val="25000"/>
-                </a:schemeClr>
-              </a:gs>
-            </a:gsLst>
-            <a:lin ang="4200000" scaled="0"/>
-          </a:gradFill>
+          <a:solidFill>
+            <a:schemeClr val="tx1">
+              <a:lumMod val="75000"/>
+              <a:lumOff val="25000"/>
+            </a:schemeClr>
+          </a:solidFill>
           <a:ln>
             <a:noFill/>
           </a:ln>
@@ -3740,51 +7550,6 @@
           </a:p>
         </p:txBody>
       </p:sp>
-      <p:pic>
-        <p:nvPicPr>
-          <p:cNvPr id="10" name="Picture 9">
-            <a:extLst>
-              <a:ext uri="{FF2B5EF4-FFF2-40B4-BE49-F238E27FC236}">
-                <a16:creationId xmlns:a16="http://schemas.microsoft.com/office/drawing/2014/main" id="{2270F1FA-0425-408F-9861-80BF5AFB276D}"/>
-              </a:ext>
-              <a:ext uri="{C183D7F6-B498-43B3-948B-1728B52AA6E4}">
-                <adec:decorative xmlns:adec="http://schemas.microsoft.com/office/drawing/2017/decorative" val="1"/>
-              </a:ext>
-            </a:extLst>
-          </p:cNvPr>
-          <p:cNvPicPr>
-            <a:picLocks noGrp="1" noRot="1" noChangeAspect="1" noMove="1" noResize="1" noEditPoints="1" noAdjustHandles="1" noChangeArrowheads="1" noChangeShapeType="1" noCrop="1"/>
-          </p:cNvPicPr>
-          <p:nvPr>
-            <p:extLst>
-              <p:ext uri="{386F3935-93C4-4BCD-93E2-E3B085C9AB24}">
-                <p16:designElem xmlns:p16="http://schemas.microsoft.com/office/powerpoint/2015/main" val="1"/>
-              </p:ext>
-            </p:extLst>
-          </p:nvPr>
-        </p:nvPicPr>
-        <p:blipFill>
-          <a:blip r:embed="rId2">
-            <a:extLst>
-              <a:ext uri="{28A0092B-C50C-407E-A947-70E740481C1C}">
-                <a14:useLocalDpi xmlns:a14="http://schemas.microsoft.com/office/drawing/2010/main" val="0"/>
-              </a:ext>
-            </a:extLst>
-          </a:blip>
-          <a:stretch>
-            <a:fillRect/>
-          </a:stretch>
-        </p:blipFill>
-        <p:spPr>
-          <a:xfrm>
-            <a:off x="0" y="0"/>
-            <a:ext cx="12192000" cy="6858000"/>
-          </a:xfrm>
-          <a:prstGeom prst="rect">
-            <a:avLst/>
-          </a:prstGeom>
-        </p:spPr>
-      </p:pic>
       <p:sp>
         <p:nvSpPr>
           <p:cNvPr id="2" name="Title 1">
@@ -3803,8 +7568,8 @@
         </p:nvSpPr>
         <p:spPr>
           <a:xfrm>
-            <a:off x="3045368" y="2043663"/>
-            <a:ext cx="6105194" cy="2031055"/>
+            <a:off x="6746628" y="1783959"/>
+            <a:ext cx="4645250" cy="2889114"/>
           </a:xfrm>
         </p:spPr>
         <p:txBody>
@@ -3813,21 +7578,391 @@
           </a:bodyPr>
           <a:lstStyle/>
           <a:p>
-            <a:pPr algn="ctr"/>
             <a:r>
-              <a:rPr lang="en-US" sz="6000" kern="1200">
+              <a:rPr lang="en-US" sz="6000" kern="1200" dirty="0">
                 <a:solidFill>
-                  <a:srgbClr val="FFFFFF"/>
+                  <a:schemeClr val="bg1"/>
                 </a:solidFill>
                 <a:latin typeface="+mj-lt"/>
                 <a:ea typeface="+mj-ea"/>
                 <a:cs typeface="+mj-cs"/>
               </a:rPr>
-              <a:t>What makes a language slow?</a:t>
+              <a:t>What makes a language slow</a:t>
             </a:r>
           </a:p>
         </p:txBody>
       </p:sp>
+      <p:sp>
+        <p:nvSpPr>
+          <p:cNvPr id="27" name="Freeform: Shape 26">
+            <a:extLst>
+              <a:ext uri="{FF2B5EF4-FFF2-40B4-BE49-F238E27FC236}">
+                <a16:creationId xmlns:a16="http://schemas.microsoft.com/office/drawing/2014/main" id="{1DB7C82F-AB7E-4F0C-B829-FA1B9C415180}"/>
+              </a:ext>
+              <a:ext uri="{C183D7F6-B498-43B3-948B-1728B52AA6E4}">
+                <adec:decorative xmlns:adec="http://schemas.microsoft.com/office/drawing/2017/decorative" val="1"/>
+              </a:ext>
+            </a:extLst>
+          </p:cNvPr>
+          <p:cNvSpPr>
+            <a:spLocks noGrp="1" noRot="1" noChangeAspect="1" noMove="1" noResize="1" noEditPoints="1" noAdjustHandles="1" noChangeArrowheads="1" noChangeShapeType="1" noTextEdit="1"/>
+          </p:cNvSpPr>
+          <p:nvPr>
+            <p:extLst>
+              <p:ext uri="{386F3935-93C4-4BCD-93E2-E3B085C9AB24}">
+                <p16:designElem xmlns:p16="http://schemas.microsoft.com/office/powerpoint/2015/main" val="1"/>
+              </p:ext>
+            </p:extLst>
+          </p:nvPr>
+        </p:nvSpPr>
+        <p:spPr>
+          <a:xfrm flipH="1">
+            <a:off x="0" y="0"/>
+            <a:ext cx="6172782" cy="6858000"/>
+          </a:xfrm>
+          <a:custGeom>
+            <a:avLst/>
+            <a:gdLst>
+              <a:gd name="connsiteX0" fmla="*/ 6172782 w 6172782"/>
+              <a:gd name="connsiteY0" fmla="*/ 0 h 6858000"/>
+              <a:gd name="connsiteX1" fmla="*/ 69075 w 6172782"/>
+              <a:gd name="connsiteY1" fmla="*/ 0 h 6858000"/>
+              <a:gd name="connsiteX2" fmla="*/ 35131 w 6172782"/>
+              <a:gd name="connsiteY2" fmla="*/ 267128 h 6858000"/>
+              <a:gd name="connsiteX3" fmla="*/ 0 w 6172782"/>
+              <a:gd name="connsiteY3" fmla="*/ 962845 h 6858000"/>
+              <a:gd name="connsiteX4" fmla="*/ 3276103 w 6172782"/>
+              <a:gd name="connsiteY4" fmla="*/ 6782205 h 6858000"/>
+              <a:gd name="connsiteX5" fmla="*/ 3407923 w 6172782"/>
+              <a:gd name="connsiteY5" fmla="*/ 6858000 h 6858000"/>
+              <a:gd name="connsiteX6" fmla="*/ 6172782 w 6172782"/>
+              <a:gd name="connsiteY6" fmla="*/ 6858000 h 6858000"/>
+            </a:gdLst>
+            <a:ahLst/>
+            <a:cxnLst>
+              <a:cxn ang="0">
+                <a:pos x="connsiteX0" y="connsiteY0"/>
+              </a:cxn>
+              <a:cxn ang="0">
+                <a:pos x="connsiteX1" y="connsiteY1"/>
+              </a:cxn>
+              <a:cxn ang="0">
+                <a:pos x="connsiteX2" y="connsiteY2"/>
+              </a:cxn>
+              <a:cxn ang="0">
+                <a:pos x="connsiteX3" y="connsiteY3"/>
+              </a:cxn>
+              <a:cxn ang="0">
+                <a:pos x="connsiteX4" y="connsiteY4"/>
+              </a:cxn>
+              <a:cxn ang="0">
+                <a:pos x="connsiteX5" y="connsiteY5"/>
+              </a:cxn>
+              <a:cxn ang="0">
+                <a:pos x="connsiteX6" y="connsiteY6"/>
+              </a:cxn>
+            </a:cxnLst>
+            <a:rect l="l" t="t" r="r" b="b"/>
+            <a:pathLst>
+              <a:path w="6172782" h="6858000">
+                <a:moveTo>
+                  <a:pt x="6172782" y="0"/>
+                </a:moveTo>
+                <a:lnTo>
+                  <a:pt x="69075" y="0"/>
+                </a:lnTo>
+                <a:lnTo>
+                  <a:pt x="35131" y="267128"/>
+                </a:lnTo>
+                <a:cubicBezTo>
+                  <a:pt x="11901" y="495874"/>
+                  <a:pt x="0" y="727970"/>
+                  <a:pt x="0" y="962845"/>
+                </a:cubicBezTo>
+                <a:cubicBezTo>
+                  <a:pt x="0" y="3429034"/>
+                  <a:pt x="1312002" y="5588789"/>
+                  <a:pt x="3276103" y="6782205"/>
+                </a:cubicBezTo>
+                <a:lnTo>
+                  <a:pt x="3407923" y="6858000"/>
+                </a:lnTo>
+                <a:lnTo>
+                  <a:pt x="6172782" y="6858000"/>
+                </a:lnTo>
+                <a:close/>
+              </a:path>
+            </a:pathLst>
+          </a:custGeom>
+          <a:solidFill>
+            <a:schemeClr val="bg1">
+              <a:alpha val="80000"/>
+            </a:schemeClr>
+          </a:solidFill>
+          <a:ln>
+            <a:noFill/>
+          </a:ln>
+        </p:spPr>
+        <p:style>
+          <a:lnRef idx="2">
+            <a:schemeClr val="accent1">
+              <a:shade val="50000"/>
+            </a:schemeClr>
+          </a:lnRef>
+          <a:fillRef idx="1">
+            <a:schemeClr val="accent1"/>
+          </a:fillRef>
+          <a:effectRef idx="0">
+            <a:schemeClr val="accent1"/>
+          </a:effectRef>
+          <a:fontRef idx="minor">
+            <a:schemeClr val="lt1"/>
+          </a:fontRef>
+        </p:style>
+        <p:txBody>
+          <a:bodyPr wrap="square" rtlCol="0" anchor="ctr">
+            <a:noAutofit/>
+          </a:bodyPr>
+          <a:lstStyle/>
+          <a:p>
+            <a:pPr marL="0" marR="0" lvl="0" indent="0" algn="ctr" defTabSz="914400" rtl="0" eaLnBrk="1" fontAlgn="auto" latinLnBrk="0" hangingPunct="1">
+              <a:lnSpc>
+                <a:spcPct val="100000"/>
+              </a:lnSpc>
+              <a:spcBef>
+                <a:spcPts val="0"/>
+              </a:spcBef>
+              <a:spcAft>
+                <a:spcPts val="0"/>
+              </a:spcAft>
+              <a:buClrTx/>
+              <a:buSzTx/>
+              <a:buFontTx/>
+              <a:buNone/>
+              <a:tabLst/>
+              <a:defRPr/>
+            </a:pPr>
+            <a:endParaRPr kumimoji="0" lang="en-US" sz="1800" b="0" i="0" u="none" strike="noStrike" kern="1200" cap="none" spc="0" normalizeH="0" baseline="0" noProof="0">
+              <a:ln>
+                <a:noFill/>
+              </a:ln>
+              <a:solidFill>
+                <a:prstClr val="white"/>
+              </a:solidFill>
+              <a:effectLst/>
+              <a:uLnTx/>
+              <a:uFillTx/>
+              <a:latin typeface="Calibri" panose="020F0502020204030204"/>
+              <a:ea typeface="+mn-ea"/>
+              <a:cs typeface="+mn-cs"/>
+            </a:endParaRPr>
+          </a:p>
+        </p:txBody>
+      </p:sp>
+      <p:sp>
+        <p:nvSpPr>
+          <p:cNvPr id="29" name="Freeform: Shape 28">
+            <a:extLst>
+              <a:ext uri="{FF2B5EF4-FFF2-40B4-BE49-F238E27FC236}">
+                <a16:creationId xmlns:a16="http://schemas.microsoft.com/office/drawing/2014/main" id="{70B66945-4967-4040-926D-DCA44313CDAB}"/>
+              </a:ext>
+              <a:ext uri="{C183D7F6-B498-43B3-948B-1728B52AA6E4}">
+                <adec:decorative xmlns:adec="http://schemas.microsoft.com/office/drawing/2017/decorative" val="1"/>
+              </a:ext>
+            </a:extLst>
+          </p:cNvPr>
+          <p:cNvSpPr>
+            <a:spLocks noGrp="1" noRot="1" noChangeAspect="1" noMove="1" noResize="1" noEditPoints="1" noAdjustHandles="1" noChangeArrowheads="1" noChangeShapeType="1" noTextEdit="1"/>
+          </p:cNvSpPr>
+          <p:nvPr>
+            <p:extLst>
+              <p:ext uri="{386F3935-93C4-4BCD-93E2-E3B085C9AB24}">
+                <p16:designElem xmlns:p16="http://schemas.microsoft.com/office/powerpoint/2015/main" val="1"/>
+              </p:ext>
+            </p:extLst>
+          </p:nvPr>
+        </p:nvSpPr>
+        <p:spPr>
+          <a:xfrm>
+            <a:off x="0" y="0"/>
+            <a:ext cx="6024154" cy="6858000"/>
+          </a:xfrm>
+          <a:custGeom>
+            <a:avLst/>
+            <a:gdLst>
+              <a:gd name="connsiteX0" fmla="*/ 0 w 6024154"/>
+              <a:gd name="connsiteY0" fmla="*/ 0 h 6858000"/>
+              <a:gd name="connsiteX1" fmla="*/ 5953780 w 6024154"/>
+              <a:gd name="connsiteY1" fmla="*/ 0 h 6858000"/>
+              <a:gd name="connsiteX2" fmla="*/ 5989880 w 6024154"/>
+              <a:gd name="connsiteY2" fmla="*/ 284091 h 6858000"/>
+              <a:gd name="connsiteX3" fmla="*/ 6024154 w 6024154"/>
+              <a:gd name="connsiteY3" fmla="*/ 962844 h 6858000"/>
+              <a:gd name="connsiteX4" fmla="*/ 2549934 w 6024154"/>
+              <a:gd name="connsiteY4" fmla="*/ 6800152 h 6858000"/>
+              <a:gd name="connsiteX5" fmla="*/ 2436987 w 6024154"/>
+              <a:gd name="connsiteY5" fmla="*/ 6858000 h 6858000"/>
+              <a:gd name="connsiteX6" fmla="*/ 0 w 6024154"/>
+              <a:gd name="connsiteY6" fmla="*/ 6858000 h 6858000"/>
+            </a:gdLst>
+            <a:ahLst/>
+            <a:cxnLst>
+              <a:cxn ang="0">
+                <a:pos x="connsiteX0" y="connsiteY0"/>
+              </a:cxn>
+              <a:cxn ang="0">
+                <a:pos x="connsiteX1" y="connsiteY1"/>
+              </a:cxn>
+              <a:cxn ang="0">
+                <a:pos x="connsiteX2" y="connsiteY2"/>
+              </a:cxn>
+              <a:cxn ang="0">
+                <a:pos x="connsiteX3" y="connsiteY3"/>
+              </a:cxn>
+              <a:cxn ang="0">
+                <a:pos x="connsiteX4" y="connsiteY4"/>
+              </a:cxn>
+              <a:cxn ang="0">
+                <a:pos x="connsiteX5" y="connsiteY5"/>
+              </a:cxn>
+              <a:cxn ang="0">
+                <a:pos x="connsiteX6" y="connsiteY6"/>
+              </a:cxn>
+            </a:cxnLst>
+            <a:rect l="l" t="t" r="r" b="b"/>
+            <a:pathLst>
+              <a:path w="6024154" h="6858000">
+                <a:moveTo>
+                  <a:pt x="0" y="0"/>
+                </a:moveTo>
+                <a:lnTo>
+                  <a:pt x="5953780" y="0"/>
+                </a:lnTo>
+                <a:lnTo>
+                  <a:pt x="5989880" y="284091"/>
+                </a:lnTo>
+                <a:cubicBezTo>
+                  <a:pt x="6012544" y="507260"/>
+                  <a:pt x="6024154" y="733696"/>
+                  <a:pt x="6024154" y="962844"/>
+                </a:cubicBezTo>
+                <a:cubicBezTo>
+                  <a:pt x="6024154" y="3483472"/>
+                  <a:pt x="4619336" y="5675986"/>
+                  <a:pt x="2549934" y="6800152"/>
+                </a:cubicBezTo>
+                <a:lnTo>
+                  <a:pt x="2436987" y="6858000"/>
+                </a:lnTo>
+                <a:lnTo>
+                  <a:pt x="0" y="6858000"/>
+                </a:lnTo>
+                <a:close/>
+              </a:path>
+            </a:pathLst>
+          </a:custGeom>
+          <a:solidFill>
+            <a:schemeClr val="bg1"/>
+          </a:solidFill>
+          <a:ln>
+            <a:noFill/>
+          </a:ln>
+        </p:spPr>
+        <p:style>
+          <a:lnRef idx="2">
+            <a:schemeClr val="accent1">
+              <a:shade val="50000"/>
+            </a:schemeClr>
+          </a:lnRef>
+          <a:fillRef idx="1">
+            <a:schemeClr val="accent1"/>
+          </a:fillRef>
+          <a:effectRef idx="0">
+            <a:schemeClr val="accent1"/>
+          </a:effectRef>
+          <a:fontRef idx="minor">
+            <a:schemeClr val="lt1"/>
+          </a:fontRef>
+        </p:style>
+        <p:txBody>
+          <a:bodyPr wrap="square" rtlCol="0" anchor="ctr">
+            <a:noAutofit/>
+          </a:bodyPr>
+          <a:lstStyle/>
+          <a:p>
+            <a:pPr marL="0" marR="0" lvl="0" indent="0" algn="ctr" defTabSz="914400" rtl="0" eaLnBrk="1" fontAlgn="auto" latinLnBrk="0" hangingPunct="1">
+              <a:lnSpc>
+                <a:spcPct val="100000"/>
+              </a:lnSpc>
+              <a:spcBef>
+                <a:spcPts val="0"/>
+              </a:spcBef>
+              <a:spcAft>
+                <a:spcPts val="0"/>
+              </a:spcAft>
+              <a:buClrTx/>
+              <a:buSzTx/>
+              <a:buFontTx/>
+              <a:buNone/>
+              <a:tabLst/>
+              <a:defRPr/>
+            </a:pPr>
+            <a:endParaRPr kumimoji="0" lang="en-US" sz="1800" b="0" i="0" u="none" strike="noStrike" kern="1200" cap="none" spc="0" normalizeH="0" baseline="0" noProof="0">
+              <a:ln>
+                <a:noFill/>
+              </a:ln>
+              <a:solidFill>
+                <a:prstClr val="white"/>
+              </a:solidFill>
+              <a:effectLst/>
+              <a:uLnTx/>
+              <a:uFillTx/>
+              <a:latin typeface="Calibri" panose="020F0502020204030204"/>
+              <a:ea typeface="+mn-ea"/>
+              <a:cs typeface="+mn-cs"/>
+            </a:endParaRPr>
+          </a:p>
+        </p:txBody>
+      </p:sp>
+      <p:pic>
+        <p:nvPicPr>
+          <p:cNvPr id="14" name="Graphic 13" descr="Help">
+            <a:extLst>
+              <a:ext uri="{FF2B5EF4-FFF2-40B4-BE49-F238E27FC236}">
+                <a16:creationId xmlns:a16="http://schemas.microsoft.com/office/drawing/2014/main" id="{9DB8B571-3A46-4036-8DA0-21E5CDB47487}"/>
+              </a:ext>
+            </a:extLst>
+          </p:cNvPr>
+          <p:cNvPicPr>
+            <a:picLocks noChangeAspect="1"/>
+          </p:cNvPicPr>
+          <p:nvPr/>
+        </p:nvPicPr>
+        <p:blipFill>
+          <a:blip r:embed="rId2">
+            <a:extLst>
+              <a:ext uri="{28A0092B-C50C-407E-A947-70E740481C1C}">
+                <a14:useLocalDpi xmlns:a14="http://schemas.microsoft.com/office/drawing/2010/main" val="0"/>
+              </a:ext>
+              <a:ext uri="{96DAC541-7B7A-43D3-8B79-37D633B846F1}">
+                <asvg:svgBlip xmlns:asvg="http://schemas.microsoft.com/office/drawing/2016/SVG/main" r:embed="rId3"/>
+              </a:ext>
+            </a:extLst>
+          </a:blip>
+          <a:stretch>
+            <a:fillRect/>
+          </a:stretch>
+        </p:blipFill>
+        <p:spPr>
+          <a:xfrm>
+            <a:off x="419382" y="720993"/>
+            <a:ext cx="4047843" cy="4047843"/>
+          </a:xfrm>
+          <a:prstGeom prst="rect">
+            <a:avLst/>
+          </a:prstGeom>
+        </p:spPr>
+      </p:pic>
     </p:spTree>
     <p:extLst>
       <p:ext uri="{BB962C8B-B14F-4D97-AF65-F5344CB8AC3E}">
@@ -4001,7 +8136,7 @@
         </p:spPr>
         <p:txBody>
           <a:bodyPr vert="horz" lIns="91440" tIns="45720" rIns="91440" bIns="45720" rtlCol="0">
-            <a:normAutofit/>
+            <a:normAutofit fontScale="92500" lnSpcReduction="20000"/>
           </a:bodyPr>
           <a:lstStyle>
             <a:lvl1pPr marL="228600" indent="-228600" algn="l" defTabSz="914400" rtl="0" eaLnBrk="1" latinLnBrk="0" hangingPunct="1">
@@ -4168,36 +8303,55 @@
             </a:lvl9pPr>
           </a:lstStyle>
           <a:p>
-            <a:r>
-              <a:rPr lang="en-US" sz="2000" kern="1200" dirty="0">
-                <a:solidFill>
-                  <a:schemeClr val="tx1"/>
-                </a:solidFill>
-                <a:latin typeface="+mn-lt"/>
-                <a:ea typeface="+mn-ea"/>
-                <a:cs typeface="+mn-cs"/>
-              </a:rPr>
-              <a:t>Dynamic variable type</a:t>
-            </a:r>
-          </a:p>
-          <a:p>
-            <a:r>
-              <a:rPr lang="en-US" sz="2000" kern="1200" dirty="0">
-                <a:solidFill>
-                  <a:schemeClr val="tx1"/>
-                </a:solidFill>
-                <a:latin typeface="+mn-lt"/>
-                <a:ea typeface="+mn-ea"/>
-                <a:cs typeface="+mn-cs"/>
-              </a:rPr>
-              <a:t>Adaptive data structure</a:t>
-            </a:r>
+            <a:endParaRPr lang="en-US" sz="2000" dirty="0"/>
           </a:p>
           <a:p>
             <a:r>
               <a:rPr lang="en-US" sz="2000" dirty="0"/>
               <a:t>Interpreted line by line</a:t>
             </a:r>
+          </a:p>
+          <a:p>
+            <a:r>
+              <a:rPr lang="en-US" sz="2000" dirty="0"/>
+              <a:t>Dynamic variable type</a:t>
+            </a:r>
+          </a:p>
+          <a:p>
+            <a:endParaRPr lang="en-US" sz="2000" dirty="0"/>
+          </a:p>
+          <a:p>
+            <a:r>
+              <a:rPr lang="en-US" sz="2000" dirty="0"/>
+              <a:t>Adaptive data structure</a:t>
+            </a:r>
+          </a:p>
+          <a:p>
+            <a:r>
+              <a:rPr lang="en-US" sz="2000" dirty="0"/>
+              <a:t>Quick to debug and revise</a:t>
+            </a:r>
+          </a:p>
+          <a:p>
+            <a:endParaRPr lang="en-US" sz="2000" dirty="0"/>
+          </a:p>
+          <a:p>
+            <a:r>
+              <a:rPr lang="en-US" sz="2000" dirty="0"/>
+              <a:t>Repetitive interpretation</a:t>
+            </a:r>
+          </a:p>
+          <a:p>
+            <a:r>
+              <a:rPr lang="en-US" sz="2000" dirty="0"/>
+              <a:t>Has to have interpreter installed</a:t>
+            </a:r>
+          </a:p>
+          <a:p>
+            <a:endParaRPr lang="en-US" sz="2000" dirty="0"/>
+          </a:p>
+          <a:p>
+            <a:endParaRPr lang="en-US" sz="2000" dirty="0"/>
           </a:p>
           <a:p>
             <a:endParaRPr lang="en-US" sz="2000" kern="1200" dirty="0">
@@ -4208,19 +8362,6 @@
               <a:ea typeface="+mn-ea"/>
               <a:cs typeface="+mn-cs"/>
             </a:endParaRPr>
-          </a:p>
-          <a:p>
-            <a:r>
-              <a:rPr lang="en-US" sz="2000" kern="1200" dirty="0">
-                <a:solidFill>
-                  <a:schemeClr val="tx1"/>
-                </a:solidFill>
-                <a:latin typeface="+mn-lt"/>
-                <a:ea typeface="+mn-ea"/>
-                <a:cs typeface="+mn-cs"/>
-              </a:rPr>
-              <a:t>Slow – every single time!</a:t>
-            </a:r>
           </a:p>
           <a:p>
             <a:endParaRPr lang="en-US" sz="2000" kern="1200" dirty="0">
@@ -4449,7 +8590,7 @@
         </p:spPr>
         <p:txBody>
           <a:bodyPr vert="horz" lIns="91440" tIns="45720" rIns="91440" bIns="45720" rtlCol="0">
-            <a:normAutofit/>
+            <a:normAutofit lnSpcReduction="10000"/>
           </a:bodyPr>
           <a:lstStyle>
             <a:lvl1pPr marL="228600" indent="-228600" algn="l" defTabSz="914400" rtl="0" eaLnBrk="1" latinLnBrk="0" hangingPunct="1">
@@ -4618,11 +8759,28 @@
           <a:p>
             <a:r>
               <a:rPr lang="en-US" sz="2000" dirty="0"/>
-              <a:t>Provide compiler optimizations based </a:t>
+              <a:t>Compile ahead of time to machine code</a:t>
             </a:r>
+          </a:p>
+          <a:p>
             <a:r>
-              <a:rPr lang="en-US" sz="2000"/>
-              <a:t>on type</a:t>
+              <a:rPr lang="en-US" sz="2000" dirty="0"/>
+              <a:t>Require type information</a:t>
+            </a:r>
+          </a:p>
+          <a:p>
+            <a:endParaRPr lang="en-US" sz="2000" dirty="0"/>
+          </a:p>
+          <a:p>
+            <a:r>
+              <a:rPr lang="en-US" sz="2000" dirty="0"/>
+              <a:t>Provide compiler optimizations</a:t>
+            </a:r>
+          </a:p>
+          <a:p>
+            <a:r>
+              <a:rPr lang="en-US" sz="2000" dirty="0"/>
+              <a:t>Portable and fast runtime after compilation</a:t>
             </a:r>
             <a:endParaRPr lang="en-US" sz="2000" kern="1200" dirty="0">
               <a:solidFill>
@@ -4634,6 +8792,16 @@
             </a:endParaRPr>
           </a:p>
           <a:p>
+            <a:endParaRPr lang="en-US" sz="2000" kern="1200" dirty="0">
+              <a:solidFill>
+                <a:schemeClr val="tx1"/>
+              </a:solidFill>
+              <a:latin typeface="+mn-lt"/>
+              <a:ea typeface="+mn-ea"/>
+              <a:cs typeface="+mn-cs"/>
+            </a:endParaRPr>
+          </a:p>
+          <a:p>
             <a:r>
               <a:rPr lang="en-US" sz="2000" kern="1200" dirty="0">
                 <a:solidFill>
@@ -4643,31 +8811,8 @@
                 <a:ea typeface="+mn-ea"/>
                 <a:cs typeface="+mn-cs"/>
               </a:rPr>
-              <a:t>Compilation takes time</a:t>
+              <a:t>Extra compilation stage</a:t>
             </a:r>
-          </a:p>
-          <a:p>
-            <a:pPr marL="0" indent="0">
-              <a:buNone/>
-            </a:pPr>
-            <a:endParaRPr lang="en-US" sz="2000" kern="1200" dirty="0">
-              <a:solidFill>
-                <a:schemeClr val="tx1"/>
-              </a:solidFill>
-              <a:latin typeface="+mn-lt"/>
-              <a:ea typeface="+mn-ea"/>
-              <a:cs typeface="+mn-cs"/>
-            </a:endParaRPr>
-          </a:p>
-          <a:p>
-            <a:endParaRPr lang="en-US" sz="2000" kern="1200" dirty="0">
-              <a:solidFill>
-                <a:schemeClr val="tx1"/>
-              </a:solidFill>
-              <a:latin typeface="+mn-lt"/>
-              <a:ea typeface="+mn-ea"/>
-              <a:cs typeface="+mn-cs"/>
-            </a:endParaRPr>
           </a:p>
           <a:p>
             <a:endParaRPr lang="en-US" sz="2000" kern="1200" dirty="0">
@@ -4729,6 +8874,265 @@
 <file path=ppt/slides/slide5.xml><?xml version="1.0" encoding="utf-8"?>
 <p:sld xmlns:a="http://schemas.openxmlformats.org/drawingml/2006/main" xmlns:r="http://schemas.openxmlformats.org/officeDocument/2006/relationships" xmlns:p="http://schemas.openxmlformats.org/presentationml/2006/main">
   <p:cSld>
+    <p:bg>
+      <p:bgPr>
+        <a:solidFill>
+          <a:schemeClr val="bg1"/>
+        </a:solidFill>
+        <a:effectLst/>
+      </p:bgPr>
+    </p:bg>
+    <p:spTree>
+      <p:nvGrpSpPr>
+        <p:cNvPr id="1" name=""/>
+        <p:cNvGrpSpPr/>
+        <p:nvPr/>
+      </p:nvGrpSpPr>
+      <p:grpSpPr>
+        <a:xfrm>
+          <a:off x="0" y="0"/>
+          <a:ext cx="0" cy="0"/>
+          <a:chOff x="0" y="0"/>
+          <a:chExt cx="0" cy="0"/>
+        </a:xfrm>
+      </p:grpSpPr>
+      <p:sp>
+        <p:nvSpPr>
+          <p:cNvPr id="10" name="Rectangle 9">
+            <a:extLst>
+              <a:ext uri="{FF2B5EF4-FFF2-40B4-BE49-F238E27FC236}">
+                <a16:creationId xmlns:a16="http://schemas.microsoft.com/office/drawing/2014/main" id="{823AC064-BC96-4F32-8AE1-B2FD38754823}"/>
+              </a:ext>
+              <a:ext uri="{C183D7F6-B498-43B3-948B-1728B52AA6E4}">
+                <adec:decorative xmlns:adec="http://schemas.microsoft.com/office/drawing/2017/decorative" val="1"/>
+              </a:ext>
+            </a:extLst>
+          </p:cNvPr>
+          <p:cNvSpPr>
+            <a:spLocks noGrp="1" noRot="1" noChangeAspect="1" noMove="1" noResize="1" noEditPoints="1" noAdjustHandles="1" noChangeArrowheads="1" noChangeShapeType="1" noTextEdit="1"/>
+          </p:cNvSpPr>
+          <p:nvPr>
+            <p:extLst>
+              <p:ext uri="{386F3935-93C4-4BCD-93E2-E3B085C9AB24}">
+                <p16:designElem xmlns:p16="http://schemas.microsoft.com/office/powerpoint/2015/main" val="1"/>
+              </p:ext>
+            </p:extLst>
+          </p:nvPr>
+        </p:nvSpPr>
+        <p:spPr bwMode="ltGray">
+          <a:xfrm>
+            <a:off x="378068" y="343486"/>
+            <a:ext cx="11438793" cy="1844256"/>
+          </a:xfrm>
+          <a:prstGeom prst="rect">
+            <a:avLst/>
+          </a:prstGeom>
+          <a:solidFill>
+            <a:srgbClr val="404040"/>
+          </a:solidFill>
+          <a:ln w="127000" cap="sq" cmpd="thinThick">
+            <a:solidFill>
+              <a:srgbClr val="404040"/>
+            </a:solidFill>
+          </a:ln>
+        </p:spPr>
+        <p:style>
+          <a:lnRef idx="2">
+            <a:schemeClr val="accent1">
+              <a:shade val="50000"/>
+            </a:schemeClr>
+          </a:lnRef>
+          <a:fillRef idx="1">
+            <a:schemeClr val="accent1"/>
+          </a:fillRef>
+          <a:effectRef idx="0">
+            <a:schemeClr val="accent1"/>
+          </a:effectRef>
+          <a:fontRef idx="minor">
+            <a:schemeClr val="lt1"/>
+          </a:fontRef>
+        </p:style>
+        <p:txBody>
+          <a:bodyPr rtlCol="0" anchor="ctr"/>
+          <a:lstStyle/>
+          <a:p>
+            <a:pPr marL="0" marR="0" lvl="0" indent="0" algn="ctr" defTabSz="914400" rtl="0" eaLnBrk="1" fontAlgn="auto" latinLnBrk="0" hangingPunct="1">
+              <a:lnSpc>
+                <a:spcPct val="100000"/>
+              </a:lnSpc>
+              <a:spcBef>
+                <a:spcPts val="0"/>
+              </a:spcBef>
+              <a:spcAft>
+                <a:spcPts val="0"/>
+              </a:spcAft>
+              <a:buClrTx/>
+              <a:buSzTx/>
+              <a:buFontTx/>
+              <a:buNone/>
+              <a:tabLst/>
+              <a:defRPr/>
+            </a:pPr>
+            <a:endParaRPr kumimoji="0" lang="en-US" sz="1800" b="0" i="0" u="none" strike="noStrike" kern="1200" cap="none" spc="0" normalizeH="0" baseline="0" noProof="0">
+              <a:ln>
+                <a:noFill/>
+              </a:ln>
+              <a:solidFill>
+                <a:prstClr val="white"/>
+              </a:solidFill>
+              <a:effectLst/>
+              <a:uLnTx/>
+              <a:uFillTx/>
+              <a:latin typeface="Calibri" panose="020F0502020204030204"/>
+              <a:ea typeface="+mn-ea"/>
+              <a:cs typeface="+mn-cs"/>
+            </a:endParaRPr>
+          </a:p>
+        </p:txBody>
+      </p:sp>
+      <p:sp>
+        <p:nvSpPr>
+          <p:cNvPr id="2" name="Title 1">
+            <a:extLst>
+              <a:ext uri="{FF2B5EF4-FFF2-40B4-BE49-F238E27FC236}">
+                <a16:creationId xmlns:a16="http://schemas.microsoft.com/office/drawing/2014/main" id="{6EFCE251-EB3B-8E43-B16B-FEDB3C252187}"/>
+              </a:ext>
+            </a:extLst>
+          </p:cNvPr>
+          <p:cNvSpPr>
+            <a:spLocks noGrp="1"/>
+          </p:cNvSpPr>
+          <p:nvPr>
+            <p:ph type="title"/>
+          </p:nvPr>
+        </p:nvSpPr>
+        <p:spPr>
+          <a:xfrm>
+            <a:off x="526073" y="466578"/>
+            <a:ext cx="11139854" cy="930447"/>
+          </a:xfrm>
+        </p:spPr>
+        <p:txBody>
+          <a:bodyPr vert="horz" lIns="91440" tIns="45720" rIns="91440" bIns="45720" rtlCol="0" anchor="b">
+            <a:normAutofit/>
+          </a:bodyPr>
+          <a:lstStyle/>
+          <a:p>
+            <a:pPr algn="ctr"/>
+            <a:r>
+              <a:rPr lang="en-US" sz="5400" kern="1200">
+                <a:solidFill>
+                  <a:srgbClr val="FFFFFF"/>
+                </a:solidFill>
+                <a:latin typeface="+mj-lt"/>
+                <a:ea typeface="+mj-ea"/>
+                <a:cs typeface="+mj-cs"/>
+              </a:rPr>
+              <a:t>Stages of compiler and interpreter</a:t>
+            </a:r>
+          </a:p>
+        </p:txBody>
+      </p:sp>
+      <p:cxnSp>
+        <p:nvCxnSpPr>
+          <p:cNvPr id="12" name="Straight Connector 11">
+            <a:extLst>
+              <a:ext uri="{FF2B5EF4-FFF2-40B4-BE49-F238E27FC236}">
+                <a16:creationId xmlns:a16="http://schemas.microsoft.com/office/drawing/2014/main" id="{7E7C77BC-7138-40B1-A15B-20F57A494629}"/>
+              </a:ext>
+              <a:ext uri="{C183D7F6-B498-43B3-948B-1728B52AA6E4}">
+                <adec:decorative xmlns:adec="http://schemas.microsoft.com/office/drawing/2017/decorative" val="1"/>
+              </a:ext>
+            </a:extLst>
+          </p:cNvPr>
+          <p:cNvCxnSpPr>
+            <a:cxnSpLocks noGrp="1" noRot="1" noChangeAspect="1" noMove="1" noResize="1" noEditPoints="1" noAdjustHandles="1" noChangeArrowheads="1" noChangeShapeType="1"/>
+          </p:cNvCxnSpPr>
+          <p:nvPr>
+            <p:extLst>
+              <p:ext uri="{386F3935-93C4-4BCD-93E2-E3B085C9AB24}">
+                <p16:designElem xmlns:p16="http://schemas.microsoft.com/office/powerpoint/2015/main" val="1"/>
+              </p:ext>
+            </p:extLst>
+          </p:nvPr>
+        </p:nvCxnSpPr>
+        <p:spPr>
+          <a:xfrm>
+            <a:off x="2209800" y="1448631"/>
+            <a:ext cx="7772400" cy="0"/>
+          </a:xfrm>
+          <a:prstGeom prst="line">
+            <a:avLst/>
+          </a:prstGeom>
+          <a:ln w="22225">
+            <a:solidFill>
+              <a:srgbClr val="D9D9D9"/>
+            </a:solidFill>
+          </a:ln>
+        </p:spPr>
+        <p:style>
+          <a:lnRef idx="1">
+            <a:schemeClr val="accent1"/>
+          </a:lnRef>
+          <a:fillRef idx="0">
+            <a:schemeClr val="accent1"/>
+          </a:fillRef>
+          <a:effectRef idx="0">
+            <a:schemeClr val="accent1"/>
+          </a:effectRef>
+          <a:fontRef idx="minor">
+            <a:schemeClr val="tx1"/>
+          </a:fontRef>
+        </p:style>
+      </p:cxnSp>
+      <p:pic>
+        <p:nvPicPr>
+          <p:cNvPr id="5" name="Content Placeholder 4">
+            <a:extLst>
+              <a:ext uri="{FF2B5EF4-FFF2-40B4-BE49-F238E27FC236}">
+                <a16:creationId xmlns:a16="http://schemas.microsoft.com/office/drawing/2014/main" id="{4C2EFE78-9822-B44A-B378-DCE9628E4144}"/>
+              </a:ext>
+            </a:extLst>
+          </p:cNvPr>
+          <p:cNvPicPr>
+            <a:picLocks noGrp="1" noChangeAspect="1"/>
+          </p:cNvPicPr>
+          <p:nvPr>
+            <p:ph idx="1"/>
+          </p:nvPr>
+        </p:nvPicPr>
+        <p:blipFill>
+          <a:blip r:embed="rId2"/>
+          <a:stretch>
+            <a:fillRect/>
+          </a:stretch>
+        </p:blipFill>
+        <p:spPr>
+          <a:xfrm>
+            <a:off x="1466129" y="2509911"/>
+            <a:ext cx="9204643" cy="3997637"/>
+          </a:xfrm>
+          <a:prstGeom prst="rect">
+            <a:avLst/>
+          </a:prstGeom>
+        </p:spPr>
+      </p:pic>
+    </p:spTree>
+    <p:extLst>
+      <p:ext uri="{BB962C8B-B14F-4D97-AF65-F5344CB8AC3E}">
+        <p14:creationId xmlns:p14="http://schemas.microsoft.com/office/powerpoint/2010/main" val="2359077640"/>
+      </p:ext>
+    </p:extLst>
+  </p:cSld>
+  <p:clrMapOvr>
+    <a:masterClrMapping/>
+  </p:clrMapOvr>
+</p:sld>
+</file>
+
+<file path=ppt/slides/slide6.xml><?xml version="1.0" encoding="utf-8"?>
+<p:sld xmlns:a="http://schemas.openxmlformats.org/drawingml/2006/main" xmlns:r="http://schemas.openxmlformats.org/officeDocument/2006/relationships" xmlns:p="http://schemas.openxmlformats.org/presentationml/2006/main">
+  <p:cSld>
     <p:spTree>
       <p:nvGrpSpPr>
         <p:cNvPr id="1" name=""/>
@@ -4748,7 +9152,7 @@
           <p:cNvPr id="2" name="Title 1">
             <a:extLst>
               <a:ext uri="{FF2B5EF4-FFF2-40B4-BE49-F238E27FC236}">
-                <a16:creationId xmlns:a16="http://schemas.microsoft.com/office/drawing/2014/main" id="{FA38F873-A857-BD41-9F6D-A0C9DACC0B9B}"/>
+                <a16:creationId xmlns:a16="http://schemas.microsoft.com/office/drawing/2014/main" id="{D7204E97-453A-0142-A15D-C873DF603350}"/>
               </a:ext>
             </a:extLst>
           </p:cNvPr>
@@ -4764,7 +9168,10 @@
           <a:bodyPr/>
           <a:lstStyle/>
           <a:p>
-            <a:endParaRPr lang="en-US" dirty="0"/>
+            <a:r>
+              <a:rPr lang="en-US" dirty="0"/>
+              <a:t>Why is Julia fast and flexible </a:t>
+            </a:r>
           </a:p>
         </p:txBody>
       </p:sp>
@@ -4773,7 +9180,7 @@
           <p:cNvPr id="3" name="Content Placeholder 2">
             <a:extLst>
               <a:ext uri="{FF2B5EF4-FFF2-40B4-BE49-F238E27FC236}">
-                <a16:creationId xmlns:a16="http://schemas.microsoft.com/office/drawing/2014/main" id="{9C3762EA-B6D4-884C-86C6-F995C87E3D6C}"/>
+                <a16:creationId xmlns:a16="http://schemas.microsoft.com/office/drawing/2014/main" id="{649811CB-0554-EA45-B30D-49E137EA43BA}"/>
               </a:ext>
             </a:extLst>
           </p:cNvPr>
@@ -4789,12 +9196,6 @@
           <a:bodyPr/>
           <a:lstStyle/>
           <a:p>
-            <a:r>
-              <a:rPr lang="en-US" dirty="0"/>
-              <a:t>Hello</a:t>
-            </a:r>
-          </a:p>
-          <a:p>
             <a:endParaRPr lang="en-US" dirty="0"/>
           </a:p>
         </p:txBody>
@@ -4802,7 +9203,596 @@
     </p:spTree>
     <p:extLst>
       <p:ext uri="{BB962C8B-B14F-4D97-AF65-F5344CB8AC3E}">
-        <p14:creationId xmlns:p14="http://schemas.microsoft.com/office/powerpoint/2010/main" val="978602785"/>
+        <p14:creationId xmlns:p14="http://schemas.microsoft.com/office/powerpoint/2010/main" val="4043627393"/>
+      </p:ext>
+    </p:extLst>
+  </p:cSld>
+  <p:clrMapOvr>
+    <a:masterClrMapping/>
+  </p:clrMapOvr>
+</p:sld>
+</file>
+
+<file path=ppt/slides/slide7.xml><?xml version="1.0" encoding="utf-8"?>
+<p:sld xmlns:a="http://schemas.openxmlformats.org/drawingml/2006/main" xmlns:r="http://schemas.openxmlformats.org/officeDocument/2006/relationships" xmlns:p="http://schemas.openxmlformats.org/presentationml/2006/main">
+  <p:cSld>
+    <p:bg>
+      <p:bgPr>
+        <a:solidFill>
+          <a:schemeClr val="bg1"/>
+        </a:solidFill>
+        <a:effectLst/>
+      </p:bgPr>
+    </p:bg>
+    <p:spTree>
+      <p:nvGrpSpPr>
+        <p:cNvPr id="1" name=""/>
+        <p:cNvGrpSpPr/>
+        <p:nvPr/>
+      </p:nvGrpSpPr>
+      <p:grpSpPr>
+        <a:xfrm>
+          <a:off x="0" y="0"/>
+          <a:ext cx="0" cy="0"/>
+          <a:chOff x="0" y="0"/>
+          <a:chExt cx="0" cy="0"/>
+        </a:xfrm>
+      </p:grpSpPr>
+      <p:sp>
+        <p:nvSpPr>
+          <p:cNvPr id="15" name="Freeform: Shape 17">
+            <a:extLst>
+              <a:ext uri="{FF2B5EF4-FFF2-40B4-BE49-F238E27FC236}">
+                <a16:creationId xmlns:a16="http://schemas.microsoft.com/office/drawing/2014/main" id="{46C2E80F-49A6-4372-B103-219D417A55ED}"/>
+              </a:ext>
+              <a:ext uri="{C183D7F6-B498-43B3-948B-1728B52AA6E4}">
+                <adec:decorative xmlns:adec="http://schemas.microsoft.com/office/drawing/2017/decorative" val="1"/>
+              </a:ext>
+            </a:extLst>
+          </p:cNvPr>
+          <p:cNvSpPr>
+            <a:spLocks noGrp="1" noRot="1" noChangeAspect="1" noMove="1" noResize="1" noEditPoints="1" noAdjustHandles="1" noChangeArrowheads="1" noChangeShapeType="1" noTextEdit="1"/>
+          </p:cNvSpPr>
+          <p:nvPr>
+            <p:extLst>
+              <p:ext uri="{386F3935-93C4-4BCD-93E2-E3B085C9AB24}">
+                <p16:designElem xmlns:p16="http://schemas.microsoft.com/office/powerpoint/2015/main" val="1"/>
+              </p:ext>
+            </p:extLst>
+          </p:nvPr>
+        </p:nvSpPr>
+        <p:spPr>
+          <a:xfrm>
+            <a:off x="484096" y="470925"/>
+            <a:ext cx="4381009" cy="5892104"/>
+          </a:xfrm>
+          <a:custGeom>
+            <a:avLst/>
+            <a:gdLst>
+              <a:gd name="connsiteX0" fmla="*/ 0 w 4381009"/>
+              <a:gd name="connsiteY0" fmla="*/ 0 h 5892104"/>
+              <a:gd name="connsiteX1" fmla="*/ 4157628 w 4381009"/>
+              <a:gd name="connsiteY1" fmla="*/ 0 h 5892104"/>
+              <a:gd name="connsiteX2" fmla="*/ 4169302 w 4381009"/>
+              <a:gd name="connsiteY2" fmla="*/ 68659 h 5892104"/>
+              <a:gd name="connsiteX3" fmla="*/ 4191571 w 4381009"/>
+              <a:gd name="connsiteY3" fmla="*/ 205472 h 5892104"/>
+              <a:gd name="connsiteX4" fmla="*/ 4213368 w 4381009"/>
+              <a:gd name="connsiteY4" fmla="*/ 342890 h 5892104"/>
+              <a:gd name="connsiteX5" fmla="*/ 4232030 w 4381009"/>
+              <a:gd name="connsiteY5" fmla="*/ 480913 h 5892104"/>
+              <a:gd name="connsiteX6" fmla="*/ 4250848 w 4381009"/>
+              <a:gd name="connsiteY6" fmla="*/ 618332 h 5892104"/>
+              <a:gd name="connsiteX7" fmla="*/ 4268412 w 4381009"/>
+              <a:gd name="connsiteY7" fmla="*/ 756355 h 5892104"/>
+              <a:gd name="connsiteX8" fmla="*/ 4283467 w 4381009"/>
+              <a:gd name="connsiteY8" fmla="*/ 892563 h 5892104"/>
+              <a:gd name="connsiteX9" fmla="*/ 4297737 w 4381009"/>
+              <a:gd name="connsiteY9" fmla="*/ 1030587 h 5892104"/>
+              <a:gd name="connsiteX10" fmla="*/ 4310754 w 4381009"/>
+              <a:gd name="connsiteY10" fmla="*/ 1168005 h 5892104"/>
+              <a:gd name="connsiteX11" fmla="*/ 4322045 w 4381009"/>
+              <a:gd name="connsiteY11" fmla="*/ 1303002 h 5892104"/>
+              <a:gd name="connsiteX12" fmla="*/ 4333336 w 4381009"/>
+              <a:gd name="connsiteY12" fmla="*/ 1439815 h 5892104"/>
+              <a:gd name="connsiteX13" fmla="*/ 4342745 w 4381009"/>
+              <a:gd name="connsiteY13" fmla="*/ 1574812 h 5892104"/>
+              <a:gd name="connsiteX14" fmla="*/ 4350115 w 4381009"/>
+              <a:gd name="connsiteY14" fmla="*/ 1709808 h 5892104"/>
+              <a:gd name="connsiteX15" fmla="*/ 4357799 w 4381009"/>
+              <a:gd name="connsiteY15" fmla="*/ 1844200 h 5892104"/>
+              <a:gd name="connsiteX16" fmla="*/ 4364229 w 4381009"/>
+              <a:gd name="connsiteY16" fmla="*/ 1977381 h 5892104"/>
+              <a:gd name="connsiteX17" fmla="*/ 4368777 w 4381009"/>
+              <a:gd name="connsiteY17" fmla="*/ 2109351 h 5892104"/>
+              <a:gd name="connsiteX18" fmla="*/ 4372697 w 4381009"/>
+              <a:gd name="connsiteY18" fmla="*/ 2241321 h 5892104"/>
+              <a:gd name="connsiteX19" fmla="*/ 4376461 w 4381009"/>
+              <a:gd name="connsiteY19" fmla="*/ 2372080 h 5892104"/>
+              <a:gd name="connsiteX20" fmla="*/ 4378186 w 4381009"/>
+              <a:gd name="connsiteY20" fmla="*/ 2501023 h 5892104"/>
+              <a:gd name="connsiteX21" fmla="*/ 4380068 w 4381009"/>
+              <a:gd name="connsiteY21" fmla="*/ 2629966 h 5892104"/>
+              <a:gd name="connsiteX22" fmla="*/ 4381009 w 4381009"/>
+              <a:gd name="connsiteY22" fmla="*/ 2757093 h 5892104"/>
+              <a:gd name="connsiteX23" fmla="*/ 4380068 w 4381009"/>
+              <a:gd name="connsiteY23" fmla="*/ 2883010 h 5892104"/>
+              <a:gd name="connsiteX24" fmla="*/ 4380068 w 4381009"/>
+              <a:gd name="connsiteY24" fmla="*/ 3007715 h 5892104"/>
+              <a:gd name="connsiteX25" fmla="*/ 4378186 w 4381009"/>
+              <a:gd name="connsiteY25" fmla="*/ 3131210 h 5892104"/>
+              <a:gd name="connsiteX26" fmla="*/ 4375363 w 4381009"/>
+              <a:gd name="connsiteY26" fmla="*/ 3252283 h 5892104"/>
+              <a:gd name="connsiteX27" fmla="*/ 4372697 w 4381009"/>
+              <a:gd name="connsiteY27" fmla="*/ 3372146 h 5892104"/>
+              <a:gd name="connsiteX28" fmla="*/ 4369718 w 4381009"/>
+              <a:gd name="connsiteY28" fmla="*/ 3489587 h 5892104"/>
+              <a:gd name="connsiteX29" fmla="*/ 4365170 w 4381009"/>
+              <a:gd name="connsiteY29" fmla="*/ 3606423 h 5892104"/>
+              <a:gd name="connsiteX30" fmla="*/ 4360309 w 4381009"/>
+              <a:gd name="connsiteY30" fmla="*/ 3721443 h 5892104"/>
+              <a:gd name="connsiteX31" fmla="*/ 4355918 w 4381009"/>
+              <a:gd name="connsiteY31" fmla="*/ 3834041 h 5892104"/>
+              <a:gd name="connsiteX32" fmla="*/ 4343529 w 4381009"/>
+              <a:gd name="connsiteY32" fmla="*/ 4053789 h 5892104"/>
+              <a:gd name="connsiteX33" fmla="*/ 4330356 w 4381009"/>
+              <a:gd name="connsiteY33" fmla="*/ 4264457 h 5892104"/>
+              <a:gd name="connsiteX34" fmla="*/ 4316556 w 4381009"/>
+              <a:gd name="connsiteY34" fmla="*/ 4466650 h 5892104"/>
+              <a:gd name="connsiteX35" fmla="*/ 4301344 w 4381009"/>
+              <a:gd name="connsiteY35" fmla="*/ 4657946 h 5892104"/>
+              <a:gd name="connsiteX36" fmla="*/ 4285506 w 4381009"/>
+              <a:gd name="connsiteY36" fmla="*/ 4840767 h 5892104"/>
+              <a:gd name="connsiteX37" fmla="*/ 4268412 w 4381009"/>
+              <a:gd name="connsiteY37" fmla="*/ 5010269 h 5892104"/>
+              <a:gd name="connsiteX38" fmla="*/ 4251633 w 4381009"/>
+              <a:gd name="connsiteY38" fmla="*/ 5169481 h 5892104"/>
+              <a:gd name="connsiteX39" fmla="*/ 4234853 w 4381009"/>
+              <a:gd name="connsiteY39" fmla="*/ 5315980 h 5892104"/>
+              <a:gd name="connsiteX40" fmla="*/ 4219014 w 4381009"/>
+              <a:gd name="connsiteY40" fmla="*/ 5450371 h 5892104"/>
+              <a:gd name="connsiteX41" fmla="*/ 4203959 w 4381009"/>
+              <a:gd name="connsiteY41" fmla="*/ 5569628 h 5892104"/>
+              <a:gd name="connsiteX42" fmla="*/ 4189689 w 4381009"/>
+              <a:gd name="connsiteY42" fmla="*/ 5677384 h 5892104"/>
+              <a:gd name="connsiteX43" fmla="*/ 4177770 w 4381009"/>
+              <a:gd name="connsiteY43" fmla="*/ 5768189 h 5892104"/>
+              <a:gd name="connsiteX44" fmla="*/ 4166479 w 4381009"/>
+              <a:gd name="connsiteY44" fmla="*/ 5844465 h 5892104"/>
+              <a:gd name="connsiteX45" fmla="*/ 4159132 w 4381009"/>
+              <a:gd name="connsiteY45" fmla="*/ 5892104 h 5892104"/>
+              <a:gd name="connsiteX46" fmla="*/ 0 w 4381009"/>
+              <a:gd name="connsiteY46" fmla="*/ 5892104 h 5892104"/>
+            </a:gdLst>
+            <a:ahLst/>
+            <a:cxnLst>
+              <a:cxn ang="0">
+                <a:pos x="connsiteX0" y="connsiteY0"/>
+              </a:cxn>
+              <a:cxn ang="0">
+                <a:pos x="connsiteX1" y="connsiteY1"/>
+              </a:cxn>
+              <a:cxn ang="0">
+                <a:pos x="connsiteX2" y="connsiteY2"/>
+              </a:cxn>
+              <a:cxn ang="0">
+                <a:pos x="connsiteX3" y="connsiteY3"/>
+              </a:cxn>
+              <a:cxn ang="0">
+                <a:pos x="connsiteX4" y="connsiteY4"/>
+              </a:cxn>
+              <a:cxn ang="0">
+                <a:pos x="connsiteX5" y="connsiteY5"/>
+              </a:cxn>
+              <a:cxn ang="0">
+                <a:pos x="connsiteX6" y="connsiteY6"/>
+              </a:cxn>
+              <a:cxn ang="0">
+                <a:pos x="connsiteX7" y="connsiteY7"/>
+              </a:cxn>
+              <a:cxn ang="0">
+                <a:pos x="connsiteX8" y="connsiteY8"/>
+              </a:cxn>
+              <a:cxn ang="0">
+                <a:pos x="connsiteX9" y="connsiteY9"/>
+              </a:cxn>
+              <a:cxn ang="0">
+                <a:pos x="connsiteX10" y="connsiteY10"/>
+              </a:cxn>
+              <a:cxn ang="0">
+                <a:pos x="connsiteX11" y="connsiteY11"/>
+              </a:cxn>
+              <a:cxn ang="0">
+                <a:pos x="connsiteX12" y="connsiteY12"/>
+              </a:cxn>
+              <a:cxn ang="0">
+                <a:pos x="connsiteX13" y="connsiteY13"/>
+              </a:cxn>
+              <a:cxn ang="0">
+                <a:pos x="connsiteX14" y="connsiteY14"/>
+              </a:cxn>
+              <a:cxn ang="0">
+                <a:pos x="connsiteX15" y="connsiteY15"/>
+              </a:cxn>
+              <a:cxn ang="0">
+                <a:pos x="connsiteX16" y="connsiteY16"/>
+              </a:cxn>
+              <a:cxn ang="0">
+                <a:pos x="connsiteX17" y="connsiteY17"/>
+              </a:cxn>
+              <a:cxn ang="0">
+                <a:pos x="connsiteX18" y="connsiteY18"/>
+              </a:cxn>
+              <a:cxn ang="0">
+                <a:pos x="connsiteX19" y="connsiteY19"/>
+              </a:cxn>
+              <a:cxn ang="0">
+                <a:pos x="connsiteX20" y="connsiteY20"/>
+              </a:cxn>
+              <a:cxn ang="0">
+                <a:pos x="connsiteX21" y="connsiteY21"/>
+              </a:cxn>
+              <a:cxn ang="0">
+                <a:pos x="connsiteX22" y="connsiteY22"/>
+              </a:cxn>
+              <a:cxn ang="0">
+                <a:pos x="connsiteX23" y="connsiteY23"/>
+              </a:cxn>
+              <a:cxn ang="0">
+                <a:pos x="connsiteX24" y="connsiteY24"/>
+              </a:cxn>
+              <a:cxn ang="0">
+                <a:pos x="connsiteX25" y="connsiteY25"/>
+              </a:cxn>
+              <a:cxn ang="0">
+                <a:pos x="connsiteX26" y="connsiteY26"/>
+              </a:cxn>
+              <a:cxn ang="0">
+                <a:pos x="connsiteX27" y="connsiteY27"/>
+              </a:cxn>
+              <a:cxn ang="0">
+                <a:pos x="connsiteX28" y="connsiteY28"/>
+              </a:cxn>
+              <a:cxn ang="0">
+                <a:pos x="connsiteX29" y="connsiteY29"/>
+              </a:cxn>
+              <a:cxn ang="0">
+                <a:pos x="connsiteX30" y="connsiteY30"/>
+              </a:cxn>
+              <a:cxn ang="0">
+                <a:pos x="connsiteX31" y="connsiteY31"/>
+              </a:cxn>
+              <a:cxn ang="0">
+                <a:pos x="connsiteX32" y="connsiteY32"/>
+              </a:cxn>
+              <a:cxn ang="0">
+                <a:pos x="connsiteX33" y="connsiteY33"/>
+              </a:cxn>
+              <a:cxn ang="0">
+                <a:pos x="connsiteX34" y="connsiteY34"/>
+              </a:cxn>
+              <a:cxn ang="0">
+                <a:pos x="connsiteX35" y="connsiteY35"/>
+              </a:cxn>
+              <a:cxn ang="0">
+                <a:pos x="connsiteX36" y="connsiteY36"/>
+              </a:cxn>
+              <a:cxn ang="0">
+                <a:pos x="connsiteX37" y="connsiteY37"/>
+              </a:cxn>
+              <a:cxn ang="0">
+                <a:pos x="connsiteX38" y="connsiteY38"/>
+              </a:cxn>
+              <a:cxn ang="0">
+                <a:pos x="connsiteX39" y="connsiteY39"/>
+              </a:cxn>
+              <a:cxn ang="0">
+                <a:pos x="connsiteX40" y="connsiteY40"/>
+              </a:cxn>
+              <a:cxn ang="0">
+                <a:pos x="connsiteX41" y="connsiteY41"/>
+              </a:cxn>
+              <a:cxn ang="0">
+                <a:pos x="connsiteX42" y="connsiteY42"/>
+              </a:cxn>
+              <a:cxn ang="0">
+                <a:pos x="connsiteX43" y="connsiteY43"/>
+              </a:cxn>
+              <a:cxn ang="0">
+                <a:pos x="connsiteX44" y="connsiteY44"/>
+              </a:cxn>
+              <a:cxn ang="0">
+                <a:pos x="connsiteX45" y="connsiteY45"/>
+              </a:cxn>
+              <a:cxn ang="0">
+                <a:pos x="connsiteX46" y="connsiteY46"/>
+              </a:cxn>
+            </a:cxnLst>
+            <a:rect l="l" t="t" r="r" b="b"/>
+            <a:pathLst>
+              <a:path w="4381009" h="5892104">
+                <a:moveTo>
+                  <a:pt x="0" y="0"/>
+                </a:moveTo>
+                <a:lnTo>
+                  <a:pt x="4157628" y="0"/>
+                </a:lnTo>
+                <a:lnTo>
+                  <a:pt x="4169302" y="68659"/>
+                </a:lnTo>
+                <a:lnTo>
+                  <a:pt x="4191571" y="205472"/>
+                </a:lnTo>
+                <a:lnTo>
+                  <a:pt x="4213368" y="342890"/>
+                </a:lnTo>
+                <a:lnTo>
+                  <a:pt x="4232030" y="480913"/>
+                </a:lnTo>
+                <a:lnTo>
+                  <a:pt x="4250848" y="618332"/>
+                </a:lnTo>
+                <a:lnTo>
+                  <a:pt x="4268412" y="756355"/>
+                </a:lnTo>
+                <a:lnTo>
+                  <a:pt x="4283467" y="892563"/>
+                </a:lnTo>
+                <a:lnTo>
+                  <a:pt x="4297737" y="1030587"/>
+                </a:lnTo>
+                <a:lnTo>
+                  <a:pt x="4310754" y="1168005"/>
+                </a:lnTo>
+                <a:lnTo>
+                  <a:pt x="4322045" y="1303002"/>
+                </a:lnTo>
+                <a:lnTo>
+                  <a:pt x="4333336" y="1439815"/>
+                </a:lnTo>
+                <a:lnTo>
+                  <a:pt x="4342745" y="1574812"/>
+                </a:lnTo>
+                <a:lnTo>
+                  <a:pt x="4350115" y="1709808"/>
+                </a:lnTo>
+                <a:lnTo>
+                  <a:pt x="4357799" y="1844200"/>
+                </a:lnTo>
+                <a:lnTo>
+                  <a:pt x="4364229" y="1977381"/>
+                </a:lnTo>
+                <a:lnTo>
+                  <a:pt x="4368777" y="2109351"/>
+                </a:lnTo>
+                <a:lnTo>
+                  <a:pt x="4372697" y="2241321"/>
+                </a:lnTo>
+                <a:lnTo>
+                  <a:pt x="4376461" y="2372080"/>
+                </a:lnTo>
+                <a:lnTo>
+                  <a:pt x="4378186" y="2501023"/>
+                </a:lnTo>
+                <a:lnTo>
+                  <a:pt x="4380068" y="2629966"/>
+                </a:lnTo>
+                <a:lnTo>
+                  <a:pt x="4381009" y="2757093"/>
+                </a:lnTo>
+                <a:lnTo>
+                  <a:pt x="4380068" y="2883010"/>
+                </a:lnTo>
+                <a:lnTo>
+                  <a:pt x="4380068" y="3007715"/>
+                </a:lnTo>
+                <a:lnTo>
+                  <a:pt x="4378186" y="3131210"/>
+                </a:lnTo>
+                <a:lnTo>
+                  <a:pt x="4375363" y="3252283"/>
+                </a:lnTo>
+                <a:lnTo>
+                  <a:pt x="4372697" y="3372146"/>
+                </a:lnTo>
+                <a:lnTo>
+                  <a:pt x="4369718" y="3489587"/>
+                </a:lnTo>
+                <a:lnTo>
+                  <a:pt x="4365170" y="3606423"/>
+                </a:lnTo>
+                <a:lnTo>
+                  <a:pt x="4360309" y="3721443"/>
+                </a:lnTo>
+                <a:lnTo>
+                  <a:pt x="4355918" y="3834041"/>
+                </a:lnTo>
+                <a:lnTo>
+                  <a:pt x="4343529" y="4053789"/>
+                </a:lnTo>
+                <a:lnTo>
+                  <a:pt x="4330356" y="4264457"/>
+                </a:lnTo>
+                <a:lnTo>
+                  <a:pt x="4316556" y="4466650"/>
+                </a:lnTo>
+                <a:lnTo>
+                  <a:pt x="4301344" y="4657946"/>
+                </a:lnTo>
+                <a:lnTo>
+                  <a:pt x="4285506" y="4840767"/>
+                </a:lnTo>
+                <a:lnTo>
+                  <a:pt x="4268412" y="5010269"/>
+                </a:lnTo>
+                <a:lnTo>
+                  <a:pt x="4251633" y="5169481"/>
+                </a:lnTo>
+                <a:lnTo>
+                  <a:pt x="4234853" y="5315980"/>
+                </a:lnTo>
+                <a:lnTo>
+                  <a:pt x="4219014" y="5450371"/>
+                </a:lnTo>
+                <a:lnTo>
+                  <a:pt x="4203959" y="5569628"/>
+                </a:lnTo>
+                <a:lnTo>
+                  <a:pt x="4189689" y="5677384"/>
+                </a:lnTo>
+                <a:lnTo>
+                  <a:pt x="4177770" y="5768189"/>
+                </a:lnTo>
+                <a:lnTo>
+                  <a:pt x="4166479" y="5844465"/>
+                </a:lnTo>
+                <a:lnTo>
+                  <a:pt x="4159132" y="5892104"/>
+                </a:lnTo>
+                <a:lnTo>
+                  <a:pt x="0" y="5892104"/>
+                </a:lnTo>
+                <a:close/>
+              </a:path>
+            </a:pathLst>
+          </a:custGeom>
+          <a:solidFill>
+            <a:srgbClr val="404040"/>
+          </a:solidFill>
+          <a:ln>
+            <a:noFill/>
+          </a:ln>
+        </p:spPr>
+        <p:style>
+          <a:lnRef idx="2">
+            <a:schemeClr val="accent1">
+              <a:shade val="50000"/>
+            </a:schemeClr>
+          </a:lnRef>
+          <a:fillRef idx="1">
+            <a:schemeClr val="accent1"/>
+          </a:fillRef>
+          <a:effectRef idx="0">
+            <a:schemeClr val="accent1"/>
+          </a:effectRef>
+          <a:fontRef idx="minor">
+            <a:schemeClr val="lt1"/>
+          </a:fontRef>
+        </p:style>
+        <p:txBody>
+          <a:bodyPr wrap="square" rtlCol="0" anchor="ctr">
+            <a:noAutofit/>
+          </a:bodyPr>
+          <a:lstStyle/>
+          <a:p>
+            <a:pPr marL="0" marR="0" lvl="0" indent="0" algn="ctr" defTabSz="457200" rtl="0" eaLnBrk="1" fontAlgn="auto" latinLnBrk="0" hangingPunct="1">
+              <a:lnSpc>
+                <a:spcPct val="100000"/>
+              </a:lnSpc>
+              <a:spcBef>
+                <a:spcPts val="0"/>
+              </a:spcBef>
+              <a:spcAft>
+                <a:spcPts val="0"/>
+              </a:spcAft>
+              <a:buClrTx/>
+              <a:buSzTx/>
+              <a:buFontTx/>
+              <a:buNone/>
+              <a:tabLst/>
+              <a:defRPr/>
+            </a:pPr>
+            <a:endParaRPr kumimoji="0" lang="en-US" sz="1800" b="0" i="0" u="none" strike="noStrike" kern="1200" cap="none" spc="0" normalizeH="0" baseline="0" noProof="0">
+              <a:ln>
+                <a:noFill/>
+              </a:ln>
+              <a:solidFill>
+                <a:prstClr val="white"/>
+              </a:solidFill>
+              <a:effectLst/>
+              <a:uLnTx/>
+              <a:uFillTx/>
+              <a:latin typeface="Calibri" panose="020F0502020204030204"/>
+              <a:ea typeface="+mn-ea"/>
+              <a:cs typeface="+mn-cs"/>
+            </a:endParaRPr>
+          </a:p>
+        </p:txBody>
+      </p:sp>
+      <p:sp>
+        <p:nvSpPr>
+          <p:cNvPr id="2" name="Title 1">
+            <a:extLst>
+              <a:ext uri="{FF2B5EF4-FFF2-40B4-BE49-F238E27FC236}">
+                <a16:creationId xmlns:a16="http://schemas.microsoft.com/office/drawing/2014/main" id="{0D701537-7AA9-3A45-8C37-9D2F2F0270CA}"/>
+              </a:ext>
+            </a:extLst>
+          </p:cNvPr>
+          <p:cNvSpPr>
+            <a:spLocks noGrp="1"/>
+          </p:cNvSpPr>
+          <p:nvPr>
+            <p:ph type="title"/>
+          </p:nvPr>
+        </p:nvSpPr>
+        <p:spPr>
+          <a:xfrm>
+            <a:off x="863029" y="1012004"/>
+            <a:ext cx="3416158" cy="4795408"/>
+          </a:xfrm>
+        </p:spPr>
+        <p:txBody>
+          <a:bodyPr>
+            <a:normAutofit/>
+          </a:bodyPr>
+          <a:lstStyle/>
+          <a:p>
+            <a:r>
+              <a:rPr lang="en-US" sz="4400" dirty="0">
+                <a:solidFill>
+                  <a:srgbClr val="FFFFFF"/>
+                </a:solidFill>
+              </a:rPr>
+              <a:t>Parallel Computing</a:t>
+            </a:r>
+          </a:p>
+        </p:txBody>
+      </p:sp>
+      <p:graphicFrame>
+        <p:nvGraphicFramePr>
+          <p:cNvPr id="13" name="Content Placeholder 2">
+            <a:extLst>
+              <a:ext uri="{FF2B5EF4-FFF2-40B4-BE49-F238E27FC236}">
+                <a16:creationId xmlns:a16="http://schemas.microsoft.com/office/drawing/2014/main" id="{668CE096-C5AB-4E5A-AFEE-4BC5C940104C}"/>
+              </a:ext>
+            </a:extLst>
+          </p:cNvPr>
+          <p:cNvGraphicFramePr>
+            <a:graphicFrameLocks noGrp="1"/>
+          </p:cNvGraphicFramePr>
+          <p:nvPr>
+            <p:ph idx="1"/>
+            <p:extLst>
+              <p:ext uri="{D42A27DB-BD31-4B8C-83A1-F6EECF244321}">
+                <p14:modId xmlns:p14="http://schemas.microsoft.com/office/powerpoint/2010/main" val="949387582"/>
+              </p:ext>
+            </p:extLst>
+          </p:nvPr>
+        </p:nvGraphicFramePr>
+        <p:xfrm>
+          <a:off x="5194300" y="470924"/>
+          <a:ext cx="6513604" cy="5885426"/>
+        </p:xfrm>
+        <a:graphic>
+          <a:graphicData uri="http://schemas.openxmlformats.org/drawingml/2006/diagram">
+            <dgm:relIds xmlns:dgm="http://schemas.openxmlformats.org/drawingml/2006/diagram" xmlns:r="http://schemas.openxmlformats.org/officeDocument/2006/relationships" r:dm="rId3" r:lo="rId4" r:qs="rId5" r:cs="rId6"/>
+          </a:graphicData>
+        </a:graphic>
+      </p:graphicFrame>
+    </p:spTree>
+    <p:extLst>
+      <p:ext uri="{BB962C8B-B14F-4D97-AF65-F5344CB8AC3E}">
+        <p14:creationId xmlns:p14="http://schemas.microsoft.com/office/powerpoint/2010/main" val="3786715743"/>
       </p:ext>
     </p:extLst>
   </p:cSld>
@@ -5105,4 +10095,299 @@
     </a:ext>
   </a:extLst>
 </a:theme>
+</file>
+
+<file path=ppt/theme/theme2.xml><?xml version="1.0" encoding="utf-8"?>
+<a:theme xmlns:a="http://schemas.openxmlformats.org/drawingml/2006/main" name="Office Theme">
+  <a:themeElements>
+    <a:clrScheme name="Office">
+      <a:dk1>
+        <a:sysClr val="windowText" lastClr="000000"/>
+      </a:dk1>
+      <a:lt1>
+        <a:sysClr val="window" lastClr="FFFFFF"/>
+      </a:lt1>
+      <a:dk2>
+        <a:srgbClr val="44546A"/>
+      </a:dk2>
+      <a:lt2>
+        <a:srgbClr val="E7E6E6"/>
+      </a:lt2>
+      <a:accent1>
+        <a:srgbClr val="4472C4"/>
+      </a:accent1>
+      <a:accent2>
+        <a:srgbClr val="ED7D31"/>
+      </a:accent2>
+      <a:accent3>
+        <a:srgbClr val="A5A5A5"/>
+      </a:accent3>
+      <a:accent4>
+        <a:srgbClr val="FFC000"/>
+      </a:accent4>
+      <a:accent5>
+        <a:srgbClr val="5B9BD5"/>
+      </a:accent5>
+      <a:accent6>
+        <a:srgbClr val="70AD47"/>
+      </a:accent6>
+      <a:hlink>
+        <a:srgbClr val="0563C1"/>
+      </a:hlink>
+      <a:folHlink>
+        <a:srgbClr val="954F72"/>
+      </a:folHlink>
+    </a:clrScheme>
+    <a:fontScheme name="Office">
+      <a:majorFont>
+        <a:latin typeface="Calibri Light" panose="020F0302020204030204"/>
+        <a:ea typeface=""/>
+        <a:cs typeface=""/>
+        <a:font script="Jpan" typeface="游ゴシック Light"/>
+        <a:font script="Hang" typeface="맑은 고딕"/>
+        <a:font script="Hans" typeface="等线 Light"/>
+        <a:font script="Hant" typeface="新細明體"/>
+        <a:font script="Arab" typeface="Times New Roman"/>
+        <a:font script="Hebr" typeface="Times New Roman"/>
+        <a:font script="Thai" typeface="Angsana New"/>
+        <a:font script="Ethi" typeface="Nyala"/>
+        <a:font script="Beng" typeface="Vrinda"/>
+        <a:font script="Gujr" typeface="Shruti"/>
+        <a:font script="Khmr" typeface="MoolBoran"/>
+        <a:font script="Knda" typeface="Tunga"/>
+        <a:font script="Guru" typeface="Raavi"/>
+        <a:font script="Cans" typeface="Euphemia"/>
+        <a:font script="Cher" typeface="Plantagenet Cherokee"/>
+        <a:font script="Yiii" typeface="Microsoft Yi Baiti"/>
+        <a:font script="Tibt" typeface="Microsoft Himalaya"/>
+        <a:font script="Thaa" typeface="MV Boli"/>
+        <a:font script="Deva" typeface="Mangal"/>
+        <a:font script="Telu" typeface="Gautami"/>
+        <a:font script="Taml" typeface="Latha"/>
+        <a:font script="Syrc" typeface="Estrangelo Edessa"/>
+        <a:font script="Orya" typeface="Kalinga"/>
+        <a:font script="Mlym" typeface="Kartika"/>
+        <a:font script="Laoo" typeface="DokChampa"/>
+        <a:font script="Sinh" typeface="Iskoola Pota"/>
+        <a:font script="Mong" typeface="Mongolian Baiti"/>
+        <a:font script="Viet" typeface="Times New Roman"/>
+        <a:font script="Uigh" typeface="Microsoft Uighur"/>
+        <a:font script="Geor" typeface="Sylfaen"/>
+        <a:font script="Armn" typeface="Arial"/>
+        <a:font script="Bugi" typeface="Leelawadee UI"/>
+        <a:font script="Bopo" typeface="Microsoft JhengHei"/>
+        <a:font script="Java" typeface="Javanese Text"/>
+        <a:font script="Lisu" typeface="Segoe UI"/>
+        <a:font script="Mymr" typeface="Myanmar Text"/>
+        <a:font script="Nkoo" typeface="Ebrima"/>
+        <a:font script="Olck" typeface="Nirmala UI"/>
+        <a:font script="Osma" typeface="Ebrima"/>
+        <a:font script="Phag" typeface="Phagspa"/>
+        <a:font script="Syrn" typeface="Estrangelo Edessa"/>
+        <a:font script="Syrj" typeface="Estrangelo Edessa"/>
+        <a:font script="Syre" typeface="Estrangelo Edessa"/>
+        <a:font script="Sora" typeface="Nirmala UI"/>
+        <a:font script="Tale" typeface="Microsoft Tai Le"/>
+        <a:font script="Talu" typeface="Microsoft New Tai Lue"/>
+        <a:font script="Tfng" typeface="Ebrima"/>
+      </a:majorFont>
+      <a:minorFont>
+        <a:latin typeface="Calibri" panose="020F0502020204030204"/>
+        <a:ea typeface=""/>
+        <a:cs typeface=""/>
+        <a:font script="Jpan" typeface="游ゴシック"/>
+        <a:font script="Hang" typeface="맑은 고딕"/>
+        <a:font script="Hans" typeface="等线"/>
+        <a:font script="Hant" typeface="新細明體"/>
+        <a:font script="Arab" typeface="Arial"/>
+        <a:font script="Hebr" typeface="Arial"/>
+        <a:font script="Thai" typeface="Cordia New"/>
+        <a:font script="Ethi" typeface="Nyala"/>
+        <a:font script="Beng" typeface="Vrinda"/>
+        <a:font script="Gujr" typeface="Shruti"/>
+        <a:font script="Khmr" typeface="DaunPenh"/>
+        <a:font script="Knda" typeface="Tunga"/>
+        <a:font script="Guru" typeface="Raavi"/>
+        <a:font script="Cans" typeface="Euphemia"/>
+        <a:font script="Cher" typeface="Plantagenet Cherokee"/>
+        <a:font script="Yiii" typeface="Microsoft Yi Baiti"/>
+        <a:font script="Tibt" typeface="Microsoft Himalaya"/>
+        <a:font script="Thaa" typeface="MV Boli"/>
+        <a:font script="Deva" typeface="Mangal"/>
+        <a:font script="Telu" typeface="Gautami"/>
+        <a:font script="Taml" typeface="Latha"/>
+        <a:font script="Syrc" typeface="Estrangelo Edessa"/>
+        <a:font script="Orya" typeface="Kalinga"/>
+        <a:font script="Mlym" typeface="Kartika"/>
+        <a:font script="Laoo" typeface="DokChampa"/>
+        <a:font script="Sinh" typeface="Iskoola Pota"/>
+        <a:font script="Mong" typeface="Mongolian Baiti"/>
+        <a:font script="Viet" typeface="Arial"/>
+        <a:font script="Uigh" typeface="Microsoft Uighur"/>
+        <a:font script="Geor" typeface="Sylfaen"/>
+        <a:font script="Armn" typeface="Arial"/>
+        <a:font script="Bugi" typeface="Leelawadee UI"/>
+        <a:font script="Bopo" typeface="Microsoft JhengHei"/>
+        <a:font script="Java" typeface="Javanese Text"/>
+        <a:font script="Lisu" typeface="Segoe UI"/>
+        <a:font script="Mymr" typeface="Myanmar Text"/>
+        <a:font script="Nkoo" typeface="Ebrima"/>
+        <a:font script="Olck" typeface="Nirmala UI"/>
+        <a:font script="Osma" typeface="Ebrima"/>
+        <a:font script="Phag" typeface="Phagspa"/>
+        <a:font script="Syrn" typeface="Estrangelo Edessa"/>
+        <a:font script="Syrj" typeface="Estrangelo Edessa"/>
+        <a:font script="Syre" typeface="Estrangelo Edessa"/>
+        <a:font script="Sora" typeface="Nirmala UI"/>
+        <a:font script="Tale" typeface="Microsoft Tai Le"/>
+        <a:font script="Talu" typeface="Microsoft New Tai Lue"/>
+        <a:font script="Tfng" typeface="Ebrima"/>
+      </a:minorFont>
+    </a:fontScheme>
+    <a:fmtScheme name="Office">
+      <a:fillStyleLst>
+        <a:solidFill>
+          <a:schemeClr val="phClr"/>
+        </a:solidFill>
+        <a:gradFill rotWithShape="1">
+          <a:gsLst>
+            <a:gs pos="0">
+              <a:schemeClr val="phClr">
+                <a:lumMod val="110000"/>
+                <a:satMod val="105000"/>
+                <a:tint val="67000"/>
+              </a:schemeClr>
+            </a:gs>
+            <a:gs pos="50000">
+              <a:schemeClr val="phClr">
+                <a:lumMod val="105000"/>
+                <a:satMod val="103000"/>
+                <a:tint val="73000"/>
+              </a:schemeClr>
+            </a:gs>
+            <a:gs pos="100000">
+              <a:schemeClr val="phClr">
+                <a:lumMod val="105000"/>
+                <a:satMod val="109000"/>
+                <a:tint val="81000"/>
+              </a:schemeClr>
+            </a:gs>
+          </a:gsLst>
+          <a:lin ang="5400000" scaled="0"/>
+        </a:gradFill>
+        <a:gradFill rotWithShape="1">
+          <a:gsLst>
+            <a:gs pos="0">
+              <a:schemeClr val="phClr">
+                <a:satMod val="103000"/>
+                <a:lumMod val="102000"/>
+                <a:tint val="94000"/>
+              </a:schemeClr>
+            </a:gs>
+            <a:gs pos="50000">
+              <a:schemeClr val="phClr">
+                <a:satMod val="110000"/>
+                <a:lumMod val="100000"/>
+                <a:shade val="100000"/>
+              </a:schemeClr>
+            </a:gs>
+            <a:gs pos="100000">
+              <a:schemeClr val="phClr">
+                <a:lumMod val="99000"/>
+                <a:satMod val="120000"/>
+                <a:shade val="78000"/>
+              </a:schemeClr>
+            </a:gs>
+          </a:gsLst>
+          <a:lin ang="5400000" scaled="0"/>
+        </a:gradFill>
+      </a:fillStyleLst>
+      <a:lnStyleLst>
+        <a:ln w="6350" cap="flat" cmpd="sng" algn="ctr">
+          <a:solidFill>
+            <a:schemeClr val="phClr"/>
+          </a:solidFill>
+          <a:prstDash val="solid"/>
+          <a:miter lim="800000"/>
+        </a:ln>
+        <a:ln w="12700" cap="flat" cmpd="sng" algn="ctr">
+          <a:solidFill>
+            <a:schemeClr val="phClr"/>
+          </a:solidFill>
+          <a:prstDash val="solid"/>
+          <a:miter lim="800000"/>
+        </a:ln>
+        <a:ln w="19050" cap="flat" cmpd="sng" algn="ctr">
+          <a:solidFill>
+            <a:schemeClr val="phClr"/>
+          </a:solidFill>
+          <a:prstDash val="solid"/>
+          <a:miter lim="800000"/>
+        </a:ln>
+      </a:lnStyleLst>
+      <a:effectStyleLst>
+        <a:effectStyle>
+          <a:effectLst/>
+        </a:effectStyle>
+        <a:effectStyle>
+          <a:effectLst/>
+        </a:effectStyle>
+        <a:effectStyle>
+          <a:effectLst>
+            <a:outerShdw blurRad="57150" dist="19050" dir="5400000" algn="ctr" rotWithShape="0">
+              <a:srgbClr val="000000">
+                <a:alpha val="63000"/>
+              </a:srgbClr>
+            </a:outerShdw>
+          </a:effectLst>
+        </a:effectStyle>
+      </a:effectStyleLst>
+      <a:bgFillStyleLst>
+        <a:solidFill>
+          <a:schemeClr val="phClr"/>
+        </a:solidFill>
+        <a:solidFill>
+          <a:schemeClr val="phClr">
+            <a:tint val="95000"/>
+            <a:satMod val="170000"/>
+          </a:schemeClr>
+        </a:solidFill>
+        <a:gradFill rotWithShape="1">
+          <a:gsLst>
+            <a:gs pos="0">
+              <a:schemeClr val="phClr">
+                <a:tint val="93000"/>
+                <a:satMod val="150000"/>
+                <a:shade val="98000"/>
+                <a:lumMod val="102000"/>
+              </a:schemeClr>
+            </a:gs>
+            <a:gs pos="50000">
+              <a:schemeClr val="phClr">
+                <a:tint val="98000"/>
+                <a:satMod val="130000"/>
+                <a:shade val="90000"/>
+                <a:lumMod val="103000"/>
+              </a:schemeClr>
+            </a:gs>
+            <a:gs pos="100000">
+              <a:schemeClr val="phClr">
+                <a:shade val="63000"/>
+                <a:satMod val="120000"/>
+              </a:schemeClr>
+            </a:gs>
+          </a:gsLst>
+          <a:lin ang="5400000" scaled="0"/>
+        </a:gradFill>
+      </a:bgFillStyleLst>
+    </a:fmtScheme>
+  </a:themeElements>
+  <a:objectDefaults/>
+  <a:extraClrSchemeLst/>
+  <a:extLst>
+    <a:ext uri="{05A4C25C-085E-4340-85A3-A5531E510DB2}">
+      <thm15:themeFamily xmlns:thm15="http://schemas.microsoft.com/office/thememl/2012/main" name="Office Theme" id="{62F939B6-93AF-4DB8-9C6B-D6C7DFDC589F}" vid="{4A3C46E8-61CC-4603-A589-7422A47A8E4A}"/>
+    </a:ext>
+  </a:extLst>
+</a:theme>
 </file>
--- a/notebooks/xiaoqi-why-julia-fast.pptx
+++ b/notebooks/xiaoqi-why-julia-fast.pptx
@@ -5,7 +5,7 @@
     <p:sldMasterId id="2147483648" r:id="rId1"/>
   </p:sldMasterIdLst>
   <p:notesMasterIdLst>
-    <p:notesMasterId r:id="rId9"/>
+    <p:notesMasterId r:id="rId10"/>
   </p:notesMasterIdLst>
   <p:sldIdLst>
     <p:sldId id="256" r:id="rId2"/>
@@ -14,7 +14,8 @@
     <p:sldId id="257" r:id="rId5"/>
     <p:sldId id="262" r:id="rId6"/>
     <p:sldId id="261" r:id="rId7"/>
-    <p:sldId id="263" r:id="rId8"/>
+    <p:sldId id="265" r:id="rId8"/>
+    <p:sldId id="263" r:id="rId9"/>
   </p:sldIdLst>
   <p:sldSz cx="12192000" cy="6858000"/>
   <p:notesSz cx="6858000" cy="9144000"/>
@@ -122,6 +123,1678 @@
 </file>
 
 <file path=ppt/diagrams/colors1.xml><?xml version="1.0" encoding="utf-8"?>
+<dgm:colorsDef xmlns:dgm="http://schemas.openxmlformats.org/drawingml/2006/diagram" xmlns:a="http://schemas.openxmlformats.org/drawingml/2006/main" uniqueId="urn:microsoft.com/office/officeart/2018/5/colors/Iconchunking_neutralbg_colorful1">
+  <dgm:title val=""/>
+  <dgm:desc val=""/>
+  <dgm:catLst>
+    <dgm:cat type="colorful" pri="10100"/>
+  </dgm:catLst>
+  <dgm:styleLbl name="node0">
+    <dgm:fillClrLst meth="repeat">
+      <a:schemeClr val="accent1"/>
+    </dgm:fillClrLst>
+    <dgm:linClrLst meth="repeat">
+      <a:schemeClr val="lt1"/>
+    </dgm:linClrLst>
+    <dgm:effectClrLst/>
+    <dgm:txLinClrLst/>
+    <dgm:txFillClrLst/>
+    <dgm:txEffectClrLst/>
+  </dgm:styleLbl>
+  <dgm:styleLbl name="node1">
+    <dgm:fillClrLst meth="repeat">
+      <a:schemeClr val="accent2"/>
+      <a:schemeClr val="accent3"/>
+      <a:schemeClr val="accent4"/>
+      <a:schemeClr val="accent5"/>
+      <a:schemeClr val="accent6"/>
+    </dgm:fillClrLst>
+    <dgm:linClrLst meth="repeat">
+      <a:schemeClr val="lt1">
+        <a:alpha val="0"/>
+      </a:schemeClr>
+    </dgm:linClrLst>
+    <dgm:effectClrLst/>
+    <dgm:txLinClrLst/>
+    <dgm:txFillClrLst/>
+    <dgm:txEffectClrLst/>
+  </dgm:styleLbl>
+  <dgm:styleLbl name="alignNode1">
+    <dgm:fillClrLst meth="repeat">
+      <a:schemeClr val="accent2"/>
+      <a:schemeClr val="accent3"/>
+      <a:schemeClr val="accent4"/>
+      <a:schemeClr val="accent5"/>
+      <a:schemeClr val="accent6"/>
+    </dgm:fillClrLst>
+    <dgm:linClrLst meth="repeat">
+      <a:schemeClr val="accent2"/>
+      <a:schemeClr val="accent3"/>
+      <a:schemeClr val="accent4"/>
+      <a:schemeClr val="accent5"/>
+      <a:schemeClr val="accent6"/>
+    </dgm:linClrLst>
+    <dgm:effectClrLst/>
+    <dgm:txLinClrLst/>
+    <dgm:txFillClrLst/>
+    <dgm:txEffectClrLst/>
+  </dgm:styleLbl>
+  <dgm:styleLbl name="lnNode1">
+    <dgm:fillClrLst meth="repeat">
+      <a:schemeClr val="accent2"/>
+      <a:schemeClr val="accent3"/>
+      <a:schemeClr val="accent4"/>
+      <a:schemeClr val="accent5"/>
+      <a:schemeClr val="accent6"/>
+    </dgm:fillClrLst>
+    <dgm:linClrLst meth="repeat">
+      <a:schemeClr val="lt1"/>
+    </dgm:linClrLst>
+    <dgm:effectClrLst/>
+    <dgm:txLinClrLst/>
+    <dgm:txFillClrLst/>
+    <dgm:txEffectClrLst/>
+  </dgm:styleLbl>
+  <dgm:styleLbl name="vennNode1">
+    <dgm:fillClrLst meth="repeat">
+      <a:schemeClr val="accent2">
+        <a:alpha val="50000"/>
+      </a:schemeClr>
+      <a:schemeClr val="accent3">
+        <a:alpha val="50000"/>
+      </a:schemeClr>
+      <a:schemeClr val="accent4">
+        <a:alpha val="50000"/>
+      </a:schemeClr>
+      <a:schemeClr val="accent5">
+        <a:alpha val="50000"/>
+      </a:schemeClr>
+      <a:schemeClr val="accent6">
+        <a:alpha val="50000"/>
+      </a:schemeClr>
+    </dgm:fillClrLst>
+    <dgm:linClrLst meth="repeat">
+      <a:schemeClr val="lt1"/>
+    </dgm:linClrLst>
+    <dgm:effectClrLst/>
+    <dgm:txLinClrLst/>
+    <dgm:txFillClrLst/>
+    <dgm:txEffectClrLst/>
+  </dgm:styleLbl>
+  <dgm:styleLbl name="node2">
+    <dgm:fillClrLst>
+      <a:schemeClr val="accent2"/>
+    </dgm:fillClrLst>
+    <dgm:linClrLst meth="repeat">
+      <a:schemeClr val="lt1"/>
+    </dgm:linClrLst>
+    <dgm:effectClrLst/>
+    <dgm:txLinClrLst/>
+    <dgm:txFillClrLst/>
+    <dgm:txEffectClrLst/>
+  </dgm:styleLbl>
+  <dgm:styleLbl name="node3">
+    <dgm:fillClrLst>
+      <a:schemeClr val="accent3"/>
+    </dgm:fillClrLst>
+    <dgm:linClrLst meth="repeat">
+      <a:schemeClr val="lt1"/>
+    </dgm:linClrLst>
+    <dgm:effectClrLst/>
+    <dgm:txLinClrLst/>
+    <dgm:txFillClrLst/>
+    <dgm:txEffectClrLst/>
+  </dgm:styleLbl>
+  <dgm:styleLbl name="node4">
+    <dgm:fillClrLst>
+      <a:schemeClr val="accent4"/>
+    </dgm:fillClrLst>
+    <dgm:linClrLst meth="repeat">
+      <a:schemeClr val="lt1"/>
+    </dgm:linClrLst>
+    <dgm:effectClrLst/>
+    <dgm:txLinClrLst/>
+    <dgm:txFillClrLst/>
+    <dgm:txEffectClrLst/>
+  </dgm:styleLbl>
+  <dgm:styleLbl name="fgImgPlace1">
+    <dgm:fillClrLst meth="repeat">
+      <a:schemeClr val="accent2">
+        <a:tint val="50000"/>
+      </a:schemeClr>
+      <a:schemeClr val="accent3">
+        <a:tint val="50000"/>
+      </a:schemeClr>
+      <a:schemeClr val="accent4">
+        <a:tint val="50000"/>
+      </a:schemeClr>
+      <a:schemeClr val="accent5">
+        <a:tint val="50000"/>
+      </a:schemeClr>
+      <a:schemeClr val="accent6">
+        <a:tint val="50000"/>
+      </a:schemeClr>
+    </dgm:fillClrLst>
+    <dgm:linClrLst meth="repeat">
+      <a:schemeClr val="lt1"/>
+    </dgm:linClrLst>
+    <dgm:effectClrLst/>
+    <dgm:txLinClrLst/>
+    <dgm:txFillClrLst meth="repeat">
+      <a:schemeClr val="lt1"/>
+    </dgm:txFillClrLst>
+    <dgm:txEffectClrLst/>
+  </dgm:styleLbl>
+  <dgm:styleLbl name="alignImgPlace1">
+    <dgm:fillClrLst>
+      <a:schemeClr val="accent1">
+        <a:tint val="50000"/>
+      </a:schemeClr>
+      <a:schemeClr val="accent2">
+        <a:tint val="20000"/>
+      </a:schemeClr>
+    </dgm:fillClrLst>
+    <dgm:linClrLst meth="repeat">
+      <a:schemeClr val="lt1"/>
+    </dgm:linClrLst>
+    <dgm:effectClrLst/>
+    <dgm:txLinClrLst/>
+    <dgm:txFillClrLst meth="repeat">
+      <a:schemeClr val="lt1"/>
+    </dgm:txFillClrLst>
+    <dgm:txEffectClrLst/>
+  </dgm:styleLbl>
+  <dgm:styleLbl name="bgImgPlace1">
+    <dgm:fillClrLst>
+      <a:schemeClr val="accent1">
+        <a:tint val="50000"/>
+      </a:schemeClr>
+      <a:schemeClr val="accent2">
+        <a:tint val="20000"/>
+      </a:schemeClr>
+    </dgm:fillClrLst>
+    <dgm:linClrLst meth="repeat">
+      <a:schemeClr val="lt1"/>
+    </dgm:linClrLst>
+    <dgm:effectClrLst/>
+    <dgm:txLinClrLst/>
+    <dgm:txFillClrLst meth="repeat">
+      <a:schemeClr val="lt1"/>
+    </dgm:txFillClrLst>
+    <dgm:txEffectClrLst/>
+  </dgm:styleLbl>
+  <dgm:styleLbl name="sibTrans2D1">
+    <dgm:fillClrLst meth="repeat">
+      <a:schemeClr val="accent2"/>
+      <a:schemeClr val="accent3"/>
+      <a:schemeClr val="accent4"/>
+      <a:schemeClr val="accent5"/>
+      <a:schemeClr val="accent6"/>
+    </dgm:fillClrLst>
+    <dgm:linClrLst meth="cycle">
+      <a:schemeClr val="lt1"/>
+    </dgm:linClrLst>
+    <dgm:effectClrLst/>
+    <dgm:txLinClrLst/>
+    <dgm:txFillClrLst/>
+    <dgm:txEffectClrLst/>
+  </dgm:styleLbl>
+  <dgm:styleLbl name="fgSibTrans2D1">
+    <dgm:fillClrLst meth="repeat">
+      <a:schemeClr val="accent2"/>
+      <a:schemeClr val="accent3"/>
+      <a:schemeClr val="accent4"/>
+      <a:schemeClr val="accent5"/>
+      <a:schemeClr val="accent6"/>
+    </dgm:fillClrLst>
+    <dgm:linClrLst meth="cycle">
+      <a:schemeClr val="lt1"/>
+    </dgm:linClrLst>
+    <dgm:effectClrLst/>
+    <dgm:txLinClrLst/>
+    <dgm:txFillClrLst meth="repeat">
+      <a:schemeClr val="lt1"/>
+    </dgm:txFillClrLst>
+    <dgm:txEffectClrLst/>
+  </dgm:styleLbl>
+  <dgm:styleLbl name="bgSibTrans2D1">
+    <dgm:fillClrLst meth="repeat">
+      <a:schemeClr val="accent2"/>
+      <a:schemeClr val="accent3"/>
+      <a:schemeClr val="accent4"/>
+      <a:schemeClr val="accent5"/>
+      <a:schemeClr val="accent6"/>
+    </dgm:fillClrLst>
+    <dgm:linClrLst meth="cycle">
+      <a:schemeClr val="lt1"/>
+    </dgm:linClrLst>
+    <dgm:effectClrLst/>
+    <dgm:txLinClrLst/>
+    <dgm:txFillClrLst meth="repeat">
+      <a:schemeClr val="lt1"/>
+    </dgm:txFillClrLst>
+    <dgm:txEffectClrLst/>
+  </dgm:styleLbl>
+  <dgm:styleLbl name="sibTrans1D1">
+    <dgm:fillClrLst meth="repeat">
+      <a:schemeClr val="accent2"/>
+      <a:schemeClr val="accent3"/>
+      <a:schemeClr val="accent4"/>
+      <a:schemeClr val="accent5"/>
+      <a:schemeClr val="accent6"/>
+    </dgm:fillClrLst>
+    <dgm:linClrLst meth="repeat">
+      <a:schemeClr val="accent2"/>
+      <a:schemeClr val="accent3"/>
+      <a:schemeClr val="accent4"/>
+      <a:schemeClr val="accent5"/>
+      <a:schemeClr val="accent6"/>
+    </dgm:linClrLst>
+    <dgm:effectClrLst/>
+    <dgm:txLinClrLst/>
+    <dgm:txFillClrLst meth="repeat">
+      <a:schemeClr val="tx1"/>
+    </dgm:txFillClrLst>
+    <dgm:txEffectClrLst/>
+  </dgm:styleLbl>
+  <dgm:styleLbl name="callout">
+    <dgm:fillClrLst meth="repeat">
+      <a:schemeClr val="accent2"/>
+    </dgm:fillClrLst>
+    <dgm:linClrLst meth="repeat">
+      <a:schemeClr val="accent2">
+        <a:tint val="50000"/>
+      </a:schemeClr>
+    </dgm:linClrLst>
+    <dgm:effectClrLst/>
+    <dgm:txLinClrLst/>
+    <dgm:txFillClrLst meth="repeat">
+      <a:schemeClr val="tx1"/>
+    </dgm:txFillClrLst>
+    <dgm:txEffectClrLst/>
+  </dgm:styleLbl>
+  <dgm:styleLbl name="asst0">
+    <dgm:fillClrLst meth="repeat">
+      <a:schemeClr val="accent1"/>
+    </dgm:fillClrLst>
+    <dgm:linClrLst meth="repeat">
+      <a:schemeClr val="lt1"/>
+    </dgm:linClrLst>
+    <dgm:effectClrLst/>
+    <dgm:txLinClrLst/>
+    <dgm:txFillClrLst/>
+    <dgm:txEffectClrLst/>
+  </dgm:styleLbl>
+  <dgm:styleLbl name="asst1">
+    <dgm:fillClrLst meth="repeat">
+      <a:schemeClr val="accent2"/>
+    </dgm:fillClrLst>
+    <dgm:linClrLst meth="repeat">
+      <a:schemeClr val="lt1"/>
+    </dgm:linClrLst>
+    <dgm:effectClrLst/>
+    <dgm:txLinClrLst/>
+    <dgm:txFillClrLst/>
+    <dgm:txEffectClrLst/>
+  </dgm:styleLbl>
+  <dgm:styleLbl name="asst2">
+    <dgm:fillClrLst>
+      <a:schemeClr val="accent3"/>
+    </dgm:fillClrLst>
+    <dgm:linClrLst meth="repeat">
+      <a:schemeClr val="lt1"/>
+    </dgm:linClrLst>
+    <dgm:effectClrLst/>
+    <dgm:txLinClrLst/>
+    <dgm:txFillClrLst/>
+    <dgm:txEffectClrLst/>
+  </dgm:styleLbl>
+  <dgm:styleLbl name="asst3">
+    <dgm:fillClrLst>
+      <a:schemeClr val="accent4"/>
+    </dgm:fillClrLst>
+    <dgm:linClrLst meth="repeat">
+      <a:schemeClr val="lt1"/>
+    </dgm:linClrLst>
+    <dgm:effectClrLst/>
+    <dgm:txLinClrLst/>
+    <dgm:txFillClrLst/>
+    <dgm:txEffectClrLst/>
+  </dgm:styleLbl>
+  <dgm:styleLbl name="asst4">
+    <dgm:fillClrLst>
+      <a:schemeClr val="accent5"/>
+    </dgm:fillClrLst>
+    <dgm:linClrLst meth="repeat">
+      <a:schemeClr val="lt1"/>
+    </dgm:linClrLst>
+    <dgm:effectClrLst/>
+    <dgm:txLinClrLst/>
+    <dgm:txFillClrLst/>
+    <dgm:txEffectClrLst/>
+  </dgm:styleLbl>
+  <dgm:styleLbl name="parChTrans2D1">
+    <dgm:fillClrLst meth="repeat">
+      <a:schemeClr val="accent2"/>
+    </dgm:fillClrLst>
+    <dgm:linClrLst meth="repeat">
+      <a:schemeClr val="lt1"/>
+    </dgm:linClrLst>
+    <dgm:effectClrLst/>
+    <dgm:txLinClrLst/>
+    <dgm:txFillClrLst meth="repeat">
+      <a:schemeClr val="lt1"/>
+    </dgm:txFillClrLst>
+    <dgm:txEffectClrLst/>
+  </dgm:styleLbl>
+  <dgm:styleLbl name="parChTrans2D2">
+    <dgm:fillClrLst meth="repeat">
+      <a:schemeClr val="accent3"/>
+    </dgm:fillClrLst>
+    <dgm:linClrLst meth="repeat">
+      <a:schemeClr val="lt1"/>
+    </dgm:linClrLst>
+    <dgm:effectClrLst/>
+    <dgm:txLinClrLst/>
+    <dgm:txFillClrLst/>
+    <dgm:txEffectClrLst/>
+  </dgm:styleLbl>
+  <dgm:styleLbl name="parChTrans2D3">
+    <dgm:fillClrLst meth="repeat">
+      <a:schemeClr val="accent4"/>
+    </dgm:fillClrLst>
+    <dgm:linClrLst meth="repeat">
+      <a:schemeClr val="lt1"/>
+    </dgm:linClrLst>
+    <dgm:effectClrLst/>
+    <dgm:txLinClrLst/>
+    <dgm:txFillClrLst/>
+    <dgm:txEffectClrLst/>
+  </dgm:styleLbl>
+  <dgm:styleLbl name="parChTrans2D4">
+    <dgm:fillClrLst meth="repeat">
+      <a:schemeClr val="accent5"/>
+    </dgm:fillClrLst>
+    <dgm:linClrLst meth="repeat">
+      <a:schemeClr val="lt1"/>
+    </dgm:linClrLst>
+    <dgm:effectClrLst/>
+    <dgm:txLinClrLst/>
+    <dgm:txFillClrLst meth="repeat">
+      <a:schemeClr val="lt1"/>
+    </dgm:txFillClrLst>
+    <dgm:txEffectClrLst/>
+  </dgm:styleLbl>
+  <dgm:styleLbl name="parChTrans1D1">
+    <dgm:fillClrLst meth="repeat">
+      <a:schemeClr val="accent2"/>
+    </dgm:fillClrLst>
+    <dgm:linClrLst meth="repeat">
+      <a:schemeClr val="accent1"/>
+    </dgm:linClrLst>
+    <dgm:effectClrLst/>
+    <dgm:txLinClrLst/>
+    <dgm:txFillClrLst meth="repeat">
+      <a:schemeClr val="tx1"/>
+    </dgm:txFillClrLst>
+    <dgm:txEffectClrLst/>
+  </dgm:styleLbl>
+  <dgm:styleLbl name="parChTrans1D2">
+    <dgm:fillClrLst meth="repeat">
+      <a:schemeClr val="accent3">
+        <a:tint val="90000"/>
+      </a:schemeClr>
+    </dgm:fillClrLst>
+    <dgm:linClrLst meth="repeat">
+      <a:schemeClr val="accent2"/>
+    </dgm:linClrLst>
+    <dgm:effectClrLst/>
+    <dgm:txLinClrLst/>
+    <dgm:txFillClrLst meth="repeat">
+      <a:schemeClr val="tx1"/>
+    </dgm:txFillClrLst>
+    <dgm:txEffectClrLst/>
+  </dgm:styleLbl>
+  <dgm:styleLbl name="parChTrans1D3">
+    <dgm:fillClrLst meth="repeat">
+      <a:schemeClr val="accent4">
+        <a:tint val="70000"/>
+      </a:schemeClr>
+    </dgm:fillClrLst>
+    <dgm:linClrLst meth="repeat">
+      <a:schemeClr val="accent3"/>
+    </dgm:linClrLst>
+    <dgm:effectClrLst/>
+    <dgm:txLinClrLst/>
+    <dgm:txFillClrLst meth="repeat">
+      <a:schemeClr val="tx1"/>
+    </dgm:txFillClrLst>
+    <dgm:txEffectClrLst/>
+  </dgm:styleLbl>
+  <dgm:styleLbl name="parChTrans1D4">
+    <dgm:fillClrLst meth="repeat">
+      <a:schemeClr val="accent5">
+        <a:tint val="50000"/>
+      </a:schemeClr>
+    </dgm:fillClrLst>
+    <dgm:linClrLst meth="repeat">
+      <a:schemeClr val="accent4"/>
+    </dgm:linClrLst>
+    <dgm:effectClrLst/>
+    <dgm:txLinClrLst/>
+    <dgm:txFillClrLst meth="repeat">
+      <a:schemeClr val="tx1"/>
+    </dgm:txFillClrLst>
+    <dgm:txEffectClrLst/>
+  </dgm:styleLbl>
+  <dgm:styleLbl name="fgAcc1">
+    <dgm:fillClrLst meth="repeat">
+      <a:schemeClr val="lt1">
+        <a:alpha val="90000"/>
+      </a:schemeClr>
+    </dgm:fillClrLst>
+    <dgm:linClrLst meth="repeat">
+      <a:schemeClr val="accent2"/>
+      <a:schemeClr val="accent3"/>
+      <a:schemeClr val="accent4"/>
+      <a:schemeClr val="accent5"/>
+      <a:schemeClr val="accent6"/>
+    </dgm:linClrLst>
+    <dgm:effectClrLst/>
+    <dgm:txLinClrLst/>
+    <dgm:txFillClrLst meth="repeat">
+      <a:schemeClr val="dk1"/>
+    </dgm:txFillClrLst>
+    <dgm:txEffectClrLst/>
+  </dgm:styleLbl>
+  <dgm:styleLbl name="conFgAcc1">
+    <dgm:fillClrLst meth="repeat">
+      <a:schemeClr val="lt1">
+        <a:alpha val="90000"/>
+      </a:schemeClr>
+    </dgm:fillClrLst>
+    <dgm:linClrLst meth="repeat">
+      <a:schemeClr val="accent2"/>
+      <a:schemeClr val="accent3"/>
+      <a:schemeClr val="accent4"/>
+      <a:schemeClr val="accent5"/>
+      <a:schemeClr val="accent6"/>
+    </dgm:linClrLst>
+    <dgm:effectClrLst/>
+    <dgm:txLinClrLst/>
+    <dgm:txFillClrLst meth="repeat">
+      <a:schemeClr val="dk1"/>
+    </dgm:txFillClrLst>
+    <dgm:txEffectClrLst/>
+  </dgm:styleLbl>
+  <dgm:styleLbl name="alignAcc1">
+    <dgm:fillClrLst meth="repeat">
+      <a:schemeClr val="lt1">
+        <a:alpha val="90000"/>
+      </a:schemeClr>
+    </dgm:fillClrLst>
+    <dgm:linClrLst meth="repeat">
+      <a:schemeClr val="accent2"/>
+      <a:schemeClr val="accent3"/>
+      <a:schemeClr val="accent4"/>
+      <a:schemeClr val="accent5"/>
+      <a:schemeClr val="accent6"/>
+    </dgm:linClrLst>
+    <dgm:effectClrLst/>
+    <dgm:txLinClrLst/>
+    <dgm:txFillClrLst meth="repeat">
+      <a:schemeClr val="dk1"/>
+    </dgm:txFillClrLst>
+    <dgm:txEffectClrLst/>
+  </dgm:styleLbl>
+  <dgm:styleLbl name="trAlignAcc1">
+    <dgm:fillClrLst meth="repeat">
+      <a:schemeClr val="lt1">
+        <a:alpha val="40000"/>
+      </a:schemeClr>
+    </dgm:fillClrLst>
+    <dgm:linClrLst meth="repeat">
+      <a:schemeClr val="accent1"/>
+    </dgm:linClrLst>
+    <dgm:effectClrLst/>
+    <dgm:txLinClrLst/>
+    <dgm:txFillClrLst meth="repeat">
+      <a:schemeClr val="dk1"/>
+    </dgm:txFillClrLst>
+    <dgm:txEffectClrLst/>
+  </dgm:styleLbl>
+  <dgm:styleLbl name="bgAcc1">
+    <dgm:fillClrLst meth="repeat">
+      <a:schemeClr val="lt1">
+        <a:alpha val="90000"/>
+      </a:schemeClr>
+    </dgm:fillClrLst>
+    <dgm:linClrLst meth="repeat">
+      <a:schemeClr val="accent2"/>
+      <a:schemeClr val="accent3"/>
+      <a:schemeClr val="accent4"/>
+      <a:schemeClr val="accent5"/>
+      <a:schemeClr val="accent6"/>
+    </dgm:linClrLst>
+    <dgm:effectClrLst/>
+    <dgm:txLinClrLst/>
+    <dgm:txFillClrLst meth="repeat">
+      <a:schemeClr val="dk1"/>
+    </dgm:txFillClrLst>
+    <dgm:txEffectClrLst/>
+  </dgm:styleLbl>
+  <dgm:styleLbl name="solidFgAcc1">
+    <dgm:fillClrLst meth="repeat">
+      <a:schemeClr val="lt1"/>
+    </dgm:fillClrLst>
+    <dgm:linClrLst meth="repeat">
+      <a:schemeClr val="accent2"/>
+      <a:schemeClr val="accent3"/>
+      <a:schemeClr val="accent4"/>
+      <a:schemeClr val="accent5"/>
+      <a:schemeClr val="accent6"/>
+    </dgm:linClrLst>
+    <dgm:effectClrLst/>
+    <dgm:txLinClrLst/>
+    <dgm:txFillClrLst meth="repeat">
+      <a:schemeClr val="dk1"/>
+    </dgm:txFillClrLst>
+    <dgm:txEffectClrLst/>
+  </dgm:styleLbl>
+  <dgm:styleLbl name="solidAlignAcc1">
+    <dgm:fillClrLst meth="repeat">
+      <a:schemeClr val="lt1"/>
+    </dgm:fillClrLst>
+    <dgm:linClrLst meth="repeat">
+      <a:schemeClr val="accent2"/>
+      <a:schemeClr val="accent3"/>
+      <a:schemeClr val="accent4"/>
+      <a:schemeClr val="accent5"/>
+      <a:schemeClr val="accent6"/>
+    </dgm:linClrLst>
+    <dgm:effectClrLst/>
+    <dgm:txLinClrLst/>
+    <dgm:txFillClrLst meth="repeat">
+      <a:schemeClr val="dk1"/>
+    </dgm:txFillClrLst>
+    <dgm:txEffectClrLst/>
+  </dgm:styleLbl>
+  <dgm:styleLbl name="solidBgAcc1">
+    <dgm:fillClrLst meth="repeat">
+      <a:schemeClr val="lt1"/>
+    </dgm:fillClrLst>
+    <dgm:linClrLst meth="repeat">
+      <a:schemeClr val="accent2"/>
+      <a:schemeClr val="accent3"/>
+      <a:schemeClr val="accent4"/>
+      <a:schemeClr val="accent5"/>
+      <a:schemeClr val="accent6"/>
+    </dgm:linClrLst>
+    <dgm:effectClrLst/>
+    <dgm:txLinClrLst/>
+    <dgm:txFillClrLst meth="repeat">
+      <a:schemeClr val="dk1"/>
+    </dgm:txFillClrLst>
+    <dgm:txEffectClrLst/>
+  </dgm:styleLbl>
+  <dgm:styleLbl name="fgAccFollowNode1">
+    <dgm:fillClrLst meth="repeat">
+      <a:schemeClr val="accent2">
+        <a:tint val="40000"/>
+        <a:alpha val="90000"/>
+      </a:schemeClr>
+      <a:schemeClr val="accent3">
+        <a:tint val="40000"/>
+        <a:alpha val="90000"/>
+      </a:schemeClr>
+      <a:schemeClr val="accent4">
+        <a:tint val="40000"/>
+        <a:alpha val="90000"/>
+      </a:schemeClr>
+      <a:schemeClr val="accent5">
+        <a:tint val="40000"/>
+        <a:alpha val="90000"/>
+      </a:schemeClr>
+      <a:schemeClr val="accent6">
+        <a:tint val="40000"/>
+        <a:alpha val="90000"/>
+      </a:schemeClr>
+    </dgm:fillClrLst>
+    <dgm:linClrLst meth="repeat">
+      <a:schemeClr val="accent2">
+        <a:tint val="40000"/>
+        <a:alpha val="90000"/>
+      </a:schemeClr>
+      <a:schemeClr val="accent3">
+        <a:tint val="40000"/>
+        <a:alpha val="90000"/>
+      </a:schemeClr>
+      <a:schemeClr val="accent4">
+        <a:tint val="40000"/>
+        <a:alpha val="90000"/>
+      </a:schemeClr>
+      <a:schemeClr val="accent5">
+        <a:tint val="40000"/>
+        <a:alpha val="90000"/>
+      </a:schemeClr>
+      <a:schemeClr val="accent6">
+        <a:tint val="40000"/>
+        <a:alpha val="90000"/>
+      </a:schemeClr>
+    </dgm:linClrLst>
+    <dgm:effectClrLst/>
+    <dgm:txLinClrLst/>
+    <dgm:txFillClrLst meth="repeat">
+      <a:schemeClr val="dk1"/>
+    </dgm:txFillClrLst>
+    <dgm:txEffectClrLst/>
+  </dgm:styleLbl>
+  <dgm:styleLbl name="alignAccFollowNode1">
+    <dgm:fillClrLst meth="repeat">
+      <a:schemeClr val="accent2">
+        <a:tint val="40000"/>
+        <a:alpha val="90000"/>
+      </a:schemeClr>
+      <a:schemeClr val="accent3">
+        <a:tint val="40000"/>
+        <a:alpha val="90000"/>
+      </a:schemeClr>
+      <a:schemeClr val="accent4">
+        <a:tint val="40000"/>
+        <a:alpha val="90000"/>
+      </a:schemeClr>
+      <a:schemeClr val="accent5">
+        <a:tint val="40000"/>
+        <a:alpha val="90000"/>
+      </a:schemeClr>
+      <a:schemeClr val="accent6">
+        <a:tint val="40000"/>
+        <a:alpha val="90000"/>
+      </a:schemeClr>
+    </dgm:fillClrLst>
+    <dgm:linClrLst meth="repeat">
+      <a:schemeClr val="accent2">
+        <a:tint val="40000"/>
+        <a:alpha val="90000"/>
+      </a:schemeClr>
+      <a:schemeClr val="accent3">
+        <a:tint val="40000"/>
+        <a:alpha val="90000"/>
+      </a:schemeClr>
+      <a:schemeClr val="accent4">
+        <a:tint val="40000"/>
+        <a:alpha val="90000"/>
+      </a:schemeClr>
+      <a:schemeClr val="accent5">
+        <a:tint val="40000"/>
+        <a:alpha val="90000"/>
+      </a:schemeClr>
+      <a:schemeClr val="accent6">
+        <a:tint val="40000"/>
+        <a:alpha val="90000"/>
+      </a:schemeClr>
+    </dgm:linClrLst>
+    <dgm:effectClrLst/>
+    <dgm:txLinClrLst/>
+    <dgm:txFillClrLst meth="repeat">
+      <a:schemeClr val="dk1"/>
+    </dgm:txFillClrLst>
+    <dgm:txEffectClrLst/>
+  </dgm:styleLbl>
+  <dgm:styleLbl name="bgAccFollowNode1">
+    <dgm:fillClrLst meth="repeat">
+      <a:schemeClr val="accent2">
+        <a:tint val="40000"/>
+        <a:alpha val="90000"/>
+      </a:schemeClr>
+      <a:schemeClr val="accent3">
+        <a:tint val="40000"/>
+        <a:alpha val="90000"/>
+      </a:schemeClr>
+      <a:schemeClr val="accent4">
+        <a:tint val="40000"/>
+        <a:alpha val="90000"/>
+      </a:schemeClr>
+      <a:schemeClr val="accent5">
+        <a:tint val="40000"/>
+        <a:alpha val="90000"/>
+      </a:schemeClr>
+      <a:schemeClr val="accent6">
+        <a:tint val="40000"/>
+        <a:alpha val="90000"/>
+      </a:schemeClr>
+    </dgm:fillClrLst>
+    <dgm:linClrLst meth="repeat">
+      <a:schemeClr val="accent2">
+        <a:tint val="40000"/>
+        <a:alpha val="90000"/>
+      </a:schemeClr>
+      <a:schemeClr val="accent3">
+        <a:tint val="40000"/>
+        <a:alpha val="90000"/>
+      </a:schemeClr>
+      <a:schemeClr val="accent4">
+        <a:tint val="40000"/>
+        <a:alpha val="90000"/>
+      </a:schemeClr>
+      <a:schemeClr val="accent5">
+        <a:tint val="40000"/>
+        <a:alpha val="90000"/>
+      </a:schemeClr>
+      <a:schemeClr val="accent6">
+        <a:tint val="40000"/>
+        <a:alpha val="90000"/>
+      </a:schemeClr>
+    </dgm:linClrLst>
+    <dgm:effectClrLst/>
+    <dgm:txLinClrLst/>
+    <dgm:txFillClrLst meth="repeat">
+      <a:schemeClr val="dk1"/>
+    </dgm:txFillClrLst>
+    <dgm:txEffectClrLst/>
+  </dgm:styleLbl>
+  <dgm:styleLbl name="fgAcc0">
+    <dgm:fillClrLst meth="repeat">
+      <a:schemeClr val="lt1">
+        <a:alpha val="90000"/>
+      </a:schemeClr>
+    </dgm:fillClrLst>
+    <dgm:linClrLst>
+      <a:schemeClr val="accent1"/>
+    </dgm:linClrLst>
+    <dgm:effectClrLst/>
+    <dgm:txLinClrLst/>
+    <dgm:txFillClrLst meth="repeat">
+      <a:schemeClr val="dk1"/>
+    </dgm:txFillClrLst>
+    <dgm:txEffectClrLst/>
+  </dgm:styleLbl>
+  <dgm:styleLbl name="fgAcc2">
+    <dgm:fillClrLst meth="repeat">
+      <a:schemeClr val="lt1">
+        <a:alpha val="90000"/>
+      </a:schemeClr>
+    </dgm:fillClrLst>
+    <dgm:linClrLst>
+      <a:schemeClr val="accent2"/>
+    </dgm:linClrLst>
+    <dgm:effectClrLst/>
+    <dgm:txLinClrLst/>
+    <dgm:txFillClrLst meth="repeat">
+      <a:schemeClr val="dk1"/>
+    </dgm:txFillClrLst>
+    <dgm:txEffectClrLst/>
+  </dgm:styleLbl>
+  <dgm:styleLbl name="fgAcc3">
+    <dgm:fillClrLst meth="repeat">
+      <a:schemeClr val="lt1">
+        <a:alpha val="90000"/>
+      </a:schemeClr>
+    </dgm:fillClrLst>
+    <dgm:linClrLst>
+      <a:schemeClr val="accent3"/>
+    </dgm:linClrLst>
+    <dgm:effectClrLst/>
+    <dgm:txLinClrLst/>
+    <dgm:txFillClrLst meth="repeat">
+      <a:schemeClr val="dk1"/>
+    </dgm:txFillClrLst>
+    <dgm:txEffectClrLst/>
+  </dgm:styleLbl>
+  <dgm:styleLbl name="fgAcc4">
+    <dgm:fillClrLst meth="repeat">
+      <a:schemeClr val="lt1">
+        <a:alpha val="90000"/>
+      </a:schemeClr>
+    </dgm:fillClrLst>
+    <dgm:linClrLst>
+      <a:schemeClr val="accent4"/>
+    </dgm:linClrLst>
+    <dgm:effectClrLst/>
+    <dgm:txLinClrLst/>
+    <dgm:txFillClrLst meth="repeat">
+      <a:schemeClr val="dk1"/>
+    </dgm:txFillClrLst>
+    <dgm:txEffectClrLst/>
+  </dgm:styleLbl>
+  <dgm:styleLbl name="bgShp">
+    <dgm:fillClrLst meth="repeat">
+      <a:schemeClr val="bg1">
+        <a:lumMod val="95000"/>
+      </a:schemeClr>
+    </dgm:fillClrLst>
+    <dgm:linClrLst meth="repeat">
+      <a:schemeClr val="dk1"/>
+    </dgm:linClrLst>
+    <dgm:effectClrLst/>
+    <dgm:txLinClrLst/>
+    <dgm:txFillClrLst meth="repeat">
+      <a:schemeClr val="dk1"/>
+    </dgm:txFillClrLst>
+    <dgm:txEffectClrLst/>
+  </dgm:styleLbl>
+  <dgm:styleLbl name="dkBgShp">
+    <dgm:fillClrLst meth="repeat">
+      <a:schemeClr val="accent2">
+        <a:shade val="90000"/>
+      </a:schemeClr>
+    </dgm:fillClrLst>
+    <dgm:linClrLst meth="repeat">
+      <a:schemeClr val="dk1"/>
+    </dgm:linClrLst>
+    <dgm:effectClrLst/>
+    <dgm:txLinClrLst/>
+    <dgm:txFillClrLst meth="repeat">
+      <a:schemeClr val="lt1"/>
+    </dgm:txFillClrLst>
+    <dgm:txEffectClrLst/>
+  </dgm:styleLbl>
+  <dgm:styleLbl name="trBgShp">
+    <dgm:fillClrLst meth="repeat">
+      <a:schemeClr val="accent1">
+        <a:tint val="50000"/>
+        <a:alpha val="40000"/>
+      </a:schemeClr>
+    </dgm:fillClrLst>
+    <dgm:linClrLst meth="repeat">
+      <a:schemeClr val="accent2"/>
+    </dgm:linClrLst>
+    <dgm:effectClrLst/>
+    <dgm:txLinClrLst/>
+    <dgm:txFillClrLst meth="repeat">
+      <a:schemeClr val="lt1"/>
+    </dgm:txFillClrLst>
+    <dgm:txEffectClrLst/>
+  </dgm:styleLbl>
+  <dgm:styleLbl name="fgShp">
+    <dgm:fillClrLst meth="repeat">
+      <a:schemeClr val="accent2">
+        <a:tint val="40000"/>
+      </a:schemeClr>
+    </dgm:fillClrLst>
+    <dgm:linClrLst meth="repeat">
+      <a:schemeClr val="lt1"/>
+    </dgm:linClrLst>
+    <dgm:effectClrLst/>
+    <dgm:txLinClrLst/>
+    <dgm:txFillClrLst meth="repeat">
+      <a:schemeClr val="dk1"/>
+    </dgm:txFillClrLst>
+    <dgm:txEffectClrLst/>
+  </dgm:styleLbl>
+  <dgm:styleLbl name="revTx">
+    <dgm:fillClrLst meth="repeat">
+      <a:schemeClr val="lt1">
+        <a:alpha val="0"/>
+      </a:schemeClr>
+    </dgm:fillClrLst>
+    <dgm:linClrLst meth="repeat">
+      <a:schemeClr val="dk1">
+        <a:alpha val="0"/>
+      </a:schemeClr>
+    </dgm:linClrLst>
+    <dgm:effectClrLst/>
+    <dgm:txLinClrLst/>
+    <dgm:txFillClrLst meth="repeat">
+      <a:schemeClr val="tx1"/>
+    </dgm:txFillClrLst>
+    <dgm:txEffectClrLst/>
+  </dgm:styleLbl>
+</dgm:colorsDef>
+</file>
+
+<file path=ppt/diagrams/colors2.xml><?xml version="1.0" encoding="utf-8"?>
+<dgm:colorsDef xmlns:dgm="http://schemas.openxmlformats.org/drawingml/2006/diagram" xmlns:a="http://schemas.openxmlformats.org/drawingml/2006/main" uniqueId="urn:microsoft.com/office/officeart/2005/8/colors/accent0_3">
+  <dgm:title val=""/>
+  <dgm:desc val=""/>
+  <dgm:catLst>
+    <dgm:cat type="mainScheme" pri="10300"/>
+  </dgm:catLst>
+  <dgm:styleLbl name="node0">
+    <dgm:fillClrLst meth="repeat">
+      <a:schemeClr val="dk2"/>
+    </dgm:fillClrLst>
+    <dgm:linClrLst meth="repeat">
+      <a:schemeClr val="lt2"/>
+    </dgm:linClrLst>
+    <dgm:effectClrLst/>
+    <dgm:txLinClrLst/>
+    <dgm:txFillClrLst/>
+    <dgm:txEffectClrLst/>
+  </dgm:styleLbl>
+  <dgm:styleLbl name="alignNode1">
+    <dgm:fillClrLst meth="repeat">
+      <a:schemeClr val="dk2"/>
+    </dgm:fillClrLst>
+    <dgm:linClrLst meth="repeat">
+      <a:schemeClr val="dk2"/>
+    </dgm:linClrLst>
+    <dgm:effectClrLst/>
+    <dgm:txLinClrLst/>
+    <dgm:txFillClrLst/>
+    <dgm:txEffectClrLst/>
+  </dgm:styleLbl>
+  <dgm:styleLbl name="node1">
+    <dgm:fillClrLst meth="repeat">
+      <a:schemeClr val="dk2"/>
+    </dgm:fillClrLst>
+    <dgm:linClrLst meth="repeat">
+      <a:schemeClr val="lt2"/>
+    </dgm:linClrLst>
+    <dgm:effectClrLst/>
+    <dgm:txLinClrLst/>
+    <dgm:txFillClrLst/>
+    <dgm:txEffectClrLst/>
+  </dgm:styleLbl>
+  <dgm:styleLbl name="lnNode1">
+    <dgm:fillClrLst meth="repeat">
+      <a:schemeClr val="dk2"/>
+    </dgm:fillClrLst>
+    <dgm:linClrLst meth="repeat">
+      <a:schemeClr val="lt2"/>
+    </dgm:linClrLst>
+    <dgm:effectClrLst/>
+    <dgm:txLinClrLst/>
+    <dgm:txFillClrLst/>
+    <dgm:txEffectClrLst/>
+  </dgm:styleLbl>
+  <dgm:styleLbl name="vennNode1">
+    <dgm:fillClrLst meth="repeat">
+      <a:schemeClr val="dk2">
+        <a:alpha val="50000"/>
+      </a:schemeClr>
+    </dgm:fillClrLst>
+    <dgm:linClrLst meth="repeat">
+      <a:schemeClr val="lt2"/>
+    </dgm:linClrLst>
+    <dgm:effectClrLst/>
+    <dgm:txLinClrLst/>
+    <dgm:txFillClrLst/>
+    <dgm:txEffectClrLst/>
+  </dgm:styleLbl>
+  <dgm:styleLbl name="node2">
+    <dgm:fillClrLst meth="repeat">
+      <a:schemeClr val="dk2"/>
+    </dgm:fillClrLst>
+    <dgm:linClrLst meth="repeat">
+      <a:schemeClr val="lt2"/>
+    </dgm:linClrLst>
+    <dgm:effectClrLst/>
+    <dgm:txLinClrLst/>
+    <dgm:txFillClrLst/>
+    <dgm:txEffectClrLst/>
+  </dgm:styleLbl>
+  <dgm:styleLbl name="node3">
+    <dgm:fillClrLst meth="repeat">
+      <a:schemeClr val="dk2"/>
+    </dgm:fillClrLst>
+    <dgm:linClrLst meth="repeat">
+      <a:schemeClr val="lt2"/>
+    </dgm:linClrLst>
+    <dgm:effectClrLst/>
+    <dgm:txLinClrLst/>
+    <dgm:txFillClrLst/>
+    <dgm:txEffectClrLst/>
+  </dgm:styleLbl>
+  <dgm:styleLbl name="node4">
+    <dgm:fillClrLst meth="repeat">
+      <a:schemeClr val="dk2"/>
+    </dgm:fillClrLst>
+    <dgm:linClrLst meth="repeat">
+      <a:schemeClr val="lt2"/>
+    </dgm:linClrLst>
+    <dgm:effectClrLst/>
+    <dgm:txLinClrLst/>
+    <dgm:txFillClrLst/>
+    <dgm:txEffectClrLst/>
+  </dgm:styleLbl>
+  <dgm:styleLbl name="fgImgPlace1">
+    <dgm:fillClrLst meth="repeat">
+      <a:schemeClr val="dk2">
+        <a:tint val="50000"/>
+      </a:schemeClr>
+    </dgm:fillClrLst>
+    <dgm:linClrLst meth="repeat">
+      <a:schemeClr val="lt2"/>
+    </dgm:linClrLst>
+    <dgm:effectClrLst/>
+    <dgm:txLinClrLst/>
+    <dgm:txFillClrLst meth="repeat">
+      <a:schemeClr val="lt2"/>
+    </dgm:txFillClrLst>
+    <dgm:txEffectClrLst/>
+  </dgm:styleLbl>
+  <dgm:styleLbl name="alignImgPlace1">
+    <dgm:fillClrLst meth="repeat">
+      <a:schemeClr val="dk2">
+        <a:tint val="50000"/>
+      </a:schemeClr>
+    </dgm:fillClrLst>
+    <dgm:linClrLst meth="repeat">
+      <a:schemeClr val="dk2">
+        <a:shade val="80000"/>
+      </a:schemeClr>
+    </dgm:linClrLst>
+    <dgm:effectClrLst/>
+    <dgm:txLinClrLst/>
+    <dgm:txFillClrLst meth="repeat">
+      <a:schemeClr val="lt2"/>
+    </dgm:txFillClrLst>
+    <dgm:txEffectClrLst/>
+  </dgm:styleLbl>
+  <dgm:styleLbl name="bgImgPlace1">
+    <dgm:fillClrLst meth="repeat">
+      <a:schemeClr val="dk2">
+        <a:tint val="50000"/>
+      </a:schemeClr>
+    </dgm:fillClrLst>
+    <dgm:linClrLst meth="repeat">
+      <a:schemeClr val="dk2">
+        <a:shade val="80000"/>
+      </a:schemeClr>
+    </dgm:linClrLst>
+    <dgm:effectClrLst/>
+    <dgm:txLinClrLst/>
+    <dgm:txFillClrLst meth="repeat">
+      <a:schemeClr val="lt2"/>
+    </dgm:txFillClrLst>
+    <dgm:txEffectClrLst/>
+  </dgm:styleLbl>
+  <dgm:styleLbl name="sibTrans2D1">
+    <dgm:fillClrLst meth="repeat">
+      <a:schemeClr val="dk2">
+        <a:tint val="60000"/>
+      </a:schemeClr>
+    </dgm:fillClrLst>
+    <dgm:linClrLst meth="repeat">
+      <a:schemeClr val="dk2">
+        <a:tint val="60000"/>
+      </a:schemeClr>
+    </dgm:linClrLst>
+    <dgm:effectClrLst/>
+    <dgm:txLinClrLst/>
+    <dgm:txFillClrLst/>
+    <dgm:txEffectClrLst/>
+  </dgm:styleLbl>
+  <dgm:styleLbl name="fgSibTrans2D1">
+    <dgm:fillClrLst meth="repeat">
+      <a:schemeClr val="dk2">
+        <a:tint val="60000"/>
+      </a:schemeClr>
+    </dgm:fillClrLst>
+    <dgm:linClrLst meth="repeat">
+      <a:schemeClr val="dk2">
+        <a:tint val="60000"/>
+      </a:schemeClr>
+    </dgm:linClrLst>
+    <dgm:effectClrLst/>
+    <dgm:txLinClrLst/>
+    <dgm:txFillClrLst/>
+    <dgm:txEffectClrLst/>
+  </dgm:styleLbl>
+  <dgm:styleLbl name="bgSibTrans2D1">
+    <dgm:fillClrLst meth="repeat">
+      <a:schemeClr val="dk2">
+        <a:tint val="60000"/>
+      </a:schemeClr>
+    </dgm:fillClrLst>
+    <dgm:linClrLst meth="repeat">
+      <a:schemeClr val="dk2">
+        <a:tint val="60000"/>
+      </a:schemeClr>
+    </dgm:linClrLst>
+    <dgm:effectClrLst/>
+    <dgm:txLinClrLst/>
+    <dgm:txFillClrLst/>
+    <dgm:txEffectClrLst/>
+  </dgm:styleLbl>
+  <dgm:styleLbl name="sibTrans1D1">
+    <dgm:fillClrLst meth="repeat">
+      <a:schemeClr val="dk2"/>
+    </dgm:fillClrLst>
+    <dgm:linClrLst meth="repeat">
+      <a:schemeClr val="dk2"/>
+    </dgm:linClrLst>
+    <dgm:effectClrLst/>
+    <dgm:txLinClrLst/>
+    <dgm:txFillClrLst meth="repeat">
+      <a:schemeClr val="lt2"/>
+    </dgm:txFillClrLst>
+    <dgm:txEffectClrLst/>
+  </dgm:styleLbl>
+  <dgm:styleLbl name="callout">
+    <dgm:fillClrLst meth="repeat">
+      <a:schemeClr val="dk2"/>
+    </dgm:fillClrLst>
+    <dgm:linClrLst meth="repeat">
+      <a:schemeClr val="dk2">
+        <a:tint val="50000"/>
+      </a:schemeClr>
+    </dgm:linClrLst>
+    <dgm:effectClrLst/>
+    <dgm:txLinClrLst/>
+    <dgm:txFillClrLst meth="repeat">
+      <a:schemeClr val="lt2"/>
+    </dgm:txFillClrLst>
+    <dgm:txEffectClrLst/>
+  </dgm:styleLbl>
+  <dgm:styleLbl name="asst0">
+    <dgm:fillClrLst meth="repeat">
+      <a:schemeClr val="dk2"/>
+    </dgm:fillClrLst>
+    <dgm:linClrLst meth="repeat">
+      <a:schemeClr val="lt2"/>
+    </dgm:linClrLst>
+    <dgm:effectClrLst/>
+    <dgm:txLinClrLst/>
+    <dgm:txFillClrLst/>
+    <dgm:txEffectClrLst/>
+  </dgm:styleLbl>
+  <dgm:styleLbl name="asst1">
+    <dgm:fillClrLst meth="repeat">
+      <a:schemeClr val="dk2"/>
+    </dgm:fillClrLst>
+    <dgm:linClrLst meth="repeat">
+      <a:schemeClr val="lt2"/>
+    </dgm:linClrLst>
+    <dgm:effectClrLst/>
+    <dgm:txLinClrLst/>
+    <dgm:txFillClrLst/>
+    <dgm:txEffectClrLst/>
+  </dgm:styleLbl>
+  <dgm:styleLbl name="asst2">
+    <dgm:fillClrLst meth="repeat">
+      <a:schemeClr val="dk2"/>
+    </dgm:fillClrLst>
+    <dgm:linClrLst meth="repeat">
+      <a:schemeClr val="lt2"/>
+    </dgm:linClrLst>
+    <dgm:effectClrLst/>
+    <dgm:txLinClrLst/>
+    <dgm:txFillClrLst/>
+    <dgm:txEffectClrLst/>
+  </dgm:styleLbl>
+  <dgm:styleLbl name="asst3">
+    <dgm:fillClrLst meth="repeat">
+      <a:schemeClr val="dk2"/>
+    </dgm:fillClrLst>
+    <dgm:linClrLst meth="repeat">
+      <a:schemeClr val="lt2"/>
+    </dgm:linClrLst>
+    <dgm:effectClrLst/>
+    <dgm:txLinClrLst/>
+    <dgm:txFillClrLst/>
+    <dgm:txEffectClrLst/>
+  </dgm:styleLbl>
+  <dgm:styleLbl name="asst4">
+    <dgm:fillClrLst meth="repeat">
+      <a:schemeClr val="dk2"/>
+    </dgm:fillClrLst>
+    <dgm:linClrLst meth="repeat">
+      <a:schemeClr val="lt2"/>
+    </dgm:linClrLst>
+    <dgm:effectClrLst/>
+    <dgm:txLinClrLst/>
+    <dgm:txFillClrLst/>
+    <dgm:txEffectClrLst/>
+  </dgm:styleLbl>
+  <dgm:styleLbl name="parChTrans2D1">
+    <dgm:fillClrLst meth="repeat">
+      <a:schemeClr val="dk2">
+        <a:tint val="60000"/>
+      </a:schemeClr>
+    </dgm:fillClrLst>
+    <dgm:linClrLst meth="repeat">
+      <a:schemeClr val="dk2">
+        <a:tint val="60000"/>
+      </a:schemeClr>
+    </dgm:linClrLst>
+    <dgm:effectClrLst/>
+    <dgm:txLinClrLst/>
+    <dgm:txFillClrLst meth="repeat">
+      <a:schemeClr val="lt2"/>
+    </dgm:txFillClrLst>
+    <dgm:txEffectClrLst/>
+  </dgm:styleLbl>
+  <dgm:styleLbl name="parChTrans2D2">
+    <dgm:fillClrLst meth="repeat">
+      <a:schemeClr val="dk2"/>
+    </dgm:fillClrLst>
+    <dgm:linClrLst meth="repeat">
+      <a:schemeClr val="dk2"/>
+    </dgm:linClrLst>
+    <dgm:effectClrLst/>
+    <dgm:txLinClrLst/>
+    <dgm:txFillClrLst meth="repeat">
+      <a:schemeClr val="lt2"/>
+    </dgm:txFillClrLst>
+    <dgm:txEffectClrLst/>
+  </dgm:styleLbl>
+  <dgm:styleLbl name="parChTrans2D3">
+    <dgm:fillClrLst meth="repeat">
+      <a:schemeClr val="dk2"/>
+    </dgm:fillClrLst>
+    <dgm:linClrLst meth="repeat">
+      <a:schemeClr val="dk2"/>
+    </dgm:linClrLst>
+    <dgm:effectClrLst/>
+    <dgm:txLinClrLst/>
+    <dgm:txFillClrLst meth="repeat">
+      <a:schemeClr val="lt2"/>
+    </dgm:txFillClrLst>
+    <dgm:txEffectClrLst/>
+  </dgm:styleLbl>
+  <dgm:styleLbl name="parChTrans2D4">
+    <dgm:fillClrLst meth="repeat">
+      <a:schemeClr val="dk2"/>
+    </dgm:fillClrLst>
+    <dgm:linClrLst meth="repeat">
+      <a:schemeClr val="dk2"/>
+    </dgm:linClrLst>
+    <dgm:effectClrLst/>
+    <dgm:txLinClrLst/>
+    <dgm:txFillClrLst meth="repeat">
+      <a:schemeClr val="lt2"/>
+    </dgm:txFillClrLst>
+    <dgm:txEffectClrLst/>
+  </dgm:styleLbl>
+  <dgm:styleLbl name="parChTrans1D1">
+    <dgm:fillClrLst meth="repeat">
+      <a:schemeClr val="dk2"/>
+    </dgm:fillClrLst>
+    <dgm:linClrLst meth="repeat">
+      <a:schemeClr val="dk2">
+        <a:shade val="60000"/>
+      </a:schemeClr>
+    </dgm:linClrLst>
+    <dgm:effectClrLst/>
+    <dgm:txLinClrLst/>
+    <dgm:txFillClrLst meth="repeat">
+      <a:schemeClr val="tx1"/>
+    </dgm:txFillClrLst>
+    <dgm:txEffectClrLst/>
+  </dgm:styleLbl>
+  <dgm:styleLbl name="parChTrans1D2">
+    <dgm:fillClrLst meth="repeat">
+      <a:schemeClr val="dk2"/>
+    </dgm:fillClrLst>
+    <dgm:linClrLst meth="repeat">
+      <a:schemeClr val="dk2">
+        <a:shade val="60000"/>
+      </a:schemeClr>
+    </dgm:linClrLst>
+    <dgm:effectClrLst/>
+    <dgm:txLinClrLst/>
+    <dgm:txFillClrLst meth="repeat">
+      <a:schemeClr val="tx1"/>
+    </dgm:txFillClrLst>
+    <dgm:txEffectClrLst/>
+  </dgm:styleLbl>
+  <dgm:styleLbl name="parChTrans1D3">
+    <dgm:fillClrLst meth="repeat">
+      <a:schemeClr val="dk2"/>
+    </dgm:fillClrLst>
+    <dgm:linClrLst meth="repeat">
+      <a:schemeClr val="dk2">
+        <a:shade val="80000"/>
+      </a:schemeClr>
+    </dgm:linClrLst>
+    <dgm:effectClrLst/>
+    <dgm:txLinClrLst/>
+    <dgm:txFillClrLst meth="repeat">
+      <a:schemeClr val="tx1"/>
+    </dgm:txFillClrLst>
+    <dgm:txEffectClrLst/>
+  </dgm:styleLbl>
+  <dgm:styleLbl name="parChTrans1D4">
+    <dgm:fillClrLst meth="repeat">
+      <a:schemeClr val="dk2"/>
+    </dgm:fillClrLst>
+    <dgm:linClrLst meth="repeat">
+      <a:schemeClr val="dk2">
+        <a:shade val="80000"/>
+      </a:schemeClr>
+    </dgm:linClrLst>
+    <dgm:effectClrLst/>
+    <dgm:txLinClrLst/>
+    <dgm:txFillClrLst meth="repeat">
+      <a:schemeClr val="tx1"/>
+    </dgm:txFillClrLst>
+    <dgm:txEffectClrLst/>
+  </dgm:styleLbl>
+  <dgm:styleLbl name="fgAcc1">
+    <dgm:fillClrLst meth="repeat">
+      <a:schemeClr val="lt2">
+        <a:alpha val="90000"/>
+      </a:schemeClr>
+    </dgm:fillClrLst>
+    <dgm:linClrLst meth="repeat">
+      <a:schemeClr val="dk2"/>
+    </dgm:linClrLst>
+    <dgm:effectClrLst/>
+    <dgm:txLinClrLst/>
+    <dgm:txFillClrLst meth="repeat">
+      <a:schemeClr val="dk1"/>
+    </dgm:txFillClrLst>
+    <dgm:txEffectClrLst/>
+  </dgm:styleLbl>
+  <dgm:styleLbl name="conFgAcc1">
+    <dgm:fillClrLst meth="repeat">
+      <a:schemeClr val="lt2">
+        <a:alpha val="90000"/>
+      </a:schemeClr>
+    </dgm:fillClrLst>
+    <dgm:linClrLst meth="repeat">
+      <a:schemeClr val="dk2"/>
+    </dgm:linClrLst>
+    <dgm:effectClrLst/>
+    <dgm:txLinClrLst/>
+    <dgm:txFillClrLst meth="repeat">
+      <a:schemeClr val="dk1"/>
+    </dgm:txFillClrLst>
+    <dgm:txEffectClrLst/>
+  </dgm:styleLbl>
+  <dgm:styleLbl name="alignAcc1">
+    <dgm:fillClrLst meth="repeat">
+      <a:schemeClr val="lt2">
+        <a:alpha val="90000"/>
+      </a:schemeClr>
+    </dgm:fillClrLst>
+    <dgm:linClrLst meth="repeat">
+      <a:schemeClr val="dk2"/>
+    </dgm:linClrLst>
+    <dgm:effectClrLst/>
+    <dgm:txLinClrLst/>
+    <dgm:txFillClrLst meth="repeat">
+      <a:schemeClr val="dk1"/>
+    </dgm:txFillClrLst>
+    <dgm:txEffectClrLst/>
+  </dgm:styleLbl>
+  <dgm:styleLbl name="trAlignAcc1">
+    <dgm:fillClrLst meth="repeat">
+      <a:schemeClr val="lt2">
+        <a:alpha val="40000"/>
+      </a:schemeClr>
+    </dgm:fillClrLst>
+    <dgm:linClrLst meth="repeat">
+      <a:schemeClr val="dk2"/>
+    </dgm:linClrLst>
+    <dgm:effectClrLst/>
+    <dgm:txLinClrLst/>
+    <dgm:txFillClrLst meth="repeat">
+      <a:schemeClr val="dk1"/>
+    </dgm:txFillClrLst>
+    <dgm:txEffectClrLst/>
+  </dgm:styleLbl>
+  <dgm:styleLbl name="bgAcc1">
+    <dgm:fillClrLst meth="repeat">
+      <a:schemeClr val="lt2">
+        <a:alpha val="90000"/>
+      </a:schemeClr>
+    </dgm:fillClrLst>
+    <dgm:linClrLst meth="repeat">
+      <a:schemeClr val="dk2"/>
+    </dgm:linClrLst>
+    <dgm:effectClrLst/>
+    <dgm:txLinClrLst/>
+    <dgm:txFillClrLst meth="repeat">
+      <a:schemeClr val="dk1"/>
+    </dgm:txFillClrLst>
+    <dgm:txEffectClrLst/>
+  </dgm:styleLbl>
+  <dgm:styleLbl name="solidFgAcc1">
+    <dgm:fillClrLst meth="repeat">
+      <a:schemeClr val="lt2"/>
+    </dgm:fillClrLst>
+    <dgm:linClrLst meth="repeat">
+      <a:schemeClr val="dk2"/>
+    </dgm:linClrLst>
+    <dgm:effectClrLst/>
+    <dgm:txLinClrLst/>
+    <dgm:txFillClrLst meth="repeat">
+      <a:schemeClr val="dk1"/>
+    </dgm:txFillClrLst>
+    <dgm:txEffectClrLst/>
+  </dgm:styleLbl>
+  <dgm:styleLbl name="solidAlignAcc1">
+    <dgm:fillClrLst meth="repeat">
+      <a:schemeClr val="lt2"/>
+    </dgm:fillClrLst>
+    <dgm:linClrLst meth="repeat">
+      <a:schemeClr val="dk2"/>
+    </dgm:linClrLst>
+    <dgm:effectClrLst/>
+    <dgm:txLinClrLst/>
+    <dgm:txFillClrLst meth="repeat">
+      <a:schemeClr val="dk1"/>
+    </dgm:txFillClrLst>
+    <dgm:txEffectClrLst/>
+  </dgm:styleLbl>
+  <dgm:styleLbl name="solidBgAcc1">
+    <dgm:fillClrLst meth="repeat">
+      <a:schemeClr val="lt2"/>
+    </dgm:fillClrLst>
+    <dgm:linClrLst meth="repeat">
+      <a:schemeClr val="dk2"/>
+    </dgm:linClrLst>
+    <dgm:effectClrLst/>
+    <dgm:txLinClrLst/>
+    <dgm:txFillClrLst meth="repeat">
+      <a:schemeClr val="dk1"/>
+    </dgm:txFillClrLst>
+    <dgm:txEffectClrLst/>
+  </dgm:styleLbl>
+  <dgm:styleLbl name="fgAccFollowNode1">
+    <dgm:fillClrLst meth="repeat">
+      <a:schemeClr val="dk2">
+        <a:alpha val="90000"/>
+        <a:tint val="40000"/>
+      </a:schemeClr>
+    </dgm:fillClrLst>
+    <dgm:linClrLst meth="repeat">
+      <a:schemeClr val="dk2">
+        <a:alpha val="90000"/>
+        <a:tint val="40000"/>
+      </a:schemeClr>
+    </dgm:linClrLst>
+    <dgm:effectClrLst/>
+    <dgm:txLinClrLst/>
+    <dgm:txFillClrLst meth="repeat">
+      <a:schemeClr val="dk1"/>
+    </dgm:txFillClrLst>
+    <dgm:txEffectClrLst/>
+  </dgm:styleLbl>
+  <dgm:styleLbl name="alignAccFollowNode1">
+    <dgm:fillClrLst meth="repeat">
+      <a:schemeClr val="dk2">
+        <a:alpha val="90000"/>
+        <a:tint val="40000"/>
+      </a:schemeClr>
+    </dgm:fillClrLst>
+    <dgm:linClrLst meth="repeat">
+      <a:schemeClr val="dk2">
+        <a:alpha val="90000"/>
+        <a:tint val="40000"/>
+      </a:schemeClr>
+    </dgm:linClrLst>
+    <dgm:effectClrLst/>
+    <dgm:txLinClrLst/>
+    <dgm:txFillClrLst meth="repeat">
+      <a:schemeClr val="dk1"/>
+    </dgm:txFillClrLst>
+    <dgm:txEffectClrLst/>
+  </dgm:styleLbl>
+  <dgm:styleLbl name="bgAccFollowNode1">
+    <dgm:fillClrLst meth="repeat">
+      <a:schemeClr val="dk2">
+        <a:alpha val="90000"/>
+        <a:tint val="40000"/>
+      </a:schemeClr>
+    </dgm:fillClrLst>
+    <dgm:linClrLst meth="repeat">
+      <a:schemeClr val="dk2">
+        <a:alpha val="90000"/>
+        <a:tint val="40000"/>
+      </a:schemeClr>
+    </dgm:linClrLst>
+    <dgm:effectClrLst/>
+    <dgm:txLinClrLst/>
+    <dgm:txFillClrLst meth="repeat">
+      <a:schemeClr val="dk1"/>
+    </dgm:txFillClrLst>
+    <dgm:txEffectClrLst/>
+  </dgm:styleLbl>
+  <dgm:styleLbl name="fgAcc0">
+    <dgm:fillClrLst meth="repeat">
+      <a:schemeClr val="lt2">
+        <a:alpha val="90000"/>
+      </a:schemeClr>
+    </dgm:fillClrLst>
+    <dgm:linClrLst meth="repeat">
+      <a:schemeClr val="dk2"/>
+    </dgm:linClrLst>
+    <dgm:effectClrLst/>
+    <dgm:txLinClrLst/>
+    <dgm:txFillClrLst meth="repeat">
+      <a:schemeClr val="dk1"/>
+    </dgm:txFillClrLst>
+    <dgm:txEffectClrLst/>
+  </dgm:styleLbl>
+  <dgm:styleLbl name="fgAcc2">
+    <dgm:fillClrLst meth="repeat">
+      <a:schemeClr val="lt2">
+        <a:alpha val="90000"/>
+      </a:schemeClr>
+    </dgm:fillClrLst>
+    <dgm:linClrLst meth="repeat">
+      <a:schemeClr val="dk2"/>
+    </dgm:linClrLst>
+    <dgm:effectClrLst/>
+    <dgm:txLinClrLst/>
+    <dgm:txFillClrLst meth="repeat">
+      <a:schemeClr val="dk1"/>
+    </dgm:txFillClrLst>
+    <dgm:txEffectClrLst/>
+  </dgm:styleLbl>
+  <dgm:styleLbl name="fgAcc3">
+    <dgm:fillClrLst meth="repeat">
+      <a:schemeClr val="lt2">
+        <a:alpha val="90000"/>
+      </a:schemeClr>
+    </dgm:fillClrLst>
+    <dgm:linClrLst meth="repeat">
+      <a:schemeClr val="dk2"/>
+    </dgm:linClrLst>
+    <dgm:effectClrLst/>
+    <dgm:txLinClrLst/>
+    <dgm:txFillClrLst meth="repeat">
+      <a:schemeClr val="dk1"/>
+    </dgm:txFillClrLst>
+    <dgm:txEffectClrLst/>
+  </dgm:styleLbl>
+  <dgm:styleLbl name="fgAcc4">
+    <dgm:fillClrLst meth="repeat">
+      <a:schemeClr val="lt2">
+        <a:alpha val="90000"/>
+      </a:schemeClr>
+    </dgm:fillClrLst>
+    <dgm:linClrLst meth="repeat">
+      <a:schemeClr val="dk2"/>
+    </dgm:linClrLst>
+    <dgm:effectClrLst/>
+    <dgm:txLinClrLst/>
+    <dgm:txFillClrLst meth="repeat">
+      <a:schemeClr val="dk1"/>
+    </dgm:txFillClrLst>
+    <dgm:txEffectClrLst/>
+  </dgm:styleLbl>
+  <dgm:styleLbl name="bgShp">
+    <dgm:fillClrLst meth="repeat">
+      <a:schemeClr val="dk2">
+        <a:tint val="40000"/>
+      </a:schemeClr>
+    </dgm:fillClrLst>
+    <dgm:linClrLst meth="repeat">
+      <a:schemeClr val="dk2"/>
+    </dgm:linClrLst>
+    <dgm:effectClrLst/>
+    <dgm:txLinClrLst/>
+    <dgm:txFillClrLst meth="repeat">
+      <a:schemeClr val="dk1"/>
+    </dgm:txFillClrLst>
+    <dgm:txEffectClrLst/>
+  </dgm:styleLbl>
+  <dgm:styleLbl name="dkBgShp">
+    <dgm:fillClrLst meth="repeat">
+      <a:schemeClr val="dk2">
+        <a:shade val="80000"/>
+      </a:schemeClr>
+    </dgm:fillClrLst>
+    <dgm:linClrLst meth="repeat">
+      <a:schemeClr val="dk2"/>
+    </dgm:linClrLst>
+    <dgm:effectClrLst/>
+    <dgm:txLinClrLst/>
+    <dgm:txFillClrLst meth="repeat">
+      <a:schemeClr val="lt1"/>
+    </dgm:txFillClrLst>
+    <dgm:txEffectClrLst/>
+  </dgm:styleLbl>
+  <dgm:styleLbl name="trBgShp">
+    <dgm:fillClrLst meth="repeat">
+      <a:schemeClr val="dk2">
+        <a:tint val="50000"/>
+        <a:alpha val="40000"/>
+      </a:schemeClr>
+    </dgm:fillClrLst>
+    <dgm:linClrLst meth="repeat">
+      <a:schemeClr val="dk2"/>
+    </dgm:linClrLst>
+    <dgm:effectClrLst/>
+    <dgm:txLinClrLst/>
+    <dgm:txFillClrLst meth="repeat">
+      <a:schemeClr val="lt1"/>
+    </dgm:txFillClrLst>
+    <dgm:txEffectClrLst/>
+  </dgm:styleLbl>
+  <dgm:styleLbl name="fgShp">
+    <dgm:fillClrLst meth="repeat">
+      <a:schemeClr val="dk2">
+        <a:tint val="60000"/>
+      </a:schemeClr>
+    </dgm:fillClrLst>
+    <dgm:linClrLst meth="repeat">
+      <a:schemeClr val="lt2"/>
+    </dgm:linClrLst>
+    <dgm:effectClrLst/>
+    <dgm:txLinClrLst/>
+    <dgm:txFillClrLst meth="repeat">
+      <a:schemeClr val="dk1"/>
+    </dgm:txFillClrLst>
+    <dgm:txEffectClrLst/>
+  </dgm:styleLbl>
+  <dgm:styleLbl name="revTx">
+    <dgm:fillClrLst meth="repeat">
+      <a:schemeClr val="lt2">
+        <a:alpha val="0"/>
+      </a:schemeClr>
+    </dgm:fillClrLst>
+    <dgm:linClrLst meth="repeat">
+      <a:schemeClr val="dk1">
+        <a:alpha val="0"/>
+      </a:schemeClr>
+    </dgm:linClrLst>
+    <dgm:effectClrLst/>
+    <dgm:txLinClrLst/>
+    <dgm:txFillClrLst meth="repeat">
+      <a:schemeClr val="tx1"/>
+    </dgm:txFillClrLst>
+    <dgm:txEffectClrLst/>
+  </dgm:styleLbl>
+</dgm:colorsDef>
+</file>
+
+<file path=ppt/diagrams/colors3.xml><?xml version="1.0" encoding="utf-8"?>
 <dgm:colorsDef xmlns:dgm="http://schemas.openxmlformats.org/drawingml/2006/diagram" xmlns:a="http://schemas.openxmlformats.org/drawingml/2006/main" uniqueId="urn:microsoft.com/office/officeart/2005/8/colors/colorful2">
   <dgm:title val=""/>
   <dgm:desc val=""/>
@@ -904,6 +2577,840 @@
 </file>
 
 <file path=ppt/diagrams/data1.xml><?xml version="1.0" encoding="utf-8"?>
+<dgm:dataModel xmlns:dgm="http://schemas.openxmlformats.org/drawingml/2006/diagram" xmlns:a="http://schemas.openxmlformats.org/drawingml/2006/main">
+  <dgm:ptLst>
+    <dgm:pt modelId="{2C0ADE8A-F533-48EB-9199-19A2326B2101}" type="doc">
+      <dgm:prSet loTypeId="urn:microsoft.com/office/officeart/2018/2/layout/IconVerticalSolidList" loCatId="icon" qsTypeId="urn:microsoft.com/office/officeart/2005/8/quickstyle/simple1" qsCatId="simple" csTypeId="urn:microsoft.com/office/officeart/2018/5/colors/Iconchunking_neutralbg_colorful1" csCatId="colorful" phldr="1"/>
+      <dgm:spPr/>
+      <dgm:t>
+        <a:bodyPr/>
+        <a:lstStyle/>
+        <a:p>
+          <a:endParaRPr lang="en-US"/>
+        </a:p>
+      </dgm:t>
+    </dgm:pt>
+    <dgm:pt modelId="{28158B83-B023-42A4-885F-722A1E2414C5}">
+      <dgm:prSet/>
+      <dgm:spPr/>
+      <dgm:t>
+        <a:bodyPr/>
+        <a:lstStyle/>
+        <a:p>
+          <a:pPr>
+            <a:lnSpc>
+              <a:spcPct val="100000"/>
+            </a:lnSpc>
+          </a:pPr>
+          <a:r>
+            <a:rPr lang="en-US"/>
+            <a:t>JIT compiled</a:t>
+          </a:r>
+        </a:p>
+      </dgm:t>
+    </dgm:pt>
+    <dgm:pt modelId="{C6A179A9-681D-4E54-BD79-9D001E22D8C3}" type="parTrans" cxnId="{27CB00B1-BC85-404B-8DDE-F48ED51319BE}">
+      <dgm:prSet/>
+      <dgm:spPr/>
+      <dgm:t>
+        <a:bodyPr/>
+        <a:lstStyle/>
+        <a:p>
+          <a:endParaRPr lang="en-US"/>
+        </a:p>
+      </dgm:t>
+    </dgm:pt>
+    <dgm:pt modelId="{3C00A179-1223-4F2E-A0EF-46C891575E31}" type="sibTrans" cxnId="{27CB00B1-BC85-404B-8DDE-F48ED51319BE}">
+      <dgm:prSet/>
+      <dgm:spPr/>
+      <dgm:t>
+        <a:bodyPr/>
+        <a:lstStyle/>
+        <a:p>
+          <a:pPr>
+            <a:lnSpc>
+              <a:spcPct val="100000"/>
+            </a:lnSpc>
+          </a:pPr>
+          <a:endParaRPr lang="en-US"/>
+        </a:p>
+      </dgm:t>
+    </dgm:pt>
+    <dgm:pt modelId="{10949E15-59E3-45D7-9F64-28AF18EE7D60}">
+      <dgm:prSet/>
+      <dgm:spPr/>
+      <dgm:t>
+        <a:bodyPr/>
+        <a:lstStyle/>
+        <a:p>
+          <a:pPr>
+            <a:lnSpc>
+              <a:spcPct val="100000"/>
+            </a:lnSpc>
+          </a:pPr>
+          <a:r>
+            <a:rPr lang="en-US"/>
+            <a:t>Cached compilation</a:t>
+          </a:r>
+        </a:p>
+      </dgm:t>
+    </dgm:pt>
+    <dgm:pt modelId="{559E3AA8-A47C-4531-ABD0-C6125E0EBAD3}" type="parTrans" cxnId="{070605F5-57EC-41E2-A931-F42B6F26A7FC}">
+      <dgm:prSet/>
+      <dgm:spPr/>
+      <dgm:t>
+        <a:bodyPr/>
+        <a:lstStyle/>
+        <a:p>
+          <a:endParaRPr lang="en-US"/>
+        </a:p>
+      </dgm:t>
+    </dgm:pt>
+    <dgm:pt modelId="{17C7C794-6885-4E36-8780-C96601821B3C}" type="sibTrans" cxnId="{070605F5-57EC-41E2-A931-F42B6F26A7FC}">
+      <dgm:prSet/>
+      <dgm:spPr/>
+      <dgm:t>
+        <a:bodyPr/>
+        <a:lstStyle/>
+        <a:p>
+          <a:pPr>
+            <a:lnSpc>
+              <a:spcPct val="100000"/>
+            </a:lnSpc>
+          </a:pPr>
+          <a:endParaRPr lang="en-US"/>
+        </a:p>
+      </dgm:t>
+    </dgm:pt>
+    <dgm:pt modelId="{6364A03E-3A09-4ED0-A6BA-BD5D016F3375}">
+      <dgm:prSet/>
+      <dgm:spPr/>
+      <dgm:t>
+        <a:bodyPr/>
+        <a:lstStyle/>
+        <a:p>
+          <a:pPr>
+            <a:lnSpc>
+              <a:spcPct val="100000"/>
+            </a:lnSpc>
+          </a:pPr>
+          <a:r>
+            <a:rPr lang="en-US"/>
+            <a:t>Type Inference</a:t>
+          </a:r>
+        </a:p>
+      </dgm:t>
+    </dgm:pt>
+    <dgm:pt modelId="{BB465AEF-FE25-47E9-84CB-9FBF0C69C0F9}" type="parTrans" cxnId="{4F0C69ED-A4D4-45A0-817D-8CCB9BD524FE}">
+      <dgm:prSet/>
+      <dgm:spPr/>
+      <dgm:t>
+        <a:bodyPr/>
+        <a:lstStyle/>
+        <a:p>
+          <a:endParaRPr lang="en-US"/>
+        </a:p>
+      </dgm:t>
+    </dgm:pt>
+    <dgm:pt modelId="{76F1F840-6C6F-48B2-B0D3-2D132203B47D}" type="sibTrans" cxnId="{4F0C69ED-A4D4-45A0-817D-8CCB9BD524FE}">
+      <dgm:prSet/>
+      <dgm:spPr/>
+      <dgm:t>
+        <a:bodyPr/>
+        <a:lstStyle/>
+        <a:p>
+          <a:pPr>
+            <a:lnSpc>
+              <a:spcPct val="100000"/>
+            </a:lnSpc>
+          </a:pPr>
+          <a:endParaRPr lang="en-US"/>
+        </a:p>
+      </dgm:t>
+    </dgm:pt>
+    <dgm:pt modelId="{BDDCD636-49D6-446B-B2F1-8F065972553C}">
+      <dgm:prSet/>
+      <dgm:spPr/>
+      <dgm:t>
+        <a:bodyPr/>
+        <a:lstStyle/>
+        <a:p>
+          <a:pPr>
+            <a:lnSpc>
+              <a:spcPct val="100000"/>
+            </a:lnSpc>
+          </a:pPr>
+          <a:r>
+            <a:rPr lang="en-US"/>
+            <a:t>Multiple Dispatch</a:t>
+          </a:r>
+        </a:p>
+      </dgm:t>
+    </dgm:pt>
+    <dgm:pt modelId="{5F401412-5278-4284-ACE7-C1E381DBE2A7}" type="parTrans" cxnId="{9CCE8D56-E926-43A7-A897-CD3BCB82FCFC}">
+      <dgm:prSet/>
+      <dgm:spPr/>
+      <dgm:t>
+        <a:bodyPr/>
+        <a:lstStyle/>
+        <a:p>
+          <a:endParaRPr lang="en-US"/>
+        </a:p>
+      </dgm:t>
+    </dgm:pt>
+    <dgm:pt modelId="{73D166B1-92B9-4634-A458-F9EF42F1A10D}" type="sibTrans" cxnId="{9CCE8D56-E926-43A7-A897-CD3BCB82FCFC}">
+      <dgm:prSet/>
+      <dgm:spPr/>
+      <dgm:t>
+        <a:bodyPr/>
+        <a:lstStyle/>
+        <a:p>
+          <a:endParaRPr lang="en-US"/>
+        </a:p>
+      </dgm:t>
+    </dgm:pt>
+    <dgm:pt modelId="{D84016E4-58BD-40FA-B7F6-4303347DD98C}" type="pres">
+      <dgm:prSet presAssocID="{2C0ADE8A-F533-48EB-9199-19A2326B2101}" presName="root" presStyleCnt="0">
+        <dgm:presLayoutVars>
+          <dgm:dir/>
+          <dgm:resizeHandles val="exact"/>
+        </dgm:presLayoutVars>
+      </dgm:prSet>
+      <dgm:spPr/>
+    </dgm:pt>
+    <dgm:pt modelId="{F07A3A64-2517-40A4-BC89-98F65B363D86}" type="pres">
+      <dgm:prSet presAssocID="{28158B83-B023-42A4-885F-722A1E2414C5}" presName="compNode" presStyleCnt="0"/>
+      <dgm:spPr/>
+    </dgm:pt>
+    <dgm:pt modelId="{F5C48B4C-8060-4E75-8ACF-E747ACF8BC75}" type="pres">
+      <dgm:prSet presAssocID="{28158B83-B023-42A4-885F-722A1E2414C5}" presName="bgRect" presStyleLbl="bgShp" presStyleIdx="0" presStyleCnt="4"/>
+      <dgm:spPr/>
+    </dgm:pt>
+    <dgm:pt modelId="{706D5633-3D99-4AFA-A740-8440EAC7119D}" type="pres">
+      <dgm:prSet presAssocID="{28158B83-B023-42A4-885F-722A1E2414C5}" presName="iconRect" presStyleLbl="node1" presStyleIdx="0" presStyleCnt="4"/>
+      <dgm:spPr>
+        <a:blipFill>
+          <a:blip xmlns:r="http://schemas.openxmlformats.org/officeDocument/2006/relationships" r:embed="rId1">
+            <a:extLst>
+              <a:ext uri="{28A0092B-C50C-407E-A947-70E740481C1C}">
+                <a14:useLocalDpi xmlns:a14="http://schemas.microsoft.com/office/drawing/2010/main" val="0"/>
+              </a:ext>
+              <a:ext uri="{96DAC541-7B7A-43D3-8B79-37D633B846F1}">
+                <asvg:svgBlip xmlns:asvg="http://schemas.microsoft.com/office/drawing/2016/SVG/main" r:embed="rId2"/>
+              </a:ext>
+            </a:extLst>
+          </a:blip>
+          <a:stretch>
+            <a:fillRect/>
+          </a:stretch>
+        </a:blipFill>
+        <a:ln>
+          <a:noFill/>
+        </a:ln>
+      </dgm:spPr>
+      <dgm:extLst>
+        <a:ext uri="{E40237B7-FDA0-4F09-8148-C483321AD2D9}">
+          <dgm14:cNvPr xmlns:dgm14="http://schemas.microsoft.com/office/drawing/2010/diagram" id="0" name="" descr="Check List"/>
+        </a:ext>
+      </dgm:extLst>
+    </dgm:pt>
+    <dgm:pt modelId="{609C958B-21A3-4014-916F-06BCC9BC6F96}" type="pres">
+      <dgm:prSet presAssocID="{28158B83-B023-42A4-885F-722A1E2414C5}" presName="spaceRect" presStyleCnt="0"/>
+      <dgm:spPr/>
+    </dgm:pt>
+    <dgm:pt modelId="{88F792CC-4D58-4D66-B760-DB2C40964188}" type="pres">
+      <dgm:prSet presAssocID="{28158B83-B023-42A4-885F-722A1E2414C5}" presName="parTx" presStyleLbl="revTx" presStyleIdx="0" presStyleCnt="4">
+        <dgm:presLayoutVars>
+          <dgm:chMax val="0"/>
+          <dgm:chPref val="0"/>
+        </dgm:presLayoutVars>
+      </dgm:prSet>
+      <dgm:spPr/>
+    </dgm:pt>
+    <dgm:pt modelId="{07FD1EF6-9556-4748-AC72-684256E84B8E}" type="pres">
+      <dgm:prSet presAssocID="{3C00A179-1223-4F2E-A0EF-46C891575E31}" presName="sibTrans" presStyleCnt="0"/>
+      <dgm:spPr/>
+    </dgm:pt>
+    <dgm:pt modelId="{72935E8B-3E0B-4E1F-87A0-9F3715D227B5}" type="pres">
+      <dgm:prSet presAssocID="{10949E15-59E3-45D7-9F64-28AF18EE7D60}" presName="compNode" presStyleCnt="0"/>
+      <dgm:spPr/>
+    </dgm:pt>
+    <dgm:pt modelId="{6F519BB0-4B10-43F4-B427-BD22F8FA1124}" type="pres">
+      <dgm:prSet presAssocID="{10949E15-59E3-45D7-9F64-28AF18EE7D60}" presName="bgRect" presStyleLbl="bgShp" presStyleIdx="1" presStyleCnt="4"/>
+      <dgm:spPr/>
+    </dgm:pt>
+    <dgm:pt modelId="{73FAAFF6-FA3B-49EB-B7AC-D6BF3937BE00}" type="pres">
+      <dgm:prSet presAssocID="{10949E15-59E3-45D7-9F64-28AF18EE7D60}" presName="iconRect" presStyleLbl="node1" presStyleIdx="1" presStyleCnt="4"/>
+      <dgm:spPr>
+        <a:blipFill>
+          <a:blip xmlns:r="http://schemas.openxmlformats.org/officeDocument/2006/relationships" r:embed="rId3">
+            <a:extLst>
+              <a:ext uri="{28A0092B-C50C-407E-A947-70E740481C1C}">
+                <a14:useLocalDpi xmlns:a14="http://schemas.microsoft.com/office/drawing/2010/main" val="0"/>
+              </a:ext>
+              <a:ext uri="{96DAC541-7B7A-43D3-8B79-37D633B846F1}">
+                <asvg:svgBlip xmlns:asvg="http://schemas.microsoft.com/office/drawing/2016/SVG/main" r:embed="rId4"/>
+              </a:ext>
+            </a:extLst>
+          </a:blip>
+          <a:stretch>
+            <a:fillRect/>
+          </a:stretch>
+        </a:blipFill>
+        <a:ln>
+          <a:noFill/>
+        </a:ln>
+      </dgm:spPr>
+      <dgm:extLst>
+        <a:ext uri="{E40237B7-FDA0-4F09-8148-C483321AD2D9}">
+          <dgm14:cNvPr xmlns:dgm14="http://schemas.microsoft.com/office/drawing/2010/diagram" id="0" name="" descr="Document"/>
+        </a:ext>
+      </dgm:extLst>
+    </dgm:pt>
+    <dgm:pt modelId="{122C67C1-797B-410C-BB89-BC1B8577AF81}" type="pres">
+      <dgm:prSet presAssocID="{10949E15-59E3-45D7-9F64-28AF18EE7D60}" presName="spaceRect" presStyleCnt="0"/>
+      <dgm:spPr/>
+    </dgm:pt>
+    <dgm:pt modelId="{771A816C-236F-47DA-91A9-4ECB1DB57A28}" type="pres">
+      <dgm:prSet presAssocID="{10949E15-59E3-45D7-9F64-28AF18EE7D60}" presName="parTx" presStyleLbl="revTx" presStyleIdx="1" presStyleCnt="4">
+        <dgm:presLayoutVars>
+          <dgm:chMax val="0"/>
+          <dgm:chPref val="0"/>
+        </dgm:presLayoutVars>
+      </dgm:prSet>
+      <dgm:spPr/>
+    </dgm:pt>
+    <dgm:pt modelId="{C2FD4B2C-D7B8-4A19-8FC9-5F956E9BFEAF}" type="pres">
+      <dgm:prSet presAssocID="{17C7C794-6885-4E36-8780-C96601821B3C}" presName="sibTrans" presStyleCnt="0"/>
+      <dgm:spPr/>
+    </dgm:pt>
+    <dgm:pt modelId="{237929FC-1CEC-44C5-BBBC-E5C6D07A0061}" type="pres">
+      <dgm:prSet presAssocID="{6364A03E-3A09-4ED0-A6BA-BD5D016F3375}" presName="compNode" presStyleCnt="0"/>
+      <dgm:spPr/>
+    </dgm:pt>
+    <dgm:pt modelId="{B0DCE167-3814-4343-A426-B8573228F429}" type="pres">
+      <dgm:prSet presAssocID="{6364A03E-3A09-4ED0-A6BA-BD5D016F3375}" presName="bgRect" presStyleLbl="bgShp" presStyleIdx="2" presStyleCnt="4"/>
+      <dgm:spPr/>
+    </dgm:pt>
+    <dgm:pt modelId="{A6AFA730-E6B4-483A-801C-1E9ED10C7755}" type="pres">
+      <dgm:prSet presAssocID="{6364A03E-3A09-4ED0-A6BA-BD5D016F3375}" presName="iconRect" presStyleLbl="node1" presStyleIdx="2" presStyleCnt="4"/>
+      <dgm:spPr>
+        <a:blipFill>
+          <a:blip xmlns:r="http://schemas.openxmlformats.org/officeDocument/2006/relationships" r:embed="rId5">
+            <a:extLst>
+              <a:ext uri="{28A0092B-C50C-407E-A947-70E740481C1C}">
+                <a14:useLocalDpi xmlns:a14="http://schemas.microsoft.com/office/drawing/2010/main" val="0"/>
+              </a:ext>
+              <a:ext uri="{96DAC541-7B7A-43D3-8B79-37D633B846F1}">
+                <asvg:svgBlip xmlns:asvg="http://schemas.microsoft.com/office/drawing/2016/SVG/main" r:embed="rId6"/>
+              </a:ext>
+            </a:extLst>
+          </a:blip>
+          <a:stretch>
+            <a:fillRect/>
+          </a:stretch>
+        </a:blipFill>
+        <a:ln>
+          <a:noFill/>
+        </a:ln>
+      </dgm:spPr>
+      <dgm:extLst>
+        <a:ext uri="{E40237B7-FDA0-4F09-8148-C483321AD2D9}">
+          <dgm14:cNvPr xmlns:dgm14="http://schemas.microsoft.com/office/drawing/2010/diagram" id="0" name="" descr="Head with Gears"/>
+        </a:ext>
+      </dgm:extLst>
+    </dgm:pt>
+    <dgm:pt modelId="{AB42D317-DA61-4F03-ABDD-DA656439A202}" type="pres">
+      <dgm:prSet presAssocID="{6364A03E-3A09-4ED0-A6BA-BD5D016F3375}" presName="spaceRect" presStyleCnt="0"/>
+      <dgm:spPr/>
+    </dgm:pt>
+    <dgm:pt modelId="{24EE8E12-9E10-4432-84D4-33424916AD87}" type="pres">
+      <dgm:prSet presAssocID="{6364A03E-3A09-4ED0-A6BA-BD5D016F3375}" presName="parTx" presStyleLbl="revTx" presStyleIdx="2" presStyleCnt="4">
+        <dgm:presLayoutVars>
+          <dgm:chMax val="0"/>
+          <dgm:chPref val="0"/>
+        </dgm:presLayoutVars>
+      </dgm:prSet>
+      <dgm:spPr/>
+    </dgm:pt>
+    <dgm:pt modelId="{FFBFF1C3-DEFE-4C45-8D46-3D0A4E1C4915}" type="pres">
+      <dgm:prSet presAssocID="{76F1F840-6C6F-48B2-B0D3-2D132203B47D}" presName="sibTrans" presStyleCnt="0"/>
+      <dgm:spPr/>
+    </dgm:pt>
+    <dgm:pt modelId="{8C2EF732-08D7-4DFF-8A0E-9A415A5BCB73}" type="pres">
+      <dgm:prSet presAssocID="{BDDCD636-49D6-446B-B2F1-8F065972553C}" presName="compNode" presStyleCnt="0"/>
+      <dgm:spPr/>
+    </dgm:pt>
+    <dgm:pt modelId="{BE86A51C-9C1E-4B46-BE97-3004A56E2F81}" type="pres">
+      <dgm:prSet presAssocID="{BDDCD636-49D6-446B-B2F1-8F065972553C}" presName="bgRect" presStyleLbl="bgShp" presStyleIdx="3" presStyleCnt="4"/>
+      <dgm:spPr/>
+    </dgm:pt>
+    <dgm:pt modelId="{478533BB-60F0-452D-A162-CC7735209C16}" type="pres">
+      <dgm:prSet presAssocID="{BDDCD636-49D6-446B-B2F1-8F065972553C}" presName="iconRect" presStyleLbl="node1" presStyleIdx="3" presStyleCnt="4"/>
+      <dgm:spPr>
+        <a:blipFill>
+          <a:blip xmlns:r="http://schemas.openxmlformats.org/officeDocument/2006/relationships" r:embed="rId7">
+            <a:extLst>
+              <a:ext uri="{28A0092B-C50C-407E-A947-70E740481C1C}">
+                <a14:useLocalDpi xmlns:a14="http://schemas.microsoft.com/office/drawing/2010/main" val="0"/>
+              </a:ext>
+              <a:ext uri="{96DAC541-7B7A-43D3-8B79-37D633B846F1}">
+                <asvg:svgBlip xmlns:asvg="http://schemas.microsoft.com/office/drawing/2016/SVG/main" r:embed="rId8"/>
+              </a:ext>
+            </a:extLst>
+          </a:blip>
+          <a:stretch>
+            <a:fillRect/>
+          </a:stretch>
+        </a:blipFill>
+        <a:ln>
+          <a:noFill/>
+        </a:ln>
+      </dgm:spPr>
+      <dgm:extLst>
+        <a:ext uri="{E40237B7-FDA0-4F09-8148-C483321AD2D9}">
+          <dgm14:cNvPr xmlns:dgm14="http://schemas.microsoft.com/office/drawing/2010/diagram" id="0" name="" descr="Truck"/>
+        </a:ext>
+      </dgm:extLst>
+    </dgm:pt>
+    <dgm:pt modelId="{ED60224A-BD84-4FF9-AA22-57164A7D8E4D}" type="pres">
+      <dgm:prSet presAssocID="{BDDCD636-49D6-446B-B2F1-8F065972553C}" presName="spaceRect" presStyleCnt="0"/>
+      <dgm:spPr/>
+    </dgm:pt>
+    <dgm:pt modelId="{BB2ACA50-68DF-4444-BE19-B8EB3335B515}" type="pres">
+      <dgm:prSet presAssocID="{BDDCD636-49D6-446B-B2F1-8F065972553C}" presName="parTx" presStyleLbl="revTx" presStyleIdx="3" presStyleCnt="4">
+        <dgm:presLayoutVars>
+          <dgm:chMax val="0"/>
+          <dgm:chPref val="0"/>
+        </dgm:presLayoutVars>
+      </dgm:prSet>
+      <dgm:spPr/>
+    </dgm:pt>
+  </dgm:ptLst>
+  <dgm:cxnLst>
+    <dgm:cxn modelId="{9CCE8D56-E926-43A7-A897-CD3BCB82FCFC}" srcId="{2C0ADE8A-F533-48EB-9199-19A2326B2101}" destId="{BDDCD636-49D6-446B-B2F1-8F065972553C}" srcOrd="3" destOrd="0" parTransId="{5F401412-5278-4284-ACE7-C1E381DBE2A7}" sibTransId="{73D166B1-92B9-4634-A458-F9EF42F1A10D}"/>
+    <dgm:cxn modelId="{70FF4A61-9820-8449-8F25-FD81FDD7FB83}" type="presOf" srcId="{10949E15-59E3-45D7-9F64-28AF18EE7D60}" destId="{771A816C-236F-47DA-91A9-4ECB1DB57A28}" srcOrd="0" destOrd="0" presId="urn:microsoft.com/office/officeart/2018/2/layout/IconVerticalSolidList"/>
+    <dgm:cxn modelId="{AD91CC6C-AB65-5546-BCB7-C87D8E6A0F3F}" type="presOf" srcId="{6364A03E-3A09-4ED0-A6BA-BD5D016F3375}" destId="{24EE8E12-9E10-4432-84D4-33424916AD87}" srcOrd="0" destOrd="0" presId="urn:microsoft.com/office/officeart/2018/2/layout/IconVerticalSolidList"/>
+    <dgm:cxn modelId="{55237E8D-D75A-2E45-BD9F-63410220667B}" type="presOf" srcId="{2C0ADE8A-F533-48EB-9199-19A2326B2101}" destId="{D84016E4-58BD-40FA-B7F6-4303347DD98C}" srcOrd="0" destOrd="0" presId="urn:microsoft.com/office/officeart/2018/2/layout/IconVerticalSolidList"/>
+    <dgm:cxn modelId="{41066598-7C53-F249-852F-EC3AA5E58671}" type="presOf" srcId="{28158B83-B023-42A4-885F-722A1E2414C5}" destId="{88F792CC-4D58-4D66-B760-DB2C40964188}" srcOrd="0" destOrd="0" presId="urn:microsoft.com/office/officeart/2018/2/layout/IconVerticalSolidList"/>
+    <dgm:cxn modelId="{27CB00B1-BC85-404B-8DDE-F48ED51319BE}" srcId="{2C0ADE8A-F533-48EB-9199-19A2326B2101}" destId="{28158B83-B023-42A4-885F-722A1E2414C5}" srcOrd="0" destOrd="0" parTransId="{C6A179A9-681D-4E54-BD79-9D001E22D8C3}" sibTransId="{3C00A179-1223-4F2E-A0EF-46C891575E31}"/>
+    <dgm:cxn modelId="{F26B54BB-7BEE-FF41-9B76-B8E3D2B9870E}" type="presOf" srcId="{BDDCD636-49D6-446B-B2F1-8F065972553C}" destId="{BB2ACA50-68DF-4444-BE19-B8EB3335B515}" srcOrd="0" destOrd="0" presId="urn:microsoft.com/office/officeart/2018/2/layout/IconVerticalSolidList"/>
+    <dgm:cxn modelId="{4F0C69ED-A4D4-45A0-817D-8CCB9BD524FE}" srcId="{2C0ADE8A-F533-48EB-9199-19A2326B2101}" destId="{6364A03E-3A09-4ED0-A6BA-BD5D016F3375}" srcOrd="2" destOrd="0" parTransId="{BB465AEF-FE25-47E9-84CB-9FBF0C69C0F9}" sibTransId="{76F1F840-6C6F-48B2-B0D3-2D132203B47D}"/>
+    <dgm:cxn modelId="{070605F5-57EC-41E2-A931-F42B6F26A7FC}" srcId="{2C0ADE8A-F533-48EB-9199-19A2326B2101}" destId="{10949E15-59E3-45D7-9F64-28AF18EE7D60}" srcOrd="1" destOrd="0" parTransId="{559E3AA8-A47C-4531-ABD0-C6125E0EBAD3}" sibTransId="{17C7C794-6885-4E36-8780-C96601821B3C}"/>
+    <dgm:cxn modelId="{FB2C3983-6ABC-3A4A-BEF0-3FE6AD86B8A6}" type="presParOf" srcId="{D84016E4-58BD-40FA-B7F6-4303347DD98C}" destId="{F07A3A64-2517-40A4-BC89-98F65B363D86}" srcOrd="0" destOrd="0" presId="urn:microsoft.com/office/officeart/2018/2/layout/IconVerticalSolidList"/>
+    <dgm:cxn modelId="{4E37063F-8A5F-C74D-AF08-C7BE1925F760}" type="presParOf" srcId="{F07A3A64-2517-40A4-BC89-98F65B363D86}" destId="{F5C48B4C-8060-4E75-8ACF-E747ACF8BC75}" srcOrd="0" destOrd="0" presId="urn:microsoft.com/office/officeart/2018/2/layout/IconVerticalSolidList"/>
+    <dgm:cxn modelId="{5A5BF623-373B-5C48-AFB7-57FC0810A835}" type="presParOf" srcId="{F07A3A64-2517-40A4-BC89-98F65B363D86}" destId="{706D5633-3D99-4AFA-A740-8440EAC7119D}" srcOrd="1" destOrd="0" presId="urn:microsoft.com/office/officeart/2018/2/layout/IconVerticalSolidList"/>
+    <dgm:cxn modelId="{BC49EDB5-E6EC-9A4D-94AB-C1FA1DE8EFC9}" type="presParOf" srcId="{F07A3A64-2517-40A4-BC89-98F65B363D86}" destId="{609C958B-21A3-4014-916F-06BCC9BC6F96}" srcOrd="2" destOrd="0" presId="urn:microsoft.com/office/officeart/2018/2/layout/IconVerticalSolidList"/>
+    <dgm:cxn modelId="{35CEADC5-E6ED-4049-AC99-83ABADC2FC98}" type="presParOf" srcId="{F07A3A64-2517-40A4-BC89-98F65B363D86}" destId="{88F792CC-4D58-4D66-B760-DB2C40964188}" srcOrd="3" destOrd="0" presId="urn:microsoft.com/office/officeart/2018/2/layout/IconVerticalSolidList"/>
+    <dgm:cxn modelId="{1FDB50EA-4427-AA49-93A1-0ACC798EBD2D}" type="presParOf" srcId="{D84016E4-58BD-40FA-B7F6-4303347DD98C}" destId="{07FD1EF6-9556-4748-AC72-684256E84B8E}" srcOrd="1" destOrd="0" presId="urn:microsoft.com/office/officeart/2018/2/layout/IconVerticalSolidList"/>
+    <dgm:cxn modelId="{AD699B39-A023-D947-B590-B571D1376B19}" type="presParOf" srcId="{D84016E4-58BD-40FA-B7F6-4303347DD98C}" destId="{72935E8B-3E0B-4E1F-87A0-9F3715D227B5}" srcOrd="2" destOrd="0" presId="urn:microsoft.com/office/officeart/2018/2/layout/IconVerticalSolidList"/>
+    <dgm:cxn modelId="{0446DCEC-3826-0541-8441-3EEED254E932}" type="presParOf" srcId="{72935E8B-3E0B-4E1F-87A0-9F3715D227B5}" destId="{6F519BB0-4B10-43F4-B427-BD22F8FA1124}" srcOrd="0" destOrd="0" presId="urn:microsoft.com/office/officeart/2018/2/layout/IconVerticalSolidList"/>
+    <dgm:cxn modelId="{0A02AB61-5CC6-8B47-9F8B-C5BEA62F96D9}" type="presParOf" srcId="{72935E8B-3E0B-4E1F-87A0-9F3715D227B5}" destId="{73FAAFF6-FA3B-49EB-B7AC-D6BF3937BE00}" srcOrd="1" destOrd="0" presId="urn:microsoft.com/office/officeart/2018/2/layout/IconVerticalSolidList"/>
+    <dgm:cxn modelId="{48D038B2-6308-1F41-B729-B65B23A3D950}" type="presParOf" srcId="{72935E8B-3E0B-4E1F-87A0-9F3715D227B5}" destId="{122C67C1-797B-410C-BB89-BC1B8577AF81}" srcOrd="2" destOrd="0" presId="urn:microsoft.com/office/officeart/2018/2/layout/IconVerticalSolidList"/>
+    <dgm:cxn modelId="{F59103BB-9E9B-C144-91B4-280E8A80E2A8}" type="presParOf" srcId="{72935E8B-3E0B-4E1F-87A0-9F3715D227B5}" destId="{771A816C-236F-47DA-91A9-4ECB1DB57A28}" srcOrd="3" destOrd="0" presId="urn:microsoft.com/office/officeart/2018/2/layout/IconVerticalSolidList"/>
+    <dgm:cxn modelId="{BE850B38-A237-E849-BD34-BA7F15D98671}" type="presParOf" srcId="{D84016E4-58BD-40FA-B7F6-4303347DD98C}" destId="{C2FD4B2C-D7B8-4A19-8FC9-5F956E9BFEAF}" srcOrd="3" destOrd="0" presId="urn:microsoft.com/office/officeart/2018/2/layout/IconVerticalSolidList"/>
+    <dgm:cxn modelId="{9C759D33-BBD8-8C4A-A9AD-037A4A70EA62}" type="presParOf" srcId="{D84016E4-58BD-40FA-B7F6-4303347DD98C}" destId="{237929FC-1CEC-44C5-BBBC-E5C6D07A0061}" srcOrd="4" destOrd="0" presId="urn:microsoft.com/office/officeart/2018/2/layout/IconVerticalSolidList"/>
+    <dgm:cxn modelId="{22820F8A-31B7-DC42-9EAB-E1B8C43C25BD}" type="presParOf" srcId="{237929FC-1CEC-44C5-BBBC-E5C6D07A0061}" destId="{B0DCE167-3814-4343-A426-B8573228F429}" srcOrd="0" destOrd="0" presId="urn:microsoft.com/office/officeart/2018/2/layout/IconVerticalSolidList"/>
+    <dgm:cxn modelId="{4E4A0E87-2952-B641-8F54-DE2D0C8DF481}" type="presParOf" srcId="{237929FC-1CEC-44C5-BBBC-E5C6D07A0061}" destId="{A6AFA730-E6B4-483A-801C-1E9ED10C7755}" srcOrd="1" destOrd="0" presId="urn:microsoft.com/office/officeart/2018/2/layout/IconVerticalSolidList"/>
+    <dgm:cxn modelId="{8FB48195-9721-6340-B2F5-B11DC6FB1CEF}" type="presParOf" srcId="{237929FC-1CEC-44C5-BBBC-E5C6D07A0061}" destId="{AB42D317-DA61-4F03-ABDD-DA656439A202}" srcOrd="2" destOrd="0" presId="urn:microsoft.com/office/officeart/2018/2/layout/IconVerticalSolidList"/>
+    <dgm:cxn modelId="{51C0B033-C972-CA4D-8F05-3AC40D6644A9}" type="presParOf" srcId="{237929FC-1CEC-44C5-BBBC-E5C6D07A0061}" destId="{24EE8E12-9E10-4432-84D4-33424916AD87}" srcOrd="3" destOrd="0" presId="urn:microsoft.com/office/officeart/2018/2/layout/IconVerticalSolidList"/>
+    <dgm:cxn modelId="{6077DC5B-8064-D148-9B98-90A2F7F81E27}" type="presParOf" srcId="{D84016E4-58BD-40FA-B7F6-4303347DD98C}" destId="{FFBFF1C3-DEFE-4C45-8D46-3D0A4E1C4915}" srcOrd="5" destOrd="0" presId="urn:microsoft.com/office/officeart/2018/2/layout/IconVerticalSolidList"/>
+    <dgm:cxn modelId="{70964726-ADD1-214B-A626-283EDD514501}" type="presParOf" srcId="{D84016E4-58BD-40FA-B7F6-4303347DD98C}" destId="{8C2EF732-08D7-4DFF-8A0E-9A415A5BCB73}" srcOrd="6" destOrd="0" presId="urn:microsoft.com/office/officeart/2018/2/layout/IconVerticalSolidList"/>
+    <dgm:cxn modelId="{178C30E2-2983-9A44-95C0-D05EA4CD5D3E}" type="presParOf" srcId="{8C2EF732-08D7-4DFF-8A0E-9A415A5BCB73}" destId="{BE86A51C-9C1E-4B46-BE97-3004A56E2F81}" srcOrd="0" destOrd="0" presId="urn:microsoft.com/office/officeart/2018/2/layout/IconVerticalSolidList"/>
+    <dgm:cxn modelId="{EDF24991-482D-4646-8736-99B2C80A86DC}" type="presParOf" srcId="{8C2EF732-08D7-4DFF-8A0E-9A415A5BCB73}" destId="{478533BB-60F0-452D-A162-CC7735209C16}" srcOrd="1" destOrd="0" presId="urn:microsoft.com/office/officeart/2018/2/layout/IconVerticalSolidList"/>
+    <dgm:cxn modelId="{B2526748-544F-3641-A178-AAB9387A2AA7}" type="presParOf" srcId="{8C2EF732-08D7-4DFF-8A0E-9A415A5BCB73}" destId="{ED60224A-BD84-4FF9-AA22-57164A7D8E4D}" srcOrd="2" destOrd="0" presId="urn:microsoft.com/office/officeart/2018/2/layout/IconVerticalSolidList"/>
+    <dgm:cxn modelId="{ACA7EB1A-F868-4C4E-9E66-5E37EE5DCB1B}" type="presParOf" srcId="{8C2EF732-08D7-4DFF-8A0E-9A415A5BCB73}" destId="{BB2ACA50-68DF-4444-BE19-B8EB3335B515}" srcOrd="3" destOrd="0" presId="urn:microsoft.com/office/officeart/2018/2/layout/IconVerticalSolidList"/>
+  </dgm:cxnLst>
+  <dgm:bg/>
+  <dgm:whole/>
+  <dgm:extLst>
+    <a:ext uri="http://schemas.microsoft.com/office/drawing/2008/diagram">
+      <dsp:dataModelExt xmlns:dsp="http://schemas.microsoft.com/office/drawing/2008/diagram" relId="rId6" minVer="http://schemas.openxmlformats.org/drawingml/2006/diagram"/>
+    </a:ext>
+  </dgm:extLst>
+</dgm:dataModel>
+</file>
+
+<file path=ppt/diagrams/data2.xml><?xml version="1.0" encoding="utf-8"?>
+<dgm:dataModel xmlns:dgm="http://schemas.openxmlformats.org/drawingml/2006/diagram" xmlns:a="http://schemas.openxmlformats.org/drawingml/2006/main">
+  <dgm:ptLst>
+    <dgm:pt modelId="{24E0129C-5D95-3C47-9B06-04043CA55473}" type="doc">
+      <dgm:prSet loTypeId="urn:microsoft.com/office/officeart/2016/7/layout/RepeatingBendingProcessNew" loCatId="process" qsTypeId="urn:microsoft.com/office/officeart/2005/8/quickstyle/simple1" qsCatId="simple" csTypeId="urn:microsoft.com/office/officeart/2005/8/colors/accent0_3" csCatId="mainScheme"/>
+      <dgm:spPr/>
+      <dgm:t>
+        <a:bodyPr/>
+        <a:lstStyle/>
+        <a:p>
+          <a:endParaRPr lang="en-US"/>
+        </a:p>
+      </dgm:t>
+    </dgm:pt>
+    <dgm:pt modelId="{763B299A-A3A6-C74C-AF8C-5B276FF55B92}">
+      <dgm:prSet/>
+      <dgm:spPr/>
+      <dgm:t>
+        <a:bodyPr/>
+        <a:lstStyle/>
+        <a:p>
+          <a:r>
+            <a:rPr lang="en-US"/>
+            <a:t>Source Code </a:t>
+          </a:r>
+        </a:p>
+      </dgm:t>
+    </dgm:pt>
+    <dgm:pt modelId="{13F4654A-455A-0E41-85F6-63CBA0A33461}" type="parTrans" cxnId="{6872C27D-205A-C94F-85EF-3DAD0CFA0E38}">
+      <dgm:prSet/>
+      <dgm:spPr/>
+      <dgm:t>
+        <a:bodyPr/>
+        <a:lstStyle/>
+        <a:p>
+          <a:endParaRPr lang="en-US"/>
+        </a:p>
+      </dgm:t>
+    </dgm:pt>
+    <dgm:pt modelId="{EA1065AE-525E-244C-952A-B85BD6D72DEB}" type="sibTrans" cxnId="{6872C27D-205A-C94F-85EF-3DAD0CFA0E38}">
+      <dgm:prSet/>
+      <dgm:spPr/>
+      <dgm:t>
+        <a:bodyPr/>
+        <a:lstStyle/>
+        <a:p>
+          <a:endParaRPr lang="en-US"/>
+        </a:p>
+      </dgm:t>
+    </dgm:pt>
+    <dgm:pt modelId="{9E0B73BB-25E6-244C-88D2-C78394E258A0}">
+      <dgm:prSet/>
+      <dgm:spPr/>
+      <dgm:t>
+        <a:bodyPr/>
+        <a:lstStyle/>
+        <a:p>
+          <a:r>
+            <a:rPr lang="en-US"/>
+            <a:t>AST (Macro Expansion) </a:t>
+          </a:r>
+        </a:p>
+      </dgm:t>
+    </dgm:pt>
+    <dgm:pt modelId="{B10C9FC0-E9BD-4144-839B-705700E99C0F}" type="parTrans" cxnId="{34137092-4DAF-5341-94BF-9A26F5C586FD}">
+      <dgm:prSet/>
+      <dgm:spPr/>
+      <dgm:t>
+        <a:bodyPr/>
+        <a:lstStyle/>
+        <a:p>
+          <a:endParaRPr lang="en-US"/>
+        </a:p>
+      </dgm:t>
+    </dgm:pt>
+    <dgm:pt modelId="{D8A76DA0-028A-4347-B367-C963157D82D0}" type="sibTrans" cxnId="{34137092-4DAF-5341-94BF-9A26F5C586FD}">
+      <dgm:prSet/>
+      <dgm:spPr/>
+      <dgm:t>
+        <a:bodyPr/>
+        <a:lstStyle/>
+        <a:p>
+          <a:endParaRPr lang="en-US"/>
+        </a:p>
+      </dgm:t>
+    </dgm:pt>
+    <dgm:pt modelId="{AB00244D-9919-D542-8AA4-999F3F2E3475}">
+      <dgm:prSet/>
+      <dgm:spPr/>
+      <dgm:t>
+        <a:bodyPr/>
+        <a:lstStyle/>
+        <a:p>
+          <a:r>
+            <a:rPr lang="en-US"/>
+            <a:t>IR </a:t>
+          </a:r>
+        </a:p>
+      </dgm:t>
+    </dgm:pt>
+    <dgm:pt modelId="{EF962EC7-8BC5-A942-AFBB-7CD76626A40C}" type="parTrans" cxnId="{FAA2D410-C836-2348-ADA3-ACD259035B67}">
+      <dgm:prSet/>
+      <dgm:spPr/>
+      <dgm:t>
+        <a:bodyPr/>
+        <a:lstStyle/>
+        <a:p>
+          <a:endParaRPr lang="en-US"/>
+        </a:p>
+      </dgm:t>
+    </dgm:pt>
+    <dgm:pt modelId="{62047629-E52A-284B-83D2-588FF7B8B97A}" type="sibTrans" cxnId="{FAA2D410-C836-2348-ADA3-ACD259035B67}">
+      <dgm:prSet/>
+      <dgm:spPr/>
+      <dgm:t>
+        <a:bodyPr/>
+        <a:lstStyle/>
+        <a:p>
+          <a:endParaRPr lang="en-US"/>
+        </a:p>
+      </dgm:t>
+    </dgm:pt>
+    <dgm:pt modelId="{29B1AAED-82D7-6448-80D5-6957BC9BEB51}">
+      <dgm:prSet/>
+      <dgm:spPr/>
+      <dgm:t>
+        <a:bodyPr/>
+        <a:lstStyle/>
+        <a:p>
+          <a:r>
+            <a:rPr lang="en-US"/>
+            <a:t>(SSA) IR </a:t>
+          </a:r>
+        </a:p>
+      </dgm:t>
+    </dgm:pt>
+    <dgm:pt modelId="{83D52DB2-16DC-4841-B7E8-14D05A53C895}" type="parTrans" cxnId="{3C987F8A-3C96-8E46-89C8-021BDE36B56E}">
+      <dgm:prSet/>
+      <dgm:spPr/>
+      <dgm:t>
+        <a:bodyPr/>
+        <a:lstStyle/>
+        <a:p>
+          <a:endParaRPr lang="en-US"/>
+        </a:p>
+      </dgm:t>
+    </dgm:pt>
+    <dgm:pt modelId="{A65E0BA2-400F-2246-A397-44DE666D2D3A}" type="sibTrans" cxnId="{3C987F8A-3C96-8E46-89C8-021BDE36B56E}">
+      <dgm:prSet/>
+      <dgm:spPr/>
+      <dgm:t>
+        <a:bodyPr/>
+        <a:lstStyle/>
+        <a:p>
+          <a:endParaRPr lang="en-US"/>
+        </a:p>
+      </dgm:t>
+    </dgm:pt>
+    <dgm:pt modelId="{BF56499D-67D8-9245-8F21-5369813FC338}">
+      <dgm:prSet/>
+      <dgm:spPr/>
+      <dgm:t>
+        <a:bodyPr/>
+        <a:lstStyle/>
+        <a:p>
+          <a:r>
+            <a:rPr lang="en-US"/>
+            <a:t>LLVM IR </a:t>
+          </a:r>
+        </a:p>
+      </dgm:t>
+    </dgm:pt>
+    <dgm:pt modelId="{830F276B-D9D6-7C44-9266-7F95A33DF122}" type="parTrans" cxnId="{B21E2A74-399E-1B42-AC50-352623C53375}">
+      <dgm:prSet/>
+      <dgm:spPr/>
+      <dgm:t>
+        <a:bodyPr/>
+        <a:lstStyle/>
+        <a:p>
+          <a:endParaRPr lang="en-US"/>
+        </a:p>
+      </dgm:t>
+    </dgm:pt>
+    <dgm:pt modelId="{805BC26B-79AE-C54B-A389-ADD6762194EB}" type="sibTrans" cxnId="{B21E2A74-399E-1B42-AC50-352623C53375}">
+      <dgm:prSet/>
+      <dgm:spPr/>
+      <dgm:t>
+        <a:bodyPr/>
+        <a:lstStyle/>
+        <a:p>
+          <a:endParaRPr lang="en-US"/>
+        </a:p>
+      </dgm:t>
+    </dgm:pt>
+    <dgm:pt modelId="{C03BADCA-9FD8-8C4F-804F-4DA3C9FF831C}">
+      <dgm:prSet/>
+      <dgm:spPr/>
+      <dgm:t>
+        <a:bodyPr/>
+        <a:lstStyle/>
+        <a:p>
+          <a:r>
+            <a:rPr lang="en-US"/>
+            <a:t>Native code </a:t>
+          </a:r>
+        </a:p>
+      </dgm:t>
+    </dgm:pt>
+    <dgm:pt modelId="{9C4A3FD5-F1B8-704B-BB4D-674827F98DA7}" type="parTrans" cxnId="{3E8F648F-8765-3E4D-835E-161BD1F58846}">
+      <dgm:prSet/>
+      <dgm:spPr/>
+      <dgm:t>
+        <a:bodyPr/>
+        <a:lstStyle/>
+        <a:p>
+          <a:endParaRPr lang="en-US"/>
+        </a:p>
+      </dgm:t>
+    </dgm:pt>
+    <dgm:pt modelId="{8F1AD1F0-B5F0-0646-8549-8CABBC31C689}" type="sibTrans" cxnId="{3E8F648F-8765-3E4D-835E-161BD1F58846}">
+      <dgm:prSet/>
+      <dgm:spPr/>
+      <dgm:t>
+        <a:bodyPr/>
+        <a:lstStyle/>
+        <a:p>
+          <a:endParaRPr lang="en-US"/>
+        </a:p>
+      </dgm:t>
+    </dgm:pt>
+    <dgm:pt modelId="{A9842184-3B57-3F40-9574-58774314FAAA}" type="pres">
+      <dgm:prSet presAssocID="{24E0129C-5D95-3C47-9B06-04043CA55473}" presName="Name0" presStyleCnt="0">
+        <dgm:presLayoutVars>
+          <dgm:dir/>
+          <dgm:resizeHandles val="exact"/>
+        </dgm:presLayoutVars>
+      </dgm:prSet>
+      <dgm:spPr/>
+    </dgm:pt>
+    <dgm:pt modelId="{F2BA00D6-6FEF-7B4D-8726-4914B8C25F8C}" type="pres">
+      <dgm:prSet presAssocID="{763B299A-A3A6-C74C-AF8C-5B276FF55B92}" presName="node" presStyleLbl="node1" presStyleIdx="0" presStyleCnt="6">
+        <dgm:presLayoutVars>
+          <dgm:bulletEnabled val="1"/>
+        </dgm:presLayoutVars>
+      </dgm:prSet>
+      <dgm:spPr/>
+    </dgm:pt>
+    <dgm:pt modelId="{789B7193-0E59-3B47-86C6-E46AE56ADB7D}" type="pres">
+      <dgm:prSet presAssocID="{EA1065AE-525E-244C-952A-B85BD6D72DEB}" presName="sibTrans" presStyleLbl="sibTrans1D1" presStyleIdx="0" presStyleCnt="5"/>
+      <dgm:spPr/>
+    </dgm:pt>
+    <dgm:pt modelId="{5947CF7D-184A-8047-85A4-5FBAFB0A4803}" type="pres">
+      <dgm:prSet presAssocID="{EA1065AE-525E-244C-952A-B85BD6D72DEB}" presName="connectorText" presStyleLbl="sibTrans1D1" presStyleIdx="0" presStyleCnt="5"/>
+      <dgm:spPr/>
+    </dgm:pt>
+    <dgm:pt modelId="{731C0595-CC30-5E40-9ED6-2C24E200E2A9}" type="pres">
+      <dgm:prSet presAssocID="{9E0B73BB-25E6-244C-88D2-C78394E258A0}" presName="node" presStyleLbl="node1" presStyleIdx="1" presStyleCnt="6">
+        <dgm:presLayoutVars>
+          <dgm:bulletEnabled val="1"/>
+        </dgm:presLayoutVars>
+      </dgm:prSet>
+      <dgm:spPr/>
+    </dgm:pt>
+    <dgm:pt modelId="{91928AE0-5695-A645-B797-1F99B5BCB375}" type="pres">
+      <dgm:prSet presAssocID="{D8A76DA0-028A-4347-B367-C963157D82D0}" presName="sibTrans" presStyleLbl="sibTrans1D1" presStyleIdx="1" presStyleCnt="5"/>
+      <dgm:spPr/>
+    </dgm:pt>
+    <dgm:pt modelId="{CE8E6D10-26EC-7B4B-BE07-0AEBE15A1A78}" type="pres">
+      <dgm:prSet presAssocID="{D8A76DA0-028A-4347-B367-C963157D82D0}" presName="connectorText" presStyleLbl="sibTrans1D1" presStyleIdx="1" presStyleCnt="5"/>
+      <dgm:spPr/>
+    </dgm:pt>
+    <dgm:pt modelId="{3C001CB2-ED33-074F-BBB6-915B5FCB69A0}" type="pres">
+      <dgm:prSet presAssocID="{AB00244D-9919-D542-8AA4-999F3F2E3475}" presName="node" presStyleLbl="node1" presStyleIdx="2" presStyleCnt="6">
+        <dgm:presLayoutVars>
+          <dgm:bulletEnabled val="1"/>
+        </dgm:presLayoutVars>
+      </dgm:prSet>
+      <dgm:spPr/>
+    </dgm:pt>
+    <dgm:pt modelId="{81A64EFC-3CBE-C844-BF59-98CF511806C6}" type="pres">
+      <dgm:prSet presAssocID="{62047629-E52A-284B-83D2-588FF7B8B97A}" presName="sibTrans" presStyleLbl="sibTrans1D1" presStyleIdx="2" presStyleCnt="5"/>
+      <dgm:spPr/>
+    </dgm:pt>
+    <dgm:pt modelId="{C8C99527-29E6-DF43-A162-B4E53A17A8BE}" type="pres">
+      <dgm:prSet presAssocID="{62047629-E52A-284B-83D2-588FF7B8B97A}" presName="connectorText" presStyleLbl="sibTrans1D1" presStyleIdx="2" presStyleCnt="5"/>
+      <dgm:spPr/>
+    </dgm:pt>
+    <dgm:pt modelId="{396D08B0-2B1B-DA4D-8422-2BC14DAF0B6C}" type="pres">
+      <dgm:prSet presAssocID="{29B1AAED-82D7-6448-80D5-6957BC9BEB51}" presName="node" presStyleLbl="node1" presStyleIdx="3" presStyleCnt="6">
+        <dgm:presLayoutVars>
+          <dgm:bulletEnabled val="1"/>
+        </dgm:presLayoutVars>
+      </dgm:prSet>
+      <dgm:spPr/>
+    </dgm:pt>
+    <dgm:pt modelId="{63152D2C-8FF2-0D42-B4D7-185E3E7F0AC2}" type="pres">
+      <dgm:prSet presAssocID="{A65E0BA2-400F-2246-A397-44DE666D2D3A}" presName="sibTrans" presStyleLbl="sibTrans1D1" presStyleIdx="3" presStyleCnt="5"/>
+      <dgm:spPr/>
+    </dgm:pt>
+    <dgm:pt modelId="{30469CA7-E6B8-3A45-8494-FB906ACE40D5}" type="pres">
+      <dgm:prSet presAssocID="{A65E0BA2-400F-2246-A397-44DE666D2D3A}" presName="connectorText" presStyleLbl="sibTrans1D1" presStyleIdx="3" presStyleCnt="5"/>
+      <dgm:spPr/>
+    </dgm:pt>
+    <dgm:pt modelId="{5EEE3EE2-B98E-7E45-99C2-732E9361EDDE}" type="pres">
+      <dgm:prSet presAssocID="{BF56499D-67D8-9245-8F21-5369813FC338}" presName="node" presStyleLbl="node1" presStyleIdx="4" presStyleCnt="6">
+        <dgm:presLayoutVars>
+          <dgm:bulletEnabled val="1"/>
+        </dgm:presLayoutVars>
+      </dgm:prSet>
+      <dgm:spPr/>
+    </dgm:pt>
+    <dgm:pt modelId="{68E63C77-68DE-254F-B45A-682CA93DA124}" type="pres">
+      <dgm:prSet presAssocID="{805BC26B-79AE-C54B-A389-ADD6762194EB}" presName="sibTrans" presStyleLbl="sibTrans1D1" presStyleIdx="4" presStyleCnt="5"/>
+      <dgm:spPr/>
+    </dgm:pt>
+    <dgm:pt modelId="{2427FBF3-8696-284D-9B34-2AF2DBDFAD92}" type="pres">
+      <dgm:prSet presAssocID="{805BC26B-79AE-C54B-A389-ADD6762194EB}" presName="connectorText" presStyleLbl="sibTrans1D1" presStyleIdx="4" presStyleCnt="5"/>
+      <dgm:spPr/>
+    </dgm:pt>
+    <dgm:pt modelId="{7D06A5B2-6EF9-4947-A9A1-FB1630F94575}" type="pres">
+      <dgm:prSet presAssocID="{C03BADCA-9FD8-8C4F-804F-4DA3C9FF831C}" presName="node" presStyleLbl="node1" presStyleIdx="5" presStyleCnt="6">
+        <dgm:presLayoutVars>
+          <dgm:bulletEnabled val="1"/>
+        </dgm:presLayoutVars>
+      </dgm:prSet>
+      <dgm:spPr/>
+    </dgm:pt>
+  </dgm:ptLst>
+  <dgm:cxnLst>
+    <dgm:cxn modelId="{0352B90B-4EB2-4344-88DB-9E4434309014}" type="presOf" srcId="{29B1AAED-82D7-6448-80D5-6957BC9BEB51}" destId="{396D08B0-2B1B-DA4D-8422-2BC14DAF0B6C}" srcOrd="0" destOrd="0" presId="urn:microsoft.com/office/officeart/2016/7/layout/RepeatingBendingProcessNew"/>
+    <dgm:cxn modelId="{FAA2D410-C836-2348-ADA3-ACD259035B67}" srcId="{24E0129C-5D95-3C47-9B06-04043CA55473}" destId="{AB00244D-9919-D542-8AA4-999F3F2E3475}" srcOrd="2" destOrd="0" parTransId="{EF962EC7-8BC5-A942-AFBB-7CD76626A40C}" sibTransId="{62047629-E52A-284B-83D2-588FF7B8B97A}"/>
+    <dgm:cxn modelId="{5A7A4117-A76B-B34A-8DB6-A57DA47E9CE5}" type="presOf" srcId="{62047629-E52A-284B-83D2-588FF7B8B97A}" destId="{81A64EFC-3CBE-C844-BF59-98CF511806C6}" srcOrd="0" destOrd="0" presId="urn:microsoft.com/office/officeart/2016/7/layout/RepeatingBendingProcessNew"/>
+    <dgm:cxn modelId="{ACE5E352-9C78-4043-A545-1E10E9514CC2}" type="presOf" srcId="{BF56499D-67D8-9245-8F21-5369813FC338}" destId="{5EEE3EE2-B98E-7E45-99C2-732E9361EDDE}" srcOrd="0" destOrd="0" presId="urn:microsoft.com/office/officeart/2016/7/layout/RepeatingBendingProcessNew"/>
+    <dgm:cxn modelId="{EBAFE160-B6EC-5F46-8F73-A385EEAA1FAA}" type="presOf" srcId="{A65E0BA2-400F-2246-A397-44DE666D2D3A}" destId="{30469CA7-E6B8-3A45-8494-FB906ACE40D5}" srcOrd="1" destOrd="0" presId="urn:microsoft.com/office/officeart/2016/7/layout/RepeatingBendingProcessNew"/>
+    <dgm:cxn modelId="{4D037566-F5C4-F349-9829-DA315F6C0FF1}" type="presOf" srcId="{EA1065AE-525E-244C-952A-B85BD6D72DEB}" destId="{5947CF7D-184A-8047-85A4-5FBAFB0A4803}" srcOrd="1" destOrd="0" presId="urn:microsoft.com/office/officeart/2016/7/layout/RepeatingBendingProcessNew"/>
+    <dgm:cxn modelId="{B21E2A74-399E-1B42-AC50-352623C53375}" srcId="{24E0129C-5D95-3C47-9B06-04043CA55473}" destId="{BF56499D-67D8-9245-8F21-5369813FC338}" srcOrd="4" destOrd="0" parTransId="{830F276B-D9D6-7C44-9266-7F95A33DF122}" sibTransId="{805BC26B-79AE-C54B-A389-ADD6762194EB}"/>
+    <dgm:cxn modelId="{B8035879-96C6-114A-AEF4-F2694F022928}" type="presOf" srcId="{805BC26B-79AE-C54B-A389-ADD6762194EB}" destId="{2427FBF3-8696-284D-9B34-2AF2DBDFAD92}" srcOrd="1" destOrd="0" presId="urn:microsoft.com/office/officeart/2016/7/layout/RepeatingBendingProcessNew"/>
+    <dgm:cxn modelId="{3680B27B-E61F-0644-9905-2A6E0A989D6C}" type="presOf" srcId="{D8A76DA0-028A-4347-B367-C963157D82D0}" destId="{91928AE0-5695-A645-B797-1F99B5BCB375}" srcOrd="0" destOrd="0" presId="urn:microsoft.com/office/officeart/2016/7/layout/RepeatingBendingProcessNew"/>
+    <dgm:cxn modelId="{846F277D-63CC-224E-8714-7A7ACAEF8358}" type="presOf" srcId="{24E0129C-5D95-3C47-9B06-04043CA55473}" destId="{A9842184-3B57-3F40-9574-58774314FAAA}" srcOrd="0" destOrd="0" presId="urn:microsoft.com/office/officeart/2016/7/layout/RepeatingBendingProcessNew"/>
+    <dgm:cxn modelId="{6872C27D-205A-C94F-85EF-3DAD0CFA0E38}" srcId="{24E0129C-5D95-3C47-9B06-04043CA55473}" destId="{763B299A-A3A6-C74C-AF8C-5B276FF55B92}" srcOrd="0" destOrd="0" parTransId="{13F4654A-455A-0E41-85F6-63CBA0A33461}" sibTransId="{EA1065AE-525E-244C-952A-B85BD6D72DEB}"/>
+    <dgm:cxn modelId="{3C987F8A-3C96-8E46-89C8-021BDE36B56E}" srcId="{24E0129C-5D95-3C47-9B06-04043CA55473}" destId="{29B1AAED-82D7-6448-80D5-6957BC9BEB51}" srcOrd="3" destOrd="0" parTransId="{83D52DB2-16DC-4841-B7E8-14D05A53C895}" sibTransId="{A65E0BA2-400F-2246-A397-44DE666D2D3A}"/>
+    <dgm:cxn modelId="{3E8F648F-8765-3E4D-835E-161BD1F58846}" srcId="{24E0129C-5D95-3C47-9B06-04043CA55473}" destId="{C03BADCA-9FD8-8C4F-804F-4DA3C9FF831C}" srcOrd="5" destOrd="0" parTransId="{9C4A3FD5-F1B8-704B-BB4D-674827F98DA7}" sibTransId="{8F1AD1F0-B5F0-0646-8549-8CABBC31C689}"/>
+    <dgm:cxn modelId="{34137092-4DAF-5341-94BF-9A26F5C586FD}" srcId="{24E0129C-5D95-3C47-9B06-04043CA55473}" destId="{9E0B73BB-25E6-244C-88D2-C78394E258A0}" srcOrd="1" destOrd="0" parTransId="{B10C9FC0-E9BD-4144-839B-705700E99C0F}" sibTransId="{D8A76DA0-028A-4347-B367-C963157D82D0}"/>
+    <dgm:cxn modelId="{FB8E7793-1C92-984E-9312-584A41BA5327}" type="presOf" srcId="{805BC26B-79AE-C54B-A389-ADD6762194EB}" destId="{68E63C77-68DE-254F-B45A-682CA93DA124}" srcOrd="0" destOrd="0" presId="urn:microsoft.com/office/officeart/2016/7/layout/RepeatingBendingProcessNew"/>
+    <dgm:cxn modelId="{53154A98-3C5E-0445-81F9-FEDFF06A55AF}" type="presOf" srcId="{62047629-E52A-284B-83D2-588FF7B8B97A}" destId="{C8C99527-29E6-DF43-A162-B4E53A17A8BE}" srcOrd="1" destOrd="0" presId="urn:microsoft.com/office/officeart/2016/7/layout/RepeatingBendingProcessNew"/>
+    <dgm:cxn modelId="{C54FBC9D-9D47-0D42-A293-45EB37FF6564}" type="presOf" srcId="{D8A76DA0-028A-4347-B367-C963157D82D0}" destId="{CE8E6D10-26EC-7B4B-BE07-0AEBE15A1A78}" srcOrd="1" destOrd="0" presId="urn:microsoft.com/office/officeart/2016/7/layout/RepeatingBendingProcessNew"/>
+    <dgm:cxn modelId="{121F63A8-7315-714B-A601-8DBB2A0653BE}" type="presOf" srcId="{9E0B73BB-25E6-244C-88D2-C78394E258A0}" destId="{731C0595-CC30-5E40-9ED6-2C24E200E2A9}" srcOrd="0" destOrd="0" presId="urn:microsoft.com/office/officeart/2016/7/layout/RepeatingBendingProcessNew"/>
+    <dgm:cxn modelId="{5DB699AC-D2C8-E44C-B7FB-7E0B1C4C0D4E}" type="presOf" srcId="{A65E0BA2-400F-2246-A397-44DE666D2D3A}" destId="{63152D2C-8FF2-0D42-B4D7-185E3E7F0AC2}" srcOrd="0" destOrd="0" presId="urn:microsoft.com/office/officeart/2016/7/layout/RepeatingBendingProcessNew"/>
+    <dgm:cxn modelId="{04D63CBB-8F0F-374A-B25A-C51178184BF4}" type="presOf" srcId="{763B299A-A3A6-C74C-AF8C-5B276FF55B92}" destId="{F2BA00D6-6FEF-7B4D-8726-4914B8C25F8C}" srcOrd="0" destOrd="0" presId="urn:microsoft.com/office/officeart/2016/7/layout/RepeatingBendingProcessNew"/>
+    <dgm:cxn modelId="{4D80C1CE-C1EF-DA42-9D2C-1DA5CEC1D0DB}" type="presOf" srcId="{C03BADCA-9FD8-8C4F-804F-4DA3C9FF831C}" destId="{7D06A5B2-6EF9-4947-A9A1-FB1630F94575}" srcOrd="0" destOrd="0" presId="urn:microsoft.com/office/officeart/2016/7/layout/RepeatingBendingProcessNew"/>
+    <dgm:cxn modelId="{1B1691FC-736E-4544-9E56-D29710874CEF}" type="presOf" srcId="{EA1065AE-525E-244C-952A-B85BD6D72DEB}" destId="{789B7193-0E59-3B47-86C6-E46AE56ADB7D}" srcOrd="0" destOrd="0" presId="urn:microsoft.com/office/officeart/2016/7/layout/RepeatingBendingProcessNew"/>
+    <dgm:cxn modelId="{92AAA5FE-6A7F-0D46-92D2-DDC1E66DD851}" type="presOf" srcId="{AB00244D-9919-D542-8AA4-999F3F2E3475}" destId="{3C001CB2-ED33-074F-BBB6-915B5FCB69A0}" srcOrd="0" destOrd="0" presId="urn:microsoft.com/office/officeart/2016/7/layout/RepeatingBendingProcessNew"/>
+    <dgm:cxn modelId="{E35B08AA-94AF-4944-8A4B-4791A594D66A}" type="presParOf" srcId="{A9842184-3B57-3F40-9574-58774314FAAA}" destId="{F2BA00D6-6FEF-7B4D-8726-4914B8C25F8C}" srcOrd="0" destOrd="0" presId="urn:microsoft.com/office/officeart/2016/7/layout/RepeatingBendingProcessNew"/>
+    <dgm:cxn modelId="{F78EB7CF-FE1D-CB4D-92BD-1E839234337A}" type="presParOf" srcId="{A9842184-3B57-3F40-9574-58774314FAAA}" destId="{789B7193-0E59-3B47-86C6-E46AE56ADB7D}" srcOrd="1" destOrd="0" presId="urn:microsoft.com/office/officeart/2016/7/layout/RepeatingBendingProcessNew"/>
+    <dgm:cxn modelId="{B646480F-2BDE-8F41-9F38-27D7219C72D7}" type="presParOf" srcId="{789B7193-0E59-3B47-86C6-E46AE56ADB7D}" destId="{5947CF7D-184A-8047-85A4-5FBAFB0A4803}" srcOrd="0" destOrd="0" presId="urn:microsoft.com/office/officeart/2016/7/layout/RepeatingBendingProcessNew"/>
+    <dgm:cxn modelId="{3F5793EA-E0AF-D741-A611-B98ABCCAEC67}" type="presParOf" srcId="{A9842184-3B57-3F40-9574-58774314FAAA}" destId="{731C0595-CC30-5E40-9ED6-2C24E200E2A9}" srcOrd="2" destOrd="0" presId="urn:microsoft.com/office/officeart/2016/7/layout/RepeatingBendingProcessNew"/>
+    <dgm:cxn modelId="{656DAA0A-02D7-AE42-BA8B-7F841AA654E6}" type="presParOf" srcId="{A9842184-3B57-3F40-9574-58774314FAAA}" destId="{91928AE0-5695-A645-B797-1F99B5BCB375}" srcOrd="3" destOrd="0" presId="urn:microsoft.com/office/officeart/2016/7/layout/RepeatingBendingProcessNew"/>
+    <dgm:cxn modelId="{E08DA577-31BA-1841-8944-65A50DACA770}" type="presParOf" srcId="{91928AE0-5695-A645-B797-1F99B5BCB375}" destId="{CE8E6D10-26EC-7B4B-BE07-0AEBE15A1A78}" srcOrd="0" destOrd="0" presId="urn:microsoft.com/office/officeart/2016/7/layout/RepeatingBendingProcessNew"/>
+    <dgm:cxn modelId="{A4EC982D-5C02-8446-B9BF-51D63FB437A3}" type="presParOf" srcId="{A9842184-3B57-3F40-9574-58774314FAAA}" destId="{3C001CB2-ED33-074F-BBB6-915B5FCB69A0}" srcOrd="4" destOrd="0" presId="urn:microsoft.com/office/officeart/2016/7/layout/RepeatingBendingProcessNew"/>
+    <dgm:cxn modelId="{5EC7A8EA-2100-9445-A436-172C9093E62D}" type="presParOf" srcId="{A9842184-3B57-3F40-9574-58774314FAAA}" destId="{81A64EFC-3CBE-C844-BF59-98CF511806C6}" srcOrd="5" destOrd="0" presId="urn:microsoft.com/office/officeart/2016/7/layout/RepeatingBendingProcessNew"/>
+    <dgm:cxn modelId="{7C4DF951-9B0D-4D46-AB15-F353AFA43CA6}" type="presParOf" srcId="{81A64EFC-3CBE-C844-BF59-98CF511806C6}" destId="{C8C99527-29E6-DF43-A162-B4E53A17A8BE}" srcOrd="0" destOrd="0" presId="urn:microsoft.com/office/officeart/2016/7/layout/RepeatingBendingProcessNew"/>
+    <dgm:cxn modelId="{2C710DB0-81DD-924A-95D7-09AFD39F86A2}" type="presParOf" srcId="{A9842184-3B57-3F40-9574-58774314FAAA}" destId="{396D08B0-2B1B-DA4D-8422-2BC14DAF0B6C}" srcOrd="6" destOrd="0" presId="urn:microsoft.com/office/officeart/2016/7/layout/RepeatingBendingProcessNew"/>
+    <dgm:cxn modelId="{281A7A29-BEB6-594F-A271-7F363E4F2919}" type="presParOf" srcId="{A9842184-3B57-3F40-9574-58774314FAAA}" destId="{63152D2C-8FF2-0D42-B4D7-185E3E7F0AC2}" srcOrd="7" destOrd="0" presId="urn:microsoft.com/office/officeart/2016/7/layout/RepeatingBendingProcessNew"/>
+    <dgm:cxn modelId="{84955DFD-7A6F-3341-BBE4-76F1F7B652E9}" type="presParOf" srcId="{63152D2C-8FF2-0D42-B4D7-185E3E7F0AC2}" destId="{30469CA7-E6B8-3A45-8494-FB906ACE40D5}" srcOrd="0" destOrd="0" presId="urn:microsoft.com/office/officeart/2016/7/layout/RepeatingBendingProcessNew"/>
+    <dgm:cxn modelId="{F08255A2-D57D-F443-8D13-E8E522208888}" type="presParOf" srcId="{A9842184-3B57-3F40-9574-58774314FAAA}" destId="{5EEE3EE2-B98E-7E45-99C2-732E9361EDDE}" srcOrd="8" destOrd="0" presId="urn:microsoft.com/office/officeart/2016/7/layout/RepeatingBendingProcessNew"/>
+    <dgm:cxn modelId="{6242D796-C4A0-3347-B956-7E5A68239DA8}" type="presParOf" srcId="{A9842184-3B57-3F40-9574-58774314FAAA}" destId="{68E63C77-68DE-254F-B45A-682CA93DA124}" srcOrd="9" destOrd="0" presId="urn:microsoft.com/office/officeart/2016/7/layout/RepeatingBendingProcessNew"/>
+    <dgm:cxn modelId="{3AA28C3D-88F4-654F-BC91-17A2A6C00BF5}" type="presParOf" srcId="{68E63C77-68DE-254F-B45A-682CA93DA124}" destId="{2427FBF3-8696-284D-9B34-2AF2DBDFAD92}" srcOrd="0" destOrd="0" presId="urn:microsoft.com/office/officeart/2016/7/layout/RepeatingBendingProcessNew"/>
+    <dgm:cxn modelId="{4FBB35BD-1F4A-CC43-8C3F-141AB999695A}" type="presParOf" srcId="{A9842184-3B57-3F40-9574-58774314FAAA}" destId="{7D06A5B2-6EF9-4947-A9A1-FB1630F94575}" srcOrd="10" destOrd="0" presId="urn:microsoft.com/office/officeart/2016/7/layout/RepeatingBendingProcessNew"/>
+  </dgm:cxnLst>
+  <dgm:bg/>
+  <dgm:whole/>
+  <dgm:extLst>
+    <a:ext uri="http://schemas.microsoft.com/office/drawing/2008/diagram">
+      <dsp:dataModelExt xmlns:dsp="http://schemas.microsoft.com/office/drawing/2008/diagram" relId="rId6" minVer="http://schemas.openxmlformats.org/drawingml/2006/diagram"/>
+    </a:ext>
+  </dgm:extLst>
+</dgm:dataModel>
+</file>
+
+<file path=ppt/diagrams/data3.xml><?xml version="1.0" encoding="utf-8"?>
 <dgm:dataModel xmlns:dgm="http://schemas.openxmlformats.org/drawingml/2006/diagram" xmlns:a="http://schemas.openxmlformats.org/drawingml/2006/main">
   <dgm:ptLst>
     <dgm:pt modelId="{A1BFBDD7-1E18-445F-8115-E09FF590B384}" type="doc">
@@ -1517,6 +4024,1523 @@
 </file>
 
 <file path=ppt/diagrams/drawing1.xml><?xml version="1.0" encoding="utf-8"?>
+<dsp:drawing xmlns:dgm="http://schemas.openxmlformats.org/drawingml/2006/diagram" xmlns:dsp="http://schemas.microsoft.com/office/drawing/2008/diagram" xmlns:a="http://schemas.openxmlformats.org/drawingml/2006/main">
+  <dsp:spTree>
+    <dsp:nvGrpSpPr>
+      <dsp:cNvPr id="0" name=""/>
+      <dsp:cNvGrpSpPr/>
+    </dsp:nvGrpSpPr>
+    <dsp:grpSpPr/>
+    <dsp:sp modelId="{F5C48B4C-8060-4E75-8ACF-E747ACF8BC75}">
+      <dsp:nvSpPr>
+        <dsp:cNvPr id="0" name=""/>
+        <dsp:cNvSpPr/>
+      </dsp:nvSpPr>
+      <dsp:spPr>
+        <a:xfrm>
+          <a:off x="0" y="2312"/>
+          <a:ext cx="6269038" cy="1172105"/>
+        </a:xfrm>
+        <a:prstGeom prst="roundRect">
+          <a:avLst>
+            <a:gd name="adj" fmla="val 10000"/>
+          </a:avLst>
+        </a:prstGeom>
+        <a:solidFill>
+          <a:schemeClr val="bg1">
+            <a:lumMod val="95000"/>
+            <a:hueOff val="0"/>
+            <a:satOff val="0"/>
+            <a:lumOff val="0"/>
+            <a:alphaOff val="0"/>
+          </a:schemeClr>
+        </a:solidFill>
+        <a:ln>
+          <a:noFill/>
+        </a:ln>
+        <a:effectLst/>
+      </dsp:spPr>
+      <dsp:style>
+        <a:lnRef idx="0">
+          <a:scrgbClr r="0" g="0" b="0"/>
+        </a:lnRef>
+        <a:fillRef idx="1">
+          <a:scrgbClr r="0" g="0" b="0"/>
+        </a:fillRef>
+        <a:effectRef idx="0">
+          <a:scrgbClr r="0" g="0" b="0"/>
+        </a:effectRef>
+        <a:fontRef idx="minor"/>
+      </dsp:style>
+    </dsp:sp>
+    <dsp:sp modelId="{706D5633-3D99-4AFA-A740-8440EAC7119D}">
+      <dsp:nvSpPr>
+        <dsp:cNvPr id="0" name=""/>
+        <dsp:cNvSpPr/>
+      </dsp:nvSpPr>
+      <dsp:spPr>
+        <a:xfrm>
+          <a:off x="354561" y="266036"/>
+          <a:ext cx="644657" cy="644657"/>
+        </a:xfrm>
+        <a:prstGeom prst="rect">
+          <a:avLst/>
+        </a:prstGeom>
+        <a:blipFill>
+          <a:blip xmlns:r="http://schemas.openxmlformats.org/officeDocument/2006/relationships" r:embed="rId1">
+            <a:extLst>
+              <a:ext uri="{28A0092B-C50C-407E-A947-70E740481C1C}">
+                <a14:useLocalDpi xmlns:a14="http://schemas.microsoft.com/office/drawing/2010/main" val="0"/>
+              </a:ext>
+              <a:ext uri="{96DAC541-7B7A-43D3-8B79-37D633B846F1}">
+                <asvg:svgBlip xmlns:asvg="http://schemas.microsoft.com/office/drawing/2016/SVG/main" r:embed="rId2"/>
+              </a:ext>
+            </a:extLst>
+          </a:blip>
+          <a:stretch>
+            <a:fillRect/>
+          </a:stretch>
+        </a:blipFill>
+        <a:ln w="12700" cap="flat" cmpd="sng" algn="ctr">
+          <a:noFill/>
+          <a:prstDash val="solid"/>
+          <a:miter lim="800000"/>
+        </a:ln>
+        <a:effectLst/>
+      </dsp:spPr>
+      <dsp:style>
+        <a:lnRef idx="2">
+          <a:scrgbClr r="0" g="0" b="0"/>
+        </a:lnRef>
+        <a:fillRef idx="1">
+          <a:scrgbClr r="0" g="0" b="0"/>
+        </a:fillRef>
+        <a:effectRef idx="0">
+          <a:scrgbClr r="0" g="0" b="0"/>
+        </a:effectRef>
+        <a:fontRef idx="minor">
+          <a:schemeClr val="lt1"/>
+        </a:fontRef>
+      </dsp:style>
+    </dsp:sp>
+    <dsp:sp modelId="{88F792CC-4D58-4D66-B760-DB2C40964188}">
+      <dsp:nvSpPr>
+        <dsp:cNvPr id="0" name=""/>
+        <dsp:cNvSpPr/>
+      </dsp:nvSpPr>
+      <dsp:spPr>
+        <a:xfrm>
+          <a:off x="1353781" y="2312"/>
+          <a:ext cx="4915256" cy="1172105"/>
+        </a:xfrm>
+        <a:prstGeom prst="rect">
+          <a:avLst/>
+        </a:prstGeom>
+        <a:noFill/>
+        <a:ln>
+          <a:noFill/>
+        </a:ln>
+        <a:effectLst/>
+      </dsp:spPr>
+      <dsp:style>
+        <a:lnRef idx="0">
+          <a:scrgbClr r="0" g="0" b="0"/>
+        </a:lnRef>
+        <a:fillRef idx="0">
+          <a:scrgbClr r="0" g="0" b="0"/>
+        </a:fillRef>
+        <a:effectRef idx="0">
+          <a:scrgbClr r="0" g="0" b="0"/>
+        </a:effectRef>
+        <a:fontRef idx="minor"/>
+      </dsp:style>
+      <dsp:txBody>
+        <a:bodyPr spcFirstLastPara="0" vert="horz" wrap="square" lIns="124048" tIns="124048" rIns="124048" bIns="124048" numCol="1" spcCol="1270" anchor="ctr" anchorCtr="0">
+          <a:noAutofit/>
+        </a:bodyPr>
+        <a:lstStyle/>
+        <a:p>
+          <a:pPr marL="0" lvl="0" indent="0" algn="l" defTabSz="977900">
+            <a:lnSpc>
+              <a:spcPct val="100000"/>
+            </a:lnSpc>
+            <a:spcBef>
+              <a:spcPct val="0"/>
+            </a:spcBef>
+            <a:spcAft>
+              <a:spcPct val="35000"/>
+            </a:spcAft>
+            <a:buNone/>
+          </a:pPr>
+          <a:r>
+            <a:rPr lang="en-US" sz="2200" kern="1200"/>
+            <a:t>JIT compiled</a:t>
+          </a:r>
+        </a:p>
+      </dsp:txBody>
+      <dsp:txXfrm>
+        <a:off x="1353781" y="2312"/>
+        <a:ext cx="4915256" cy="1172105"/>
+      </dsp:txXfrm>
+    </dsp:sp>
+    <dsp:sp modelId="{6F519BB0-4B10-43F4-B427-BD22F8FA1124}">
+      <dsp:nvSpPr>
+        <dsp:cNvPr id="0" name=""/>
+        <dsp:cNvSpPr/>
+      </dsp:nvSpPr>
+      <dsp:spPr>
+        <a:xfrm>
+          <a:off x="0" y="1467444"/>
+          <a:ext cx="6269038" cy="1172105"/>
+        </a:xfrm>
+        <a:prstGeom prst="roundRect">
+          <a:avLst>
+            <a:gd name="adj" fmla="val 10000"/>
+          </a:avLst>
+        </a:prstGeom>
+        <a:solidFill>
+          <a:schemeClr val="bg1">
+            <a:lumMod val="95000"/>
+            <a:hueOff val="0"/>
+            <a:satOff val="0"/>
+            <a:lumOff val="0"/>
+            <a:alphaOff val="0"/>
+          </a:schemeClr>
+        </a:solidFill>
+        <a:ln>
+          <a:noFill/>
+        </a:ln>
+        <a:effectLst/>
+      </dsp:spPr>
+      <dsp:style>
+        <a:lnRef idx="0">
+          <a:scrgbClr r="0" g="0" b="0"/>
+        </a:lnRef>
+        <a:fillRef idx="1">
+          <a:scrgbClr r="0" g="0" b="0"/>
+        </a:fillRef>
+        <a:effectRef idx="0">
+          <a:scrgbClr r="0" g="0" b="0"/>
+        </a:effectRef>
+        <a:fontRef idx="minor"/>
+      </dsp:style>
+    </dsp:sp>
+    <dsp:sp modelId="{73FAAFF6-FA3B-49EB-B7AC-D6BF3937BE00}">
+      <dsp:nvSpPr>
+        <dsp:cNvPr id="0" name=""/>
+        <dsp:cNvSpPr/>
+      </dsp:nvSpPr>
+      <dsp:spPr>
+        <a:xfrm>
+          <a:off x="354561" y="1731167"/>
+          <a:ext cx="644657" cy="644657"/>
+        </a:xfrm>
+        <a:prstGeom prst="rect">
+          <a:avLst/>
+        </a:prstGeom>
+        <a:blipFill>
+          <a:blip xmlns:r="http://schemas.openxmlformats.org/officeDocument/2006/relationships" r:embed="rId3">
+            <a:extLst>
+              <a:ext uri="{28A0092B-C50C-407E-A947-70E740481C1C}">
+                <a14:useLocalDpi xmlns:a14="http://schemas.microsoft.com/office/drawing/2010/main" val="0"/>
+              </a:ext>
+              <a:ext uri="{96DAC541-7B7A-43D3-8B79-37D633B846F1}">
+                <asvg:svgBlip xmlns:asvg="http://schemas.microsoft.com/office/drawing/2016/SVG/main" r:embed="rId4"/>
+              </a:ext>
+            </a:extLst>
+          </a:blip>
+          <a:stretch>
+            <a:fillRect/>
+          </a:stretch>
+        </a:blipFill>
+        <a:ln w="12700" cap="flat" cmpd="sng" algn="ctr">
+          <a:noFill/>
+          <a:prstDash val="solid"/>
+          <a:miter lim="800000"/>
+        </a:ln>
+        <a:effectLst/>
+      </dsp:spPr>
+      <dsp:style>
+        <a:lnRef idx="2">
+          <a:scrgbClr r="0" g="0" b="0"/>
+        </a:lnRef>
+        <a:fillRef idx="1">
+          <a:scrgbClr r="0" g="0" b="0"/>
+        </a:fillRef>
+        <a:effectRef idx="0">
+          <a:scrgbClr r="0" g="0" b="0"/>
+        </a:effectRef>
+        <a:fontRef idx="minor">
+          <a:schemeClr val="lt1"/>
+        </a:fontRef>
+      </dsp:style>
+    </dsp:sp>
+    <dsp:sp modelId="{771A816C-236F-47DA-91A9-4ECB1DB57A28}">
+      <dsp:nvSpPr>
+        <dsp:cNvPr id="0" name=""/>
+        <dsp:cNvSpPr/>
+      </dsp:nvSpPr>
+      <dsp:spPr>
+        <a:xfrm>
+          <a:off x="1353781" y="1467444"/>
+          <a:ext cx="4915256" cy="1172105"/>
+        </a:xfrm>
+        <a:prstGeom prst="rect">
+          <a:avLst/>
+        </a:prstGeom>
+        <a:noFill/>
+        <a:ln>
+          <a:noFill/>
+        </a:ln>
+        <a:effectLst/>
+      </dsp:spPr>
+      <dsp:style>
+        <a:lnRef idx="0">
+          <a:scrgbClr r="0" g="0" b="0"/>
+        </a:lnRef>
+        <a:fillRef idx="0">
+          <a:scrgbClr r="0" g="0" b="0"/>
+        </a:fillRef>
+        <a:effectRef idx="0">
+          <a:scrgbClr r="0" g="0" b="0"/>
+        </a:effectRef>
+        <a:fontRef idx="minor"/>
+      </dsp:style>
+      <dsp:txBody>
+        <a:bodyPr spcFirstLastPara="0" vert="horz" wrap="square" lIns="124048" tIns="124048" rIns="124048" bIns="124048" numCol="1" spcCol="1270" anchor="ctr" anchorCtr="0">
+          <a:noAutofit/>
+        </a:bodyPr>
+        <a:lstStyle/>
+        <a:p>
+          <a:pPr marL="0" lvl="0" indent="0" algn="l" defTabSz="977900">
+            <a:lnSpc>
+              <a:spcPct val="100000"/>
+            </a:lnSpc>
+            <a:spcBef>
+              <a:spcPct val="0"/>
+            </a:spcBef>
+            <a:spcAft>
+              <a:spcPct val="35000"/>
+            </a:spcAft>
+            <a:buNone/>
+          </a:pPr>
+          <a:r>
+            <a:rPr lang="en-US" sz="2200" kern="1200"/>
+            <a:t>Cached compilation</a:t>
+          </a:r>
+        </a:p>
+      </dsp:txBody>
+      <dsp:txXfrm>
+        <a:off x="1353781" y="1467444"/>
+        <a:ext cx="4915256" cy="1172105"/>
+      </dsp:txXfrm>
+    </dsp:sp>
+    <dsp:sp modelId="{B0DCE167-3814-4343-A426-B8573228F429}">
+      <dsp:nvSpPr>
+        <dsp:cNvPr id="0" name=""/>
+        <dsp:cNvSpPr/>
+      </dsp:nvSpPr>
+      <dsp:spPr>
+        <a:xfrm>
+          <a:off x="0" y="2932575"/>
+          <a:ext cx="6269038" cy="1172105"/>
+        </a:xfrm>
+        <a:prstGeom prst="roundRect">
+          <a:avLst>
+            <a:gd name="adj" fmla="val 10000"/>
+          </a:avLst>
+        </a:prstGeom>
+        <a:solidFill>
+          <a:schemeClr val="bg1">
+            <a:lumMod val="95000"/>
+            <a:hueOff val="0"/>
+            <a:satOff val="0"/>
+            <a:lumOff val="0"/>
+            <a:alphaOff val="0"/>
+          </a:schemeClr>
+        </a:solidFill>
+        <a:ln>
+          <a:noFill/>
+        </a:ln>
+        <a:effectLst/>
+      </dsp:spPr>
+      <dsp:style>
+        <a:lnRef idx="0">
+          <a:scrgbClr r="0" g="0" b="0"/>
+        </a:lnRef>
+        <a:fillRef idx="1">
+          <a:scrgbClr r="0" g="0" b="0"/>
+        </a:fillRef>
+        <a:effectRef idx="0">
+          <a:scrgbClr r="0" g="0" b="0"/>
+        </a:effectRef>
+        <a:fontRef idx="minor"/>
+      </dsp:style>
+    </dsp:sp>
+    <dsp:sp modelId="{A6AFA730-E6B4-483A-801C-1E9ED10C7755}">
+      <dsp:nvSpPr>
+        <dsp:cNvPr id="0" name=""/>
+        <dsp:cNvSpPr/>
+      </dsp:nvSpPr>
+      <dsp:spPr>
+        <a:xfrm>
+          <a:off x="354561" y="3196299"/>
+          <a:ext cx="644657" cy="644657"/>
+        </a:xfrm>
+        <a:prstGeom prst="rect">
+          <a:avLst/>
+        </a:prstGeom>
+        <a:blipFill>
+          <a:blip xmlns:r="http://schemas.openxmlformats.org/officeDocument/2006/relationships" r:embed="rId5">
+            <a:extLst>
+              <a:ext uri="{28A0092B-C50C-407E-A947-70E740481C1C}">
+                <a14:useLocalDpi xmlns:a14="http://schemas.microsoft.com/office/drawing/2010/main" val="0"/>
+              </a:ext>
+              <a:ext uri="{96DAC541-7B7A-43D3-8B79-37D633B846F1}">
+                <asvg:svgBlip xmlns:asvg="http://schemas.microsoft.com/office/drawing/2016/SVG/main" r:embed="rId6"/>
+              </a:ext>
+            </a:extLst>
+          </a:blip>
+          <a:stretch>
+            <a:fillRect/>
+          </a:stretch>
+        </a:blipFill>
+        <a:ln w="12700" cap="flat" cmpd="sng" algn="ctr">
+          <a:noFill/>
+          <a:prstDash val="solid"/>
+          <a:miter lim="800000"/>
+        </a:ln>
+        <a:effectLst/>
+      </dsp:spPr>
+      <dsp:style>
+        <a:lnRef idx="2">
+          <a:scrgbClr r="0" g="0" b="0"/>
+        </a:lnRef>
+        <a:fillRef idx="1">
+          <a:scrgbClr r="0" g="0" b="0"/>
+        </a:fillRef>
+        <a:effectRef idx="0">
+          <a:scrgbClr r="0" g="0" b="0"/>
+        </a:effectRef>
+        <a:fontRef idx="minor">
+          <a:schemeClr val="lt1"/>
+        </a:fontRef>
+      </dsp:style>
+    </dsp:sp>
+    <dsp:sp modelId="{24EE8E12-9E10-4432-84D4-33424916AD87}">
+      <dsp:nvSpPr>
+        <dsp:cNvPr id="0" name=""/>
+        <dsp:cNvSpPr/>
+      </dsp:nvSpPr>
+      <dsp:spPr>
+        <a:xfrm>
+          <a:off x="1353781" y="2932575"/>
+          <a:ext cx="4915256" cy="1172105"/>
+        </a:xfrm>
+        <a:prstGeom prst="rect">
+          <a:avLst/>
+        </a:prstGeom>
+        <a:noFill/>
+        <a:ln>
+          <a:noFill/>
+        </a:ln>
+        <a:effectLst/>
+      </dsp:spPr>
+      <dsp:style>
+        <a:lnRef idx="0">
+          <a:scrgbClr r="0" g="0" b="0"/>
+        </a:lnRef>
+        <a:fillRef idx="0">
+          <a:scrgbClr r="0" g="0" b="0"/>
+        </a:fillRef>
+        <a:effectRef idx="0">
+          <a:scrgbClr r="0" g="0" b="0"/>
+        </a:effectRef>
+        <a:fontRef idx="minor"/>
+      </dsp:style>
+      <dsp:txBody>
+        <a:bodyPr spcFirstLastPara="0" vert="horz" wrap="square" lIns="124048" tIns="124048" rIns="124048" bIns="124048" numCol="1" spcCol="1270" anchor="ctr" anchorCtr="0">
+          <a:noAutofit/>
+        </a:bodyPr>
+        <a:lstStyle/>
+        <a:p>
+          <a:pPr marL="0" lvl="0" indent="0" algn="l" defTabSz="977900">
+            <a:lnSpc>
+              <a:spcPct val="100000"/>
+            </a:lnSpc>
+            <a:spcBef>
+              <a:spcPct val="0"/>
+            </a:spcBef>
+            <a:spcAft>
+              <a:spcPct val="35000"/>
+            </a:spcAft>
+            <a:buNone/>
+          </a:pPr>
+          <a:r>
+            <a:rPr lang="en-US" sz="2200" kern="1200"/>
+            <a:t>Type Inference</a:t>
+          </a:r>
+        </a:p>
+      </dsp:txBody>
+      <dsp:txXfrm>
+        <a:off x="1353781" y="2932575"/>
+        <a:ext cx="4915256" cy="1172105"/>
+      </dsp:txXfrm>
+    </dsp:sp>
+    <dsp:sp modelId="{BE86A51C-9C1E-4B46-BE97-3004A56E2F81}">
+      <dsp:nvSpPr>
+        <dsp:cNvPr id="0" name=""/>
+        <dsp:cNvSpPr/>
+      </dsp:nvSpPr>
+      <dsp:spPr>
+        <a:xfrm>
+          <a:off x="0" y="4397707"/>
+          <a:ext cx="6269038" cy="1172105"/>
+        </a:xfrm>
+        <a:prstGeom prst="roundRect">
+          <a:avLst>
+            <a:gd name="adj" fmla="val 10000"/>
+          </a:avLst>
+        </a:prstGeom>
+        <a:solidFill>
+          <a:schemeClr val="bg1">
+            <a:lumMod val="95000"/>
+            <a:hueOff val="0"/>
+            <a:satOff val="0"/>
+            <a:lumOff val="0"/>
+            <a:alphaOff val="0"/>
+          </a:schemeClr>
+        </a:solidFill>
+        <a:ln>
+          <a:noFill/>
+        </a:ln>
+        <a:effectLst/>
+      </dsp:spPr>
+      <dsp:style>
+        <a:lnRef idx="0">
+          <a:scrgbClr r="0" g="0" b="0"/>
+        </a:lnRef>
+        <a:fillRef idx="1">
+          <a:scrgbClr r="0" g="0" b="0"/>
+        </a:fillRef>
+        <a:effectRef idx="0">
+          <a:scrgbClr r="0" g="0" b="0"/>
+        </a:effectRef>
+        <a:fontRef idx="minor"/>
+      </dsp:style>
+    </dsp:sp>
+    <dsp:sp modelId="{478533BB-60F0-452D-A162-CC7735209C16}">
+      <dsp:nvSpPr>
+        <dsp:cNvPr id="0" name=""/>
+        <dsp:cNvSpPr/>
+      </dsp:nvSpPr>
+      <dsp:spPr>
+        <a:xfrm>
+          <a:off x="354561" y="4661430"/>
+          <a:ext cx="644657" cy="644657"/>
+        </a:xfrm>
+        <a:prstGeom prst="rect">
+          <a:avLst/>
+        </a:prstGeom>
+        <a:blipFill>
+          <a:blip xmlns:r="http://schemas.openxmlformats.org/officeDocument/2006/relationships" r:embed="rId7">
+            <a:extLst>
+              <a:ext uri="{28A0092B-C50C-407E-A947-70E740481C1C}">
+                <a14:useLocalDpi xmlns:a14="http://schemas.microsoft.com/office/drawing/2010/main" val="0"/>
+              </a:ext>
+              <a:ext uri="{96DAC541-7B7A-43D3-8B79-37D633B846F1}">
+                <asvg:svgBlip xmlns:asvg="http://schemas.microsoft.com/office/drawing/2016/SVG/main" r:embed="rId8"/>
+              </a:ext>
+            </a:extLst>
+          </a:blip>
+          <a:stretch>
+            <a:fillRect/>
+          </a:stretch>
+        </a:blipFill>
+        <a:ln w="12700" cap="flat" cmpd="sng" algn="ctr">
+          <a:noFill/>
+          <a:prstDash val="solid"/>
+          <a:miter lim="800000"/>
+        </a:ln>
+        <a:effectLst/>
+      </dsp:spPr>
+      <dsp:style>
+        <a:lnRef idx="2">
+          <a:scrgbClr r="0" g="0" b="0"/>
+        </a:lnRef>
+        <a:fillRef idx="1">
+          <a:scrgbClr r="0" g="0" b="0"/>
+        </a:fillRef>
+        <a:effectRef idx="0">
+          <a:scrgbClr r="0" g="0" b="0"/>
+        </a:effectRef>
+        <a:fontRef idx="minor">
+          <a:schemeClr val="lt1"/>
+        </a:fontRef>
+      </dsp:style>
+    </dsp:sp>
+    <dsp:sp modelId="{BB2ACA50-68DF-4444-BE19-B8EB3335B515}">
+      <dsp:nvSpPr>
+        <dsp:cNvPr id="0" name=""/>
+        <dsp:cNvSpPr/>
+      </dsp:nvSpPr>
+      <dsp:spPr>
+        <a:xfrm>
+          <a:off x="1353781" y="4397707"/>
+          <a:ext cx="4915256" cy="1172105"/>
+        </a:xfrm>
+        <a:prstGeom prst="rect">
+          <a:avLst/>
+        </a:prstGeom>
+        <a:noFill/>
+        <a:ln>
+          <a:noFill/>
+        </a:ln>
+        <a:effectLst/>
+      </dsp:spPr>
+      <dsp:style>
+        <a:lnRef idx="0">
+          <a:scrgbClr r="0" g="0" b="0"/>
+        </a:lnRef>
+        <a:fillRef idx="0">
+          <a:scrgbClr r="0" g="0" b="0"/>
+        </a:fillRef>
+        <a:effectRef idx="0">
+          <a:scrgbClr r="0" g="0" b="0"/>
+        </a:effectRef>
+        <a:fontRef idx="minor"/>
+      </dsp:style>
+      <dsp:txBody>
+        <a:bodyPr spcFirstLastPara="0" vert="horz" wrap="square" lIns="124048" tIns="124048" rIns="124048" bIns="124048" numCol="1" spcCol="1270" anchor="ctr" anchorCtr="0">
+          <a:noAutofit/>
+        </a:bodyPr>
+        <a:lstStyle/>
+        <a:p>
+          <a:pPr marL="0" lvl="0" indent="0" algn="l" defTabSz="977900">
+            <a:lnSpc>
+              <a:spcPct val="100000"/>
+            </a:lnSpc>
+            <a:spcBef>
+              <a:spcPct val="0"/>
+            </a:spcBef>
+            <a:spcAft>
+              <a:spcPct val="35000"/>
+            </a:spcAft>
+            <a:buNone/>
+          </a:pPr>
+          <a:r>
+            <a:rPr lang="en-US" sz="2200" kern="1200"/>
+            <a:t>Multiple Dispatch</a:t>
+          </a:r>
+        </a:p>
+      </dsp:txBody>
+      <dsp:txXfrm>
+        <a:off x="1353781" y="4397707"/>
+        <a:ext cx="4915256" cy="1172105"/>
+      </dsp:txXfrm>
+    </dsp:sp>
+  </dsp:spTree>
+</dsp:drawing>
+</file>
+
+<file path=ppt/diagrams/drawing2.xml><?xml version="1.0" encoding="utf-8"?>
+<dsp:drawing xmlns:dgm="http://schemas.openxmlformats.org/drawingml/2006/diagram" xmlns:dsp="http://schemas.microsoft.com/office/drawing/2008/diagram" xmlns:a="http://schemas.openxmlformats.org/drawingml/2006/main">
+  <dsp:spTree>
+    <dsp:nvGrpSpPr>
+      <dsp:cNvPr id="0" name=""/>
+      <dsp:cNvGrpSpPr/>
+    </dsp:nvGrpSpPr>
+    <dsp:grpSpPr/>
+    <dsp:sp modelId="{789B7193-0E59-3B47-86C6-E46AE56ADB7D}">
+      <dsp:nvSpPr>
+        <dsp:cNvPr id="0" name=""/>
+        <dsp:cNvSpPr/>
+      </dsp:nvSpPr>
+      <dsp:spPr>
+        <a:xfrm>
+          <a:off x="2850052" y="685988"/>
+          <a:ext cx="529335" cy="91440"/>
+        </a:xfrm>
+        <a:custGeom>
+          <a:avLst/>
+          <a:gdLst/>
+          <a:ahLst/>
+          <a:cxnLst/>
+          <a:rect l="0" t="0" r="0" b="0"/>
+          <a:pathLst>
+            <a:path>
+              <a:moveTo>
+                <a:pt x="0" y="45720"/>
+              </a:moveTo>
+              <a:lnTo>
+                <a:pt x="529335" y="45720"/>
+              </a:lnTo>
+            </a:path>
+          </a:pathLst>
+        </a:custGeom>
+        <a:noFill/>
+        <a:ln w="6350" cap="flat" cmpd="sng" algn="ctr">
+          <a:solidFill>
+            <a:schemeClr val="dk2">
+              <a:hueOff val="0"/>
+              <a:satOff val="0"/>
+              <a:lumOff val="0"/>
+              <a:alphaOff val="0"/>
+            </a:schemeClr>
+          </a:solidFill>
+          <a:prstDash val="solid"/>
+          <a:miter lim="800000"/>
+          <a:tailEnd type="arrow"/>
+        </a:ln>
+        <a:effectLst/>
+      </dsp:spPr>
+      <dsp:style>
+        <a:lnRef idx="1">
+          <a:scrgbClr r="0" g="0" b="0"/>
+        </a:lnRef>
+        <a:fillRef idx="0">
+          <a:scrgbClr r="0" g="0" b="0"/>
+        </a:fillRef>
+        <a:effectRef idx="0">
+          <a:scrgbClr r="0" g="0" b="0"/>
+        </a:effectRef>
+        <a:fontRef idx="minor"/>
+      </dsp:style>
+      <dsp:txBody>
+        <a:bodyPr spcFirstLastPara="0" vert="horz" wrap="square" lIns="12700" tIns="0" rIns="12700" bIns="0" numCol="1" spcCol="1270" anchor="ctr" anchorCtr="0">
+          <a:noAutofit/>
+        </a:bodyPr>
+        <a:lstStyle/>
+        <a:p>
+          <a:pPr marL="0" lvl="0" indent="0" algn="ctr" defTabSz="222250">
+            <a:lnSpc>
+              <a:spcPct val="90000"/>
+            </a:lnSpc>
+            <a:spcBef>
+              <a:spcPct val="0"/>
+            </a:spcBef>
+            <a:spcAft>
+              <a:spcPct val="35000"/>
+            </a:spcAft>
+            <a:buNone/>
+          </a:pPr>
+          <a:endParaRPr lang="en-US" sz="500" kern="1200"/>
+        </a:p>
+      </dsp:txBody>
+      <dsp:txXfrm>
+        <a:off x="3100721" y="728908"/>
+        <a:ext cx="27996" cy="5599"/>
+      </dsp:txXfrm>
+    </dsp:sp>
+    <dsp:sp modelId="{F2BA00D6-6FEF-7B4D-8726-4914B8C25F8C}">
+      <dsp:nvSpPr>
+        <dsp:cNvPr id="0" name=""/>
+        <dsp:cNvSpPr/>
+      </dsp:nvSpPr>
+      <dsp:spPr>
+        <a:xfrm>
+          <a:off x="417351" y="1358"/>
+          <a:ext cx="2434500" cy="1460700"/>
+        </a:xfrm>
+        <a:prstGeom prst="rect">
+          <a:avLst/>
+        </a:prstGeom>
+        <a:solidFill>
+          <a:schemeClr val="dk2">
+            <a:hueOff val="0"/>
+            <a:satOff val="0"/>
+            <a:lumOff val="0"/>
+            <a:alphaOff val="0"/>
+          </a:schemeClr>
+        </a:solidFill>
+        <a:ln w="12700" cap="flat" cmpd="sng" algn="ctr">
+          <a:solidFill>
+            <a:schemeClr val="lt2">
+              <a:hueOff val="0"/>
+              <a:satOff val="0"/>
+              <a:lumOff val="0"/>
+              <a:alphaOff val="0"/>
+            </a:schemeClr>
+          </a:solidFill>
+          <a:prstDash val="solid"/>
+          <a:miter lim="800000"/>
+        </a:ln>
+        <a:effectLst/>
+      </dsp:spPr>
+      <dsp:style>
+        <a:lnRef idx="2">
+          <a:scrgbClr r="0" g="0" b="0"/>
+        </a:lnRef>
+        <a:fillRef idx="1">
+          <a:scrgbClr r="0" g="0" b="0"/>
+        </a:fillRef>
+        <a:effectRef idx="0">
+          <a:scrgbClr r="0" g="0" b="0"/>
+        </a:effectRef>
+        <a:fontRef idx="minor">
+          <a:schemeClr val="lt1"/>
+        </a:fontRef>
+      </dsp:style>
+      <dsp:txBody>
+        <a:bodyPr spcFirstLastPara="0" vert="horz" wrap="square" lIns="119293" tIns="125219" rIns="119293" bIns="125219" numCol="1" spcCol="1270" anchor="ctr" anchorCtr="0">
+          <a:noAutofit/>
+        </a:bodyPr>
+        <a:lstStyle/>
+        <a:p>
+          <a:pPr marL="0" lvl="0" indent="0" algn="ctr" defTabSz="1644650">
+            <a:lnSpc>
+              <a:spcPct val="90000"/>
+            </a:lnSpc>
+            <a:spcBef>
+              <a:spcPct val="0"/>
+            </a:spcBef>
+            <a:spcAft>
+              <a:spcPct val="35000"/>
+            </a:spcAft>
+            <a:buNone/>
+          </a:pPr>
+          <a:r>
+            <a:rPr lang="en-US" sz="3700" kern="1200"/>
+            <a:t>Source Code </a:t>
+          </a:r>
+        </a:p>
+      </dsp:txBody>
+      <dsp:txXfrm>
+        <a:off x="417351" y="1358"/>
+        <a:ext cx="2434500" cy="1460700"/>
+      </dsp:txXfrm>
+    </dsp:sp>
+    <dsp:sp modelId="{91928AE0-5695-A645-B797-1F99B5BCB375}">
+      <dsp:nvSpPr>
+        <dsp:cNvPr id="0" name=""/>
+        <dsp:cNvSpPr/>
+      </dsp:nvSpPr>
+      <dsp:spPr>
+        <a:xfrm>
+          <a:off x="1634602" y="1460258"/>
+          <a:ext cx="2994435" cy="529335"/>
+        </a:xfrm>
+        <a:custGeom>
+          <a:avLst/>
+          <a:gdLst/>
+          <a:ahLst/>
+          <a:cxnLst/>
+          <a:rect l="0" t="0" r="0" b="0"/>
+          <a:pathLst>
+            <a:path>
+              <a:moveTo>
+                <a:pt x="2994435" y="0"/>
+              </a:moveTo>
+              <a:lnTo>
+                <a:pt x="2994435" y="281767"/>
+              </a:lnTo>
+              <a:lnTo>
+                <a:pt x="0" y="281767"/>
+              </a:lnTo>
+              <a:lnTo>
+                <a:pt x="0" y="529335"/>
+              </a:lnTo>
+            </a:path>
+          </a:pathLst>
+        </a:custGeom>
+        <a:noFill/>
+        <a:ln w="6350" cap="flat" cmpd="sng" algn="ctr">
+          <a:solidFill>
+            <a:schemeClr val="dk2">
+              <a:hueOff val="0"/>
+              <a:satOff val="0"/>
+              <a:lumOff val="0"/>
+              <a:alphaOff val="0"/>
+            </a:schemeClr>
+          </a:solidFill>
+          <a:prstDash val="solid"/>
+          <a:miter lim="800000"/>
+          <a:tailEnd type="arrow"/>
+        </a:ln>
+        <a:effectLst/>
+      </dsp:spPr>
+      <dsp:style>
+        <a:lnRef idx="1">
+          <a:scrgbClr r="0" g="0" b="0"/>
+        </a:lnRef>
+        <a:fillRef idx="0">
+          <a:scrgbClr r="0" g="0" b="0"/>
+        </a:fillRef>
+        <a:effectRef idx="0">
+          <a:scrgbClr r="0" g="0" b="0"/>
+        </a:effectRef>
+        <a:fontRef idx="minor"/>
+      </dsp:style>
+      <dsp:txBody>
+        <a:bodyPr spcFirstLastPara="0" vert="horz" wrap="square" lIns="12700" tIns="0" rIns="12700" bIns="0" numCol="1" spcCol="1270" anchor="ctr" anchorCtr="0">
+          <a:noAutofit/>
+        </a:bodyPr>
+        <a:lstStyle/>
+        <a:p>
+          <a:pPr marL="0" lvl="0" indent="0" algn="ctr" defTabSz="222250">
+            <a:lnSpc>
+              <a:spcPct val="90000"/>
+            </a:lnSpc>
+            <a:spcBef>
+              <a:spcPct val="0"/>
+            </a:spcBef>
+            <a:spcAft>
+              <a:spcPct val="35000"/>
+            </a:spcAft>
+            <a:buNone/>
+          </a:pPr>
+          <a:endParaRPr lang="en-US" sz="500" kern="1200"/>
+        </a:p>
+      </dsp:txBody>
+      <dsp:txXfrm>
+        <a:off x="3055661" y="1722126"/>
+        <a:ext cx="152316" cy="5599"/>
+      </dsp:txXfrm>
+    </dsp:sp>
+    <dsp:sp modelId="{731C0595-CC30-5E40-9ED6-2C24E200E2A9}">
+      <dsp:nvSpPr>
+        <dsp:cNvPr id="0" name=""/>
+        <dsp:cNvSpPr/>
+      </dsp:nvSpPr>
+      <dsp:spPr>
+        <a:xfrm>
+          <a:off x="3411787" y="1358"/>
+          <a:ext cx="2434500" cy="1460700"/>
+        </a:xfrm>
+        <a:prstGeom prst="rect">
+          <a:avLst/>
+        </a:prstGeom>
+        <a:solidFill>
+          <a:schemeClr val="dk2">
+            <a:hueOff val="0"/>
+            <a:satOff val="0"/>
+            <a:lumOff val="0"/>
+            <a:alphaOff val="0"/>
+          </a:schemeClr>
+        </a:solidFill>
+        <a:ln w="12700" cap="flat" cmpd="sng" algn="ctr">
+          <a:solidFill>
+            <a:schemeClr val="lt2">
+              <a:hueOff val="0"/>
+              <a:satOff val="0"/>
+              <a:lumOff val="0"/>
+              <a:alphaOff val="0"/>
+            </a:schemeClr>
+          </a:solidFill>
+          <a:prstDash val="solid"/>
+          <a:miter lim="800000"/>
+        </a:ln>
+        <a:effectLst/>
+      </dsp:spPr>
+      <dsp:style>
+        <a:lnRef idx="2">
+          <a:scrgbClr r="0" g="0" b="0"/>
+        </a:lnRef>
+        <a:fillRef idx="1">
+          <a:scrgbClr r="0" g="0" b="0"/>
+        </a:fillRef>
+        <a:effectRef idx="0">
+          <a:scrgbClr r="0" g="0" b="0"/>
+        </a:effectRef>
+        <a:fontRef idx="minor">
+          <a:schemeClr val="lt1"/>
+        </a:fontRef>
+      </dsp:style>
+      <dsp:txBody>
+        <a:bodyPr spcFirstLastPara="0" vert="horz" wrap="square" lIns="119293" tIns="125219" rIns="119293" bIns="125219" numCol="1" spcCol="1270" anchor="ctr" anchorCtr="0">
+          <a:noAutofit/>
+        </a:bodyPr>
+        <a:lstStyle/>
+        <a:p>
+          <a:pPr marL="0" lvl="0" indent="0" algn="ctr" defTabSz="1644650">
+            <a:lnSpc>
+              <a:spcPct val="90000"/>
+            </a:lnSpc>
+            <a:spcBef>
+              <a:spcPct val="0"/>
+            </a:spcBef>
+            <a:spcAft>
+              <a:spcPct val="35000"/>
+            </a:spcAft>
+            <a:buNone/>
+          </a:pPr>
+          <a:r>
+            <a:rPr lang="en-US" sz="3700" kern="1200"/>
+            <a:t>AST (Macro Expansion) </a:t>
+          </a:r>
+        </a:p>
+      </dsp:txBody>
+      <dsp:txXfrm>
+        <a:off x="3411787" y="1358"/>
+        <a:ext cx="2434500" cy="1460700"/>
+      </dsp:txXfrm>
+    </dsp:sp>
+    <dsp:sp modelId="{81A64EFC-3CBE-C844-BF59-98CF511806C6}">
+      <dsp:nvSpPr>
+        <dsp:cNvPr id="0" name=""/>
+        <dsp:cNvSpPr/>
+      </dsp:nvSpPr>
+      <dsp:spPr>
+        <a:xfrm>
+          <a:off x="2850052" y="2706624"/>
+          <a:ext cx="529335" cy="91440"/>
+        </a:xfrm>
+        <a:custGeom>
+          <a:avLst/>
+          <a:gdLst/>
+          <a:ahLst/>
+          <a:cxnLst/>
+          <a:rect l="0" t="0" r="0" b="0"/>
+          <a:pathLst>
+            <a:path>
+              <a:moveTo>
+                <a:pt x="0" y="45720"/>
+              </a:moveTo>
+              <a:lnTo>
+                <a:pt x="529335" y="45720"/>
+              </a:lnTo>
+            </a:path>
+          </a:pathLst>
+        </a:custGeom>
+        <a:noFill/>
+        <a:ln w="6350" cap="flat" cmpd="sng" algn="ctr">
+          <a:solidFill>
+            <a:schemeClr val="dk2">
+              <a:hueOff val="0"/>
+              <a:satOff val="0"/>
+              <a:lumOff val="0"/>
+              <a:alphaOff val="0"/>
+            </a:schemeClr>
+          </a:solidFill>
+          <a:prstDash val="solid"/>
+          <a:miter lim="800000"/>
+          <a:tailEnd type="arrow"/>
+        </a:ln>
+        <a:effectLst/>
+      </dsp:spPr>
+      <dsp:style>
+        <a:lnRef idx="1">
+          <a:scrgbClr r="0" g="0" b="0"/>
+        </a:lnRef>
+        <a:fillRef idx="0">
+          <a:scrgbClr r="0" g="0" b="0"/>
+        </a:fillRef>
+        <a:effectRef idx="0">
+          <a:scrgbClr r="0" g="0" b="0"/>
+        </a:effectRef>
+        <a:fontRef idx="minor"/>
+      </dsp:style>
+      <dsp:txBody>
+        <a:bodyPr spcFirstLastPara="0" vert="horz" wrap="square" lIns="12700" tIns="0" rIns="12700" bIns="0" numCol="1" spcCol="1270" anchor="ctr" anchorCtr="0">
+          <a:noAutofit/>
+        </a:bodyPr>
+        <a:lstStyle/>
+        <a:p>
+          <a:pPr marL="0" lvl="0" indent="0" algn="ctr" defTabSz="222250">
+            <a:lnSpc>
+              <a:spcPct val="90000"/>
+            </a:lnSpc>
+            <a:spcBef>
+              <a:spcPct val="0"/>
+            </a:spcBef>
+            <a:spcAft>
+              <a:spcPct val="35000"/>
+            </a:spcAft>
+            <a:buNone/>
+          </a:pPr>
+          <a:endParaRPr lang="en-US" sz="500" kern="1200"/>
+        </a:p>
+      </dsp:txBody>
+      <dsp:txXfrm>
+        <a:off x="3100721" y="2749544"/>
+        <a:ext cx="27996" cy="5599"/>
+      </dsp:txXfrm>
+    </dsp:sp>
+    <dsp:sp modelId="{3C001CB2-ED33-074F-BBB6-915B5FCB69A0}">
+      <dsp:nvSpPr>
+        <dsp:cNvPr id="0" name=""/>
+        <dsp:cNvSpPr/>
+      </dsp:nvSpPr>
+      <dsp:spPr>
+        <a:xfrm>
+          <a:off x="417351" y="2021993"/>
+          <a:ext cx="2434500" cy="1460700"/>
+        </a:xfrm>
+        <a:prstGeom prst="rect">
+          <a:avLst/>
+        </a:prstGeom>
+        <a:solidFill>
+          <a:schemeClr val="dk2">
+            <a:hueOff val="0"/>
+            <a:satOff val="0"/>
+            <a:lumOff val="0"/>
+            <a:alphaOff val="0"/>
+          </a:schemeClr>
+        </a:solidFill>
+        <a:ln w="12700" cap="flat" cmpd="sng" algn="ctr">
+          <a:solidFill>
+            <a:schemeClr val="lt2">
+              <a:hueOff val="0"/>
+              <a:satOff val="0"/>
+              <a:lumOff val="0"/>
+              <a:alphaOff val="0"/>
+            </a:schemeClr>
+          </a:solidFill>
+          <a:prstDash val="solid"/>
+          <a:miter lim="800000"/>
+        </a:ln>
+        <a:effectLst/>
+      </dsp:spPr>
+      <dsp:style>
+        <a:lnRef idx="2">
+          <a:scrgbClr r="0" g="0" b="0"/>
+        </a:lnRef>
+        <a:fillRef idx="1">
+          <a:scrgbClr r="0" g="0" b="0"/>
+        </a:fillRef>
+        <a:effectRef idx="0">
+          <a:scrgbClr r="0" g="0" b="0"/>
+        </a:effectRef>
+        <a:fontRef idx="minor">
+          <a:schemeClr val="lt1"/>
+        </a:fontRef>
+      </dsp:style>
+      <dsp:txBody>
+        <a:bodyPr spcFirstLastPara="0" vert="horz" wrap="square" lIns="119293" tIns="125219" rIns="119293" bIns="125219" numCol="1" spcCol="1270" anchor="ctr" anchorCtr="0">
+          <a:noAutofit/>
+        </a:bodyPr>
+        <a:lstStyle/>
+        <a:p>
+          <a:pPr marL="0" lvl="0" indent="0" algn="ctr" defTabSz="1644650">
+            <a:lnSpc>
+              <a:spcPct val="90000"/>
+            </a:lnSpc>
+            <a:spcBef>
+              <a:spcPct val="0"/>
+            </a:spcBef>
+            <a:spcAft>
+              <a:spcPct val="35000"/>
+            </a:spcAft>
+            <a:buNone/>
+          </a:pPr>
+          <a:r>
+            <a:rPr lang="en-US" sz="3700" kern="1200"/>
+            <a:t>IR </a:t>
+          </a:r>
+        </a:p>
+      </dsp:txBody>
+      <dsp:txXfrm>
+        <a:off x="417351" y="2021993"/>
+        <a:ext cx="2434500" cy="1460700"/>
+      </dsp:txXfrm>
+    </dsp:sp>
+    <dsp:sp modelId="{63152D2C-8FF2-0D42-B4D7-185E3E7F0AC2}">
+      <dsp:nvSpPr>
+        <dsp:cNvPr id="0" name=""/>
+        <dsp:cNvSpPr/>
+      </dsp:nvSpPr>
+      <dsp:spPr>
+        <a:xfrm>
+          <a:off x="1634602" y="3480894"/>
+          <a:ext cx="2994435" cy="529335"/>
+        </a:xfrm>
+        <a:custGeom>
+          <a:avLst/>
+          <a:gdLst/>
+          <a:ahLst/>
+          <a:cxnLst/>
+          <a:rect l="0" t="0" r="0" b="0"/>
+          <a:pathLst>
+            <a:path>
+              <a:moveTo>
+                <a:pt x="2994435" y="0"/>
+              </a:moveTo>
+              <a:lnTo>
+                <a:pt x="2994435" y="281767"/>
+              </a:lnTo>
+              <a:lnTo>
+                <a:pt x="0" y="281767"/>
+              </a:lnTo>
+              <a:lnTo>
+                <a:pt x="0" y="529335"/>
+              </a:lnTo>
+            </a:path>
+          </a:pathLst>
+        </a:custGeom>
+        <a:noFill/>
+        <a:ln w="6350" cap="flat" cmpd="sng" algn="ctr">
+          <a:solidFill>
+            <a:schemeClr val="dk2">
+              <a:hueOff val="0"/>
+              <a:satOff val="0"/>
+              <a:lumOff val="0"/>
+              <a:alphaOff val="0"/>
+            </a:schemeClr>
+          </a:solidFill>
+          <a:prstDash val="solid"/>
+          <a:miter lim="800000"/>
+          <a:tailEnd type="arrow"/>
+        </a:ln>
+        <a:effectLst/>
+      </dsp:spPr>
+      <dsp:style>
+        <a:lnRef idx="1">
+          <a:scrgbClr r="0" g="0" b="0"/>
+        </a:lnRef>
+        <a:fillRef idx="0">
+          <a:scrgbClr r="0" g="0" b="0"/>
+        </a:fillRef>
+        <a:effectRef idx="0">
+          <a:scrgbClr r="0" g="0" b="0"/>
+        </a:effectRef>
+        <a:fontRef idx="minor"/>
+      </dsp:style>
+      <dsp:txBody>
+        <a:bodyPr spcFirstLastPara="0" vert="horz" wrap="square" lIns="12700" tIns="0" rIns="12700" bIns="0" numCol="1" spcCol="1270" anchor="ctr" anchorCtr="0">
+          <a:noAutofit/>
+        </a:bodyPr>
+        <a:lstStyle/>
+        <a:p>
+          <a:pPr marL="0" lvl="0" indent="0" algn="ctr" defTabSz="222250">
+            <a:lnSpc>
+              <a:spcPct val="90000"/>
+            </a:lnSpc>
+            <a:spcBef>
+              <a:spcPct val="0"/>
+            </a:spcBef>
+            <a:spcAft>
+              <a:spcPct val="35000"/>
+            </a:spcAft>
+            <a:buNone/>
+          </a:pPr>
+          <a:endParaRPr lang="en-US" sz="500" kern="1200"/>
+        </a:p>
+      </dsp:txBody>
+      <dsp:txXfrm>
+        <a:off x="3055661" y="3742762"/>
+        <a:ext cx="152316" cy="5599"/>
+      </dsp:txXfrm>
+    </dsp:sp>
+    <dsp:sp modelId="{396D08B0-2B1B-DA4D-8422-2BC14DAF0B6C}">
+      <dsp:nvSpPr>
+        <dsp:cNvPr id="0" name=""/>
+        <dsp:cNvSpPr/>
+      </dsp:nvSpPr>
+      <dsp:spPr>
+        <a:xfrm>
+          <a:off x="3411787" y="2021993"/>
+          <a:ext cx="2434500" cy="1460700"/>
+        </a:xfrm>
+        <a:prstGeom prst="rect">
+          <a:avLst/>
+        </a:prstGeom>
+        <a:solidFill>
+          <a:schemeClr val="dk2">
+            <a:hueOff val="0"/>
+            <a:satOff val="0"/>
+            <a:lumOff val="0"/>
+            <a:alphaOff val="0"/>
+          </a:schemeClr>
+        </a:solidFill>
+        <a:ln w="12700" cap="flat" cmpd="sng" algn="ctr">
+          <a:solidFill>
+            <a:schemeClr val="lt2">
+              <a:hueOff val="0"/>
+              <a:satOff val="0"/>
+              <a:lumOff val="0"/>
+              <a:alphaOff val="0"/>
+            </a:schemeClr>
+          </a:solidFill>
+          <a:prstDash val="solid"/>
+          <a:miter lim="800000"/>
+        </a:ln>
+        <a:effectLst/>
+      </dsp:spPr>
+      <dsp:style>
+        <a:lnRef idx="2">
+          <a:scrgbClr r="0" g="0" b="0"/>
+        </a:lnRef>
+        <a:fillRef idx="1">
+          <a:scrgbClr r="0" g="0" b="0"/>
+        </a:fillRef>
+        <a:effectRef idx="0">
+          <a:scrgbClr r="0" g="0" b="0"/>
+        </a:effectRef>
+        <a:fontRef idx="minor">
+          <a:schemeClr val="lt1"/>
+        </a:fontRef>
+      </dsp:style>
+      <dsp:txBody>
+        <a:bodyPr spcFirstLastPara="0" vert="horz" wrap="square" lIns="119293" tIns="125219" rIns="119293" bIns="125219" numCol="1" spcCol="1270" anchor="ctr" anchorCtr="0">
+          <a:noAutofit/>
+        </a:bodyPr>
+        <a:lstStyle/>
+        <a:p>
+          <a:pPr marL="0" lvl="0" indent="0" algn="ctr" defTabSz="1644650">
+            <a:lnSpc>
+              <a:spcPct val="90000"/>
+            </a:lnSpc>
+            <a:spcBef>
+              <a:spcPct val="0"/>
+            </a:spcBef>
+            <a:spcAft>
+              <a:spcPct val="35000"/>
+            </a:spcAft>
+            <a:buNone/>
+          </a:pPr>
+          <a:r>
+            <a:rPr lang="en-US" sz="3700" kern="1200"/>
+            <a:t>(SSA) IR </a:t>
+          </a:r>
+        </a:p>
+      </dsp:txBody>
+      <dsp:txXfrm>
+        <a:off x="3411787" y="2021993"/>
+        <a:ext cx="2434500" cy="1460700"/>
+      </dsp:txXfrm>
+    </dsp:sp>
+    <dsp:sp modelId="{68E63C77-68DE-254F-B45A-682CA93DA124}">
+      <dsp:nvSpPr>
+        <dsp:cNvPr id="0" name=""/>
+        <dsp:cNvSpPr/>
+      </dsp:nvSpPr>
+      <dsp:spPr>
+        <a:xfrm>
+          <a:off x="2850052" y="4727259"/>
+          <a:ext cx="529335" cy="91440"/>
+        </a:xfrm>
+        <a:custGeom>
+          <a:avLst/>
+          <a:gdLst/>
+          <a:ahLst/>
+          <a:cxnLst/>
+          <a:rect l="0" t="0" r="0" b="0"/>
+          <a:pathLst>
+            <a:path>
+              <a:moveTo>
+                <a:pt x="0" y="45720"/>
+              </a:moveTo>
+              <a:lnTo>
+                <a:pt x="529335" y="45720"/>
+              </a:lnTo>
+            </a:path>
+          </a:pathLst>
+        </a:custGeom>
+        <a:noFill/>
+        <a:ln w="6350" cap="flat" cmpd="sng" algn="ctr">
+          <a:solidFill>
+            <a:schemeClr val="dk2">
+              <a:hueOff val="0"/>
+              <a:satOff val="0"/>
+              <a:lumOff val="0"/>
+              <a:alphaOff val="0"/>
+            </a:schemeClr>
+          </a:solidFill>
+          <a:prstDash val="solid"/>
+          <a:miter lim="800000"/>
+          <a:tailEnd type="arrow"/>
+        </a:ln>
+        <a:effectLst/>
+      </dsp:spPr>
+      <dsp:style>
+        <a:lnRef idx="1">
+          <a:scrgbClr r="0" g="0" b="0"/>
+        </a:lnRef>
+        <a:fillRef idx="0">
+          <a:scrgbClr r="0" g="0" b="0"/>
+        </a:fillRef>
+        <a:effectRef idx="0">
+          <a:scrgbClr r="0" g="0" b="0"/>
+        </a:effectRef>
+        <a:fontRef idx="minor"/>
+      </dsp:style>
+      <dsp:txBody>
+        <a:bodyPr spcFirstLastPara="0" vert="horz" wrap="square" lIns="12700" tIns="0" rIns="12700" bIns="0" numCol="1" spcCol="1270" anchor="ctr" anchorCtr="0">
+          <a:noAutofit/>
+        </a:bodyPr>
+        <a:lstStyle/>
+        <a:p>
+          <a:pPr marL="0" lvl="0" indent="0" algn="ctr" defTabSz="222250">
+            <a:lnSpc>
+              <a:spcPct val="90000"/>
+            </a:lnSpc>
+            <a:spcBef>
+              <a:spcPct val="0"/>
+            </a:spcBef>
+            <a:spcAft>
+              <a:spcPct val="35000"/>
+            </a:spcAft>
+            <a:buNone/>
+          </a:pPr>
+          <a:endParaRPr lang="en-US" sz="500" kern="1200"/>
+        </a:p>
+      </dsp:txBody>
+      <dsp:txXfrm>
+        <a:off x="3100721" y="4770179"/>
+        <a:ext cx="27996" cy="5599"/>
+      </dsp:txXfrm>
+    </dsp:sp>
+    <dsp:sp modelId="{5EEE3EE2-B98E-7E45-99C2-732E9361EDDE}">
+      <dsp:nvSpPr>
+        <dsp:cNvPr id="0" name=""/>
+        <dsp:cNvSpPr/>
+      </dsp:nvSpPr>
+      <dsp:spPr>
+        <a:xfrm>
+          <a:off x="417351" y="4042629"/>
+          <a:ext cx="2434500" cy="1460700"/>
+        </a:xfrm>
+        <a:prstGeom prst="rect">
+          <a:avLst/>
+        </a:prstGeom>
+        <a:solidFill>
+          <a:schemeClr val="dk2">
+            <a:hueOff val="0"/>
+            <a:satOff val="0"/>
+            <a:lumOff val="0"/>
+            <a:alphaOff val="0"/>
+          </a:schemeClr>
+        </a:solidFill>
+        <a:ln w="12700" cap="flat" cmpd="sng" algn="ctr">
+          <a:solidFill>
+            <a:schemeClr val="lt2">
+              <a:hueOff val="0"/>
+              <a:satOff val="0"/>
+              <a:lumOff val="0"/>
+              <a:alphaOff val="0"/>
+            </a:schemeClr>
+          </a:solidFill>
+          <a:prstDash val="solid"/>
+          <a:miter lim="800000"/>
+        </a:ln>
+        <a:effectLst/>
+      </dsp:spPr>
+      <dsp:style>
+        <a:lnRef idx="2">
+          <a:scrgbClr r="0" g="0" b="0"/>
+        </a:lnRef>
+        <a:fillRef idx="1">
+          <a:scrgbClr r="0" g="0" b="0"/>
+        </a:fillRef>
+        <a:effectRef idx="0">
+          <a:scrgbClr r="0" g="0" b="0"/>
+        </a:effectRef>
+        <a:fontRef idx="minor">
+          <a:schemeClr val="lt1"/>
+        </a:fontRef>
+      </dsp:style>
+      <dsp:txBody>
+        <a:bodyPr spcFirstLastPara="0" vert="horz" wrap="square" lIns="119293" tIns="125219" rIns="119293" bIns="125219" numCol="1" spcCol="1270" anchor="ctr" anchorCtr="0">
+          <a:noAutofit/>
+        </a:bodyPr>
+        <a:lstStyle/>
+        <a:p>
+          <a:pPr marL="0" lvl="0" indent="0" algn="ctr" defTabSz="1644650">
+            <a:lnSpc>
+              <a:spcPct val="90000"/>
+            </a:lnSpc>
+            <a:spcBef>
+              <a:spcPct val="0"/>
+            </a:spcBef>
+            <a:spcAft>
+              <a:spcPct val="35000"/>
+            </a:spcAft>
+            <a:buNone/>
+          </a:pPr>
+          <a:r>
+            <a:rPr lang="en-US" sz="3700" kern="1200"/>
+            <a:t>LLVM IR </a:t>
+          </a:r>
+        </a:p>
+      </dsp:txBody>
+      <dsp:txXfrm>
+        <a:off x="417351" y="4042629"/>
+        <a:ext cx="2434500" cy="1460700"/>
+      </dsp:txXfrm>
+    </dsp:sp>
+    <dsp:sp modelId="{7D06A5B2-6EF9-4947-A9A1-FB1630F94575}">
+      <dsp:nvSpPr>
+        <dsp:cNvPr id="0" name=""/>
+        <dsp:cNvSpPr/>
+      </dsp:nvSpPr>
+      <dsp:spPr>
+        <a:xfrm>
+          <a:off x="3411787" y="4042629"/>
+          <a:ext cx="2434500" cy="1460700"/>
+        </a:xfrm>
+        <a:prstGeom prst="rect">
+          <a:avLst/>
+        </a:prstGeom>
+        <a:solidFill>
+          <a:schemeClr val="dk2">
+            <a:hueOff val="0"/>
+            <a:satOff val="0"/>
+            <a:lumOff val="0"/>
+            <a:alphaOff val="0"/>
+          </a:schemeClr>
+        </a:solidFill>
+        <a:ln w="12700" cap="flat" cmpd="sng" algn="ctr">
+          <a:solidFill>
+            <a:schemeClr val="lt2">
+              <a:hueOff val="0"/>
+              <a:satOff val="0"/>
+              <a:lumOff val="0"/>
+              <a:alphaOff val="0"/>
+            </a:schemeClr>
+          </a:solidFill>
+          <a:prstDash val="solid"/>
+          <a:miter lim="800000"/>
+        </a:ln>
+        <a:effectLst/>
+      </dsp:spPr>
+      <dsp:style>
+        <a:lnRef idx="2">
+          <a:scrgbClr r="0" g="0" b="0"/>
+        </a:lnRef>
+        <a:fillRef idx="1">
+          <a:scrgbClr r="0" g="0" b="0"/>
+        </a:fillRef>
+        <a:effectRef idx="0">
+          <a:scrgbClr r="0" g="0" b="0"/>
+        </a:effectRef>
+        <a:fontRef idx="minor">
+          <a:schemeClr val="lt1"/>
+        </a:fontRef>
+      </dsp:style>
+      <dsp:txBody>
+        <a:bodyPr spcFirstLastPara="0" vert="horz" wrap="square" lIns="119293" tIns="125219" rIns="119293" bIns="125219" numCol="1" spcCol="1270" anchor="ctr" anchorCtr="0">
+          <a:noAutofit/>
+        </a:bodyPr>
+        <a:lstStyle/>
+        <a:p>
+          <a:pPr marL="0" lvl="0" indent="0" algn="ctr" defTabSz="1644650">
+            <a:lnSpc>
+              <a:spcPct val="90000"/>
+            </a:lnSpc>
+            <a:spcBef>
+              <a:spcPct val="0"/>
+            </a:spcBef>
+            <a:spcAft>
+              <a:spcPct val="35000"/>
+            </a:spcAft>
+            <a:buNone/>
+          </a:pPr>
+          <a:r>
+            <a:rPr lang="en-US" sz="3700" kern="1200"/>
+            <a:t>Native code </a:t>
+          </a:r>
+        </a:p>
+      </dsp:txBody>
+      <dsp:txXfrm>
+        <a:off x="3411787" y="4042629"/>
+        <a:ext cx="2434500" cy="1460700"/>
+      </dsp:txXfrm>
+    </dsp:sp>
+  </dsp:spTree>
+</dsp:drawing>
+</file>
+
+<file path=ppt/diagrams/drawing3.xml><?xml version="1.0" encoding="utf-8"?>
 <dsp:drawing xmlns:dgm="http://schemas.openxmlformats.org/drawingml/2006/diagram" xmlns:dsp="http://schemas.microsoft.com/office/drawing/2008/diagram" xmlns:a="http://schemas.openxmlformats.org/drawingml/2006/main">
   <dsp:spTree>
     <dsp:nvGrpSpPr>
@@ -2241,6 +6265,492 @@
 </file>
 
 <file path=ppt/diagrams/layout1.xml><?xml version="1.0" encoding="utf-8"?>
+<dgm:layoutDef xmlns:dgm="http://schemas.openxmlformats.org/drawingml/2006/diagram" xmlns:a="http://schemas.openxmlformats.org/drawingml/2006/main" uniqueId="urn:microsoft.com/office/officeart/2018/2/layout/IconVerticalSolidList">
+  <dgm:title val="Icon Vertical Solid List"/>
+  <dgm:desc val="Use to show a series of visuals from top to bottom with Level 1 or Level 1 and Level 2 text grouped in a shape. Works best with icons or small pictures with lengthier descriptions."/>
+  <dgm:catLst>
+    <dgm:cat type="icon" pri="500"/>
+  </dgm:catLst>
+  <dgm:sampData useDef="1">
+    <dgm:dataModel>
+      <dgm:ptLst/>
+      <dgm:bg/>
+      <dgm:whole/>
+    </dgm:dataModel>
+  </dgm:sampData>
+  <dgm:styleData useDef="1">
+    <dgm:dataModel>
+      <dgm:ptLst/>
+      <dgm:bg/>
+      <dgm:whole/>
+    </dgm:dataModel>
+  </dgm:styleData>
+  <dgm:clrData useDef="1">
+    <dgm:dataModel>
+      <dgm:ptLst/>
+      <dgm:bg/>
+      <dgm:whole/>
+    </dgm:dataModel>
+  </dgm:clrData>
+  <dgm:layoutNode name="root">
+    <dgm:varLst>
+      <dgm:dir/>
+      <dgm:resizeHandles val="exact"/>
+    </dgm:varLst>
+    <dgm:choose name="Name0">
+      <dgm:if name="Name1" axis="self" func="var" arg="dir" op="equ" val="norm">
+        <dgm:alg type="lin">
+          <dgm:param type="linDir" val="fromT"/>
+          <dgm:param type="nodeHorzAlign" val="l"/>
+        </dgm:alg>
+      </dgm:if>
+      <dgm:else name="Name2">
+        <dgm:alg type="lin">
+          <dgm:param type="linDir" val="fromT"/>
+          <dgm:param type="nodeHorzAlign" val="r"/>
+        </dgm:alg>
+      </dgm:else>
+    </dgm:choose>
+    <dgm:shape xmlns:r="http://schemas.openxmlformats.org/officeDocument/2006/relationships" r:blip="">
+      <dgm:adjLst/>
+    </dgm:shape>
+    <dgm:presOf/>
+    <dgm:choose name="Name3">
+      <dgm:if name="Name4" axis="ch" ptType="node" func="cnt" op="lte" val="3">
+        <dgm:constrLst>
+          <dgm:constr type="h" for="ch" forName="compNode" refType="h" fact="0.3"/>
+          <dgm:constr type="w" for="ch" forName="compNode" refType="w"/>
+          <dgm:constr type="h" for="ch" forName="sibTrans" refType="h" refFor="ch" refForName="compNode" fact="0.25"/>
+          <dgm:constr type="primFontSz" for="des" forName="parTx" val="25"/>
+          <dgm:constr type="primFontSz" for="des" forName="desTx" refType="primFontSz" refFor="des" refForName="parTx" op="lte" fact="0.75"/>
+          <dgm:constr type="h" for="des" forName="compNode" op="equ"/>
+          <dgm:constr type="h" for="des" forName="bgRect" op="equ"/>
+          <dgm:constr type="h" for="des" forName="iconRect" op="equ"/>
+          <dgm:constr type="w" for="des" forName="iconRect" op="equ"/>
+          <dgm:constr type="h" for="des" forName="spaceRect" op="equ"/>
+          <dgm:constr type="h" for="des" forName="parTx" op="equ"/>
+          <dgm:constr type="h" for="des" forName="desTx" op="equ"/>
+        </dgm:constrLst>
+      </dgm:if>
+      <dgm:if name="Name5" axis="ch" ptType="node" func="cnt" op="lte" val="4">
+        <dgm:constrLst>
+          <dgm:constr type="h" for="ch" forName="compNode" refType="h" fact="0.3"/>
+          <dgm:constr type="w" for="ch" forName="compNode" refType="w"/>
+          <dgm:constr type="h" for="ch" forName="sibTrans" refType="h" refFor="ch" refForName="compNode" fact="0.25"/>
+          <dgm:constr type="primFontSz" for="des" forName="parTx" val="22"/>
+          <dgm:constr type="primFontSz" for="des" forName="desTx" refType="primFontSz" refFor="des" refForName="parTx" op="lte" fact="0.75"/>
+          <dgm:constr type="h" for="des" forName="compNode" op="equ"/>
+          <dgm:constr type="h" for="des" forName="bgRect" op="equ"/>
+          <dgm:constr type="h" for="des" forName="iconRect" op="equ"/>
+          <dgm:constr type="w" for="des" forName="iconRect" op="equ"/>
+          <dgm:constr type="h" for="des" forName="spaceRect" op="equ"/>
+          <dgm:constr type="h" for="des" forName="parTx" op="equ"/>
+          <dgm:constr type="h" for="des" forName="desTx" op="equ"/>
+        </dgm:constrLst>
+      </dgm:if>
+      <dgm:if name="Name6" axis="ch" ptType="node" func="cnt" op="lte" val="6">
+        <dgm:constrLst>
+          <dgm:constr type="h" for="ch" forName="compNode" refType="h" fact="0.3"/>
+          <dgm:constr type="w" for="ch" forName="compNode" refType="w"/>
+          <dgm:constr type="h" for="ch" forName="sibTrans" refType="h" refFor="ch" refForName="compNode" fact="0.25"/>
+          <dgm:constr type="primFontSz" for="des" forName="parTx" val="19"/>
+          <dgm:constr type="primFontSz" for="des" forName="desTx" refType="primFontSz" refFor="des" refForName="parTx" op="lte" fact="0.75"/>
+          <dgm:constr type="h" for="des" forName="compNode" op="equ"/>
+          <dgm:constr type="h" for="des" forName="bgRect" op="equ"/>
+          <dgm:constr type="h" for="des" forName="iconRect" op="equ"/>
+          <dgm:constr type="w" for="des" forName="iconRect" op="equ"/>
+          <dgm:constr type="h" for="des" forName="spaceRect" op="equ"/>
+          <dgm:constr type="h" for="des" forName="parTx" op="equ"/>
+          <dgm:constr type="h" for="des" forName="desTx" op="equ"/>
+        </dgm:constrLst>
+      </dgm:if>
+      <dgm:else name="Name7">
+        <dgm:constrLst>
+          <dgm:constr type="h" for="ch" forName="compNode" refType="h" fact="0.3"/>
+          <dgm:constr type="w" for="ch" forName="compNode" refType="w"/>
+          <dgm:constr type="h" for="ch" forName="sibTrans" refType="h" refFor="ch" refForName="compNode" fact="0.25"/>
+          <dgm:constr type="primFontSz" for="des" forName="parTx" val="16"/>
+          <dgm:constr type="primFontSz" for="des" forName="desTx" refType="primFontSz" refFor="des" refForName="parTx" op="lte" fact="0.75"/>
+          <dgm:constr type="h" for="des" forName="compNode" op="equ"/>
+          <dgm:constr type="h" for="des" forName="bgRect" op="equ"/>
+          <dgm:constr type="h" for="des" forName="iconRect" op="equ"/>
+          <dgm:constr type="w" for="des" forName="iconRect" op="equ"/>
+          <dgm:constr type="h" for="des" forName="spaceRect" op="equ"/>
+          <dgm:constr type="h" for="des" forName="parTx" op="equ"/>
+          <dgm:constr type="h" for="des" forName="desTx" op="equ"/>
+        </dgm:constrLst>
+      </dgm:else>
+    </dgm:choose>
+    <dgm:ruleLst>
+      <dgm:rule type="h" for="ch" forName="compNode" val="0" fact="NaN" max="NaN"/>
+    </dgm:ruleLst>
+    <dgm:forEach name="Name8" axis="ch" ptType="node">
+      <dgm:layoutNode name="compNode">
+        <dgm:alg type="composite"/>
+        <dgm:shape xmlns:r="http://schemas.openxmlformats.org/officeDocument/2006/relationships" r:blip="">
+          <dgm:adjLst/>
+        </dgm:shape>
+        <dgm:presOf axis="self"/>
+        <dgm:choose name="Name9">
+          <dgm:if name="Name10" axis="ch" ptType="node" func="cnt" op="gte" val="1">
+            <dgm:constrLst>
+              <dgm:constr type="w" for="ch" forName="bgRect" refType="w"/>
+              <dgm:constr type="h" for="ch" forName="bgRect" refType="h"/>
+              <dgm:constr type="l" for="ch" forName="bgRect"/>
+              <dgm:constr type="t" for="ch" forName="bgRect"/>
+              <dgm:constr type="h" for="ch" forName="iconRect" refType="h" fact="0.55"/>
+              <dgm:constr type="w" for="ch" forName="iconRect" refType="h" refFor="ch" refForName="iconRect"/>
+              <dgm:constr type="l" for="ch" forName="iconRect" refType="h" refFor="ch" refForName="iconRect" fact="0.55"/>
+              <dgm:constr type="ctrY" for="ch" forName="iconRect" refType="ctrY" refFor="ch" refForName="bgRect"/>
+              <dgm:constr type="w" for="ch" forName="spaceRect" refType="l" refFor="ch" refForName="iconRect"/>
+              <dgm:constr type="h" for="ch" forName="spaceRect" refType="h"/>
+              <dgm:constr type="l" for="ch" forName="spaceRect" refType="r" refFor="ch" refForName="iconRect"/>
+              <dgm:constr type="t" for="ch" forName="spaceRect"/>
+              <dgm:constr type="w" for="ch" forName="parTx" refType="w" fact="0.45"/>
+              <dgm:constr type="h" for="ch" forName="parTx" refType="h"/>
+              <dgm:constr type="l" for="ch" forName="parTx" refType="r" refFor="ch" refForName="spaceRect"/>
+              <dgm:constr type="t" for="ch" forName="parTx"/>
+              <dgm:constr type="h" for="ch" forName="desTx" refType="h"/>
+              <dgm:constr type="l" for="ch" forName="desTx" refType="r" refFor="ch" refForName="parTx"/>
+              <dgm:constr type="t" for="ch" forName="desTx"/>
+            </dgm:constrLst>
+          </dgm:if>
+          <dgm:else name="Name11">
+            <dgm:constrLst>
+              <dgm:constr type="w" for="ch" forName="bgRect" refType="w"/>
+              <dgm:constr type="h" for="ch" forName="bgRect" refType="h"/>
+              <dgm:constr type="l" for="ch" forName="bgRect"/>
+              <dgm:constr type="t" for="ch" forName="bgRect"/>
+              <dgm:constr type="h" for="ch" forName="iconRect" refType="h" fact="0.55"/>
+              <dgm:constr type="w" for="ch" forName="iconRect" refType="h" refFor="ch" refForName="iconRect"/>
+              <dgm:constr type="l" for="ch" forName="iconRect" refType="h" refFor="ch" refForName="iconRect" fact="0.55"/>
+              <dgm:constr type="ctrY" for="ch" forName="iconRect" refType="ctrY" refFor="ch" refForName="bgRect"/>
+              <dgm:constr type="w" for="ch" forName="spaceRect" refType="l" refFor="ch" refForName="iconRect"/>
+              <dgm:constr type="h" for="ch" forName="spaceRect" refType="h"/>
+              <dgm:constr type="l" for="ch" forName="spaceRect" refType="r" refFor="ch" refForName="iconRect"/>
+              <dgm:constr type="t" for="ch" forName="spaceRect"/>
+              <dgm:constr type="h" for="ch" forName="parTx" refType="h"/>
+              <dgm:constr type="l" for="ch" forName="parTx" refType="r" refFor="ch" refForName="spaceRect"/>
+              <dgm:constr type="t" for="ch" forName="parTx"/>
+            </dgm:constrLst>
+          </dgm:else>
+        </dgm:choose>
+        <dgm:ruleLst>
+          <dgm:rule type="h" val="INF" fact="NaN" max="NaN"/>
+        </dgm:ruleLst>
+        <dgm:layoutNode name="bgRect" styleLbl="bgShp">
+          <dgm:alg type="sp"/>
+          <dgm:shape xmlns:r="http://schemas.openxmlformats.org/officeDocument/2006/relationships" type="roundRect" r:blip="">
+            <dgm:adjLst>
+              <dgm:adj idx="1" val="0.1"/>
+            </dgm:adjLst>
+          </dgm:shape>
+          <dgm:presOf/>
+          <dgm:constrLst/>
+          <dgm:ruleLst/>
+        </dgm:layoutNode>
+        <dgm:layoutNode name="iconRect" styleLbl="node1">
+          <dgm:alg type="sp"/>
+          <dgm:shape xmlns:r="http://schemas.openxmlformats.org/officeDocument/2006/relationships" type="rect" r:blip="" blipPhldr="1">
+            <dgm:adjLst/>
+          </dgm:shape>
+          <dgm:presOf/>
+          <dgm:constrLst/>
+          <dgm:ruleLst/>
+        </dgm:layoutNode>
+        <dgm:layoutNode name="spaceRect">
+          <dgm:alg type="sp"/>
+          <dgm:shape xmlns:r="http://schemas.openxmlformats.org/officeDocument/2006/relationships" r:blip="">
+            <dgm:adjLst/>
+          </dgm:shape>
+          <dgm:presOf/>
+          <dgm:constrLst/>
+          <dgm:ruleLst/>
+        </dgm:layoutNode>
+        <dgm:layoutNode name="parTx" styleLbl="revTx">
+          <dgm:varLst>
+            <dgm:chMax val="0"/>
+            <dgm:chPref val="0"/>
+          </dgm:varLst>
+          <dgm:alg type="tx">
+            <dgm:param type="txAnchorVert" val="mid"/>
+            <dgm:param type="parTxLTRAlign" val="l"/>
+            <dgm:param type="shpTxLTRAlignCh" val="l"/>
+            <dgm:param type="parTxRTLAlign" val="r"/>
+            <dgm:param type="shpTxRTLAlignCh" val="r"/>
+          </dgm:alg>
+          <dgm:shape xmlns:r="http://schemas.openxmlformats.org/officeDocument/2006/relationships" type="rect" r:blip="">
+            <dgm:adjLst/>
+          </dgm:shape>
+          <dgm:presOf axis="self" ptType="node"/>
+          <dgm:constrLst>
+            <dgm:constr type="lMarg" refType="h" fact="0.3"/>
+            <dgm:constr type="rMarg" refType="h" fact="0.3"/>
+            <dgm:constr type="tMarg" refType="h" fact="0.3"/>
+            <dgm:constr type="bMarg" refType="h" fact="0.3"/>
+          </dgm:constrLst>
+          <dgm:ruleLst>
+            <dgm:rule type="primFontSz" val="14" fact="NaN" max="NaN"/>
+            <dgm:rule type="h" val="INF" fact="NaN" max="NaN"/>
+          </dgm:ruleLst>
+        </dgm:layoutNode>
+        <dgm:choose name="Name12">
+          <dgm:if name="Name13" axis="ch" ptType="node" func="cnt" op="gte" val="1">
+            <dgm:layoutNode name="desTx" styleLbl="revTx">
+              <dgm:varLst/>
+              <dgm:alg type="tx">
+                <dgm:param type="txAnchorVertCh" val="mid"/>
+                <dgm:param type="parTxLTRAlign" val="l"/>
+                <dgm:param type="shpTxLTRAlignCh" val="l"/>
+                <dgm:param type="parTxRTLAlign" val="r"/>
+                <dgm:param type="shpTxRTLAlignCh" val="r"/>
+                <dgm:param type="stBulletLvl" val="0"/>
+              </dgm:alg>
+              <dgm:shape xmlns:r="http://schemas.openxmlformats.org/officeDocument/2006/relationships" type="rect" r:blip="">
+                <dgm:adjLst/>
+              </dgm:shape>
+              <dgm:presOf axis="des" ptType="node"/>
+              <dgm:constrLst>
+                <dgm:constr type="primFontSz" val="18"/>
+                <dgm:constr type="secFontSz" refType="primFontSz"/>
+                <dgm:constr type="lMarg" refType="h" fact="0.3"/>
+                <dgm:constr type="rMarg" refType="h" fact="0.3"/>
+                <dgm:constr type="tMarg" refType="h" fact="0.3"/>
+                <dgm:constr type="bMarg" refType="h" fact="0.3"/>
+              </dgm:constrLst>
+              <dgm:ruleLst>
+                <dgm:rule type="primFontSz" val="11" fact="NaN" max="NaN"/>
+              </dgm:ruleLst>
+            </dgm:layoutNode>
+          </dgm:if>
+          <dgm:else name="Name14"/>
+        </dgm:choose>
+      </dgm:layoutNode>
+      <dgm:forEach name="Name15" axis="followSib" ptType="sibTrans" cnt="1">
+        <dgm:layoutNode name="sibTrans">
+          <dgm:alg type="sp"/>
+          <dgm:shape xmlns:r="http://schemas.openxmlformats.org/officeDocument/2006/relationships" r:blip="">
+            <dgm:adjLst/>
+          </dgm:shape>
+          <dgm:presOf axis="self"/>
+          <dgm:constrLst/>
+          <dgm:ruleLst/>
+        </dgm:layoutNode>
+      </dgm:forEach>
+    </dgm:forEach>
+  </dgm:layoutNode>
+  <dgm:extLst>
+    <a:ext uri="{68A01E43-0DF5-4B5B-8FA6-DAF915123BFB}">
+      <dgm1612:lstStyle xmlns:dgm1612="http://schemas.microsoft.com/office/drawing/2016/12/diagram">
+        <a:lvl1pPr>
+          <a:lnSpc>
+            <a:spcPct val="100000"/>
+          </a:lnSpc>
+        </a:lvl1pPr>
+        <a:lvl2pPr>
+          <a:lnSpc>
+            <a:spcPct val="100000"/>
+          </a:lnSpc>
+        </a:lvl2pPr>
+      </dgm1612:lstStyle>
+    </a:ext>
+  </dgm:extLst>
+</dgm:layoutDef>
+</file>
+
+<file path=ppt/diagrams/layout2.xml><?xml version="1.0" encoding="utf-8"?>
+<dgm:layoutDef xmlns:dgm="http://schemas.openxmlformats.org/drawingml/2006/diagram" xmlns:a="http://schemas.openxmlformats.org/drawingml/2006/main" uniqueId="urn:microsoft.com/office/officeart/2016/7/layout/RepeatingBendingProcessNew">
+  <dgm:title val="Repeating Bending Process New"/>
+  <dgm:desc val=""/>
+  <dgm:catLst>
+    <dgm:cat type="process" pri="500"/>
+  </dgm:catLst>
+  <dgm:sampData>
+    <dgm:dataModel>
+      <dgm:ptLst>
+        <dgm:pt modelId="0" type="doc"/>
+        <dgm:pt modelId="1">
+          <dgm:prSet phldr="1"/>
+        </dgm:pt>
+        <dgm:pt modelId="2">
+          <dgm:prSet phldr="1"/>
+        </dgm:pt>
+        <dgm:pt modelId="3">
+          <dgm:prSet phldr="1"/>
+        </dgm:pt>
+        <dgm:pt modelId="4">
+          <dgm:prSet phldr="1"/>
+        </dgm:pt>
+        <dgm:pt modelId="5">
+          <dgm:prSet phldr="1"/>
+        </dgm:pt>
+      </dgm:ptLst>
+      <dgm:cxnLst>
+        <dgm:cxn modelId="7" srcId="0" destId="1" srcOrd="0" destOrd="0"/>
+        <dgm:cxn modelId="8" srcId="0" destId="2" srcOrd="1" destOrd="0"/>
+        <dgm:cxn modelId="9" srcId="0" destId="3" srcOrd="2" destOrd="0"/>
+        <dgm:cxn modelId="10" srcId="0" destId="4" srcOrd="3" destOrd="0"/>
+        <dgm:cxn modelId="11" srcId="0" destId="5" srcOrd="4" destOrd="0"/>
+      </dgm:cxnLst>
+      <dgm:bg/>
+      <dgm:whole/>
+    </dgm:dataModel>
+  </dgm:sampData>
+  <dgm:styleData>
+    <dgm:dataModel>
+      <dgm:ptLst>
+        <dgm:pt modelId="0" type="doc"/>
+        <dgm:pt modelId="1"/>
+        <dgm:pt modelId="2"/>
+      </dgm:ptLst>
+      <dgm:cxnLst>
+        <dgm:cxn modelId="3" srcId="0" destId="1" srcOrd="0" destOrd="0"/>
+        <dgm:cxn modelId="4" srcId="0" destId="2" srcOrd="1" destOrd="0"/>
+      </dgm:cxnLst>
+      <dgm:bg/>
+      <dgm:whole/>
+    </dgm:dataModel>
+  </dgm:styleData>
+  <dgm:clrData>
+    <dgm:dataModel>
+      <dgm:ptLst>
+        <dgm:pt modelId="0" type="doc"/>
+        <dgm:pt modelId="1"/>
+        <dgm:pt modelId="2"/>
+        <dgm:pt modelId="3"/>
+        <dgm:pt modelId="4"/>
+      </dgm:ptLst>
+      <dgm:cxnLst>
+        <dgm:cxn modelId="5" srcId="0" destId="1" srcOrd="0" destOrd="0"/>
+        <dgm:cxn modelId="6" srcId="0" destId="2" srcOrd="1" destOrd="0"/>
+        <dgm:cxn modelId="7" srcId="0" destId="3" srcOrd="2" destOrd="0"/>
+        <dgm:cxn modelId="8" srcId="0" destId="4" srcOrd="3" destOrd="0"/>
+      </dgm:cxnLst>
+      <dgm:bg/>
+      <dgm:whole/>
+    </dgm:dataModel>
+  </dgm:clrData>
+  <dgm:layoutNode name="Name0">
+    <dgm:varLst>
+      <dgm:dir/>
+      <dgm:resizeHandles val="exact"/>
+    </dgm:varLst>
+    <dgm:choose name="Name1">
+      <dgm:if name="Name2" axis="self" func="var" arg="dir" op="equ" val="norm">
+        <dgm:alg type="snake">
+          <dgm:param type="grDir" val="tL"/>
+          <dgm:param type="flowDir" val="row"/>
+          <dgm:param type="contDir" val="sameDir"/>
+          <dgm:param type="bkpt" val="endCnv"/>
+        </dgm:alg>
+      </dgm:if>
+      <dgm:else name="Name3">
+        <dgm:alg type="snake">
+          <dgm:param type="grDir" val="tR"/>
+          <dgm:param type="flowDir" val="row"/>
+          <dgm:param type="contDir" val="sameDir"/>
+          <dgm:param type="bkpt" val="endCnv"/>
+        </dgm:alg>
+      </dgm:else>
+    </dgm:choose>
+    <dgm:shape xmlns:r="http://schemas.openxmlformats.org/officeDocument/2006/relationships" r:blip="">
+      <dgm:adjLst/>
+    </dgm:shape>
+    <dgm:presOf/>
+    <dgm:constrLst>
+      <dgm:constr type="w" for="ch" ptType="node" refType="w"/>
+      <dgm:constr type="w" for="ch" forName="sibTrans" refType="w" refFor="ch" refPtType="node" op="equ" fact="0.23"/>
+      <dgm:constr type="sp" refType="w" refFor="ch" refForName="sibTrans" op="equ"/>
+      <dgm:constr type="userB" for="des" forName="connectorText" refType="sp"/>
+      <dgm:constr type="primFontSz" for="ch" ptType="node" op="equ" val="65"/>
+      <dgm:constr type="h" for="ch" ptType="sibTrans" op="equ"/>
+      <dgm:constr type="primFontSz" for="des" forName="connectorText" op="equ" val="55"/>
+      <dgm:constr type="primFontSz" for="des" forName="connectorText" refType="primFontSz" refFor="ch" refPtType="node" op="lte" fact="0.8"/>
+    </dgm:constrLst>
+    <dgm:ruleLst/>
+    <dgm:forEach name="nodesForEach" axis="ch" ptType="node">
+      <dgm:layoutNode name="node">
+        <dgm:varLst>
+          <dgm:bulletEnabled val="1"/>
+        </dgm:varLst>
+        <dgm:alg type="tx"/>
+        <dgm:shape xmlns:r="http://schemas.openxmlformats.org/officeDocument/2006/relationships" type="rect" r:blip="">
+          <dgm:adjLst/>
+        </dgm:shape>
+        <dgm:presOf axis="desOrSelf" ptType="node"/>
+        <dgm:constrLst>
+          <dgm:constr type="h" refType="w" fact="0.6"/>
+          <dgm:constr type="tMarg" refType="h" fact="0.243"/>
+          <dgm:constr type="bMarg" refType="h" fact="0.243"/>
+          <dgm:constr type="lMarg" refType="w" fact="0.1389"/>
+          <dgm:constr type="rMarg" refType="w" fact="0.1389"/>
+        </dgm:constrLst>
+        <dgm:ruleLst>
+          <dgm:rule type="primFontSz" val="12" fact="NaN" max="NaN"/>
+        </dgm:ruleLst>
+      </dgm:layoutNode>
+      <dgm:forEach name="sibTransForEach" axis="followSib" ptType="sibTrans" cnt="1">
+        <dgm:layoutNode name="sibTrans">
+          <dgm:choose name="Name4">
+            <dgm:if name="Name5" axis="self" func="var" arg="dir" op="equ" val="norm">
+              <dgm:alg type="conn">
+                <dgm:param type="connRout" val="bend"/>
+                <dgm:param type="dim" val="1D"/>
+                <dgm:param type="begPts" val="midR bCtr"/>
+                <dgm:param type="endPts" val="midL tCtr"/>
+              </dgm:alg>
+            </dgm:if>
+            <dgm:else name="Name6">
+              <dgm:alg type="conn">
+                <dgm:param type="connRout" val="bend"/>
+                <dgm:param type="dim" val="1D"/>
+                <dgm:param type="begPts" val="midL bCtr"/>
+                <dgm:param type="endPts" val="midR tCtr"/>
+              </dgm:alg>
+            </dgm:else>
+          </dgm:choose>
+          <dgm:shape xmlns:r="http://schemas.openxmlformats.org/officeDocument/2006/relationships" type="conn" r:blip="" zOrderOff="-2">
+            <dgm:adjLst/>
+          </dgm:shape>
+          <dgm:presOf axis="self"/>
+          <dgm:constrLst>
+            <dgm:constr type="begPad" val="-0.05"/>
+            <dgm:constr type="endPad" val="0.9"/>
+            <dgm:constr type="userA" for="ch" refType="connDist"/>
+          </dgm:constrLst>
+          <dgm:ruleLst/>
+          <dgm:layoutNode name="connectorText">
+            <dgm:alg type="tx">
+              <dgm:param type="autoTxRot" val="upr"/>
+            </dgm:alg>
+            <dgm:shape xmlns:r="http://schemas.openxmlformats.org/officeDocument/2006/relationships" type="rect" r:blip="" hideGeom="1">
+              <dgm:adjLst/>
+            </dgm:shape>
+            <dgm:presOf axis="self"/>
+            <dgm:constrLst>
+              <dgm:constr type="userA"/>
+              <dgm:constr type="userB"/>
+              <dgm:constr type="w" refType="userA" fact="0.05"/>
+              <dgm:constr type="h" refType="userB" fact="0.01"/>
+              <dgm:constr type="lMarg" val="1"/>
+              <dgm:constr type="rMarg" val="1"/>
+              <dgm:constr type="tMarg"/>
+              <dgm:constr type="bMarg"/>
+            </dgm:constrLst>
+            <dgm:ruleLst>
+              <dgm:rule type="w" val="NaN" fact="0.6" max="NaN"/>
+              <dgm:rule type="h" val="NaN" fact="0.6" max="NaN"/>
+              <dgm:rule type="primFontSz" val="5" fact="NaN" max="NaN"/>
+            </dgm:ruleLst>
+          </dgm:layoutNode>
+        </dgm:layoutNode>
+      </dgm:forEach>
+    </dgm:forEach>
+  </dgm:layoutNode>
+</dgm:layoutDef>
+</file>
+
+<file path=ppt/diagrams/layout3.xml><?xml version="1.0" encoding="utf-8"?>
 <dgm:layoutDef xmlns:dgm="http://schemas.openxmlformats.org/drawingml/2006/diagram" xmlns:a="http://schemas.openxmlformats.org/drawingml/2006/main" uniqueId="urn:microsoft.com/office/officeart/2005/8/layout/vList5">
   <dgm:title val=""/>
   <dgm:desc val=""/>
@@ -2474,6 +6984,2074 @@
 </file>
 
 <file path=ppt/diagrams/quickStyle1.xml><?xml version="1.0" encoding="utf-8"?>
+<dgm:styleDef xmlns:dgm="http://schemas.openxmlformats.org/drawingml/2006/diagram" xmlns:a="http://schemas.openxmlformats.org/drawingml/2006/main" uniqueId="urn:microsoft.com/office/officeart/2005/8/quickstyle/simple1">
+  <dgm:title val=""/>
+  <dgm:desc val=""/>
+  <dgm:catLst>
+    <dgm:cat type="simple" pri="10100"/>
+  </dgm:catLst>
+  <dgm:scene3d>
+    <a:camera prst="orthographicFront"/>
+    <a:lightRig rig="threePt" dir="t"/>
+  </dgm:scene3d>
+  <dgm:styleLbl name="node0">
+    <dgm:scene3d>
+      <a:camera prst="orthographicFront"/>
+      <a:lightRig rig="threePt" dir="t"/>
+    </dgm:scene3d>
+    <dgm:sp3d/>
+    <dgm:txPr/>
+    <dgm:style>
+      <a:lnRef idx="2">
+        <a:scrgbClr r="0" g="0" b="0"/>
+      </a:lnRef>
+      <a:fillRef idx="1">
+        <a:scrgbClr r="0" g="0" b="0"/>
+      </a:fillRef>
+      <a:effectRef idx="0">
+        <a:scrgbClr r="0" g="0" b="0"/>
+      </a:effectRef>
+      <a:fontRef idx="minor">
+        <a:schemeClr val="lt1"/>
+      </a:fontRef>
+    </dgm:style>
+  </dgm:styleLbl>
+  <dgm:styleLbl name="lnNode1">
+    <dgm:scene3d>
+      <a:camera prst="orthographicFront"/>
+      <a:lightRig rig="threePt" dir="t"/>
+    </dgm:scene3d>
+    <dgm:sp3d/>
+    <dgm:txPr/>
+    <dgm:style>
+      <a:lnRef idx="2">
+        <a:scrgbClr r="0" g="0" b="0"/>
+      </a:lnRef>
+      <a:fillRef idx="1">
+        <a:scrgbClr r="0" g="0" b="0"/>
+      </a:fillRef>
+      <a:effectRef idx="0">
+        <a:scrgbClr r="0" g="0" b="0"/>
+      </a:effectRef>
+      <a:fontRef idx="minor">
+        <a:schemeClr val="lt1"/>
+      </a:fontRef>
+    </dgm:style>
+  </dgm:styleLbl>
+  <dgm:styleLbl name="vennNode1">
+    <dgm:scene3d>
+      <a:camera prst="orthographicFront"/>
+      <a:lightRig rig="threePt" dir="t"/>
+    </dgm:scene3d>
+    <dgm:sp3d/>
+    <dgm:txPr/>
+    <dgm:style>
+      <a:lnRef idx="2">
+        <a:scrgbClr r="0" g="0" b="0"/>
+      </a:lnRef>
+      <a:fillRef idx="1">
+        <a:scrgbClr r="0" g="0" b="0"/>
+      </a:fillRef>
+      <a:effectRef idx="0">
+        <a:scrgbClr r="0" g="0" b="0"/>
+      </a:effectRef>
+      <a:fontRef idx="minor">
+        <a:schemeClr val="tx1"/>
+      </a:fontRef>
+    </dgm:style>
+  </dgm:styleLbl>
+  <dgm:styleLbl name="alignNode1">
+    <dgm:scene3d>
+      <a:camera prst="orthographicFront"/>
+      <a:lightRig rig="threePt" dir="t"/>
+    </dgm:scene3d>
+    <dgm:sp3d/>
+    <dgm:txPr/>
+    <dgm:style>
+      <a:lnRef idx="2">
+        <a:scrgbClr r="0" g="0" b="0"/>
+      </a:lnRef>
+      <a:fillRef idx="1">
+        <a:scrgbClr r="0" g="0" b="0"/>
+      </a:fillRef>
+      <a:effectRef idx="0">
+        <a:scrgbClr r="0" g="0" b="0"/>
+      </a:effectRef>
+      <a:fontRef idx="minor">
+        <a:schemeClr val="lt1"/>
+      </a:fontRef>
+    </dgm:style>
+  </dgm:styleLbl>
+  <dgm:styleLbl name="node1">
+    <dgm:scene3d>
+      <a:camera prst="orthographicFront"/>
+      <a:lightRig rig="threePt" dir="t"/>
+    </dgm:scene3d>
+    <dgm:sp3d/>
+    <dgm:txPr/>
+    <dgm:style>
+      <a:lnRef idx="2">
+        <a:scrgbClr r="0" g="0" b="0"/>
+      </a:lnRef>
+      <a:fillRef idx="1">
+        <a:scrgbClr r="0" g="0" b="0"/>
+      </a:fillRef>
+      <a:effectRef idx="0">
+        <a:scrgbClr r="0" g="0" b="0"/>
+      </a:effectRef>
+      <a:fontRef idx="minor">
+        <a:schemeClr val="lt1"/>
+      </a:fontRef>
+    </dgm:style>
+  </dgm:styleLbl>
+  <dgm:styleLbl name="node2">
+    <dgm:scene3d>
+      <a:camera prst="orthographicFront"/>
+      <a:lightRig rig="threePt" dir="t"/>
+    </dgm:scene3d>
+    <dgm:sp3d/>
+    <dgm:txPr/>
+    <dgm:style>
+      <a:lnRef idx="2">
+        <a:scrgbClr r="0" g="0" b="0"/>
+      </a:lnRef>
+      <a:fillRef idx="1">
+        <a:scrgbClr r="0" g="0" b="0"/>
+      </a:fillRef>
+      <a:effectRef idx="0">
+        <a:scrgbClr r="0" g="0" b="0"/>
+      </a:effectRef>
+      <a:fontRef idx="minor">
+        <a:schemeClr val="lt1"/>
+      </a:fontRef>
+    </dgm:style>
+  </dgm:styleLbl>
+  <dgm:styleLbl name="node3">
+    <dgm:scene3d>
+      <a:camera prst="orthographicFront"/>
+      <a:lightRig rig="threePt" dir="t"/>
+    </dgm:scene3d>
+    <dgm:sp3d/>
+    <dgm:txPr/>
+    <dgm:style>
+      <a:lnRef idx="2">
+        <a:scrgbClr r="0" g="0" b="0"/>
+      </a:lnRef>
+      <a:fillRef idx="1">
+        <a:scrgbClr r="0" g="0" b="0"/>
+      </a:fillRef>
+      <a:effectRef idx="0">
+        <a:scrgbClr r="0" g="0" b="0"/>
+      </a:effectRef>
+      <a:fontRef idx="minor">
+        <a:schemeClr val="lt1"/>
+      </a:fontRef>
+    </dgm:style>
+  </dgm:styleLbl>
+  <dgm:styleLbl name="node4">
+    <dgm:scene3d>
+      <a:camera prst="orthographicFront"/>
+      <a:lightRig rig="threePt" dir="t"/>
+    </dgm:scene3d>
+    <dgm:sp3d/>
+    <dgm:txPr/>
+    <dgm:style>
+      <a:lnRef idx="2">
+        <a:scrgbClr r="0" g="0" b="0"/>
+      </a:lnRef>
+      <a:fillRef idx="1">
+        <a:scrgbClr r="0" g="0" b="0"/>
+      </a:fillRef>
+      <a:effectRef idx="0">
+        <a:scrgbClr r="0" g="0" b="0"/>
+      </a:effectRef>
+      <a:fontRef idx="minor">
+        <a:schemeClr val="lt1"/>
+      </a:fontRef>
+    </dgm:style>
+  </dgm:styleLbl>
+  <dgm:styleLbl name="fgImgPlace1">
+    <dgm:scene3d>
+      <a:camera prst="orthographicFront"/>
+      <a:lightRig rig="threePt" dir="t"/>
+    </dgm:scene3d>
+    <dgm:sp3d/>
+    <dgm:txPr/>
+    <dgm:style>
+      <a:lnRef idx="2">
+        <a:scrgbClr r="0" g="0" b="0"/>
+      </a:lnRef>
+      <a:fillRef idx="1">
+        <a:scrgbClr r="0" g="0" b="0"/>
+      </a:fillRef>
+      <a:effectRef idx="0">
+        <a:scrgbClr r="0" g="0" b="0"/>
+      </a:effectRef>
+      <a:fontRef idx="minor"/>
+    </dgm:style>
+  </dgm:styleLbl>
+  <dgm:styleLbl name="alignImgPlace1">
+    <dgm:scene3d>
+      <a:camera prst="orthographicFront"/>
+      <a:lightRig rig="threePt" dir="t"/>
+    </dgm:scene3d>
+    <dgm:sp3d/>
+    <dgm:txPr/>
+    <dgm:style>
+      <a:lnRef idx="2">
+        <a:scrgbClr r="0" g="0" b="0"/>
+      </a:lnRef>
+      <a:fillRef idx="1">
+        <a:scrgbClr r="0" g="0" b="0"/>
+      </a:fillRef>
+      <a:effectRef idx="0">
+        <a:scrgbClr r="0" g="0" b="0"/>
+      </a:effectRef>
+      <a:fontRef idx="minor"/>
+    </dgm:style>
+  </dgm:styleLbl>
+  <dgm:styleLbl name="bgImgPlace1">
+    <dgm:scene3d>
+      <a:camera prst="orthographicFront"/>
+      <a:lightRig rig="threePt" dir="t"/>
+    </dgm:scene3d>
+    <dgm:sp3d/>
+    <dgm:txPr/>
+    <dgm:style>
+      <a:lnRef idx="2">
+        <a:scrgbClr r="0" g="0" b="0"/>
+      </a:lnRef>
+      <a:fillRef idx="1">
+        <a:scrgbClr r="0" g="0" b="0"/>
+      </a:fillRef>
+      <a:effectRef idx="0">
+        <a:scrgbClr r="0" g="0" b="0"/>
+      </a:effectRef>
+      <a:fontRef idx="minor"/>
+    </dgm:style>
+  </dgm:styleLbl>
+  <dgm:styleLbl name="sibTrans2D1">
+    <dgm:scene3d>
+      <a:camera prst="orthographicFront"/>
+      <a:lightRig rig="threePt" dir="t"/>
+    </dgm:scene3d>
+    <dgm:sp3d/>
+    <dgm:txPr/>
+    <dgm:style>
+      <a:lnRef idx="0">
+        <a:scrgbClr r="0" g="0" b="0"/>
+      </a:lnRef>
+      <a:fillRef idx="1">
+        <a:scrgbClr r="0" g="0" b="0"/>
+      </a:fillRef>
+      <a:effectRef idx="0">
+        <a:scrgbClr r="0" g="0" b="0"/>
+      </a:effectRef>
+      <a:fontRef idx="minor">
+        <a:schemeClr val="lt1"/>
+      </a:fontRef>
+    </dgm:style>
+  </dgm:styleLbl>
+  <dgm:styleLbl name="fgSibTrans2D1">
+    <dgm:scene3d>
+      <a:camera prst="orthographicFront"/>
+      <a:lightRig rig="threePt" dir="t"/>
+    </dgm:scene3d>
+    <dgm:sp3d/>
+    <dgm:txPr/>
+    <dgm:style>
+      <a:lnRef idx="0">
+        <a:scrgbClr r="0" g="0" b="0"/>
+      </a:lnRef>
+      <a:fillRef idx="1">
+        <a:scrgbClr r="0" g="0" b="0"/>
+      </a:fillRef>
+      <a:effectRef idx="0">
+        <a:scrgbClr r="0" g="0" b="0"/>
+      </a:effectRef>
+      <a:fontRef idx="minor">
+        <a:schemeClr val="lt1"/>
+      </a:fontRef>
+    </dgm:style>
+  </dgm:styleLbl>
+  <dgm:styleLbl name="bgSibTrans2D1">
+    <dgm:scene3d>
+      <a:camera prst="orthographicFront"/>
+      <a:lightRig rig="threePt" dir="t"/>
+    </dgm:scene3d>
+    <dgm:sp3d/>
+    <dgm:txPr/>
+    <dgm:style>
+      <a:lnRef idx="0">
+        <a:scrgbClr r="0" g="0" b="0"/>
+      </a:lnRef>
+      <a:fillRef idx="1">
+        <a:scrgbClr r="0" g="0" b="0"/>
+      </a:fillRef>
+      <a:effectRef idx="0">
+        <a:scrgbClr r="0" g="0" b="0"/>
+      </a:effectRef>
+      <a:fontRef idx="minor">
+        <a:schemeClr val="lt1"/>
+      </a:fontRef>
+    </dgm:style>
+  </dgm:styleLbl>
+  <dgm:styleLbl name="sibTrans1D1">
+    <dgm:scene3d>
+      <a:camera prst="orthographicFront"/>
+      <a:lightRig rig="threePt" dir="t"/>
+    </dgm:scene3d>
+    <dgm:sp3d/>
+    <dgm:txPr/>
+    <dgm:style>
+      <a:lnRef idx="1">
+        <a:scrgbClr r="0" g="0" b="0"/>
+      </a:lnRef>
+      <a:fillRef idx="0">
+        <a:scrgbClr r="0" g="0" b="0"/>
+      </a:fillRef>
+      <a:effectRef idx="0">
+        <a:scrgbClr r="0" g="0" b="0"/>
+      </a:effectRef>
+      <a:fontRef idx="minor"/>
+    </dgm:style>
+  </dgm:styleLbl>
+  <dgm:styleLbl name="callout">
+    <dgm:scene3d>
+      <a:camera prst="orthographicFront"/>
+      <a:lightRig rig="threePt" dir="t"/>
+    </dgm:scene3d>
+    <dgm:sp3d/>
+    <dgm:txPr/>
+    <dgm:style>
+      <a:lnRef idx="2">
+        <a:scrgbClr r="0" g="0" b="0"/>
+      </a:lnRef>
+      <a:fillRef idx="1">
+        <a:scrgbClr r="0" g="0" b="0"/>
+      </a:fillRef>
+      <a:effectRef idx="0">
+        <a:scrgbClr r="0" g="0" b="0"/>
+      </a:effectRef>
+      <a:fontRef idx="minor"/>
+    </dgm:style>
+  </dgm:styleLbl>
+  <dgm:styleLbl name="asst0">
+    <dgm:scene3d>
+      <a:camera prst="orthographicFront"/>
+      <a:lightRig rig="threePt" dir="t"/>
+    </dgm:scene3d>
+    <dgm:sp3d/>
+    <dgm:txPr/>
+    <dgm:style>
+      <a:lnRef idx="2">
+        <a:scrgbClr r="0" g="0" b="0"/>
+      </a:lnRef>
+      <a:fillRef idx="1">
+        <a:scrgbClr r="0" g="0" b="0"/>
+      </a:fillRef>
+      <a:effectRef idx="0">
+        <a:scrgbClr r="0" g="0" b="0"/>
+      </a:effectRef>
+      <a:fontRef idx="minor">
+        <a:schemeClr val="lt1"/>
+      </a:fontRef>
+    </dgm:style>
+  </dgm:styleLbl>
+  <dgm:styleLbl name="asst1">
+    <dgm:scene3d>
+      <a:camera prst="orthographicFront"/>
+      <a:lightRig rig="threePt" dir="t"/>
+    </dgm:scene3d>
+    <dgm:sp3d/>
+    <dgm:txPr/>
+    <dgm:style>
+      <a:lnRef idx="2">
+        <a:scrgbClr r="0" g="0" b="0"/>
+      </a:lnRef>
+      <a:fillRef idx="1">
+        <a:scrgbClr r="0" g="0" b="0"/>
+      </a:fillRef>
+      <a:effectRef idx="0">
+        <a:scrgbClr r="0" g="0" b="0"/>
+      </a:effectRef>
+      <a:fontRef idx="minor">
+        <a:schemeClr val="lt1"/>
+      </a:fontRef>
+    </dgm:style>
+  </dgm:styleLbl>
+  <dgm:styleLbl name="asst2">
+    <dgm:scene3d>
+      <a:camera prst="orthographicFront"/>
+      <a:lightRig rig="threePt" dir="t"/>
+    </dgm:scene3d>
+    <dgm:sp3d/>
+    <dgm:txPr/>
+    <dgm:style>
+      <a:lnRef idx="2">
+        <a:scrgbClr r="0" g="0" b="0"/>
+      </a:lnRef>
+      <a:fillRef idx="1">
+        <a:scrgbClr r="0" g="0" b="0"/>
+      </a:fillRef>
+      <a:effectRef idx="0">
+        <a:scrgbClr r="0" g="0" b="0"/>
+      </a:effectRef>
+      <a:fontRef idx="minor">
+        <a:schemeClr val="lt1"/>
+      </a:fontRef>
+    </dgm:style>
+  </dgm:styleLbl>
+  <dgm:styleLbl name="asst3">
+    <dgm:scene3d>
+      <a:camera prst="orthographicFront"/>
+      <a:lightRig rig="threePt" dir="t"/>
+    </dgm:scene3d>
+    <dgm:sp3d/>
+    <dgm:txPr/>
+    <dgm:style>
+      <a:lnRef idx="2">
+        <a:scrgbClr r="0" g="0" b="0"/>
+      </a:lnRef>
+      <a:fillRef idx="1">
+        <a:scrgbClr r="0" g="0" b="0"/>
+      </a:fillRef>
+      <a:effectRef idx="0">
+        <a:scrgbClr r="0" g="0" b="0"/>
+      </a:effectRef>
+      <a:fontRef idx="minor">
+        <a:schemeClr val="lt1"/>
+      </a:fontRef>
+    </dgm:style>
+  </dgm:styleLbl>
+  <dgm:styleLbl name="asst4">
+    <dgm:scene3d>
+      <a:camera prst="orthographicFront"/>
+      <a:lightRig rig="threePt" dir="t"/>
+    </dgm:scene3d>
+    <dgm:sp3d/>
+    <dgm:txPr/>
+    <dgm:style>
+      <a:lnRef idx="2">
+        <a:scrgbClr r="0" g="0" b="0"/>
+      </a:lnRef>
+      <a:fillRef idx="1">
+        <a:scrgbClr r="0" g="0" b="0"/>
+      </a:fillRef>
+      <a:effectRef idx="0">
+        <a:scrgbClr r="0" g="0" b="0"/>
+      </a:effectRef>
+      <a:fontRef idx="minor">
+        <a:schemeClr val="lt1"/>
+      </a:fontRef>
+    </dgm:style>
+  </dgm:styleLbl>
+  <dgm:styleLbl name="parChTrans2D1">
+    <dgm:scene3d>
+      <a:camera prst="orthographicFront"/>
+      <a:lightRig rig="threePt" dir="t"/>
+    </dgm:scene3d>
+    <dgm:sp3d/>
+    <dgm:txPr/>
+    <dgm:style>
+      <a:lnRef idx="2">
+        <a:scrgbClr r="0" g="0" b="0"/>
+      </a:lnRef>
+      <a:fillRef idx="1">
+        <a:scrgbClr r="0" g="0" b="0"/>
+      </a:fillRef>
+      <a:effectRef idx="0">
+        <a:scrgbClr r="0" g="0" b="0"/>
+      </a:effectRef>
+      <a:fontRef idx="minor">
+        <a:schemeClr val="lt1"/>
+      </a:fontRef>
+    </dgm:style>
+  </dgm:styleLbl>
+  <dgm:styleLbl name="parChTrans2D2">
+    <dgm:scene3d>
+      <a:camera prst="orthographicFront"/>
+      <a:lightRig rig="threePt" dir="t"/>
+    </dgm:scene3d>
+    <dgm:sp3d/>
+    <dgm:txPr/>
+    <dgm:style>
+      <a:lnRef idx="2">
+        <a:scrgbClr r="0" g="0" b="0"/>
+      </a:lnRef>
+      <a:fillRef idx="1">
+        <a:scrgbClr r="0" g="0" b="0"/>
+      </a:fillRef>
+      <a:effectRef idx="0">
+        <a:scrgbClr r="0" g="0" b="0"/>
+      </a:effectRef>
+      <a:fontRef idx="minor">
+        <a:schemeClr val="lt1"/>
+      </a:fontRef>
+    </dgm:style>
+  </dgm:styleLbl>
+  <dgm:styleLbl name="parChTrans2D3">
+    <dgm:scene3d>
+      <a:camera prst="orthographicFront"/>
+      <a:lightRig rig="threePt" dir="t"/>
+    </dgm:scene3d>
+    <dgm:sp3d/>
+    <dgm:txPr/>
+    <dgm:style>
+      <a:lnRef idx="2">
+        <a:scrgbClr r="0" g="0" b="0"/>
+      </a:lnRef>
+      <a:fillRef idx="1">
+        <a:scrgbClr r="0" g="0" b="0"/>
+      </a:fillRef>
+      <a:effectRef idx="0">
+        <a:scrgbClr r="0" g="0" b="0"/>
+      </a:effectRef>
+      <a:fontRef idx="minor">
+        <a:schemeClr val="lt1"/>
+      </a:fontRef>
+    </dgm:style>
+  </dgm:styleLbl>
+  <dgm:styleLbl name="parChTrans2D4">
+    <dgm:scene3d>
+      <a:camera prst="orthographicFront"/>
+      <a:lightRig rig="threePt" dir="t"/>
+    </dgm:scene3d>
+    <dgm:sp3d/>
+    <dgm:txPr/>
+    <dgm:style>
+      <a:lnRef idx="2">
+        <a:scrgbClr r="0" g="0" b="0"/>
+      </a:lnRef>
+      <a:fillRef idx="1">
+        <a:scrgbClr r="0" g="0" b="0"/>
+      </a:fillRef>
+      <a:effectRef idx="0">
+        <a:scrgbClr r="0" g="0" b="0"/>
+      </a:effectRef>
+      <a:fontRef idx="minor">
+        <a:schemeClr val="lt1"/>
+      </a:fontRef>
+    </dgm:style>
+  </dgm:styleLbl>
+  <dgm:styleLbl name="parChTrans1D1">
+    <dgm:scene3d>
+      <a:camera prst="orthographicFront"/>
+      <a:lightRig rig="threePt" dir="t"/>
+    </dgm:scene3d>
+    <dgm:sp3d/>
+    <dgm:txPr/>
+    <dgm:style>
+      <a:lnRef idx="2">
+        <a:scrgbClr r="0" g="0" b="0"/>
+      </a:lnRef>
+      <a:fillRef idx="0">
+        <a:scrgbClr r="0" g="0" b="0"/>
+      </a:fillRef>
+      <a:effectRef idx="0">
+        <a:scrgbClr r="0" g="0" b="0"/>
+      </a:effectRef>
+      <a:fontRef idx="minor"/>
+    </dgm:style>
+  </dgm:styleLbl>
+  <dgm:styleLbl name="parChTrans1D2">
+    <dgm:scene3d>
+      <a:camera prst="orthographicFront"/>
+      <a:lightRig rig="threePt" dir="t"/>
+    </dgm:scene3d>
+    <dgm:sp3d/>
+    <dgm:txPr/>
+    <dgm:style>
+      <a:lnRef idx="2">
+        <a:scrgbClr r="0" g="0" b="0"/>
+      </a:lnRef>
+      <a:fillRef idx="0">
+        <a:scrgbClr r="0" g="0" b="0"/>
+      </a:fillRef>
+      <a:effectRef idx="0">
+        <a:scrgbClr r="0" g="0" b="0"/>
+      </a:effectRef>
+      <a:fontRef idx="minor"/>
+    </dgm:style>
+  </dgm:styleLbl>
+  <dgm:styleLbl name="parChTrans1D3">
+    <dgm:scene3d>
+      <a:camera prst="orthographicFront"/>
+      <a:lightRig rig="threePt" dir="t"/>
+    </dgm:scene3d>
+    <dgm:sp3d/>
+    <dgm:txPr/>
+    <dgm:style>
+      <a:lnRef idx="2">
+        <a:scrgbClr r="0" g="0" b="0"/>
+      </a:lnRef>
+      <a:fillRef idx="0">
+        <a:scrgbClr r="0" g="0" b="0"/>
+      </a:fillRef>
+      <a:effectRef idx="0">
+        <a:scrgbClr r="0" g="0" b="0"/>
+      </a:effectRef>
+      <a:fontRef idx="minor"/>
+    </dgm:style>
+  </dgm:styleLbl>
+  <dgm:styleLbl name="parChTrans1D4">
+    <dgm:scene3d>
+      <a:camera prst="orthographicFront"/>
+      <a:lightRig rig="threePt" dir="t"/>
+    </dgm:scene3d>
+    <dgm:sp3d/>
+    <dgm:txPr/>
+    <dgm:style>
+      <a:lnRef idx="2">
+        <a:scrgbClr r="0" g="0" b="0"/>
+      </a:lnRef>
+      <a:fillRef idx="0">
+        <a:scrgbClr r="0" g="0" b="0"/>
+      </a:fillRef>
+      <a:effectRef idx="0">
+        <a:scrgbClr r="0" g="0" b="0"/>
+      </a:effectRef>
+      <a:fontRef idx="minor"/>
+    </dgm:style>
+  </dgm:styleLbl>
+  <dgm:styleLbl name="fgAcc1">
+    <dgm:scene3d>
+      <a:camera prst="orthographicFront"/>
+      <a:lightRig rig="threePt" dir="t"/>
+    </dgm:scene3d>
+    <dgm:sp3d/>
+    <dgm:txPr/>
+    <dgm:style>
+      <a:lnRef idx="2">
+        <a:scrgbClr r="0" g="0" b="0"/>
+      </a:lnRef>
+      <a:fillRef idx="1">
+        <a:scrgbClr r="0" g="0" b="0"/>
+      </a:fillRef>
+      <a:effectRef idx="0">
+        <a:scrgbClr r="0" g="0" b="0"/>
+      </a:effectRef>
+      <a:fontRef idx="minor"/>
+    </dgm:style>
+  </dgm:styleLbl>
+  <dgm:styleLbl name="conFgAcc1">
+    <dgm:scene3d>
+      <a:camera prst="orthographicFront"/>
+      <a:lightRig rig="threePt" dir="t"/>
+    </dgm:scene3d>
+    <dgm:sp3d/>
+    <dgm:txPr/>
+    <dgm:style>
+      <a:lnRef idx="2">
+        <a:scrgbClr r="0" g="0" b="0"/>
+      </a:lnRef>
+      <a:fillRef idx="1">
+        <a:scrgbClr r="0" g="0" b="0"/>
+      </a:fillRef>
+      <a:effectRef idx="0">
+        <a:scrgbClr r="0" g="0" b="0"/>
+      </a:effectRef>
+      <a:fontRef idx="minor"/>
+    </dgm:style>
+  </dgm:styleLbl>
+  <dgm:styleLbl name="alignAcc1">
+    <dgm:scene3d>
+      <a:camera prst="orthographicFront"/>
+      <a:lightRig rig="threePt" dir="t"/>
+    </dgm:scene3d>
+    <dgm:sp3d/>
+    <dgm:txPr/>
+    <dgm:style>
+      <a:lnRef idx="2">
+        <a:scrgbClr r="0" g="0" b="0"/>
+      </a:lnRef>
+      <a:fillRef idx="1">
+        <a:scrgbClr r="0" g="0" b="0"/>
+      </a:fillRef>
+      <a:effectRef idx="0">
+        <a:scrgbClr r="0" g="0" b="0"/>
+      </a:effectRef>
+      <a:fontRef idx="minor"/>
+    </dgm:style>
+  </dgm:styleLbl>
+  <dgm:styleLbl name="trAlignAcc1">
+    <dgm:scene3d>
+      <a:camera prst="orthographicFront"/>
+      <a:lightRig rig="threePt" dir="t"/>
+    </dgm:scene3d>
+    <dgm:sp3d/>
+    <dgm:txPr/>
+    <dgm:style>
+      <a:lnRef idx="1">
+        <a:scrgbClr r="0" g="0" b="0"/>
+      </a:lnRef>
+      <a:fillRef idx="1">
+        <a:scrgbClr r="0" g="0" b="0"/>
+      </a:fillRef>
+      <a:effectRef idx="0">
+        <a:scrgbClr r="0" g="0" b="0"/>
+      </a:effectRef>
+      <a:fontRef idx="minor"/>
+    </dgm:style>
+  </dgm:styleLbl>
+  <dgm:styleLbl name="bgAcc1">
+    <dgm:scene3d>
+      <a:camera prst="orthographicFront"/>
+      <a:lightRig rig="threePt" dir="t"/>
+    </dgm:scene3d>
+    <dgm:sp3d/>
+    <dgm:txPr/>
+    <dgm:style>
+      <a:lnRef idx="2">
+        <a:scrgbClr r="0" g="0" b="0"/>
+      </a:lnRef>
+      <a:fillRef idx="1">
+        <a:scrgbClr r="0" g="0" b="0"/>
+      </a:fillRef>
+      <a:effectRef idx="0">
+        <a:scrgbClr r="0" g="0" b="0"/>
+      </a:effectRef>
+      <a:fontRef idx="minor"/>
+    </dgm:style>
+  </dgm:styleLbl>
+  <dgm:styleLbl name="solidFgAcc1">
+    <dgm:scene3d>
+      <a:camera prst="orthographicFront"/>
+      <a:lightRig rig="threePt" dir="t"/>
+    </dgm:scene3d>
+    <dgm:sp3d/>
+    <dgm:txPr/>
+    <dgm:style>
+      <a:lnRef idx="2">
+        <a:scrgbClr r="0" g="0" b="0"/>
+      </a:lnRef>
+      <a:fillRef idx="1">
+        <a:scrgbClr r="0" g="0" b="0"/>
+      </a:fillRef>
+      <a:effectRef idx="0">
+        <a:scrgbClr r="0" g="0" b="0"/>
+      </a:effectRef>
+      <a:fontRef idx="minor"/>
+    </dgm:style>
+  </dgm:styleLbl>
+  <dgm:styleLbl name="solidAlignAcc1">
+    <dgm:scene3d>
+      <a:camera prst="orthographicFront"/>
+      <a:lightRig rig="threePt" dir="t"/>
+    </dgm:scene3d>
+    <dgm:sp3d/>
+    <dgm:txPr/>
+    <dgm:style>
+      <a:lnRef idx="2">
+        <a:scrgbClr r="0" g="0" b="0"/>
+      </a:lnRef>
+      <a:fillRef idx="1">
+        <a:scrgbClr r="0" g="0" b="0"/>
+      </a:fillRef>
+      <a:effectRef idx="0">
+        <a:scrgbClr r="0" g="0" b="0"/>
+      </a:effectRef>
+      <a:fontRef idx="minor"/>
+    </dgm:style>
+  </dgm:styleLbl>
+  <dgm:styleLbl name="solidBgAcc1">
+    <dgm:scene3d>
+      <a:camera prst="orthographicFront"/>
+      <a:lightRig rig="threePt" dir="t"/>
+    </dgm:scene3d>
+    <dgm:sp3d/>
+    <dgm:txPr/>
+    <dgm:style>
+      <a:lnRef idx="2">
+        <a:scrgbClr r="0" g="0" b="0"/>
+      </a:lnRef>
+      <a:fillRef idx="1">
+        <a:scrgbClr r="0" g="0" b="0"/>
+      </a:fillRef>
+      <a:effectRef idx="0">
+        <a:scrgbClr r="0" g="0" b="0"/>
+      </a:effectRef>
+      <a:fontRef idx="minor"/>
+    </dgm:style>
+  </dgm:styleLbl>
+  <dgm:styleLbl name="fgAccFollowNode1">
+    <dgm:scene3d>
+      <a:camera prst="orthographicFront"/>
+      <a:lightRig rig="threePt" dir="t"/>
+    </dgm:scene3d>
+    <dgm:sp3d/>
+    <dgm:txPr/>
+    <dgm:style>
+      <a:lnRef idx="2">
+        <a:scrgbClr r="0" g="0" b="0"/>
+      </a:lnRef>
+      <a:fillRef idx="1">
+        <a:scrgbClr r="0" g="0" b="0"/>
+      </a:fillRef>
+      <a:effectRef idx="0">
+        <a:scrgbClr r="0" g="0" b="0"/>
+      </a:effectRef>
+      <a:fontRef idx="minor"/>
+    </dgm:style>
+  </dgm:styleLbl>
+  <dgm:styleLbl name="alignAccFollowNode1">
+    <dgm:scene3d>
+      <a:camera prst="orthographicFront"/>
+      <a:lightRig rig="threePt" dir="t"/>
+    </dgm:scene3d>
+    <dgm:sp3d/>
+    <dgm:txPr/>
+    <dgm:style>
+      <a:lnRef idx="2">
+        <a:scrgbClr r="0" g="0" b="0"/>
+      </a:lnRef>
+      <a:fillRef idx="1">
+        <a:scrgbClr r="0" g="0" b="0"/>
+      </a:fillRef>
+      <a:effectRef idx="0">
+        <a:scrgbClr r="0" g="0" b="0"/>
+      </a:effectRef>
+      <a:fontRef idx="minor"/>
+    </dgm:style>
+  </dgm:styleLbl>
+  <dgm:styleLbl name="bgAccFollowNode1">
+    <dgm:scene3d>
+      <a:camera prst="orthographicFront"/>
+      <a:lightRig rig="threePt" dir="t"/>
+    </dgm:scene3d>
+    <dgm:sp3d/>
+    <dgm:txPr/>
+    <dgm:style>
+      <a:lnRef idx="2">
+        <a:scrgbClr r="0" g="0" b="0"/>
+      </a:lnRef>
+      <a:fillRef idx="1">
+        <a:scrgbClr r="0" g="0" b="0"/>
+      </a:fillRef>
+      <a:effectRef idx="0">
+        <a:scrgbClr r="0" g="0" b="0"/>
+      </a:effectRef>
+      <a:fontRef idx="minor"/>
+    </dgm:style>
+  </dgm:styleLbl>
+  <dgm:styleLbl name="fgAcc0">
+    <dgm:scene3d>
+      <a:camera prst="orthographicFront"/>
+      <a:lightRig rig="threePt" dir="t"/>
+    </dgm:scene3d>
+    <dgm:sp3d/>
+    <dgm:txPr/>
+    <dgm:style>
+      <a:lnRef idx="2">
+        <a:scrgbClr r="0" g="0" b="0"/>
+      </a:lnRef>
+      <a:fillRef idx="1">
+        <a:scrgbClr r="0" g="0" b="0"/>
+      </a:fillRef>
+      <a:effectRef idx="0">
+        <a:scrgbClr r="0" g="0" b="0"/>
+      </a:effectRef>
+      <a:fontRef idx="minor"/>
+    </dgm:style>
+  </dgm:styleLbl>
+  <dgm:styleLbl name="fgAcc2">
+    <dgm:scene3d>
+      <a:camera prst="orthographicFront"/>
+      <a:lightRig rig="threePt" dir="t"/>
+    </dgm:scene3d>
+    <dgm:sp3d/>
+    <dgm:txPr/>
+    <dgm:style>
+      <a:lnRef idx="2">
+        <a:scrgbClr r="0" g="0" b="0"/>
+      </a:lnRef>
+      <a:fillRef idx="1">
+        <a:scrgbClr r="0" g="0" b="0"/>
+      </a:fillRef>
+      <a:effectRef idx="0">
+        <a:scrgbClr r="0" g="0" b="0"/>
+      </a:effectRef>
+      <a:fontRef idx="minor"/>
+    </dgm:style>
+  </dgm:styleLbl>
+  <dgm:styleLbl name="fgAcc3">
+    <dgm:scene3d>
+      <a:camera prst="orthographicFront"/>
+      <a:lightRig rig="threePt" dir="t"/>
+    </dgm:scene3d>
+    <dgm:sp3d/>
+    <dgm:txPr/>
+    <dgm:style>
+      <a:lnRef idx="2">
+        <a:scrgbClr r="0" g="0" b="0"/>
+      </a:lnRef>
+      <a:fillRef idx="1">
+        <a:scrgbClr r="0" g="0" b="0"/>
+      </a:fillRef>
+      <a:effectRef idx="0">
+        <a:scrgbClr r="0" g="0" b="0"/>
+      </a:effectRef>
+      <a:fontRef idx="minor"/>
+    </dgm:style>
+  </dgm:styleLbl>
+  <dgm:styleLbl name="fgAcc4">
+    <dgm:scene3d>
+      <a:camera prst="orthographicFront"/>
+      <a:lightRig rig="threePt" dir="t"/>
+    </dgm:scene3d>
+    <dgm:sp3d/>
+    <dgm:txPr/>
+    <dgm:style>
+      <a:lnRef idx="2">
+        <a:scrgbClr r="0" g="0" b="0"/>
+      </a:lnRef>
+      <a:fillRef idx="1">
+        <a:scrgbClr r="0" g="0" b="0"/>
+      </a:fillRef>
+      <a:effectRef idx="0">
+        <a:scrgbClr r="0" g="0" b="0"/>
+      </a:effectRef>
+      <a:fontRef idx="minor"/>
+    </dgm:style>
+  </dgm:styleLbl>
+  <dgm:styleLbl name="bgShp">
+    <dgm:scene3d>
+      <a:camera prst="orthographicFront"/>
+      <a:lightRig rig="threePt" dir="t"/>
+    </dgm:scene3d>
+    <dgm:sp3d/>
+    <dgm:txPr/>
+    <dgm:style>
+      <a:lnRef idx="0">
+        <a:scrgbClr r="0" g="0" b="0"/>
+      </a:lnRef>
+      <a:fillRef idx="1">
+        <a:scrgbClr r="0" g="0" b="0"/>
+      </a:fillRef>
+      <a:effectRef idx="0">
+        <a:scrgbClr r="0" g="0" b="0"/>
+      </a:effectRef>
+      <a:fontRef idx="minor"/>
+    </dgm:style>
+  </dgm:styleLbl>
+  <dgm:styleLbl name="dkBgShp">
+    <dgm:scene3d>
+      <a:camera prst="orthographicFront"/>
+      <a:lightRig rig="threePt" dir="t"/>
+    </dgm:scene3d>
+    <dgm:sp3d/>
+    <dgm:txPr/>
+    <dgm:style>
+      <a:lnRef idx="0">
+        <a:scrgbClr r="0" g="0" b="0"/>
+      </a:lnRef>
+      <a:fillRef idx="1">
+        <a:scrgbClr r="0" g="0" b="0"/>
+      </a:fillRef>
+      <a:effectRef idx="0">
+        <a:scrgbClr r="0" g="0" b="0"/>
+      </a:effectRef>
+      <a:fontRef idx="minor"/>
+    </dgm:style>
+  </dgm:styleLbl>
+  <dgm:styleLbl name="trBgShp">
+    <dgm:scene3d>
+      <a:camera prst="orthographicFront"/>
+      <a:lightRig rig="threePt" dir="t"/>
+    </dgm:scene3d>
+    <dgm:sp3d/>
+    <dgm:txPr/>
+    <dgm:style>
+      <a:lnRef idx="0">
+        <a:scrgbClr r="0" g="0" b="0"/>
+      </a:lnRef>
+      <a:fillRef idx="1">
+        <a:scrgbClr r="0" g="0" b="0"/>
+      </a:fillRef>
+      <a:effectRef idx="0">
+        <a:scrgbClr r="0" g="0" b="0"/>
+      </a:effectRef>
+      <a:fontRef idx="minor"/>
+    </dgm:style>
+  </dgm:styleLbl>
+  <dgm:styleLbl name="fgShp">
+    <dgm:scene3d>
+      <a:camera prst="orthographicFront"/>
+      <a:lightRig rig="threePt" dir="t"/>
+    </dgm:scene3d>
+    <dgm:sp3d/>
+    <dgm:txPr/>
+    <dgm:style>
+      <a:lnRef idx="2">
+        <a:scrgbClr r="0" g="0" b="0"/>
+      </a:lnRef>
+      <a:fillRef idx="1">
+        <a:scrgbClr r="0" g="0" b="0"/>
+      </a:fillRef>
+      <a:effectRef idx="0">
+        <a:scrgbClr r="0" g="0" b="0"/>
+      </a:effectRef>
+      <a:fontRef idx="minor"/>
+    </dgm:style>
+  </dgm:styleLbl>
+  <dgm:styleLbl name="revTx">
+    <dgm:scene3d>
+      <a:camera prst="orthographicFront"/>
+      <a:lightRig rig="threePt" dir="t"/>
+    </dgm:scene3d>
+    <dgm:sp3d/>
+    <dgm:txPr/>
+    <dgm:style>
+      <a:lnRef idx="0">
+        <a:scrgbClr r="0" g="0" b="0"/>
+      </a:lnRef>
+      <a:fillRef idx="0">
+        <a:scrgbClr r="0" g="0" b="0"/>
+      </a:fillRef>
+      <a:effectRef idx="0">
+        <a:scrgbClr r="0" g="0" b="0"/>
+      </a:effectRef>
+      <a:fontRef idx="minor"/>
+    </dgm:style>
+  </dgm:styleLbl>
+</dgm:styleDef>
+</file>
+
+<file path=ppt/diagrams/quickStyle2.xml><?xml version="1.0" encoding="utf-8"?>
+<dgm:styleDef xmlns:dgm="http://schemas.openxmlformats.org/drawingml/2006/diagram" xmlns:a="http://schemas.openxmlformats.org/drawingml/2006/main" uniqueId="urn:microsoft.com/office/officeart/2005/8/quickstyle/simple1">
+  <dgm:title val=""/>
+  <dgm:desc val=""/>
+  <dgm:catLst>
+    <dgm:cat type="simple" pri="10100"/>
+  </dgm:catLst>
+  <dgm:scene3d>
+    <a:camera prst="orthographicFront"/>
+    <a:lightRig rig="threePt" dir="t"/>
+  </dgm:scene3d>
+  <dgm:styleLbl name="node0">
+    <dgm:scene3d>
+      <a:camera prst="orthographicFront"/>
+      <a:lightRig rig="threePt" dir="t"/>
+    </dgm:scene3d>
+    <dgm:sp3d/>
+    <dgm:txPr/>
+    <dgm:style>
+      <a:lnRef idx="2">
+        <a:scrgbClr r="0" g="0" b="0"/>
+      </a:lnRef>
+      <a:fillRef idx="1">
+        <a:scrgbClr r="0" g="0" b="0"/>
+      </a:fillRef>
+      <a:effectRef idx="0">
+        <a:scrgbClr r="0" g="0" b="0"/>
+      </a:effectRef>
+      <a:fontRef idx="minor">
+        <a:schemeClr val="lt1"/>
+      </a:fontRef>
+    </dgm:style>
+  </dgm:styleLbl>
+  <dgm:styleLbl name="lnNode1">
+    <dgm:scene3d>
+      <a:camera prst="orthographicFront"/>
+      <a:lightRig rig="threePt" dir="t"/>
+    </dgm:scene3d>
+    <dgm:sp3d/>
+    <dgm:txPr/>
+    <dgm:style>
+      <a:lnRef idx="2">
+        <a:scrgbClr r="0" g="0" b="0"/>
+      </a:lnRef>
+      <a:fillRef idx="1">
+        <a:scrgbClr r="0" g="0" b="0"/>
+      </a:fillRef>
+      <a:effectRef idx="0">
+        <a:scrgbClr r="0" g="0" b="0"/>
+      </a:effectRef>
+      <a:fontRef idx="minor">
+        <a:schemeClr val="lt1"/>
+      </a:fontRef>
+    </dgm:style>
+  </dgm:styleLbl>
+  <dgm:styleLbl name="vennNode1">
+    <dgm:scene3d>
+      <a:camera prst="orthographicFront"/>
+      <a:lightRig rig="threePt" dir="t"/>
+    </dgm:scene3d>
+    <dgm:sp3d/>
+    <dgm:txPr/>
+    <dgm:style>
+      <a:lnRef idx="2">
+        <a:scrgbClr r="0" g="0" b="0"/>
+      </a:lnRef>
+      <a:fillRef idx="1">
+        <a:scrgbClr r="0" g="0" b="0"/>
+      </a:fillRef>
+      <a:effectRef idx="0">
+        <a:scrgbClr r="0" g="0" b="0"/>
+      </a:effectRef>
+      <a:fontRef idx="minor">
+        <a:schemeClr val="tx1"/>
+      </a:fontRef>
+    </dgm:style>
+  </dgm:styleLbl>
+  <dgm:styleLbl name="alignNode1">
+    <dgm:scene3d>
+      <a:camera prst="orthographicFront"/>
+      <a:lightRig rig="threePt" dir="t"/>
+    </dgm:scene3d>
+    <dgm:sp3d/>
+    <dgm:txPr/>
+    <dgm:style>
+      <a:lnRef idx="2">
+        <a:scrgbClr r="0" g="0" b="0"/>
+      </a:lnRef>
+      <a:fillRef idx="1">
+        <a:scrgbClr r="0" g="0" b="0"/>
+      </a:fillRef>
+      <a:effectRef idx="0">
+        <a:scrgbClr r="0" g="0" b="0"/>
+      </a:effectRef>
+      <a:fontRef idx="minor">
+        <a:schemeClr val="lt1"/>
+      </a:fontRef>
+    </dgm:style>
+  </dgm:styleLbl>
+  <dgm:styleLbl name="node1">
+    <dgm:scene3d>
+      <a:camera prst="orthographicFront"/>
+      <a:lightRig rig="threePt" dir="t"/>
+    </dgm:scene3d>
+    <dgm:sp3d/>
+    <dgm:txPr/>
+    <dgm:style>
+      <a:lnRef idx="2">
+        <a:scrgbClr r="0" g="0" b="0"/>
+      </a:lnRef>
+      <a:fillRef idx="1">
+        <a:scrgbClr r="0" g="0" b="0"/>
+      </a:fillRef>
+      <a:effectRef idx="0">
+        <a:scrgbClr r="0" g="0" b="0"/>
+      </a:effectRef>
+      <a:fontRef idx="minor">
+        <a:schemeClr val="lt1"/>
+      </a:fontRef>
+    </dgm:style>
+  </dgm:styleLbl>
+  <dgm:styleLbl name="node2">
+    <dgm:scene3d>
+      <a:camera prst="orthographicFront"/>
+      <a:lightRig rig="threePt" dir="t"/>
+    </dgm:scene3d>
+    <dgm:sp3d/>
+    <dgm:txPr/>
+    <dgm:style>
+      <a:lnRef idx="2">
+        <a:scrgbClr r="0" g="0" b="0"/>
+      </a:lnRef>
+      <a:fillRef idx="1">
+        <a:scrgbClr r="0" g="0" b="0"/>
+      </a:fillRef>
+      <a:effectRef idx="0">
+        <a:scrgbClr r="0" g="0" b="0"/>
+      </a:effectRef>
+      <a:fontRef idx="minor">
+        <a:schemeClr val="lt1"/>
+      </a:fontRef>
+    </dgm:style>
+  </dgm:styleLbl>
+  <dgm:styleLbl name="node3">
+    <dgm:scene3d>
+      <a:camera prst="orthographicFront"/>
+      <a:lightRig rig="threePt" dir="t"/>
+    </dgm:scene3d>
+    <dgm:sp3d/>
+    <dgm:txPr/>
+    <dgm:style>
+      <a:lnRef idx="2">
+        <a:scrgbClr r="0" g="0" b="0"/>
+      </a:lnRef>
+      <a:fillRef idx="1">
+        <a:scrgbClr r="0" g="0" b="0"/>
+      </a:fillRef>
+      <a:effectRef idx="0">
+        <a:scrgbClr r="0" g="0" b="0"/>
+      </a:effectRef>
+      <a:fontRef idx="minor">
+        <a:schemeClr val="lt1"/>
+      </a:fontRef>
+    </dgm:style>
+  </dgm:styleLbl>
+  <dgm:styleLbl name="node4">
+    <dgm:scene3d>
+      <a:camera prst="orthographicFront"/>
+      <a:lightRig rig="threePt" dir="t"/>
+    </dgm:scene3d>
+    <dgm:sp3d/>
+    <dgm:txPr/>
+    <dgm:style>
+      <a:lnRef idx="2">
+        <a:scrgbClr r="0" g="0" b="0"/>
+      </a:lnRef>
+      <a:fillRef idx="1">
+        <a:scrgbClr r="0" g="0" b="0"/>
+      </a:fillRef>
+      <a:effectRef idx="0">
+        <a:scrgbClr r="0" g="0" b="0"/>
+      </a:effectRef>
+      <a:fontRef idx="minor">
+        <a:schemeClr val="lt1"/>
+      </a:fontRef>
+    </dgm:style>
+  </dgm:styleLbl>
+  <dgm:styleLbl name="fgImgPlace1">
+    <dgm:scene3d>
+      <a:camera prst="orthographicFront"/>
+      <a:lightRig rig="threePt" dir="t"/>
+    </dgm:scene3d>
+    <dgm:sp3d/>
+    <dgm:txPr/>
+    <dgm:style>
+      <a:lnRef idx="2">
+        <a:scrgbClr r="0" g="0" b="0"/>
+      </a:lnRef>
+      <a:fillRef idx="1">
+        <a:scrgbClr r="0" g="0" b="0"/>
+      </a:fillRef>
+      <a:effectRef idx="0">
+        <a:scrgbClr r="0" g="0" b="0"/>
+      </a:effectRef>
+      <a:fontRef idx="minor"/>
+    </dgm:style>
+  </dgm:styleLbl>
+  <dgm:styleLbl name="alignImgPlace1">
+    <dgm:scene3d>
+      <a:camera prst="orthographicFront"/>
+      <a:lightRig rig="threePt" dir="t"/>
+    </dgm:scene3d>
+    <dgm:sp3d/>
+    <dgm:txPr/>
+    <dgm:style>
+      <a:lnRef idx="2">
+        <a:scrgbClr r="0" g="0" b="0"/>
+      </a:lnRef>
+      <a:fillRef idx="1">
+        <a:scrgbClr r="0" g="0" b="0"/>
+      </a:fillRef>
+      <a:effectRef idx="0">
+        <a:scrgbClr r="0" g="0" b="0"/>
+      </a:effectRef>
+      <a:fontRef idx="minor"/>
+    </dgm:style>
+  </dgm:styleLbl>
+  <dgm:styleLbl name="bgImgPlace1">
+    <dgm:scene3d>
+      <a:camera prst="orthographicFront"/>
+      <a:lightRig rig="threePt" dir="t"/>
+    </dgm:scene3d>
+    <dgm:sp3d/>
+    <dgm:txPr/>
+    <dgm:style>
+      <a:lnRef idx="2">
+        <a:scrgbClr r="0" g="0" b="0"/>
+      </a:lnRef>
+      <a:fillRef idx="1">
+        <a:scrgbClr r="0" g="0" b="0"/>
+      </a:fillRef>
+      <a:effectRef idx="0">
+        <a:scrgbClr r="0" g="0" b="0"/>
+      </a:effectRef>
+      <a:fontRef idx="minor"/>
+    </dgm:style>
+  </dgm:styleLbl>
+  <dgm:styleLbl name="sibTrans2D1">
+    <dgm:scene3d>
+      <a:camera prst="orthographicFront"/>
+      <a:lightRig rig="threePt" dir="t"/>
+    </dgm:scene3d>
+    <dgm:sp3d/>
+    <dgm:txPr/>
+    <dgm:style>
+      <a:lnRef idx="0">
+        <a:scrgbClr r="0" g="0" b="0"/>
+      </a:lnRef>
+      <a:fillRef idx="1">
+        <a:scrgbClr r="0" g="0" b="0"/>
+      </a:fillRef>
+      <a:effectRef idx="0">
+        <a:scrgbClr r="0" g="0" b="0"/>
+      </a:effectRef>
+      <a:fontRef idx="minor">
+        <a:schemeClr val="lt1"/>
+      </a:fontRef>
+    </dgm:style>
+  </dgm:styleLbl>
+  <dgm:styleLbl name="fgSibTrans2D1">
+    <dgm:scene3d>
+      <a:camera prst="orthographicFront"/>
+      <a:lightRig rig="threePt" dir="t"/>
+    </dgm:scene3d>
+    <dgm:sp3d/>
+    <dgm:txPr/>
+    <dgm:style>
+      <a:lnRef idx="0">
+        <a:scrgbClr r="0" g="0" b="0"/>
+      </a:lnRef>
+      <a:fillRef idx="1">
+        <a:scrgbClr r="0" g="0" b="0"/>
+      </a:fillRef>
+      <a:effectRef idx="0">
+        <a:scrgbClr r="0" g="0" b="0"/>
+      </a:effectRef>
+      <a:fontRef idx="minor">
+        <a:schemeClr val="lt1"/>
+      </a:fontRef>
+    </dgm:style>
+  </dgm:styleLbl>
+  <dgm:styleLbl name="bgSibTrans2D1">
+    <dgm:scene3d>
+      <a:camera prst="orthographicFront"/>
+      <a:lightRig rig="threePt" dir="t"/>
+    </dgm:scene3d>
+    <dgm:sp3d/>
+    <dgm:txPr/>
+    <dgm:style>
+      <a:lnRef idx="0">
+        <a:scrgbClr r="0" g="0" b="0"/>
+      </a:lnRef>
+      <a:fillRef idx="1">
+        <a:scrgbClr r="0" g="0" b="0"/>
+      </a:fillRef>
+      <a:effectRef idx="0">
+        <a:scrgbClr r="0" g="0" b="0"/>
+      </a:effectRef>
+      <a:fontRef idx="minor">
+        <a:schemeClr val="lt1"/>
+      </a:fontRef>
+    </dgm:style>
+  </dgm:styleLbl>
+  <dgm:styleLbl name="sibTrans1D1">
+    <dgm:scene3d>
+      <a:camera prst="orthographicFront"/>
+      <a:lightRig rig="threePt" dir="t"/>
+    </dgm:scene3d>
+    <dgm:sp3d/>
+    <dgm:txPr/>
+    <dgm:style>
+      <a:lnRef idx="1">
+        <a:scrgbClr r="0" g="0" b="0"/>
+      </a:lnRef>
+      <a:fillRef idx="0">
+        <a:scrgbClr r="0" g="0" b="0"/>
+      </a:fillRef>
+      <a:effectRef idx="0">
+        <a:scrgbClr r="0" g="0" b="0"/>
+      </a:effectRef>
+      <a:fontRef idx="minor"/>
+    </dgm:style>
+  </dgm:styleLbl>
+  <dgm:styleLbl name="callout">
+    <dgm:scene3d>
+      <a:camera prst="orthographicFront"/>
+      <a:lightRig rig="threePt" dir="t"/>
+    </dgm:scene3d>
+    <dgm:sp3d/>
+    <dgm:txPr/>
+    <dgm:style>
+      <a:lnRef idx="2">
+        <a:scrgbClr r="0" g="0" b="0"/>
+      </a:lnRef>
+      <a:fillRef idx="1">
+        <a:scrgbClr r="0" g="0" b="0"/>
+      </a:fillRef>
+      <a:effectRef idx="0">
+        <a:scrgbClr r="0" g="0" b="0"/>
+      </a:effectRef>
+      <a:fontRef idx="minor"/>
+    </dgm:style>
+  </dgm:styleLbl>
+  <dgm:styleLbl name="asst0">
+    <dgm:scene3d>
+      <a:camera prst="orthographicFront"/>
+      <a:lightRig rig="threePt" dir="t"/>
+    </dgm:scene3d>
+    <dgm:sp3d/>
+    <dgm:txPr/>
+    <dgm:style>
+      <a:lnRef idx="2">
+        <a:scrgbClr r="0" g="0" b="0"/>
+      </a:lnRef>
+      <a:fillRef idx="1">
+        <a:scrgbClr r="0" g="0" b="0"/>
+      </a:fillRef>
+      <a:effectRef idx="0">
+        <a:scrgbClr r="0" g="0" b="0"/>
+      </a:effectRef>
+      <a:fontRef idx="minor">
+        <a:schemeClr val="lt1"/>
+      </a:fontRef>
+    </dgm:style>
+  </dgm:styleLbl>
+  <dgm:styleLbl name="asst1">
+    <dgm:scene3d>
+      <a:camera prst="orthographicFront"/>
+      <a:lightRig rig="threePt" dir="t"/>
+    </dgm:scene3d>
+    <dgm:sp3d/>
+    <dgm:txPr/>
+    <dgm:style>
+      <a:lnRef idx="2">
+        <a:scrgbClr r="0" g="0" b="0"/>
+      </a:lnRef>
+      <a:fillRef idx="1">
+        <a:scrgbClr r="0" g="0" b="0"/>
+      </a:fillRef>
+      <a:effectRef idx="0">
+        <a:scrgbClr r="0" g="0" b="0"/>
+      </a:effectRef>
+      <a:fontRef idx="minor">
+        <a:schemeClr val="lt1"/>
+      </a:fontRef>
+    </dgm:style>
+  </dgm:styleLbl>
+  <dgm:styleLbl name="asst2">
+    <dgm:scene3d>
+      <a:camera prst="orthographicFront"/>
+      <a:lightRig rig="threePt" dir="t"/>
+    </dgm:scene3d>
+    <dgm:sp3d/>
+    <dgm:txPr/>
+    <dgm:style>
+      <a:lnRef idx="2">
+        <a:scrgbClr r="0" g="0" b="0"/>
+      </a:lnRef>
+      <a:fillRef idx="1">
+        <a:scrgbClr r="0" g="0" b="0"/>
+      </a:fillRef>
+      <a:effectRef idx="0">
+        <a:scrgbClr r="0" g="0" b="0"/>
+      </a:effectRef>
+      <a:fontRef idx="minor">
+        <a:schemeClr val="lt1"/>
+      </a:fontRef>
+    </dgm:style>
+  </dgm:styleLbl>
+  <dgm:styleLbl name="asst3">
+    <dgm:scene3d>
+      <a:camera prst="orthographicFront"/>
+      <a:lightRig rig="threePt" dir="t"/>
+    </dgm:scene3d>
+    <dgm:sp3d/>
+    <dgm:txPr/>
+    <dgm:style>
+      <a:lnRef idx="2">
+        <a:scrgbClr r="0" g="0" b="0"/>
+      </a:lnRef>
+      <a:fillRef idx="1">
+        <a:scrgbClr r="0" g="0" b="0"/>
+      </a:fillRef>
+      <a:effectRef idx="0">
+        <a:scrgbClr r="0" g="0" b="0"/>
+      </a:effectRef>
+      <a:fontRef idx="minor">
+        <a:schemeClr val="lt1"/>
+      </a:fontRef>
+    </dgm:style>
+  </dgm:styleLbl>
+  <dgm:styleLbl name="asst4">
+    <dgm:scene3d>
+      <a:camera prst="orthographicFront"/>
+      <a:lightRig rig="threePt" dir="t"/>
+    </dgm:scene3d>
+    <dgm:sp3d/>
+    <dgm:txPr/>
+    <dgm:style>
+      <a:lnRef idx="2">
+        <a:scrgbClr r="0" g="0" b="0"/>
+      </a:lnRef>
+      <a:fillRef idx="1">
+        <a:scrgbClr r="0" g="0" b="0"/>
+      </a:fillRef>
+      <a:effectRef idx="0">
+        <a:scrgbClr r="0" g="0" b="0"/>
+      </a:effectRef>
+      <a:fontRef idx="minor">
+        <a:schemeClr val="lt1"/>
+      </a:fontRef>
+    </dgm:style>
+  </dgm:styleLbl>
+  <dgm:styleLbl name="parChTrans2D1">
+    <dgm:scene3d>
+      <a:camera prst="orthographicFront"/>
+      <a:lightRig rig="threePt" dir="t"/>
+    </dgm:scene3d>
+    <dgm:sp3d/>
+    <dgm:txPr/>
+    <dgm:style>
+      <a:lnRef idx="2">
+        <a:scrgbClr r="0" g="0" b="0"/>
+      </a:lnRef>
+      <a:fillRef idx="1">
+        <a:scrgbClr r="0" g="0" b="0"/>
+      </a:fillRef>
+      <a:effectRef idx="0">
+        <a:scrgbClr r="0" g="0" b="0"/>
+      </a:effectRef>
+      <a:fontRef idx="minor">
+        <a:schemeClr val="lt1"/>
+      </a:fontRef>
+    </dgm:style>
+  </dgm:styleLbl>
+  <dgm:styleLbl name="parChTrans2D2">
+    <dgm:scene3d>
+      <a:camera prst="orthographicFront"/>
+      <a:lightRig rig="threePt" dir="t"/>
+    </dgm:scene3d>
+    <dgm:sp3d/>
+    <dgm:txPr/>
+    <dgm:style>
+      <a:lnRef idx="2">
+        <a:scrgbClr r="0" g="0" b="0"/>
+      </a:lnRef>
+      <a:fillRef idx="1">
+        <a:scrgbClr r="0" g="0" b="0"/>
+      </a:fillRef>
+      <a:effectRef idx="0">
+        <a:scrgbClr r="0" g="0" b="0"/>
+      </a:effectRef>
+      <a:fontRef idx="minor">
+        <a:schemeClr val="lt1"/>
+      </a:fontRef>
+    </dgm:style>
+  </dgm:styleLbl>
+  <dgm:styleLbl name="parChTrans2D3">
+    <dgm:scene3d>
+      <a:camera prst="orthographicFront"/>
+      <a:lightRig rig="threePt" dir="t"/>
+    </dgm:scene3d>
+    <dgm:sp3d/>
+    <dgm:txPr/>
+    <dgm:style>
+      <a:lnRef idx="2">
+        <a:scrgbClr r="0" g="0" b="0"/>
+      </a:lnRef>
+      <a:fillRef idx="1">
+        <a:scrgbClr r="0" g="0" b="0"/>
+      </a:fillRef>
+      <a:effectRef idx="0">
+        <a:scrgbClr r="0" g="0" b="0"/>
+      </a:effectRef>
+      <a:fontRef idx="minor">
+        <a:schemeClr val="lt1"/>
+      </a:fontRef>
+    </dgm:style>
+  </dgm:styleLbl>
+  <dgm:styleLbl name="parChTrans2D4">
+    <dgm:scene3d>
+      <a:camera prst="orthographicFront"/>
+      <a:lightRig rig="threePt" dir="t"/>
+    </dgm:scene3d>
+    <dgm:sp3d/>
+    <dgm:txPr/>
+    <dgm:style>
+      <a:lnRef idx="2">
+        <a:scrgbClr r="0" g="0" b="0"/>
+      </a:lnRef>
+      <a:fillRef idx="1">
+        <a:scrgbClr r="0" g="0" b="0"/>
+      </a:fillRef>
+      <a:effectRef idx="0">
+        <a:scrgbClr r="0" g="0" b="0"/>
+      </a:effectRef>
+      <a:fontRef idx="minor">
+        <a:schemeClr val="lt1"/>
+      </a:fontRef>
+    </dgm:style>
+  </dgm:styleLbl>
+  <dgm:styleLbl name="parChTrans1D1">
+    <dgm:scene3d>
+      <a:camera prst="orthographicFront"/>
+      <a:lightRig rig="threePt" dir="t"/>
+    </dgm:scene3d>
+    <dgm:sp3d/>
+    <dgm:txPr/>
+    <dgm:style>
+      <a:lnRef idx="2">
+        <a:scrgbClr r="0" g="0" b="0"/>
+      </a:lnRef>
+      <a:fillRef idx="0">
+        <a:scrgbClr r="0" g="0" b="0"/>
+      </a:fillRef>
+      <a:effectRef idx="0">
+        <a:scrgbClr r="0" g="0" b="0"/>
+      </a:effectRef>
+      <a:fontRef idx="minor"/>
+    </dgm:style>
+  </dgm:styleLbl>
+  <dgm:styleLbl name="parChTrans1D2">
+    <dgm:scene3d>
+      <a:camera prst="orthographicFront"/>
+      <a:lightRig rig="threePt" dir="t"/>
+    </dgm:scene3d>
+    <dgm:sp3d/>
+    <dgm:txPr/>
+    <dgm:style>
+      <a:lnRef idx="2">
+        <a:scrgbClr r="0" g="0" b="0"/>
+      </a:lnRef>
+      <a:fillRef idx="0">
+        <a:scrgbClr r="0" g="0" b="0"/>
+      </a:fillRef>
+      <a:effectRef idx="0">
+        <a:scrgbClr r="0" g="0" b="0"/>
+      </a:effectRef>
+      <a:fontRef idx="minor"/>
+    </dgm:style>
+  </dgm:styleLbl>
+  <dgm:styleLbl name="parChTrans1D3">
+    <dgm:scene3d>
+      <a:camera prst="orthographicFront"/>
+      <a:lightRig rig="threePt" dir="t"/>
+    </dgm:scene3d>
+    <dgm:sp3d/>
+    <dgm:txPr/>
+    <dgm:style>
+      <a:lnRef idx="2">
+        <a:scrgbClr r="0" g="0" b="0"/>
+      </a:lnRef>
+      <a:fillRef idx="0">
+        <a:scrgbClr r="0" g="0" b="0"/>
+      </a:fillRef>
+      <a:effectRef idx="0">
+        <a:scrgbClr r="0" g="0" b="0"/>
+      </a:effectRef>
+      <a:fontRef idx="minor"/>
+    </dgm:style>
+  </dgm:styleLbl>
+  <dgm:styleLbl name="parChTrans1D4">
+    <dgm:scene3d>
+      <a:camera prst="orthographicFront"/>
+      <a:lightRig rig="threePt" dir="t"/>
+    </dgm:scene3d>
+    <dgm:sp3d/>
+    <dgm:txPr/>
+    <dgm:style>
+      <a:lnRef idx="2">
+        <a:scrgbClr r="0" g="0" b="0"/>
+      </a:lnRef>
+      <a:fillRef idx="0">
+        <a:scrgbClr r="0" g="0" b="0"/>
+      </a:fillRef>
+      <a:effectRef idx="0">
+        <a:scrgbClr r="0" g="0" b="0"/>
+      </a:effectRef>
+      <a:fontRef idx="minor"/>
+    </dgm:style>
+  </dgm:styleLbl>
+  <dgm:styleLbl name="fgAcc1">
+    <dgm:scene3d>
+      <a:camera prst="orthographicFront"/>
+      <a:lightRig rig="threePt" dir="t"/>
+    </dgm:scene3d>
+    <dgm:sp3d/>
+    <dgm:txPr/>
+    <dgm:style>
+      <a:lnRef idx="2">
+        <a:scrgbClr r="0" g="0" b="0"/>
+      </a:lnRef>
+      <a:fillRef idx="1">
+        <a:scrgbClr r="0" g="0" b="0"/>
+      </a:fillRef>
+      <a:effectRef idx="0">
+        <a:scrgbClr r="0" g="0" b="0"/>
+      </a:effectRef>
+      <a:fontRef idx="minor"/>
+    </dgm:style>
+  </dgm:styleLbl>
+  <dgm:styleLbl name="conFgAcc1">
+    <dgm:scene3d>
+      <a:camera prst="orthographicFront"/>
+      <a:lightRig rig="threePt" dir="t"/>
+    </dgm:scene3d>
+    <dgm:sp3d/>
+    <dgm:txPr/>
+    <dgm:style>
+      <a:lnRef idx="2">
+        <a:scrgbClr r="0" g="0" b="0"/>
+      </a:lnRef>
+      <a:fillRef idx="1">
+        <a:scrgbClr r="0" g="0" b="0"/>
+      </a:fillRef>
+      <a:effectRef idx="0">
+        <a:scrgbClr r="0" g="0" b="0"/>
+      </a:effectRef>
+      <a:fontRef idx="minor"/>
+    </dgm:style>
+  </dgm:styleLbl>
+  <dgm:styleLbl name="alignAcc1">
+    <dgm:scene3d>
+      <a:camera prst="orthographicFront"/>
+      <a:lightRig rig="threePt" dir="t"/>
+    </dgm:scene3d>
+    <dgm:sp3d/>
+    <dgm:txPr/>
+    <dgm:style>
+      <a:lnRef idx="2">
+        <a:scrgbClr r="0" g="0" b="0"/>
+      </a:lnRef>
+      <a:fillRef idx="1">
+        <a:scrgbClr r="0" g="0" b="0"/>
+      </a:fillRef>
+      <a:effectRef idx="0">
+        <a:scrgbClr r="0" g="0" b="0"/>
+      </a:effectRef>
+      <a:fontRef idx="minor"/>
+    </dgm:style>
+  </dgm:styleLbl>
+  <dgm:styleLbl name="trAlignAcc1">
+    <dgm:scene3d>
+      <a:camera prst="orthographicFront"/>
+      <a:lightRig rig="threePt" dir="t"/>
+    </dgm:scene3d>
+    <dgm:sp3d/>
+    <dgm:txPr/>
+    <dgm:style>
+      <a:lnRef idx="1">
+        <a:scrgbClr r="0" g="0" b="0"/>
+      </a:lnRef>
+      <a:fillRef idx="1">
+        <a:scrgbClr r="0" g="0" b="0"/>
+      </a:fillRef>
+      <a:effectRef idx="0">
+        <a:scrgbClr r="0" g="0" b="0"/>
+      </a:effectRef>
+      <a:fontRef idx="minor"/>
+    </dgm:style>
+  </dgm:styleLbl>
+  <dgm:styleLbl name="bgAcc1">
+    <dgm:scene3d>
+      <a:camera prst="orthographicFront"/>
+      <a:lightRig rig="threePt" dir="t"/>
+    </dgm:scene3d>
+    <dgm:sp3d/>
+    <dgm:txPr/>
+    <dgm:style>
+      <a:lnRef idx="2">
+        <a:scrgbClr r="0" g="0" b="0"/>
+      </a:lnRef>
+      <a:fillRef idx="1">
+        <a:scrgbClr r="0" g="0" b="0"/>
+      </a:fillRef>
+      <a:effectRef idx="0">
+        <a:scrgbClr r="0" g="0" b="0"/>
+      </a:effectRef>
+      <a:fontRef idx="minor"/>
+    </dgm:style>
+  </dgm:styleLbl>
+  <dgm:styleLbl name="solidFgAcc1">
+    <dgm:scene3d>
+      <a:camera prst="orthographicFront"/>
+      <a:lightRig rig="threePt" dir="t"/>
+    </dgm:scene3d>
+    <dgm:sp3d/>
+    <dgm:txPr/>
+    <dgm:style>
+      <a:lnRef idx="2">
+        <a:scrgbClr r="0" g="0" b="0"/>
+      </a:lnRef>
+      <a:fillRef idx="1">
+        <a:scrgbClr r="0" g="0" b="0"/>
+      </a:fillRef>
+      <a:effectRef idx="0">
+        <a:scrgbClr r="0" g="0" b="0"/>
+      </a:effectRef>
+      <a:fontRef idx="minor"/>
+    </dgm:style>
+  </dgm:styleLbl>
+  <dgm:styleLbl name="solidAlignAcc1">
+    <dgm:scene3d>
+      <a:camera prst="orthographicFront"/>
+      <a:lightRig rig="threePt" dir="t"/>
+    </dgm:scene3d>
+    <dgm:sp3d/>
+    <dgm:txPr/>
+    <dgm:style>
+      <a:lnRef idx="2">
+        <a:scrgbClr r="0" g="0" b="0"/>
+      </a:lnRef>
+      <a:fillRef idx="1">
+        <a:scrgbClr r="0" g="0" b="0"/>
+      </a:fillRef>
+      <a:effectRef idx="0">
+        <a:scrgbClr r="0" g="0" b="0"/>
+      </a:effectRef>
+      <a:fontRef idx="minor"/>
+    </dgm:style>
+  </dgm:styleLbl>
+  <dgm:styleLbl name="solidBgAcc1">
+    <dgm:scene3d>
+      <a:camera prst="orthographicFront"/>
+      <a:lightRig rig="threePt" dir="t"/>
+    </dgm:scene3d>
+    <dgm:sp3d/>
+    <dgm:txPr/>
+    <dgm:style>
+      <a:lnRef idx="2">
+        <a:scrgbClr r="0" g="0" b="0"/>
+      </a:lnRef>
+      <a:fillRef idx="1">
+        <a:scrgbClr r="0" g="0" b="0"/>
+      </a:fillRef>
+      <a:effectRef idx="0">
+        <a:scrgbClr r="0" g="0" b="0"/>
+      </a:effectRef>
+      <a:fontRef idx="minor"/>
+    </dgm:style>
+  </dgm:styleLbl>
+  <dgm:styleLbl name="fgAccFollowNode1">
+    <dgm:scene3d>
+      <a:camera prst="orthographicFront"/>
+      <a:lightRig rig="threePt" dir="t"/>
+    </dgm:scene3d>
+    <dgm:sp3d/>
+    <dgm:txPr/>
+    <dgm:style>
+      <a:lnRef idx="2">
+        <a:scrgbClr r="0" g="0" b="0"/>
+      </a:lnRef>
+      <a:fillRef idx="1">
+        <a:scrgbClr r="0" g="0" b="0"/>
+      </a:fillRef>
+      <a:effectRef idx="0">
+        <a:scrgbClr r="0" g="0" b="0"/>
+      </a:effectRef>
+      <a:fontRef idx="minor"/>
+    </dgm:style>
+  </dgm:styleLbl>
+  <dgm:styleLbl name="alignAccFollowNode1">
+    <dgm:scene3d>
+      <a:camera prst="orthographicFront"/>
+      <a:lightRig rig="threePt" dir="t"/>
+    </dgm:scene3d>
+    <dgm:sp3d/>
+    <dgm:txPr/>
+    <dgm:style>
+      <a:lnRef idx="2">
+        <a:scrgbClr r="0" g="0" b="0"/>
+      </a:lnRef>
+      <a:fillRef idx="1">
+        <a:scrgbClr r="0" g="0" b="0"/>
+      </a:fillRef>
+      <a:effectRef idx="0">
+        <a:scrgbClr r="0" g="0" b="0"/>
+      </a:effectRef>
+      <a:fontRef idx="minor"/>
+    </dgm:style>
+  </dgm:styleLbl>
+  <dgm:styleLbl name="bgAccFollowNode1">
+    <dgm:scene3d>
+      <a:camera prst="orthographicFront"/>
+      <a:lightRig rig="threePt" dir="t"/>
+    </dgm:scene3d>
+    <dgm:sp3d/>
+    <dgm:txPr/>
+    <dgm:style>
+      <a:lnRef idx="2">
+        <a:scrgbClr r="0" g="0" b="0"/>
+      </a:lnRef>
+      <a:fillRef idx="1">
+        <a:scrgbClr r="0" g="0" b="0"/>
+      </a:fillRef>
+      <a:effectRef idx="0">
+        <a:scrgbClr r="0" g="0" b="0"/>
+      </a:effectRef>
+      <a:fontRef idx="minor"/>
+    </dgm:style>
+  </dgm:styleLbl>
+  <dgm:styleLbl name="fgAcc0">
+    <dgm:scene3d>
+      <a:camera prst="orthographicFront"/>
+      <a:lightRig rig="threePt" dir="t"/>
+    </dgm:scene3d>
+    <dgm:sp3d/>
+    <dgm:txPr/>
+    <dgm:style>
+      <a:lnRef idx="2">
+        <a:scrgbClr r="0" g="0" b="0"/>
+      </a:lnRef>
+      <a:fillRef idx="1">
+        <a:scrgbClr r="0" g="0" b="0"/>
+      </a:fillRef>
+      <a:effectRef idx="0">
+        <a:scrgbClr r="0" g="0" b="0"/>
+      </a:effectRef>
+      <a:fontRef idx="minor"/>
+    </dgm:style>
+  </dgm:styleLbl>
+  <dgm:styleLbl name="fgAcc2">
+    <dgm:scene3d>
+      <a:camera prst="orthographicFront"/>
+      <a:lightRig rig="threePt" dir="t"/>
+    </dgm:scene3d>
+    <dgm:sp3d/>
+    <dgm:txPr/>
+    <dgm:style>
+      <a:lnRef idx="2">
+        <a:scrgbClr r="0" g="0" b="0"/>
+      </a:lnRef>
+      <a:fillRef idx="1">
+        <a:scrgbClr r="0" g="0" b="0"/>
+      </a:fillRef>
+      <a:effectRef idx="0">
+        <a:scrgbClr r="0" g="0" b="0"/>
+      </a:effectRef>
+      <a:fontRef idx="minor"/>
+    </dgm:style>
+  </dgm:styleLbl>
+  <dgm:styleLbl name="fgAcc3">
+    <dgm:scene3d>
+      <a:camera prst="orthographicFront"/>
+      <a:lightRig rig="threePt" dir="t"/>
+    </dgm:scene3d>
+    <dgm:sp3d/>
+    <dgm:txPr/>
+    <dgm:style>
+      <a:lnRef idx="2">
+        <a:scrgbClr r="0" g="0" b="0"/>
+      </a:lnRef>
+      <a:fillRef idx="1">
+        <a:scrgbClr r="0" g="0" b="0"/>
+      </a:fillRef>
+      <a:effectRef idx="0">
+        <a:scrgbClr r="0" g="0" b="0"/>
+      </a:effectRef>
+      <a:fontRef idx="minor"/>
+    </dgm:style>
+  </dgm:styleLbl>
+  <dgm:styleLbl name="fgAcc4">
+    <dgm:scene3d>
+      <a:camera prst="orthographicFront"/>
+      <a:lightRig rig="threePt" dir="t"/>
+    </dgm:scene3d>
+    <dgm:sp3d/>
+    <dgm:txPr/>
+    <dgm:style>
+      <a:lnRef idx="2">
+        <a:scrgbClr r="0" g="0" b="0"/>
+      </a:lnRef>
+      <a:fillRef idx="1">
+        <a:scrgbClr r="0" g="0" b="0"/>
+      </a:fillRef>
+      <a:effectRef idx="0">
+        <a:scrgbClr r="0" g="0" b="0"/>
+      </a:effectRef>
+      <a:fontRef idx="minor"/>
+    </dgm:style>
+  </dgm:styleLbl>
+  <dgm:styleLbl name="bgShp">
+    <dgm:scene3d>
+      <a:camera prst="orthographicFront"/>
+      <a:lightRig rig="threePt" dir="t"/>
+    </dgm:scene3d>
+    <dgm:sp3d/>
+    <dgm:txPr/>
+    <dgm:style>
+      <a:lnRef idx="0">
+        <a:scrgbClr r="0" g="0" b="0"/>
+      </a:lnRef>
+      <a:fillRef idx="1">
+        <a:scrgbClr r="0" g="0" b="0"/>
+      </a:fillRef>
+      <a:effectRef idx="0">
+        <a:scrgbClr r="0" g="0" b="0"/>
+      </a:effectRef>
+      <a:fontRef idx="minor"/>
+    </dgm:style>
+  </dgm:styleLbl>
+  <dgm:styleLbl name="dkBgShp">
+    <dgm:scene3d>
+      <a:camera prst="orthographicFront"/>
+      <a:lightRig rig="threePt" dir="t"/>
+    </dgm:scene3d>
+    <dgm:sp3d/>
+    <dgm:txPr/>
+    <dgm:style>
+      <a:lnRef idx="0">
+        <a:scrgbClr r="0" g="0" b="0"/>
+      </a:lnRef>
+      <a:fillRef idx="1">
+        <a:scrgbClr r="0" g="0" b="0"/>
+      </a:fillRef>
+      <a:effectRef idx="0">
+        <a:scrgbClr r="0" g="0" b="0"/>
+      </a:effectRef>
+      <a:fontRef idx="minor"/>
+    </dgm:style>
+  </dgm:styleLbl>
+  <dgm:styleLbl name="trBgShp">
+    <dgm:scene3d>
+      <a:camera prst="orthographicFront"/>
+      <a:lightRig rig="threePt" dir="t"/>
+    </dgm:scene3d>
+    <dgm:sp3d/>
+    <dgm:txPr/>
+    <dgm:style>
+      <a:lnRef idx="0">
+        <a:scrgbClr r="0" g="0" b="0"/>
+      </a:lnRef>
+      <a:fillRef idx="1">
+        <a:scrgbClr r="0" g="0" b="0"/>
+      </a:fillRef>
+      <a:effectRef idx="0">
+        <a:scrgbClr r="0" g="0" b="0"/>
+      </a:effectRef>
+      <a:fontRef idx="minor"/>
+    </dgm:style>
+  </dgm:styleLbl>
+  <dgm:styleLbl name="fgShp">
+    <dgm:scene3d>
+      <a:camera prst="orthographicFront"/>
+      <a:lightRig rig="threePt" dir="t"/>
+    </dgm:scene3d>
+    <dgm:sp3d/>
+    <dgm:txPr/>
+    <dgm:style>
+      <a:lnRef idx="2">
+        <a:scrgbClr r="0" g="0" b="0"/>
+      </a:lnRef>
+      <a:fillRef idx="1">
+        <a:scrgbClr r="0" g="0" b="0"/>
+      </a:fillRef>
+      <a:effectRef idx="0">
+        <a:scrgbClr r="0" g="0" b="0"/>
+      </a:effectRef>
+      <a:fontRef idx="minor"/>
+    </dgm:style>
+  </dgm:styleLbl>
+  <dgm:styleLbl name="revTx">
+    <dgm:scene3d>
+      <a:camera prst="orthographicFront"/>
+      <a:lightRig rig="threePt" dir="t"/>
+    </dgm:scene3d>
+    <dgm:sp3d/>
+    <dgm:txPr/>
+    <dgm:style>
+      <a:lnRef idx="0">
+        <a:scrgbClr r="0" g="0" b="0"/>
+      </a:lnRef>
+      <a:fillRef idx="0">
+        <a:scrgbClr r="0" g="0" b="0"/>
+      </a:fillRef>
+      <a:effectRef idx="0">
+        <a:scrgbClr r="0" g="0" b="0"/>
+      </a:effectRef>
+      <a:fontRef idx="minor"/>
+    </dgm:style>
+  </dgm:styleLbl>
+</dgm:styleDef>
+</file>
+
+<file path=ppt/diagrams/quickStyle3.xml><?xml version="1.0" encoding="utf-8"?>
 <dgm:styleDef xmlns:dgm="http://schemas.openxmlformats.org/drawingml/2006/diagram" xmlns:a="http://schemas.openxmlformats.org/drawingml/2006/main" uniqueId="urn:microsoft.com/office/officeart/2005/8/quickstyle/simple1">
   <dgm:title val=""/>
   <dgm:desc val=""/>
@@ -3921,7 +10499,7 @@
           <a:p>
             <a:fld id="{1C2353BB-4F7C-0247-BEC9-5CD8DBB29C46}" type="slidenum">
               <a:rPr lang="en-US" smtClean="0"/>
-              <a:t>7</a:t>
+              <a:t>8</a:t>
             </a:fld>
             <a:endParaRPr lang="en-US"/>
           </a:p>
@@ -9133,6 +15711,236 @@
 <file path=ppt/slides/slide6.xml><?xml version="1.0" encoding="utf-8"?>
 <p:sld xmlns:a="http://schemas.openxmlformats.org/drawingml/2006/main" xmlns:r="http://schemas.openxmlformats.org/officeDocument/2006/relationships" xmlns:p="http://schemas.openxmlformats.org/presentationml/2006/main">
   <p:cSld>
+    <p:bg>
+      <p:bgPr>
+        <a:solidFill>
+          <a:schemeClr val="bg1"/>
+        </a:solidFill>
+        <a:effectLst/>
+      </p:bgPr>
+    </p:bg>
+    <p:spTree>
+      <p:nvGrpSpPr>
+        <p:cNvPr id="1" name=""/>
+        <p:cNvGrpSpPr/>
+        <p:nvPr/>
+      </p:nvGrpSpPr>
+      <p:grpSpPr>
+        <a:xfrm>
+          <a:off x="0" y="0"/>
+          <a:ext cx="0" cy="0"/>
+          <a:chOff x="0" y="0"/>
+          <a:chExt cx="0" cy="0"/>
+        </a:xfrm>
+      </p:grpSpPr>
+      <p:sp>
+        <p:nvSpPr>
+          <p:cNvPr id="18" name="Rectangle 14">
+            <a:extLst>
+              <a:ext uri="{FF2B5EF4-FFF2-40B4-BE49-F238E27FC236}">
+                <a16:creationId xmlns:a16="http://schemas.microsoft.com/office/drawing/2014/main" id="{08E89D5E-1885-4160-AC77-CC471DD1D0DB}"/>
+              </a:ext>
+              <a:ext uri="{C183D7F6-B498-43B3-948B-1728B52AA6E4}">
+                <adec:decorative xmlns:adec="http://schemas.microsoft.com/office/drawing/2017/decorative" val="1"/>
+              </a:ext>
+            </a:extLst>
+          </p:cNvPr>
+          <p:cNvSpPr>
+            <a:spLocks noGrp="1" noRot="1" noChangeAspect="1" noMove="1" noResize="1" noEditPoints="1" noAdjustHandles="1" noChangeArrowheads="1" noChangeShapeType="1" noTextEdit="1"/>
+          </p:cNvSpPr>
+          <p:nvPr>
+            <p:extLst>
+              <p:ext uri="{386F3935-93C4-4BCD-93E2-E3B085C9AB24}">
+                <p16:designElem xmlns:p16="http://schemas.microsoft.com/office/powerpoint/2015/main" val="1"/>
+              </p:ext>
+            </p:extLst>
+          </p:nvPr>
+        </p:nvSpPr>
+        <p:spPr>
+          <a:xfrm>
+            <a:off x="0" y="0"/>
+            <a:ext cx="4636008" cy="6858000"/>
+          </a:xfrm>
+          <a:prstGeom prst="rect">
+            <a:avLst/>
+          </a:prstGeom>
+          <a:ln>
+            <a:noFill/>
+          </a:ln>
+        </p:spPr>
+        <p:style>
+          <a:lnRef idx="2">
+            <a:schemeClr val="accent1">
+              <a:shade val="50000"/>
+            </a:schemeClr>
+          </a:lnRef>
+          <a:fillRef idx="1">
+            <a:schemeClr val="accent1"/>
+          </a:fillRef>
+          <a:effectRef idx="0">
+            <a:schemeClr val="accent1"/>
+          </a:effectRef>
+          <a:fontRef idx="minor">
+            <a:schemeClr val="lt1"/>
+          </a:fontRef>
+        </p:style>
+        <p:txBody>
+          <a:bodyPr rtlCol="0" anchor="ctr"/>
+          <a:lstStyle/>
+          <a:p>
+            <a:pPr algn="ctr"/>
+            <a:endParaRPr lang="en-US"/>
+          </a:p>
+        </p:txBody>
+      </p:sp>
+      <p:sp>
+        <p:nvSpPr>
+          <p:cNvPr id="2" name="Title 1">
+            <a:extLst>
+              <a:ext uri="{FF2B5EF4-FFF2-40B4-BE49-F238E27FC236}">
+                <a16:creationId xmlns:a16="http://schemas.microsoft.com/office/drawing/2014/main" id="{D7204E97-453A-0142-A15D-C873DF603350}"/>
+              </a:ext>
+            </a:extLst>
+          </p:cNvPr>
+          <p:cNvSpPr>
+            <a:spLocks noGrp="1"/>
+          </p:cNvSpPr>
+          <p:nvPr>
+            <p:ph type="title"/>
+          </p:nvPr>
+        </p:nvSpPr>
+        <p:spPr>
+          <a:xfrm>
+            <a:off x="943277" y="712269"/>
+            <a:ext cx="3370998" cy="5502264"/>
+          </a:xfrm>
+        </p:spPr>
+        <p:txBody>
+          <a:bodyPr>
+            <a:normAutofit/>
+          </a:bodyPr>
+          <a:lstStyle/>
+          <a:p>
+            <a:r>
+              <a:rPr lang="en-US" sz="4400">
+                <a:solidFill>
+                  <a:srgbClr val="FFFFFF"/>
+                </a:solidFill>
+              </a:rPr>
+              <a:t>Why is Julia fast and flexible </a:t>
+            </a:r>
+          </a:p>
+        </p:txBody>
+      </p:sp>
+      <p:cxnSp>
+        <p:nvCxnSpPr>
+          <p:cNvPr id="17" name="Straight Connector 16">
+            <a:extLst>
+              <a:ext uri="{FF2B5EF4-FFF2-40B4-BE49-F238E27FC236}">
+                <a16:creationId xmlns:a16="http://schemas.microsoft.com/office/drawing/2014/main" id="{550D2BD1-98F9-412D-905B-3A843EF4078B}"/>
+              </a:ext>
+              <a:ext uri="{C183D7F6-B498-43B3-948B-1728B52AA6E4}">
+                <adec:decorative xmlns:adec="http://schemas.microsoft.com/office/drawing/2017/decorative" val="1"/>
+              </a:ext>
+            </a:extLst>
+          </p:cNvPr>
+          <p:cNvCxnSpPr>
+            <a:cxnSpLocks noGrp="1" noRot="1" noChangeAspect="1" noMove="1" noResize="1" noEditPoints="1" noAdjustHandles="1" noChangeArrowheads="1" noChangeShapeType="1"/>
+          </p:cNvCxnSpPr>
+          <p:nvPr>
+            <p:extLst>
+              <p:ext uri="{386F3935-93C4-4BCD-93E2-E3B085C9AB24}">
+                <p16:designElem xmlns:p16="http://schemas.microsoft.com/office/powerpoint/2015/main" val="1"/>
+              </p:ext>
+            </p:extLst>
+          </p:nvPr>
+        </p:nvCxnSpPr>
+        <p:spPr>
+          <a:xfrm flipV="1">
+            <a:off x="762000" y="2971800"/>
+            <a:ext cx="0" cy="914400"/>
+          </a:xfrm>
+          <a:prstGeom prst="line">
+            <a:avLst/>
+          </a:prstGeom>
+          <a:ln w="19050">
+            <a:solidFill>
+              <a:srgbClr val="FFFFFF">
+                <a:alpha val="80000"/>
+              </a:srgbClr>
+            </a:solidFill>
+          </a:ln>
+        </p:spPr>
+        <p:style>
+          <a:lnRef idx="1">
+            <a:schemeClr val="accent1"/>
+          </a:lnRef>
+          <a:fillRef idx="0">
+            <a:schemeClr val="accent1"/>
+          </a:fillRef>
+          <a:effectRef idx="0">
+            <a:schemeClr val="accent1"/>
+          </a:effectRef>
+          <a:fontRef idx="minor">
+            <a:schemeClr val="tx1"/>
+          </a:fontRef>
+        </p:style>
+      </p:cxnSp>
+      <p:graphicFrame>
+        <p:nvGraphicFramePr>
+          <p:cNvPr id="5" name="Content Placeholder 2">
+            <a:extLst>
+              <a:ext uri="{FF2B5EF4-FFF2-40B4-BE49-F238E27FC236}">
+                <a16:creationId xmlns:a16="http://schemas.microsoft.com/office/drawing/2014/main" id="{60F9718F-9455-452F-B50E-A88F9A40B49A}"/>
+              </a:ext>
+            </a:extLst>
+          </p:cNvPr>
+          <p:cNvGraphicFramePr>
+            <a:graphicFrameLocks noGrp="1"/>
+          </p:cNvGraphicFramePr>
+          <p:nvPr>
+            <p:ph idx="1"/>
+            <p:extLst>
+              <p:ext uri="{D42A27DB-BD31-4B8C-83A1-F6EECF244321}">
+                <p14:modId xmlns:p14="http://schemas.microsoft.com/office/powerpoint/2010/main" val="990065415"/>
+              </p:ext>
+            </p:extLst>
+          </p:nvPr>
+        </p:nvGraphicFramePr>
+        <p:xfrm>
+          <a:off x="5280025" y="642938"/>
+          <a:ext cx="6269038" cy="5572125"/>
+        </p:xfrm>
+        <a:graphic>
+          <a:graphicData uri="http://schemas.openxmlformats.org/drawingml/2006/diagram">
+            <dgm:relIds xmlns:dgm="http://schemas.openxmlformats.org/drawingml/2006/diagram" xmlns:r="http://schemas.openxmlformats.org/officeDocument/2006/relationships" r:dm="rId2" r:lo="rId3" r:qs="rId4" r:cs="rId5"/>
+          </a:graphicData>
+        </a:graphic>
+      </p:graphicFrame>
+    </p:spTree>
+    <p:extLst>
+      <p:ext uri="{BB962C8B-B14F-4D97-AF65-F5344CB8AC3E}">
+        <p14:creationId xmlns:p14="http://schemas.microsoft.com/office/powerpoint/2010/main" val="4043627393"/>
+      </p:ext>
+    </p:extLst>
+  </p:cSld>
+  <p:clrMapOvr>
+    <a:masterClrMapping/>
+  </p:clrMapOvr>
+</p:sld>
+</file>
+
+<file path=ppt/slides/slide7.xml><?xml version="1.0" encoding="utf-8"?>
+<p:sld xmlns:a="http://schemas.openxmlformats.org/drawingml/2006/main" xmlns:r="http://schemas.openxmlformats.org/officeDocument/2006/relationships" xmlns:p="http://schemas.openxmlformats.org/presentationml/2006/main">
+  <p:cSld>
+    <p:bg>
+      <p:bgPr>
+        <a:solidFill>
+          <a:schemeClr val="bg1"/>
+        </a:solidFill>
+        <a:effectLst/>
+      </p:bgPr>
+    </p:bg>
     <p:spTree>
       <p:nvGrpSpPr>
         <p:cNvPr id="1" name=""/>
@@ -9152,7 +15960,7 @@
           <p:cNvPr id="2" name="Title 1">
             <a:extLst>
               <a:ext uri="{FF2B5EF4-FFF2-40B4-BE49-F238E27FC236}">
-                <a16:creationId xmlns:a16="http://schemas.microsoft.com/office/drawing/2014/main" id="{D7204E97-453A-0142-A15D-C873DF603350}"/>
+                <a16:creationId xmlns:a16="http://schemas.microsoft.com/office/drawing/2014/main" id="{3587A56C-D65D-B942-8C33-7C07C1DDBE66}"/>
               </a:ext>
             </a:extLst>
           </p:cNvPr>
@@ -9163,47 +15971,60 @@
             <p:ph type="title"/>
           </p:nvPr>
         </p:nvSpPr>
-        <p:spPr/>
+        <p:spPr>
+          <a:xfrm>
+            <a:off x="838200" y="713232"/>
+            <a:ext cx="3374136" cy="5504688"/>
+          </a:xfrm>
+        </p:spPr>
         <p:txBody>
-          <a:bodyPr/>
+          <a:bodyPr>
+            <a:normAutofit/>
+          </a:bodyPr>
           <a:lstStyle/>
           <a:p>
             <a:r>
-              <a:rPr lang="en-US" dirty="0"/>
-              <a:t>Why is Julia fast and flexible </a:t>
+              <a:rPr lang="en-US" sz="4400"/>
+              <a:t>Compilation Stages of Julia Code</a:t>
             </a:r>
           </a:p>
         </p:txBody>
       </p:sp>
-      <p:sp>
-        <p:nvSpPr>
-          <p:cNvPr id="3" name="Content Placeholder 2">
+      <p:graphicFrame>
+        <p:nvGraphicFramePr>
+          <p:cNvPr id="4" name="Content Placeholder 3">
             <a:extLst>
               <a:ext uri="{FF2B5EF4-FFF2-40B4-BE49-F238E27FC236}">
-                <a16:creationId xmlns:a16="http://schemas.microsoft.com/office/drawing/2014/main" id="{649811CB-0554-EA45-B30D-49E137EA43BA}"/>
+                <a16:creationId xmlns:a16="http://schemas.microsoft.com/office/drawing/2014/main" id="{1C7FBCEA-3414-014A-867E-E20BCCAB1E2A}"/>
               </a:ext>
             </a:extLst>
           </p:cNvPr>
-          <p:cNvSpPr>
-            <a:spLocks noGrp="1"/>
-          </p:cNvSpPr>
+          <p:cNvGraphicFramePr>
+            <a:graphicFrameLocks noGrp="1"/>
+          </p:cNvGraphicFramePr>
           <p:nvPr>
             <p:ph idx="1"/>
+            <p:extLst>
+              <p:ext uri="{D42A27DB-BD31-4B8C-83A1-F6EECF244321}">
+                <p14:modId xmlns:p14="http://schemas.microsoft.com/office/powerpoint/2010/main" val="3742410087"/>
+              </p:ext>
+            </p:extLst>
           </p:nvPr>
-        </p:nvSpPr>
-        <p:spPr/>
-        <p:txBody>
-          <a:bodyPr/>
-          <a:lstStyle/>
-          <a:p>
-            <a:endParaRPr lang="en-US" dirty="0"/>
-          </a:p>
-        </p:txBody>
-      </p:sp>
+        </p:nvGraphicFramePr>
+        <p:xfrm>
+          <a:off x="5093208" y="713232"/>
+          <a:ext cx="6263640" cy="5504688"/>
+        </p:xfrm>
+        <a:graphic>
+          <a:graphicData uri="http://schemas.openxmlformats.org/drawingml/2006/diagram">
+            <dgm:relIds xmlns:dgm="http://schemas.openxmlformats.org/drawingml/2006/diagram" xmlns:r="http://schemas.openxmlformats.org/officeDocument/2006/relationships" r:dm="rId2" r:lo="rId3" r:qs="rId4" r:cs="rId5"/>
+          </a:graphicData>
+        </a:graphic>
+      </p:graphicFrame>
     </p:spTree>
     <p:extLst>
       <p:ext uri="{BB962C8B-B14F-4D97-AF65-F5344CB8AC3E}">
-        <p14:creationId xmlns:p14="http://schemas.microsoft.com/office/powerpoint/2010/main" val="4043627393"/>
+        <p14:creationId xmlns:p14="http://schemas.microsoft.com/office/powerpoint/2010/main" val="1456074013"/>
       </p:ext>
     </p:extLst>
   </p:cSld>
@@ -9213,7 +16034,7 @@
 </p:sld>
 </file>
 
-<file path=ppt/slides/slide7.xml><?xml version="1.0" encoding="utf-8"?>
+<file path=ppt/slides/slide8.xml><?xml version="1.0" encoding="utf-8"?>
 <p:sld xmlns:a="http://schemas.openxmlformats.org/drawingml/2006/main" xmlns:r="http://schemas.openxmlformats.org/officeDocument/2006/relationships" xmlns:p="http://schemas.openxmlformats.org/presentationml/2006/main">
   <p:cSld>
     <p:bg>

--- a/notebooks/xiaoqi-why-julia-fast.pptx
+++ b/notebooks/xiaoqi-why-julia-fast.pptx
@@ -5,17 +5,18 @@
     <p:sldMasterId id="2147483648" r:id="rId1"/>
   </p:sldMasterIdLst>
   <p:notesMasterIdLst>
-    <p:notesMasterId r:id="rId10"/>
+    <p:notesMasterId r:id="rId11"/>
   </p:notesMasterIdLst>
   <p:sldIdLst>
     <p:sldId id="256" r:id="rId2"/>
-    <p:sldId id="260" r:id="rId3"/>
-    <p:sldId id="258" r:id="rId4"/>
-    <p:sldId id="257" r:id="rId5"/>
-    <p:sldId id="262" r:id="rId6"/>
-    <p:sldId id="261" r:id="rId7"/>
+    <p:sldId id="266" r:id="rId3"/>
+    <p:sldId id="267" r:id="rId4"/>
+    <p:sldId id="258" r:id="rId5"/>
+    <p:sldId id="257" r:id="rId6"/>
+    <p:sldId id="262" r:id="rId7"/>
     <p:sldId id="265" r:id="rId8"/>
-    <p:sldId id="263" r:id="rId9"/>
+    <p:sldId id="261" r:id="rId9"/>
+    <p:sldId id="263" r:id="rId10"/>
   </p:sldIdLst>
   <p:sldSz cx="12192000" cy="6858000"/>
   <p:notesSz cx="6858000" cy="9144000"/>
@@ -123,6 +124,757 @@
 </file>
 
 <file path=ppt/diagrams/colors1.xml><?xml version="1.0" encoding="utf-8"?>
+<dgm:colorsDef xmlns:dgm="http://schemas.openxmlformats.org/drawingml/2006/diagram" xmlns:a="http://schemas.openxmlformats.org/drawingml/2006/main" uniqueId="urn:microsoft.com/office/officeart/2005/8/colors/accent0_3">
+  <dgm:title val=""/>
+  <dgm:desc val=""/>
+  <dgm:catLst>
+    <dgm:cat type="mainScheme" pri="10300"/>
+  </dgm:catLst>
+  <dgm:styleLbl name="node0">
+    <dgm:fillClrLst meth="repeat">
+      <a:schemeClr val="dk2"/>
+    </dgm:fillClrLst>
+    <dgm:linClrLst meth="repeat">
+      <a:schemeClr val="lt2"/>
+    </dgm:linClrLst>
+    <dgm:effectClrLst/>
+    <dgm:txLinClrLst/>
+    <dgm:txFillClrLst/>
+    <dgm:txEffectClrLst/>
+  </dgm:styleLbl>
+  <dgm:styleLbl name="alignNode1">
+    <dgm:fillClrLst meth="repeat">
+      <a:schemeClr val="dk2"/>
+    </dgm:fillClrLst>
+    <dgm:linClrLst meth="repeat">
+      <a:schemeClr val="dk2"/>
+    </dgm:linClrLst>
+    <dgm:effectClrLst/>
+    <dgm:txLinClrLst/>
+    <dgm:txFillClrLst/>
+    <dgm:txEffectClrLst/>
+  </dgm:styleLbl>
+  <dgm:styleLbl name="node1">
+    <dgm:fillClrLst meth="repeat">
+      <a:schemeClr val="dk2"/>
+    </dgm:fillClrLst>
+    <dgm:linClrLst meth="repeat">
+      <a:schemeClr val="lt2"/>
+    </dgm:linClrLst>
+    <dgm:effectClrLst/>
+    <dgm:txLinClrLst/>
+    <dgm:txFillClrLst/>
+    <dgm:txEffectClrLst/>
+  </dgm:styleLbl>
+  <dgm:styleLbl name="lnNode1">
+    <dgm:fillClrLst meth="repeat">
+      <a:schemeClr val="dk2"/>
+    </dgm:fillClrLst>
+    <dgm:linClrLst meth="repeat">
+      <a:schemeClr val="lt2"/>
+    </dgm:linClrLst>
+    <dgm:effectClrLst/>
+    <dgm:txLinClrLst/>
+    <dgm:txFillClrLst/>
+    <dgm:txEffectClrLst/>
+  </dgm:styleLbl>
+  <dgm:styleLbl name="vennNode1">
+    <dgm:fillClrLst meth="repeat">
+      <a:schemeClr val="dk2">
+        <a:alpha val="50000"/>
+      </a:schemeClr>
+    </dgm:fillClrLst>
+    <dgm:linClrLst meth="repeat">
+      <a:schemeClr val="lt2"/>
+    </dgm:linClrLst>
+    <dgm:effectClrLst/>
+    <dgm:txLinClrLst/>
+    <dgm:txFillClrLst/>
+    <dgm:txEffectClrLst/>
+  </dgm:styleLbl>
+  <dgm:styleLbl name="node2">
+    <dgm:fillClrLst meth="repeat">
+      <a:schemeClr val="dk2"/>
+    </dgm:fillClrLst>
+    <dgm:linClrLst meth="repeat">
+      <a:schemeClr val="lt2"/>
+    </dgm:linClrLst>
+    <dgm:effectClrLst/>
+    <dgm:txLinClrLst/>
+    <dgm:txFillClrLst/>
+    <dgm:txEffectClrLst/>
+  </dgm:styleLbl>
+  <dgm:styleLbl name="node3">
+    <dgm:fillClrLst meth="repeat">
+      <a:schemeClr val="dk2"/>
+    </dgm:fillClrLst>
+    <dgm:linClrLst meth="repeat">
+      <a:schemeClr val="lt2"/>
+    </dgm:linClrLst>
+    <dgm:effectClrLst/>
+    <dgm:txLinClrLst/>
+    <dgm:txFillClrLst/>
+    <dgm:txEffectClrLst/>
+  </dgm:styleLbl>
+  <dgm:styleLbl name="node4">
+    <dgm:fillClrLst meth="repeat">
+      <a:schemeClr val="dk2"/>
+    </dgm:fillClrLst>
+    <dgm:linClrLst meth="repeat">
+      <a:schemeClr val="lt2"/>
+    </dgm:linClrLst>
+    <dgm:effectClrLst/>
+    <dgm:txLinClrLst/>
+    <dgm:txFillClrLst/>
+    <dgm:txEffectClrLst/>
+  </dgm:styleLbl>
+  <dgm:styleLbl name="fgImgPlace1">
+    <dgm:fillClrLst meth="repeat">
+      <a:schemeClr val="dk2">
+        <a:tint val="50000"/>
+      </a:schemeClr>
+    </dgm:fillClrLst>
+    <dgm:linClrLst meth="repeat">
+      <a:schemeClr val="lt2"/>
+    </dgm:linClrLst>
+    <dgm:effectClrLst/>
+    <dgm:txLinClrLst/>
+    <dgm:txFillClrLst meth="repeat">
+      <a:schemeClr val="lt2"/>
+    </dgm:txFillClrLst>
+    <dgm:txEffectClrLst/>
+  </dgm:styleLbl>
+  <dgm:styleLbl name="alignImgPlace1">
+    <dgm:fillClrLst meth="repeat">
+      <a:schemeClr val="dk2">
+        <a:tint val="50000"/>
+      </a:schemeClr>
+    </dgm:fillClrLst>
+    <dgm:linClrLst meth="repeat">
+      <a:schemeClr val="dk2">
+        <a:shade val="80000"/>
+      </a:schemeClr>
+    </dgm:linClrLst>
+    <dgm:effectClrLst/>
+    <dgm:txLinClrLst/>
+    <dgm:txFillClrLst meth="repeat">
+      <a:schemeClr val="lt2"/>
+    </dgm:txFillClrLst>
+    <dgm:txEffectClrLst/>
+  </dgm:styleLbl>
+  <dgm:styleLbl name="bgImgPlace1">
+    <dgm:fillClrLst meth="repeat">
+      <a:schemeClr val="dk2">
+        <a:tint val="50000"/>
+      </a:schemeClr>
+    </dgm:fillClrLst>
+    <dgm:linClrLst meth="repeat">
+      <a:schemeClr val="dk2">
+        <a:shade val="80000"/>
+      </a:schemeClr>
+    </dgm:linClrLst>
+    <dgm:effectClrLst/>
+    <dgm:txLinClrLst/>
+    <dgm:txFillClrLst meth="repeat">
+      <a:schemeClr val="lt2"/>
+    </dgm:txFillClrLst>
+    <dgm:txEffectClrLst/>
+  </dgm:styleLbl>
+  <dgm:styleLbl name="sibTrans2D1">
+    <dgm:fillClrLst meth="repeat">
+      <a:schemeClr val="dk2">
+        <a:tint val="60000"/>
+      </a:schemeClr>
+    </dgm:fillClrLst>
+    <dgm:linClrLst meth="repeat">
+      <a:schemeClr val="dk2">
+        <a:tint val="60000"/>
+      </a:schemeClr>
+    </dgm:linClrLst>
+    <dgm:effectClrLst/>
+    <dgm:txLinClrLst/>
+    <dgm:txFillClrLst/>
+    <dgm:txEffectClrLst/>
+  </dgm:styleLbl>
+  <dgm:styleLbl name="fgSibTrans2D1">
+    <dgm:fillClrLst meth="repeat">
+      <a:schemeClr val="dk2">
+        <a:tint val="60000"/>
+      </a:schemeClr>
+    </dgm:fillClrLst>
+    <dgm:linClrLst meth="repeat">
+      <a:schemeClr val="dk2">
+        <a:tint val="60000"/>
+      </a:schemeClr>
+    </dgm:linClrLst>
+    <dgm:effectClrLst/>
+    <dgm:txLinClrLst/>
+    <dgm:txFillClrLst/>
+    <dgm:txEffectClrLst/>
+  </dgm:styleLbl>
+  <dgm:styleLbl name="bgSibTrans2D1">
+    <dgm:fillClrLst meth="repeat">
+      <a:schemeClr val="dk2">
+        <a:tint val="60000"/>
+      </a:schemeClr>
+    </dgm:fillClrLst>
+    <dgm:linClrLst meth="repeat">
+      <a:schemeClr val="dk2">
+        <a:tint val="60000"/>
+      </a:schemeClr>
+    </dgm:linClrLst>
+    <dgm:effectClrLst/>
+    <dgm:txLinClrLst/>
+    <dgm:txFillClrLst/>
+    <dgm:txEffectClrLst/>
+  </dgm:styleLbl>
+  <dgm:styleLbl name="sibTrans1D1">
+    <dgm:fillClrLst meth="repeat">
+      <a:schemeClr val="dk2"/>
+    </dgm:fillClrLst>
+    <dgm:linClrLst meth="repeat">
+      <a:schemeClr val="dk2"/>
+    </dgm:linClrLst>
+    <dgm:effectClrLst/>
+    <dgm:txLinClrLst/>
+    <dgm:txFillClrLst meth="repeat">
+      <a:schemeClr val="lt2"/>
+    </dgm:txFillClrLst>
+    <dgm:txEffectClrLst/>
+  </dgm:styleLbl>
+  <dgm:styleLbl name="callout">
+    <dgm:fillClrLst meth="repeat">
+      <a:schemeClr val="dk2"/>
+    </dgm:fillClrLst>
+    <dgm:linClrLst meth="repeat">
+      <a:schemeClr val="dk2">
+        <a:tint val="50000"/>
+      </a:schemeClr>
+    </dgm:linClrLst>
+    <dgm:effectClrLst/>
+    <dgm:txLinClrLst/>
+    <dgm:txFillClrLst meth="repeat">
+      <a:schemeClr val="lt2"/>
+    </dgm:txFillClrLst>
+    <dgm:txEffectClrLst/>
+  </dgm:styleLbl>
+  <dgm:styleLbl name="asst0">
+    <dgm:fillClrLst meth="repeat">
+      <a:schemeClr val="dk2"/>
+    </dgm:fillClrLst>
+    <dgm:linClrLst meth="repeat">
+      <a:schemeClr val="lt2"/>
+    </dgm:linClrLst>
+    <dgm:effectClrLst/>
+    <dgm:txLinClrLst/>
+    <dgm:txFillClrLst/>
+    <dgm:txEffectClrLst/>
+  </dgm:styleLbl>
+  <dgm:styleLbl name="asst1">
+    <dgm:fillClrLst meth="repeat">
+      <a:schemeClr val="dk2"/>
+    </dgm:fillClrLst>
+    <dgm:linClrLst meth="repeat">
+      <a:schemeClr val="lt2"/>
+    </dgm:linClrLst>
+    <dgm:effectClrLst/>
+    <dgm:txLinClrLst/>
+    <dgm:txFillClrLst/>
+    <dgm:txEffectClrLst/>
+  </dgm:styleLbl>
+  <dgm:styleLbl name="asst2">
+    <dgm:fillClrLst meth="repeat">
+      <a:schemeClr val="dk2"/>
+    </dgm:fillClrLst>
+    <dgm:linClrLst meth="repeat">
+      <a:schemeClr val="lt2"/>
+    </dgm:linClrLst>
+    <dgm:effectClrLst/>
+    <dgm:txLinClrLst/>
+    <dgm:txFillClrLst/>
+    <dgm:txEffectClrLst/>
+  </dgm:styleLbl>
+  <dgm:styleLbl name="asst3">
+    <dgm:fillClrLst meth="repeat">
+      <a:schemeClr val="dk2"/>
+    </dgm:fillClrLst>
+    <dgm:linClrLst meth="repeat">
+      <a:schemeClr val="lt2"/>
+    </dgm:linClrLst>
+    <dgm:effectClrLst/>
+    <dgm:txLinClrLst/>
+    <dgm:txFillClrLst/>
+    <dgm:txEffectClrLst/>
+  </dgm:styleLbl>
+  <dgm:styleLbl name="asst4">
+    <dgm:fillClrLst meth="repeat">
+      <a:schemeClr val="dk2"/>
+    </dgm:fillClrLst>
+    <dgm:linClrLst meth="repeat">
+      <a:schemeClr val="lt2"/>
+    </dgm:linClrLst>
+    <dgm:effectClrLst/>
+    <dgm:txLinClrLst/>
+    <dgm:txFillClrLst/>
+    <dgm:txEffectClrLst/>
+  </dgm:styleLbl>
+  <dgm:styleLbl name="parChTrans2D1">
+    <dgm:fillClrLst meth="repeat">
+      <a:schemeClr val="dk2">
+        <a:tint val="60000"/>
+      </a:schemeClr>
+    </dgm:fillClrLst>
+    <dgm:linClrLst meth="repeat">
+      <a:schemeClr val="dk2">
+        <a:tint val="60000"/>
+      </a:schemeClr>
+    </dgm:linClrLst>
+    <dgm:effectClrLst/>
+    <dgm:txLinClrLst/>
+    <dgm:txFillClrLst meth="repeat">
+      <a:schemeClr val="lt2"/>
+    </dgm:txFillClrLst>
+    <dgm:txEffectClrLst/>
+  </dgm:styleLbl>
+  <dgm:styleLbl name="parChTrans2D2">
+    <dgm:fillClrLst meth="repeat">
+      <a:schemeClr val="dk2"/>
+    </dgm:fillClrLst>
+    <dgm:linClrLst meth="repeat">
+      <a:schemeClr val="dk2"/>
+    </dgm:linClrLst>
+    <dgm:effectClrLst/>
+    <dgm:txLinClrLst/>
+    <dgm:txFillClrLst meth="repeat">
+      <a:schemeClr val="lt2"/>
+    </dgm:txFillClrLst>
+    <dgm:txEffectClrLst/>
+  </dgm:styleLbl>
+  <dgm:styleLbl name="parChTrans2D3">
+    <dgm:fillClrLst meth="repeat">
+      <a:schemeClr val="dk2"/>
+    </dgm:fillClrLst>
+    <dgm:linClrLst meth="repeat">
+      <a:schemeClr val="dk2"/>
+    </dgm:linClrLst>
+    <dgm:effectClrLst/>
+    <dgm:txLinClrLst/>
+    <dgm:txFillClrLst meth="repeat">
+      <a:schemeClr val="lt2"/>
+    </dgm:txFillClrLst>
+    <dgm:txEffectClrLst/>
+  </dgm:styleLbl>
+  <dgm:styleLbl name="parChTrans2D4">
+    <dgm:fillClrLst meth="repeat">
+      <a:schemeClr val="dk2"/>
+    </dgm:fillClrLst>
+    <dgm:linClrLst meth="repeat">
+      <a:schemeClr val="dk2"/>
+    </dgm:linClrLst>
+    <dgm:effectClrLst/>
+    <dgm:txLinClrLst/>
+    <dgm:txFillClrLst meth="repeat">
+      <a:schemeClr val="lt2"/>
+    </dgm:txFillClrLst>
+    <dgm:txEffectClrLst/>
+  </dgm:styleLbl>
+  <dgm:styleLbl name="parChTrans1D1">
+    <dgm:fillClrLst meth="repeat">
+      <a:schemeClr val="dk2"/>
+    </dgm:fillClrLst>
+    <dgm:linClrLst meth="repeat">
+      <a:schemeClr val="dk2">
+        <a:shade val="60000"/>
+      </a:schemeClr>
+    </dgm:linClrLst>
+    <dgm:effectClrLst/>
+    <dgm:txLinClrLst/>
+    <dgm:txFillClrLst meth="repeat">
+      <a:schemeClr val="tx1"/>
+    </dgm:txFillClrLst>
+    <dgm:txEffectClrLst/>
+  </dgm:styleLbl>
+  <dgm:styleLbl name="parChTrans1D2">
+    <dgm:fillClrLst meth="repeat">
+      <a:schemeClr val="dk2"/>
+    </dgm:fillClrLst>
+    <dgm:linClrLst meth="repeat">
+      <a:schemeClr val="dk2">
+        <a:shade val="60000"/>
+      </a:schemeClr>
+    </dgm:linClrLst>
+    <dgm:effectClrLst/>
+    <dgm:txLinClrLst/>
+    <dgm:txFillClrLst meth="repeat">
+      <a:schemeClr val="tx1"/>
+    </dgm:txFillClrLst>
+    <dgm:txEffectClrLst/>
+  </dgm:styleLbl>
+  <dgm:styleLbl name="parChTrans1D3">
+    <dgm:fillClrLst meth="repeat">
+      <a:schemeClr val="dk2"/>
+    </dgm:fillClrLst>
+    <dgm:linClrLst meth="repeat">
+      <a:schemeClr val="dk2">
+        <a:shade val="80000"/>
+      </a:schemeClr>
+    </dgm:linClrLst>
+    <dgm:effectClrLst/>
+    <dgm:txLinClrLst/>
+    <dgm:txFillClrLst meth="repeat">
+      <a:schemeClr val="tx1"/>
+    </dgm:txFillClrLst>
+    <dgm:txEffectClrLst/>
+  </dgm:styleLbl>
+  <dgm:styleLbl name="parChTrans1D4">
+    <dgm:fillClrLst meth="repeat">
+      <a:schemeClr val="dk2"/>
+    </dgm:fillClrLst>
+    <dgm:linClrLst meth="repeat">
+      <a:schemeClr val="dk2">
+        <a:shade val="80000"/>
+      </a:schemeClr>
+    </dgm:linClrLst>
+    <dgm:effectClrLst/>
+    <dgm:txLinClrLst/>
+    <dgm:txFillClrLst meth="repeat">
+      <a:schemeClr val="tx1"/>
+    </dgm:txFillClrLst>
+    <dgm:txEffectClrLst/>
+  </dgm:styleLbl>
+  <dgm:styleLbl name="fgAcc1">
+    <dgm:fillClrLst meth="repeat">
+      <a:schemeClr val="lt2">
+        <a:alpha val="90000"/>
+      </a:schemeClr>
+    </dgm:fillClrLst>
+    <dgm:linClrLst meth="repeat">
+      <a:schemeClr val="dk2"/>
+    </dgm:linClrLst>
+    <dgm:effectClrLst/>
+    <dgm:txLinClrLst/>
+    <dgm:txFillClrLst meth="repeat">
+      <a:schemeClr val="dk1"/>
+    </dgm:txFillClrLst>
+    <dgm:txEffectClrLst/>
+  </dgm:styleLbl>
+  <dgm:styleLbl name="conFgAcc1">
+    <dgm:fillClrLst meth="repeat">
+      <a:schemeClr val="lt2">
+        <a:alpha val="90000"/>
+      </a:schemeClr>
+    </dgm:fillClrLst>
+    <dgm:linClrLst meth="repeat">
+      <a:schemeClr val="dk2"/>
+    </dgm:linClrLst>
+    <dgm:effectClrLst/>
+    <dgm:txLinClrLst/>
+    <dgm:txFillClrLst meth="repeat">
+      <a:schemeClr val="dk1"/>
+    </dgm:txFillClrLst>
+    <dgm:txEffectClrLst/>
+  </dgm:styleLbl>
+  <dgm:styleLbl name="alignAcc1">
+    <dgm:fillClrLst meth="repeat">
+      <a:schemeClr val="lt2">
+        <a:alpha val="90000"/>
+      </a:schemeClr>
+    </dgm:fillClrLst>
+    <dgm:linClrLst meth="repeat">
+      <a:schemeClr val="dk2"/>
+    </dgm:linClrLst>
+    <dgm:effectClrLst/>
+    <dgm:txLinClrLst/>
+    <dgm:txFillClrLst meth="repeat">
+      <a:schemeClr val="dk1"/>
+    </dgm:txFillClrLst>
+    <dgm:txEffectClrLst/>
+  </dgm:styleLbl>
+  <dgm:styleLbl name="trAlignAcc1">
+    <dgm:fillClrLst meth="repeat">
+      <a:schemeClr val="lt2">
+        <a:alpha val="40000"/>
+      </a:schemeClr>
+    </dgm:fillClrLst>
+    <dgm:linClrLst meth="repeat">
+      <a:schemeClr val="dk2"/>
+    </dgm:linClrLst>
+    <dgm:effectClrLst/>
+    <dgm:txLinClrLst/>
+    <dgm:txFillClrLst meth="repeat">
+      <a:schemeClr val="dk1"/>
+    </dgm:txFillClrLst>
+    <dgm:txEffectClrLst/>
+  </dgm:styleLbl>
+  <dgm:styleLbl name="bgAcc1">
+    <dgm:fillClrLst meth="repeat">
+      <a:schemeClr val="lt2">
+        <a:alpha val="90000"/>
+      </a:schemeClr>
+    </dgm:fillClrLst>
+    <dgm:linClrLst meth="repeat">
+      <a:schemeClr val="dk2"/>
+    </dgm:linClrLst>
+    <dgm:effectClrLst/>
+    <dgm:txLinClrLst/>
+    <dgm:txFillClrLst meth="repeat">
+      <a:schemeClr val="dk1"/>
+    </dgm:txFillClrLst>
+    <dgm:txEffectClrLst/>
+  </dgm:styleLbl>
+  <dgm:styleLbl name="solidFgAcc1">
+    <dgm:fillClrLst meth="repeat">
+      <a:schemeClr val="lt2"/>
+    </dgm:fillClrLst>
+    <dgm:linClrLst meth="repeat">
+      <a:schemeClr val="dk2"/>
+    </dgm:linClrLst>
+    <dgm:effectClrLst/>
+    <dgm:txLinClrLst/>
+    <dgm:txFillClrLst meth="repeat">
+      <a:schemeClr val="dk1"/>
+    </dgm:txFillClrLst>
+    <dgm:txEffectClrLst/>
+  </dgm:styleLbl>
+  <dgm:styleLbl name="solidAlignAcc1">
+    <dgm:fillClrLst meth="repeat">
+      <a:schemeClr val="lt2"/>
+    </dgm:fillClrLst>
+    <dgm:linClrLst meth="repeat">
+      <a:schemeClr val="dk2"/>
+    </dgm:linClrLst>
+    <dgm:effectClrLst/>
+    <dgm:txLinClrLst/>
+    <dgm:txFillClrLst meth="repeat">
+      <a:schemeClr val="dk1"/>
+    </dgm:txFillClrLst>
+    <dgm:txEffectClrLst/>
+  </dgm:styleLbl>
+  <dgm:styleLbl name="solidBgAcc1">
+    <dgm:fillClrLst meth="repeat">
+      <a:schemeClr val="lt2"/>
+    </dgm:fillClrLst>
+    <dgm:linClrLst meth="repeat">
+      <a:schemeClr val="dk2"/>
+    </dgm:linClrLst>
+    <dgm:effectClrLst/>
+    <dgm:txLinClrLst/>
+    <dgm:txFillClrLst meth="repeat">
+      <a:schemeClr val="dk1"/>
+    </dgm:txFillClrLst>
+    <dgm:txEffectClrLst/>
+  </dgm:styleLbl>
+  <dgm:styleLbl name="fgAccFollowNode1">
+    <dgm:fillClrLst meth="repeat">
+      <a:schemeClr val="dk2">
+        <a:alpha val="90000"/>
+        <a:tint val="40000"/>
+      </a:schemeClr>
+    </dgm:fillClrLst>
+    <dgm:linClrLst meth="repeat">
+      <a:schemeClr val="dk2">
+        <a:alpha val="90000"/>
+        <a:tint val="40000"/>
+      </a:schemeClr>
+    </dgm:linClrLst>
+    <dgm:effectClrLst/>
+    <dgm:txLinClrLst/>
+    <dgm:txFillClrLst meth="repeat">
+      <a:schemeClr val="dk1"/>
+    </dgm:txFillClrLst>
+    <dgm:txEffectClrLst/>
+  </dgm:styleLbl>
+  <dgm:styleLbl name="alignAccFollowNode1">
+    <dgm:fillClrLst meth="repeat">
+      <a:schemeClr val="dk2">
+        <a:alpha val="90000"/>
+        <a:tint val="40000"/>
+      </a:schemeClr>
+    </dgm:fillClrLst>
+    <dgm:linClrLst meth="repeat">
+      <a:schemeClr val="dk2">
+        <a:alpha val="90000"/>
+        <a:tint val="40000"/>
+      </a:schemeClr>
+    </dgm:linClrLst>
+    <dgm:effectClrLst/>
+    <dgm:txLinClrLst/>
+    <dgm:txFillClrLst meth="repeat">
+      <a:schemeClr val="dk1"/>
+    </dgm:txFillClrLst>
+    <dgm:txEffectClrLst/>
+  </dgm:styleLbl>
+  <dgm:styleLbl name="bgAccFollowNode1">
+    <dgm:fillClrLst meth="repeat">
+      <a:schemeClr val="dk2">
+        <a:alpha val="90000"/>
+        <a:tint val="40000"/>
+      </a:schemeClr>
+    </dgm:fillClrLst>
+    <dgm:linClrLst meth="repeat">
+      <a:schemeClr val="dk2">
+        <a:alpha val="90000"/>
+        <a:tint val="40000"/>
+      </a:schemeClr>
+    </dgm:linClrLst>
+    <dgm:effectClrLst/>
+    <dgm:txLinClrLst/>
+    <dgm:txFillClrLst meth="repeat">
+      <a:schemeClr val="dk1"/>
+    </dgm:txFillClrLst>
+    <dgm:txEffectClrLst/>
+  </dgm:styleLbl>
+  <dgm:styleLbl name="fgAcc0">
+    <dgm:fillClrLst meth="repeat">
+      <a:schemeClr val="lt2">
+        <a:alpha val="90000"/>
+      </a:schemeClr>
+    </dgm:fillClrLst>
+    <dgm:linClrLst meth="repeat">
+      <a:schemeClr val="dk2"/>
+    </dgm:linClrLst>
+    <dgm:effectClrLst/>
+    <dgm:txLinClrLst/>
+    <dgm:txFillClrLst meth="repeat">
+      <a:schemeClr val="dk1"/>
+    </dgm:txFillClrLst>
+    <dgm:txEffectClrLst/>
+  </dgm:styleLbl>
+  <dgm:styleLbl name="fgAcc2">
+    <dgm:fillClrLst meth="repeat">
+      <a:schemeClr val="lt2">
+        <a:alpha val="90000"/>
+      </a:schemeClr>
+    </dgm:fillClrLst>
+    <dgm:linClrLst meth="repeat">
+      <a:schemeClr val="dk2"/>
+    </dgm:linClrLst>
+    <dgm:effectClrLst/>
+    <dgm:txLinClrLst/>
+    <dgm:txFillClrLst meth="repeat">
+      <a:schemeClr val="dk1"/>
+    </dgm:txFillClrLst>
+    <dgm:txEffectClrLst/>
+  </dgm:styleLbl>
+  <dgm:styleLbl name="fgAcc3">
+    <dgm:fillClrLst meth="repeat">
+      <a:schemeClr val="lt2">
+        <a:alpha val="90000"/>
+      </a:schemeClr>
+    </dgm:fillClrLst>
+    <dgm:linClrLst meth="repeat">
+      <a:schemeClr val="dk2"/>
+    </dgm:linClrLst>
+    <dgm:effectClrLst/>
+    <dgm:txLinClrLst/>
+    <dgm:txFillClrLst meth="repeat">
+      <a:schemeClr val="dk1"/>
+    </dgm:txFillClrLst>
+    <dgm:txEffectClrLst/>
+  </dgm:styleLbl>
+  <dgm:styleLbl name="fgAcc4">
+    <dgm:fillClrLst meth="repeat">
+      <a:schemeClr val="lt2">
+        <a:alpha val="90000"/>
+      </a:schemeClr>
+    </dgm:fillClrLst>
+    <dgm:linClrLst meth="repeat">
+      <a:schemeClr val="dk2"/>
+    </dgm:linClrLst>
+    <dgm:effectClrLst/>
+    <dgm:txLinClrLst/>
+    <dgm:txFillClrLst meth="repeat">
+      <a:schemeClr val="dk1"/>
+    </dgm:txFillClrLst>
+    <dgm:txEffectClrLst/>
+  </dgm:styleLbl>
+  <dgm:styleLbl name="bgShp">
+    <dgm:fillClrLst meth="repeat">
+      <a:schemeClr val="dk2">
+        <a:tint val="40000"/>
+      </a:schemeClr>
+    </dgm:fillClrLst>
+    <dgm:linClrLst meth="repeat">
+      <a:schemeClr val="dk2"/>
+    </dgm:linClrLst>
+    <dgm:effectClrLst/>
+    <dgm:txLinClrLst/>
+    <dgm:txFillClrLst meth="repeat">
+      <a:schemeClr val="dk1"/>
+    </dgm:txFillClrLst>
+    <dgm:txEffectClrLst/>
+  </dgm:styleLbl>
+  <dgm:styleLbl name="dkBgShp">
+    <dgm:fillClrLst meth="repeat">
+      <a:schemeClr val="dk2">
+        <a:shade val="80000"/>
+      </a:schemeClr>
+    </dgm:fillClrLst>
+    <dgm:linClrLst meth="repeat">
+      <a:schemeClr val="dk2"/>
+    </dgm:linClrLst>
+    <dgm:effectClrLst/>
+    <dgm:txLinClrLst/>
+    <dgm:txFillClrLst meth="repeat">
+      <a:schemeClr val="lt1"/>
+    </dgm:txFillClrLst>
+    <dgm:txEffectClrLst/>
+  </dgm:styleLbl>
+  <dgm:styleLbl name="trBgShp">
+    <dgm:fillClrLst meth="repeat">
+      <a:schemeClr val="dk2">
+        <a:tint val="50000"/>
+        <a:alpha val="40000"/>
+      </a:schemeClr>
+    </dgm:fillClrLst>
+    <dgm:linClrLst meth="repeat">
+      <a:schemeClr val="dk2"/>
+    </dgm:linClrLst>
+    <dgm:effectClrLst/>
+    <dgm:txLinClrLst/>
+    <dgm:txFillClrLst meth="repeat">
+      <a:schemeClr val="lt1"/>
+    </dgm:txFillClrLst>
+    <dgm:txEffectClrLst/>
+  </dgm:styleLbl>
+  <dgm:styleLbl name="fgShp">
+    <dgm:fillClrLst meth="repeat">
+      <a:schemeClr val="dk2">
+        <a:tint val="60000"/>
+      </a:schemeClr>
+    </dgm:fillClrLst>
+    <dgm:linClrLst meth="repeat">
+      <a:schemeClr val="lt2"/>
+    </dgm:linClrLst>
+    <dgm:effectClrLst/>
+    <dgm:txLinClrLst/>
+    <dgm:txFillClrLst meth="repeat">
+      <a:schemeClr val="dk1"/>
+    </dgm:txFillClrLst>
+    <dgm:txEffectClrLst/>
+  </dgm:styleLbl>
+  <dgm:styleLbl name="revTx">
+    <dgm:fillClrLst meth="repeat">
+      <a:schemeClr val="lt2">
+        <a:alpha val="0"/>
+      </a:schemeClr>
+    </dgm:fillClrLst>
+    <dgm:linClrLst meth="repeat">
+      <a:schemeClr val="dk1">
+        <a:alpha val="0"/>
+      </a:schemeClr>
+    </dgm:linClrLst>
+    <dgm:effectClrLst/>
+    <dgm:txLinClrLst/>
+    <dgm:txFillClrLst meth="repeat">
+      <a:schemeClr val="tx1"/>
+    </dgm:txFillClrLst>
+    <dgm:txEffectClrLst/>
+  </dgm:styleLbl>
+</dgm:colorsDef>
+</file>
+
+<file path=ppt/diagrams/colors2.xml><?xml version="1.0" encoding="utf-8"?>
 <dgm:colorsDef xmlns:dgm="http://schemas.openxmlformats.org/drawingml/2006/diagram" xmlns:a="http://schemas.openxmlformats.org/drawingml/2006/main" uniqueId="urn:microsoft.com/office/officeart/2018/5/colors/Iconchunking_neutralbg_colorful1">
   <dgm:title val=""/>
   <dgm:desc val=""/>
@@ -1043,757 +1795,6 @@
 </dgm:colorsDef>
 </file>
 
-<file path=ppt/diagrams/colors2.xml><?xml version="1.0" encoding="utf-8"?>
-<dgm:colorsDef xmlns:dgm="http://schemas.openxmlformats.org/drawingml/2006/diagram" xmlns:a="http://schemas.openxmlformats.org/drawingml/2006/main" uniqueId="urn:microsoft.com/office/officeart/2005/8/colors/accent0_3">
-  <dgm:title val=""/>
-  <dgm:desc val=""/>
-  <dgm:catLst>
-    <dgm:cat type="mainScheme" pri="10300"/>
-  </dgm:catLst>
-  <dgm:styleLbl name="node0">
-    <dgm:fillClrLst meth="repeat">
-      <a:schemeClr val="dk2"/>
-    </dgm:fillClrLst>
-    <dgm:linClrLst meth="repeat">
-      <a:schemeClr val="lt2"/>
-    </dgm:linClrLst>
-    <dgm:effectClrLst/>
-    <dgm:txLinClrLst/>
-    <dgm:txFillClrLst/>
-    <dgm:txEffectClrLst/>
-  </dgm:styleLbl>
-  <dgm:styleLbl name="alignNode1">
-    <dgm:fillClrLst meth="repeat">
-      <a:schemeClr val="dk2"/>
-    </dgm:fillClrLst>
-    <dgm:linClrLst meth="repeat">
-      <a:schemeClr val="dk2"/>
-    </dgm:linClrLst>
-    <dgm:effectClrLst/>
-    <dgm:txLinClrLst/>
-    <dgm:txFillClrLst/>
-    <dgm:txEffectClrLst/>
-  </dgm:styleLbl>
-  <dgm:styleLbl name="node1">
-    <dgm:fillClrLst meth="repeat">
-      <a:schemeClr val="dk2"/>
-    </dgm:fillClrLst>
-    <dgm:linClrLst meth="repeat">
-      <a:schemeClr val="lt2"/>
-    </dgm:linClrLst>
-    <dgm:effectClrLst/>
-    <dgm:txLinClrLst/>
-    <dgm:txFillClrLst/>
-    <dgm:txEffectClrLst/>
-  </dgm:styleLbl>
-  <dgm:styleLbl name="lnNode1">
-    <dgm:fillClrLst meth="repeat">
-      <a:schemeClr val="dk2"/>
-    </dgm:fillClrLst>
-    <dgm:linClrLst meth="repeat">
-      <a:schemeClr val="lt2"/>
-    </dgm:linClrLst>
-    <dgm:effectClrLst/>
-    <dgm:txLinClrLst/>
-    <dgm:txFillClrLst/>
-    <dgm:txEffectClrLst/>
-  </dgm:styleLbl>
-  <dgm:styleLbl name="vennNode1">
-    <dgm:fillClrLst meth="repeat">
-      <a:schemeClr val="dk2">
-        <a:alpha val="50000"/>
-      </a:schemeClr>
-    </dgm:fillClrLst>
-    <dgm:linClrLst meth="repeat">
-      <a:schemeClr val="lt2"/>
-    </dgm:linClrLst>
-    <dgm:effectClrLst/>
-    <dgm:txLinClrLst/>
-    <dgm:txFillClrLst/>
-    <dgm:txEffectClrLst/>
-  </dgm:styleLbl>
-  <dgm:styleLbl name="node2">
-    <dgm:fillClrLst meth="repeat">
-      <a:schemeClr val="dk2"/>
-    </dgm:fillClrLst>
-    <dgm:linClrLst meth="repeat">
-      <a:schemeClr val="lt2"/>
-    </dgm:linClrLst>
-    <dgm:effectClrLst/>
-    <dgm:txLinClrLst/>
-    <dgm:txFillClrLst/>
-    <dgm:txEffectClrLst/>
-  </dgm:styleLbl>
-  <dgm:styleLbl name="node3">
-    <dgm:fillClrLst meth="repeat">
-      <a:schemeClr val="dk2"/>
-    </dgm:fillClrLst>
-    <dgm:linClrLst meth="repeat">
-      <a:schemeClr val="lt2"/>
-    </dgm:linClrLst>
-    <dgm:effectClrLst/>
-    <dgm:txLinClrLst/>
-    <dgm:txFillClrLst/>
-    <dgm:txEffectClrLst/>
-  </dgm:styleLbl>
-  <dgm:styleLbl name="node4">
-    <dgm:fillClrLst meth="repeat">
-      <a:schemeClr val="dk2"/>
-    </dgm:fillClrLst>
-    <dgm:linClrLst meth="repeat">
-      <a:schemeClr val="lt2"/>
-    </dgm:linClrLst>
-    <dgm:effectClrLst/>
-    <dgm:txLinClrLst/>
-    <dgm:txFillClrLst/>
-    <dgm:txEffectClrLst/>
-  </dgm:styleLbl>
-  <dgm:styleLbl name="fgImgPlace1">
-    <dgm:fillClrLst meth="repeat">
-      <a:schemeClr val="dk2">
-        <a:tint val="50000"/>
-      </a:schemeClr>
-    </dgm:fillClrLst>
-    <dgm:linClrLst meth="repeat">
-      <a:schemeClr val="lt2"/>
-    </dgm:linClrLst>
-    <dgm:effectClrLst/>
-    <dgm:txLinClrLst/>
-    <dgm:txFillClrLst meth="repeat">
-      <a:schemeClr val="lt2"/>
-    </dgm:txFillClrLst>
-    <dgm:txEffectClrLst/>
-  </dgm:styleLbl>
-  <dgm:styleLbl name="alignImgPlace1">
-    <dgm:fillClrLst meth="repeat">
-      <a:schemeClr val="dk2">
-        <a:tint val="50000"/>
-      </a:schemeClr>
-    </dgm:fillClrLst>
-    <dgm:linClrLst meth="repeat">
-      <a:schemeClr val="dk2">
-        <a:shade val="80000"/>
-      </a:schemeClr>
-    </dgm:linClrLst>
-    <dgm:effectClrLst/>
-    <dgm:txLinClrLst/>
-    <dgm:txFillClrLst meth="repeat">
-      <a:schemeClr val="lt2"/>
-    </dgm:txFillClrLst>
-    <dgm:txEffectClrLst/>
-  </dgm:styleLbl>
-  <dgm:styleLbl name="bgImgPlace1">
-    <dgm:fillClrLst meth="repeat">
-      <a:schemeClr val="dk2">
-        <a:tint val="50000"/>
-      </a:schemeClr>
-    </dgm:fillClrLst>
-    <dgm:linClrLst meth="repeat">
-      <a:schemeClr val="dk2">
-        <a:shade val="80000"/>
-      </a:schemeClr>
-    </dgm:linClrLst>
-    <dgm:effectClrLst/>
-    <dgm:txLinClrLst/>
-    <dgm:txFillClrLst meth="repeat">
-      <a:schemeClr val="lt2"/>
-    </dgm:txFillClrLst>
-    <dgm:txEffectClrLst/>
-  </dgm:styleLbl>
-  <dgm:styleLbl name="sibTrans2D1">
-    <dgm:fillClrLst meth="repeat">
-      <a:schemeClr val="dk2">
-        <a:tint val="60000"/>
-      </a:schemeClr>
-    </dgm:fillClrLst>
-    <dgm:linClrLst meth="repeat">
-      <a:schemeClr val="dk2">
-        <a:tint val="60000"/>
-      </a:schemeClr>
-    </dgm:linClrLst>
-    <dgm:effectClrLst/>
-    <dgm:txLinClrLst/>
-    <dgm:txFillClrLst/>
-    <dgm:txEffectClrLst/>
-  </dgm:styleLbl>
-  <dgm:styleLbl name="fgSibTrans2D1">
-    <dgm:fillClrLst meth="repeat">
-      <a:schemeClr val="dk2">
-        <a:tint val="60000"/>
-      </a:schemeClr>
-    </dgm:fillClrLst>
-    <dgm:linClrLst meth="repeat">
-      <a:schemeClr val="dk2">
-        <a:tint val="60000"/>
-      </a:schemeClr>
-    </dgm:linClrLst>
-    <dgm:effectClrLst/>
-    <dgm:txLinClrLst/>
-    <dgm:txFillClrLst/>
-    <dgm:txEffectClrLst/>
-  </dgm:styleLbl>
-  <dgm:styleLbl name="bgSibTrans2D1">
-    <dgm:fillClrLst meth="repeat">
-      <a:schemeClr val="dk2">
-        <a:tint val="60000"/>
-      </a:schemeClr>
-    </dgm:fillClrLst>
-    <dgm:linClrLst meth="repeat">
-      <a:schemeClr val="dk2">
-        <a:tint val="60000"/>
-      </a:schemeClr>
-    </dgm:linClrLst>
-    <dgm:effectClrLst/>
-    <dgm:txLinClrLst/>
-    <dgm:txFillClrLst/>
-    <dgm:txEffectClrLst/>
-  </dgm:styleLbl>
-  <dgm:styleLbl name="sibTrans1D1">
-    <dgm:fillClrLst meth="repeat">
-      <a:schemeClr val="dk2"/>
-    </dgm:fillClrLst>
-    <dgm:linClrLst meth="repeat">
-      <a:schemeClr val="dk2"/>
-    </dgm:linClrLst>
-    <dgm:effectClrLst/>
-    <dgm:txLinClrLst/>
-    <dgm:txFillClrLst meth="repeat">
-      <a:schemeClr val="lt2"/>
-    </dgm:txFillClrLst>
-    <dgm:txEffectClrLst/>
-  </dgm:styleLbl>
-  <dgm:styleLbl name="callout">
-    <dgm:fillClrLst meth="repeat">
-      <a:schemeClr val="dk2"/>
-    </dgm:fillClrLst>
-    <dgm:linClrLst meth="repeat">
-      <a:schemeClr val="dk2">
-        <a:tint val="50000"/>
-      </a:schemeClr>
-    </dgm:linClrLst>
-    <dgm:effectClrLst/>
-    <dgm:txLinClrLst/>
-    <dgm:txFillClrLst meth="repeat">
-      <a:schemeClr val="lt2"/>
-    </dgm:txFillClrLst>
-    <dgm:txEffectClrLst/>
-  </dgm:styleLbl>
-  <dgm:styleLbl name="asst0">
-    <dgm:fillClrLst meth="repeat">
-      <a:schemeClr val="dk2"/>
-    </dgm:fillClrLst>
-    <dgm:linClrLst meth="repeat">
-      <a:schemeClr val="lt2"/>
-    </dgm:linClrLst>
-    <dgm:effectClrLst/>
-    <dgm:txLinClrLst/>
-    <dgm:txFillClrLst/>
-    <dgm:txEffectClrLst/>
-  </dgm:styleLbl>
-  <dgm:styleLbl name="asst1">
-    <dgm:fillClrLst meth="repeat">
-      <a:schemeClr val="dk2"/>
-    </dgm:fillClrLst>
-    <dgm:linClrLst meth="repeat">
-      <a:schemeClr val="lt2"/>
-    </dgm:linClrLst>
-    <dgm:effectClrLst/>
-    <dgm:txLinClrLst/>
-    <dgm:txFillClrLst/>
-    <dgm:txEffectClrLst/>
-  </dgm:styleLbl>
-  <dgm:styleLbl name="asst2">
-    <dgm:fillClrLst meth="repeat">
-      <a:schemeClr val="dk2"/>
-    </dgm:fillClrLst>
-    <dgm:linClrLst meth="repeat">
-      <a:schemeClr val="lt2"/>
-    </dgm:linClrLst>
-    <dgm:effectClrLst/>
-    <dgm:txLinClrLst/>
-    <dgm:txFillClrLst/>
-    <dgm:txEffectClrLst/>
-  </dgm:styleLbl>
-  <dgm:styleLbl name="asst3">
-    <dgm:fillClrLst meth="repeat">
-      <a:schemeClr val="dk2"/>
-    </dgm:fillClrLst>
-    <dgm:linClrLst meth="repeat">
-      <a:schemeClr val="lt2"/>
-    </dgm:linClrLst>
-    <dgm:effectClrLst/>
-    <dgm:txLinClrLst/>
-    <dgm:txFillClrLst/>
-    <dgm:txEffectClrLst/>
-  </dgm:styleLbl>
-  <dgm:styleLbl name="asst4">
-    <dgm:fillClrLst meth="repeat">
-      <a:schemeClr val="dk2"/>
-    </dgm:fillClrLst>
-    <dgm:linClrLst meth="repeat">
-      <a:schemeClr val="lt2"/>
-    </dgm:linClrLst>
-    <dgm:effectClrLst/>
-    <dgm:txLinClrLst/>
-    <dgm:txFillClrLst/>
-    <dgm:txEffectClrLst/>
-  </dgm:styleLbl>
-  <dgm:styleLbl name="parChTrans2D1">
-    <dgm:fillClrLst meth="repeat">
-      <a:schemeClr val="dk2">
-        <a:tint val="60000"/>
-      </a:schemeClr>
-    </dgm:fillClrLst>
-    <dgm:linClrLst meth="repeat">
-      <a:schemeClr val="dk2">
-        <a:tint val="60000"/>
-      </a:schemeClr>
-    </dgm:linClrLst>
-    <dgm:effectClrLst/>
-    <dgm:txLinClrLst/>
-    <dgm:txFillClrLst meth="repeat">
-      <a:schemeClr val="lt2"/>
-    </dgm:txFillClrLst>
-    <dgm:txEffectClrLst/>
-  </dgm:styleLbl>
-  <dgm:styleLbl name="parChTrans2D2">
-    <dgm:fillClrLst meth="repeat">
-      <a:schemeClr val="dk2"/>
-    </dgm:fillClrLst>
-    <dgm:linClrLst meth="repeat">
-      <a:schemeClr val="dk2"/>
-    </dgm:linClrLst>
-    <dgm:effectClrLst/>
-    <dgm:txLinClrLst/>
-    <dgm:txFillClrLst meth="repeat">
-      <a:schemeClr val="lt2"/>
-    </dgm:txFillClrLst>
-    <dgm:txEffectClrLst/>
-  </dgm:styleLbl>
-  <dgm:styleLbl name="parChTrans2D3">
-    <dgm:fillClrLst meth="repeat">
-      <a:schemeClr val="dk2"/>
-    </dgm:fillClrLst>
-    <dgm:linClrLst meth="repeat">
-      <a:schemeClr val="dk2"/>
-    </dgm:linClrLst>
-    <dgm:effectClrLst/>
-    <dgm:txLinClrLst/>
-    <dgm:txFillClrLst meth="repeat">
-      <a:schemeClr val="lt2"/>
-    </dgm:txFillClrLst>
-    <dgm:txEffectClrLst/>
-  </dgm:styleLbl>
-  <dgm:styleLbl name="parChTrans2D4">
-    <dgm:fillClrLst meth="repeat">
-      <a:schemeClr val="dk2"/>
-    </dgm:fillClrLst>
-    <dgm:linClrLst meth="repeat">
-      <a:schemeClr val="dk2"/>
-    </dgm:linClrLst>
-    <dgm:effectClrLst/>
-    <dgm:txLinClrLst/>
-    <dgm:txFillClrLst meth="repeat">
-      <a:schemeClr val="lt2"/>
-    </dgm:txFillClrLst>
-    <dgm:txEffectClrLst/>
-  </dgm:styleLbl>
-  <dgm:styleLbl name="parChTrans1D1">
-    <dgm:fillClrLst meth="repeat">
-      <a:schemeClr val="dk2"/>
-    </dgm:fillClrLst>
-    <dgm:linClrLst meth="repeat">
-      <a:schemeClr val="dk2">
-        <a:shade val="60000"/>
-      </a:schemeClr>
-    </dgm:linClrLst>
-    <dgm:effectClrLst/>
-    <dgm:txLinClrLst/>
-    <dgm:txFillClrLst meth="repeat">
-      <a:schemeClr val="tx1"/>
-    </dgm:txFillClrLst>
-    <dgm:txEffectClrLst/>
-  </dgm:styleLbl>
-  <dgm:styleLbl name="parChTrans1D2">
-    <dgm:fillClrLst meth="repeat">
-      <a:schemeClr val="dk2"/>
-    </dgm:fillClrLst>
-    <dgm:linClrLst meth="repeat">
-      <a:schemeClr val="dk2">
-        <a:shade val="60000"/>
-      </a:schemeClr>
-    </dgm:linClrLst>
-    <dgm:effectClrLst/>
-    <dgm:txLinClrLst/>
-    <dgm:txFillClrLst meth="repeat">
-      <a:schemeClr val="tx1"/>
-    </dgm:txFillClrLst>
-    <dgm:txEffectClrLst/>
-  </dgm:styleLbl>
-  <dgm:styleLbl name="parChTrans1D3">
-    <dgm:fillClrLst meth="repeat">
-      <a:schemeClr val="dk2"/>
-    </dgm:fillClrLst>
-    <dgm:linClrLst meth="repeat">
-      <a:schemeClr val="dk2">
-        <a:shade val="80000"/>
-      </a:schemeClr>
-    </dgm:linClrLst>
-    <dgm:effectClrLst/>
-    <dgm:txLinClrLst/>
-    <dgm:txFillClrLst meth="repeat">
-      <a:schemeClr val="tx1"/>
-    </dgm:txFillClrLst>
-    <dgm:txEffectClrLst/>
-  </dgm:styleLbl>
-  <dgm:styleLbl name="parChTrans1D4">
-    <dgm:fillClrLst meth="repeat">
-      <a:schemeClr val="dk2"/>
-    </dgm:fillClrLst>
-    <dgm:linClrLst meth="repeat">
-      <a:schemeClr val="dk2">
-        <a:shade val="80000"/>
-      </a:schemeClr>
-    </dgm:linClrLst>
-    <dgm:effectClrLst/>
-    <dgm:txLinClrLst/>
-    <dgm:txFillClrLst meth="repeat">
-      <a:schemeClr val="tx1"/>
-    </dgm:txFillClrLst>
-    <dgm:txEffectClrLst/>
-  </dgm:styleLbl>
-  <dgm:styleLbl name="fgAcc1">
-    <dgm:fillClrLst meth="repeat">
-      <a:schemeClr val="lt2">
-        <a:alpha val="90000"/>
-      </a:schemeClr>
-    </dgm:fillClrLst>
-    <dgm:linClrLst meth="repeat">
-      <a:schemeClr val="dk2"/>
-    </dgm:linClrLst>
-    <dgm:effectClrLst/>
-    <dgm:txLinClrLst/>
-    <dgm:txFillClrLst meth="repeat">
-      <a:schemeClr val="dk1"/>
-    </dgm:txFillClrLst>
-    <dgm:txEffectClrLst/>
-  </dgm:styleLbl>
-  <dgm:styleLbl name="conFgAcc1">
-    <dgm:fillClrLst meth="repeat">
-      <a:schemeClr val="lt2">
-        <a:alpha val="90000"/>
-      </a:schemeClr>
-    </dgm:fillClrLst>
-    <dgm:linClrLst meth="repeat">
-      <a:schemeClr val="dk2"/>
-    </dgm:linClrLst>
-    <dgm:effectClrLst/>
-    <dgm:txLinClrLst/>
-    <dgm:txFillClrLst meth="repeat">
-      <a:schemeClr val="dk1"/>
-    </dgm:txFillClrLst>
-    <dgm:txEffectClrLst/>
-  </dgm:styleLbl>
-  <dgm:styleLbl name="alignAcc1">
-    <dgm:fillClrLst meth="repeat">
-      <a:schemeClr val="lt2">
-        <a:alpha val="90000"/>
-      </a:schemeClr>
-    </dgm:fillClrLst>
-    <dgm:linClrLst meth="repeat">
-      <a:schemeClr val="dk2"/>
-    </dgm:linClrLst>
-    <dgm:effectClrLst/>
-    <dgm:txLinClrLst/>
-    <dgm:txFillClrLst meth="repeat">
-      <a:schemeClr val="dk1"/>
-    </dgm:txFillClrLst>
-    <dgm:txEffectClrLst/>
-  </dgm:styleLbl>
-  <dgm:styleLbl name="trAlignAcc1">
-    <dgm:fillClrLst meth="repeat">
-      <a:schemeClr val="lt2">
-        <a:alpha val="40000"/>
-      </a:schemeClr>
-    </dgm:fillClrLst>
-    <dgm:linClrLst meth="repeat">
-      <a:schemeClr val="dk2"/>
-    </dgm:linClrLst>
-    <dgm:effectClrLst/>
-    <dgm:txLinClrLst/>
-    <dgm:txFillClrLst meth="repeat">
-      <a:schemeClr val="dk1"/>
-    </dgm:txFillClrLst>
-    <dgm:txEffectClrLst/>
-  </dgm:styleLbl>
-  <dgm:styleLbl name="bgAcc1">
-    <dgm:fillClrLst meth="repeat">
-      <a:schemeClr val="lt2">
-        <a:alpha val="90000"/>
-      </a:schemeClr>
-    </dgm:fillClrLst>
-    <dgm:linClrLst meth="repeat">
-      <a:schemeClr val="dk2"/>
-    </dgm:linClrLst>
-    <dgm:effectClrLst/>
-    <dgm:txLinClrLst/>
-    <dgm:txFillClrLst meth="repeat">
-      <a:schemeClr val="dk1"/>
-    </dgm:txFillClrLst>
-    <dgm:txEffectClrLst/>
-  </dgm:styleLbl>
-  <dgm:styleLbl name="solidFgAcc1">
-    <dgm:fillClrLst meth="repeat">
-      <a:schemeClr val="lt2"/>
-    </dgm:fillClrLst>
-    <dgm:linClrLst meth="repeat">
-      <a:schemeClr val="dk2"/>
-    </dgm:linClrLst>
-    <dgm:effectClrLst/>
-    <dgm:txLinClrLst/>
-    <dgm:txFillClrLst meth="repeat">
-      <a:schemeClr val="dk1"/>
-    </dgm:txFillClrLst>
-    <dgm:txEffectClrLst/>
-  </dgm:styleLbl>
-  <dgm:styleLbl name="solidAlignAcc1">
-    <dgm:fillClrLst meth="repeat">
-      <a:schemeClr val="lt2"/>
-    </dgm:fillClrLst>
-    <dgm:linClrLst meth="repeat">
-      <a:schemeClr val="dk2"/>
-    </dgm:linClrLst>
-    <dgm:effectClrLst/>
-    <dgm:txLinClrLst/>
-    <dgm:txFillClrLst meth="repeat">
-      <a:schemeClr val="dk1"/>
-    </dgm:txFillClrLst>
-    <dgm:txEffectClrLst/>
-  </dgm:styleLbl>
-  <dgm:styleLbl name="solidBgAcc1">
-    <dgm:fillClrLst meth="repeat">
-      <a:schemeClr val="lt2"/>
-    </dgm:fillClrLst>
-    <dgm:linClrLst meth="repeat">
-      <a:schemeClr val="dk2"/>
-    </dgm:linClrLst>
-    <dgm:effectClrLst/>
-    <dgm:txLinClrLst/>
-    <dgm:txFillClrLst meth="repeat">
-      <a:schemeClr val="dk1"/>
-    </dgm:txFillClrLst>
-    <dgm:txEffectClrLst/>
-  </dgm:styleLbl>
-  <dgm:styleLbl name="fgAccFollowNode1">
-    <dgm:fillClrLst meth="repeat">
-      <a:schemeClr val="dk2">
-        <a:alpha val="90000"/>
-        <a:tint val="40000"/>
-      </a:schemeClr>
-    </dgm:fillClrLst>
-    <dgm:linClrLst meth="repeat">
-      <a:schemeClr val="dk2">
-        <a:alpha val="90000"/>
-        <a:tint val="40000"/>
-      </a:schemeClr>
-    </dgm:linClrLst>
-    <dgm:effectClrLst/>
-    <dgm:txLinClrLst/>
-    <dgm:txFillClrLst meth="repeat">
-      <a:schemeClr val="dk1"/>
-    </dgm:txFillClrLst>
-    <dgm:txEffectClrLst/>
-  </dgm:styleLbl>
-  <dgm:styleLbl name="alignAccFollowNode1">
-    <dgm:fillClrLst meth="repeat">
-      <a:schemeClr val="dk2">
-        <a:alpha val="90000"/>
-        <a:tint val="40000"/>
-      </a:schemeClr>
-    </dgm:fillClrLst>
-    <dgm:linClrLst meth="repeat">
-      <a:schemeClr val="dk2">
-        <a:alpha val="90000"/>
-        <a:tint val="40000"/>
-      </a:schemeClr>
-    </dgm:linClrLst>
-    <dgm:effectClrLst/>
-    <dgm:txLinClrLst/>
-    <dgm:txFillClrLst meth="repeat">
-      <a:schemeClr val="dk1"/>
-    </dgm:txFillClrLst>
-    <dgm:txEffectClrLst/>
-  </dgm:styleLbl>
-  <dgm:styleLbl name="bgAccFollowNode1">
-    <dgm:fillClrLst meth="repeat">
-      <a:schemeClr val="dk2">
-        <a:alpha val="90000"/>
-        <a:tint val="40000"/>
-      </a:schemeClr>
-    </dgm:fillClrLst>
-    <dgm:linClrLst meth="repeat">
-      <a:schemeClr val="dk2">
-        <a:alpha val="90000"/>
-        <a:tint val="40000"/>
-      </a:schemeClr>
-    </dgm:linClrLst>
-    <dgm:effectClrLst/>
-    <dgm:txLinClrLst/>
-    <dgm:txFillClrLst meth="repeat">
-      <a:schemeClr val="dk1"/>
-    </dgm:txFillClrLst>
-    <dgm:txEffectClrLst/>
-  </dgm:styleLbl>
-  <dgm:styleLbl name="fgAcc0">
-    <dgm:fillClrLst meth="repeat">
-      <a:schemeClr val="lt2">
-        <a:alpha val="90000"/>
-      </a:schemeClr>
-    </dgm:fillClrLst>
-    <dgm:linClrLst meth="repeat">
-      <a:schemeClr val="dk2"/>
-    </dgm:linClrLst>
-    <dgm:effectClrLst/>
-    <dgm:txLinClrLst/>
-    <dgm:txFillClrLst meth="repeat">
-      <a:schemeClr val="dk1"/>
-    </dgm:txFillClrLst>
-    <dgm:txEffectClrLst/>
-  </dgm:styleLbl>
-  <dgm:styleLbl name="fgAcc2">
-    <dgm:fillClrLst meth="repeat">
-      <a:schemeClr val="lt2">
-        <a:alpha val="90000"/>
-      </a:schemeClr>
-    </dgm:fillClrLst>
-    <dgm:linClrLst meth="repeat">
-      <a:schemeClr val="dk2"/>
-    </dgm:linClrLst>
-    <dgm:effectClrLst/>
-    <dgm:txLinClrLst/>
-    <dgm:txFillClrLst meth="repeat">
-      <a:schemeClr val="dk1"/>
-    </dgm:txFillClrLst>
-    <dgm:txEffectClrLst/>
-  </dgm:styleLbl>
-  <dgm:styleLbl name="fgAcc3">
-    <dgm:fillClrLst meth="repeat">
-      <a:schemeClr val="lt2">
-        <a:alpha val="90000"/>
-      </a:schemeClr>
-    </dgm:fillClrLst>
-    <dgm:linClrLst meth="repeat">
-      <a:schemeClr val="dk2"/>
-    </dgm:linClrLst>
-    <dgm:effectClrLst/>
-    <dgm:txLinClrLst/>
-    <dgm:txFillClrLst meth="repeat">
-      <a:schemeClr val="dk1"/>
-    </dgm:txFillClrLst>
-    <dgm:txEffectClrLst/>
-  </dgm:styleLbl>
-  <dgm:styleLbl name="fgAcc4">
-    <dgm:fillClrLst meth="repeat">
-      <a:schemeClr val="lt2">
-        <a:alpha val="90000"/>
-      </a:schemeClr>
-    </dgm:fillClrLst>
-    <dgm:linClrLst meth="repeat">
-      <a:schemeClr val="dk2"/>
-    </dgm:linClrLst>
-    <dgm:effectClrLst/>
-    <dgm:txLinClrLst/>
-    <dgm:txFillClrLst meth="repeat">
-      <a:schemeClr val="dk1"/>
-    </dgm:txFillClrLst>
-    <dgm:txEffectClrLst/>
-  </dgm:styleLbl>
-  <dgm:styleLbl name="bgShp">
-    <dgm:fillClrLst meth="repeat">
-      <a:schemeClr val="dk2">
-        <a:tint val="40000"/>
-      </a:schemeClr>
-    </dgm:fillClrLst>
-    <dgm:linClrLst meth="repeat">
-      <a:schemeClr val="dk2"/>
-    </dgm:linClrLst>
-    <dgm:effectClrLst/>
-    <dgm:txLinClrLst/>
-    <dgm:txFillClrLst meth="repeat">
-      <a:schemeClr val="dk1"/>
-    </dgm:txFillClrLst>
-    <dgm:txEffectClrLst/>
-  </dgm:styleLbl>
-  <dgm:styleLbl name="dkBgShp">
-    <dgm:fillClrLst meth="repeat">
-      <a:schemeClr val="dk2">
-        <a:shade val="80000"/>
-      </a:schemeClr>
-    </dgm:fillClrLst>
-    <dgm:linClrLst meth="repeat">
-      <a:schemeClr val="dk2"/>
-    </dgm:linClrLst>
-    <dgm:effectClrLst/>
-    <dgm:txLinClrLst/>
-    <dgm:txFillClrLst meth="repeat">
-      <a:schemeClr val="lt1"/>
-    </dgm:txFillClrLst>
-    <dgm:txEffectClrLst/>
-  </dgm:styleLbl>
-  <dgm:styleLbl name="trBgShp">
-    <dgm:fillClrLst meth="repeat">
-      <a:schemeClr val="dk2">
-        <a:tint val="50000"/>
-        <a:alpha val="40000"/>
-      </a:schemeClr>
-    </dgm:fillClrLst>
-    <dgm:linClrLst meth="repeat">
-      <a:schemeClr val="dk2"/>
-    </dgm:linClrLst>
-    <dgm:effectClrLst/>
-    <dgm:txLinClrLst/>
-    <dgm:txFillClrLst meth="repeat">
-      <a:schemeClr val="lt1"/>
-    </dgm:txFillClrLst>
-    <dgm:txEffectClrLst/>
-  </dgm:styleLbl>
-  <dgm:styleLbl name="fgShp">
-    <dgm:fillClrLst meth="repeat">
-      <a:schemeClr val="dk2">
-        <a:tint val="60000"/>
-      </a:schemeClr>
-    </dgm:fillClrLst>
-    <dgm:linClrLst meth="repeat">
-      <a:schemeClr val="lt2"/>
-    </dgm:linClrLst>
-    <dgm:effectClrLst/>
-    <dgm:txLinClrLst/>
-    <dgm:txFillClrLst meth="repeat">
-      <a:schemeClr val="dk1"/>
-    </dgm:txFillClrLst>
-    <dgm:txEffectClrLst/>
-  </dgm:styleLbl>
-  <dgm:styleLbl name="revTx">
-    <dgm:fillClrLst meth="repeat">
-      <a:schemeClr val="lt2">
-        <a:alpha val="0"/>
-      </a:schemeClr>
-    </dgm:fillClrLst>
-    <dgm:linClrLst meth="repeat">
-      <a:schemeClr val="dk1">
-        <a:alpha val="0"/>
-      </a:schemeClr>
-    </dgm:linClrLst>
-    <dgm:effectClrLst/>
-    <dgm:txLinClrLst/>
-    <dgm:txFillClrLst meth="repeat">
-      <a:schemeClr val="tx1"/>
-    </dgm:txFillClrLst>
-    <dgm:txEffectClrLst/>
-  </dgm:styleLbl>
-</dgm:colorsDef>
-</file>
-
 <file path=ppt/diagrams/colors3.xml><?xml version="1.0" encoding="utf-8"?>
 <dgm:colorsDef xmlns:dgm="http://schemas.openxmlformats.org/drawingml/2006/diagram" xmlns:a="http://schemas.openxmlformats.org/drawingml/2006/main" uniqueId="urn:microsoft.com/office/officeart/2005/8/colors/colorful2">
   <dgm:title val=""/>
@@ -2577,6 +2578,385 @@
 </file>
 
 <file path=ppt/diagrams/data1.xml><?xml version="1.0" encoding="utf-8"?>
+<dgm:dataModel xmlns:dgm="http://schemas.openxmlformats.org/drawingml/2006/diagram" xmlns:a="http://schemas.openxmlformats.org/drawingml/2006/main">
+  <dgm:ptLst>
+    <dgm:pt modelId="{24E0129C-5D95-3C47-9B06-04043CA55473}" type="doc">
+      <dgm:prSet loTypeId="urn:microsoft.com/office/officeart/2016/7/layout/RepeatingBendingProcessNew" loCatId="process" qsTypeId="urn:microsoft.com/office/officeart/2005/8/quickstyle/simple1" qsCatId="simple" csTypeId="urn:microsoft.com/office/officeart/2005/8/colors/accent0_3" csCatId="mainScheme"/>
+      <dgm:spPr/>
+      <dgm:t>
+        <a:bodyPr/>
+        <a:lstStyle/>
+        <a:p>
+          <a:endParaRPr lang="en-US"/>
+        </a:p>
+      </dgm:t>
+    </dgm:pt>
+    <dgm:pt modelId="{763B299A-A3A6-C74C-AF8C-5B276FF55B92}">
+      <dgm:prSet/>
+      <dgm:spPr/>
+      <dgm:t>
+        <a:bodyPr/>
+        <a:lstStyle/>
+        <a:p>
+          <a:r>
+            <a:rPr lang="en-US"/>
+            <a:t>Source Code </a:t>
+          </a:r>
+        </a:p>
+      </dgm:t>
+    </dgm:pt>
+    <dgm:pt modelId="{13F4654A-455A-0E41-85F6-63CBA0A33461}" type="parTrans" cxnId="{6872C27D-205A-C94F-85EF-3DAD0CFA0E38}">
+      <dgm:prSet/>
+      <dgm:spPr/>
+      <dgm:t>
+        <a:bodyPr/>
+        <a:lstStyle/>
+        <a:p>
+          <a:endParaRPr lang="en-US"/>
+        </a:p>
+      </dgm:t>
+    </dgm:pt>
+    <dgm:pt modelId="{EA1065AE-525E-244C-952A-B85BD6D72DEB}" type="sibTrans" cxnId="{6872C27D-205A-C94F-85EF-3DAD0CFA0E38}">
+      <dgm:prSet/>
+      <dgm:spPr/>
+      <dgm:t>
+        <a:bodyPr/>
+        <a:lstStyle/>
+        <a:p>
+          <a:endParaRPr lang="en-US"/>
+        </a:p>
+      </dgm:t>
+    </dgm:pt>
+    <dgm:pt modelId="{9E0B73BB-25E6-244C-88D2-C78394E258A0}">
+      <dgm:prSet/>
+      <dgm:spPr/>
+      <dgm:t>
+        <a:bodyPr/>
+        <a:lstStyle/>
+        <a:p>
+          <a:r>
+            <a:rPr lang="en-US"/>
+            <a:t>AST (Macro Expansion) </a:t>
+          </a:r>
+        </a:p>
+      </dgm:t>
+    </dgm:pt>
+    <dgm:pt modelId="{B10C9FC0-E9BD-4144-839B-705700E99C0F}" type="parTrans" cxnId="{34137092-4DAF-5341-94BF-9A26F5C586FD}">
+      <dgm:prSet/>
+      <dgm:spPr/>
+      <dgm:t>
+        <a:bodyPr/>
+        <a:lstStyle/>
+        <a:p>
+          <a:endParaRPr lang="en-US"/>
+        </a:p>
+      </dgm:t>
+    </dgm:pt>
+    <dgm:pt modelId="{D8A76DA0-028A-4347-B367-C963157D82D0}" type="sibTrans" cxnId="{34137092-4DAF-5341-94BF-9A26F5C586FD}">
+      <dgm:prSet/>
+      <dgm:spPr/>
+      <dgm:t>
+        <a:bodyPr/>
+        <a:lstStyle/>
+        <a:p>
+          <a:endParaRPr lang="en-US"/>
+        </a:p>
+      </dgm:t>
+    </dgm:pt>
+    <dgm:pt modelId="{AB00244D-9919-D542-8AA4-999F3F2E3475}">
+      <dgm:prSet/>
+      <dgm:spPr/>
+      <dgm:t>
+        <a:bodyPr/>
+        <a:lstStyle/>
+        <a:p>
+          <a:r>
+            <a:rPr lang="en-US"/>
+            <a:t>IR </a:t>
+          </a:r>
+        </a:p>
+      </dgm:t>
+    </dgm:pt>
+    <dgm:pt modelId="{EF962EC7-8BC5-A942-AFBB-7CD76626A40C}" type="parTrans" cxnId="{FAA2D410-C836-2348-ADA3-ACD259035B67}">
+      <dgm:prSet/>
+      <dgm:spPr/>
+      <dgm:t>
+        <a:bodyPr/>
+        <a:lstStyle/>
+        <a:p>
+          <a:endParaRPr lang="en-US"/>
+        </a:p>
+      </dgm:t>
+    </dgm:pt>
+    <dgm:pt modelId="{62047629-E52A-284B-83D2-588FF7B8B97A}" type="sibTrans" cxnId="{FAA2D410-C836-2348-ADA3-ACD259035B67}">
+      <dgm:prSet/>
+      <dgm:spPr/>
+      <dgm:t>
+        <a:bodyPr/>
+        <a:lstStyle/>
+        <a:p>
+          <a:endParaRPr lang="en-US"/>
+        </a:p>
+      </dgm:t>
+    </dgm:pt>
+    <dgm:pt modelId="{29B1AAED-82D7-6448-80D5-6957BC9BEB51}">
+      <dgm:prSet/>
+      <dgm:spPr/>
+      <dgm:t>
+        <a:bodyPr/>
+        <a:lstStyle/>
+        <a:p>
+          <a:r>
+            <a:rPr lang="en-US"/>
+            <a:t>(SSA) IR </a:t>
+          </a:r>
+        </a:p>
+      </dgm:t>
+    </dgm:pt>
+    <dgm:pt modelId="{83D52DB2-16DC-4841-B7E8-14D05A53C895}" type="parTrans" cxnId="{3C987F8A-3C96-8E46-89C8-021BDE36B56E}">
+      <dgm:prSet/>
+      <dgm:spPr/>
+      <dgm:t>
+        <a:bodyPr/>
+        <a:lstStyle/>
+        <a:p>
+          <a:endParaRPr lang="en-US"/>
+        </a:p>
+      </dgm:t>
+    </dgm:pt>
+    <dgm:pt modelId="{A65E0BA2-400F-2246-A397-44DE666D2D3A}" type="sibTrans" cxnId="{3C987F8A-3C96-8E46-89C8-021BDE36B56E}">
+      <dgm:prSet/>
+      <dgm:spPr/>
+      <dgm:t>
+        <a:bodyPr/>
+        <a:lstStyle/>
+        <a:p>
+          <a:endParaRPr lang="en-US"/>
+        </a:p>
+      </dgm:t>
+    </dgm:pt>
+    <dgm:pt modelId="{BF56499D-67D8-9245-8F21-5369813FC338}">
+      <dgm:prSet/>
+      <dgm:spPr/>
+      <dgm:t>
+        <a:bodyPr/>
+        <a:lstStyle/>
+        <a:p>
+          <a:r>
+            <a:rPr lang="en-US"/>
+            <a:t>LLVM IR </a:t>
+          </a:r>
+        </a:p>
+      </dgm:t>
+    </dgm:pt>
+    <dgm:pt modelId="{830F276B-D9D6-7C44-9266-7F95A33DF122}" type="parTrans" cxnId="{B21E2A74-399E-1B42-AC50-352623C53375}">
+      <dgm:prSet/>
+      <dgm:spPr/>
+      <dgm:t>
+        <a:bodyPr/>
+        <a:lstStyle/>
+        <a:p>
+          <a:endParaRPr lang="en-US"/>
+        </a:p>
+      </dgm:t>
+    </dgm:pt>
+    <dgm:pt modelId="{805BC26B-79AE-C54B-A389-ADD6762194EB}" type="sibTrans" cxnId="{B21E2A74-399E-1B42-AC50-352623C53375}">
+      <dgm:prSet/>
+      <dgm:spPr/>
+      <dgm:t>
+        <a:bodyPr/>
+        <a:lstStyle/>
+        <a:p>
+          <a:endParaRPr lang="en-US"/>
+        </a:p>
+      </dgm:t>
+    </dgm:pt>
+    <dgm:pt modelId="{C03BADCA-9FD8-8C4F-804F-4DA3C9FF831C}">
+      <dgm:prSet/>
+      <dgm:spPr/>
+      <dgm:t>
+        <a:bodyPr/>
+        <a:lstStyle/>
+        <a:p>
+          <a:r>
+            <a:rPr lang="en-US"/>
+            <a:t>Native code </a:t>
+          </a:r>
+        </a:p>
+      </dgm:t>
+    </dgm:pt>
+    <dgm:pt modelId="{9C4A3FD5-F1B8-704B-BB4D-674827F98DA7}" type="parTrans" cxnId="{3E8F648F-8765-3E4D-835E-161BD1F58846}">
+      <dgm:prSet/>
+      <dgm:spPr/>
+      <dgm:t>
+        <a:bodyPr/>
+        <a:lstStyle/>
+        <a:p>
+          <a:endParaRPr lang="en-US"/>
+        </a:p>
+      </dgm:t>
+    </dgm:pt>
+    <dgm:pt modelId="{8F1AD1F0-B5F0-0646-8549-8CABBC31C689}" type="sibTrans" cxnId="{3E8F648F-8765-3E4D-835E-161BD1F58846}">
+      <dgm:prSet/>
+      <dgm:spPr/>
+      <dgm:t>
+        <a:bodyPr/>
+        <a:lstStyle/>
+        <a:p>
+          <a:endParaRPr lang="en-US"/>
+        </a:p>
+      </dgm:t>
+    </dgm:pt>
+    <dgm:pt modelId="{A9842184-3B57-3F40-9574-58774314FAAA}" type="pres">
+      <dgm:prSet presAssocID="{24E0129C-5D95-3C47-9B06-04043CA55473}" presName="Name0" presStyleCnt="0">
+        <dgm:presLayoutVars>
+          <dgm:dir/>
+          <dgm:resizeHandles val="exact"/>
+        </dgm:presLayoutVars>
+      </dgm:prSet>
+      <dgm:spPr/>
+    </dgm:pt>
+    <dgm:pt modelId="{F2BA00D6-6FEF-7B4D-8726-4914B8C25F8C}" type="pres">
+      <dgm:prSet presAssocID="{763B299A-A3A6-C74C-AF8C-5B276FF55B92}" presName="node" presStyleLbl="node1" presStyleIdx="0" presStyleCnt="6">
+        <dgm:presLayoutVars>
+          <dgm:bulletEnabled val="1"/>
+        </dgm:presLayoutVars>
+      </dgm:prSet>
+      <dgm:spPr/>
+    </dgm:pt>
+    <dgm:pt modelId="{789B7193-0E59-3B47-86C6-E46AE56ADB7D}" type="pres">
+      <dgm:prSet presAssocID="{EA1065AE-525E-244C-952A-B85BD6D72DEB}" presName="sibTrans" presStyleLbl="sibTrans1D1" presStyleIdx="0" presStyleCnt="5"/>
+      <dgm:spPr/>
+    </dgm:pt>
+    <dgm:pt modelId="{5947CF7D-184A-8047-85A4-5FBAFB0A4803}" type="pres">
+      <dgm:prSet presAssocID="{EA1065AE-525E-244C-952A-B85BD6D72DEB}" presName="connectorText" presStyleLbl="sibTrans1D1" presStyleIdx="0" presStyleCnt="5"/>
+      <dgm:spPr/>
+    </dgm:pt>
+    <dgm:pt modelId="{731C0595-CC30-5E40-9ED6-2C24E200E2A9}" type="pres">
+      <dgm:prSet presAssocID="{9E0B73BB-25E6-244C-88D2-C78394E258A0}" presName="node" presStyleLbl="node1" presStyleIdx="1" presStyleCnt="6">
+        <dgm:presLayoutVars>
+          <dgm:bulletEnabled val="1"/>
+        </dgm:presLayoutVars>
+      </dgm:prSet>
+      <dgm:spPr/>
+    </dgm:pt>
+    <dgm:pt modelId="{91928AE0-5695-A645-B797-1F99B5BCB375}" type="pres">
+      <dgm:prSet presAssocID="{D8A76DA0-028A-4347-B367-C963157D82D0}" presName="sibTrans" presStyleLbl="sibTrans1D1" presStyleIdx="1" presStyleCnt="5"/>
+      <dgm:spPr/>
+    </dgm:pt>
+    <dgm:pt modelId="{CE8E6D10-26EC-7B4B-BE07-0AEBE15A1A78}" type="pres">
+      <dgm:prSet presAssocID="{D8A76DA0-028A-4347-B367-C963157D82D0}" presName="connectorText" presStyleLbl="sibTrans1D1" presStyleIdx="1" presStyleCnt="5"/>
+      <dgm:spPr/>
+    </dgm:pt>
+    <dgm:pt modelId="{3C001CB2-ED33-074F-BBB6-915B5FCB69A0}" type="pres">
+      <dgm:prSet presAssocID="{AB00244D-9919-D542-8AA4-999F3F2E3475}" presName="node" presStyleLbl="node1" presStyleIdx="2" presStyleCnt="6">
+        <dgm:presLayoutVars>
+          <dgm:bulletEnabled val="1"/>
+        </dgm:presLayoutVars>
+      </dgm:prSet>
+      <dgm:spPr/>
+    </dgm:pt>
+    <dgm:pt modelId="{81A64EFC-3CBE-C844-BF59-98CF511806C6}" type="pres">
+      <dgm:prSet presAssocID="{62047629-E52A-284B-83D2-588FF7B8B97A}" presName="sibTrans" presStyleLbl="sibTrans1D1" presStyleIdx="2" presStyleCnt="5"/>
+      <dgm:spPr/>
+    </dgm:pt>
+    <dgm:pt modelId="{C8C99527-29E6-DF43-A162-B4E53A17A8BE}" type="pres">
+      <dgm:prSet presAssocID="{62047629-E52A-284B-83D2-588FF7B8B97A}" presName="connectorText" presStyleLbl="sibTrans1D1" presStyleIdx="2" presStyleCnt="5"/>
+      <dgm:spPr/>
+    </dgm:pt>
+    <dgm:pt modelId="{396D08B0-2B1B-DA4D-8422-2BC14DAF0B6C}" type="pres">
+      <dgm:prSet presAssocID="{29B1AAED-82D7-6448-80D5-6957BC9BEB51}" presName="node" presStyleLbl="node1" presStyleIdx="3" presStyleCnt="6">
+        <dgm:presLayoutVars>
+          <dgm:bulletEnabled val="1"/>
+        </dgm:presLayoutVars>
+      </dgm:prSet>
+      <dgm:spPr/>
+    </dgm:pt>
+    <dgm:pt modelId="{63152D2C-8FF2-0D42-B4D7-185E3E7F0AC2}" type="pres">
+      <dgm:prSet presAssocID="{A65E0BA2-400F-2246-A397-44DE666D2D3A}" presName="sibTrans" presStyleLbl="sibTrans1D1" presStyleIdx="3" presStyleCnt="5"/>
+      <dgm:spPr/>
+    </dgm:pt>
+    <dgm:pt modelId="{30469CA7-E6B8-3A45-8494-FB906ACE40D5}" type="pres">
+      <dgm:prSet presAssocID="{A65E0BA2-400F-2246-A397-44DE666D2D3A}" presName="connectorText" presStyleLbl="sibTrans1D1" presStyleIdx="3" presStyleCnt="5"/>
+      <dgm:spPr/>
+    </dgm:pt>
+    <dgm:pt modelId="{5EEE3EE2-B98E-7E45-99C2-732E9361EDDE}" type="pres">
+      <dgm:prSet presAssocID="{BF56499D-67D8-9245-8F21-5369813FC338}" presName="node" presStyleLbl="node1" presStyleIdx="4" presStyleCnt="6">
+        <dgm:presLayoutVars>
+          <dgm:bulletEnabled val="1"/>
+        </dgm:presLayoutVars>
+      </dgm:prSet>
+      <dgm:spPr/>
+    </dgm:pt>
+    <dgm:pt modelId="{68E63C77-68DE-254F-B45A-682CA93DA124}" type="pres">
+      <dgm:prSet presAssocID="{805BC26B-79AE-C54B-A389-ADD6762194EB}" presName="sibTrans" presStyleLbl="sibTrans1D1" presStyleIdx="4" presStyleCnt="5"/>
+      <dgm:spPr/>
+    </dgm:pt>
+    <dgm:pt modelId="{2427FBF3-8696-284D-9B34-2AF2DBDFAD92}" type="pres">
+      <dgm:prSet presAssocID="{805BC26B-79AE-C54B-A389-ADD6762194EB}" presName="connectorText" presStyleLbl="sibTrans1D1" presStyleIdx="4" presStyleCnt="5"/>
+      <dgm:spPr/>
+    </dgm:pt>
+    <dgm:pt modelId="{7D06A5B2-6EF9-4947-A9A1-FB1630F94575}" type="pres">
+      <dgm:prSet presAssocID="{C03BADCA-9FD8-8C4F-804F-4DA3C9FF831C}" presName="node" presStyleLbl="node1" presStyleIdx="5" presStyleCnt="6">
+        <dgm:presLayoutVars>
+          <dgm:bulletEnabled val="1"/>
+        </dgm:presLayoutVars>
+      </dgm:prSet>
+      <dgm:spPr/>
+    </dgm:pt>
+  </dgm:ptLst>
+  <dgm:cxnLst>
+    <dgm:cxn modelId="{0352B90B-4EB2-4344-88DB-9E4434309014}" type="presOf" srcId="{29B1AAED-82D7-6448-80D5-6957BC9BEB51}" destId="{396D08B0-2B1B-DA4D-8422-2BC14DAF0B6C}" srcOrd="0" destOrd="0" presId="urn:microsoft.com/office/officeart/2016/7/layout/RepeatingBendingProcessNew"/>
+    <dgm:cxn modelId="{FAA2D410-C836-2348-ADA3-ACD259035B67}" srcId="{24E0129C-5D95-3C47-9B06-04043CA55473}" destId="{AB00244D-9919-D542-8AA4-999F3F2E3475}" srcOrd="2" destOrd="0" parTransId="{EF962EC7-8BC5-A942-AFBB-7CD76626A40C}" sibTransId="{62047629-E52A-284B-83D2-588FF7B8B97A}"/>
+    <dgm:cxn modelId="{5A7A4117-A76B-B34A-8DB6-A57DA47E9CE5}" type="presOf" srcId="{62047629-E52A-284B-83D2-588FF7B8B97A}" destId="{81A64EFC-3CBE-C844-BF59-98CF511806C6}" srcOrd="0" destOrd="0" presId="urn:microsoft.com/office/officeart/2016/7/layout/RepeatingBendingProcessNew"/>
+    <dgm:cxn modelId="{ACE5E352-9C78-4043-A545-1E10E9514CC2}" type="presOf" srcId="{BF56499D-67D8-9245-8F21-5369813FC338}" destId="{5EEE3EE2-B98E-7E45-99C2-732E9361EDDE}" srcOrd="0" destOrd="0" presId="urn:microsoft.com/office/officeart/2016/7/layout/RepeatingBendingProcessNew"/>
+    <dgm:cxn modelId="{EBAFE160-B6EC-5F46-8F73-A385EEAA1FAA}" type="presOf" srcId="{A65E0BA2-400F-2246-A397-44DE666D2D3A}" destId="{30469CA7-E6B8-3A45-8494-FB906ACE40D5}" srcOrd="1" destOrd="0" presId="urn:microsoft.com/office/officeart/2016/7/layout/RepeatingBendingProcessNew"/>
+    <dgm:cxn modelId="{4D037566-F5C4-F349-9829-DA315F6C0FF1}" type="presOf" srcId="{EA1065AE-525E-244C-952A-B85BD6D72DEB}" destId="{5947CF7D-184A-8047-85A4-5FBAFB0A4803}" srcOrd="1" destOrd="0" presId="urn:microsoft.com/office/officeart/2016/7/layout/RepeatingBendingProcessNew"/>
+    <dgm:cxn modelId="{B21E2A74-399E-1B42-AC50-352623C53375}" srcId="{24E0129C-5D95-3C47-9B06-04043CA55473}" destId="{BF56499D-67D8-9245-8F21-5369813FC338}" srcOrd="4" destOrd="0" parTransId="{830F276B-D9D6-7C44-9266-7F95A33DF122}" sibTransId="{805BC26B-79AE-C54B-A389-ADD6762194EB}"/>
+    <dgm:cxn modelId="{B8035879-96C6-114A-AEF4-F2694F022928}" type="presOf" srcId="{805BC26B-79AE-C54B-A389-ADD6762194EB}" destId="{2427FBF3-8696-284D-9B34-2AF2DBDFAD92}" srcOrd="1" destOrd="0" presId="urn:microsoft.com/office/officeart/2016/7/layout/RepeatingBendingProcessNew"/>
+    <dgm:cxn modelId="{3680B27B-E61F-0644-9905-2A6E0A989D6C}" type="presOf" srcId="{D8A76DA0-028A-4347-B367-C963157D82D0}" destId="{91928AE0-5695-A645-B797-1F99B5BCB375}" srcOrd="0" destOrd="0" presId="urn:microsoft.com/office/officeart/2016/7/layout/RepeatingBendingProcessNew"/>
+    <dgm:cxn modelId="{846F277D-63CC-224E-8714-7A7ACAEF8358}" type="presOf" srcId="{24E0129C-5D95-3C47-9B06-04043CA55473}" destId="{A9842184-3B57-3F40-9574-58774314FAAA}" srcOrd="0" destOrd="0" presId="urn:microsoft.com/office/officeart/2016/7/layout/RepeatingBendingProcessNew"/>
+    <dgm:cxn modelId="{6872C27D-205A-C94F-85EF-3DAD0CFA0E38}" srcId="{24E0129C-5D95-3C47-9B06-04043CA55473}" destId="{763B299A-A3A6-C74C-AF8C-5B276FF55B92}" srcOrd="0" destOrd="0" parTransId="{13F4654A-455A-0E41-85F6-63CBA0A33461}" sibTransId="{EA1065AE-525E-244C-952A-B85BD6D72DEB}"/>
+    <dgm:cxn modelId="{3C987F8A-3C96-8E46-89C8-021BDE36B56E}" srcId="{24E0129C-5D95-3C47-9B06-04043CA55473}" destId="{29B1AAED-82D7-6448-80D5-6957BC9BEB51}" srcOrd="3" destOrd="0" parTransId="{83D52DB2-16DC-4841-B7E8-14D05A53C895}" sibTransId="{A65E0BA2-400F-2246-A397-44DE666D2D3A}"/>
+    <dgm:cxn modelId="{3E8F648F-8765-3E4D-835E-161BD1F58846}" srcId="{24E0129C-5D95-3C47-9B06-04043CA55473}" destId="{C03BADCA-9FD8-8C4F-804F-4DA3C9FF831C}" srcOrd="5" destOrd="0" parTransId="{9C4A3FD5-F1B8-704B-BB4D-674827F98DA7}" sibTransId="{8F1AD1F0-B5F0-0646-8549-8CABBC31C689}"/>
+    <dgm:cxn modelId="{34137092-4DAF-5341-94BF-9A26F5C586FD}" srcId="{24E0129C-5D95-3C47-9B06-04043CA55473}" destId="{9E0B73BB-25E6-244C-88D2-C78394E258A0}" srcOrd="1" destOrd="0" parTransId="{B10C9FC0-E9BD-4144-839B-705700E99C0F}" sibTransId="{D8A76DA0-028A-4347-B367-C963157D82D0}"/>
+    <dgm:cxn modelId="{FB8E7793-1C92-984E-9312-584A41BA5327}" type="presOf" srcId="{805BC26B-79AE-C54B-A389-ADD6762194EB}" destId="{68E63C77-68DE-254F-B45A-682CA93DA124}" srcOrd="0" destOrd="0" presId="urn:microsoft.com/office/officeart/2016/7/layout/RepeatingBendingProcessNew"/>
+    <dgm:cxn modelId="{53154A98-3C5E-0445-81F9-FEDFF06A55AF}" type="presOf" srcId="{62047629-E52A-284B-83D2-588FF7B8B97A}" destId="{C8C99527-29E6-DF43-A162-B4E53A17A8BE}" srcOrd="1" destOrd="0" presId="urn:microsoft.com/office/officeart/2016/7/layout/RepeatingBendingProcessNew"/>
+    <dgm:cxn modelId="{C54FBC9D-9D47-0D42-A293-45EB37FF6564}" type="presOf" srcId="{D8A76DA0-028A-4347-B367-C963157D82D0}" destId="{CE8E6D10-26EC-7B4B-BE07-0AEBE15A1A78}" srcOrd="1" destOrd="0" presId="urn:microsoft.com/office/officeart/2016/7/layout/RepeatingBendingProcessNew"/>
+    <dgm:cxn modelId="{121F63A8-7315-714B-A601-8DBB2A0653BE}" type="presOf" srcId="{9E0B73BB-25E6-244C-88D2-C78394E258A0}" destId="{731C0595-CC30-5E40-9ED6-2C24E200E2A9}" srcOrd="0" destOrd="0" presId="urn:microsoft.com/office/officeart/2016/7/layout/RepeatingBendingProcessNew"/>
+    <dgm:cxn modelId="{5DB699AC-D2C8-E44C-B7FB-7E0B1C4C0D4E}" type="presOf" srcId="{A65E0BA2-400F-2246-A397-44DE666D2D3A}" destId="{63152D2C-8FF2-0D42-B4D7-185E3E7F0AC2}" srcOrd="0" destOrd="0" presId="urn:microsoft.com/office/officeart/2016/7/layout/RepeatingBendingProcessNew"/>
+    <dgm:cxn modelId="{04D63CBB-8F0F-374A-B25A-C51178184BF4}" type="presOf" srcId="{763B299A-A3A6-C74C-AF8C-5B276FF55B92}" destId="{F2BA00D6-6FEF-7B4D-8726-4914B8C25F8C}" srcOrd="0" destOrd="0" presId="urn:microsoft.com/office/officeart/2016/7/layout/RepeatingBendingProcessNew"/>
+    <dgm:cxn modelId="{4D80C1CE-C1EF-DA42-9D2C-1DA5CEC1D0DB}" type="presOf" srcId="{C03BADCA-9FD8-8C4F-804F-4DA3C9FF831C}" destId="{7D06A5B2-6EF9-4947-A9A1-FB1630F94575}" srcOrd="0" destOrd="0" presId="urn:microsoft.com/office/officeart/2016/7/layout/RepeatingBendingProcessNew"/>
+    <dgm:cxn modelId="{1B1691FC-736E-4544-9E56-D29710874CEF}" type="presOf" srcId="{EA1065AE-525E-244C-952A-B85BD6D72DEB}" destId="{789B7193-0E59-3B47-86C6-E46AE56ADB7D}" srcOrd="0" destOrd="0" presId="urn:microsoft.com/office/officeart/2016/7/layout/RepeatingBendingProcessNew"/>
+    <dgm:cxn modelId="{92AAA5FE-6A7F-0D46-92D2-DDC1E66DD851}" type="presOf" srcId="{AB00244D-9919-D542-8AA4-999F3F2E3475}" destId="{3C001CB2-ED33-074F-BBB6-915B5FCB69A0}" srcOrd="0" destOrd="0" presId="urn:microsoft.com/office/officeart/2016/7/layout/RepeatingBendingProcessNew"/>
+    <dgm:cxn modelId="{E35B08AA-94AF-4944-8A4B-4791A594D66A}" type="presParOf" srcId="{A9842184-3B57-3F40-9574-58774314FAAA}" destId="{F2BA00D6-6FEF-7B4D-8726-4914B8C25F8C}" srcOrd="0" destOrd="0" presId="urn:microsoft.com/office/officeart/2016/7/layout/RepeatingBendingProcessNew"/>
+    <dgm:cxn modelId="{F78EB7CF-FE1D-CB4D-92BD-1E839234337A}" type="presParOf" srcId="{A9842184-3B57-3F40-9574-58774314FAAA}" destId="{789B7193-0E59-3B47-86C6-E46AE56ADB7D}" srcOrd="1" destOrd="0" presId="urn:microsoft.com/office/officeart/2016/7/layout/RepeatingBendingProcessNew"/>
+    <dgm:cxn modelId="{B646480F-2BDE-8F41-9F38-27D7219C72D7}" type="presParOf" srcId="{789B7193-0E59-3B47-86C6-E46AE56ADB7D}" destId="{5947CF7D-184A-8047-85A4-5FBAFB0A4803}" srcOrd="0" destOrd="0" presId="urn:microsoft.com/office/officeart/2016/7/layout/RepeatingBendingProcessNew"/>
+    <dgm:cxn modelId="{3F5793EA-E0AF-D741-A611-B98ABCCAEC67}" type="presParOf" srcId="{A9842184-3B57-3F40-9574-58774314FAAA}" destId="{731C0595-CC30-5E40-9ED6-2C24E200E2A9}" srcOrd="2" destOrd="0" presId="urn:microsoft.com/office/officeart/2016/7/layout/RepeatingBendingProcessNew"/>
+    <dgm:cxn modelId="{656DAA0A-02D7-AE42-BA8B-7F841AA654E6}" type="presParOf" srcId="{A9842184-3B57-3F40-9574-58774314FAAA}" destId="{91928AE0-5695-A645-B797-1F99B5BCB375}" srcOrd="3" destOrd="0" presId="urn:microsoft.com/office/officeart/2016/7/layout/RepeatingBendingProcessNew"/>
+    <dgm:cxn modelId="{E08DA577-31BA-1841-8944-65A50DACA770}" type="presParOf" srcId="{91928AE0-5695-A645-B797-1F99B5BCB375}" destId="{CE8E6D10-26EC-7B4B-BE07-0AEBE15A1A78}" srcOrd="0" destOrd="0" presId="urn:microsoft.com/office/officeart/2016/7/layout/RepeatingBendingProcessNew"/>
+    <dgm:cxn modelId="{A4EC982D-5C02-8446-B9BF-51D63FB437A3}" type="presParOf" srcId="{A9842184-3B57-3F40-9574-58774314FAAA}" destId="{3C001CB2-ED33-074F-BBB6-915B5FCB69A0}" srcOrd="4" destOrd="0" presId="urn:microsoft.com/office/officeart/2016/7/layout/RepeatingBendingProcessNew"/>
+    <dgm:cxn modelId="{5EC7A8EA-2100-9445-A436-172C9093E62D}" type="presParOf" srcId="{A9842184-3B57-3F40-9574-58774314FAAA}" destId="{81A64EFC-3CBE-C844-BF59-98CF511806C6}" srcOrd="5" destOrd="0" presId="urn:microsoft.com/office/officeart/2016/7/layout/RepeatingBendingProcessNew"/>
+    <dgm:cxn modelId="{7C4DF951-9B0D-4D46-AB15-F353AFA43CA6}" type="presParOf" srcId="{81A64EFC-3CBE-C844-BF59-98CF511806C6}" destId="{C8C99527-29E6-DF43-A162-B4E53A17A8BE}" srcOrd="0" destOrd="0" presId="urn:microsoft.com/office/officeart/2016/7/layout/RepeatingBendingProcessNew"/>
+    <dgm:cxn modelId="{2C710DB0-81DD-924A-95D7-09AFD39F86A2}" type="presParOf" srcId="{A9842184-3B57-3F40-9574-58774314FAAA}" destId="{396D08B0-2B1B-DA4D-8422-2BC14DAF0B6C}" srcOrd="6" destOrd="0" presId="urn:microsoft.com/office/officeart/2016/7/layout/RepeatingBendingProcessNew"/>
+    <dgm:cxn modelId="{281A7A29-BEB6-594F-A271-7F363E4F2919}" type="presParOf" srcId="{A9842184-3B57-3F40-9574-58774314FAAA}" destId="{63152D2C-8FF2-0D42-B4D7-185E3E7F0AC2}" srcOrd="7" destOrd="0" presId="urn:microsoft.com/office/officeart/2016/7/layout/RepeatingBendingProcessNew"/>
+    <dgm:cxn modelId="{84955DFD-7A6F-3341-BBE4-76F1F7B652E9}" type="presParOf" srcId="{63152D2C-8FF2-0D42-B4D7-185E3E7F0AC2}" destId="{30469CA7-E6B8-3A45-8494-FB906ACE40D5}" srcOrd="0" destOrd="0" presId="urn:microsoft.com/office/officeart/2016/7/layout/RepeatingBendingProcessNew"/>
+    <dgm:cxn modelId="{F08255A2-D57D-F443-8D13-E8E522208888}" type="presParOf" srcId="{A9842184-3B57-3F40-9574-58774314FAAA}" destId="{5EEE3EE2-B98E-7E45-99C2-732E9361EDDE}" srcOrd="8" destOrd="0" presId="urn:microsoft.com/office/officeart/2016/7/layout/RepeatingBendingProcessNew"/>
+    <dgm:cxn modelId="{6242D796-C4A0-3347-B956-7E5A68239DA8}" type="presParOf" srcId="{A9842184-3B57-3F40-9574-58774314FAAA}" destId="{68E63C77-68DE-254F-B45A-682CA93DA124}" srcOrd="9" destOrd="0" presId="urn:microsoft.com/office/officeart/2016/7/layout/RepeatingBendingProcessNew"/>
+    <dgm:cxn modelId="{3AA28C3D-88F4-654F-BC91-17A2A6C00BF5}" type="presParOf" srcId="{68E63C77-68DE-254F-B45A-682CA93DA124}" destId="{2427FBF3-8696-284D-9B34-2AF2DBDFAD92}" srcOrd="0" destOrd="0" presId="urn:microsoft.com/office/officeart/2016/7/layout/RepeatingBendingProcessNew"/>
+    <dgm:cxn modelId="{4FBB35BD-1F4A-CC43-8C3F-141AB999695A}" type="presParOf" srcId="{A9842184-3B57-3F40-9574-58774314FAAA}" destId="{7D06A5B2-6EF9-4947-A9A1-FB1630F94575}" srcOrd="10" destOrd="0" presId="urn:microsoft.com/office/officeart/2016/7/layout/RepeatingBendingProcessNew"/>
+  </dgm:cxnLst>
+  <dgm:bg/>
+  <dgm:whole/>
+  <dgm:extLst>
+    <a:ext uri="http://schemas.microsoft.com/office/drawing/2008/diagram">
+      <dsp:dataModelExt xmlns:dsp="http://schemas.microsoft.com/office/drawing/2008/diagram" relId="rId6" minVer="http://schemas.openxmlformats.org/drawingml/2006/diagram"/>
+    </a:ext>
+  </dgm:extLst>
+</dgm:dataModel>
+</file>
+
+<file path=ppt/diagrams/data2.xml><?xml version="1.0" encoding="utf-8"?>
 <dgm:dataModel xmlns:dgm="http://schemas.openxmlformats.org/drawingml/2006/diagram" xmlns:a="http://schemas.openxmlformats.org/drawingml/2006/main">
   <dgm:ptLst>
     <dgm:pt modelId="{2C0ADE8A-F533-48EB-9199-19A2326B2101}" type="doc">
@@ -3020,385 +3400,6 @@
     <dgm:cxn modelId="{EDF24991-482D-4646-8736-99B2C80A86DC}" type="presParOf" srcId="{8C2EF732-08D7-4DFF-8A0E-9A415A5BCB73}" destId="{478533BB-60F0-452D-A162-CC7735209C16}" srcOrd="1" destOrd="0" presId="urn:microsoft.com/office/officeart/2018/2/layout/IconVerticalSolidList"/>
     <dgm:cxn modelId="{B2526748-544F-3641-A178-AAB9387A2AA7}" type="presParOf" srcId="{8C2EF732-08D7-4DFF-8A0E-9A415A5BCB73}" destId="{ED60224A-BD84-4FF9-AA22-57164A7D8E4D}" srcOrd="2" destOrd="0" presId="urn:microsoft.com/office/officeart/2018/2/layout/IconVerticalSolidList"/>
     <dgm:cxn modelId="{ACA7EB1A-F868-4C4E-9E66-5E37EE5DCB1B}" type="presParOf" srcId="{8C2EF732-08D7-4DFF-8A0E-9A415A5BCB73}" destId="{BB2ACA50-68DF-4444-BE19-B8EB3335B515}" srcOrd="3" destOrd="0" presId="urn:microsoft.com/office/officeart/2018/2/layout/IconVerticalSolidList"/>
-  </dgm:cxnLst>
-  <dgm:bg/>
-  <dgm:whole/>
-  <dgm:extLst>
-    <a:ext uri="http://schemas.microsoft.com/office/drawing/2008/diagram">
-      <dsp:dataModelExt xmlns:dsp="http://schemas.microsoft.com/office/drawing/2008/diagram" relId="rId6" minVer="http://schemas.openxmlformats.org/drawingml/2006/diagram"/>
-    </a:ext>
-  </dgm:extLst>
-</dgm:dataModel>
-</file>
-
-<file path=ppt/diagrams/data2.xml><?xml version="1.0" encoding="utf-8"?>
-<dgm:dataModel xmlns:dgm="http://schemas.openxmlformats.org/drawingml/2006/diagram" xmlns:a="http://schemas.openxmlformats.org/drawingml/2006/main">
-  <dgm:ptLst>
-    <dgm:pt modelId="{24E0129C-5D95-3C47-9B06-04043CA55473}" type="doc">
-      <dgm:prSet loTypeId="urn:microsoft.com/office/officeart/2016/7/layout/RepeatingBendingProcessNew" loCatId="process" qsTypeId="urn:microsoft.com/office/officeart/2005/8/quickstyle/simple1" qsCatId="simple" csTypeId="urn:microsoft.com/office/officeart/2005/8/colors/accent0_3" csCatId="mainScheme"/>
-      <dgm:spPr/>
-      <dgm:t>
-        <a:bodyPr/>
-        <a:lstStyle/>
-        <a:p>
-          <a:endParaRPr lang="en-US"/>
-        </a:p>
-      </dgm:t>
-    </dgm:pt>
-    <dgm:pt modelId="{763B299A-A3A6-C74C-AF8C-5B276FF55B92}">
-      <dgm:prSet/>
-      <dgm:spPr/>
-      <dgm:t>
-        <a:bodyPr/>
-        <a:lstStyle/>
-        <a:p>
-          <a:r>
-            <a:rPr lang="en-US"/>
-            <a:t>Source Code </a:t>
-          </a:r>
-        </a:p>
-      </dgm:t>
-    </dgm:pt>
-    <dgm:pt modelId="{13F4654A-455A-0E41-85F6-63CBA0A33461}" type="parTrans" cxnId="{6872C27D-205A-C94F-85EF-3DAD0CFA0E38}">
-      <dgm:prSet/>
-      <dgm:spPr/>
-      <dgm:t>
-        <a:bodyPr/>
-        <a:lstStyle/>
-        <a:p>
-          <a:endParaRPr lang="en-US"/>
-        </a:p>
-      </dgm:t>
-    </dgm:pt>
-    <dgm:pt modelId="{EA1065AE-525E-244C-952A-B85BD6D72DEB}" type="sibTrans" cxnId="{6872C27D-205A-C94F-85EF-3DAD0CFA0E38}">
-      <dgm:prSet/>
-      <dgm:spPr/>
-      <dgm:t>
-        <a:bodyPr/>
-        <a:lstStyle/>
-        <a:p>
-          <a:endParaRPr lang="en-US"/>
-        </a:p>
-      </dgm:t>
-    </dgm:pt>
-    <dgm:pt modelId="{9E0B73BB-25E6-244C-88D2-C78394E258A0}">
-      <dgm:prSet/>
-      <dgm:spPr/>
-      <dgm:t>
-        <a:bodyPr/>
-        <a:lstStyle/>
-        <a:p>
-          <a:r>
-            <a:rPr lang="en-US"/>
-            <a:t>AST (Macro Expansion) </a:t>
-          </a:r>
-        </a:p>
-      </dgm:t>
-    </dgm:pt>
-    <dgm:pt modelId="{B10C9FC0-E9BD-4144-839B-705700E99C0F}" type="parTrans" cxnId="{34137092-4DAF-5341-94BF-9A26F5C586FD}">
-      <dgm:prSet/>
-      <dgm:spPr/>
-      <dgm:t>
-        <a:bodyPr/>
-        <a:lstStyle/>
-        <a:p>
-          <a:endParaRPr lang="en-US"/>
-        </a:p>
-      </dgm:t>
-    </dgm:pt>
-    <dgm:pt modelId="{D8A76DA0-028A-4347-B367-C963157D82D0}" type="sibTrans" cxnId="{34137092-4DAF-5341-94BF-9A26F5C586FD}">
-      <dgm:prSet/>
-      <dgm:spPr/>
-      <dgm:t>
-        <a:bodyPr/>
-        <a:lstStyle/>
-        <a:p>
-          <a:endParaRPr lang="en-US"/>
-        </a:p>
-      </dgm:t>
-    </dgm:pt>
-    <dgm:pt modelId="{AB00244D-9919-D542-8AA4-999F3F2E3475}">
-      <dgm:prSet/>
-      <dgm:spPr/>
-      <dgm:t>
-        <a:bodyPr/>
-        <a:lstStyle/>
-        <a:p>
-          <a:r>
-            <a:rPr lang="en-US"/>
-            <a:t>IR </a:t>
-          </a:r>
-        </a:p>
-      </dgm:t>
-    </dgm:pt>
-    <dgm:pt modelId="{EF962EC7-8BC5-A942-AFBB-7CD76626A40C}" type="parTrans" cxnId="{FAA2D410-C836-2348-ADA3-ACD259035B67}">
-      <dgm:prSet/>
-      <dgm:spPr/>
-      <dgm:t>
-        <a:bodyPr/>
-        <a:lstStyle/>
-        <a:p>
-          <a:endParaRPr lang="en-US"/>
-        </a:p>
-      </dgm:t>
-    </dgm:pt>
-    <dgm:pt modelId="{62047629-E52A-284B-83D2-588FF7B8B97A}" type="sibTrans" cxnId="{FAA2D410-C836-2348-ADA3-ACD259035B67}">
-      <dgm:prSet/>
-      <dgm:spPr/>
-      <dgm:t>
-        <a:bodyPr/>
-        <a:lstStyle/>
-        <a:p>
-          <a:endParaRPr lang="en-US"/>
-        </a:p>
-      </dgm:t>
-    </dgm:pt>
-    <dgm:pt modelId="{29B1AAED-82D7-6448-80D5-6957BC9BEB51}">
-      <dgm:prSet/>
-      <dgm:spPr/>
-      <dgm:t>
-        <a:bodyPr/>
-        <a:lstStyle/>
-        <a:p>
-          <a:r>
-            <a:rPr lang="en-US"/>
-            <a:t>(SSA) IR </a:t>
-          </a:r>
-        </a:p>
-      </dgm:t>
-    </dgm:pt>
-    <dgm:pt modelId="{83D52DB2-16DC-4841-B7E8-14D05A53C895}" type="parTrans" cxnId="{3C987F8A-3C96-8E46-89C8-021BDE36B56E}">
-      <dgm:prSet/>
-      <dgm:spPr/>
-      <dgm:t>
-        <a:bodyPr/>
-        <a:lstStyle/>
-        <a:p>
-          <a:endParaRPr lang="en-US"/>
-        </a:p>
-      </dgm:t>
-    </dgm:pt>
-    <dgm:pt modelId="{A65E0BA2-400F-2246-A397-44DE666D2D3A}" type="sibTrans" cxnId="{3C987F8A-3C96-8E46-89C8-021BDE36B56E}">
-      <dgm:prSet/>
-      <dgm:spPr/>
-      <dgm:t>
-        <a:bodyPr/>
-        <a:lstStyle/>
-        <a:p>
-          <a:endParaRPr lang="en-US"/>
-        </a:p>
-      </dgm:t>
-    </dgm:pt>
-    <dgm:pt modelId="{BF56499D-67D8-9245-8F21-5369813FC338}">
-      <dgm:prSet/>
-      <dgm:spPr/>
-      <dgm:t>
-        <a:bodyPr/>
-        <a:lstStyle/>
-        <a:p>
-          <a:r>
-            <a:rPr lang="en-US"/>
-            <a:t>LLVM IR </a:t>
-          </a:r>
-        </a:p>
-      </dgm:t>
-    </dgm:pt>
-    <dgm:pt modelId="{830F276B-D9D6-7C44-9266-7F95A33DF122}" type="parTrans" cxnId="{B21E2A74-399E-1B42-AC50-352623C53375}">
-      <dgm:prSet/>
-      <dgm:spPr/>
-      <dgm:t>
-        <a:bodyPr/>
-        <a:lstStyle/>
-        <a:p>
-          <a:endParaRPr lang="en-US"/>
-        </a:p>
-      </dgm:t>
-    </dgm:pt>
-    <dgm:pt modelId="{805BC26B-79AE-C54B-A389-ADD6762194EB}" type="sibTrans" cxnId="{B21E2A74-399E-1B42-AC50-352623C53375}">
-      <dgm:prSet/>
-      <dgm:spPr/>
-      <dgm:t>
-        <a:bodyPr/>
-        <a:lstStyle/>
-        <a:p>
-          <a:endParaRPr lang="en-US"/>
-        </a:p>
-      </dgm:t>
-    </dgm:pt>
-    <dgm:pt modelId="{C03BADCA-9FD8-8C4F-804F-4DA3C9FF831C}">
-      <dgm:prSet/>
-      <dgm:spPr/>
-      <dgm:t>
-        <a:bodyPr/>
-        <a:lstStyle/>
-        <a:p>
-          <a:r>
-            <a:rPr lang="en-US"/>
-            <a:t>Native code </a:t>
-          </a:r>
-        </a:p>
-      </dgm:t>
-    </dgm:pt>
-    <dgm:pt modelId="{9C4A3FD5-F1B8-704B-BB4D-674827F98DA7}" type="parTrans" cxnId="{3E8F648F-8765-3E4D-835E-161BD1F58846}">
-      <dgm:prSet/>
-      <dgm:spPr/>
-      <dgm:t>
-        <a:bodyPr/>
-        <a:lstStyle/>
-        <a:p>
-          <a:endParaRPr lang="en-US"/>
-        </a:p>
-      </dgm:t>
-    </dgm:pt>
-    <dgm:pt modelId="{8F1AD1F0-B5F0-0646-8549-8CABBC31C689}" type="sibTrans" cxnId="{3E8F648F-8765-3E4D-835E-161BD1F58846}">
-      <dgm:prSet/>
-      <dgm:spPr/>
-      <dgm:t>
-        <a:bodyPr/>
-        <a:lstStyle/>
-        <a:p>
-          <a:endParaRPr lang="en-US"/>
-        </a:p>
-      </dgm:t>
-    </dgm:pt>
-    <dgm:pt modelId="{A9842184-3B57-3F40-9574-58774314FAAA}" type="pres">
-      <dgm:prSet presAssocID="{24E0129C-5D95-3C47-9B06-04043CA55473}" presName="Name0" presStyleCnt="0">
-        <dgm:presLayoutVars>
-          <dgm:dir/>
-          <dgm:resizeHandles val="exact"/>
-        </dgm:presLayoutVars>
-      </dgm:prSet>
-      <dgm:spPr/>
-    </dgm:pt>
-    <dgm:pt modelId="{F2BA00D6-6FEF-7B4D-8726-4914B8C25F8C}" type="pres">
-      <dgm:prSet presAssocID="{763B299A-A3A6-C74C-AF8C-5B276FF55B92}" presName="node" presStyleLbl="node1" presStyleIdx="0" presStyleCnt="6">
-        <dgm:presLayoutVars>
-          <dgm:bulletEnabled val="1"/>
-        </dgm:presLayoutVars>
-      </dgm:prSet>
-      <dgm:spPr/>
-    </dgm:pt>
-    <dgm:pt modelId="{789B7193-0E59-3B47-86C6-E46AE56ADB7D}" type="pres">
-      <dgm:prSet presAssocID="{EA1065AE-525E-244C-952A-B85BD6D72DEB}" presName="sibTrans" presStyleLbl="sibTrans1D1" presStyleIdx="0" presStyleCnt="5"/>
-      <dgm:spPr/>
-    </dgm:pt>
-    <dgm:pt modelId="{5947CF7D-184A-8047-85A4-5FBAFB0A4803}" type="pres">
-      <dgm:prSet presAssocID="{EA1065AE-525E-244C-952A-B85BD6D72DEB}" presName="connectorText" presStyleLbl="sibTrans1D1" presStyleIdx="0" presStyleCnt="5"/>
-      <dgm:spPr/>
-    </dgm:pt>
-    <dgm:pt modelId="{731C0595-CC30-5E40-9ED6-2C24E200E2A9}" type="pres">
-      <dgm:prSet presAssocID="{9E0B73BB-25E6-244C-88D2-C78394E258A0}" presName="node" presStyleLbl="node1" presStyleIdx="1" presStyleCnt="6">
-        <dgm:presLayoutVars>
-          <dgm:bulletEnabled val="1"/>
-        </dgm:presLayoutVars>
-      </dgm:prSet>
-      <dgm:spPr/>
-    </dgm:pt>
-    <dgm:pt modelId="{91928AE0-5695-A645-B797-1F99B5BCB375}" type="pres">
-      <dgm:prSet presAssocID="{D8A76DA0-028A-4347-B367-C963157D82D0}" presName="sibTrans" presStyleLbl="sibTrans1D1" presStyleIdx="1" presStyleCnt="5"/>
-      <dgm:spPr/>
-    </dgm:pt>
-    <dgm:pt modelId="{CE8E6D10-26EC-7B4B-BE07-0AEBE15A1A78}" type="pres">
-      <dgm:prSet presAssocID="{D8A76DA0-028A-4347-B367-C963157D82D0}" presName="connectorText" presStyleLbl="sibTrans1D1" presStyleIdx="1" presStyleCnt="5"/>
-      <dgm:spPr/>
-    </dgm:pt>
-    <dgm:pt modelId="{3C001CB2-ED33-074F-BBB6-915B5FCB69A0}" type="pres">
-      <dgm:prSet presAssocID="{AB00244D-9919-D542-8AA4-999F3F2E3475}" presName="node" presStyleLbl="node1" presStyleIdx="2" presStyleCnt="6">
-        <dgm:presLayoutVars>
-          <dgm:bulletEnabled val="1"/>
-        </dgm:presLayoutVars>
-      </dgm:prSet>
-      <dgm:spPr/>
-    </dgm:pt>
-    <dgm:pt modelId="{81A64EFC-3CBE-C844-BF59-98CF511806C6}" type="pres">
-      <dgm:prSet presAssocID="{62047629-E52A-284B-83D2-588FF7B8B97A}" presName="sibTrans" presStyleLbl="sibTrans1D1" presStyleIdx="2" presStyleCnt="5"/>
-      <dgm:spPr/>
-    </dgm:pt>
-    <dgm:pt modelId="{C8C99527-29E6-DF43-A162-B4E53A17A8BE}" type="pres">
-      <dgm:prSet presAssocID="{62047629-E52A-284B-83D2-588FF7B8B97A}" presName="connectorText" presStyleLbl="sibTrans1D1" presStyleIdx="2" presStyleCnt="5"/>
-      <dgm:spPr/>
-    </dgm:pt>
-    <dgm:pt modelId="{396D08B0-2B1B-DA4D-8422-2BC14DAF0B6C}" type="pres">
-      <dgm:prSet presAssocID="{29B1AAED-82D7-6448-80D5-6957BC9BEB51}" presName="node" presStyleLbl="node1" presStyleIdx="3" presStyleCnt="6">
-        <dgm:presLayoutVars>
-          <dgm:bulletEnabled val="1"/>
-        </dgm:presLayoutVars>
-      </dgm:prSet>
-      <dgm:spPr/>
-    </dgm:pt>
-    <dgm:pt modelId="{63152D2C-8FF2-0D42-B4D7-185E3E7F0AC2}" type="pres">
-      <dgm:prSet presAssocID="{A65E0BA2-400F-2246-A397-44DE666D2D3A}" presName="sibTrans" presStyleLbl="sibTrans1D1" presStyleIdx="3" presStyleCnt="5"/>
-      <dgm:spPr/>
-    </dgm:pt>
-    <dgm:pt modelId="{30469CA7-E6B8-3A45-8494-FB906ACE40D5}" type="pres">
-      <dgm:prSet presAssocID="{A65E0BA2-400F-2246-A397-44DE666D2D3A}" presName="connectorText" presStyleLbl="sibTrans1D1" presStyleIdx="3" presStyleCnt="5"/>
-      <dgm:spPr/>
-    </dgm:pt>
-    <dgm:pt modelId="{5EEE3EE2-B98E-7E45-99C2-732E9361EDDE}" type="pres">
-      <dgm:prSet presAssocID="{BF56499D-67D8-9245-8F21-5369813FC338}" presName="node" presStyleLbl="node1" presStyleIdx="4" presStyleCnt="6">
-        <dgm:presLayoutVars>
-          <dgm:bulletEnabled val="1"/>
-        </dgm:presLayoutVars>
-      </dgm:prSet>
-      <dgm:spPr/>
-    </dgm:pt>
-    <dgm:pt modelId="{68E63C77-68DE-254F-B45A-682CA93DA124}" type="pres">
-      <dgm:prSet presAssocID="{805BC26B-79AE-C54B-A389-ADD6762194EB}" presName="sibTrans" presStyleLbl="sibTrans1D1" presStyleIdx="4" presStyleCnt="5"/>
-      <dgm:spPr/>
-    </dgm:pt>
-    <dgm:pt modelId="{2427FBF3-8696-284D-9B34-2AF2DBDFAD92}" type="pres">
-      <dgm:prSet presAssocID="{805BC26B-79AE-C54B-A389-ADD6762194EB}" presName="connectorText" presStyleLbl="sibTrans1D1" presStyleIdx="4" presStyleCnt="5"/>
-      <dgm:spPr/>
-    </dgm:pt>
-    <dgm:pt modelId="{7D06A5B2-6EF9-4947-A9A1-FB1630F94575}" type="pres">
-      <dgm:prSet presAssocID="{C03BADCA-9FD8-8C4F-804F-4DA3C9FF831C}" presName="node" presStyleLbl="node1" presStyleIdx="5" presStyleCnt="6">
-        <dgm:presLayoutVars>
-          <dgm:bulletEnabled val="1"/>
-        </dgm:presLayoutVars>
-      </dgm:prSet>
-      <dgm:spPr/>
-    </dgm:pt>
-  </dgm:ptLst>
-  <dgm:cxnLst>
-    <dgm:cxn modelId="{0352B90B-4EB2-4344-88DB-9E4434309014}" type="presOf" srcId="{29B1AAED-82D7-6448-80D5-6957BC9BEB51}" destId="{396D08B0-2B1B-DA4D-8422-2BC14DAF0B6C}" srcOrd="0" destOrd="0" presId="urn:microsoft.com/office/officeart/2016/7/layout/RepeatingBendingProcessNew"/>
-    <dgm:cxn modelId="{FAA2D410-C836-2348-ADA3-ACD259035B67}" srcId="{24E0129C-5D95-3C47-9B06-04043CA55473}" destId="{AB00244D-9919-D542-8AA4-999F3F2E3475}" srcOrd="2" destOrd="0" parTransId="{EF962EC7-8BC5-A942-AFBB-7CD76626A40C}" sibTransId="{62047629-E52A-284B-83D2-588FF7B8B97A}"/>
-    <dgm:cxn modelId="{5A7A4117-A76B-B34A-8DB6-A57DA47E9CE5}" type="presOf" srcId="{62047629-E52A-284B-83D2-588FF7B8B97A}" destId="{81A64EFC-3CBE-C844-BF59-98CF511806C6}" srcOrd="0" destOrd="0" presId="urn:microsoft.com/office/officeart/2016/7/layout/RepeatingBendingProcessNew"/>
-    <dgm:cxn modelId="{ACE5E352-9C78-4043-A545-1E10E9514CC2}" type="presOf" srcId="{BF56499D-67D8-9245-8F21-5369813FC338}" destId="{5EEE3EE2-B98E-7E45-99C2-732E9361EDDE}" srcOrd="0" destOrd="0" presId="urn:microsoft.com/office/officeart/2016/7/layout/RepeatingBendingProcessNew"/>
-    <dgm:cxn modelId="{EBAFE160-B6EC-5F46-8F73-A385EEAA1FAA}" type="presOf" srcId="{A65E0BA2-400F-2246-A397-44DE666D2D3A}" destId="{30469CA7-E6B8-3A45-8494-FB906ACE40D5}" srcOrd="1" destOrd="0" presId="urn:microsoft.com/office/officeart/2016/7/layout/RepeatingBendingProcessNew"/>
-    <dgm:cxn modelId="{4D037566-F5C4-F349-9829-DA315F6C0FF1}" type="presOf" srcId="{EA1065AE-525E-244C-952A-B85BD6D72DEB}" destId="{5947CF7D-184A-8047-85A4-5FBAFB0A4803}" srcOrd="1" destOrd="0" presId="urn:microsoft.com/office/officeart/2016/7/layout/RepeatingBendingProcessNew"/>
-    <dgm:cxn modelId="{B21E2A74-399E-1B42-AC50-352623C53375}" srcId="{24E0129C-5D95-3C47-9B06-04043CA55473}" destId="{BF56499D-67D8-9245-8F21-5369813FC338}" srcOrd="4" destOrd="0" parTransId="{830F276B-D9D6-7C44-9266-7F95A33DF122}" sibTransId="{805BC26B-79AE-C54B-A389-ADD6762194EB}"/>
-    <dgm:cxn modelId="{B8035879-96C6-114A-AEF4-F2694F022928}" type="presOf" srcId="{805BC26B-79AE-C54B-A389-ADD6762194EB}" destId="{2427FBF3-8696-284D-9B34-2AF2DBDFAD92}" srcOrd="1" destOrd="0" presId="urn:microsoft.com/office/officeart/2016/7/layout/RepeatingBendingProcessNew"/>
-    <dgm:cxn modelId="{3680B27B-E61F-0644-9905-2A6E0A989D6C}" type="presOf" srcId="{D8A76DA0-028A-4347-B367-C963157D82D0}" destId="{91928AE0-5695-A645-B797-1F99B5BCB375}" srcOrd="0" destOrd="0" presId="urn:microsoft.com/office/officeart/2016/7/layout/RepeatingBendingProcessNew"/>
-    <dgm:cxn modelId="{846F277D-63CC-224E-8714-7A7ACAEF8358}" type="presOf" srcId="{24E0129C-5D95-3C47-9B06-04043CA55473}" destId="{A9842184-3B57-3F40-9574-58774314FAAA}" srcOrd="0" destOrd="0" presId="urn:microsoft.com/office/officeart/2016/7/layout/RepeatingBendingProcessNew"/>
-    <dgm:cxn modelId="{6872C27D-205A-C94F-85EF-3DAD0CFA0E38}" srcId="{24E0129C-5D95-3C47-9B06-04043CA55473}" destId="{763B299A-A3A6-C74C-AF8C-5B276FF55B92}" srcOrd="0" destOrd="0" parTransId="{13F4654A-455A-0E41-85F6-63CBA0A33461}" sibTransId="{EA1065AE-525E-244C-952A-B85BD6D72DEB}"/>
-    <dgm:cxn modelId="{3C987F8A-3C96-8E46-89C8-021BDE36B56E}" srcId="{24E0129C-5D95-3C47-9B06-04043CA55473}" destId="{29B1AAED-82D7-6448-80D5-6957BC9BEB51}" srcOrd="3" destOrd="0" parTransId="{83D52DB2-16DC-4841-B7E8-14D05A53C895}" sibTransId="{A65E0BA2-400F-2246-A397-44DE666D2D3A}"/>
-    <dgm:cxn modelId="{3E8F648F-8765-3E4D-835E-161BD1F58846}" srcId="{24E0129C-5D95-3C47-9B06-04043CA55473}" destId="{C03BADCA-9FD8-8C4F-804F-4DA3C9FF831C}" srcOrd="5" destOrd="0" parTransId="{9C4A3FD5-F1B8-704B-BB4D-674827F98DA7}" sibTransId="{8F1AD1F0-B5F0-0646-8549-8CABBC31C689}"/>
-    <dgm:cxn modelId="{34137092-4DAF-5341-94BF-9A26F5C586FD}" srcId="{24E0129C-5D95-3C47-9B06-04043CA55473}" destId="{9E0B73BB-25E6-244C-88D2-C78394E258A0}" srcOrd="1" destOrd="0" parTransId="{B10C9FC0-E9BD-4144-839B-705700E99C0F}" sibTransId="{D8A76DA0-028A-4347-B367-C963157D82D0}"/>
-    <dgm:cxn modelId="{FB8E7793-1C92-984E-9312-584A41BA5327}" type="presOf" srcId="{805BC26B-79AE-C54B-A389-ADD6762194EB}" destId="{68E63C77-68DE-254F-B45A-682CA93DA124}" srcOrd="0" destOrd="0" presId="urn:microsoft.com/office/officeart/2016/7/layout/RepeatingBendingProcessNew"/>
-    <dgm:cxn modelId="{53154A98-3C5E-0445-81F9-FEDFF06A55AF}" type="presOf" srcId="{62047629-E52A-284B-83D2-588FF7B8B97A}" destId="{C8C99527-29E6-DF43-A162-B4E53A17A8BE}" srcOrd="1" destOrd="0" presId="urn:microsoft.com/office/officeart/2016/7/layout/RepeatingBendingProcessNew"/>
-    <dgm:cxn modelId="{C54FBC9D-9D47-0D42-A293-45EB37FF6564}" type="presOf" srcId="{D8A76DA0-028A-4347-B367-C963157D82D0}" destId="{CE8E6D10-26EC-7B4B-BE07-0AEBE15A1A78}" srcOrd="1" destOrd="0" presId="urn:microsoft.com/office/officeart/2016/7/layout/RepeatingBendingProcessNew"/>
-    <dgm:cxn modelId="{121F63A8-7315-714B-A601-8DBB2A0653BE}" type="presOf" srcId="{9E0B73BB-25E6-244C-88D2-C78394E258A0}" destId="{731C0595-CC30-5E40-9ED6-2C24E200E2A9}" srcOrd="0" destOrd="0" presId="urn:microsoft.com/office/officeart/2016/7/layout/RepeatingBendingProcessNew"/>
-    <dgm:cxn modelId="{5DB699AC-D2C8-E44C-B7FB-7E0B1C4C0D4E}" type="presOf" srcId="{A65E0BA2-400F-2246-A397-44DE666D2D3A}" destId="{63152D2C-8FF2-0D42-B4D7-185E3E7F0AC2}" srcOrd="0" destOrd="0" presId="urn:microsoft.com/office/officeart/2016/7/layout/RepeatingBendingProcessNew"/>
-    <dgm:cxn modelId="{04D63CBB-8F0F-374A-B25A-C51178184BF4}" type="presOf" srcId="{763B299A-A3A6-C74C-AF8C-5B276FF55B92}" destId="{F2BA00D6-6FEF-7B4D-8726-4914B8C25F8C}" srcOrd="0" destOrd="0" presId="urn:microsoft.com/office/officeart/2016/7/layout/RepeatingBendingProcessNew"/>
-    <dgm:cxn modelId="{4D80C1CE-C1EF-DA42-9D2C-1DA5CEC1D0DB}" type="presOf" srcId="{C03BADCA-9FD8-8C4F-804F-4DA3C9FF831C}" destId="{7D06A5B2-6EF9-4947-A9A1-FB1630F94575}" srcOrd="0" destOrd="0" presId="urn:microsoft.com/office/officeart/2016/7/layout/RepeatingBendingProcessNew"/>
-    <dgm:cxn modelId="{1B1691FC-736E-4544-9E56-D29710874CEF}" type="presOf" srcId="{EA1065AE-525E-244C-952A-B85BD6D72DEB}" destId="{789B7193-0E59-3B47-86C6-E46AE56ADB7D}" srcOrd="0" destOrd="0" presId="urn:microsoft.com/office/officeart/2016/7/layout/RepeatingBendingProcessNew"/>
-    <dgm:cxn modelId="{92AAA5FE-6A7F-0D46-92D2-DDC1E66DD851}" type="presOf" srcId="{AB00244D-9919-D542-8AA4-999F3F2E3475}" destId="{3C001CB2-ED33-074F-BBB6-915B5FCB69A0}" srcOrd="0" destOrd="0" presId="urn:microsoft.com/office/officeart/2016/7/layout/RepeatingBendingProcessNew"/>
-    <dgm:cxn modelId="{E35B08AA-94AF-4944-8A4B-4791A594D66A}" type="presParOf" srcId="{A9842184-3B57-3F40-9574-58774314FAAA}" destId="{F2BA00D6-6FEF-7B4D-8726-4914B8C25F8C}" srcOrd="0" destOrd="0" presId="urn:microsoft.com/office/officeart/2016/7/layout/RepeatingBendingProcessNew"/>
-    <dgm:cxn modelId="{F78EB7CF-FE1D-CB4D-92BD-1E839234337A}" type="presParOf" srcId="{A9842184-3B57-3F40-9574-58774314FAAA}" destId="{789B7193-0E59-3B47-86C6-E46AE56ADB7D}" srcOrd="1" destOrd="0" presId="urn:microsoft.com/office/officeart/2016/7/layout/RepeatingBendingProcessNew"/>
-    <dgm:cxn modelId="{B646480F-2BDE-8F41-9F38-27D7219C72D7}" type="presParOf" srcId="{789B7193-0E59-3B47-86C6-E46AE56ADB7D}" destId="{5947CF7D-184A-8047-85A4-5FBAFB0A4803}" srcOrd="0" destOrd="0" presId="urn:microsoft.com/office/officeart/2016/7/layout/RepeatingBendingProcessNew"/>
-    <dgm:cxn modelId="{3F5793EA-E0AF-D741-A611-B98ABCCAEC67}" type="presParOf" srcId="{A9842184-3B57-3F40-9574-58774314FAAA}" destId="{731C0595-CC30-5E40-9ED6-2C24E200E2A9}" srcOrd="2" destOrd="0" presId="urn:microsoft.com/office/officeart/2016/7/layout/RepeatingBendingProcessNew"/>
-    <dgm:cxn modelId="{656DAA0A-02D7-AE42-BA8B-7F841AA654E6}" type="presParOf" srcId="{A9842184-3B57-3F40-9574-58774314FAAA}" destId="{91928AE0-5695-A645-B797-1F99B5BCB375}" srcOrd="3" destOrd="0" presId="urn:microsoft.com/office/officeart/2016/7/layout/RepeatingBendingProcessNew"/>
-    <dgm:cxn modelId="{E08DA577-31BA-1841-8944-65A50DACA770}" type="presParOf" srcId="{91928AE0-5695-A645-B797-1F99B5BCB375}" destId="{CE8E6D10-26EC-7B4B-BE07-0AEBE15A1A78}" srcOrd="0" destOrd="0" presId="urn:microsoft.com/office/officeart/2016/7/layout/RepeatingBendingProcessNew"/>
-    <dgm:cxn modelId="{A4EC982D-5C02-8446-B9BF-51D63FB437A3}" type="presParOf" srcId="{A9842184-3B57-3F40-9574-58774314FAAA}" destId="{3C001CB2-ED33-074F-BBB6-915B5FCB69A0}" srcOrd="4" destOrd="0" presId="urn:microsoft.com/office/officeart/2016/7/layout/RepeatingBendingProcessNew"/>
-    <dgm:cxn modelId="{5EC7A8EA-2100-9445-A436-172C9093E62D}" type="presParOf" srcId="{A9842184-3B57-3F40-9574-58774314FAAA}" destId="{81A64EFC-3CBE-C844-BF59-98CF511806C6}" srcOrd="5" destOrd="0" presId="urn:microsoft.com/office/officeart/2016/7/layout/RepeatingBendingProcessNew"/>
-    <dgm:cxn modelId="{7C4DF951-9B0D-4D46-AB15-F353AFA43CA6}" type="presParOf" srcId="{81A64EFC-3CBE-C844-BF59-98CF511806C6}" destId="{C8C99527-29E6-DF43-A162-B4E53A17A8BE}" srcOrd="0" destOrd="0" presId="urn:microsoft.com/office/officeart/2016/7/layout/RepeatingBendingProcessNew"/>
-    <dgm:cxn modelId="{2C710DB0-81DD-924A-95D7-09AFD39F86A2}" type="presParOf" srcId="{A9842184-3B57-3F40-9574-58774314FAAA}" destId="{396D08B0-2B1B-DA4D-8422-2BC14DAF0B6C}" srcOrd="6" destOrd="0" presId="urn:microsoft.com/office/officeart/2016/7/layout/RepeatingBendingProcessNew"/>
-    <dgm:cxn modelId="{281A7A29-BEB6-594F-A271-7F363E4F2919}" type="presParOf" srcId="{A9842184-3B57-3F40-9574-58774314FAAA}" destId="{63152D2C-8FF2-0D42-B4D7-185E3E7F0AC2}" srcOrd="7" destOrd="0" presId="urn:microsoft.com/office/officeart/2016/7/layout/RepeatingBendingProcessNew"/>
-    <dgm:cxn modelId="{84955DFD-7A6F-3341-BBE4-76F1F7B652E9}" type="presParOf" srcId="{63152D2C-8FF2-0D42-B4D7-185E3E7F0AC2}" destId="{30469CA7-E6B8-3A45-8494-FB906ACE40D5}" srcOrd="0" destOrd="0" presId="urn:microsoft.com/office/officeart/2016/7/layout/RepeatingBendingProcessNew"/>
-    <dgm:cxn modelId="{F08255A2-D57D-F443-8D13-E8E522208888}" type="presParOf" srcId="{A9842184-3B57-3F40-9574-58774314FAAA}" destId="{5EEE3EE2-B98E-7E45-99C2-732E9361EDDE}" srcOrd="8" destOrd="0" presId="urn:microsoft.com/office/officeart/2016/7/layout/RepeatingBendingProcessNew"/>
-    <dgm:cxn modelId="{6242D796-C4A0-3347-B956-7E5A68239DA8}" type="presParOf" srcId="{A9842184-3B57-3F40-9574-58774314FAAA}" destId="{68E63C77-68DE-254F-B45A-682CA93DA124}" srcOrd="9" destOrd="0" presId="urn:microsoft.com/office/officeart/2016/7/layout/RepeatingBendingProcessNew"/>
-    <dgm:cxn modelId="{3AA28C3D-88F4-654F-BC91-17A2A6C00BF5}" type="presParOf" srcId="{68E63C77-68DE-254F-B45A-682CA93DA124}" destId="{2427FBF3-8696-284D-9B34-2AF2DBDFAD92}" srcOrd="0" destOrd="0" presId="urn:microsoft.com/office/officeart/2016/7/layout/RepeatingBendingProcessNew"/>
-    <dgm:cxn modelId="{4FBB35BD-1F4A-CC43-8C3F-141AB999695A}" type="presParOf" srcId="{A9842184-3B57-3F40-9574-58774314FAAA}" destId="{7D06A5B2-6EF9-4947-A9A1-FB1630F94575}" srcOrd="10" destOrd="0" presId="urn:microsoft.com/office/officeart/2016/7/layout/RepeatingBendingProcessNew"/>
   </dgm:cxnLst>
   <dgm:bg/>
   <dgm:whole/>
@@ -4024,626 +4025,6 @@
 </file>
 
 <file path=ppt/diagrams/drawing1.xml><?xml version="1.0" encoding="utf-8"?>
-<dsp:drawing xmlns:dgm="http://schemas.openxmlformats.org/drawingml/2006/diagram" xmlns:dsp="http://schemas.microsoft.com/office/drawing/2008/diagram" xmlns:a="http://schemas.openxmlformats.org/drawingml/2006/main">
-  <dsp:spTree>
-    <dsp:nvGrpSpPr>
-      <dsp:cNvPr id="0" name=""/>
-      <dsp:cNvGrpSpPr/>
-    </dsp:nvGrpSpPr>
-    <dsp:grpSpPr/>
-    <dsp:sp modelId="{F5C48B4C-8060-4E75-8ACF-E747ACF8BC75}">
-      <dsp:nvSpPr>
-        <dsp:cNvPr id="0" name=""/>
-        <dsp:cNvSpPr/>
-      </dsp:nvSpPr>
-      <dsp:spPr>
-        <a:xfrm>
-          <a:off x="0" y="2312"/>
-          <a:ext cx="6269038" cy="1172105"/>
-        </a:xfrm>
-        <a:prstGeom prst="roundRect">
-          <a:avLst>
-            <a:gd name="adj" fmla="val 10000"/>
-          </a:avLst>
-        </a:prstGeom>
-        <a:solidFill>
-          <a:schemeClr val="bg1">
-            <a:lumMod val="95000"/>
-            <a:hueOff val="0"/>
-            <a:satOff val="0"/>
-            <a:lumOff val="0"/>
-            <a:alphaOff val="0"/>
-          </a:schemeClr>
-        </a:solidFill>
-        <a:ln>
-          <a:noFill/>
-        </a:ln>
-        <a:effectLst/>
-      </dsp:spPr>
-      <dsp:style>
-        <a:lnRef idx="0">
-          <a:scrgbClr r="0" g="0" b="0"/>
-        </a:lnRef>
-        <a:fillRef idx="1">
-          <a:scrgbClr r="0" g="0" b="0"/>
-        </a:fillRef>
-        <a:effectRef idx="0">
-          <a:scrgbClr r="0" g="0" b="0"/>
-        </a:effectRef>
-        <a:fontRef idx="minor"/>
-      </dsp:style>
-    </dsp:sp>
-    <dsp:sp modelId="{706D5633-3D99-4AFA-A740-8440EAC7119D}">
-      <dsp:nvSpPr>
-        <dsp:cNvPr id="0" name=""/>
-        <dsp:cNvSpPr/>
-      </dsp:nvSpPr>
-      <dsp:spPr>
-        <a:xfrm>
-          <a:off x="354561" y="266036"/>
-          <a:ext cx="644657" cy="644657"/>
-        </a:xfrm>
-        <a:prstGeom prst="rect">
-          <a:avLst/>
-        </a:prstGeom>
-        <a:blipFill>
-          <a:blip xmlns:r="http://schemas.openxmlformats.org/officeDocument/2006/relationships" r:embed="rId1">
-            <a:extLst>
-              <a:ext uri="{28A0092B-C50C-407E-A947-70E740481C1C}">
-                <a14:useLocalDpi xmlns:a14="http://schemas.microsoft.com/office/drawing/2010/main" val="0"/>
-              </a:ext>
-              <a:ext uri="{96DAC541-7B7A-43D3-8B79-37D633B846F1}">
-                <asvg:svgBlip xmlns:asvg="http://schemas.microsoft.com/office/drawing/2016/SVG/main" r:embed="rId2"/>
-              </a:ext>
-            </a:extLst>
-          </a:blip>
-          <a:stretch>
-            <a:fillRect/>
-          </a:stretch>
-        </a:blipFill>
-        <a:ln w="12700" cap="flat" cmpd="sng" algn="ctr">
-          <a:noFill/>
-          <a:prstDash val="solid"/>
-          <a:miter lim="800000"/>
-        </a:ln>
-        <a:effectLst/>
-      </dsp:spPr>
-      <dsp:style>
-        <a:lnRef idx="2">
-          <a:scrgbClr r="0" g="0" b="0"/>
-        </a:lnRef>
-        <a:fillRef idx="1">
-          <a:scrgbClr r="0" g="0" b="0"/>
-        </a:fillRef>
-        <a:effectRef idx="0">
-          <a:scrgbClr r="0" g="0" b="0"/>
-        </a:effectRef>
-        <a:fontRef idx="minor">
-          <a:schemeClr val="lt1"/>
-        </a:fontRef>
-      </dsp:style>
-    </dsp:sp>
-    <dsp:sp modelId="{88F792CC-4D58-4D66-B760-DB2C40964188}">
-      <dsp:nvSpPr>
-        <dsp:cNvPr id="0" name=""/>
-        <dsp:cNvSpPr/>
-      </dsp:nvSpPr>
-      <dsp:spPr>
-        <a:xfrm>
-          <a:off x="1353781" y="2312"/>
-          <a:ext cx="4915256" cy="1172105"/>
-        </a:xfrm>
-        <a:prstGeom prst="rect">
-          <a:avLst/>
-        </a:prstGeom>
-        <a:noFill/>
-        <a:ln>
-          <a:noFill/>
-        </a:ln>
-        <a:effectLst/>
-      </dsp:spPr>
-      <dsp:style>
-        <a:lnRef idx="0">
-          <a:scrgbClr r="0" g="0" b="0"/>
-        </a:lnRef>
-        <a:fillRef idx="0">
-          <a:scrgbClr r="0" g="0" b="0"/>
-        </a:fillRef>
-        <a:effectRef idx="0">
-          <a:scrgbClr r="0" g="0" b="0"/>
-        </a:effectRef>
-        <a:fontRef idx="minor"/>
-      </dsp:style>
-      <dsp:txBody>
-        <a:bodyPr spcFirstLastPara="0" vert="horz" wrap="square" lIns="124048" tIns="124048" rIns="124048" bIns="124048" numCol="1" spcCol="1270" anchor="ctr" anchorCtr="0">
-          <a:noAutofit/>
-        </a:bodyPr>
-        <a:lstStyle/>
-        <a:p>
-          <a:pPr marL="0" lvl="0" indent="0" algn="l" defTabSz="977900">
-            <a:lnSpc>
-              <a:spcPct val="100000"/>
-            </a:lnSpc>
-            <a:spcBef>
-              <a:spcPct val="0"/>
-            </a:spcBef>
-            <a:spcAft>
-              <a:spcPct val="35000"/>
-            </a:spcAft>
-            <a:buNone/>
-          </a:pPr>
-          <a:r>
-            <a:rPr lang="en-US" sz="2200" kern="1200"/>
-            <a:t>JIT compiled</a:t>
-          </a:r>
-        </a:p>
-      </dsp:txBody>
-      <dsp:txXfrm>
-        <a:off x="1353781" y="2312"/>
-        <a:ext cx="4915256" cy="1172105"/>
-      </dsp:txXfrm>
-    </dsp:sp>
-    <dsp:sp modelId="{6F519BB0-4B10-43F4-B427-BD22F8FA1124}">
-      <dsp:nvSpPr>
-        <dsp:cNvPr id="0" name=""/>
-        <dsp:cNvSpPr/>
-      </dsp:nvSpPr>
-      <dsp:spPr>
-        <a:xfrm>
-          <a:off x="0" y="1467444"/>
-          <a:ext cx="6269038" cy="1172105"/>
-        </a:xfrm>
-        <a:prstGeom prst="roundRect">
-          <a:avLst>
-            <a:gd name="adj" fmla="val 10000"/>
-          </a:avLst>
-        </a:prstGeom>
-        <a:solidFill>
-          <a:schemeClr val="bg1">
-            <a:lumMod val="95000"/>
-            <a:hueOff val="0"/>
-            <a:satOff val="0"/>
-            <a:lumOff val="0"/>
-            <a:alphaOff val="0"/>
-          </a:schemeClr>
-        </a:solidFill>
-        <a:ln>
-          <a:noFill/>
-        </a:ln>
-        <a:effectLst/>
-      </dsp:spPr>
-      <dsp:style>
-        <a:lnRef idx="0">
-          <a:scrgbClr r="0" g="0" b="0"/>
-        </a:lnRef>
-        <a:fillRef idx="1">
-          <a:scrgbClr r="0" g="0" b="0"/>
-        </a:fillRef>
-        <a:effectRef idx="0">
-          <a:scrgbClr r="0" g="0" b="0"/>
-        </a:effectRef>
-        <a:fontRef idx="minor"/>
-      </dsp:style>
-    </dsp:sp>
-    <dsp:sp modelId="{73FAAFF6-FA3B-49EB-B7AC-D6BF3937BE00}">
-      <dsp:nvSpPr>
-        <dsp:cNvPr id="0" name=""/>
-        <dsp:cNvSpPr/>
-      </dsp:nvSpPr>
-      <dsp:spPr>
-        <a:xfrm>
-          <a:off x="354561" y="1731167"/>
-          <a:ext cx="644657" cy="644657"/>
-        </a:xfrm>
-        <a:prstGeom prst="rect">
-          <a:avLst/>
-        </a:prstGeom>
-        <a:blipFill>
-          <a:blip xmlns:r="http://schemas.openxmlformats.org/officeDocument/2006/relationships" r:embed="rId3">
-            <a:extLst>
-              <a:ext uri="{28A0092B-C50C-407E-A947-70E740481C1C}">
-                <a14:useLocalDpi xmlns:a14="http://schemas.microsoft.com/office/drawing/2010/main" val="0"/>
-              </a:ext>
-              <a:ext uri="{96DAC541-7B7A-43D3-8B79-37D633B846F1}">
-                <asvg:svgBlip xmlns:asvg="http://schemas.microsoft.com/office/drawing/2016/SVG/main" r:embed="rId4"/>
-              </a:ext>
-            </a:extLst>
-          </a:blip>
-          <a:stretch>
-            <a:fillRect/>
-          </a:stretch>
-        </a:blipFill>
-        <a:ln w="12700" cap="flat" cmpd="sng" algn="ctr">
-          <a:noFill/>
-          <a:prstDash val="solid"/>
-          <a:miter lim="800000"/>
-        </a:ln>
-        <a:effectLst/>
-      </dsp:spPr>
-      <dsp:style>
-        <a:lnRef idx="2">
-          <a:scrgbClr r="0" g="0" b="0"/>
-        </a:lnRef>
-        <a:fillRef idx="1">
-          <a:scrgbClr r="0" g="0" b="0"/>
-        </a:fillRef>
-        <a:effectRef idx="0">
-          <a:scrgbClr r="0" g="0" b="0"/>
-        </a:effectRef>
-        <a:fontRef idx="minor">
-          <a:schemeClr val="lt1"/>
-        </a:fontRef>
-      </dsp:style>
-    </dsp:sp>
-    <dsp:sp modelId="{771A816C-236F-47DA-91A9-4ECB1DB57A28}">
-      <dsp:nvSpPr>
-        <dsp:cNvPr id="0" name=""/>
-        <dsp:cNvSpPr/>
-      </dsp:nvSpPr>
-      <dsp:spPr>
-        <a:xfrm>
-          <a:off x="1353781" y="1467444"/>
-          <a:ext cx="4915256" cy="1172105"/>
-        </a:xfrm>
-        <a:prstGeom prst="rect">
-          <a:avLst/>
-        </a:prstGeom>
-        <a:noFill/>
-        <a:ln>
-          <a:noFill/>
-        </a:ln>
-        <a:effectLst/>
-      </dsp:spPr>
-      <dsp:style>
-        <a:lnRef idx="0">
-          <a:scrgbClr r="0" g="0" b="0"/>
-        </a:lnRef>
-        <a:fillRef idx="0">
-          <a:scrgbClr r="0" g="0" b="0"/>
-        </a:fillRef>
-        <a:effectRef idx="0">
-          <a:scrgbClr r="0" g="0" b="0"/>
-        </a:effectRef>
-        <a:fontRef idx="minor"/>
-      </dsp:style>
-      <dsp:txBody>
-        <a:bodyPr spcFirstLastPara="0" vert="horz" wrap="square" lIns="124048" tIns="124048" rIns="124048" bIns="124048" numCol="1" spcCol="1270" anchor="ctr" anchorCtr="0">
-          <a:noAutofit/>
-        </a:bodyPr>
-        <a:lstStyle/>
-        <a:p>
-          <a:pPr marL="0" lvl="0" indent="0" algn="l" defTabSz="977900">
-            <a:lnSpc>
-              <a:spcPct val="100000"/>
-            </a:lnSpc>
-            <a:spcBef>
-              <a:spcPct val="0"/>
-            </a:spcBef>
-            <a:spcAft>
-              <a:spcPct val="35000"/>
-            </a:spcAft>
-            <a:buNone/>
-          </a:pPr>
-          <a:r>
-            <a:rPr lang="en-US" sz="2200" kern="1200"/>
-            <a:t>Cached compilation</a:t>
-          </a:r>
-        </a:p>
-      </dsp:txBody>
-      <dsp:txXfrm>
-        <a:off x="1353781" y="1467444"/>
-        <a:ext cx="4915256" cy="1172105"/>
-      </dsp:txXfrm>
-    </dsp:sp>
-    <dsp:sp modelId="{B0DCE167-3814-4343-A426-B8573228F429}">
-      <dsp:nvSpPr>
-        <dsp:cNvPr id="0" name=""/>
-        <dsp:cNvSpPr/>
-      </dsp:nvSpPr>
-      <dsp:spPr>
-        <a:xfrm>
-          <a:off x="0" y="2932575"/>
-          <a:ext cx="6269038" cy="1172105"/>
-        </a:xfrm>
-        <a:prstGeom prst="roundRect">
-          <a:avLst>
-            <a:gd name="adj" fmla="val 10000"/>
-          </a:avLst>
-        </a:prstGeom>
-        <a:solidFill>
-          <a:schemeClr val="bg1">
-            <a:lumMod val="95000"/>
-            <a:hueOff val="0"/>
-            <a:satOff val="0"/>
-            <a:lumOff val="0"/>
-            <a:alphaOff val="0"/>
-          </a:schemeClr>
-        </a:solidFill>
-        <a:ln>
-          <a:noFill/>
-        </a:ln>
-        <a:effectLst/>
-      </dsp:spPr>
-      <dsp:style>
-        <a:lnRef idx="0">
-          <a:scrgbClr r="0" g="0" b="0"/>
-        </a:lnRef>
-        <a:fillRef idx="1">
-          <a:scrgbClr r="0" g="0" b="0"/>
-        </a:fillRef>
-        <a:effectRef idx="0">
-          <a:scrgbClr r="0" g="0" b="0"/>
-        </a:effectRef>
-        <a:fontRef idx="minor"/>
-      </dsp:style>
-    </dsp:sp>
-    <dsp:sp modelId="{A6AFA730-E6B4-483A-801C-1E9ED10C7755}">
-      <dsp:nvSpPr>
-        <dsp:cNvPr id="0" name=""/>
-        <dsp:cNvSpPr/>
-      </dsp:nvSpPr>
-      <dsp:spPr>
-        <a:xfrm>
-          <a:off x="354561" y="3196299"/>
-          <a:ext cx="644657" cy="644657"/>
-        </a:xfrm>
-        <a:prstGeom prst="rect">
-          <a:avLst/>
-        </a:prstGeom>
-        <a:blipFill>
-          <a:blip xmlns:r="http://schemas.openxmlformats.org/officeDocument/2006/relationships" r:embed="rId5">
-            <a:extLst>
-              <a:ext uri="{28A0092B-C50C-407E-A947-70E740481C1C}">
-                <a14:useLocalDpi xmlns:a14="http://schemas.microsoft.com/office/drawing/2010/main" val="0"/>
-              </a:ext>
-              <a:ext uri="{96DAC541-7B7A-43D3-8B79-37D633B846F1}">
-                <asvg:svgBlip xmlns:asvg="http://schemas.microsoft.com/office/drawing/2016/SVG/main" r:embed="rId6"/>
-              </a:ext>
-            </a:extLst>
-          </a:blip>
-          <a:stretch>
-            <a:fillRect/>
-          </a:stretch>
-        </a:blipFill>
-        <a:ln w="12700" cap="flat" cmpd="sng" algn="ctr">
-          <a:noFill/>
-          <a:prstDash val="solid"/>
-          <a:miter lim="800000"/>
-        </a:ln>
-        <a:effectLst/>
-      </dsp:spPr>
-      <dsp:style>
-        <a:lnRef idx="2">
-          <a:scrgbClr r="0" g="0" b="0"/>
-        </a:lnRef>
-        <a:fillRef idx="1">
-          <a:scrgbClr r="0" g="0" b="0"/>
-        </a:fillRef>
-        <a:effectRef idx="0">
-          <a:scrgbClr r="0" g="0" b="0"/>
-        </a:effectRef>
-        <a:fontRef idx="minor">
-          <a:schemeClr val="lt1"/>
-        </a:fontRef>
-      </dsp:style>
-    </dsp:sp>
-    <dsp:sp modelId="{24EE8E12-9E10-4432-84D4-33424916AD87}">
-      <dsp:nvSpPr>
-        <dsp:cNvPr id="0" name=""/>
-        <dsp:cNvSpPr/>
-      </dsp:nvSpPr>
-      <dsp:spPr>
-        <a:xfrm>
-          <a:off x="1353781" y="2932575"/>
-          <a:ext cx="4915256" cy="1172105"/>
-        </a:xfrm>
-        <a:prstGeom prst="rect">
-          <a:avLst/>
-        </a:prstGeom>
-        <a:noFill/>
-        <a:ln>
-          <a:noFill/>
-        </a:ln>
-        <a:effectLst/>
-      </dsp:spPr>
-      <dsp:style>
-        <a:lnRef idx="0">
-          <a:scrgbClr r="0" g="0" b="0"/>
-        </a:lnRef>
-        <a:fillRef idx="0">
-          <a:scrgbClr r="0" g="0" b="0"/>
-        </a:fillRef>
-        <a:effectRef idx="0">
-          <a:scrgbClr r="0" g="0" b="0"/>
-        </a:effectRef>
-        <a:fontRef idx="minor"/>
-      </dsp:style>
-      <dsp:txBody>
-        <a:bodyPr spcFirstLastPara="0" vert="horz" wrap="square" lIns="124048" tIns="124048" rIns="124048" bIns="124048" numCol="1" spcCol="1270" anchor="ctr" anchorCtr="0">
-          <a:noAutofit/>
-        </a:bodyPr>
-        <a:lstStyle/>
-        <a:p>
-          <a:pPr marL="0" lvl="0" indent="0" algn="l" defTabSz="977900">
-            <a:lnSpc>
-              <a:spcPct val="100000"/>
-            </a:lnSpc>
-            <a:spcBef>
-              <a:spcPct val="0"/>
-            </a:spcBef>
-            <a:spcAft>
-              <a:spcPct val="35000"/>
-            </a:spcAft>
-            <a:buNone/>
-          </a:pPr>
-          <a:r>
-            <a:rPr lang="en-US" sz="2200" kern="1200"/>
-            <a:t>Type Inference</a:t>
-          </a:r>
-        </a:p>
-      </dsp:txBody>
-      <dsp:txXfrm>
-        <a:off x="1353781" y="2932575"/>
-        <a:ext cx="4915256" cy="1172105"/>
-      </dsp:txXfrm>
-    </dsp:sp>
-    <dsp:sp modelId="{BE86A51C-9C1E-4B46-BE97-3004A56E2F81}">
-      <dsp:nvSpPr>
-        <dsp:cNvPr id="0" name=""/>
-        <dsp:cNvSpPr/>
-      </dsp:nvSpPr>
-      <dsp:spPr>
-        <a:xfrm>
-          <a:off x="0" y="4397707"/>
-          <a:ext cx="6269038" cy="1172105"/>
-        </a:xfrm>
-        <a:prstGeom prst="roundRect">
-          <a:avLst>
-            <a:gd name="adj" fmla="val 10000"/>
-          </a:avLst>
-        </a:prstGeom>
-        <a:solidFill>
-          <a:schemeClr val="bg1">
-            <a:lumMod val="95000"/>
-            <a:hueOff val="0"/>
-            <a:satOff val="0"/>
-            <a:lumOff val="0"/>
-            <a:alphaOff val="0"/>
-          </a:schemeClr>
-        </a:solidFill>
-        <a:ln>
-          <a:noFill/>
-        </a:ln>
-        <a:effectLst/>
-      </dsp:spPr>
-      <dsp:style>
-        <a:lnRef idx="0">
-          <a:scrgbClr r="0" g="0" b="0"/>
-        </a:lnRef>
-        <a:fillRef idx="1">
-          <a:scrgbClr r="0" g="0" b="0"/>
-        </a:fillRef>
-        <a:effectRef idx="0">
-          <a:scrgbClr r="0" g="0" b="0"/>
-        </a:effectRef>
-        <a:fontRef idx="minor"/>
-      </dsp:style>
-    </dsp:sp>
-    <dsp:sp modelId="{478533BB-60F0-452D-A162-CC7735209C16}">
-      <dsp:nvSpPr>
-        <dsp:cNvPr id="0" name=""/>
-        <dsp:cNvSpPr/>
-      </dsp:nvSpPr>
-      <dsp:spPr>
-        <a:xfrm>
-          <a:off x="354561" y="4661430"/>
-          <a:ext cx="644657" cy="644657"/>
-        </a:xfrm>
-        <a:prstGeom prst="rect">
-          <a:avLst/>
-        </a:prstGeom>
-        <a:blipFill>
-          <a:blip xmlns:r="http://schemas.openxmlformats.org/officeDocument/2006/relationships" r:embed="rId7">
-            <a:extLst>
-              <a:ext uri="{28A0092B-C50C-407E-A947-70E740481C1C}">
-                <a14:useLocalDpi xmlns:a14="http://schemas.microsoft.com/office/drawing/2010/main" val="0"/>
-              </a:ext>
-              <a:ext uri="{96DAC541-7B7A-43D3-8B79-37D633B846F1}">
-                <asvg:svgBlip xmlns:asvg="http://schemas.microsoft.com/office/drawing/2016/SVG/main" r:embed="rId8"/>
-              </a:ext>
-            </a:extLst>
-          </a:blip>
-          <a:stretch>
-            <a:fillRect/>
-          </a:stretch>
-        </a:blipFill>
-        <a:ln w="12700" cap="flat" cmpd="sng" algn="ctr">
-          <a:noFill/>
-          <a:prstDash val="solid"/>
-          <a:miter lim="800000"/>
-        </a:ln>
-        <a:effectLst/>
-      </dsp:spPr>
-      <dsp:style>
-        <a:lnRef idx="2">
-          <a:scrgbClr r="0" g="0" b="0"/>
-        </a:lnRef>
-        <a:fillRef idx="1">
-          <a:scrgbClr r="0" g="0" b="0"/>
-        </a:fillRef>
-        <a:effectRef idx="0">
-          <a:scrgbClr r="0" g="0" b="0"/>
-        </a:effectRef>
-        <a:fontRef idx="minor">
-          <a:schemeClr val="lt1"/>
-        </a:fontRef>
-      </dsp:style>
-    </dsp:sp>
-    <dsp:sp modelId="{BB2ACA50-68DF-4444-BE19-B8EB3335B515}">
-      <dsp:nvSpPr>
-        <dsp:cNvPr id="0" name=""/>
-        <dsp:cNvSpPr/>
-      </dsp:nvSpPr>
-      <dsp:spPr>
-        <a:xfrm>
-          <a:off x="1353781" y="4397707"/>
-          <a:ext cx="4915256" cy="1172105"/>
-        </a:xfrm>
-        <a:prstGeom prst="rect">
-          <a:avLst/>
-        </a:prstGeom>
-        <a:noFill/>
-        <a:ln>
-          <a:noFill/>
-        </a:ln>
-        <a:effectLst/>
-      </dsp:spPr>
-      <dsp:style>
-        <a:lnRef idx="0">
-          <a:scrgbClr r="0" g="0" b="0"/>
-        </a:lnRef>
-        <a:fillRef idx="0">
-          <a:scrgbClr r="0" g="0" b="0"/>
-        </a:fillRef>
-        <a:effectRef idx="0">
-          <a:scrgbClr r="0" g="0" b="0"/>
-        </a:effectRef>
-        <a:fontRef idx="minor"/>
-      </dsp:style>
-      <dsp:txBody>
-        <a:bodyPr spcFirstLastPara="0" vert="horz" wrap="square" lIns="124048" tIns="124048" rIns="124048" bIns="124048" numCol="1" spcCol="1270" anchor="ctr" anchorCtr="0">
-          <a:noAutofit/>
-        </a:bodyPr>
-        <a:lstStyle/>
-        <a:p>
-          <a:pPr marL="0" lvl="0" indent="0" algn="l" defTabSz="977900">
-            <a:lnSpc>
-              <a:spcPct val="100000"/>
-            </a:lnSpc>
-            <a:spcBef>
-              <a:spcPct val="0"/>
-            </a:spcBef>
-            <a:spcAft>
-              <a:spcPct val="35000"/>
-            </a:spcAft>
-            <a:buNone/>
-          </a:pPr>
-          <a:r>
-            <a:rPr lang="en-US" sz="2200" kern="1200"/>
-            <a:t>Multiple Dispatch</a:t>
-          </a:r>
-        </a:p>
-      </dsp:txBody>
-      <dsp:txXfrm>
-        <a:off x="1353781" y="4397707"/>
-        <a:ext cx="4915256" cy="1172105"/>
-      </dsp:txXfrm>
-    </dsp:sp>
-  </dsp:spTree>
-</dsp:drawing>
-</file>
-
-<file path=ppt/diagrams/drawing2.xml><?xml version="1.0" encoding="utf-8"?>
 <dsp:drawing xmlns:dgm="http://schemas.openxmlformats.org/drawingml/2006/diagram" xmlns:dsp="http://schemas.microsoft.com/office/drawing/2008/diagram" xmlns:a="http://schemas.openxmlformats.org/drawingml/2006/main">
   <dsp:spTree>
     <dsp:nvGrpSpPr>
@@ -5540,6 +4921,626 @@
 </dsp:drawing>
 </file>
 
+<file path=ppt/diagrams/drawing2.xml><?xml version="1.0" encoding="utf-8"?>
+<dsp:drawing xmlns:dgm="http://schemas.openxmlformats.org/drawingml/2006/diagram" xmlns:dsp="http://schemas.microsoft.com/office/drawing/2008/diagram" xmlns:a="http://schemas.openxmlformats.org/drawingml/2006/main">
+  <dsp:spTree>
+    <dsp:nvGrpSpPr>
+      <dsp:cNvPr id="0" name=""/>
+      <dsp:cNvGrpSpPr/>
+    </dsp:nvGrpSpPr>
+    <dsp:grpSpPr/>
+    <dsp:sp modelId="{F5C48B4C-8060-4E75-8ACF-E747ACF8BC75}">
+      <dsp:nvSpPr>
+        <dsp:cNvPr id="0" name=""/>
+        <dsp:cNvSpPr/>
+      </dsp:nvSpPr>
+      <dsp:spPr>
+        <a:xfrm>
+          <a:off x="0" y="2312"/>
+          <a:ext cx="6269038" cy="1172105"/>
+        </a:xfrm>
+        <a:prstGeom prst="roundRect">
+          <a:avLst>
+            <a:gd name="adj" fmla="val 10000"/>
+          </a:avLst>
+        </a:prstGeom>
+        <a:solidFill>
+          <a:schemeClr val="bg1">
+            <a:lumMod val="95000"/>
+            <a:hueOff val="0"/>
+            <a:satOff val="0"/>
+            <a:lumOff val="0"/>
+            <a:alphaOff val="0"/>
+          </a:schemeClr>
+        </a:solidFill>
+        <a:ln>
+          <a:noFill/>
+        </a:ln>
+        <a:effectLst/>
+      </dsp:spPr>
+      <dsp:style>
+        <a:lnRef idx="0">
+          <a:scrgbClr r="0" g="0" b="0"/>
+        </a:lnRef>
+        <a:fillRef idx="1">
+          <a:scrgbClr r="0" g="0" b="0"/>
+        </a:fillRef>
+        <a:effectRef idx="0">
+          <a:scrgbClr r="0" g="0" b="0"/>
+        </a:effectRef>
+        <a:fontRef idx="minor"/>
+      </dsp:style>
+    </dsp:sp>
+    <dsp:sp modelId="{706D5633-3D99-4AFA-A740-8440EAC7119D}">
+      <dsp:nvSpPr>
+        <dsp:cNvPr id="0" name=""/>
+        <dsp:cNvSpPr/>
+      </dsp:nvSpPr>
+      <dsp:spPr>
+        <a:xfrm>
+          <a:off x="354561" y="266036"/>
+          <a:ext cx="644657" cy="644657"/>
+        </a:xfrm>
+        <a:prstGeom prst="rect">
+          <a:avLst/>
+        </a:prstGeom>
+        <a:blipFill>
+          <a:blip xmlns:r="http://schemas.openxmlformats.org/officeDocument/2006/relationships" r:embed="rId1">
+            <a:extLst>
+              <a:ext uri="{28A0092B-C50C-407E-A947-70E740481C1C}">
+                <a14:useLocalDpi xmlns:a14="http://schemas.microsoft.com/office/drawing/2010/main" val="0"/>
+              </a:ext>
+              <a:ext uri="{96DAC541-7B7A-43D3-8B79-37D633B846F1}">
+                <asvg:svgBlip xmlns:asvg="http://schemas.microsoft.com/office/drawing/2016/SVG/main" r:embed="rId2"/>
+              </a:ext>
+            </a:extLst>
+          </a:blip>
+          <a:stretch>
+            <a:fillRect/>
+          </a:stretch>
+        </a:blipFill>
+        <a:ln w="12700" cap="flat" cmpd="sng" algn="ctr">
+          <a:noFill/>
+          <a:prstDash val="solid"/>
+          <a:miter lim="800000"/>
+        </a:ln>
+        <a:effectLst/>
+      </dsp:spPr>
+      <dsp:style>
+        <a:lnRef idx="2">
+          <a:scrgbClr r="0" g="0" b="0"/>
+        </a:lnRef>
+        <a:fillRef idx="1">
+          <a:scrgbClr r="0" g="0" b="0"/>
+        </a:fillRef>
+        <a:effectRef idx="0">
+          <a:scrgbClr r="0" g="0" b="0"/>
+        </a:effectRef>
+        <a:fontRef idx="minor">
+          <a:schemeClr val="lt1"/>
+        </a:fontRef>
+      </dsp:style>
+    </dsp:sp>
+    <dsp:sp modelId="{88F792CC-4D58-4D66-B760-DB2C40964188}">
+      <dsp:nvSpPr>
+        <dsp:cNvPr id="0" name=""/>
+        <dsp:cNvSpPr/>
+      </dsp:nvSpPr>
+      <dsp:spPr>
+        <a:xfrm>
+          <a:off x="1353781" y="2312"/>
+          <a:ext cx="4915256" cy="1172105"/>
+        </a:xfrm>
+        <a:prstGeom prst="rect">
+          <a:avLst/>
+        </a:prstGeom>
+        <a:noFill/>
+        <a:ln>
+          <a:noFill/>
+        </a:ln>
+        <a:effectLst/>
+      </dsp:spPr>
+      <dsp:style>
+        <a:lnRef idx="0">
+          <a:scrgbClr r="0" g="0" b="0"/>
+        </a:lnRef>
+        <a:fillRef idx="0">
+          <a:scrgbClr r="0" g="0" b="0"/>
+        </a:fillRef>
+        <a:effectRef idx="0">
+          <a:scrgbClr r="0" g="0" b="0"/>
+        </a:effectRef>
+        <a:fontRef idx="minor"/>
+      </dsp:style>
+      <dsp:txBody>
+        <a:bodyPr spcFirstLastPara="0" vert="horz" wrap="square" lIns="124048" tIns="124048" rIns="124048" bIns="124048" numCol="1" spcCol="1270" anchor="ctr" anchorCtr="0">
+          <a:noAutofit/>
+        </a:bodyPr>
+        <a:lstStyle/>
+        <a:p>
+          <a:pPr marL="0" lvl="0" indent="0" algn="l" defTabSz="977900">
+            <a:lnSpc>
+              <a:spcPct val="100000"/>
+            </a:lnSpc>
+            <a:spcBef>
+              <a:spcPct val="0"/>
+            </a:spcBef>
+            <a:spcAft>
+              <a:spcPct val="35000"/>
+            </a:spcAft>
+            <a:buNone/>
+          </a:pPr>
+          <a:r>
+            <a:rPr lang="en-US" sz="2200" kern="1200"/>
+            <a:t>JIT compiled</a:t>
+          </a:r>
+        </a:p>
+      </dsp:txBody>
+      <dsp:txXfrm>
+        <a:off x="1353781" y="2312"/>
+        <a:ext cx="4915256" cy="1172105"/>
+      </dsp:txXfrm>
+    </dsp:sp>
+    <dsp:sp modelId="{6F519BB0-4B10-43F4-B427-BD22F8FA1124}">
+      <dsp:nvSpPr>
+        <dsp:cNvPr id="0" name=""/>
+        <dsp:cNvSpPr/>
+      </dsp:nvSpPr>
+      <dsp:spPr>
+        <a:xfrm>
+          <a:off x="0" y="1467444"/>
+          <a:ext cx="6269038" cy="1172105"/>
+        </a:xfrm>
+        <a:prstGeom prst="roundRect">
+          <a:avLst>
+            <a:gd name="adj" fmla="val 10000"/>
+          </a:avLst>
+        </a:prstGeom>
+        <a:solidFill>
+          <a:schemeClr val="bg1">
+            <a:lumMod val="95000"/>
+            <a:hueOff val="0"/>
+            <a:satOff val="0"/>
+            <a:lumOff val="0"/>
+            <a:alphaOff val="0"/>
+          </a:schemeClr>
+        </a:solidFill>
+        <a:ln>
+          <a:noFill/>
+        </a:ln>
+        <a:effectLst/>
+      </dsp:spPr>
+      <dsp:style>
+        <a:lnRef idx="0">
+          <a:scrgbClr r="0" g="0" b="0"/>
+        </a:lnRef>
+        <a:fillRef idx="1">
+          <a:scrgbClr r="0" g="0" b="0"/>
+        </a:fillRef>
+        <a:effectRef idx="0">
+          <a:scrgbClr r="0" g="0" b="0"/>
+        </a:effectRef>
+        <a:fontRef idx="minor"/>
+      </dsp:style>
+    </dsp:sp>
+    <dsp:sp modelId="{73FAAFF6-FA3B-49EB-B7AC-D6BF3937BE00}">
+      <dsp:nvSpPr>
+        <dsp:cNvPr id="0" name=""/>
+        <dsp:cNvSpPr/>
+      </dsp:nvSpPr>
+      <dsp:spPr>
+        <a:xfrm>
+          <a:off x="354561" y="1731167"/>
+          <a:ext cx="644657" cy="644657"/>
+        </a:xfrm>
+        <a:prstGeom prst="rect">
+          <a:avLst/>
+        </a:prstGeom>
+        <a:blipFill>
+          <a:blip xmlns:r="http://schemas.openxmlformats.org/officeDocument/2006/relationships" r:embed="rId3">
+            <a:extLst>
+              <a:ext uri="{28A0092B-C50C-407E-A947-70E740481C1C}">
+                <a14:useLocalDpi xmlns:a14="http://schemas.microsoft.com/office/drawing/2010/main" val="0"/>
+              </a:ext>
+              <a:ext uri="{96DAC541-7B7A-43D3-8B79-37D633B846F1}">
+                <asvg:svgBlip xmlns:asvg="http://schemas.microsoft.com/office/drawing/2016/SVG/main" r:embed="rId4"/>
+              </a:ext>
+            </a:extLst>
+          </a:blip>
+          <a:stretch>
+            <a:fillRect/>
+          </a:stretch>
+        </a:blipFill>
+        <a:ln w="12700" cap="flat" cmpd="sng" algn="ctr">
+          <a:noFill/>
+          <a:prstDash val="solid"/>
+          <a:miter lim="800000"/>
+        </a:ln>
+        <a:effectLst/>
+      </dsp:spPr>
+      <dsp:style>
+        <a:lnRef idx="2">
+          <a:scrgbClr r="0" g="0" b="0"/>
+        </a:lnRef>
+        <a:fillRef idx="1">
+          <a:scrgbClr r="0" g="0" b="0"/>
+        </a:fillRef>
+        <a:effectRef idx="0">
+          <a:scrgbClr r="0" g="0" b="0"/>
+        </a:effectRef>
+        <a:fontRef idx="minor">
+          <a:schemeClr val="lt1"/>
+        </a:fontRef>
+      </dsp:style>
+    </dsp:sp>
+    <dsp:sp modelId="{771A816C-236F-47DA-91A9-4ECB1DB57A28}">
+      <dsp:nvSpPr>
+        <dsp:cNvPr id="0" name=""/>
+        <dsp:cNvSpPr/>
+      </dsp:nvSpPr>
+      <dsp:spPr>
+        <a:xfrm>
+          <a:off x="1353781" y="1467444"/>
+          <a:ext cx="4915256" cy="1172105"/>
+        </a:xfrm>
+        <a:prstGeom prst="rect">
+          <a:avLst/>
+        </a:prstGeom>
+        <a:noFill/>
+        <a:ln>
+          <a:noFill/>
+        </a:ln>
+        <a:effectLst/>
+      </dsp:spPr>
+      <dsp:style>
+        <a:lnRef idx="0">
+          <a:scrgbClr r="0" g="0" b="0"/>
+        </a:lnRef>
+        <a:fillRef idx="0">
+          <a:scrgbClr r="0" g="0" b="0"/>
+        </a:fillRef>
+        <a:effectRef idx="0">
+          <a:scrgbClr r="0" g="0" b="0"/>
+        </a:effectRef>
+        <a:fontRef idx="minor"/>
+      </dsp:style>
+      <dsp:txBody>
+        <a:bodyPr spcFirstLastPara="0" vert="horz" wrap="square" lIns="124048" tIns="124048" rIns="124048" bIns="124048" numCol="1" spcCol="1270" anchor="ctr" anchorCtr="0">
+          <a:noAutofit/>
+        </a:bodyPr>
+        <a:lstStyle/>
+        <a:p>
+          <a:pPr marL="0" lvl="0" indent="0" algn="l" defTabSz="977900">
+            <a:lnSpc>
+              <a:spcPct val="100000"/>
+            </a:lnSpc>
+            <a:spcBef>
+              <a:spcPct val="0"/>
+            </a:spcBef>
+            <a:spcAft>
+              <a:spcPct val="35000"/>
+            </a:spcAft>
+            <a:buNone/>
+          </a:pPr>
+          <a:r>
+            <a:rPr lang="en-US" sz="2200" kern="1200"/>
+            <a:t>Cached compilation</a:t>
+          </a:r>
+        </a:p>
+      </dsp:txBody>
+      <dsp:txXfrm>
+        <a:off x="1353781" y="1467444"/>
+        <a:ext cx="4915256" cy="1172105"/>
+      </dsp:txXfrm>
+    </dsp:sp>
+    <dsp:sp modelId="{B0DCE167-3814-4343-A426-B8573228F429}">
+      <dsp:nvSpPr>
+        <dsp:cNvPr id="0" name=""/>
+        <dsp:cNvSpPr/>
+      </dsp:nvSpPr>
+      <dsp:spPr>
+        <a:xfrm>
+          <a:off x="0" y="2932575"/>
+          <a:ext cx="6269038" cy="1172105"/>
+        </a:xfrm>
+        <a:prstGeom prst="roundRect">
+          <a:avLst>
+            <a:gd name="adj" fmla="val 10000"/>
+          </a:avLst>
+        </a:prstGeom>
+        <a:solidFill>
+          <a:schemeClr val="bg1">
+            <a:lumMod val="95000"/>
+            <a:hueOff val="0"/>
+            <a:satOff val="0"/>
+            <a:lumOff val="0"/>
+            <a:alphaOff val="0"/>
+          </a:schemeClr>
+        </a:solidFill>
+        <a:ln>
+          <a:noFill/>
+        </a:ln>
+        <a:effectLst/>
+      </dsp:spPr>
+      <dsp:style>
+        <a:lnRef idx="0">
+          <a:scrgbClr r="0" g="0" b="0"/>
+        </a:lnRef>
+        <a:fillRef idx="1">
+          <a:scrgbClr r="0" g="0" b="0"/>
+        </a:fillRef>
+        <a:effectRef idx="0">
+          <a:scrgbClr r="0" g="0" b="0"/>
+        </a:effectRef>
+        <a:fontRef idx="minor"/>
+      </dsp:style>
+    </dsp:sp>
+    <dsp:sp modelId="{A6AFA730-E6B4-483A-801C-1E9ED10C7755}">
+      <dsp:nvSpPr>
+        <dsp:cNvPr id="0" name=""/>
+        <dsp:cNvSpPr/>
+      </dsp:nvSpPr>
+      <dsp:spPr>
+        <a:xfrm>
+          <a:off x="354561" y="3196299"/>
+          <a:ext cx="644657" cy="644657"/>
+        </a:xfrm>
+        <a:prstGeom prst="rect">
+          <a:avLst/>
+        </a:prstGeom>
+        <a:blipFill>
+          <a:blip xmlns:r="http://schemas.openxmlformats.org/officeDocument/2006/relationships" r:embed="rId5">
+            <a:extLst>
+              <a:ext uri="{28A0092B-C50C-407E-A947-70E740481C1C}">
+                <a14:useLocalDpi xmlns:a14="http://schemas.microsoft.com/office/drawing/2010/main" val="0"/>
+              </a:ext>
+              <a:ext uri="{96DAC541-7B7A-43D3-8B79-37D633B846F1}">
+                <asvg:svgBlip xmlns:asvg="http://schemas.microsoft.com/office/drawing/2016/SVG/main" r:embed="rId6"/>
+              </a:ext>
+            </a:extLst>
+          </a:blip>
+          <a:stretch>
+            <a:fillRect/>
+          </a:stretch>
+        </a:blipFill>
+        <a:ln w="12700" cap="flat" cmpd="sng" algn="ctr">
+          <a:noFill/>
+          <a:prstDash val="solid"/>
+          <a:miter lim="800000"/>
+        </a:ln>
+        <a:effectLst/>
+      </dsp:spPr>
+      <dsp:style>
+        <a:lnRef idx="2">
+          <a:scrgbClr r="0" g="0" b="0"/>
+        </a:lnRef>
+        <a:fillRef idx="1">
+          <a:scrgbClr r="0" g="0" b="0"/>
+        </a:fillRef>
+        <a:effectRef idx="0">
+          <a:scrgbClr r="0" g="0" b="0"/>
+        </a:effectRef>
+        <a:fontRef idx="minor">
+          <a:schemeClr val="lt1"/>
+        </a:fontRef>
+      </dsp:style>
+    </dsp:sp>
+    <dsp:sp modelId="{24EE8E12-9E10-4432-84D4-33424916AD87}">
+      <dsp:nvSpPr>
+        <dsp:cNvPr id="0" name=""/>
+        <dsp:cNvSpPr/>
+      </dsp:nvSpPr>
+      <dsp:spPr>
+        <a:xfrm>
+          <a:off x="1353781" y="2932575"/>
+          <a:ext cx="4915256" cy="1172105"/>
+        </a:xfrm>
+        <a:prstGeom prst="rect">
+          <a:avLst/>
+        </a:prstGeom>
+        <a:noFill/>
+        <a:ln>
+          <a:noFill/>
+        </a:ln>
+        <a:effectLst/>
+      </dsp:spPr>
+      <dsp:style>
+        <a:lnRef idx="0">
+          <a:scrgbClr r="0" g="0" b="0"/>
+        </a:lnRef>
+        <a:fillRef idx="0">
+          <a:scrgbClr r="0" g="0" b="0"/>
+        </a:fillRef>
+        <a:effectRef idx="0">
+          <a:scrgbClr r="0" g="0" b="0"/>
+        </a:effectRef>
+        <a:fontRef idx="minor"/>
+      </dsp:style>
+      <dsp:txBody>
+        <a:bodyPr spcFirstLastPara="0" vert="horz" wrap="square" lIns="124048" tIns="124048" rIns="124048" bIns="124048" numCol="1" spcCol="1270" anchor="ctr" anchorCtr="0">
+          <a:noAutofit/>
+        </a:bodyPr>
+        <a:lstStyle/>
+        <a:p>
+          <a:pPr marL="0" lvl="0" indent="0" algn="l" defTabSz="977900">
+            <a:lnSpc>
+              <a:spcPct val="100000"/>
+            </a:lnSpc>
+            <a:spcBef>
+              <a:spcPct val="0"/>
+            </a:spcBef>
+            <a:spcAft>
+              <a:spcPct val="35000"/>
+            </a:spcAft>
+            <a:buNone/>
+          </a:pPr>
+          <a:r>
+            <a:rPr lang="en-US" sz="2200" kern="1200"/>
+            <a:t>Type Inference</a:t>
+          </a:r>
+        </a:p>
+      </dsp:txBody>
+      <dsp:txXfrm>
+        <a:off x="1353781" y="2932575"/>
+        <a:ext cx="4915256" cy="1172105"/>
+      </dsp:txXfrm>
+    </dsp:sp>
+    <dsp:sp modelId="{BE86A51C-9C1E-4B46-BE97-3004A56E2F81}">
+      <dsp:nvSpPr>
+        <dsp:cNvPr id="0" name=""/>
+        <dsp:cNvSpPr/>
+      </dsp:nvSpPr>
+      <dsp:spPr>
+        <a:xfrm>
+          <a:off x="0" y="4397707"/>
+          <a:ext cx="6269038" cy="1172105"/>
+        </a:xfrm>
+        <a:prstGeom prst="roundRect">
+          <a:avLst>
+            <a:gd name="adj" fmla="val 10000"/>
+          </a:avLst>
+        </a:prstGeom>
+        <a:solidFill>
+          <a:schemeClr val="bg1">
+            <a:lumMod val="95000"/>
+            <a:hueOff val="0"/>
+            <a:satOff val="0"/>
+            <a:lumOff val="0"/>
+            <a:alphaOff val="0"/>
+          </a:schemeClr>
+        </a:solidFill>
+        <a:ln>
+          <a:noFill/>
+        </a:ln>
+        <a:effectLst/>
+      </dsp:spPr>
+      <dsp:style>
+        <a:lnRef idx="0">
+          <a:scrgbClr r="0" g="0" b="0"/>
+        </a:lnRef>
+        <a:fillRef idx="1">
+          <a:scrgbClr r="0" g="0" b="0"/>
+        </a:fillRef>
+        <a:effectRef idx="0">
+          <a:scrgbClr r="0" g="0" b="0"/>
+        </a:effectRef>
+        <a:fontRef idx="minor"/>
+      </dsp:style>
+    </dsp:sp>
+    <dsp:sp modelId="{478533BB-60F0-452D-A162-CC7735209C16}">
+      <dsp:nvSpPr>
+        <dsp:cNvPr id="0" name=""/>
+        <dsp:cNvSpPr/>
+      </dsp:nvSpPr>
+      <dsp:spPr>
+        <a:xfrm>
+          <a:off x="354561" y="4661430"/>
+          <a:ext cx="644657" cy="644657"/>
+        </a:xfrm>
+        <a:prstGeom prst="rect">
+          <a:avLst/>
+        </a:prstGeom>
+        <a:blipFill>
+          <a:blip xmlns:r="http://schemas.openxmlformats.org/officeDocument/2006/relationships" r:embed="rId7">
+            <a:extLst>
+              <a:ext uri="{28A0092B-C50C-407E-A947-70E740481C1C}">
+                <a14:useLocalDpi xmlns:a14="http://schemas.microsoft.com/office/drawing/2010/main" val="0"/>
+              </a:ext>
+              <a:ext uri="{96DAC541-7B7A-43D3-8B79-37D633B846F1}">
+                <asvg:svgBlip xmlns:asvg="http://schemas.microsoft.com/office/drawing/2016/SVG/main" r:embed="rId8"/>
+              </a:ext>
+            </a:extLst>
+          </a:blip>
+          <a:stretch>
+            <a:fillRect/>
+          </a:stretch>
+        </a:blipFill>
+        <a:ln w="12700" cap="flat" cmpd="sng" algn="ctr">
+          <a:noFill/>
+          <a:prstDash val="solid"/>
+          <a:miter lim="800000"/>
+        </a:ln>
+        <a:effectLst/>
+      </dsp:spPr>
+      <dsp:style>
+        <a:lnRef idx="2">
+          <a:scrgbClr r="0" g="0" b="0"/>
+        </a:lnRef>
+        <a:fillRef idx="1">
+          <a:scrgbClr r="0" g="0" b="0"/>
+        </a:fillRef>
+        <a:effectRef idx="0">
+          <a:scrgbClr r="0" g="0" b="0"/>
+        </a:effectRef>
+        <a:fontRef idx="minor">
+          <a:schemeClr val="lt1"/>
+        </a:fontRef>
+      </dsp:style>
+    </dsp:sp>
+    <dsp:sp modelId="{BB2ACA50-68DF-4444-BE19-B8EB3335B515}">
+      <dsp:nvSpPr>
+        <dsp:cNvPr id="0" name=""/>
+        <dsp:cNvSpPr/>
+      </dsp:nvSpPr>
+      <dsp:spPr>
+        <a:xfrm>
+          <a:off x="1353781" y="4397707"/>
+          <a:ext cx="4915256" cy="1172105"/>
+        </a:xfrm>
+        <a:prstGeom prst="rect">
+          <a:avLst/>
+        </a:prstGeom>
+        <a:noFill/>
+        <a:ln>
+          <a:noFill/>
+        </a:ln>
+        <a:effectLst/>
+      </dsp:spPr>
+      <dsp:style>
+        <a:lnRef idx="0">
+          <a:scrgbClr r="0" g="0" b="0"/>
+        </a:lnRef>
+        <a:fillRef idx="0">
+          <a:scrgbClr r="0" g="0" b="0"/>
+        </a:fillRef>
+        <a:effectRef idx="0">
+          <a:scrgbClr r="0" g="0" b="0"/>
+        </a:effectRef>
+        <a:fontRef idx="minor"/>
+      </dsp:style>
+      <dsp:txBody>
+        <a:bodyPr spcFirstLastPara="0" vert="horz" wrap="square" lIns="124048" tIns="124048" rIns="124048" bIns="124048" numCol="1" spcCol="1270" anchor="ctr" anchorCtr="0">
+          <a:noAutofit/>
+        </a:bodyPr>
+        <a:lstStyle/>
+        <a:p>
+          <a:pPr marL="0" lvl="0" indent="0" algn="l" defTabSz="977900">
+            <a:lnSpc>
+              <a:spcPct val="100000"/>
+            </a:lnSpc>
+            <a:spcBef>
+              <a:spcPct val="0"/>
+            </a:spcBef>
+            <a:spcAft>
+              <a:spcPct val="35000"/>
+            </a:spcAft>
+            <a:buNone/>
+          </a:pPr>
+          <a:r>
+            <a:rPr lang="en-US" sz="2200" kern="1200"/>
+            <a:t>Multiple Dispatch</a:t>
+          </a:r>
+        </a:p>
+      </dsp:txBody>
+      <dsp:txXfrm>
+        <a:off x="1353781" y="4397707"/>
+        <a:ext cx="4915256" cy="1172105"/>
+      </dsp:txXfrm>
+    </dsp:sp>
+  </dsp:spTree>
+</dsp:drawing>
+</file>
+
 <file path=ppt/diagrams/drawing3.xml><?xml version="1.0" encoding="utf-8"?>
 <dsp:drawing xmlns:dgm="http://schemas.openxmlformats.org/drawingml/2006/diagram" xmlns:dsp="http://schemas.microsoft.com/office/drawing/2008/diagram" xmlns:a="http://schemas.openxmlformats.org/drawingml/2006/main">
   <dsp:spTree>
@@ -6265,6 +6266,198 @@
 </file>
 
 <file path=ppt/diagrams/layout1.xml><?xml version="1.0" encoding="utf-8"?>
+<dgm:layoutDef xmlns:dgm="http://schemas.openxmlformats.org/drawingml/2006/diagram" xmlns:a="http://schemas.openxmlformats.org/drawingml/2006/main" uniqueId="urn:microsoft.com/office/officeart/2016/7/layout/RepeatingBendingProcessNew">
+  <dgm:title val="Repeating Bending Process New"/>
+  <dgm:desc val=""/>
+  <dgm:catLst>
+    <dgm:cat type="process" pri="500"/>
+  </dgm:catLst>
+  <dgm:sampData>
+    <dgm:dataModel>
+      <dgm:ptLst>
+        <dgm:pt modelId="0" type="doc"/>
+        <dgm:pt modelId="1">
+          <dgm:prSet phldr="1"/>
+        </dgm:pt>
+        <dgm:pt modelId="2">
+          <dgm:prSet phldr="1"/>
+        </dgm:pt>
+        <dgm:pt modelId="3">
+          <dgm:prSet phldr="1"/>
+        </dgm:pt>
+        <dgm:pt modelId="4">
+          <dgm:prSet phldr="1"/>
+        </dgm:pt>
+        <dgm:pt modelId="5">
+          <dgm:prSet phldr="1"/>
+        </dgm:pt>
+      </dgm:ptLst>
+      <dgm:cxnLst>
+        <dgm:cxn modelId="7" srcId="0" destId="1" srcOrd="0" destOrd="0"/>
+        <dgm:cxn modelId="8" srcId="0" destId="2" srcOrd="1" destOrd="0"/>
+        <dgm:cxn modelId="9" srcId="0" destId="3" srcOrd="2" destOrd="0"/>
+        <dgm:cxn modelId="10" srcId="0" destId="4" srcOrd="3" destOrd="0"/>
+        <dgm:cxn modelId="11" srcId="0" destId="5" srcOrd="4" destOrd="0"/>
+      </dgm:cxnLst>
+      <dgm:bg/>
+      <dgm:whole/>
+    </dgm:dataModel>
+  </dgm:sampData>
+  <dgm:styleData>
+    <dgm:dataModel>
+      <dgm:ptLst>
+        <dgm:pt modelId="0" type="doc"/>
+        <dgm:pt modelId="1"/>
+        <dgm:pt modelId="2"/>
+      </dgm:ptLst>
+      <dgm:cxnLst>
+        <dgm:cxn modelId="3" srcId="0" destId="1" srcOrd="0" destOrd="0"/>
+        <dgm:cxn modelId="4" srcId="0" destId="2" srcOrd="1" destOrd="0"/>
+      </dgm:cxnLst>
+      <dgm:bg/>
+      <dgm:whole/>
+    </dgm:dataModel>
+  </dgm:styleData>
+  <dgm:clrData>
+    <dgm:dataModel>
+      <dgm:ptLst>
+        <dgm:pt modelId="0" type="doc"/>
+        <dgm:pt modelId="1"/>
+        <dgm:pt modelId="2"/>
+        <dgm:pt modelId="3"/>
+        <dgm:pt modelId="4"/>
+      </dgm:ptLst>
+      <dgm:cxnLst>
+        <dgm:cxn modelId="5" srcId="0" destId="1" srcOrd="0" destOrd="0"/>
+        <dgm:cxn modelId="6" srcId="0" destId="2" srcOrd="1" destOrd="0"/>
+        <dgm:cxn modelId="7" srcId="0" destId="3" srcOrd="2" destOrd="0"/>
+        <dgm:cxn modelId="8" srcId="0" destId="4" srcOrd="3" destOrd="0"/>
+      </dgm:cxnLst>
+      <dgm:bg/>
+      <dgm:whole/>
+    </dgm:dataModel>
+  </dgm:clrData>
+  <dgm:layoutNode name="Name0">
+    <dgm:varLst>
+      <dgm:dir/>
+      <dgm:resizeHandles val="exact"/>
+    </dgm:varLst>
+    <dgm:choose name="Name1">
+      <dgm:if name="Name2" axis="self" func="var" arg="dir" op="equ" val="norm">
+        <dgm:alg type="snake">
+          <dgm:param type="grDir" val="tL"/>
+          <dgm:param type="flowDir" val="row"/>
+          <dgm:param type="contDir" val="sameDir"/>
+          <dgm:param type="bkpt" val="endCnv"/>
+        </dgm:alg>
+      </dgm:if>
+      <dgm:else name="Name3">
+        <dgm:alg type="snake">
+          <dgm:param type="grDir" val="tR"/>
+          <dgm:param type="flowDir" val="row"/>
+          <dgm:param type="contDir" val="sameDir"/>
+          <dgm:param type="bkpt" val="endCnv"/>
+        </dgm:alg>
+      </dgm:else>
+    </dgm:choose>
+    <dgm:shape xmlns:r="http://schemas.openxmlformats.org/officeDocument/2006/relationships" r:blip="">
+      <dgm:adjLst/>
+    </dgm:shape>
+    <dgm:presOf/>
+    <dgm:constrLst>
+      <dgm:constr type="w" for="ch" ptType="node" refType="w"/>
+      <dgm:constr type="w" for="ch" forName="sibTrans" refType="w" refFor="ch" refPtType="node" op="equ" fact="0.23"/>
+      <dgm:constr type="sp" refType="w" refFor="ch" refForName="sibTrans" op="equ"/>
+      <dgm:constr type="userB" for="des" forName="connectorText" refType="sp"/>
+      <dgm:constr type="primFontSz" for="ch" ptType="node" op="equ" val="65"/>
+      <dgm:constr type="h" for="ch" ptType="sibTrans" op="equ"/>
+      <dgm:constr type="primFontSz" for="des" forName="connectorText" op="equ" val="55"/>
+      <dgm:constr type="primFontSz" for="des" forName="connectorText" refType="primFontSz" refFor="ch" refPtType="node" op="lte" fact="0.8"/>
+    </dgm:constrLst>
+    <dgm:ruleLst/>
+    <dgm:forEach name="nodesForEach" axis="ch" ptType="node">
+      <dgm:layoutNode name="node">
+        <dgm:varLst>
+          <dgm:bulletEnabled val="1"/>
+        </dgm:varLst>
+        <dgm:alg type="tx"/>
+        <dgm:shape xmlns:r="http://schemas.openxmlformats.org/officeDocument/2006/relationships" type="rect" r:blip="">
+          <dgm:adjLst/>
+        </dgm:shape>
+        <dgm:presOf axis="desOrSelf" ptType="node"/>
+        <dgm:constrLst>
+          <dgm:constr type="h" refType="w" fact="0.6"/>
+          <dgm:constr type="tMarg" refType="h" fact="0.243"/>
+          <dgm:constr type="bMarg" refType="h" fact="0.243"/>
+          <dgm:constr type="lMarg" refType="w" fact="0.1389"/>
+          <dgm:constr type="rMarg" refType="w" fact="0.1389"/>
+        </dgm:constrLst>
+        <dgm:ruleLst>
+          <dgm:rule type="primFontSz" val="12" fact="NaN" max="NaN"/>
+        </dgm:ruleLst>
+      </dgm:layoutNode>
+      <dgm:forEach name="sibTransForEach" axis="followSib" ptType="sibTrans" cnt="1">
+        <dgm:layoutNode name="sibTrans">
+          <dgm:choose name="Name4">
+            <dgm:if name="Name5" axis="self" func="var" arg="dir" op="equ" val="norm">
+              <dgm:alg type="conn">
+                <dgm:param type="connRout" val="bend"/>
+                <dgm:param type="dim" val="1D"/>
+                <dgm:param type="begPts" val="midR bCtr"/>
+                <dgm:param type="endPts" val="midL tCtr"/>
+              </dgm:alg>
+            </dgm:if>
+            <dgm:else name="Name6">
+              <dgm:alg type="conn">
+                <dgm:param type="connRout" val="bend"/>
+                <dgm:param type="dim" val="1D"/>
+                <dgm:param type="begPts" val="midL bCtr"/>
+                <dgm:param type="endPts" val="midR tCtr"/>
+              </dgm:alg>
+            </dgm:else>
+          </dgm:choose>
+          <dgm:shape xmlns:r="http://schemas.openxmlformats.org/officeDocument/2006/relationships" type="conn" r:blip="" zOrderOff="-2">
+            <dgm:adjLst/>
+          </dgm:shape>
+          <dgm:presOf axis="self"/>
+          <dgm:constrLst>
+            <dgm:constr type="begPad" val="-0.05"/>
+            <dgm:constr type="endPad" val="0.9"/>
+            <dgm:constr type="userA" for="ch" refType="connDist"/>
+          </dgm:constrLst>
+          <dgm:ruleLst/>
+          <dgm:layoutNode name="connectorText">
+            <dgm:alg type="tx">
+              <dgm:param type="autoTxRot" val="upr"/>
+            </dgm:alg>
+            <dgm:shape xmlns:r="http://schemas.openxmlformats.org/officeDocument/2006/relationships" type="rect" r:blip="" hideGeom="1">
+              <dgm:adjLst/>
+            </dgm:shape>
+            <dgm:presOf axis="self"/>
+            <dgm:constrLst>
+              <dgm:constr type="userA"/>
+              <dgm:constr type="userB"/>
+              <dgm:constr type="w" refType="userA" fact="0.05"/>
+              <dgm:constr type="h" refType="userB" fact="0.01"/>
+              <dgm:constr type="lMarg" val="1"/>
+              <dgm:constr type="rMarg" val="1"/>
+              <dgm:constr type="tMarg"/>
+              <dgm:constr type="bMarg"/>
+            </dgm:constrLst>
+            <dgm:ruleLst>
+              <dgm:rule type="w" val="NaN" fact="0.6" max="NaN"/>
+              <dgm:rule type="h" val="NaN" fact="0.6" max="NaN"/>
+              <dgm:rule type="primFontSz" val="5" fact="NaN" max="NaN"/>
+            </dgm:ruleLst>
+          </dgm:layoutNode>
+        </dgm:layoutNode>
+      </dgm:forEach>
+    </dgm:forEach>
+  </dgm:layoutNode>
+</dgm:layoutDef>
+</file>
+
+<file path=ppt/diagrams/layout2.xml><?xml version="1.0" encoding="utf-8"?>
 <dgm:layoutDef xmlns:dgm="http://schemas.openxmlformats.org/drawingml/2006/diagram" xmlns:a="http://schemas.openxmlformats.org/drawingml/2006/main" uniqueId="urn:microsoft.com/office/officeart/2018/2/layout/IconVerticalSolidList">
   <dgm:title val="Icon Vertical Solid List"/>
   <dgm:desc val="Use to show a series of visuals from top to bottom with Level 1 or Level 1 and Level 2 text grouped in a shape. Works best with icons or small pictures with lengthier descriptions."/>
@@ -6558,198 +6751,6 @@
 </dgm:layoutDef>
 </file>
 
-<file path=ppt/diagrams/layout2.xml><?xml version="1.0" encoding="utf-8"?>
-<dgm:layoutDef xmlns:dgm="http://schemas.openxmlformats.org/drawingml/2006/diagram" xmlns:a="http://schemas.openxmlformats.org/drawingml/2006/main" uniqueId="urn:microsoft.com/office/officeart/2016/7/layout/RepeatingBendingProcessNew">
-  <dgm:title val="Repeating Bending Process New"/>
-  <dgm:desc val=""/>
-  <dgm:catLst>
-    <dgm:cat type="process" pri="500"/>
-  </dgm:catLst>
-  <dgm:sampData>
-    <dgm:dataModel>
-      <dgm:ptLst>
-        <dgm:pt modelId="0" type="doc"/>
-        <dgm:pt modelId="1">
-          <dgm:prSet phldr="1"/>
-        </dgm:pt>
-        <dgm:pt modelId="2">
-          <dgm:prSet phldr="1"/>
-        </dgm:pt>
-        <dgm:pt modelId="3">
-          <dgm:prSet phldr="1"/>
-        </dgm:pt>
-        <dgm:pt modelId="4">
-          <dgm:prSet phldr="1"/>
-        </dgm:pt>
-        <dgm:pt modelId="5">
-          <dgm:prSet phldr="1"/>
-        </dgm:pt>
-      </dgm:ptLst>
-      <dgm:cxnLst>
-        <dgm:cxn modelId="7" srcId="0" destId="1" srcOrd="0" destOrd="0"/>
-        <dgm:cxn modelId="8" srcId="0" destId="2" srcOrd="1" destOrd="0"/>
-        <dgm:cxn modelId="9" srcId="0" destId="3" srcOrd="2" destOrd="0"/>
-        <dgm:cxn modelId="10" srcId="0" destId="4" srcOrd="3" destOrd="0"/>
-        <dgm:cxn modelId="11" srcId="0" destId="5" srcOrd="4" destOrd="0"/>
-      </dgm:cxnLst>
-      <dgm:bg/>
-      <dgm:whole/>
-    </dgm:dataModel>
-  </dgm:sampData>
-  <dgm:styleData>
-    <dgm:dataModel>
-      <dgm:ptLst>
-        <dgm:pt modelId="0" type="doc"/>
-        <dgm:pt modelId="1"/>
-        <dgm:pt modelId="2"/>
-      </dgm:ptLst>
-      <dgm:cxnLst>
-        <dgm:cxn modelId="3" srcId="0" destId="1" srcOrd="0" destOrd="0"/>
-        <dgm:cxn modelId="4" srcId="0" destId="2" srcOrd="1" destOrd="0"/>
-      </dgm:cxnLst>
-      <dgm:bg/>
-      <dgm:whole/>
-    </dgm:dataModel>
-  </dgm:styleData>
-  <dgm:clrData>
-    <dgm:dataModel>
-      <dgm:ptLst>
-        <dgm:pt modelId="0" type="doc"/>
-        <dgm:pt modelId="1"/>
-        <dgm:pt modelId="2"/>
-        <dgm:pt modelId="3"/>
-        <dgm:pt modelId="4"/>
-      </dgm:ptLst>
-      <dgm:cxnLst>
-        <dgm:cxn modelId="5" srcId="0" destId="1" srcOrd="0" destOrd="0"/>
-        <dgm:cxn modelId="6" srcId="0" destId="2" srcOrd="1" destOrd="0"/>
-        <dgm:cxn modelId="7" srcId="0" destId="3" srcOrd="2" destOrd="0"/>
-        <dgm:cxn modelId="8" srcId="0" destId="4" srcOrd="3" destOrd="0"/>
-      </dgm:cxnLst>
-      <dgm:bg/>
-      <dgm:whole/>
-    </dgm:dataModel>
-  </dgm:clrData>
-  <dgm:layoutNode name="Name0">
-    <dgm:varLst>
-      <dgm:dir/>
-      <dgm:resizeHandles val="exact"/>
-    </dgm:varLst>
-    <dgm:choose name="Name1">
-      <dgm:if name="Name2" axis="self" func="var" arg="dir" op="equ" val="norm">
-        <dgm:alg type="snake">
-          <dgm:param type="grDir" val="tL"/>
-          <dgm:param type="flowDir" val="row"/>
-          <dgm:param type="contDir" val="sameDir"/>
-          <dgm:param type="bkpt" val="endCnv"/>
-        </dgm:alg>
-      </dgm:if>
-      <dgm:else name="Name3">
-        <dgm:alg type="snake">
-          <dgm:param type="grDir" val="tR"/>
-          <dgm:param type="flowDir" val="row"/>
-          <dgm:param type="contDir" val="sameDir"/>
-          <dgm:param type="bkpt" val="endCnv"/>
-        </dgm:alg>
-      </dgm:else>
-    </dgm:choose>
-    <dgm:shape xmlns:r="http://schemas.openxmlformats.org/officeDocument/2006/relationships" r:blip="">
-      <dgm:adjLst/>
-    </dgm:shape>
-    <dgm:presOf/>
-    <dgm:constrLst>
-      <dgm:constr type="w" for="ch" ptType="node" refType="w"/>
-      <dgm:constr type="w" for="ch" forName="sibTrans" refType="w" refFor="ch" refPtType="node" op="equ" fact="0.23"/>
-      <dgm:constr type="sp" refType="w" refFor="ch" refForName="sibTrans" op="equ"/>
-      <dgm:constr type="userB" for="des" forName="connectorText" refType="sp"/>
-      <dgm:constr type="primFontSz" for="ch" ptType="node" op="equ" val="65"/>
-      <dgm:constr type="h" for="ch" ptType="sibTrans" op="equ"/>
-      <dgm:constr type="primFontSz" for="des" forName="connectorText" op="equ" val="55"/>
-      <dgm:constr type="primFontSz" for="des" forName="connectorText" refType="primFontSz" refFor="ch" refPtType="node" op="lte" fact="0.8"/>
-    </dgm:constrLst>
-    <dgm:ruleLst/>
-    <dgm:forEach name="nodesForEach" axis="ch" ptType="node">
-      <dgm:layoutNode name="node">
-        <dgm:varLst>
-          <dgm:bulletEnabled val="1"/>
-        </dgm:varLst>
-        <dgm:alg type="tx"/>
-        <dgm:shape xmlns:r="http://schemas.openxmlformats.org/officeDocument/2006/relationships" type="rect" r:blip="">
-          <dgm:adjLst/>
-        </dgm:shape>
-        <dgm:presOf axis="desOrSelf" ptType="node"/>
-        <dgm:constrLst>
-          <dgm:constr type="h" refType="w" fact="0.6"/>
-          <dgm:constr type="tMarg" refType="h" fact="0.243"/>
-          <dgm:constr type="bMarg" refType="h" fact="0.243"/>
-          <dgm:constr type="lMarg" refType="w" fact="0.1389"/>
-          <dgm:constr type="rMarg" refType="w" fact="0.1389"/>
-        </dgm:constrLst>
-        <dgm:ruleLst>
-          <dgm:rule type="primFontSz" val="12" fact="NaN" max="NaN"/>
-        </dgm:ruleLst>
-      </dgm:layoutNode>
-      <dgm:forEach name="sibTransForEach" axis="followSib" ptType="sibTrans" cnt="1">
-        <dgm:layoutNode name="sibTrans">
-          <dgm:choose name="Name4">
-            <dgm:if name="Name5" axis="self" func="var" arg="dir" op="equ" val="norm">
-              <dgm:alg type="conn">
-                <dgm:param type="connRout" val="bend"/>
-                <dgm:param type="dim" val="1D"/>
-                <dgm:param type="begPts" val="midR bCtr"/>
-                <dgm:param type="endPts" val="midL tCtr"/>
-              </dgm:alg>
-            </dgm:if>
-            <dgm:else name="Name6">
-              <dgm:alg type="conn">
-                <dgm:param type="connRout" val="bend"/>
-                <dgm:param type="dim" val="1D"/>
-                <dgm:param type="begPts" val="midL bCtr"/>
-                <dgm:param type="endPts" val="midR tCtr"/>
-              </dgm:alg>
-            </dgm:else>
-          </dgm:choose>
-          <dgm:shape xmlns:r="http://schemas.openxmlformats.org/officeDocument/2006/relationships" type="conn" r:blip="" zOrderOff="-2">
-            <dgm:adjLst/>
-          </dgm:shape>
-          <dgm:presOf axis="self"/>
-          <dgm:constrLst>
-            <dgm:constr type="begPad" val="-0.05"/>
-            <dgm:constr type="endPad" val="0.9"/>
-            <dgm:constr type="userA" for="ch" refType="connDist"/>
-          </dgm:constrLst>
-          <dgm:ruleLst/>
-          <dgm:layoutNode name="connectorText">
-            <dgm:alg type="tx">
-              <dgm:param type="autoTxRot" val="upr"/>
-            </dgm:alg>
-            <dgm:shape xmlns:r="http://schemas.openxmlformats.org/officeDocument/2006/relationships" type="rect" r:blip="" hideGeom="1">
-              <dgm:adjLst/>
-            </dgm:shape>
-            <dgm:presOf axis="self"/>
-            <dgm:constrLst>
-              <dgm:constr type="userA"/>
-              <dgm:constr type="userB"/>
-              <dgm:constr type="w" refType="userA" fact="0.05"/>
-              <dgm:constr type="h" refType="userB" fact="0.01"/>
-              <dgm:constr type="lMarg" val="1"/>
-              <dgm:constr type="rMarg" val="1"/>
-              <dgm:constr type="tMarg"/>
-              <dgm:constr type="bMarg"/>
-            </dgm:constrLst>
-            <dgm:ruleLst>
-              <dgm:rule type="w" val="NaN" fact="0.6" max="NaN"/>
-              <dgm:rule type="h" val="NaN" fact="0.6" max="NaN"/>
-              <dgm:rule type="primFontSz" val="5" fact="NaN" max="NaN"/>
-            </dgm:ruleLst>
-          </dgm:layoutNode>
-        </dgm:layoutNode>
-      </dgm:forEach>
-    </dgm:forEach>
-  </dgm:layoutNode>
-</dgm:layoutDef>
-</file>
-
 <file path=ppt/diagrams/layout3.xml><?xml version="1.0" encoding="utf-8"?>
 <dgm:layoutDef xmlns:dgm="http://schemas.openxmlformats.org/drawingml/2006/diagram" xmlns:a="http://schemas.openxmlformats.org/drawingml/2006/main" uniqueId="urn:microsoft.com/office/officeart/2005/8/layout/vList5">
   <dgm:title val=""/>
@@ -10167,7 +10168,7 @@
           <a:p>
             <a:fld id="{433C7FF0-8643-0F44-BA0E-C61513593107}" type="datetimeFigureOut">
               <a:rPr lang="en-US" smtClean="0"/>
-              <a:t>10/23/19</a:t>
+              <a:t>10/24/19</a:t>
             </a:fld>
             <a:endParaRPr lang="en-US"/>
           </a:p>
@@ -10499,7 +10500,7 @@
           <a:p>
             <a:fld id="{1C2353BB-4F7C-0247-BEC9-5CD8DBB29C46}" type="slidenum">
               <a:rPr lang="en-US" smtClean="0"/>
-              <a:t>8</a:t>
+              <a:t>9</a:t>
             </a:fld>
             <a:endParaRPr lang="en-US"/>
           </a:p>
@@ -10665,7 +10666,7 @@
           <a:p>
             <a:fld id="{A11AB00C-BFEC-DF45-9018-F9976455E54C}" type="datetimeFigureOut">
               <a:rPr lang="en-US" smtClean="0"/>
-              <a:t>10/23/19</a:t>
+              <a:t>10/24/19</a:t>
             </a:fld>
             <a:endParaRPr lang="en-US"/>
           </a:p>
@@ -10863,7 +10864,7 @@
           <a:p>
             <a:fld id="{A11AB00C-BFEC-DF45-9018-F9976455E54C}" type="datetimeFigureOut">
               <a:rPr lang="en-US" smtClean="0"/>
-              <a:t>10/23/19</a:t>
+              <a:t>10/24/19</a:t>
             </a:fld>
             <a:endParaRPr lang="en-US"/>
           </a:p>
@@ -11071,7 +11072,7 @@
           <a:p>
             <a:fld id="{A11AB00C-BFEC-DF45-9018-F9976455E54C}" type="datetimeFigureOut">
               <a:rPr lang="en-US" smtClean="0"/>
-              <a:t>10/23/19</a:t>
+              <a:t>10/24/19</a:t>
             </a:fld>
             <a:endParaRPr lang="en-US"/>
           </a:p>
@@ -11269,7 +11270,7 @@
           <a:p>
             <a:fld id="{A11AB00C-BFEC-DF45-9018-F9976455E54C}" type="datetimeFigureOut">
               <a:rPr lang="en-US" smtClean="0"/>
-              <a:t>10/23/19</a:t>
+              <a:t>10/24/19</a:t>
             </a:fld>
             <a:endParaRPr lang="en-US"/>
           </a:p>
@@ -11544,7 +11545,7 @@
           <a:p>
             <a:fld id="{A11AB00C-BFEC-DF45-9018-F9976455E54C}" type="datetimeFigureOut">
               <a:rPr lang="en-US" smtClean="0"/>
-              <a:t>10/23/19</a:t>
+              <a:t>10/24/19</a:t>
             </a:fld>
             <a:endParaRPr lang="en-US"/>
           </a:p>
@@ -11809,7 +11810,7 @@
           <a:p>
             <a:fld id="{A11AB00C-BFEC-DF45-9018-F9976455E54C}" type="datetimeFigureOut">
               <a:rPr lang="en-US" smtClean="0"/>
-              <a:t>10/23/19</a:t>
+              <a:t>10/24/19</a:t>
             </a:fld>
             <a:endParaRPr lang="en-US"/>
           </a:p>
@@ -12221,7 +12222,7 @@
           <a:p>
             <a:fld id="{A11AB00C-BFEC-DF45-9018-F9976455E54C}" type="datetimeFigureOut">
               <a:rPr lang="en-US" smtClean="0"/>
-              <a:t>10/23/19</a:t>
+              <a:t>10/24/19</a:t>
             </a:fld>
             <a:endParaRPr lang="en-US"/>
           </a:p>
@@ -12362,7 +12363,7 @@
           <a:p>
             <a:fld id="{A11AB00C-BFEC-DF45-9018-F9976455E54C}" type="datetimeFigureOut">
               <a:rPr lang="en-US" smtClean="0"/>
-              <a:t>10/23/19</a:t>
+              <a:t>10/24/19</a:t>
             </a:fld>
             <a:endParaRPr lang="en-US"/>
           </a:p>
@@ -12475,7 +12476,7 @@
           <a:p>
             <a:fld id="{A11AB00C-BFEC-DF45-9018-F9976455E54C}" type="datetimeFigureOut">
               <a:rPr lang="en-US" smtClean="0"/>
-              <a:t>10/23/19</a:t>
+              <a:t>10/24/19</a:t>
             </a:fld>
             <a:endParaRPr lang="en-US"/>
           </a:p>
@@ -12786,7 +12787,7 @@
           <a:p>
             <a:fld id="{A11AB00C-BFEC-DF45-9018-F9976455E54C}" type="datetimeFigureOut">
               <a:rPr lang="en-US" smtClean="0"/>
-              <a:t>10/23/19</a:t>
+              <a:t>10/24/19</a:t>
             </a:fld>
             <a:endParaRPr lang="en-US"/>
           </a:p>
@@ -13074,7 +13075,7 @@
           <a:p>
             <a:fld id="{A11AB00C-BFEC-DF45-9018-F9976455E54C}" type="datetimeFigureOut">
               <a:rPr lang="en-US" smtClean="0"/>
-              <a:t>10/23/19</a:t>
+              <a:t>10/24/19</a:t>
             </a:fld>
             <a:endParaRPr lang="en-US"/>
           </a:p>
@@ -13315,7 +13316,7 @@
           <a:p>
             <a:fld id="{A11AB00C-BFEC-DF45-9018-F9976455E54C}" type="datetimeFigureOut">
               <a:rPr lang="en-US" smtClean="0"/>
-              <a:t>10/23/19</a:t>
+              <a:t>10/24/19</a:t>
             </a:fld>
             <a:endParaRPr lang="en-US"/>
           </a:p>
@@ -14040,14 +14041,6 @@
 <file path=ppt/slides/slide2.xml><?xml version="1.0" encoding="utf-8"?>
 <p:sld xmlns:a="http://schemas.openxmlformats.org/drawingml/2006/main" xmlns:r="http://schemas.openxmlformats.org/officeDocument/2006/relationships" xmlns:p="http://schemas.openxmlformats.org/presentationml/2006/main">
   <p:cSld>
-    <p:bg>
-      <p:bgPr>
-        <a:solidFill>
-          <a:schemeClr val="bg1"/>
-        </a:solidFill>
-        <a:effectLst/>
-      </p:bgPr>
-    </p:bg>
     <p:spTree>
       <p:nvGrpSpPr>
         <p:cNvPr id="1" name=""/>
@@ -14064,76 +14057,10 @@
       </p:grpSpPr>
       <p:sp>
         <p:nvSpPr>
-          <p:cNvPr id="25" name="Rectangle 24">
-            <a:extLst>
-              <a:ext uri="{FF2B5EF4-FFF2-40B4-BE49-F238E27FC236}">
-                <a16:creationId xmlns:a16="http://schemas.microsoft.com/office/drawing/2014/main" id="{C0B27210-D0CA-4654-B3E3-9ABB4F178EA1}"/>
-              </a:ext>
-              <a:ext uri="{C183D7F6-B498-43B3-948B-1728B52AA6E4}">
-                <adec:decorative xmlns:adec="http://schemas.microsoft.com/office/drawing/2017/decorative" val="1"/>
-              </a:ext>
-            </a:extLst>
-          </p:cNvPr>
-          <p:cNvSpPr>
-            <a:spLocks noGrp="1" noRot="1" noChangeAspect="1" noMove="1" noResize="1" noEditPoints="1" noAdjustHandles="1" noChangeArrowheads="1" noChangeShapeType="1" noTextEdit="1"/>
-          </p:cNvSpPr>
-          <p:nvPr>
-            <p:extLst>
-              <p:ext uri="{386F3935-93C4-4BCD-93E2-E3B085C9AB24}">
-                <p16:designElem xmlns:p16="http://schemas.microsoft.com/office/powerpoint/2015/main" val="1"/>
-              </p:ext>
-            </p:extLst>
-          </p:nvPr>
-        </p:nvSpPr>
-        <p:spPr>
-          <a:xfrm>
-            <a:off x="0" y="0"/>
-            <a:ext cx="12192000" cy="6858000"/>
-          </a:xfrm>
-          <a:prstGeom prst="rect">
-            <a:avLst/>
-          </a:prstGeom>
-          <a:solidFill>
-            <a:schemeClr val="tx1">
-              <a:lumMod val="75000"/>
-              <a:lumOff val="25000"/>
-            </a:schemeClr>
-          </a:solidFill>
-          <a:ln>
-            <a:noFill/>
-          </a:ln>
-        </p:spPr>
-        <p:style>
-          <a:lnRef idx="2">
-            <a:schemeClr val="accent1">
-              <a:shade val="50000"/>
-            </a:schemeClr>
-          </a:lnRef>
-          <a:fillRef idx="1">
-            <a:schemeClr val="accent1"/>
-          </a:fillRef>
-          <a:effectRef idx="0">
-            <a:schemeClr val="accent1"/>
-          </a:effectRef>
-          <a:fontRef idx="minor">
-            <a:schemeClr val="lt1"/>
-          </a:fontRef>
-        </p:style>
-        <p:txBody>
-          <a:bodyPr rtlCol="0" anchor="ctr"/>
-          <a:lstStyle/>
-          <a:p>
-            <a:pPr algn="ctr"/>
-            <a:endParaRPr lang="en-US"/>
-          </a:p>
-        </p:txBody>
-      </p:sp>
-      <p:sp>
-        <p:nvSpPr>
           <p:cNvPr id="2" name="Title 1">
             <a:extLst>
               <a:ext uri="{FF2B5EF4-FFF2-40B4-BE49-F238E27FC236}">
-                <a16:creationId xmlns:a16="http://schemas.microsoft.com/office/drawing/2014/main" id="{B732AFF7-1F85-3142-B8EE-4D13596C8C37}"/>
+                <a16:creationId xmlns:a16="http://schemas.microsoft.com/office/drawing/2014/main" id="{D1668976-62FF-894F-AF59-B89DC30AF99C}"/>
               </a:ext>
             </a:extLst>
           </p:cNvPr>
@@ -14146,368 +14073,60 @@
         </p:nvSpPr>
         <p:spPr>
           <a:xfrm>
-            <a:off x="6746628" y="1783959"/>
-            <a:ext cx="4645250" cy="2889114"/>
+            <a:off x="838200" y="365125"/>
+            <a:ext cx="10515600" cy="1325563"/>
           </a:xfrm>
         </p:spPr>
         <p:txBody>
-          <a:bodyPr vert="horz" lIns="91440" tIns="45720" rIns="91440" bIns="45720" rtlCol="0" anchor="b">
-            <a:normAutofit/>
-          </a:bodyPr>
+          <a:bodyPr/>
           <a:lstStyle/>
           <a:p>
             <a:r>
-              <a:rPr lang="en-US" sz="6000" kern="1200" dirty="0">
-                <a:solidFill>
-                  <a:schemeClr val="bg1"/>
-                </a:solidFill>
-                <a:latin typeface="+mj-lt"/>
-                <a:ea typeface="+mj-ea"/>
-                <a:cs typeface="+mj-cs"/>
-              </a:rPr>
-              <a:t>What makes a language slow</a:t>
+              <a:rPr lang="en-US"/>
+              <a:t>Which one is faster?</a:t>
             </a:r>
-          </a:p>
-        </p:txBody>
-      </p:sp>
-      <p:sp>
-        <p:nvSpPr>
-          <p:cNvPr id="27" name="Freeform: Shape 26">
-            <a:extLst>
-              <a:ext uri="{FF2B5EF4-FFF2-40B4-BE49-F238E27FC236}">
-                <a16:creationId xmlns:a16="http://schemas.microsoft.com/office/drawing/2014/main" id="{1DB7C82F-AB7E-4F0C-B829-FA1B9C415180}"/>
-              </a:ext>
-              <a:ext uri="{C183D7F6-B498-43B3-948B-1728B52AA6E4}">
-                <adec:decorative xmlns:adec="http://schemas.microsoft.com/office/drawing/2017/decorative" val="1"/>
-              </a:ext>
-            </a:extLst>
-          </p:cNvPr>
-          <p:cNvSpPr>
-            <a:spLocks noGrp="1" noRot="1" noChangeAspect="1" noMove="1" noResize="1" noEditPoints="1" noAdjustHandles="1" noChangeArrowheads="1" noChangeShapeType="1" noTextEdit="1"/>
-          </p:cNvSpPr>
-          <p:nvPr>
-            <p:extLst>
-              <p:ext uri="{386F3935-93C4-4BCD-93E2-E3B085C9AB24}">
-                <p16:designElem xmlns:p16="http://schemas.microsoft.com/office/powerpoint/2015/main" val="1"/>
-              </p:ext>
-            </p:extLst>
-          </p:nvPr>
-        </p:nvSpPr>
-        <p:spPr>
-          <a:xfrm flipH="1">
-            <a:off x="0" y="0"/>
-            <a:ext cx="6172782" cy="6858000"/>
-          </a:xfrm>
-          <a:custGeom>
-            <a:avLst/>
-            <a:gdLst>
-              <a:gd name="connsiteX0" fmla="*/ 6172782 w 6172782"/>
-              <a:gd name="connsiteY0" fmla="*/ 0 h 6858000"/>
-              <a:gd name="connsiteX1" fmla="*/ 69075 w 6172782"/>
-              <a:gd name="connsiteY1" fmla="*/ 0 h 6858000"/>
-              <a:gd name="connsiteX2" fmla="*/ 35131 w 6172782"/>
-              <a:gd name="connsiteY2" fmla="*/ 267128 h 6858000"/>
-              <a:gd name="connsiteX3" fmla="*/ 0 w 6172782"/>
-              <a:gd name="connsiteY3" fmla="*/ 962845 h 6858000"/>
-              <a:gd name="connsiteX4" fmla="*/ 3276103 w 6172782"/>
-              <a:gd name="connsiteY4" fmla="*/ 6782205 h 6858000"/>
-              <a:gd name="connsiteX5" fmla="*/ 3407923 w 6172782"/>
-              <a:gd name="connsiteY5" fmla="*/ 6858000 h 6858000"/>
-              <a:gd name="connsiteX6" fmla="*/ 6172782 w 6172782"/>
-              <a:gd name="connsiteY6" fmla="*/ 6858000 h 6858000"/>
-            </a:gdLst>
-            <a:ahLst/>
-            <a:cxnLst>
-              <a:cxn ang="0">
-                <a:pos x="connsiteX0" y="connsiteY0"/>
-              </a:cxn>
-              <a:cxn ang="0">
-                <a:pos x="connsiteX1" y="connsiteY1"/>
-              </a:cxn>
-              <a:cxn ang="0">
-                <a:pos x="connsiteX2" y="connsiteY2"/>
-              </a:cxn>
-              <a:cxn ang="0">
-                <a:pos x="connsiteX3" y="connsiteY3"/>
-              </a:cxn>
-              <a:cxn ang="0">
-                <a:pos x="connsiteX4" y="connsiteY4"/>
-              </a:cxn>
-              <a:cxn ang="0">
-                <a:pos x="connsiteX5" y="connsiteY5"/>
-              </a:cxn>
-              <a:cxn ang="0">
-                <a:pos x="connsiteX6" y="connsiteY6"/>
-              </a:cxn>
-            </a:cxnLst>
-            <a:rect l="l" t="t" r="r" b="b"/>
-            <a:pathLst>
-              <a:path w="6172782" h="6858000">
-                <a:moveTo>
-                  <a:pt x="6172782" y="0"/>
-                </a:moveTo>
-                <a:lnTo>
-                  <a:pt x="69075" y="0"/>
-                </a:lnTo>
-                <a:lnTo>
-                  <a:pt x="35131" y="267128"/>
-                </a:lnTo>
-                <a:cubicBezTo>
-                  <a:pt x="11901" y="495874"/>
-                  <a:pt x="0" y="727970"/>
-                  <a:pt x="0" y="962845"/>
-                </a:cubicBezTo>
-                <a:cubicBezTo>
-                  <a:pt x="0" y="3429034"/>
-                  <a:pt x="1312002" y="5588789"/>
-                  <a:pt x="3276103" y="6782205"/>
-                </a:cubicBezTo>
-                <a:lnTo>
-                  <a:pt x="3407923" y="6858000"/>
-                </a:lnTo>
-                <a:lnTo>
-                  <a:pt x="6172782" y="6858000"/>
-                </a:lnTo>
-                <a:close/>
-              </a:path>
-            </a:pathLst>
-          </a:custGeom>
-          <a:solidFill>
-            <a:schemeClr val="bg1">
-              <a:alpha val="80000"/>
-            </a:schemeClr>
-          </a:solidFill>
-          <a:ln>
-            <a:noFill/>
-          </a:ln>
-        </p:spPr>
-        <p:style>
-          <a:lnRef idx="2">
-            <a:schemeClr val="accent1">
-              <a:shade val="50000"/>
-            </a:schemeClr>
-          </a:lnRef>
-          <a:fillRef idx="1">
-            <a:schemeClr val="accent1"/>
-          </a:fillRef>
-          <a:effectRef idx="0">
-            <a:schemeClr val="accent1"/>
-          </a:effectRef>
-          <a:fontRef idx="minor">
-            <a:schemeClr val="lt1"/>
-          </a:fontRef>
-        </p:style>
-        <p:txBody>
-          <a:bodyPr wrap="square" rtlCol="0" anchor="ctr">
-            <a:noAutofit/>
-          </a:bodyPr>
-          <a:lstStyle/>
-          <a:p>
-            <a:pPr marL="0" marR="0" lvl="0" indent="0" algn="ctr" defTabSz="914400" rtl="0" eaLnBrk="1" fontAlgn="auto" latinLnBrk="0" hangingPunct="1">
-              <a:lnSpc>
-                <a:spcPct val="100000"/>
-              </a:lnSpc>
-              <a:spcBef>
-                <a:spcPts val="0"/>
-              </a:spcBef>
-              <a:spcAft>
-                <a:spcPts val="0"/>
-              </a:spcAft>
-              <a:buClrTx/>
-              <a:buSzTx/>
-              <a:buFontTx/>
-              <a:buNone/>
-              <a:tabLst/>
-              <a:defRPr/>
-            </a:pPr>
-            <a:endParaRPr kumimoji="0" lang="en-US" sz="1800" b="0" i="0" u="none" strike="noStrike" kern="1200" cap="none" spc="0" normalizeH="0" baseline="0" noProof="0">
-              <a:ln>
-                <a:noFill/>
-              </a:ln>
-              <a:solidFill>
-                <a:prstClr val="white"/>
-              </a:solidFill>
-              <a:effectLst/>
-              <a:uLnTx/>
-              <a:uFillTx/>
-              <a:latin typeface="Calibri" panose="020F0502020204030204"/>
-              <a:ea typeface="+mn-ea"/>
-              <a:cs typeface="+mn-cs"/>
-            </a:endParaRPr>
-          </a:p>
-        </p:txBody>
-      </p:sp>
-      <p:sp>
-        <p:nvSpPr>
-          <p:cNvPr id="29" name="Freeform: Shape 28">
-            <a:extLst>
-              <a:ext uri="{FF2B5EF4-FFF2-40B4-BE49-F238E27FC236}">
-                <a16:creationId xmlns:a16="http://schemas.microsoft.com/office/drawing/2014/main" id="{70B66945-4967-4040-926D-DCA44313CDAB}"/>
-              </a:ext>
-              <a:ext uri="{C183D7F6-B498-43B3-948B-1728B52AA6E4}">
-                <adec:decorative xmlns:adec="http://schemas.microsoft.com/office/drawing/2017/decorative" val="1"/>
-              </a:ext>
-            </a:extLst>
-          </p:cNvPr>
-          <p:cNvSpPr>
-            <a:spLocks noGrp="1" noRot="1" noChangeAspect="1" noMove="1" noResize="1" noEditPoints="1" noAdjustHandles="1" noChangeArrowheads="1" noChangeShapeType="1" noTextEdit="1"/>
-          </p:cNvSpPr>
-          <p:nvPr>
-            <p:extLst>
-              <p:ext uri="{386F3935-93C4-4BCD-93E2-E3B085C9AB24}">
-                <p16:designElem xmlns:p16="http://schemas.microsoft.com/office/powerpoint/2015/main" val="1"/>
-              </p:ext>
-            </p:extLst>
-          </p:nvPr>
-        </p:nvSpPr>
-        <p:spPr>
-          <a:xfrm>
-            <a:off x="0" y="0"/>
-            <a:ext cx="6024154" cy="6858000"/>
-          </a:xfrm>
-          <a:custGeom>
-            <a:avLst/>
-            <a:gdLst>
-              <a:gd name="connsiteX0" fmla="*/ 0 w 6024154"/>
-              <a:gd name="connsiteY0" fmla="*/ 0 h 6858000"/>
-              <a:gd name="connsiteX1" fmla="*/ 5953780 w 6024154"/>
-              <a:gd name="connsiteY1" fmla="*/ 0 h 6858000"/>
-              <a:gd name="connsiteX2" fmla="*/ 5989880 w 6024154"/>
-              <a:gd name="connsiteY2" fmla="*/ 284091 h 6858000"/>
-              <a:gd name="connsiteX3" fmla="*/ 6024154 w 6024154"/>
-              <a:gd name="connsiteY3" fmla="*/ 962844 h 6858000"/>
-              <a:gd name="connsiteX4" fmla="*/ 2549934 w 6024154"/>
-              <a:gd name="connsiteY4" fmla="*/ 6800152 h 6858000"/>
-              <a:gd name="connsiteX5" fmla="*/ 2436987 w 6024154"/>
-              <a:gd name="connsiteY5" fmla="*/ 6858000 h 6858000"/>
-              <a:gd name="connsiteX6" fmla="*/ 0 w 6024154"/>
-              <a:gd name="connsiteY6" fmla="*/ 6858000 h 6858000"/>
-            </a:gdLst>
-            <a:ahLst/>
-            <a:cxnLst>
-              <a:cxn ang="0">
-                <a:pos x="connsiteX0" y="connsiteY0"/>
-              </a:cxn>
-              <a:cxn ang="0">
-                <a:pos x="connsiteX1" y="connsiteY1"/>
-              </a:cxn>
-              <a:cxn ang="0">
-                <a:pos x="connsiteX2" y="connsiteY2"/>
-              </a:cxn>
-              <a:cxn ang="0">
-                <a:pos x="connsiteX3" y="connsiteY3"/>
-              </a:cxn>
-              <a:cxn ang="0">
-                <a:pos x="connsiteX4" y="connsiteY4"/>
-              </a:cxn>
-              <a:cxn ang="0">
-                <a:pos x="connsiteX5" y="connsiteY5"/>
-              </a:cxn>
-              <a:cxn ang="0">
-                <a:pos x="connsiteX6" y="connsiteY6"/>
-              </a:cxn>
-            </a:cxnLst>
-            <a:rect l="l" t="t" r="r" b="b"/>
-            <a:pathLst>
-              <a:path w="6024154" h="6858000">
-                <a:moveTo>
-                  <a:pt x="0" y="0"/>
-                </a:moveTo>
-                <a:lnTo>
-                  <a:pt x="5953780" y="0"/>
-                </a:lnTo>
-                <a:lnTo>
-                  <a:pt x="5989880" y="284091"/>
-                </a:lnTo>
-                <a:cubicBezTo>
-                  <a:pt x="6012544" y="507260"/>
-                  <a:pt x="6024154" y="733696"/>
-                  <a:pt x="6024154" y="962844"/>
-                </a:cubicBezTo>
-                <a:cubicBezTo>
-                  <a:pt x="6024154" y="3483472"/>
-                  <a:pt x="4619336" y="5675986"/>
-                  <a:pt x="2549934" y="6800152"/>
-                </a:cubicBezTo>
-                <a:lnTo>
-                  <a:pt x="2436987" y="6858000"/>
-                </a:lnTo>
-                <a:lnTo>
-                  <a:pt x="0" y="6858000"/>
-                </a:lnTo>
-                <a:close/>
-              </a:path>
-            </a:pathLst>
-          </a:custGeom>
-          <a:solidFill>
-            <a:schemeClr val="bg1"/>
-          </a:solidFill>
-          <a:ln>
-            <a:noFill/>
-          </a:ln>
-        </p:spPr>
-        <p:style>
-          <a:lnRef idx="2">
-            <a:schemeClr val="accent1">
-              <a:shade val="50000"/>
-            </a:schemeClr>
-          </a:lnRef>
-          <a:fillRef idx="1">
-            <a:schemeClr val="accent1"/>
-          </a:fillRef>
-          <a:effectRef idx="0">
-            <a:schemeClr val="accent1"/>
-          </a:effectRef>
-          <a:fontRef idx="minor">
-            <a:schemeClr val="lt1"/>
-          </a:fontRef>
-        </p:style>
-        <p:txBody>
-          <a:bodyPr wrap="square" rtlCol="0" anchor="ctr">
-            <a:noAutofit/>
-          </a:bodyPr>
-          <a:lstStyle/>
-          <a:p>
-            <a:pPr marL="0" marR="0" lvl="0" indent="0" algn="ctr" defTabSz="914400" rtl="0" eaLnBrk="1" fontAlgn="auto" latinLnBrk="0" hangingPunct="1">
-              <a:lnSpc>
-                <a:spcPct val="100000"/>
-              </a:lnSpc>
-              <a:spcBef>
-                <a:spcPts val="0"/>
-              </a:spcBef>
-              <a:spcAft>
-                <a:spcPts val="0"/>
-              </a:spcAft>
-              <a:buClrTx/>
-              <a:buSzTx/>
-              <a:buFontTx/>
-              <a:buNone/>
-              <a:tabLst/>
-              <a:defRPr/>
-            </a:pPr>
-            <a:endParaRPr kumimoji="0" lang="en-US" sz="1800" b="0" i="0" u="none" strike="noStrike" kern="1200" cap="none" spc="0" normalizeH="0" baseline="0" noProof="0">
-              <a:ln>
-                <a:noFill/>
-              </a:ln>
-              <a:solidFill>
-                <a:prstClr val="white"/>
-              </a:solidFill>
-              <a:effectLst/>
-              <a:uLnTx/>
-              <a:uFillTx/>
-              <a:latin typeface="Calibri" panose="020F0502020204030204"/>
-              <a:ea typeface="+mn-ea"/>
-              <a:cs typeface="+mn-cs"/>
-            </a:endParaRPr>
+            <a:endParaRPr lang="en-US" dirty="0"/>
           </a:p>
         </p:txBody>
       </p:sp>
       <p:pic>
         <p:nvPicPr>
-          <p:cNvPr id="14" name="Graphic 13" descr="Help">
+          <p:cNvPr id="4" name="Content Placeholder 4" descr="A view of a city street filled with lots of traffic&#10;&#10;Description automatically generated">
             <a:extLst>
               <a:ext uri="{FF2B5EF4-FFF2-40B4-BE49-F238E27FC236}">
-                <a16:creationId xmlns:a16="http://schemas.microsoft.com/office/drawing/2014/main" id="{9DB8B571-3A46-4036-8DA0-21E5CDB47487}"/>
+                <a16:creationId xmlns:a16="http://schemas.microsoft.com/office/drawing/2014/main" id="{45DC0291-5912-724C-A702-876D672A1D50}"/>
+              </a:ext>
+            </a:extLst>
+          </p:cNvPr>
+          <p:cNvPicPr>
+            <a:picLocks noGrp="1" noChangeAspect="1"/>
+          </p:cNvPicPr>
+          <p:nvPr>
+            <p:ph idx="1"/>
+          </p:nvPr>
+        </p:nvPicPr>
+        <p:blipFill>
+          <a:blip r:embed="rId2"/>
+          <a:stretch>
+            <a:fillRect/>
+          </a:stretch>
+        </p:blipFill>
+        <p:spPr>
+          <a:xfrm>
+            <a:off x="0" y="1779633"/>
+            <a:ext cx="5801784" cy="4351338"/>
+          </a:xfrm>
+          <a:prstGeom prst="rect">
+            <a:avLst/>
+          </a:prstGeom>
+        </p:spPr>
+      </p:pic>
+      <p:pic>
+        <p:nvPicPr>
+          <p:cNvPr id="5" name="Content Placeholder 4" descr="A close up of a street sign on a highway&#10;&#10;Description automatically generated">
+            <a:extLst>
+              <a:ext uri="{FF2B5EF4-FFF2-40B4-BE49-F238E27FC236}">
+                <a16:creationId xmlns:a16="http://schemas.microsoft.com/office/drawing/2014/main" id="{9C545BD1-9153-CE4F-B58C-65FB59982346}"/>
               </a:ext>
             </a:extLst>
           </p:cNvPr>
@@ -14517,24 +14136,15 @@
           <p:nvPr/>
         </p:nvPicPr>
         <p:blipFill>
-          <a:blip r:embed="rId2">
-            <a:extLst>
-              <a:ext uri="{28A0092B-C50C-407E-A947-70E740481C1C}">
-                <a14:useLocalDpi xmlns:a14="http://schemas.microsoft.com/office/drawing/2010/main" val="0"/>
-              </a:ext>
-              <a:ext uri="{96DAC541-7B7A-43D3-8B79-37D633B846F1}">
-                <asvg:svgBlip xmlns:asvg="http://schemas.microsoft.com/office/drawing/2016/SVG/main" r:embed="rId3"/>
-              </a:ext>
-            </a:extLst>
-          </a:blip>
+          <a:blip r:embed="rId3"/>
           <a:stretch>
             <a:fillRect/>
           </a:stretch>
         </p:blipFill>
         <p:spPr>
           <a:xfrm>
-            <a:off x="419382" y="720993"/>
-            <a:ext cx="4047843" cy="4047843"/>
+            <a:off x="5941231" y="1779633"/>
+            <a:ext cx="6250769" cy="4351338"/>
           </a:xfrm>
           <a:prstGeom prst="rect">
             <a:avLst/>
@@ -14544,7 +14154,7 @@
     </p:spTree>
     <p:extLst>
       <p:ext uri="{BB962C8B-B14F-4D97-AF65-F5344CB8AC3E}">
-        <p14:creationId xmlns:p14="http://schemas.microsoft.com/office/powerpoint/2010/main" val="2008512848"/>
+        <p14:creationId xmlns:p14="http://schemas.microsoft.com/office/powerpoint/2010/main" val="1636205108"/>
       </p:ext>
     </p:extLst>
   </p:cSld>
@@ -14555,6 +14165,92 @@
 </file>
 
 <file path=ppt/slides/slide3.xml><?xml version="1.0" encoding="utf-8"?>
+<p:sld xmlns:a="http://schemas.openxmlformats.org/drawingml/2006/main" xmlns:r="http://schemas.openxmlformats.org/officeDocument/2006/relationships" xmlns:p="http://schemas.openxmlformats.org/presentationml/2006/main">
+  <p:cSld>
+    <p:spTree>
+      <p:nvGrpSpPr>
+        <p:cNvPr id="1" name=""/>
+        <p:cNvGrpSpPr/>
+        <p:nvPr/>
+      </p:nvGrpSpPr>
+      <p:grpSpPr>
+        <a:xfrm>
+          <a:off x="0" y="0"/>
+          <a:ext cx="0" cy="0"/>
+          <a:chOff x="0" y="0"/>
+          <a:chExt cx="0" cy="0"/>
+        </a:xfrm>
+      </p:grpSpPr>
+      <p:sp>
+        <p:nvSpPr>
+          <p:cNvPr id="2" name="Title 1">
+            <a:extLst>
+              <a:ext uri="{FF2B5EF4-FFF2-40B4-BE49-F238E27FC236}">
+                <a16:creationId xmlns:a16="http://schemas.microsoft.com/office/drawing/2014/main" id="{612D8052-B69A-6A49-A101-FF8E1ACAE59C}"/>
+              </a:ext>
+            </a:extLst>
+          </p:cNvPr>
+          <p:cNvSpPr>
+            <a:spLocks noGrp="1"/>
+          </p:cNvSpPr>
+          <p:nvPr>
+            <p:ph type="title"/>
+          </p:nvPr>
+        </p:nvSpPr>
+        <p:spPr/>
+        <p:txBody>
+          <a:bodyPr/>
+          <a:lstStyle/>
+          <a:p>
+            <a:r>
+              <a:rPr lang="en-US" dirty="0"/>
+              <a:t>Multiple Dispatch </a:t>
+            </a:r>
+          </a:p>
+        </p:txBody>
+      </p:sp>
+      <p:sp>
+        <p:nvSpPr>
+          <p:cNvPr id="3" name="Content Placeholder 2">
+            <a:extLst>
+              <a:ext uri="{FF2B5EF4-FFF2-40B4-BE49-F238E27FC236}">
+                <a16:creationId xmlns:a16="http://schemas.microsoft.com/office/drawing/2014/main" id="{4E74AA7B-137B-BD4F-B829-A52CE721CFAC}"/>
+              </a:ext>
+            </a:extLst>
+          </p:cNvPr>
+          <p:cNvSpPr>
+            <a:spLocks noGrp="1"/>
+          </p:cNvSpPr>
+          <p:nvPr>
+            <p:ph idx="1"/>
+          </p:nvPr>
+        </p:nvSpPr>
+        <p:spPr/>
+        <p:txBody>
+          <a:bodyPr/>
+          <a:lstStyle/>
+          <a:p>
+            <a:r>
+              <a:rPr lang="en-US" dirty="0"/>
+              <a:t>Polymorphism</a:t>
+            </a:r>
+          </a:p>
+        </p:txBody>
+      </p:sp>
+    </p:spTree>
+    <p:extLst>
+      <p:ext uri="{BB962C8B-B14F-4D97-AF65-F5344CB8AC3E}">
+        <p14:creationId xmlns:p14="http://schemas.microsoft.com/office/powerpoint/2010/main" val="1133467415"/>
+      </p:ext>
+    </p:extLst>
+  </p:cSld>
+  <p:clrMapOvr>
+    <a:masterClrMapping/>
+  </p:clrMapOvr>
+</p:sld>
+</file>
+
+<file path=ppt/slides/slide4.xml><?xml version="1.0" encoding="utf-8"?>
 <p:sld xmlns:a="http://schemas.openxmlformats.org/drawingml/2006/main" xmlns:r="http://schemas.openxmlformats.org/officeDocument/2006/relationships" xmlns:p="http://schemas.openxmlformats.org/presentationml/2006/main">
   <p:cSld>
     <p:bg>
@@ -15008,7 +14704,7 @@
 </p:sld>
 </file>
 
-<file path=ppt/slides/slide4.xml><?xml version="1.0" encoding="utf-8"?>
+<file path=ppt/slides/slide5.xml><?xml version="1.0" encoding="utf-8"?>
 <p:sld xmlns:a="http://schemas.openxmlformats.org/drawingml/2006/main" xmlns:r="http://schemas.openxmlformats.org/officeDocument/2006/relationships" xmlns:p="http://schemas.openxmlformats.org/presentationml/2006/main">
   <p:cSld>
     <p:bg>
@@ -15449,7 +15145,7 @@
 </p:sld>
 </file>
 
-<file path=ppt/slides/slide5.xml><?xml version="1.0" encoding="utf-8"?>
+<file path=ppt/slides/slide6.xml><?xml version="1.0" encoding="utf-8"?>
 <p:sld xmlns:a="http://schemas.openxmlformats.org/drawingml/2006/main" xmlns:r="http://schemas.openxmlformats.org/officeDocument/2006/relationships" xmlns:p="http://schemas.openxmlformats.org/presentationml/2006/main">
   <p:cSld>
     <p:bg>
@@ -15708,7 +15404,111 @@
 </p:sld>
 </file>
 
-<file path=ppt/slides/slide6.xml><?xml version="1.0" encoding="utf-8"?>
+<file path=ppt/slides/slide7.xml><?xml version="1.0" encoding="utf-8"?>
+<p:sld xmlns:a="http://schemas.openxmlformats.org/drawingml/2006/main" xmlns:r="http://schemas.openxmlformats.org/officeDocument/2006/relationships" xmlns:p="http://schemas.openxmlformats.org/presentationml/2006/main">
+  <p:cSld>
+    <p:bg>
+      <p:bgPr>
+        <a:solidFill>
+          <a:schemeClr val="bg1"/>
+        </a:solidFill>
+        <a:effectLst/>
+      </p:bgPr>
+    </p:bg>
+    <p:spTree>
+      <p:nvGrpSpPr>
+        <p:cNvPr id="1" name=""/>
+        <p:cNvGrpSpPr/>
+        <p:nvPr/>
+      </p:nvGrpSpPr>
+      <p:grpSpPr>
+        <a:xfrm>
+          <a:off x="0" y="0"/>
+          <a:ext cx="0" cy="0"/>
+          <a:chOff x="0" y="0"/>
+          <a:chExt cx="0" cy="0"/>
+        </a:xfrm>
+      </p:grpSpPr>
+      <p:sp>
+        <p:nvSpPr>
+          <p:cNvPr id="2" name="Title 1">
+            <a:extLst>
+              <a:ext uri="{FF2B5EF4-FFF2-40B4-BE49-F238E27FC236}">
+                <a16:creationId xmlns:a16="http://schemas.microsoft.com/office/drawing/2014/main" id="{3587A56C-D65D-B942-8C33-7C07C1DDBE66}"/>
+              </a:ext>
+            </a:extLst>
+          </p:cNvPr>
+          <p:cNvSpPr>
+            <a:spLocks noGrp="1"/>
+          </p:cNvSpPr>
+          <p:nvPr>
+            <p:ph type="title"/>
+          </p:nvPr>
+        </p:nvSpPr>
+        <p:spPr>
+          <a:xfrm>
+            <a:off x="838200" y="713232"/>
+            <a:ext cx="3374136" cy="5504688"/>
+          </a:xfrm>
+        </p:spPr>
+        <p:txBody>
+          <a:bodyPr>
+            <a:normAutofit/>
+          </a:bodyPr>
+          <a:lstStyle/>
+          <a:p>
+            <a:r>
+              <a:rPr lang="en-US" sz="4400"/>
+              <a:t>Compilation Stages of Julia Code</a:t>
+            </a:r>
+          </a:p>
+        </p:txBody>
+      </p:sp>
+      <p:graphicFrame>
+        <p:nvGraphicFramePr>
+          <p:cNvPr id="4" name="Content Placeholder 3">
+            <a:extLst>
+              <a:ext uri="{FF2B5EF4-FFF2-40B4-BE49-F238E27FC236}">
+                <a16:creationId xmlns:a16="http://schemas.microsoft.com/office/drawing/2014/main" id="{1C7FBCEA-3414-014A-867E-E20BCCAB1E2A}"/>
+              </a:ext>
+            </a:extLst>
+          </p:cNvPr>
+          <p:cNvGraphicFramePr>
+            <a:graphicFrameLocks noGrp="1"/>
+          </p:cNvGraphicFramePr>
+          <p:nvPr>
+            <p:ph idx="1"/>
+            <p:extLst>
+              <p:ext uri="{D42A27DB-BD31-4B8C-83A1-F6EECF244321}">
+                <p14:modId xmlns:p14="http://schemas.microsoft.com/office/powerpoint/2010/main" val="3742410087"/>
+              </p:ext>
+            </p:extLst>
+          </p:nvPr>
+        </p:nvGraphicFramePr>
+        <p:xfrm>
+          <a:off x="5093208" y="713232"/>
+          <a:ext cx="6263640" cy="5504688"/>
+        </p:xfrm>
+        <a:graphic>
+          <a:graphicData uri="http://schemas.openxmlformats.org/drawingml/2006/diagram">
+            <dgm:relIds xmlns:dgm="http://schemas.openxmlformats.org/drawingml/2006/diagram" xmlns:r="http://schemas.openxmlformats.org/officeDocument/2006/relationships" r:dm="rId2" r:lo="rId3" r:qs="rId4" r:cs="rId5"/>
+          </a:graphicData>
+        </a:graphic>
+      </p:graphicFrame>
+    </p:spTree>
+    <p:extLst>
+      <p:ext uri="{BB962C8B-B14F-4D97-AF65-F5344CB8AC3E}">
+        <p14:creationId xmlns:p14="http://schemas.microsoft.com/office/powerpoint/2010/main" val="1456074013"/>
+      </p:ext>
+    </p:extLst>
+  </p:cSld>
+  <p:clrMapOvr>
+    <a:masterClrMapping/>
+  </p:clrMapOvr>
+</p:sld>
+</file>
+
+<file path=ppt/slides/slide8.xml><?xml version="1.0" encoding="utf-8"?>
 <p:sld xmlns:a="http://schemas.openxmlformats.org/drawingml/2006/main" xmlns:r="http://schemas.openxmlformats.org/officeDocument/2006/relationships" xmlns:p="http://schemas.openxmlformats.org/presentationml/2006/main">
   <p:cSld>
     <p:bg>
@@ -15930,111 +15730,7 @@
 </p:sld>
 </file>
 
-<file path=ppt/slides/slide7.xml><?xml version="1.0" encoding="utf-8"?>
-<p:sld xmlns:a="http://schemas.openxmlformats.org/drawingml/2006/main" xmlns:r="http://schemas.openxmlformats.org/officeDocument/2006/relationships" xmlns:p="http://schemas.openxmlformats.org/presentationml/2006/main">
-  <p:cSld>
-    <p:bg>
-      <p:bgPr>
-        <a:solidFill>
-          <a:schemeClr val="bg1"/>
-        </a:solidFill>
-        <a:effectLst/>
-      </p:bgPr>
-    </p:bg>
-    <p:spTree>
-      <p:nvGrpSpPr>
-        <p:cNvPr id="1" name=""/>
-        <p:cNvGrpSpPr/>
-        <p:nvPr/>
-      </p:nvGrpSpPr>
-      <p:grpSpPr>
-        <a:xfrm>
-          <a:off x="0" y="0"/>
-          <a:ext cx="0" cy="0"/>
-          <a:chOff x="0" y="0"/>
-          <a:chExt cx="0" cy="0"/>
-        </a:xfrm>
-      </p:grpSpPr>
-      <p:sp>
-        <p:nvSpPr>
-          <p:cNvPr id="2" name="Title 1">
-            <a:extLst>
-              <a:ext uri="{FF2B5EF4-FFF2-40B4-BE49-F238E27FC236}">
-                <a16:creationId xmlns:a16="http://schemas.microsoft.com/office/drawing/2014/main" id="{3587A56C-D65D-B942-8C33-7C07C1DDBE66}"/>
-              </a:ext>
-            </a:extLst>
-          </p:cNvPr>
-          <p:cNvSpPr>
-            <a:spLocks noGrp="1"/>
-          </p:cNvSpPr>
-          <p:nvPr>
-            <p:ph type="title"/>
-          </p:nvPr>
-        </p:nvSpPr>
-        <p:spPr>
-          <a:xfrm>
-            <a:off x="838200" y="713232"/>
-            <a:ext cx="3374136" cy="5504688"/>
-          </a:xfrm>
-        </p:spPr>
-        <p:txBody>
-          <a:bodyPr>
-            <a:normAutofit/>
-          </a:bodyPr>
-          <a:lstStyle/>
-          <a:p>
-            <a:r>
-              <a:rPr lang="en-US" sz="4400"/>
-              <a:t>Compilation Stages of Julia Code</a:t>
-            </a:r>
-          </a:p>
-        </p:txBody>
-      </p:sp>
-      <p:graphicFrame>
-        <p:nvGraphicFramePr>
-          <p:cNvPr id="4" name="Content Placeholder 3">
-            <a:extLst>
-              <a:ext uri="{FF2B5EF4-FFF2-40B4-BE49-F238E27FC236}">
-                <a16:creationId xmlns:a16="http://schemas.microsoft.com/office/drawing/2014/main" id="{1C7FBCEA-3414-014A-867E-E20BCCAB1E2A}"/>
-              </a:ext>
-            </a:extLst>
-          </p:cNvPr>
-          <p:cNvGraphicFramePr>
-            <a:graphicFrameLocks noGrp="1"/>
-          </p:cNvGraphicFramePr>
-          <p:nvPr>
-            <p:ph idx="1"/>
-            <p:extLst>
-              <p:ext uri="{D42A27DB-BD31-4B8C-83A1-F6EECF244321}">
-                <p14:modId xmlns:p14="http://schemas.microsoft.com/office/powerpoint/2010/main" val="3742410087"/>
-              </p:ext>
-            </p:extLst>
-          </p:nvPr>
-        </p:nvGraphicFramePr>
-        <p:xfrm>
-          <a:off x="5093208" y="713232"/>
-          <a:ext cx="6263640" cy="5504688"/>
-        </p:xfrm>
-        <a:graphic>
-          <a:graphicData uri="http://schemas.openxmlformats.org/drawingml/2006/diagram">
-            <dgm:relIds xmlns:dgm="http://schemas.openxmlformats.org/drawingml/2006/diagram" xmlns:r="http://schemas.openxmlformats.org/officeDocument/2006/relationships" r:dm="rId2" r:lo="rId3" r:qs="rId4" r:cs="rId5"/>
-          </a:graphicData>
-        </a:graphic>
-      </p:graphicFrame>
-    </p:spTree>
-    <p:extLst>
-      <p:ext uri="{BB962C8B-B14F-4D97-AF65-F5344CB8AC3E}">
-        <p14:creationId xmlns:p14="http://schemas.microsoft.com/office/powerpoint/2010/main" val="1456074013"/>
-      </p:ext>
-    </p:extLst>
-  </p:cSld>
-  <p:clrMapOvr>
-    <a:masterClrMapping/>
-  </p:clrMapOvr>
-</p:sld>
-</file>
-
-<file path=ppt/slides/slide8.xml><?xml version="1.0" encoding="utf-8"?>
+<file path=ppt/slides/slide9.xml><?xml version="1.0" encoding="utf-8"?>
 <p:sld xmlns:a="http://schemas.openxmlformats.org/drawingml/2006/main" xmlns:r="http://schemas.openxmlformats.org/officeDocument/2006/relationships" xmlns:p="http://schemas.openxmlformats.org/presentationml/2006/main">
   <p:cSld>
     <p:bg>

--- a/notebooks/xiaoqi-why-julia-fast.pptx
+++ b/notebooks/xiaoqi-why-julia-fast.pptx
@@ -5,18 +5,17 @@
     <p:sldMasterId id="2147483648" r:id="rId1"/>
   </p:sldMasterIdLst>
   <p:notesMasterIdLst>
-    <p:notesMasterId r:id="rId11"/>
+    <p:notesMasterId r:id="rId10"/>
   </p:notesMasterIdLst>
   <p:sldIdLst>
     <p:sldId id="256" r:id="rId2"/>
     <p:sldId id="266" r:id="rId3"/>
-    <p:sldId id="267" r:id="rId4"/>
-    <p:sldId id="258" r:id="rId5"/>
-    <p:sldId id="257" r:id="rId6"/>
-    <p:sldId id="262" r:id="rId7"/>
-    <p:sldId id="265" r:id="rId8"/>
-    <p:sldId id="261" r:id="rId9"/>
-    <p:sldId id="263" r:id="rId10"/>
+    <p:sldId id="258" r:id="rId4"/>
+    <p:sldId id="257" r:id="rId5"/>
+    <p:sldId id="262" r:id="rId6"/>
+    <p:sldId id="265" r:id="rId7"/>
+    <p:sldId id="261" r:id="rId8"/>
+    <p:sldId id="263" r:id="rId9"/>
   </p:sldIdLst>
   <p:sldSz cx="12192000" cy="6858000"/>
   <p:notesSz cx="6858000" cy="9144000"/>
@@ -10500,7 +10499,7 @@
           <a:p>
             <a:fld id="{1C2353BB-4F7C-0247-BEC9-5CD8DBB29C46}" type="slidenum">
               <a:rPr lang="en-US" smtClean="0"/>
-              <a:t>9</a:t>
+              <a:t>8</a:t>
             </a:fld>
             <a:endParaRPr lang="en-US"/>
           </a:p>
@@ -14167,92 +14166,6 @@
 <file path=ppt/slides/slide3.xml><?xml version="1.0" encoding="utf-8"?>
 <p:sld xmlns:a="http://schemas.openxmlformats.org/drawingml/2006/main" xmlns:r="http://schemas.openxmlformats.org/officeDocument/2006/relationships" xmlns:p="http://schemas.openxmlformats.org/presentationml/2006/main">
   <p:cSld>
-    <p:spTree>
-      <p:nvGrpSpPr>
-        <p:cNvPr id="1" name=""/>
-        <p:cNvGrpSpPr/>
-        <p:nvPr/>
-      </p:nvGrpSpPr>
-      <p:grpSpPr>
-        <a:xfrm>
-          <a:off x="0" y="0"/>
-          <a:ext cx="0" cy="0"/>
-          <a:chOff x="0" y="0"/>
-          <a:chExt cx="0" cy="0"/>
-        </a:xfrm>
-      </p:grpSpPr>
-      <p:sp>
-        <p:nvSpPr>
-          <p:cNvPr id="2" name="Title 1">
-            <a:extLst>
-              <a:ext uri="{FF2B5EF4-FFF2-40B4-BE49-F238E27FC236}">
-                <a16:creationId xmlns:a16="http://schemas.microsoft.com/office/drawing/2014/main" id="{612D8052-B69A-6A49-A101-FF8E1ACAE59C}"/>
-              </a:ext>
-            </a:extLst>
-          </p:cNvPr>
-          <p:cNvSpPr>
-            <a:spLocks noGrp="1"/>
-          </p:cNvSpPr>
-          <p:nvPr>
-            <p:ph type="title"/>
-          </p:nvPr>
-        </p:nvSpPr>
-        <p:spPr/>
-        <p:txBody>
-          <a:bodyPr/>
-          <a:lstStyle/>
-          <a:p>
-            <a:r>
-              <a:rPr lang="en-US" dirty="0"/>
-              <a:t>Multiple Dispatch </a:t>
-            </a:r>
-          </a:p>
-        </p:txBody>
-      </p:sp>
-      <p:sp>
-        <p:nvSpPr>
-          <p:cNvPr id="3" name="Content Placeholder 2">
-            <a:extLst>
-              <a:ext uri="{FF2B5EF4-FFF2-40B4-BE49-F238E27FC236}">
-                <a16:creationId xmlns:a16="http://schemas.microsoft.com/office/drawing/2014/main" id="{4E74AA7B-137B-BD4F-B829-A52CE721CFAC}"/>
-              </a:ext>
-            </a:extLst>
-          </p:cNvPr>
-          <p:cNvSpPr>
-            <a:spLocks noGrp="1"/>
-          </p:cNvSpPr>
-          <p:nvPr>
-            <p:ph idx="1"/>
-          </p:nvPr>
-        </p:nvSpPr>
-        <p:spPr/>
-        <p:txBody>
-          <a:bodyPr/>
-          <a:lstStyle/>
-          <a:p>
-            <a:r>
-              <a:rPr lang="en-US" dirty="0"/>
-              <a:t>Polymorphism</a:t>
-            </a:r>
-          </a:p>
-        </p:txBody>
-      </p:sp>
-    </p:spTree>
-    <p:extLst>
-      <p:ext uri="{BB962C8B-B14F-4D97-AF65-F5344CB8AC3E}">
-        <p14:creationId xmlns:p14="http://schemas.microsoft.com/office/powerpoint/2010/main" val="1133467415"/>
-      </p:ext>
-    </p:extLst>
-  </p:cSld>
-  <p:clrMapOvr>
-    <a:masterClrMapping/>
-  </p:clrMapOvr>
-</p:sld>
-</file>
-
-<file path=ppt/slides/slide4.xml><?xml version="1.0" encoding="utf-8"?>
-<p:sld xmlns:a="http://schemas.openxmlformats.org/drawingml/2006/main" xmlns:r="http://schemas.openxmlformats.org/officeDocument/2006/relationships" xmlns:p="http://schemas.openxmlformats.org/presentationml/2006/main">
-  <p:cSld>
     <p:bg>
       <p:bgPr>
         <a:solidFill>
@@ -14704,7 +14617,7 @@
 </p:sld>
 </file>
 
-<file path=ppt/slides/slide5.xml><?xml version="1.0" encoding="utf-8"?>
+<file path=ppt/slides/slide4.xml><?xml version="1.0" encoding="utf-8"?>
 <p:sld xmlns:a="http://schemas.openxmlformats.org/drawingml/2006/main" xmlns:r="http://schemas.openxmlformats.org/officeDocument/2006/relationships" xmlns:p="http://schemas.openxmlformats.org/presentationml/2006/main">
   <p:cSld>
     <p:bg>
@@ -15145,7 +15058,7 @@
 </p:sld>
 </file>
 
-<file path=ppt/slides/slide6.xml><?xml version="1.0" encoding="utf-8"?>
+<file path=ppt/slides/slide5.xml><?xml version="1.0" encoding="utf-8"?>
 <p:sld xmlns:a="http://schemas.openxmlformats.org/drawingml/2006/main" xmlns:r="http://schemas.openxmlformats.org/officeDocument/2006/relationships" xmlns:p="http://schemas.openxmlformats.org/presentationml/2006/main">
   <p:cSld>
     <p:bg>
@@ -15404,7 +15317,7 @@
 </p:sld>
 </file>
 
-<file path=ppt/slides/slide7.xml><?xml version="1.0" encoding="utf-8"?>
+<file path=ppt/slides/slide6.xml><?xml version="1.0" encoding="utf-8"?>
 <p:sld xmlns:a="http://schemas.openxmlformats.org/drawingml/2006/main" xmlns:r="http://schemas.openxmlformats.org/officeDocument/2006/relationships" xmlns:p="http://schemas.openxmlformats.org/presentationml/2006/main">
   <p:cSld>
     <p:bg>
@@ -15508,7 +15421,7 @@
 </p:sld>
 </file>
 
-<file path=ppt/slides/slide8.xml><?xml version="1.0" encoding="utf-8"?>
+<file path=ppt/slides/slide7.xml><?xml version="1.0" encoding="utf-8"?>
 <p:sld xmlns:a="http://schemas.openxmlformats.org/drawingml/2006/main" xmlns:r="http://schemas.openxmlformats.org/officeDocument/2006/relationships" xmlns:p="http://schemas.openxmlformats.org/presentationml/2006/main">
   <p:cSld>
     <p:bg>
@@ -15730,7 +15643,7 @@
 </p:sld>
 </file>
 
-<file path=ppt/slides/slide9.xml><?xml version="1.0" encoding="utf-8"?>
+<file path=ppt/slides/slide8.xml><?xml version="1.0" encoding="utf-8"?>
 <p:sld xmlns:a="http://schemas.openxmlformats.org/drawingml/2006/main" xmlns:r="http://schemas.openxmlformats.org/officeDocument/2006/relationships" xmlns:p="http://schemas.openxmlformats.org/presentationml/2006/main">
   <p:cSld>
     <p:bg>

--- a/notebooks/xiaoqi-why-julia-fast.pptx
+++ b/notebooks/xiaoqi-why-julia-fast.pptx
@@ -5,7 +5,7 @@
     <p:sldMasterId id="2147483648" r:id="rId1"/>
   </p:sldMasterIdLst>
   <p:notesMasterIdLst>
-    <p:notesMasterId r:id="rId10"/>
+    <p:notesMasterId r:id="rId11"/>
   </p:notesMasterIdLst>
   <p:sldIdLst>
     <p:sldId id="256" r:id="rId2"/>
@@ -13,9 +13,10 @@
     <p:sldId id="258" r:id="rId4"/>
     <p:sldId id="257" r:id="rId5"/>
     <p:sldId id="262" r:id="rId6"/>
-    <p:sldId id="265" r:id="rId7"/>
-    <p:sldId id="261" r:id="rId8"/>
-    <p:sldId id="263" r:id="rId9"/>
+    <p:sldId id="267" r:id="rId7"/>
+    <p:sldId id="265" r:id="rId8"/>
+    <p:sldId id="261" r:id="rId9"/>
+    <p:sldId id="263" r:id="rId10"/>
   </p:sldIdLst>
   <p:sldSz cx="12192000" cy="6858000"/>
   <p:notesSz cx="6858000" cy="9144000"/>
@@ -874,15 +875,15 @@
 </file>
 
 <file path=ppt/diagrams/colors2.xml><?xml version="1.0" encoding="utf-8"?>
-<dgm:colorsDef xmlns:dgm="http://schemas.openxmlformats.org/drawingml/2006/diagram" xmlns:a="http://schemas.openxmlformats.org/drawingml/2006/main" uniqueId="urn:microsoft.com/office/officeart/2018/5/colors/Iconchunking_neutralbg_colorful1">
+<dgm:colorsDef xmlns:dgm="http://schemas.openxmlformats.org/drawingml/2006/diagram" xmlns:a="http://schemas.openxmlformats.org/drawingml/2006/main" uniqueId="urn:microsoft.com/office/officeart/2005/8/colors/accent5_2">
   <dgm:title val=""/>
   <dgm:desc val=""/>
   <dgm:catLst>
-    <dgm:cat type="colorful" pri="10100"/>
+    <dgm:cat type="accent5" pri="11200"/>
   </dgm:catLst>
   <dgm:styleLbl name="node0">
     <dgm:fillClrLst meth="repeat">
-      <a:schemeClr val="accent1"/>
+      <a:schemeClr val="accent5"/>
     </dgm:fillClrLst>
     <dgm:linClrLst meth="repeat">
       <a:schemeClr val="lt1"/>
@@ -894,49 +895,7 @@
   </dgm:styleLbl>
   <dgm:styleLbl name="node1">
     <dgm:fillClrLst meth="repeat">
-      <a:schemeClr val="accent2"/>
-      <a:schemeClr val="accent3"/>
-      <a:schemeClr val="accent4"/>
       <a:schemeClr val="accent5"/>
-      <a:schemeClr val="accent6"/>
-    </dgm:fillClrLst>
-    <dgm:linClrLst meth="repeat">
-      <a:schemeClr val="lt1">
-        <a:alpha val="0"/>
-      </a:schemeClr>
-    </dgm:linClrLst>
-    <dgm:effectClrLst/>
-    <dgm:txLinClrLst/>
-    <dgm:txFillClrLst/>
-    <dgm:txEffectClrLst/>
-  </dgm:styleLbl>
-  <dgm:styleLbl name="alignNode1">
-    <dgm:fillClrLst meth="repeat">
-      <a:schemeClr val="accent2"/>
-      <a:schemeClr val="accent3"/>
-      <a:schemeClr val="accent4"/>
-      <a:schemeClr val="accent5"/>
-      <a:schemeClr val="accent6"/>
-    </dgm:fillClrLst>
-    <dgm:linClrLst meth="repeat">
-      <a:schemeClr val="accent2"/>
-      <a:schemeClr val="accent3"/>
-      <a:schemeClr val="accent4"/>
-      <a:schemeClr val="accent5"/>
-      <a:schemeClr val="accent6"/>
-    </dgm:linClrLst>
-    <dgm:effectClrLst/>
-    <dgm:txLinClrLst/>
-    <dgm:txFillClrLst/>
-    <dgm:txEffectClrLst/>
-  </dgm:styleLbl>
-  <dgm:styleLbl name="lnNode1">
-    <dgm:fillClrLst meth="repeat">
-      <a:schemeClr val="accent2"/>
-      <a:schemeClr val="accent3"/>
-      <a:schemeClr val="accent4"/>
-      <a:schemeClr val="accent5"/>
-      <a:schemeClr val="accent6"/>
     </dgm:fillClrLst>
     <dgm:linClrLst meth="repeat">
       <a:schemeClr val="lt1"/>
@@ -946,21 +905,33 @@
     <dgm:txFillClrLst/>
     <dgm:txEffectClrLst/>
   </dgm:styleLbl>
+  <dgm:styleLbl name="alignNode1">
+    <dgm:fillClrLst meth="repeat">
+      <a:schemeClr val="accent5"/>
+    </dgm:fillClrLst>
+    <dgm:linClrLst meth="repeat">
+      <a:schemeClr val="accent5"/>
+    </dgm:linClrLst>
+    <dgm:effectClrLst/>
+    <dgm:txLinClrLst/>
+    <dgm:txFillClrLst/>
+    <dgm:txEffectClrLst/>
+  </dgm:styleLbl>
+  <dgm:styleLbl name="lnNode1">
+    <dgm:fillClrLst meth="repeat">
+      <a:schemeClr val="accent5"/>
+    </dgm:fillClrLst>
+    <dgm:linClrLst meth="repeat">
+      <a:schemeClr val="lt1"/>
+    </dgm:linClrLst>
+    <dgm:effectClrLst/>
+    <dgm:txLinClrLst/>
+    <dgm:txFillClrLst/>
+    <dgm:txEffectClrLst/>
+  </dgm:styleLbl>
   <dgm:styleLbl name="vennNode1">
     <dgm:fillClrLst meth="repeat">
-      <a:schemeClr val="accent2">
-        <a:alpha val="50000"/>
-      </a:schemeClr>
-      <a:schemeClr val="accent3">
-        <a:alpha val="50000"/>
-      </a:schemeClr>
-      <a:schemeClr val="accent4">
-        <a:alpha val="50000"/>
-      </a:schemeClr>
       <a:schemeClr val="accent5">
-        <a:alpha val="50000"/>
-      </a:schemeClr>
-      <a:schemeClr val="accent6">
         <a:alpha val="50000"/>
       </a:schemeClr>
     </dgm:fillClrLst>
@@ -973,8 +944,8 @@
     <dgm:txEffectClrLst/>
   </dgm:styleLbl>
   <dgm:styleLbl name="node2">
-    <dgm:fillClrLst>
-      <a:schemeClr val="accent2"/>
+    <dgm:fillClrLst meth="repeat">
+      <a:schemeClr val="accent5"/>
     </dgm:fillClrLst>
     <dgm:linClrLst meth="repeat">
       <a:schemeClr val="lt1"/>
@@ -985,8 +956,8 @@
     <dgm:txEffectClrLst/>
   </dgm:styleLbl>
   <dgm:styleLbl name="node3">
-    <dgm:fillClrLst>
-      <a:schemeClr val="accent3"/>
+    <dgm:fillClrLst meth="repeat">
+      <a:schemeClr val="accent5"/>
     </dgm:fillClrLst>
     <dgm:linClrLst meth="repeat">
       <a:schemeClr val="lt1"/>
@@ -997,8 +968,8 @@
     <dgm:txEffectClrLst/>
   </dgm:styleLbl>
   <dgm:styleLbl name="node4">
-    <dgm:fillClrLst>
-      <a:schemeClr val="accent4"/>
+    <dgm:fillClrLst meth="repeat">
+      <a:schemeClr val="accent5"/>
     </dgm:fillClrLst>
     <dgm:linClrLst meth="repeat">
       <a:schemeClr val="lt1"/>
@@ -1010,19 +981,7 @@
   </dgm:styleLbl>
   <dgm:styleLbl name="fgImgPlace1">
     <dgm:fillClrLst meth="repeat">
-      <a:schemeClr val="accent2">
-        <a:tint val="50000"/>
-      </a:schemeClr>
-      <a:schemeClr val="accent3">
-        <a:tint val="50000"/>
-      </a:schemeClr>
-      <a:schemeClr val="accent4">
-        <a:tint val="50000"/>
-      </a:schemeClr>
       <a:schemeClr val="accent5">
-        <a:tint val="50000"/>
-      </a:schemeClr>
-      <a:schemeClr val="accent6">
         <a:tint val="50000"/>
       </a:schemeClr>
     </dgm:fillClrLst>
@@ -1037,12 +996,9 @@
     <dgm:txEffectClrLst/>
   </dgm:styleLbl>
   <dgm:styleLbl name="alignImgPlace1">
-    <dgm:fillClrLst>
-      <a:schemeClr val="accent1">
+    <dgm:fillClrLst meth="repeat">
+      <a:schemeClr val="accent5">
         <a:tint val="50000"/>
-      </a:schemeClr>
-      <a:schemeClr val="accent2">
-        <a:tint val="20000"/>
       </a:schemeClr>
     </dgm:fillClrLst>
     <dgm:linClrLst meth="repeat">
@@ -1056,12 +1012,9 @@
     <dgm:txEffectClrLst/>
   </dgm:styleLbl>
   <dgm:styleLbl name="bgImgPlace1">
-    <dgm:fillClrLst>
-      <a:schemeClr val="accent1">
+    <dgm:fillClrLst meth="repeat">
+      <a:schemeClr val="accent5">
         <a:tint val="50000"/>
-      </a:schemeClr>
-      <a:schemeClr val="accent2">
-        <a:tint val="20000"/>
       </a:schemeClr>
     </dgm:fillClrLst>
     <dgm:linClrLst meth="repeat">
@@ -1076,14 +1029,14 @@
   </dgm:styleLbl>
   <dgm:styleLbl name="sibTrans2D1">
     <dgm:fillClrLst meth="repeat">
-      <a:schemeClr val="accent2"/>
-      <a:schemeClr val="accent3"/>
-      <a:schemeClr val="accent4"/>
-      <a:schemeClr val="accent5"/>
-      <a:schemeClr val="accent6"/>
+      <a:schemeClr val="accent5">
+        <a:tint val="60000"/>
+      </a:schemeClr>
     </dgm:fillClrLst>
-    <dgm:linClrLst meth="cycle">
-      <a:schemeClr val="lt1"/>
+    <dgm:linClrLst meth="repeat">
+      <a:schemeClr val="accent5">
+        <a:tint val="60000"/>
+      </a:schemeClr>
     </dgm:linClrLst>
     <dgm:effectClrLst/>
     <dgm:txLinClrLst/>
@@ -1092,54 +1045,42 @@
   </dgm:styleLbl>
   <dgm:styleLbl name="fgSibTrans2D1">
     <dgm:fillClrLst meth="repeat">
-      <a:schemeClr val="accent2"/>
-      <a:schemeClr val="accent3"/>
-      <a:schemeClr val="accent4"/>
-      <a:schemeClr val="accent5"/>
-      <a:schemeClr val="accent6"/>
+      <a:schemeClr val="accent5">
+        <a:tint val="60000"/>
+      </a:schemeClr>
     </dgm:fillClrLst>
-    <dgm:linClrLst meth="cycle">
-      <a:schemeClr val="lt1"/>
+    <dgm:linClrLst meth="repeat">
+      <a:schemeClr val="accent5">
+        <a:tint val="60000"/>
+      </a:schemeClr>
     </dgm:linClrLst>
     <dgm:effectClrLst/>
     <dgm:txLinClrLst/>
-    <dgm:txFillClrLst meth="repeat">
-      <a:schemeClr val="lt1"/>
-    </dgm:txFillClrLst>
+    <dgm:txFillClrLst/>
     <dgm:txEffectClrLst/>
   </dgm:styleLbl>
   <dgm:styleLbl name="bgSibTrans2D1">
     <dgm:fillClrLst meth="repeat">
-      <a:schemeClr val="accent2"/>
-      <a:schemeClr val="accent3"/>
-      <a:schemeClr val="accent4"/>
-      <a:schemeClr val="accent5"/>
-      <a:schemeClr val="accent6"/>
+      <a:schemeClr val="accent5">
+        <a:tint val="60000"/>
+      </a:schemeClr>
     </dgm:fillClrLst>
-    <dgm:linClrLst meth="cycle">
-      <a:schemeClr val="lt1"/>
+    <dgm:linClrLst meth="repeat">
+      <a:schemeClr val="accent5">
+        <a:tint val="60000"/>
+      </a:schemeClr>
     </dgm:linClrLst>
     <dgm:effectClrLst/>
     <dgm:txLinClrLst/>
-    <dgm:txFillClrLst meth="repeat">
-      <a:schemeClr val="lt1"/>
-    </dgm:txFillClrLst>
+    <dgm:txFillClrLst/>
     <dgm:txEffectClrLst/>
   </dgm:styleLbl>
   <dgm:styleLbl name="sibTrans1D1">
     <dgm:fillClrLst meth="repeat">
-      <a:schemeClr val="accent2"/>
-      <a:schemeClr val="accent3"/>
-      <a:schemeClr val="accent4"/>
       <a:schemeClr val="accent5"/>
-      <a:schemeClr val="accent6"/>
     </dgm:fillClrLst>
     <dgm:linClrLst meth="repeat">
-      <a:schemeClr val="accent2"/>
-      <a:schemeClr val="accent3"/>
-      <a:schemeClr val="accent4"/>
       <a:schemeClr val="accent5"/>
-      <a:schemeClr val="accent6"/>
     </dgm:linClrLst>
     <dgm:effectClrLst/>
     <dgm:txLinClrLst/>
@@ -1150,10 +1091,10 @@
   </dgm:styleLbl>
   <dgm:styleLbl name="callout">
     <dgm:fillClrLst meth="repeat">
-      <a:schemeClr val="accent2"/>
+      <a:schemeClr val="accent5"/>
     </dgm:fillClrLst>
     <dgm:linClrLst meth="repeat">
-      <a:schemeClr val="accent2">
+      <a:schemeClr val="accent5">
         <a:tint val="50000"/>
       </a:schemeClr>
     </dgm:linClrLst>
@@ -1166,54 +1107,6 @@
   </dgm:styleLbl>
   <dgm:styleLbl name="asst0">
     <dgm:fillClrLst meth="repeat">
-      <a:schemeClr val="accent1"/>
-    </dgm:fillClrLst>
-    <dgm:linClrLst meth="repeat">
-      <a:schemeClr val="lt1"/>
-    </dgm:linClrLst>
-    <dgm:effectClrLst/>
-    <dgm:txLinClrLst/>
-    <dgm:txFillClrLst/>
-    <dgm:txEffectClrLst/>
-  </dgm:styleLbl>
-  <dgm:styleLbl name="asst1">
-    <dgm:fillClrLst meth="repeat">
-      <a:schemeClr val="accent2"/>
-    </dgm:fillClrLst>
-    <dgm:linClrLst meth="repeat">
-      <a:schemeClr val="lt1"/>
-    </dgm:linClrLst>
-    <dgm:effectClrLst/>
-    <dgm:txLinClrLst/>
-    <dgm:txFillClrLst/>
-    <dgm:txEffectClrLst/>
-  </dgm:styleLbl>
-  <dgm:styleLbl name="asst2">
-    <dgm:fillClrLst>
-      <a:schemeClr val="accent3"/>
-    </dgm:fillClrLst>
-    <dgm:linClrLst meth="repeat">
-      <a:schemeClr val="lt1"/>
-    </dgm:linClrLst>
-    <dgm:effectClrLst/>
-    <dgm:txLinClrLst/>
-    <dgm:txFillClrLst/>
-    <dgm:txEffectClrLst/>
-  </dgm:styleLbl>
-  <dgm:styleLbl name="asst3">
-    <dgm:fillClrLst>
-      <a:schemeClr val="accent4"/>
-    </dgm:fillClrLst>
-    <dgm:linClrLst meth="repeat">
-      <a:schemeClr val="lt1"/>
-    </dgm:linClrLst>
-    <dgm:effectClrLst/>
-    <dgm:txLinClrLst/>
-    <dgm:txFillClrLst/>
-    <dgm:txEffectClrLst/>
-  </dgm:styleLbl>
-  <dgm:styleLbl name="asst4">
-    <dgm:fillClrLst>
       <a:schemeClr val="accent5"/>
     </dgm:fillClrLst>
     <dgm:linClrLst meth="repeat">
@@ -1224,23 +1117,9 @@
     <dgm:txFillClrLst/>
     <dgm:txEffectClrLst/>
   </dgm:styleLbl>
-  <dgm:styleLbl name="parChTrans2D1">
+  <dgm:styleLbl name="asst1">
     <dgm:fillClrLst meth="repeat">
-      <a:schemeClr val="accent2"/>
-    </dgm:fillClrLst>
-    <dgm:linClrLst meth="repeat">
-      <a:schemeClr val="lt1"/>
-    </dgm:linClrLst>
-    <dgm:effectClrLst/>
-    <dgm:txLinClrLst/>
-    <dgm:txFillClrLst meth="repeat">
-      <a:schemeClr val="lt1"/>
-    </dgm:txFillClrLst>
-    <dgm:txEffectClrLst/>
-  </dgm:styleLbl>
-  <dgm:styleLbl name="parChTrans2D2">
-    <dgm:fillClrLst meth="repeat">
-      <a:schemeClr val="accent3"/>
+      <a:schemeClr val="accent5"/>
     </dgm:fillClrLst>
     <dgm:linClrLst meth="repeat">
       <a:schemeClr val="lt1"/>
@@ -1250,9 +1129,9 @@
     <dgm:txFillClrLst/>
     <dgm:txEffectClrLst/>
   </dgm:styleLbl>
-  <dgm:styleLbl name="parChTrans2D3">
+  <dgm:styleLbl name="asst2">
     <dgm:fillClrLst meth="repeat">
-      <a:schemeClr val="accent4"/>
+      <a:schemeClr val="accent5"/>
     </dgm:fillClrLst>
     <dgm:linClrLst meth="repeat">
       <a:schemeClr val="lt1"/>
@@ -1262,7 +1141,7 @@
     <dgm:txFillClrLst/>
     <dgm:txEffectClrLst/>
   </dgm:styleLbl>
-  <dgm:styleLbl name="parChTrans2D4">
+  <dgm:styleLbl name="asst3">
     <dgm:fillClrLst meth="repeat">
       <a:schemeClr val="accent5"/>
     </dgm:fillClrLst>
@@ -1271,17 +1150,89 @@
     </dgm:linClrLst>
     <dgm:effectClrLst/>
     <dgm:txLinClrLst/>
+    <dgm:txFillClrLst/>
+    <dgm:txEffectClrLst/>
+  </dgm:styleLbl>
+  <dgm:styleLbl name="asst4">
+    <dgm:fillClrLst meth="repeat">
+      <a:schemeClr val="accent5"/>
+    </dgm:fillClrLst>
+    <dgm:linClrLst meth="repeat">
+      <a:schemeClr val="lt1"/>
+    </dgm:linClrLst>
+    <dgm:effectClrLst/>
+    <dgm:txLinClrLst/>
+    <dgm:txFillClrLst/>
+    <dgm:txEffectClrLst/>
+  </dgm:styleLbl>
+  <dgm:styleLbl name="parChTrans2D1">
+    <dgm:fillClrLst meth="repeat">
+      <a:schemeClr val="accent5">
+        <a:tint val="60000"/>
+      </a:schemeClr>
+    </dgm:fillClrLst>
+    <dgm:linClrLst meth="repeat">
+      <a:schemeClr val="accent5">
+        <a:tint val="60000"/>
+      </a:schemeClr>
+    </dgm:linClrLst>
+    <dgm:effectClrLst/>
+    <dgm:txLinClrLst/>
     <dgm:txFillClrLst meth="repeat">
       <a:schemeClr val="lt1"/>
     </dgm:txFillClrLst>
     <dgm:txEffectClrLst/>
   </dgm:styleLbl>
+  <dgm:styleLbl name="parChTrans2D2">
+    <dgm:fillClrLst meth="repeat">
+      <a:schemeClr val="accent5"/>
+    </dgm:fillClrLst>
+    <dgm:linClrLst meth="repeat">
+      <a:schemeClr val="accent5"/>
+    </dgm:linClrLst>
+    <dgm:effectClrLst/>
+    <dgm:txLinClrLst/>
+    <dgm:txFillClrLst meth="repeat">
+      <a:schemeClr val="lt1"/>
+    </dgm:txFillClrLst>
+    <dgm:txEffectClrLst/>
+  </dgm:styleLbl>
+  <dgm:styleLbl name="parChTrans2D3">
+    <dgm:fillClrLst meth="repeat">
+      <a:schemeClr val="accent5"/>
+    </dgm:fillClrLst>
+    <dgm:linClrLst meth="repeat">
+      <a:schemeClr val="accent5"/>
+    </dgm:linClrLst>
+    <dgm:effectClrLst/>
+    <dgm:txLinClrLst/>
+    <dgm:txFillClrLst meth="repeat">
+      <a:schemeClr val="lt1"/>
+    </dgm:txFillClrLst>
+    <dgm:txEffectClrLst/>
+  </dgm:styleLbl>
+  <dgm:styleLbl name="parChTrans2D4">
+    <dgm:fillClrLst meth="repeat">
+      <a:schemeClr val="accent5"/>
+    </dgm:fillClrLst>
+    <dgm:linClrLst meth="repeat">
+      <a:schemeClr val="accent5"/>
+    </dgm:linClrLst>
+    <dgm:effectClrLst/>
+    <dgm:txLinClrLst/>
+    <dgm:txFillClrLst meth="repeat">
+      <a:schemeClr val="lt1"/>
+    </dgm:txFillClrLst>
+    <dgm:txEffectClrLst/>
+  </dgm:styleLbl>
   <dgm:styleLbl name="parChTrans1D1">
     <dgm:fillClrLst meth="repeat">
-      <a:schemeClr val="accent2"/>
+      <a:schemeClr val="accent5"/>
     </dgm:fillClrLst>
     <dgm:linClrLst meth="repeat">
-      <a:schemeClr val="accent1"/>
+      <a:schemeClr val="accent5">
+        <a:shade val="60000"/>
+      </a:schemeClr>
     </dgm:linClrLst>
     <dgm:effectClrLst/>
     <dgm:txLinClrLst/>
@@ -1292,12 +1243,12 @@
   </dgm:styleLbl>
   <dgm:styleLbl name="parChTrans1D2">
     <dgm:fillClrLst meth="repeat">
-      <a:schemeClr val="accent3">
-        <a:tint val="90000"/>
-      </a:schemeClr>
+      <a:schemeClr val="accent5"/>
     </dgm:fillClrLst>
     <dgm:linClrLst meth="repeat">
-      <a:schemeClr val="accent2"/>
+      <a:schemeClr val="accent5">
+        <a:shade val="60000"/>
+      </a:schemeClr>
     </dgm:linClrLst>
     <dgm:effectClrLst/>
     <dgm:txLinClrLst/>
@@ -1308,12 +1259,12 @@
   </dgm:styleLbl>
   <dgm:styleLbl name="parChTrans1D3">
     <dgm:fillClrLst meth="repeat">
-      <a:schemeClr val="accent4">
-        <a:tint val="70000"/>
-      </a:schemeClr>
+      <a:schemeClr val="accent5"/>
     </dgm:fillClrLst>
     <dgm:linClrLst meth="repeat">
-      <a:schemeClr val="accent3"/>
+      <a:schemeClr val="accent5">
+        <a:shade val="80000"/>
+      </a:schemeClr>
     </dgm:linClrLst>
     <dgm:effectClrLst/>
     <dgm:txLinClrLst/>
@@ -1324,12 +1275,12 @@
   </dgm:styleLbl>
   <dgm:styleLbl name="parChTrans1D4">
     <dgm:fillClrLst meth="repeat">
-      <a:schemeClr val="accent5">
-        <a:tint val="50000"/>
-      </a:schemeClr>
+      <a:schemeClr val="accent5"/>
     </dgm:fillClrLst>
     <dgm:linClrLst meth="repeat">
-      <a:schemeClr val="accent4"/>
+      <a:schemeClr val="accent5">
+        <a:shade val="80000"/>
+      </a:schemeClr>
     </dgm:linClrLst>
     <dgm:effectClrLst/>
     <dgm:txLinClrLst/>
@@ -1345,11 +1296,7 @@
       </a:schemeClr>
     </dgm:fillClrLst>
     <dgm:linClrLst meth="repeat">
-      <a:schemeClr val="accent2"/>
-      <a:schemeClr val="accent3"/>
-      <a:schemeClr val="accent4"/>
       <a:schemeClr val="accent5"/>
-      <a:schemeClr val="accent6"/>
     </dgm:linClrLst>
     <dgm:effectClrLst/>
     <dgm:txLinClrLst/>
@@ -1365,11 +1312,7 @@
       </a:schemeClr>
     </dgm:fillClrLst>
     <dgm:linClrLst meth="repeat">
-      <a:schemeClr val="accent2"/>
-      <a:schemeClr val="accent3"/>
-      <a:schemeClr val="accent4"/>
       <a:schemeClr val="accent5"/>
-      <a:schemeClr val="accent6"/>
     </dgm:linClrLst>
     <dgm:effectClrLst/>
     <dgm:txLinClrLst/>
@@ -1385,11 +1328,7 @@
       </a:schemeClr>
     </dgm:fillClrLst>
     <dgm:linClrLst meth="repeat">
-      <a:schemeClr val="accent2"/>
-      <a:schemeClr val="accent3"/>
-      <a:schemeClr val="accent4"/>
       <a:schemeClr val="accent5"/>
-      <a:schemeClr val="accent6"/>
     </dgm:linClrLst>
     <dgm:effectClrLst/>
     <dgm:txLinClrLst/>
@@ -1405,7 +1344,7 @@
       </a:schemeClr>
     </dgm:fillClrLst>
     <dgm:linClrLst meth="repeat">
-      <a:schemeClr val="accent1"/>
+      <a:schemeClr val="accent5"/>
     </dgm:linClrLst>
     <dgm:effectClrLst/>
     <dgm:txLinClrLst/>
@@ -1421,11 +1360,7 @@
       </a:schemeClr>
     </dgm:fillClrLst>
     <dgm:linClrLst meth="repeat">
-      <a:schemeClr val="accent2"/>
-      <a:schemeClr val="accent3"/>
-      <a:schemeClr val="accent4"/>
       <a:schemeClr val="accent5"/>
-      <a:schemeClr val="accent6"/>
     </dgm:linClrLst>
     <dgm:effectClrLst/>
     <dgm:txLinClrLst/>
@@ -1439,11 +1374,7 @@
       <a:schemeClr val="lt1"/>
     </dgm:fillClrLst>
     <dgm:linClrLst meth="repeat">
-      <a:schemeClr val="accent2"/>
-      <a:schemeClr val="accent3"/>
-      <a:schemeClr val="accent4"/>
       <a:schemeClr val="accent5"/>
-      <a:schemeClr val="accent6"/>
     </dgm:linClrLst>
     <dgm:effectClrLst/>
     <dgm:txLinClrLst/>
@@ -1457,11 +1388,7 @@
       <a:schemeClr val="lt1"/>
     </dgm:fillClrLst>
     <dgm:linClrLst meth="repeat">
-      <a:schemeClr val="accent2"/>
-      <a:schemeClr val="accent3"/>
-      <a:schemeClr val="accent4"/>
       <a:schemeClr val="accent5"/>
-      <a:schemeClr val="accent6"/>
     </dgm:linClrLst>
     <dgm:effectClrLst/>
     <dgm:txLinClrLst/>
@@ -1475,11 +1402,7 @@
       <a:schemeClr val="lt1"/>
     </dgm:fillClrLst>
     <dgm:linClrLst meth="repeat">
-      <a:schemeClr val="accent2"/>
-      <a:schemeClr val="accent3"/>
-      <a:schemeClr val="accent4"/>
       <a:schemeClr val="accent5"/>
-      <a:schemeClr val="accent6"/>
     </dgm:linClrLst>
     <dgm:effectClrLst/>
     <dgm:txLinClrLst/>
@@ -1490,47 +1413,15 @@
   </dgm:styleLbl>
   <dgm:styleLbl name="fgAccFollowNode1">
     <dgm:fillClrLst meth="repeat">
-      <a:schemeClr val="accent2">
+      <a:schemeClr val="accent5">
+        <a:alpha val="90000"/>
         <a:tint val="40000"/>
-        <a:alpha val="90000"/>
-      </a:schemeClr>
-      <a:schemeClr val="accent3">
-        <a:tint val="40000"/>
-        <a:alpha val="90000"/>
-      </a:schemeClr>
-      <a:schemeClr val="accent4">
-        <a:tint val="40000"/>
-        <a:alpha val="90000"/>
-      </a:schemeClr>
-      <a:schemeClr val="accent5">
-        <a:tint val="40000"/>
-        <a:alpha val="90000"/>
-      </a:schemeClr>
-      <a:schemeClr val="accent6">
-        <a:tint val="40000"/>
-        <a:alpha val="90000"/>
       </a:schemeClr>
     </dgm:fillClrLst>
     <dgm:linClrLst meth="repeat">
-      <a:schemeClr val="accent2">
+      <a:schemeClr val="accent5">
+        <a:alpha val="90000"/>
         <a:tint val="40000"/>
-        <a:alpha val="90000"/>
-      </a:schemeClr>
-      <a:schemeClr val="accent3">
-        <a:tint val="40000"/>
-        <a:alpha val="90000"/>
-      </a:schemeClr>
-      <a:schemeClr val="accent4">
-        <a:tint val="40000"/>
-        <a:alpha val="90000"/>
-      </a:schemeClr>
-      <a:schemeClr val="accent5">
-        <a:tint val="40000"/>
-        <a:alpha val="90000"/>
-      </a:schemeClr>
-      <a:schemeClr val="accent6">
-        <a:tint val="40000"/>
-        <a:alpha val="90000"/>
       </a:schemeClr>
     </dgm:linClrLst>
     <dgm:effectClrLst/>
@@ -1542,47 +1433,15 @@
   </dgm:styleLbl>
   <dgm:styleLbl name="alignAccFollowNode1">
     <dgm:fillClrLst meth="repeat">
-      <a:schemeClr val="accent2">
+      <a:schemeClr val="accent5">
+        <a:alpha val="90000"/>
         <a:tint val="40000"/>
-        <a:alpha val="90000"/>
-      </a:schemeClr>
-      <a:schemeClr val="accent3">
-        <a:tint val="40000"/>
-        <a:alpha val="90000"/>
-      </a:schemeClr>
-      <a:schemeClr val="accent4">
-        <a:tint val="40000"/>
-        <a:alpha val="90000"/>
-      </a:schemeClr>
-      <a:schemeClr val="accent5">
-        <a:tint val="40000"/>
-        <a:alpha val="90000"/>
-      </a:schemeClr>
-      <a:schemeClr val="accent6">
-        <a:tint val="40000"/>
-        <a:alpha val="90000"/>
       </a:schemeClr>
     </dgm:fillClrLst>
     <dgm:linClrLst meth="repeat">
-      <a:schemeClr val="accent2">
+      <a:schemeClr val="accent5">
+        <a:alpha val="90000"/>
         <a:tint val="40000"/>
-        <a:alpha val="90000"/>
-      </a:schemeClr>
-      <a:schemeClr val="accent3">
-        <a:tint val="40000"/>
-        <a:alpha val="90000"/>
-      </a:schemeClr>
-      <a:schemeClr val="accent4">
-        <a:tint val="40000"/>
-        <a:alpha val="90000"/>
-      </a:schemeClr>
-      <a:schemeClr val="accent5">
-        <a:tint val="40000"/>
-        <a:alpha val="90000"/>
-      </a:schemeClr>
-      <a:schemeClr val="accent6">
-        <a:tint val="40000"/>
-        <a:alpha val="90000"/>
       </a:schemeClr>
     </dgm:linClrLst>
     <dgm:effectClrLst/>
@@ -1594,47 +1453,15 @@
   </dgm:styleLbl>
   <dgm:styleLbl name="bgAccFollowNode1">
     <dgm:fillClrLst meth="repeat">
-      <a:schemeClr val="accent2">
+      <a:schemeClr val="accent5">
+        <a:alpha val="90000"/>
         <a:tint val="40000"/>
-        <a:alpha val="90000"/>
-      </a:schemeClr>
-      <a:schemeClr val="accent3">
-        <a:tint val="40000"/>
-        <a:alpha val="90000"/>
-      </a:schemeClr>
-      <a:schemeClr val="accent4">
-        <a:tint val="40000"/>
-        <a:alpha val="90000"/>
-      </a:schemeClr>
-      <a:schemeClr val="accent5">
-        <a:tint val="40000"/>
-        <a:alpha val="90000"/>
-      </a:schemeClr>
-      <a:schemeClr val="accent6">
-        <a:tint val="40000"/>
-        <a:alpha val="90000"/>
       </a:schemeClr>
     </dgm:fillClrLst>
     <dgm:linClrLst meth="repeat">
-      <a:schemeClr val="accent2">
+      <a:schemeClr val="accent5">
+        <a:alpha val="90000"/>
         <a:tint val="40000"/>
-        <a:alpha val="90000"/>
-      </a:schemeClr>
-      <a:schemeClr val="accent3">
-        <a:tint val="40000"/>
-        <a:alpha val="90000"/>
-      </a:schemeClr>
-      <a:schemeClr val="accent4">
-        <a:tint val="40000"/>
-        <a:alpha val="90000"/>
-      </a:schemeClr>
-      <a:schemeClr val="accent5">
-        <a:tint val="40000"/>
-        <a:alpha val="90000"/>
-      </a:schemeClr>
-      <a:schemeClr val="accent6">
-        <a:tint val="40000"/>
-        <a:alpha val="90000"/>
       </a:schemeClr>
     </dgm:linClrLst>
     <dgm:effectClrLst/>
@@ -1650,8 +1477,8 @@
         <a:alpha val="90000"/>
       </a:schemeClr>
     </dgm:fillClrLst>
-    <dgm:linClrLst>
-      <a:schemeClr val="accent1"/>
+    <dgm:linClrLst meth="repeat">
+      <a:schemeClr val="accent5"/>
     </dgm:linClrLst>
     <dgm:effectClrLst/>
     <dgm:txLinClrLst/>
@@ -1666,8 +1493,8 @@
         <a:alpha val="90000"/>
       </a:schemeClr>
     </dgm:fillClrLst>
-    <dgm:linClrLst>
-      <a:schemeClr val="accent2"/>
+    <dgm:linClrLst meth="repeat">
+      <a:schemeClr val="accent5"/>
     </dgm:linClrLst>
     <dgm:effectClrLst/>
     <dgm:txLinClrLst/>
@@ -1682,8 +1509,8 @@
         <a:alpha val="90000"/>
       </a:schemeClr>
     </dgm:fillClrLst>
-    <dgm:linClrLst>
-      <a:schemeClr val="accent3"/>
+    <dgm:linClrLst meth="repeat">
+      <a:schemeClr val="accent5"/>
     </dgm:linClrLst>
     <dgm:effectClrLst/>
     <dgm:txLinClrLst/>
@@ -1698,8 +1525,8 @@
         <a:alpha val="90000"/>
       </a:schemeClr>
     </dgm:fillClrLst>
-    <dgm:linClrLst>
-      <a:schemeClr val="accent4"/>
+    <dgm:linClrLst meth="repeat">
+      <a:schemeClr val="accent5"/>
     </dgm:linClrLst>
     <dgm:effectClrLst/>
     <dgm:txLinClrLst/>
@@ -1710,12 +1537,12 @@
   </dgm:styleLbl>
   <dgm:styleLbl name="bgShp">
     <dgm:fillClrLst meth="repeat">
-      <a:schemeClr val="bg1">
-        <a:lumMod val="95000"/>
+      <a:schemeClr val="accent5">
+        <a:tint val="40000"/>
       </a:schemeClr>
     </dgm:fillClrLst>
     <dgm:linClrLst meth="repeat">
-      <a:schemeClr val="dk1"/>
+      <a:schemeClr val="accent5"/>
     </dgm:linClrLst>
     <dgm:effectClrLst/>
     <dgm:txLinClrLst/>
@@ -1726,12 +1553,12 @@
   </dgm:styleLbl>
   <dgm:styleLbl name="dkBgShp">
     <dgm:fillClrLst meth="repeat">
-      <a:schemeClr val="accent2">
-        <a:shade val="90000"/>
+      <a:schemeClr val="accent5">
+        <a:shade val="80000"/>
       </a:schemeClr>
     </dgm:fillClrLst>
     <dgm:linClrLst meth="repeat">
-      <a:schemeClr val="dk1"/>
+      <a:schemeClr val="accent5"/>
     </dgm:linClrLst>
     <dgm:effectClrLst/>
     <dgm:txLinClrLst/>
@@ -1742,13 +1569,13 @@
   </dgm:styleLbl>
   <dgm:styleLbl name="trBgShp">
     <dgm:fillClrLst meth="repeat">
-      <a:schemeClr val="accent1">
+      <a:schemeClr val="accent5">
         <a:tint val="50000"/>
         <a:alpha val="40000"/>
       </a:schemeClr>
     </dgm:fillClrLst>
     <dgm:linClrLst meth="repeat">
-      <a:schemeClr val="accent2"/>
+      <a:schemeClr val="accent5"/>
     </dgm:linClrLst>
     <dgm:effectClrLst/>
     <dgm:txLinClrLst/>
@@ -1759,8 +1586,8 @@
   </dgm:styleLbl>
   <dgm:styleLbl name="fgShp">
     <dgm:fillClrLst meth="repeat">
-      <a:schemeClr val="accent2">
-        <a:tint val="40000"/>
+      <a:schemeClr val="accent5">
+        <a:tint val="60000"/>
       </a:schemeClr>
     </dgm:fillClrLst>
     <dgm:linClrLst meth="repeat">
@@ -2580,7 +2407,7 @@
 <dgm:dataModel xmlns:dgm="http://schemas.openxmlformats.org/drawingml/2006/diagram" xmlns:a="http://schemas.openxmlformats.org/drawingml/2006/main">
   <dgm:ptLst>
     <dgm:pt modelId="{24E0129C-5D95-3C47-9B06-04043CA55473}" type="doc">
-      <dgm:prSet loTypeId="urn:microsoft.com/office/officeart/2016/7/layout/RepeatingBendingProcessNew" loCatId="process" qsTypeId="urn:microsoft.com/office/officeart/2005/8/quickstyle/simple1" qsCatId="simple" csTypeId="urn:microsoft.com/office/officeart/2005/8/colors/accent0_3" csCatId="mainScheme"/>
+      <dgm:prSet loTypeId="urn:microsoft.com/office/officeart/2016/7/layout/RepeatingBendingProcessNew" loCatId="process" qsTypeId="urn:microsoft.com/office/officeart/2005/8/quickstyle/simple1" qsCatId="simple" csTypeId="urn:microsoft.com/office/officeart/2005/8/colors/accent0_3" csCatId="mainScheme" phldr="1"/>
       <dgm:spPr/>
       <dgm:t>
         <a:bodyPr/>
@@ -2635,7 +2462,7 @@
         <a:p>
           <a:r>
             <a:rPr lang="en-US"/>
-            <a:t>AST (Macro Expansion) </a:t>
+            <a:t>Macro Expansion</a:t>
           </a:r>
         </a:p>
       </dgm:t>
@@ -2671,7 +2498,7 @@
         <a:p>
           <a:r>
             <a:rPr lang="en-US"/>
-            <a:t>IR </a:t>
+            <a:t>Julia IR</a:t>
           </a:r>
         </a:p>
       </dgm:t>
@@ -2688,42 +2515,6 @@
       </dgm:t>
     </dgm:pt>
     <dgm:pt modelId="{62047629-E52A-284B-83D2-588FF7B8B97A}" type="sibTrans" cxnId="{FAA2D410-C836-2348-ADA3-ACD259035B67}">
-      <dgm:prSet/>
-      <dgm:spPr/>
-      <dgm:t>
-        <a:bodyPr/>
-        <a:lstStyle/>
-        <a:p>
-          <a:endParaRPr lang="en-US"/>
-        </a:p>
-      </dgm:t>
-    </dgm:pt>
-    <dgm:pt modelId="{29B1AAED-82D7-6448-80D5-6957BC9BEB51}">
-      <dgm:prSet/>
-      <dgm:spPr/>
-      <dgm:t>
-        <a:bodyPr/>
-        <a:lstStyle/>
-        <a:p>
-          <a:r>
-            <a:rPr lang="en-US"/>
-            <a:t>(SSA) IR </a:t>
-          </a:r>
-        </a:p>
-      </dgm:t>
-    </dgm:pt>
-    <dgm:pt modelId="{83D52DB2-16DC-4841-B7E8-14D05A53C895}" type="parTrans" cxnId="{3C987F8A-3C96-8E46-89C8-021BDE36B56E}">
-      <dgm:prSet/>
-      <dgm:spPr/>
-      <dgm:t>
-        <a:bodyPr/>
-        <a:lstStyle/>
-        <a:p>
-          <a:endParaRPr lang="en-US"/>
-        </a:p>
-      </dgm:t>
-    </dgm:pt>
-    <dgm:pt modelId="{A65E0BA2-400F-2246-A397-44DE666D2D3A}" type="sibTrans" cxnId="{3C987F8A-3C96-8E46-89C8-021BDE36B56E}">
       <dgm:prSet/>
       <dgm:spPr/>
       <dgm:t>
@@ -2806,7 +2597,43 @@
         </a:p>
       </dgm:t>
     </dgm:pt>
-    <dgm:pt modelId="{A9842184-3B57-3F40-9574-58774314FAAA}" type="pres">
+    <dgm:pt modelId="{95E11F2F-0E57-104E-98C9-2CD537C7637E}">
+      <dgm:prSet/>
+      <dgm:spPr/>
+      <dgm:t>
+        <a:bodyPr/>
+        <a:lstStyle/>
+        <a:p>
+          <a:r>
+            <a:rPr lang="en-US"/>
+            <a:t>AST </a:t>
+          </a:r>
+        </a:p>
+      </dgm:t>
+    </dgm:pt>
+    <dgm:pt modelId="{2D706E57-8DE1-4342-A7B3-308383F243D2}" type="parTrans" cxnId="{8EE06894-002B-624F-8D60-4A3CFED7A3D5}">
+      <dgm:prSet/>
+      <dgm:spPr/>
+      <dgm:t>
+        <a:bodyPr/>
+        <a:lstStyle/>
+        <a:p>
+          <a:endParaRPr lang="en-US"/>
+        </a:p>
+      </dgm:t>
+    </dgm:pt>
+    <dgm:pt modelId="{7EF71C4A-833D-554E-A5A7-CA5AC68C8857}" type="sibTrans" cxnId="{8EE06894-002B-624F-8D60-4A3CFED7A3D5}">
+      <dgm:prSet/>
+      <dgm:spPr/>
+      <dgm:t>
+        <a:bodyPr/>
+        <a:lstStyle/>
+        <a:p>
+          <a:endParaRPr lang="en-US"/>
+        </a:p>
+      </dgm:t>
+    </dgm:pt>
+    <dgm:pt modelId="{A7CA9436-FF99-924B-98B4-5149CD2ED020}" type="pres">
       <dgm:prSet presAssocID="{24E0129C-5D95-3C47-9B06-04043CA55473}" presName="Name0" presStyleCnt="0">
         <dgm:presLayoutVars>
           <dgm:dir/>
@@ -2815,7 +2642,7 @@
       </dgm:prSet>
       <dgm:spPr/>
     </dgm:pt>
-    <dgm:pt modelId="{F2BA00D6-6FEF-7B4D-8726-4914B8C25F8C}" type="pres">
+    <dgm:pt modelId="{108596E6-F710-7B4B-85F0-CA30429E116E}" type="pres">
       <dgm:prSet presAssocID="{763B299A-A3A6-C74C-AF8C-5B276FF55B92}" presName="node" presStyleLbl="node1" presStyleIdx="0" presStyleCnt="6">
         <dgm:presLayoutVars>
           <dgm:bulletEnabled val="1"/>
@@ -2823,15 +2650,15 @@
       </dgm:prSet>
       <dgm:spPr/>
     </dgm:pt>
-    <dgm:pt modelId="{789B7193-0E59-3B47-86C6-E46AE56ADB7D}" type="pres">
+    <dgm:pt modelId="{C9267905-6F54-F04E-AF2E-CB2975AB340E}" type="pres">
       <dgm:prSet presAssocID="{EA1065AE-525E-244C-952A-B85BD6D72DEB}" presName="sibTrans" presStyleLbl="sibTrans1D1" presStyleIdx="0" presStyleCnt="5"/>
       <dgm:spPr/>
     </dgm:pt>
-    <dgm:pt modelId="{5947CF7D-184A-8047-85A4-5FBAFB0A4803}" type="pres">
+    <dgm:pt modelId="{A5C68796-E2AE-ED41-8921-B9B291DC977E}" type="pres">
       <dgm:prSet presAssocID="{EA1065AE-525E-244C-952A-B85BD6D72DEB}" presName="connectorText" presStyleLbl="sibTrans1D1" presStyleIdx="0" presStyleCnt="5"/>
       <dgm:spPr/>
     </dgm:pt>
-    <dgm:pt modelId="{731C0595-CC30-5E40-9ED6-2C24E200E2A9}" type="pres">
+    <dgm:pt modelId="{1F7BF467-CAA5-E244-A8B0-AE82EC8829C4}" type="pres">
       <dgm:prSet presAssocID="{9E0B73BB-25E6-244C-88D2-C78394E258A0}" presName="node" presStyleLbl="node1" presStyleIdx="1" presStyleCnt="6">
         <dgm:presLayoutVars>
           <dgm:bulletEnabled val="1"/>
@@ -2839,47 +2666,47 @@
       </dgm:prSet>
       <dgm:spPr/>
     </dgm:pt>
-    <dgm:pt modelId="{91928AE0-5695-A645-B797-1F99B5BCB375}" type="pres">
+    <dgm:pt modelId="{BE2EDDB4-F6EC-9546-A6CC-CFA9F05B7981}" type="pres">
       <dgm:prSet presAssocID="{D8A76DA0-028A-4347-B367-C963157D82D0}" presName="sibTrans" presStyleLbl="sibTrans1D1" presStyleIdx="1" presStyleCnt="5"/>
       <dgm:spPr/>
     </dgm:pt>
-    <dgm:pt modelId="{CE8E6D10-26EC-7B4B-BE07-0AEBE15A1A78}" type="pres">
+    <dgm:pt modelId="{C2C09F19-9945-2C4F-8F80-28442B46E447}" type="pres">
       <dgm:prSet presAssocID="{D8A76DA0-028A-4347-B367-C963157D82D0}" presName="connectorText" presStyleLbl="sibTrans1D1" presStyleIdx="1" presStyleCnt="5"/>
       <dgm:spPr/>
     </dgm:pt>
-    <dgm:pt modelId="{3C001CB2-ED33-074F-BBB6-915B5FCB69A0}" type="pres">
-      <dgm:prSet presAssocID="{AB00244D-9919-D542-8AA4-999F3F2E3475}" presName="node" presStyleLbl="node1" presStyleIdx="2" presStyleCnt="6">
+    <dgm:pt modelId="{6C013801-D3F7-0749-9984-226755DCA8DD}" type="pres">
+      <dgm:prSet presAssocID="{95E11F2F-0E57-104E-98C9-2CD537C7637E}" presName="node" presStyleLbl="node1" presStyleIdx="2" presStyleCnt="6">
         <dgm:presLayoutVars>
           <dgm:bulletEnabled val="1"/>
         </dgm:presLayoutVars>
       </dgm:prSet>
       <dgm:spPr/>
     </dgm:pt>
-    <dgm:pt modelId="{81A64EFC-3CBE-C844-BF59-98CF511806C6}" type="pres">
-      <dgm:prSet presAssocID="{62047629-E52A-284B-83D2-588FF7B8B97A}" presName="sibTrans" presStyleLbl="sibTrans1D1" presStyleIdx="2" presStyleCnt="5"/>
+    <dgm:pt modelId="{02689391-208A-474B-AD01-1382708DE939}" type="pres">
+      <dgm:prSet presAssocID="{7EF71C4A-833D-554E-A5A7-CA5AC68C8857}" presName="sibTrans" presStyleLbl="sibTrans1D1" presStyleIdx="2" presStyleCnt="5"/>
       <dgm:spPr/>
     </dgm:pt>
-    <dgm:pt modelId="{C8C99527-29E6-DF43-A162-B4E53A17A8BE}" type="pres">
-      <dgm:prSet presAssocID="{62047629-E52A-284B-83D2-588FF7B8B97A}" presName="connectorText" presStyleLbl="sibTrans1D1" presStyleIdx="2" presStyleCnt="5"/>
+    <dgm:pt modelId="{6B1BA5BA-A325-3E4A-AF27-F65F2589830E}" type="pres">
+      <dgm:prSet presAssocID="{7EF71C4A-833D-554E-A5A7-CA5AC68C8857}" presName="connectorText" presStyleLbl="sibTrans1D1" presStyleIdx="2" presStyleCnt="5"/>
       <dgm:spPr/>
     </dgm:pt>
-    <dgm:pt modelId="{396D08B0-2B1B-DA4D-8422-2BC14DAF0B6C}" type="pres">
-      <dgm:prSet presAssocID="{29B1AAED-82D7-6448-80D5-6957BC9BEB51}" presName="node" presStyleLbl="node1" presStyleIdx="3" presStyleCnt="6">
+    <dgm:pt modelId="{539A949E-A62A-CF43-B4A0-934E250B590B}" type="pres">
+      <dgm:prSet presAssocID="{AB00244D-9919-D542-8AA4-999F3F2E3475}" presName="node" presStyleLbl="node1" presStyleIdx="3" presStyleCnt="6">
         <dgm:presLayoutVars>
           <dgm:bulletEnabled val="1"/>
         </dgm:presLayoutVars>
       </dgm:prSet>
       <dgm:spPr/>
     </dgm:pt>
-    <dgm:pt modelId="{63152D2C-8FF2-0D42-B4D7-185E3E7F0AC2}" type="pres">
-      <dgm:prSet presAssocID="{A65E0BA2-400F-2246-A397-44DE666D2D3A}" presName="sibTrans" presStyleLbl="sibTrans1D1" presStyleIdx="3" presStyleCnt="5"/>
+    <dgm:pt modelId="{07224510-582E-F943-AB43-BDABA27328DD}" type="pres">
+      <dgm:prSet presAssocID="{62047629-E52A-284B-83D2-588FF7B8B97A}" presName="sibTrans" presStyleLbl="sibTrans1D1" presStyleIdx="3" presStyleCnt="5"/>
       <dgm:spPr/>
     </dgm:pt>
-    <dgm:pt modelId="{30469CA7-E6B8-3A45-8494-FB906ACE40D5}" type="pres">
-      <dgm:prSet presAssocID="{A65E0BA2-400F-2246-A397-44DE666D2D3A}" presName="connectorText" presStyleLbl="sibTrans1D1" presStyleIdx="3" presStyleCnt="5"/>
+    <dgm:pt modelId="{E8E7055B-8659-9F42-90CF-CB71AC69C516}" type="pres">
+      <dgm:prSet presAssocID="{62047629-E52A-284B-83D2-588FF7B8B97A}" presName="connectorText" presStyleLbl="sibTrans1D1" presStyleIdx="3" presStyleCnt="5"/>
       <dgm:spPr/>
     </dgm:pt>
-    <dgm:pt modelId="{5EEE3EE2-B98E-7E45-99C2-732E9361EDDE}" type="pres">
+    <dgm:pt modelId="{B4EEB252-A842-1C47-9152-D1F1DFEB181A}" type="pres">
       <dgm:prSet presAssocID="{BF56499D-67D8-9245-8F21-5369813FC338}" presName="node" presStyleLbl="node1" presStyleIdx="4" presStyleCnt="6">
         <dgm:presLayoutVars>
           <dgm:bulletEnabled val="1"/>
@@ -2887,15 +2714,15 @@
       </dgm:prSet>
       <dgm:spPr/>
     </dgm:pt>
-    <dgm:pt modelId="{68E63C77-68DE-254F-B45A-682CA93DA124}" type="pres">
+    <dgm:pt modelId="{99E8F455-F226-D648-86B4-8E481BAEDE50}" type="pres">
       <dgm:prSet presAssocID="{805BC26B-79AE-C54B-A389-ADD6762194EB}" presName="sibTrans" presStyleLbl="sibTrans1D1" presStyleIdx="4" presStyleCnt="5"/>
       <dgm:spPr/>
     </dgm:pt>
-    <dgm:pt modelId="{2427FBF3-8696-284D-9B34-2AF2DBDFAD92}" type="pres">
+    <dgm:pt modelId="{BAB59A33-D8A0-0645-BAE6-FE48FD8DD1D3}" type="pres">
       <dgm:prSet presAssocID="{805BC26B-79AE-C54B-A389-ADD6762194EB}" presName="connectorText" presStyleLbl="sibTrans1D1" presStyleIdx="4" presStyleCnt="5"/>
       <dgm:spPr/>
     </dgm:pt>
-    <dgm:pt modelId="{7D06A5B2-6EF9-4947-A9A1-FB1630F94575}" type="pres">
+    <dgm:pt modelId="{8680362E-92B7-7F4B-B1FA-34C7F423AAF0}" type="pres">
       <dgm:prSet presAssocID="{C03BADCA-9FD8-8C4F-804F-4DA3C9FF831C}" presName="node" presStyleLbl="node1" presStyleIdx="5" presStyleCnt="6">
         <dgm:presLayoutVars>
           <dgm:bulletEnabled val="1"/>
@@ -2905,45 +2732,45 @@
     </dgm:pt>
   </dgm:ptLst>
   <dgm:cxnLst>
-    <dgm:cxn modelId="{0352B90B-4EB2-4344-88DB-9E4434309014}" type="presOf" srcId="{29B1AAED-82D7-6448-80D5-6957BC9BEB51}" destId="{396D08B0-2B1B-DA4D-8422-2BC14DAF0B6C}" srcOrd="0" destOrd="0" presId="urn:microsoft.com/office/officeart/2016/7/layout/RepeatingBendingProcessNew"/>
-    <dgm:cxn modelId="{FAA2D410-C836-2348-ADA3-ACD259035B67}" srcId="{24E0129C-5D95-3C47-9B06-04043CA55473}" destId="{AB00244D-9919-D542-8AA4-999F3F2E3475}" srcOrd="2" destOrd="0" parTransId="{EF962EC7-8BC5-A942-AFBB-7CD76626A40C}" sibTransId="{62047629-E52A-284B-83D2-588FF7B8B97A}"/>
-    <dgm:cxn modelId="{5A7A4117-A76B-B34A-8DB6-A57DA47E9CE5}" type="presOf" srcId="{62047629-E52A-284B-83D2-588FF7B8B97A}" destId="{81A64EFC-3CBE-C844-BF59-98CF511806C6}" srcOrd="0" destOrd="0" presId="urn:microsoft.com/office/officeart/2016/7/layout/RepeatingBendingProcessNew"/>
-    <dgm:cxn modelId="{ACE5E352-9C78-4043-A545-1E10E9514CC2}" type="presOf" srcId="{BF56499D-67D8-9245-8F21-5369813FC338}" destId="{5EEE3EE2-B98E-7E45-99C2-732E9361EDDE}" srcOrd="0" destOrd="0" presId="urn:microsoft.com/office/officeart/2016/7/layout/RepeatingBendingProcessNew"/>
-    <dgm:cxn modelId="{EBAFE160-B6EC-5F46-8F73-A385EEAA1FAA}" type="presOf" srcId="{A65E0BA2-400F-2246-A397-44DE666D2D3A}" destId="{30469CA7-E6B8-3A45-8494-FB906ACE40D5}" srcOrd="1" destOrd="0" presId="urn:microsoft.com/office/officeart/2016/7/layout/RepeatingBendingProcessNew"/>
-    <dgm:cxn modelId="{4D037566-F5C4-F349-9829-DA315F6C0FF1}" type="presOf" srcId="{EA1065AE-525E-244C-952A-B85BD6D72DEB}" destId="{5947CF7D-184A-8047-85A4-5FBAFB0A4803}" srcOrd="1" destOrd="0" presId="urn:microsoft.com/office/officeart/2016/7/layout/RepeatingBendingProcessNew"/>
+    <dgm:cxn modelId="{8938B90D-3086-D74F-98F2-15EA13F2FA35}" type="presOf" srcId="{7EF71C4A-833D-554E-A5A7-CA5AC68C8857}" destId="{6B1BA5BA-A325-3E4A-AF27-F65F2589830E}" srcOrd="1" destOrd="0" presId="urn:microsoft.com/office/officeart/2016/7/layout/RepeatingBendingProcessNew"/>
+    <dgm:cxn modelId="{FAA2D410-C836-2348-ADA3-ACD259035B67}" srcId="{24E0129C-5D95-3C47-9B06-04043CA55473}" destId="{AB00244D-9919-D542-8AA4-999F3F2E3475}" srcOrd="3" destOrd="0" parTransId="{EF962EC7-8BC5-A942-AFBB-7CD76626A40C}" sibTransId="{62047629-E52A-284B-83D2-588FF7B8B97A}"/>
+    <dgm:cxn modelId="{435B0221-0B4E-7B45-A508-4B6C16D72E35}" type="presOf" srcId="{763B299A-A3A6-C74C-AF8C-5B276FF55B92}" destId="{108596E6-F710-7B4B-85F0-CA30429E116E}" srcOrd="0" destOrd="0" presId="urn:microsoft.com/office/officeart/2016/7/layout/RepeatingBendingProcessNew"/>
+    <dgm:cxn modelId="{09390027-7FAE-EC4A-BC40-4C0F5EFBC7D4}" type="presOf" srcId="{EA1065AE-525E-244C-952A-B85BD6D72DEB}" destId="{C9267905-6F54-F04E-AF2E-CB2975AB340E}" srcOrd="0" destOrd="0" presId="urn:microsoft.com/office/officeart/2016/7/layout/RepeatingBendingProcessNew"/>
+    <dgm:cxn modelId="{2D734D2A-A79A-3E4C-AC9B-4264AB72DC23}" type="presOf" srcId="{D8A76DA0-028A-4347-B367-C963157D82D0}" destId="{BE2EDDB4-F6EC-9546-A6CC-CFA9F05B7981}" srcOrd="0" destOrd="0" presId="urn:microsoft.com/office/officeart/2016/7/layout/RepeatingBendingProcessNew"/>
+    <dgm:cxn modelId="{EE540D42-B2C9-C849-8AE8-0234636335E3}" type="presOf" srcId="{805BC26B-79AE-C54B-A389-ADD6762194EB}" destId="{99E8F455-F226-D648-86B4-8E481BAEDE50}" srcOrd="0" destOrd="0" presId="urn:microsoft.com/office/officeart/2016/7/layout/RepeatingBendingProcessNew"/>
+    <dgm:cxn modelId="{2FFA2444-D643-E845-835F-3647295CB2B8}" type="presOf" srcId="{95E11F2F-0E57-104E-98C9-2CD537C7637E}" destId="{6C013801-D3F7-0749-9984-226755DCA8DD}" srcOrd="0" destOrd="0" presId="urn:microsoft.com/office/officeart/2016/7/layout/RepeatingBendingProcessNew"/>
+    <dgm:cxn modelId="{1A6E4D46-E83F-1E49-92E7-26157E996999}" type="presOf" srcId="{62047629-E52A-284B-83D2-588FF7B8B97A}" destId="{E8E7055B-8659-9F42-90CF-CB71AC69C516}" srcOrd="1" destOrd="0" presId="urn:microsoft.com/office/officeart/2016/7/layout/RepeatingBendingProcessNew"/>
+    <dgm:cxn modelId="{3C2D415F-B625-3E40-A1BE-9643D0E05E33}" type="presOf" srcId="{62047629-E52A-284B-83D2-588FF7B8B97A}" destId="{07224510-582E-F943-AB43-BDABA27328DD}" srcOrd="0" destOrd="0" presId="urn:microsoft.com/office/officeart/2016/7/layout/RepeatingBendingProcessNew"/>
+    <dgm:cxn modelId="{A892F563-F7EB-F34D-96E4-49AE32743D25}" type="presOf" srcId="{D8A76DA0-028A-4347-B367-C963157D82D0}" destId="{C2C09F19-9945-2C4F-8F80-28442B46E447}" srcOrd="1" destOrd="0" presId="urn:microsoft.com/office/officeart/2016/7/layout/RepeatingBendingProcessNew"/>
+    <dgm:cxn modelId="{057E2766-CAE9-654F-8CC0-03EBFFFF7A8D}" type="presOf" srcId="{24E0129C-5D95-3C47-9B06-04043CA55473}" destId="{A7CA9436-FF99-924B-98B4-5149CD2ED020}" srcOrd="0" destOrd="0" presId="urn:microsoft.com/office/officeart/2016/7/layout/RepeatingBendingProcessNew"/>
     <dgm:cxn modelId="{B21E2A74-399E-1B42-AC50-352623C53375}" srcId="{24E0129C-5D95-3C47-9B06-04043CA55473}" destId="{BF56499D-67D8-9245-8F21-5369813FC338}" srcOrd="4" destOrd="0" parTransId="{830F276B-D9D6-7C44-9266-7F95A33DF122}" sibTransId="{805BC26B-79AE-C54B-A389-ADD6762194EB}"/>
-    <dgm:cxn modelId="{B8035879-96C6-114A-AEF4-F2694F022928}" type="presOf" srcId="{805BC26B-79AE-C54B-A389-ADD6762194EB}" destId="{2427FBF3-8696-284D-9B34-2AF2DBDFAD92}" srcOrd="1" destOrd="0" presId="urn:microsoft.com/office/officeart/2016/7/layout/RepeatingBendingProcessNew"/>
-    <dgm:cxn modelId="{3680B27B-E61F-0644-9905-2A6E0A989D6C}" type="presOf" srcId="{D8A76DA0-028A-4347-B367-C963157D82D0}" destId="{91928AE0-5695-A645-B797-1F99B5BCB375}" srcOrd="0" destOrd="0" presId="urn:microsoft.com/office/officeart/2016/7/layout/RepeatingBendingProcessNew"/>
-    <dgm:cxn modelId="{846F277D-63CC-224E-8714-7A7ACAEF8358}" type="presOf" srcId="{24E0129C-5D95-3C47-9B06-04043CA55473}" destId="{A9842184-3B57-3F40-9574-58774314FAAA}" srcOrd="0" destOrd="0" presId="urn:microsoft.com/office/officeart/2016/7/layout/RepeatingBendingProcessNew"/>
     <dgm:cxn modelId="{6872C27D-205A-C94F-85EF-3DAD0CFA0E38}" srcId="{24E0129C-5D95-3C47-9B06-04043CA55473}" destId="{763B299A-A3A6-C74C-AF8C-5B276FF55B92}" srcOrd="0" destOrd="0" parTransId="{13F4654A-455A-0E41-85F6-63CBA0A33461}" sibTransId="{EA1065AE-525E-244C-952A-B85BD6D72DEB}"/>
-    <dgm:cxn modelId="{3C987F8A-3C96-8E46-89C8-021BDE36B56E}" srcId="{24E0129C-5D95-3C47-9B06-04043CA55473}" destId="{29B1AAED-82D7-6448-80D5-6957BC9BEB51}" srcOrd="3" destOrd="0" parTransId="{83D52DB2-16DC-4841-B7E8-14D05A53C895}" sibTransId="{A65E0BA2-400F-2246-A397-44DE666D2D3A}"/>
+    <dgm:cxn modelId="{8143D687-CF3D-E445-96CC-6175DEEBF0DE}" type="presOf" srcId="{AB00244D-9919-D542-8AA4-999F3F2E3475}" destId="{539A949E-A62A-CF43-B4A0-934E250B590B}" srcOrd="0" destOrd="0" presId="urn:microsoft.com/office/officeart/2016/7/layout/RepeatingBendingProcessNew"/>
     <dgm:cxn modelId="{3E8F648F-8765-3E4D-835E-161BD1F58846}" srcId="{24E0129C-5D95-3C47-9B06-04043CA55473}" destId="{C03BADCA-9FD8-8C4F-804F-4DA3C9FF831C}" srcOrd="5" destOrd="0" parTransId="{9C4A3FD5-F1B8-704B-BB4D-674827F98DA7}" sibTransId="{8F1AD1F0-B5F0-0646-8549-8CABBC31C689}"/>
     <dgm:cxn modelId="{34137092-4DAF-5341-94BF-9A26F5C586FD}" srcId="{24E0129C-5D95-3C47-9B06-04043CA55473}" destId="{9E0B73BB-25E6-244C-88D2-C78394E258A0}" srcOrd="1" destOrd="0" parTransId="{B10C9FC0-E9BD-4144-839B-705700E99C0F}" sibTransId="{D8A76DA0-028A-4347-B367-C963157D82D0}"/>
-    <dgm:cxn modelId="{FB8E7793-1C92-984E-9312-584A41BA5327}" type="presOf" srcId="{805BC26B-79AE-C54B-A389-ADD6762194EB}" destId="{68E63C77-68DE-254F-B45A-682CA93DA124}" srcOrd="0" destOrd="0" presId="urn:microsoft.com/office/officeart/2016/7/layout/RepeatingBendingProcessNew"/>
-    <dgm:cxn modelId="{53154A98-3C5E-0445-81F9-FEDFF06A55AF}" type="presOf" srcId="{62047629-E52A-284B-83D2-588FF7B8B97A}" destId="{C8C99527-29E6-DF43-A162-B4E53A17A8BE}" srcOrd="1" destOrd="0" presId="urn:microsoft.com/office/officeart/2016/7/layout/RepeatingBendingProcessNew"/>
-    <dgm:cxn modelId="{C54FBC9D-9D47-0D42-A293-45EB37FF6564}" type="presOf" srcId="{D8A76DA0-028A-4347-B367-C963157D82D0}" destId="{CE8E6D10-26EC-7B4B-BE07-0AEBE15A1A78}" srcOrd="1" destOrd="0" presId="urn:microsoft.com/office/officeart/2016/7/layout/RepeatingBendingProcessNew"/>
-    <dgm:cxn modelId="{121F63A8-7315-714B-A601-8DBB2A0653BE}" type="presOf" srcId="{9E0B73BB-25E6-244C-88D2-C78394E258A0}" destId="{731C0595-CC30-5E40-9ED6-2C24E200E2A9}" srcOrd="0" destOrd="0" presId="urn:microsoft.com/office/officeart/2016/7/layout/RepeatingBendingProcessNew"/>
-    <dgm:cxn modelId="{5DB699AC-D2C8-E44C-B7FB-7E0B1C4C0D4E}" type="presOf" srcId="{A65E0BA2-400F-2246-A397-44DE666D2D3A}" destId="{63152D2C-8FF2-0D42-B4D7-185E3E7F0AC2}" srcOrd="0" destOrd="0" presId="urn:microsoft.com/office/officeart/2016/7/layout/RepeatingBendingProcessNew"/>
-    <dgm:cxn modelId="{04D63CBB-8F0F-374A-B25A-C51178184BF4}" type="presOf" srcId="{763B299A-A3A6-C74C-AF8C-5B276FF55B92}" destId="{F2BA00D6-6FEF-7B4D-8726-4914B8C25F8C}" srcOrd="0" destOrd="0" presId="urn:microsoft.com/office/officeart/2016/7/layout/RepeatingBendingProcessNew"/>
-    <dgm:cxn modelId="{4D80C1CE-C1EF-DA42-9D2C-1DA5CEC1D0DB}" type="presOf" srcId="{C03BADCA-9FD8-8C4F-804F-4DA3C9FF831C}" destId="{7D06A5B2-6EF9-4947-A9A1-FB1630F94575}" srcOrd="0" destOrd="0" presId="urn:microsoft.com/office/officeart/2016/7/layout/RepeatingBendingProcessNew"/>
-    <dgm:cxn modelId="{1B1691FC-736E-4544-9E56-D29710874CEF}" type="presOf" srcId="{EA1065AE-525E-244C-952A-B85BD6D72DEB}" destId="{789B7193-0E59-3B47-86C6-E46AE56ADB7D}" srcOrd="0" destOrd="0" presId="urn:microsoft.com/office/officeart/2016/7/layout/RepeatingBendingProcessNew"/>
-    <dgm:cxn modelId="{92AAA5FE-6A7F-0D46-92D2-DDC1E66DD851}" type="presOf" srcId="{AB00244D-9919-D542-8AA4-999F3F2E3475}" destId="{3C001CB2-ED33-074F-BBB6-915B5FCB69A0}" srcOrd="0" destOrd="0" presId="urn:microsoft.com/office/officeart/2016/7/layout/RepeatingBendingProcessNew"/>
-    <dgm:cxn modelId="{E35B08AA-94AF-4944-8A4B-4791A594D66A}" type="presParOf" srcId="{A9842184-3B57-3F40-9574-58774314FAAA}" destId="{F2BA00D6-6FEF-7B4D-8726-4914B8C25F8C}" srcOrd="0" destOrd="0" presId="urn:microsoft.com/office/officeart/2016/7/layout/RepeatingBendingProcessNew"/>
-    <dgm:cxn modelId="{F78EB7CF-FE1D-CB4D-92BD-1E839234337A}" type="presParOf" srcId="{A9842184-3B57-3F40-9574-58774314FAAA}" destId="{789B7193-0E59-3B47-86C6-E46AE56ADB7D}" srcOrd="1" destOrd="0" presId="urn:microsoft.com/office/officeart/2016/7/layout/RepeatingBendingProcessNew"/>
-    <dgm:cxn modelId="{B646480F-2BDE-8F41-9F38-27D7219C72D7}" type="presParOf" srcId="{789B7193-0E59-3B47-86C6-E46AE56ADB7D}" destId="{5947CF7D-184A-8047-85A4-5FBAFB0A4803}" srcOrd="0" destOrd="0" presId="urn:microsoft.com/office/officeart/2016/7/layout/RepeatingBendingProcessNew"/>
-    <dgm:cxn modelId="{3F5793EA-E0AF-D741-A611-B98ABCCAEC67}" type="presParOf" srcId="{A9842184-3B57-3F40-9574-58774314FAAA}" destId="{731C0595-CC30-5E40-9ED6-2C24E200E2A9}" srcOrd="2" destOrd="0" presId="urn:microsoft.com/office/officeart/2016/7/layout/RepeatingBendingProcessNew"/>
-    <dgm:cxn modelId="{656DAA0A-02D7-AE42-BA8B-7F841AA654E6}" type="presParOf" srcId="{A9842184-3B57-3F40-9574-58774314FAAA}" destId="{91928AE0-5695-A645-B797-1F99B5BCB375}" srcOrd="3" destOrd="0" presId="urn:microsoft.com/office/officeart/2016/7/layout/RepeatingBendingProcessNew"/>
-    <dgm:cxn modelId="{E08DA577-31BA-1841-8944-65A50DACA770}" type="presParOf" srcId="{91928AE0-5695-A645-B797-1F99B5BCB375}" destId="{CE8E6D10-26EC-7B4B-BE07-0AEBE15A1A78}" srcOrd="0" destOrd="0" presId="urn:microsoft.com/office/officeart/2016/7/layout/RepeatingBendingProcessNew"/>
-    <dgm:cxn modelId="{A4EC982D-5C02-8446-B9BF-51D63FB437A3}" type="presParOf" srcId="{A9842184-3B57-3F40-9574-58774314FAAA}" destId="{3C001CB2-ED33-074F-BBB6-915B5FCB69A0}" srcOrd="4" destOrd="0" presId="urn:microsoft.com/office/officeart/2016/7/layout/RepeatingBendingProcessNew"/>
-    <dgm:cxn modelId="{5EC7A8EA-2100-9445-A436-172C9093E62D}" type="presParOf" srcId="{A9842184-3B57-3F40-9574-58774314FAAA}" destId="{81A64EFC-3CBE-C844-BF59-98CF511806C6}" srcOrd="5" destOrd="0" presId="urn:microsoft.com/office/officeart/2016/7/layout/RepeatingBendingProcessNew"/>
-    <dgm:cxn modelId="{7C4DF951-9B0D-4D46-AB15-F353AFA43CA6}" type="presParOf" srcId="{81A64EFC-3CBE-C844-BF59-98CF511806C6}" destId="{C8C99527-29E6-DF43-A162-B4E53A17A8BE}" srcOrd="0" destOrd="0" presId="urn:microsoft.com/office/officeart/2016/7/layout/RepeatingBendingProcessNew"/>
-    <dgm:cxn modelId="{2C710DB0-81DD-924A-95D7-09AFD39F86A2}" type="presParOf" srcId="{A9842184-3B57-3F40-9574-58774314FAAA}" destId="{396D08B0-2B1B-DA4D-8422-2BC14DAF0B6C}" srcOrd="6" destOrd="0" presId="urn:microsoft.com/office/officeart/2016/7/layout/RepeatingBendingProcessNew"/>
-    <dgm:cxn modelId="{281A7A29-BEB6-594F-A271-7F363E4F2919}" type="presParOf" srcId="{A9842184-3B57-3F40-9574-58774314FAAA}" destId="{63152D2C-8FF2-0D42-B4D7-185E3E7F0AC2}" srcOrd="7" destOrd="0" presId="urn:microsoft.com/office/officeart/2016/7/layout/RepeatingBendingProcessNew"/>
-    <dgm:cxn modelId="{84955DFD-7A6F-3341-BBE4-76F1F7B652E9}" type="presParOf" srcId="{63152D2C-8FF2-0D42-B4D7-185E3E7F0AC2}" destId="{30469CA7-E6B8-3A45-8494-FB906ACE40D5}" srcOrd="0" destOrd="0" presId="urn:microsoft.com/office/officeart/2016/7/layout/RepeatingBendingProcessNew"/>
-    <dgm:cxn modelId="{F08255A2-D57D-F443-8D13-E8E522208888}" type="presParOf" srcId="{A9842184-3B57-3F40-9574-58774314FAAA}" destId="{5EEE3EE2-B98E-7E45-99C2-732E9361EDDE}" srcOrd="8" destOrd="0" presId="urn:microsoft.com/office/officeart/2016/7/layout/RepeatingBendingProcessNew"/>
-    <dgm:cxn modelId="{6242D796-C4A0-3347-B956-7E5A68239DA8}" type="presParOf" srcId="{A9842184-3B57-3F40-9574-58774314FAAA}" destId="{68E63C77-68DE-254F-B45A-682CA93DA124}" srcOrd="9" destOrd="0" presId="urn:microsoft.com/office/officeart/2016/7/layout/RepeatingBendingProcessNew"/>
-    <dgm:cxn modelId="{3AA28C3D-88F4-654F-BC91-17A2A6C00BF5}" type="presParOf" srcId="{68E63C77-68DE-254F-B45A-682CA93DA124}" destId="{2427FBF3-8696-284D-9B34-2AF2DBDFAD92}" srcOrd="0" destOrd="0" presId="urn:microsoft.com/office/officeart/2016/7/layout/RepeatingBendingProcessNew"/>
-    <dgm:cxn modelId="{4FBB35BD-1F4A-CC43-8C3F-141AB999695A}" type="presParOf" srcId="{A9842184-3B57-3F40-9574-58774314FAAA}" destId="{7D06A5B2-6EF9-4947-A9A1-FB1630F94575}" srcOrd="10" destOrd="0" presId="urn:microsoft.com/office/officeart/2016/7/layout/RepeatingBendingProcessNew"/>
+    <dgm:cxn modelId="{8EE06894-002B-624F-8D60-4A3CFED7A3D5}" srcId="{24E0129C-5D95-3C47-9B06-04043CA55473}" destId="{95E11F2F-0E57-104E-98C9-2CD537C7637E}" srcOrd="2" destOrd="0" parTransId="{2D706E57-8DE1-4342-A7B3-308383F243D2}" sibTransId="{7EF71C4A-833D-554E-A5A7-CA5AC68C8857}"/>
+    <dgm:cxn modelId="{6A2219A9-6134-EA40-9E43-1443C1A8C328}" type="presOf" srcId="{BF56499D-67D8-9245-8F21-5369813FC338}" destId="{B4EEB252-A842-1C47-9152-D1F1DFEB181A}" srcOrd="0" destOrd="0" presId="urn:microsoft.com/office/officeart/2016/7/layout/RepeatingBendingProcessNew"/>
+    <dgm:cxn modelId="{A06B7BB7-7D1C-B04D-A171-6952C305B16C}" type="presOf" srcId="{9E0B73BB-25E6-244C-88D2-C78394E258A0}" destId="{1F7BF467-CAA5-E244-A8B0-AE82EC8829C4}" srcOrd="0" destOrd="0" presId="urn:microsoft.com/office/officeart/2016/7/layout/RepeatingBendingProcessNew"/>
+    <dgm:cxn modelId="{04FDD7C5-D198-CC49-AE13-B3DC3DFE61BB}" type="presOf" srcId="{C03BADCA-9FD8-8C4F-804F-4DA3C9FF831C}" destId="{8680362E-92B7-7F4B-B1FA-34C7F423AAF0}" srcOrd="0" destOrd="0" presId="urn:microsoft.com/office/officeart/2016/7/layout/RepeatingBendingProcessNew"/>
+    <dgm:cxn modelId="{1980EFC8-B36E-1047-8E22-785C3C6EE36A}" type="presOf" srcId="{EA1065AE-525E-244C-952A-B85BD6D72DEB}" destId="{A5C68796-E2AE-ED41-8921-B9B291DC977E}" srcOrd="1" destOrd="0" presId="urn:microsoft.com/office/officeart/2016/7/layout/RepeatingBendingProcessNew"/>
+    <dgm:cxn modelId="{1D8D98E8-8F8F-9A40-BBC2-B010003D085B}" type="presOf" srcId="{805BC26B-79AE-C54B-A389-ADD6762194EB}" destId="{BAB59A33-D8A0-0645-BAE6-FE48FD8DD1D3}" srcOrd="1" destOrd="0" presId="urn:microsoft.com/office/officeart/2016/7/layout/RepeatingBendingProcessNew"/>
+    <dgm:cxn modelId="{B4D8CCF0-1C66-A747-AA60-F04AC71F5D37}" type="presOf" srcId="{7EF71C4A-833D-554E-A5A7-CA5AC68C8857}" destId="{02689391-208A-474B-AD01-1382708DE939}" srcOrd="0" destOrd="0" presId="urn:microsoft.com/office/officeart/2016/7/layout/RepeatingBendingProcessNew"/>
+    <dgm:cxn modelId="{EACC1217-DA4A-BB45-935C-F6F9E5ED1583}" type="presParOf" srcId="{A7CA9436-FF99-924B-98B4-5149CD2ED020}" destId="{108596E6-F710-7B4B-85F0-CA30429E116E}" srcOrd="0" destOrd="0" presId="urn:microsoft.com/office/officeart/2016/7/layout/RepeatingBendingProcessNew"/>
+    <dgm:cxn modelId="{B35E5EE0-ACEE-D046-A73C-ED407A8BC261}" type="presParOf" srcId="{A7CA9436-FF99-924B-98B4-5149CD2ED020}" destId="{C9267905-6F54-F04E-AF2E-CB2975AB340E}" srcOrd="1" destOrd="0" presId="urn:microsoft.com/office/officeart/2016/7/layout/RepeatingBendingProcessNew"/>
+    <dgm:cxn modelId="{4B0F64A2-5F54-B940-AE51-AED98694364A}" type="presParOf" srcId="{C9267905-6F54-F04E-AF2E-CB2975AB340E}" destId="{A5C68796-E2AE-ED41-8921-B9B291DC977E}" srcOrd="0" destOrd="0" presId="urn:microsoft.com/office/officeart/2016/7/layout/RepeatingBendingProcessNew"/>
+    <dgm:cxn modelId="{88D3FF8C-E73D-C148-AE67-0AE00AD3777D}" type="presParOf" srcId="{A7CA9436-FF99-924B-98B4-5149CD2ED020}" destId="{1F7BF467-CAA5-E244-A8B0-AE82EC8829C4}" srcOrd="2" destOrd="0" presId="urn:microsoft.com/office/officeart/2016/7/layout/RepeatingBendingProcessNew"/>
+    <dgm:cxn modelId="{2AD109A1-425A-F342-B6A0-61A2064657B6}" type="presParOf" srcId="{A7CA9436-FF99-924B-98B4-5149CD2ED020}" destId="{BE2EDDB4-F6EC-9546-A6CC-CFA9F05B7981}" srcOrd="3" destOrd="0" presId="urn:microsoft.com/office/officeart/2016/7/layout/RepeatingBendingProcessNew"/>
+    <dgm:cxn modelId="{58814D02-A5D4-3E48-BEDF-71CA57BC3C92}" type="presParOf" srcId="{BE2EDDB4-F6EC-9546-A6CC-CFA9F05B7981}" destId="{C2C09F19-9945-2C4F-8F80-28442B46E447}" srcOrd="0" destOrd="0" presId="urn:microsoft.com/office/officeart/2016/7/layout/RepeatingBendingProcessNew"/>
+    <dgm:cxn modelId="{7A6580CC-B129-6C49-8BA0-D4D909967EE5}" type="presParOf" srcId="{A7CA9436-FF99-924B-98B4-5149CD2ED020}" destId="{6C013801-D3F7-0749-9984-226755DCA8DD}" srcOrd="4" destOrd="0" presId="urn:microsoft.com/office/officeart/2016/7/layout/RepeatingBendingProcessNew"/>
+    <dgm:cxn modelId="{CD930B32-05C2-3345-839B-DA6FF1B15615}" type="presParOf" srcId="{A7CA9436-FF99-924B-98B4-5149CD2ED020}" destId="{02689391-208A-474B-AD01-1382708DE939}" srcOrd="5" destOrd="0" presId="urn:microsoft.com/office/officeart/2016/7/layout/RepeatingBendingProcessNew"/>
+    <dgm:cxn modelId="{14247858-B9F9-4947-9ED9-D2AE484A7011}" type="presParOf" srcId="{02689391-208A-474B-AD01-1382708DE939}" destId="{6B1BA5BA-A325-3E4A-AF27-F65F2589830E}" srcOrd="0" destOrd="0" presId="urn:microsoft.com/office/officeart/2016/7/layout/RepeatingBendingProcessNew"/>
+    <dgm:cxn modelId="{5D7E7615-E345-C247-8360-681C603D812E}" type="presParOf" srcId="{A7CA9436-FF99-924B-98B4-5149CD2ED020}" destId="{539A949E-A62A-CF43-B4A0-934E250B590B}" srcOrd="6" destOrd="0" presId="urn:microsoft.com/office/officeart/2016/7/layout/RepeatingBendingProcessNew"/>
+    <dgm:cxn modelId="{25A305BB-09C1-A94F-91FB-5407F48968EC}" type="presParOf" srcId="{A7CA9436-FF99-924B-98B4-5149CD2ED020}" destId="{07224510-582E-F943-AB43-BDABA27328DD}" srcOrd="7" destOrd="0" presId="urn:microsoft.com/office/officeart/2016/7/layout/RepeatingBendingProcessNew"/>
+    <dgm:cxn modelId="{EFEBCB6A-09A5-5D4E-B761-240A696B1596}" type="presParOf" srcId="{07224510-582E-F943-AB43-BDABA27328DD}" destId="{E8E7055B-8659-9F42-90CF-CB71AC69C516}" srcOrd="0" destOrd="0" presId="urn:microsoft.com/office/officeart/2016/7/layout/RepeatingBendingProcessNew"/>
+    <dgm:cxn modelId="{CB53D6C4-9683-7D42-896A-12C5BC7CA7E7}" type="presParOf" srcId="{A7CA9436-FF99-924B-98B4-5149CD2ED020}" destId="{B4EEB252-A842-1C47-9152-D1F1DFEB181A}" srcOrd="8" destOrd="0" presId="urn:microsoft.com/office/officeart/2016/7/layout/RepeatingBendingProcessNew"/>
+    <dgm:cxn modelId="{1016D125-A3A6-A847-880D-26107E2FE196}" type="presParOf" srcId="{A7CA9436-FF99-924B-98B4-5149CD2ED020}" destId="{99E8F455-F226-D648-86B4-8E481BAEDE50}" srcOrd="9" destOrd="0" presId="urn:microsoft.com/office/officeart/2016/7/layout/RepeatingBendingProcessNew"/>
+    <dgm:cxn modelId="{ECFF9C55-7D43-5742-B69F-5F77C2367934}" type="presParOf" srcId="{99E8F455-F226-D648-86B4-8E481BAEDE50}" destId="{BAB59A33-D8A0-0645-BAE6-FE48FD8DD1D3}" srcOrd="0" destOrd="0" presId="urn:microsoft.com/office/officeart/2016/7/layout/RepeatingBendingProcessNew"/>
+    <dgm:cxn modelId="{3D07333F-B803-264D-8E39-05FA21C7BB00}" type="presParOf" srcId="{A7CA9436-FF99-924B-98B4-5149CD2ED020}" destId="{8680362E-92B7-7F4B-B1FA-34C7F423AAF0}" srcOrd="10" destOrd="0" presId="urn:microsoft.com/office/officeart/2016/7/layout/RepeatingBendingProcessNew"/>
   </dgm:cxnLst>
   <dgm:bg/>
   <dgm:whole/>
@@ -2958,8 +2785,8 @@
 <file path=ppt/diagrams/data2.xml><?xml version="1.0" encoding="utf-8"?>
 <dgm:dataModel xmlns:dgm="http://schemas.openxmlformats.org/drawingml/2006/diagram" xmlns:a="http://schemas.openxmlformats.org/drawingml/2006/main">
   <dgm:ptLst>
-    <dgm:pt modelId="{2C0ADE8A-F533-48EB-9199-19A2326B2101}" type="doc">
-      <dgm:prSet loTypeId="urn:microsoft.com/office/officeart/2018/2/layout/IconVerticalSolidList" loCatId="icon" qsTypeId="urn:microsoft.com/office/officeart/2005/8/quickstyle/simple1" qsCatId="simple" csTypeId="urn:microsoft.com/office/officeart/2018/5/colors/Iconchunking_neutralbg_colorful1" csCatId="colorful" phldr="1"/>
+    <dgm:pt modelId="{A2CCFE78-886C-0446-8FE1-087898354516}" type="doc">
+      <dgm:prSet loTypeId="urn:microsoft.com/office/officeart/2005/8/layout/equation1" loCatId="icon" qsTypeId="urn:microsoft.com/office/officeart/2005/8/quickstyle/simple1" qsCatId="simple" csTypeId="urn:microsoft.com/office/officeart/2005/8/colors/accent5_2" csCatId="accent5" phldr="1"/>
       <dgm:spPr/>
       <dgm:t>
         <a:bodyPr/>
@@ -2969,26 +2796,21 @@
         </a:p>
       </dgm:t>
     </dgm:pt>
-    <dgm:pt modelId="{28158B83-B023-42A4-885F-722A1E2414C5}">
-      <dgm:prSet/>
+    <dgm:pt modelId="{5ABD9C09-F51D-1641-B1BB-D4FCFB2CF66E}">
+      <dgm:prSet phldrT="[Text]"/>
       <dgm:spPr/>
       <dgm:t>
         <a:bodyPr/>
         <a:lstStyle/>
         <a:p>
-          <a:pPr>
-            <a:lnSpc>
-              <a:spcPct val="100000"/>
-            </a:lnSpc>
-          </a:pPr>
           <a:r>
-            <a:rPr lang="en-US"/>
-            <a:t>JIT compiled</a:t>
+            <a:rPr lang="en-US" dirty="0"/>
+            <a:t>Multiple Dispatch</a:t>
           </a:r>
         </a:p>
       </dgm:t>
     </dgm:pt>
-    <dgm:pt modelId="{C6A179A9-681D-4E54-BD79-9D001E22D8C3}" type="parTrans" cxnId="{27CB00B1-BC85-404B-8DDE-F48ED51319BE}">
+    <dgm:pt modelId="{60E537C2-16C2-0E41-98FA-DC97CC88E62A}" type="parTrans" cxnId="{7BF68079-7D5C-1247-BC44-1640D863C95F}">
       <dgm:prSet/>
       <dgm:spPr/>
       <dgm:t>
@@ -2999,42 +2821,7 @@
         </a:p>
       </dgm:t>
     </dgm:pt>
-    <dgm:pt modelId="{3C00A179-1223-4F2E-A0EF-46C891575E31}" type="sibTrans" cxnId="{27CB00B1-BC85-404B-8DDE-F48ED51319BE}">
-      <dgm:prSet/>
-      <dgm:spPr/>
-      <dgm:t>
-        <a:bodyPr/>
-        <a:lstStyle/>
-        <a:p>
-          <a:pPr>
-            <a:lnSpc>
-              <a:spcPct val="100000"/>
-            </a:lnSpc>
-          </a:pPr>
-          <a:endParaRPr lang="en-US"/>
-        </a:p>
-      </dgm:t>
-    </dgm:pt>
-    <dgm:pt modelId="{10949E15-59E3-45D7-9F64-28AF18EE7D60}">
-      <dgm:prSet/>
-      <dgm:spPr/>
-      <dgm:t>
-        <a:bodyPr/>
-        <a:lstStyle/>
-        <a:p>
-          <a:pPr>
-            <a:lnSpc>
-              <a:spcPct val="100000"/>
-            </a:lnSpc>
-          </a:pPr>
-          <a:r>
-            <a:rPr lang="en-US"/>
-            <a:t>Cached compilation</a:t>
-          </a:r>
-        </a:p>
-      </dgm:t>
-    </dgm:pt>
-    <dgm:pt modelId="{559E3AA8-A47C-4531-ABD0-C6125E0EBAD3}" type="parTrans" cxnId="{070605F5-57EC-41E2-A931-F42B6F26A7FC}">
+    <dgm:pt modelId="{126D52CC-ECC5-AB4A-8345-E67E0DCFD260}" type="sibTrans" cxnId="{7BF68079-7D5C-1247-BC44-1640D863C95F}">
       <dgm:prSet/>
       <dgm:spPr/>
       <dgm:t>
@@ -3045,42 +2832,21 @@
         </a:p>
       </dgm:t>
     </dgm:pt>
-    <dgm:pt modelId="{17C7C794-6885-4E36-8780-C96601821B3C}" type="sibTrans" cxnId="{070605F5-57EC-41E2-A931-F42B6F26A7FC}">
-      <dgm:prSet/>
+    <dgm:pt modelId="{4BEDC3AE-2FCE-9F4D-A6F2-7C4DCE47DC51}">
+      <dgm:prSet phldrT="[Text]"/>
       <dgm:spPr/>
       <dgm:t>
         <a:bodyPr/>
         <a:lstStyle/>
         <a:p>
-          <a:pPr>
-            <a:lnSpc>
-              <a:spcPct val="100000"/>
-            </a:lnSpc>
-          </a:pPr>
-          <a:endParaRPr lang="en-US"/>
-        </a:p>
-      </dgm:t>
-    </dgm:pt>
-    <dgm:pt modelId="{6364A03E-3A09-4ED0-A6BA-BD5D016F3375}">
-      <dgm:prSet/>
-      <dgm:spPr/>
-      <dgm:t>
-        <a:bodyPr/>
-        <a:lstStyle/>
-        <a:p>
-          <a:pPr>
-            <a:lnSpc>
-              <a:spcPct val="100000"/>
-            </a:lnSpc>
-          </a:pPr>
           <a:r>
-            <a:rPr lang="en-US"/>
+            <a:rPr lang="en-US" dirty="0"/>
             <a:t>Type Inference</a:t>
           </a:r>
         </a:p>
       </dgm:t>
     </dgm:pt>
-    <dgm:pt modelId="{BB465AEF-FE25-47E9-84CB-9FBF0C69C0F9}" type="parTrans" cxnId="{4F0C69ED-A4D4-45A0-817D-8CCB9BD524FE}">
+    <dgm:pt modelId="{F21B6636-6732-FE47-B574-74F88ACF1589}" type="parTrans" cxnId="{6090AB9C-8F08-1B44-85C8-D0B64C6D87AA}">
       <dgm:prSet/>
       <dgm:spPr/>
       <dgm:t>
@@ -3091,42 +2857,7 @@
         </a:p>
       </dgm:t>
     </dgm:pt>
-    <dgm:pt modelId="{76F1F840-6C6F-48B2-B0D3-2D132203B47D}" type="sibTrans" cxnId="{4F0C69ED-A4D4-45A0-817D-8CCB9BD524FE}">
-      <dgm:prSet/>
-      <dgm:spPr/>
-      <dgm:t>
-        <a:bodyPr/>
-        <a:lstStyle/>
-        <a:p>
-          <a:pPr>
-            <a:lnSpc>
-              <a:spcPct val="100000"/>
-            </a:lnSpc>
-          </a:pPr>
-          <a:endParaRPr lang="en-US"/>
-        </a:p>
-      </dgm:t>
-    </dgm:pt>
-    <dgm:pt modelId="{BDDCD636-49D6-446B-B2F1-8F065972553C}">
-      <dgm:prSet/>
-      <dgm:spPr/>
-      <dgm:t>
-        <a:bodyPr/>
-        <a:lstStyle/>
-        <a:p>
-          <a:pPr>
-            <a:lnSpc>
-              <a:spcPct val="100000"/>
-            </a:lnSpc>
-          </a:pPr>
-          <a:r>
-            <a:rPr lang="en-US"/>
-            <a:t>Multiple Dispatch</a:t>
-          </a:r>
-        </a:p>
-      </dgm:t>
-    </dgm:pt>
-    <dgm:pt modelId="{5F401412-5278-4284-ACE7-C1E381DBE2A7}" type="parTrans" cxnId="{9CCE8D56-E926-43A7-A897-CD3BCB82FCFC}">
+    <dgm:pt modelId="{726C64F8-68B5-CA48-9793-FAE9D89A436E}" type="sibTrans" cxnId="{6090AB9C-8F08-1B44-85C8-D0B64C6D87AA}">
       <dgm:prSet/>
       <dgm:spPr/>
       <dgm:t>
@@ -3137,7 +2868,21 @@
         </a:p>
       </dgm:t>
     </dgm:pt>
-    <dgm:pt modelId="{73D166B1-92B9-4634-A458-F9EF42F1A10D}" type="sibTrans" cxnId="{9CCE8D56-E926-43A7-A897-CD3BCB82FCFC}">
+    <dgm:pt modelId="{6EC083AD-D722-6947-A2D6-AA21453D4AB6}">
+      <dgm:prSet phldrT="[Text]"/>
+      <dgm:spPr/>
+      <dgm:t>
+        <a:bodyPr/>
+        <a:lstStyle/>
+        <a:p>
+          <a:r>
+            <a:rPr lang="en-US" dirty="0"/>
+            <a:t>Type Stability</a:t>
+          </a:r>
+        </a:p>
+      </dgm:t>
+    </dgm:pt>
+    <dgm:pt modelId="{EC9974D7-E4A0-014A-9BDC-AB050D20309D}" type="parTrans" cxnId="{7F84BD0F-99A9-5141-B27A-A44F00F46E67}">
       <dgm:prSet/>
       <dgm:spPr/>
       <dgm:t>
@@ -3148,8 +2893,55 @@
         </a:p>
       </dgm:t>
     </dgm:pt>
-    <dgm:pt modelId="{D84016E4-58BD-40FA-B7F6-4303347DD98C}" type="pres">
-      <dgm:prSet presAssocID="{2C0ADE8A-F533-48EB-9199-19A2326B2101}" presName="root" presStyleCnt="0">
+    <dgm:pt modelId="{80BCDC1C-2D2D-7B45-8B60-38BBEA39A6D5}" type="sibTrans" cxnId="{7F84BD0F-99A9-5141-B27A-A44F00F46E67}">
+      <dgm:prSet/>
+      <dgm:spPr/>
+      <dgm:t>
+        <a:bodyPr/>
+        <a:lstStyle/>
+        <a:p>
+          <a:endParaRPr lang="en-US"/>
+        </a:p>
+      </dgm:t>
+    </dgm:pt>
+    <dgm:pt modelId="{E65C2CB9-845E-8542-BD23-302D94D8D021}">
+      <dgm:prSet phldrT="[Text]"/>
+      <dgm:spPr/>
+      <dgm:t>
+        <a:bodyPr/>
+        <a:lstStyle/>
+        <a:p>
+          <a:r>
+            <a:rPr lang="en-US" dirty="0"/>
+            <a:t>JIT compilation</a:t>
+          </a:r>
+        </a:p>
+      </dgm:t>
+    </dgm:pt>
+    <dgm:pt modelId="{4C0CE4A9-B6FE-0F4E-907E-858EDE865E8D}" type="parTrans" cxnId="{2052E7B5-03DE-034F-AA13-33099C76418F}">
+      <dgm:prSet/>
+      <dgm:spPr/>
+      <dgm:t>
+        <a:bodyPr/>
+        <a:lstStyle/>
+        <a:p>
+          <a:endParaRPr lang="en-US"/>
+        </a:p>
+      </dgm:t>
+    </dgm:pt>
+    <dgm:pt modelId="{55722BA0-F9C5-5142-AF66-77462A6D4BAE}" type="sibTrans" cxnId="{2052E7B5-03DE-034F-AA13-33099C76418F}">
+      <dgm:prSet/>
+      <dgm:spPr/>
+      <dgm:t>
+        <a:bodyPr/>
+        <a:lstStyle/>
+        <a:p>
+          <a:endParaRPr lang="en-US"/>
+        </a:p>
+      </dgm:t>
+    </dgm:pt>
+    <dgm:pt modelId="{4081E5CA-F8EB-AF46-91ED-98EB12932AE2}" type="pres">
+      <dgm:prSet presAssocID="{A2CCFE78-886C-0446-8FE1-087898354516}" presName="linearFlow" presStyleCnt="0">
         <dgm:presLayoutVars>
           <dgm:dir/>
           <dgm:resizeHandles val="exact"/>
@@ -3157,248 +2949,101 @@
       </dgm:prSet>
       <dgm:spPr/>
     </dgm:pt>
-    <dgm:pt modelId="{F07A3A64-2517-40A4-BC89-98F65B363D86}" type="pres">
-      <dgm:prSet presAssocID="{28158B83-B023-42A4-885F-722A1E2414C5}" presName="compNode" presStyleCnt="0"/>
-      <dgm:spPr/>
-    </dgm:pt>
-    <dgm:pt modelId="{F5C48B4C-8060-4E75-8ACF-E747ACF8BC75}" type="pres">
-      <dgm:prSet presAssocID="{28158B83-B023-42A4-885F-722A1E2414C5}" presName="bgRect" presStyleLbl="bgShp" presStyleIdx="0" presStyleCnt="4"/>
-      <dgm:spPr/>
-    </dgm:pt>
-    <dgm:pt modelId="{706D5633-3D99-4AFA-A740-8440EAC7119D}" type="pres">
-      <dgm:prSet presAssocID="{28158B83-B023-42A4-885F-722A1E2414C5}" presName="iconRect" presStyleLbl="node1" presStyleIdx="0" presStyleCnt="4"/>
-      <dgm:spPr>
-        <a:blipFill>
-          <a:blip xmlns:r="http://schemas.openxmlformats.org/officeDocument/2006/relationships" r:embed="rId1">
-            <a:extLst>
-              <a:ext uri="{28A0092B-C50C-407E-A947-70E740481C1C}">
-                <a14:useLocalDpi xmlns:a14="http://schemas.microsoft.com/office/drawing/2010/main" val="0"/>
-              </a:ext>
-              <a:ext uri="{96DAC541-7B7A-43D3-8B79-37D633B846F1}">
-                <asvg:svgBlip xmlns:asvg="http://schemas.microsoft.com/office/drawing/2016/SVG/main" r:embed="rId2"/>
-              </a:ext>
-            </a:extLst>
-          </a:blip>
-          <a:stretch>
-            <a:fillRect/>
-          </a:stretch>
-        </a:blipFill>
-        <a:ln>
-          <a:noFill/>
-        </a:ln>
-      </dgm:spPr>
-      <dgm:extLst>
-        <a:ext uri="{E40237B7-FDA0-4F09-8148-C483321AD2D9}">
-          <dgm14:cNvPr xmlns:dgm14="http://schemas.microsoft.com/office/drawing/2010/diagram" id="0" name="" descr="Check List"/>
-        </a:ext>
-      </dgm:extLst>
-    </dgm:pt>
-    <dgm:pt modelId="{609C958B-21A3-4014-916F-06BCC9BC6F96}" type="pres">
-      <dgm:prSet presAssocID="{28158B83-B023-42A4-885F-722A1E2414C5}" presName="spaceRect" presStyleCnt="0"/>
-      <dgm:spPr/>
-    </dgm:pt>
-    <dgm:pt modelId="{88F792CC-4D58-4D66-B760-DB2C40964188}" type="pres">
-      <dgm:prSet presAssocID="{28158B83-B023-42A4-885F-722A1E2414C5}" presName="parTx" presStyleLbl="revTx" presStyleIdx="0" presStyleCnt="4">
+    <dgm:pt modelId="{0D4C08CF-C792-204F-81AC-59F8EE3F8CE0}" type="pres">
+      <dgm:prSet presAssocID="{5ABD9C09-F51D-1641-B1BB-D4FCFB2CF66E}" presName="node" presStyleLbl="node1" presStyleIdx="0" presStyleCnt="4">
         <dgm:presLayoutVars>
-          <dgm:chMax val="0"/>
-          <dgm:chPref val="0"/>
+          <dgm:bulletEnabled val="1"/>
         </dgm:presLayoutVars>
       </dgm:prSet>
       <dgm:spPr/>
     </dgm:pt>
-    <dgm:pt modelId="{07FD1EF6-9556-4748-AC72-684256E84B8E}" type="pres">
-      <dgm:prSet presAssocID="{3C00A179-1223-4F2E-A0EF-46C891575E31}" presName="sibTrans" presStyleCnt="0"/>
+    <dgm:pt modelId="{FF008AE0-9DF7-864A-B1F5-42FA21B3FD40}" type="pres">
+      <dgm:prSet presAssocID="{126D52CC-ECC5-AB4A-8345-E67E0DCFD260}" presName="spacerL" presStyleCnt="0"/>
       <dgm:spPr/>
     </dgm:pt>
-    <dgm:pt modelId="{72935E8B-3E0B-4E1F-87A0-9F3715D227B5}" type="pres">
-      <dgm:prSet presAssocID="{10949E15-59E3-45D7-9F64-28AF18EE7D60}" presName="compNode" presStyleCnt="0"/>
+    <dgm:pt modelId="{C8282FF6-C590-A740-BE61-74E23FAE2C81}" type="pres">
+      <dgm:prSet presAssocID="{126D52CC-ECC5-AB4A-8345-E67E0DCFD260}" presName="sibTrans" presStyleLbl="sibTrans2D1" presStyleIdx="0" presStyleCnt="3"/>
       <dgm:spPr/>
     </dgm:pt>
-    <dgm:pt modelId="{6F519BB0-4B10-43F4-B427-BD22F8FA1124}" type="pres">
-      <dgm:prSet presAssocID="{10949E15-59E3-45D7-9F64-28AF18EE7D60}" presName="bgRect" presStyleLbl="bgShp" presStyleIdx="1" presStyleCnt="4"/>
+    <dgm:pt modelId="{D708FF5B-DCC5-4146-ADFC-BC070404DDBE}" type="pres">
+      <dgm:prSet presAssocID="{126D52CC-ECC5-AB4A-8345-E67E0DCFD260}" presName="spacerR" presStyleCnt="0"/>
       <dgm:spPr/>
     </dgm:pt>
-    <dgm:pt modelId="{73FAAFF6-FA3B-49EB-B7AC-D6BF3937BE00}" type="pres">
-      <dgm:prSet presAssocID="{10949E15-59E3-45D7-9F64-28AF18EE7D60}" presName="iconRect" presStyleLbl="node1" presStyleIdx="1" presStyleCnt="4"/>
-      <dgm:spPr>
-        <a:blipFill>
-          <a:blip xmlns:r="http://schemas.openxmlformats.org/officeDocument/2006/relationships" r:embed="rId3">
-            <a:extLst>
-              <a:ext uri="{28A0092B-C50C-407E-A947-70E740481C1C}">
-                <a14:useLocalDpi xmlns:a14="http://schemas.microsoft.com/office/drawing/2010/main" val="0"/>
-              </a:ext>
-              <a:ext uri="{96DAC541-7B7A-43D3-8B79-37D633B846F1}">
-                <asvg:svgBlip xmlns:asvg="http://schemas.microsoft.com/office/drawing/2016/SVG/main" r:embed="rId4"/>
-              </a:ext>
-            </a:extLst>
-          </a:blip>
-          <a:stretch>
-            <a:fillRect/>
-          </a:stretch>
-        </a:blipFill>
-        <a:ln>
-          <a:noFill/>
-        </a:ln>
-      </dgm:spPr>
-      <dgm:extLst>
-        <a:ext uri="{E40237B7-FDA0-4F09-8148-C483321AD2D9}">
-          <dgm14:cNvPr xmlns:dgm14="http://schemas.microsoft.com/office/drawing/2010/diagram" id="0" name="" descr="Document"/>
-        </a:ext>
-      </dgm:extLst>
-    </dgm:pt>
-    <dgm:pt modelId="{122C67C1-797B-410C-BB89-BC1B8577AF81}" type="pres">
-      <dgm:prSet presAssocID="{10949E15-59E3-45D7-9F64-28AF18EE7D60}" presName="spaceRect" presStyleCnt="0"/>
-      <dgm:spPr/>
-    </dgm:pt>
-    <dgm:pt modelId="{771A816C-236F-47DA-91A9-4ECB1DB57A28}" type="pres">
-      <dgm:prSet presAssocID="{10949E15-59E3-45D7-9F64-28AF18EE7D60}" presName="parTx" presStyleLbl="revTx" presStyleIdx="1" presStyleCnt="4">
+    <dgm:pt modelId="{4E44B0E1-C290-4641-B932-45A005B09B69}" type="pres">
+      <dgm:prSet presAssocID="{4BEDC3AE-2FCE-9F4D-A6F2-7C4DCE47DC51}" presName="node" presStyleLbl="node1" presStyleIdx="1" presStyleCnt="4">
         <dgm:presLayoutVars>
-          <dgm:chMax val="0"/>
-          <dgm:chPref val="0"/>
+          <dgm:bulletEnabled val="1"/>
         </dgm:presLayoutVars>
       </dgm:prSet>
       <dgm:spPr/>
     </dgm:pt>
-    <dgm:pt modelId="{C2FD4B2C-D7B8-4A19-8FC9-5F956E9BFEAF}" type="pres">
-      <dgm:prSet presAssocID="{17C7C794-6885-4E36-8780-C96601821B3C}" presName="sibTrans" presStyleCnt="0"/>
+    <dgm:pt modelId="{52B82FC8-0DC2-4C43-ADA5-B62F0BAD6434}" type="pres">
+      <dgm:prSet presAssocID="{726C64F8-68B5-CA48-9793-FAE9D89A436E}" presName="spacerL" presStyleCnt="0"/>
       <dgm:spPr/>
     </dgm:pt>
-    <dgm:pt modelId="{237929FC-1CEC-44C5-BBBC-E5C6D07A0061}" type="pres">
-      <dgm:prSet presAssocID="{6364A03E-3A09-4ED0-A6BA-BD5D016F3375}" presName="compNode" presStyleCnt="0"/>
+    <dgm:pt modelId="{BBCD109D-044D-6545-880A-7B29B9E7B435}" type="pres">
+      <dgm:prSet presAssocID="{726C64F8-68B5-CA48-9793-FAE9D89A436E}" presName="sibTrans" presStyleLbl="sibTrans2D1" presStyleIdx="1" presStyleCnt="3"/>
       <dgm:spPr/>
     </dgm:pt>
-    <dgm:pt modelId="{B0DCE167-3814-4343-A426-B8573228F429}" type="pres">
-      <dgm:prSet presAssocID="{6364A03E-3A09-4ED0-A6BA-BD5D016F3375}" presName="bgRect" presStyleLbl="bgShp" presStyleIdx="2" presStyleCnt="4"/>
+    <dgm:pt modelId="{C9A40E93-52A8-0C44-A829-F555B4E6E0D2}" type="pres">
+      <dgm:prSet presAssocID="{726C64F8-68B5-CA48-9793-FAE9D89A436E}" presName="spacerR" presStyleCnt="0"/>
       <dgm:spPr/>
     </dgm:pt>
-    <dgm:pt modelId="{A6AFA730-E6B4-483A-801C-1E9ED10C7755}" type="pres">
-      <dgm:prSet presAssocID="{6364A03E-3A09-4ED0-A6BA-BD5D016F3375}" presName="iconRect" presStyleLbl="node1" presStyleIdx="2" presStyleCnt="4"/>
-      <dgm:spPr>
-        <a:blipFill>
-          <a:blip xmlns:r="http://schemas.openxmlformats.org/officeDocument/2006/relationships" r:embed="rId5">
-            <a:extLst>
-              <a:ext uri="{28A0092B-C50C-407E-A947-70E740481C1C}">
-                <a14:useLocalDpi xmlns:a14="http://schemas.microsoft.com/office/drawing/2010/main" val="0"/>
-              </a:ext>
-              <a:ext uri="{96DAC541-7B7A-43D3-8B79-37D633B846F1}">
-                <asvg:svgBlip xmlns:asvg="http://schemas.microsoft.com/office/drawing/2016/SVG/main" r:embed="rId6"/>
-              </a:ext>
-            </a:extLst>
-          </a:blip>
-          <a:stretch>
-            <a:fillRect/>
-          </a:stretch>
-        </a:blipFill>
-        <a:ln>
-          <a:noFill/>
-        </a:ln>
-      </dgm:spPr>
-      <dgm:extLst>
-        <a:ext uri="{E40237B7-FDA0-4F09-8148-C483321AD2D9}">
-          <dgm14:cNvPr xmlns:dgm14="http://schemas.microsoft.com/office/drawing/2010/diagram" id="0" name="" descr="Head with Gears"/>
-        </a:ext>
-      </dgm:extLst>
-    </dgm:pt>
-    <dgm:pt modelId="{AB42D317-DA61-4F03-ABDD-DA656439A202}" type="pres">
-      <dgm:prSet presAssocID="{6364A03E-3A09-4ED0-A6BA-BD5D016F3375}" presName="spaceRect" presStyleCnt="0"/>
-      <dgm:spPr/>
-    </dgm:pt>
-    <dgm:pt modelId="{24EE8E12-9E10-4432-84D4-33424916AD87}" type="pres">
-      <dgm:prSet presAssocID="{6364A03E-3A09-4ED0-A6BA-BD5D016F3375}" presName="parTx" presStyleLbl="revTx" presStyleIdx="2" presStyleCnt="4">
+    <dgm:pt modelId="{DFED9F97-E167-FE4F-AB48-78293AF3CB5E}" type="pres">
+      <dgm:prSet presAssocID="{E65C2CB9-845E-8542-BD23-302D94D8D021}" presName="node" presStyleLbl="node1" presStyleIdx="2" presStyleCnt="4">
         <dgm:presLayoutVars>
-          <dgm:chMax val="0"/>
-          <dgm:chPref val="0"/>
+          <dgm:bulletEnabled val="1"/>
         </dgm:presLayoutVars>
       </dgm:prSet>
       <dgm:spPr/>
     </dgm:pt>
-    <dgm:pt modelId="{FFBFF1C3-DEFE-4C45-8D46-3D0A4E1C4915}" type="pres">
-      <dgm:prSet presAssocID="{76F1F840-6C6F-48B2-B0D3-2D132203B47D}" presName="sibTrans" presStyleCnt="0"/>
+    <dgm:pt modelId="{7D5266C4-409B-BE45-B82A-9174F906612C}" type="pres">
+      <dgm:prSet presAssocID="{55722BA0-F9C5-5142-AF66-77462A6D4BAE}" presName="spacerL" presStyleCnt="0"/>
       <dgm:spPr/>
     </dgm:pt>
-    <dgm:pt modelId="{8C2EF732-08D7-4DFF-8A0E-9A415A5BCB73}" type="pres">
-      <dgm:prSet presAssocID="{BDDCD636-49D6-446B-B2F1-8F065972553C}" presName="compNode" presStyleCnt="0"/>
+    <dgm:pt modelId="{1AF11B00-4E0F-B14E-B11E-44BAD50E0E26}" type="pres">
+      <dgm:prSet presAssocID="{55722BA0-F9C5-5142-AF66-77462A6D4BAE}" presName="sibTrans" presStyleLbl="sibTrans2D1" presStyleIdx="2" presStyleCnt="3"/>
       <dgm:spPr/>
     </dgm:pt>
-    <dgm:pt modelId="{BE86A51C-9C1E-4B46-BE97-3004A56E2F81}" type="pres">
-      <dgm:prSet presAssocID="{BDDCD636-49D6-446B-B2F1-8F065972553C}" presName="bgRect" presStyleLbl="bgShp" presStyleIdx="3" presStyleCnt="4"/>
+    <dgm:pt modelId="{5798E50E-2103-DA46-9D8F-7C15D8D01DB1}" type="pres">
+      <dgm:prSet presAssocID="{55722BA0-F9C5-5142-AF66-77462A6D4BAE}" presName="spacerR" presStyleCnt="0"/>
       <dgm:spPr/>
     </dgm:pt>
-    <dgm:pt modelId="{478533BB-60F0-452D-A162-CC7735209C16}" type="pres">
-      <dgm:prSet presAssocID="{BDDCD636-49D6-446B-B2F1-8F065972553C}" presName="iconRect" presStyleLbl="node1" presStyleIdx="3" presStyleCnt="4"/>
-      <dgm:spPr>
-        <a:blipFill>
-          <a:blip xmlns:r="http://schemas.openxmlformats.org/officeDocument/2006/relationships" r:embed="rId7">
-            <a:extLst>
-              <a:ext uri="{28A0092B-C50C-407E-A947-70E740481C1C}">
-                <a14:useLocalDpi xmlns:a14="http://schemas.microsoft.com/office/drawing/2010/main" val="0"/>
-              </a:ext>
-              <a:ext uri="{96DAC541-7B7A-43D3-8B79-37D633B846F1}">
-                <asvg:svgBlip xmlns:asvg="http://schemas.microsoft.com/office/drawing/2016/SVG/main" r:embed="rId8"/>
-              </a:ext>
-            </a:extLst>
-          </a:blip>
-          <a:stretch>
-            <a:fillRect/>
-          </a:stretch>
-        </a:blipFill>
-        <a:ln>
-          <a:noFill/>
-        </a:ln>
-      </dgm:spPr>
-      <dgm:extLst>
-        <a:ext uri="{E40237B7-FDA0-4F09-8148-C483321AD2D9}">
-          <dgm14:cNvPr xmlns:dgm14="http://schemas.microsoft.com/office/drawing/2010/diagram" id="0" name="" descr="Truck"/>
-        </a:ext>
-      </dgm:extLst>
-    </dgm:pt>
-    <dgm:pt modelId="{ED60224A-BD84-4FF9-AA22-57164A7D8E4D}" type="pres">
-      <dgm:prSet presAssocID="{BDDCD636-49D6-446B-B2F1-8F065972553C}" presName="spaceRect" presStyleCnt="0"/>
-      <dgm:spPr/>
-    </dgm:pt>
-    <dgm:pt modelId="{BB2ACA50-68DF-4444-BE19-B8EB3335B515}" type="pres">
-      <dgm:prSet presAssocID="{BDDCD636-49D6-446B-B2F1-8F065972553C}" presName="parTx" presStyleLbl="revTx" presStyleIdx="3" presStyleCnt="4">
+    <dgm:pt modelId="{16BDD990-A326-CF43-9C7E-B7D43A7C94EE}" type="pres">
+      <dgm:prSet presAssocID="{6EC083AD-D722-6947-A2D6-AA21453D4AB6}" presName="node" presStyleLbl="node1" presStyleIdx="3" presStyleCnt="4">
         <dgm:presLayoutVars>
-          <dgm:chMax val="0"/>
-          <dgm:chPref val="0"/>
+          <dgm:bulletEnabled val="1"/>
         </dgm:presLayoutVars>
       </dgm:prSet>
       <dgm:spPr/>
     </dgm:pt>
   </dgm:ptLst>
   <dgm:cxnLst>
-    <dgm:cxn modelId="{9CCE8D56-E926-43A7-A897-CD3BCB82FCFC}" srcId="{2C0ADE8A-F533-48EB-9199-19A2326B2101}" destId="{BDDCD636-49D6-446B-B2F1-8F065972553C}" srcOrd="3" destOrd="0" parTransId="{5F401412-5278-4284-ACE7-C1E381DBE2A7}" sibTransId="{73D166B1-92B9-4634-A458-F9EF42F1A10D}"/>
-    <dgm:cxn modelId="{70FF4A61-9820-8449-8F25-FD81FDD7FB83}" type="presOf" srcId="{10949E15-59E3-45D7-9F64-28AF18EE7D60}" destId="{771A816C-236F-47DA-91A9-4ECB1DB57A28}" srcOrd="0" destOrd="0" presId="urn:microsoft.com/office/officeart/2018/2/layout/IconVerticalSolidList"/>
-    <dgm:cxn modelId="{AD91CC6C-AB65-5546-BCB7-C87D8E6A0F3F}" type="presOf" srcId="{6364A03E-3A09-4ED0-A6BA-BD5D016F3375}" destId="{24EE8E12-9E10-4432-84D4-33424916AD87}" srcOrd="0" destOrd="0" presId="urn:microsoft.com/office/officeart/2018/2/layout/IconVerticalSolidList"/>
-    <dgm:cxn modelId="{55237E8D-D75A-2E45-BD9F-63410220667B}" type="presOf" srcId="{2C0ADE8A-F533-48EB-9199-19A2326B2101}" destId="{D84016E4-58BD-40FA-B7F6-4303347DD98C}" srcOrd="0" destOrd="0" presId="urn:microsoft.com/office/officeart/2018/2/layout/IconVerticalSolidList"/>
-    <dgm:cxn modelId="{41066598-7C53-F249-852F-EC3AA5E58671}" type="presOf" srcId="{28158B83-B023-42A4-885F-722A1E2414C5}" destId="{88F792CC-4D58-4D66-B760-DB2C40964188}" srcOrd="0" destOrd="0" presId="urn:microsoft.com/office/officeart/2018/2/layout/IconVerticalSolidList"/>
-    <dgm:cxn modelId="{27CB00B1-BC85-404B-8DDE-F48ED51319BE}" srcId="{2C0ADE8A-F533-48EB-9199-19A2326B2101}" destId="{28158B83-B023-42A4-885F-722A1E2414C5}" srcOrd="0" destOrd="0" parTransId="{C6A179A9-681D-4E54-BD79-9D001E22D8C3}" sibTransId="{3C00A179-1223-4F2E-A0EF-46C891575E31}"/>
-    <dgm:cxn modelId="{F26B54BB-7BEE-FF41-9B76-B8E3D2B9870E}" type="presOf" srcId="{BDDCD636-49D6-446B-B2F1-8F065972553C}" destId="{BB2ACA50-68DF-4444-BE19-B8EB3335B515}" srcOrd="0" destOrd="0" presId="urn:microsoft.com/office/officeart/2018/2/layout/IconVerticalSolidList"/>
-    <dgm:cxn modelId="{4F0C69ED-A4D4-45A0-817D-8CCB9BD524FE}" srcId="{2C0ADE8A-F533-48EB-9199-19A2326B2101}" destId="{6364A03E-3A09-4ED0-A6BA-BD5D016F3375}" srcOrd="2" destOrd="0" parTransId="{BB465AEF-FE25-47E9-84CB-9FBF0C69C0F9}" sibTransId="{76F1F840-6C6F-48B2-B0D3-2D132203B47D}"/>
-    <dgm:cxn modelId="{070605F5-57EC-41E2-A931-F42B6F26A7FC}" srcId="{2C0ADE8A-F533-48EB-9199-19A2326B2101}" destId="{10949E15-59E3-45D7-9F64-28AF18EE7D60}" srcOrd="1" destOrd="0" parTransId="{559E3AA8-A47C-4531-ABD0-C6125E0EBAD3}" sibTransId="{17C7C794-6885-4E36-8780-C96601821B3C}"/>
-    <dgm:cxn modelId="{FB2C3983-6ABC-3A4A-BEF0-3FE6AD86B8A6}" type="presParOf" srcId="{D84016E4-58BD-40FA-B7F6-4303347DD98C}" destId="{F07A3A64-2517-40A4-BC89-98F65B363D86}" srcOrd="0" destOrd="0" presId="urn:microsoft.com/office/officeart/2018/2/layout/IconVerticalSolidList"/>
-    <dgm:cxn modelId="{4E37063F-8A5F-C74D-AF08-C7BE1925F760}" type="presParOf" srcId="{F07A3A64-2517-40A4-BC89-98F65B363D86}" destId="{F5C48B4C-8060-4E75-8ACF-E747ACF8BC75}" srcOrd="0" destOrd="0" presId="urn:microsoft.com/office/officeart/2018/2/layout/IconVerticalSolidList"/>
-    <dgm:cxn modelId="{5A5BF623-373B-5C48-AFB7-57FC0810A835}" type="presParOf" srcId="{F07A3A64-2517-40A4-BC89-98F65B363D86}" destId="{706D5633-3D99-4AFA-A740-8440EAC7119D}" srcOrd="1" destOrd="0" presId="urn:microsoft.com/office/officeart/2018/2/layout/IconVerticalSolidList"/>
-    <dgm:cxn modelId="{BC49EDB5-E6EC-9A4D-94AB-C1FA1DE8EFC9}" type="presParOf" srcId="{F07A3A64-2517-40A4-BC89-98F65B363D86}" destId="{609C958B-21A3-4014-916F-06BCC9BC6F96}" srcOrd="2" destOrd="0" presId="urn:microsoft.com/office/officeart/2018/2/layout/IconVerticalSolidList"/>
-    <dgm:cxn modelId="{35CEADC5-E6ED-4049-AC99-83ABADC2FC98}" type="presParOf" srcId="{F07A3A64-2517-40A4-BC89-98F65B363D86}" destId="{88F792CC-4D58-4D66-B760-DB2C40964188}" srcOrd="3" destOrd="0" presId="urn:microsoft.com/office/officeart/2018/2/layout/IconVerticalSolidList"/>
-    <dgm:cxn modelId="{1FDB50EA-4427-AA49-93A1-0ACC798EBD2D}" type="presParOf" srcId="{D84016E4-58BD-40FA-B7F6-4303347DD98C}" destId="{07FD1EF6-9556-4748-AC72-684256E84B8E}" srcOrd="1" destOrd="0" presId="urn:microsoft.com/office/officeart/2018/2/layout/IconVerticalSolidList"/>
-    <dgm:cxn modelId="{AD699B39-A023-D947-B590-B571D1376B19}" type="presParOf" srcId="{D84016E4-58BD-40FA-B7F6-4303347DD98C}" destId="{72935E8B-3E0B-4E1F-87A0-9F3715D227B5}" srcOrd="2" destOrd="0" presId="urn:microsoft.com/office/officeart/2018/2/layout/IconVerticalSolidList"/>
-    <dgm:cxn modelId="{0446DCEC-3826-0541-8441-3EEED254E932}" type="presParOf" srcId="{72935E8B-3E0B-4E1F-87A0-9F3715D227B5}" destId="{6F519BB0-4B10-43F4-B427-BD22F8FA1124}" srcOrd="0" destOrd="0" presId="urn:microsoft.com/office/officeart/2018/2/layout/IconVerticalSolidList"/>
-    <dgm:cxn modelId="{0A02AB61-5CC6-8B47-9F8B-C5BEA62F96D9}" type="presParOf" srcId="{72935E8B-3E0B-4E1F-87A0-9F3715D227B5}" destId="{73FAAFF6-FA3B-49EB-B7AC-D6BF3937BE00}" srcOrd="1" destOrd="0" presId="urn:microsoft.com/office/officeart/2018/2/layout/IconVerticalSolidList"/>
-    <dgm:cxn modelId="{48D038B2-6308-1F41-B729-B65B23A3D950}" type="presParOf" srcId="{72935E8B-3E0B-4E1F-87A0-9F3715D227B5}" destId="{122C67C1-797B-410C-BB89-BC1B8577AF81}" srcOrd="2" destOrd="0" presId="urn:microsoft.com/office/officeart/2018/2/layout/IconVerticalSolidList"/>
-    <dgm:cxn modelId="{F59103BB-9E9B-C144-91B4-280E8A80E2A8}" type="presParOf" srcId="{72935E8B-3E0B-4E1F-87A0-9F3715D227B5}" destId="{771A816C-236F-47DA-91A9-4ECB1DB57A28}" srcOrd="3" destOrd="0" presId="urn:microsoft.com/office/officeart/2018/2/layout/IconVerticalSolidList"/>
-    <dgm:cxn modelId="{BE850B38-A237-E849-BD34-BA7F15D98671}" type="presParOf" srcId="{D84016E4-58BD-40FA-B7F6-4303347DD98C}" destId="{C2FD4B2C-D7B8-4A19-8FC9-5F956E9BFEAF}" srcOrd="3" destOrd="0" presId="urn:microsoft.com/office/officeart/2018/2/layout/IconVerticalSolidList"/>
-    <dgm:cxn modelId="{9C759D33-BBD8-8C4A-A9AD-037A4A70EA62}" type="presParOf" srcId="{D84016E4-58BD-40FA-B7F6-4303347DD98C}" destId="{237929FC-1CEC-44C5-BBBC-E5C6D07A0061}" srcOrd="4" destOrd="0" presId="urn:microsoft.com/office/officeart/2018/2/layout/IconVerticalSolidList"/>
-    <dgm:cxn modelId="{22820F8A-31B7-DC42-9EAB-E1B8C43C25BD}" type="presParOf" srcId="{237929FC-1CEC-44C5-BBBC-E5C6D07A0061}" destId="{B0DCE167-3814-4343-A426-B8573228F429}" srcOrd="0" destOrd="0" presId="urn:microsoft.com/office/officeart/2018/2/layout/IconVerticalSolidList"/>
-    <dgm:cxn modelId="{4E4A0E87-2952-B641-8F54-DE2D0C8DF481}" type="presParOf" srcId="{237929FC-1CEC-44C5-BBBC-E5C6D07A0061}" destId="{A6AFA730-E6B4-483A-801C-1E9ED10C7755}" srcOrd="1" destOrd="0" presId="urn:microsoft.com/office/officeart/2018/2/layout/IconVerticalSolidList"/>
-    <dgm:cxn modelId="{8FB48195-9721-6340-B2F5-B11DC6FB1CEF}" type="presParOf" srcId="{237929FC-1CEC-44C5-BBBC-E5C6D07A0061}" destId="{AB42D317-DA61-4F03-ABDD-DA656439A202}" srcOrd="2" destOrd="0" presId="urn:microsoft.com/office/officeart/2018/2/layout/IconVerticalSolidList"/>
-    <dgm:cxn modelId="{51C0B033-C972-CA4D-8F05-3AC40D6644A9}" type="presParOf" srcId="{237929FC-1CEC-44C5-BBBC-E5C6D07A0061}" destId="{24EE8E12-9E10-4432-84D4-33424916AD87}" srcOrd="3" destOrd="0" presId="urn:microsoft.com/office/officeart/2018/2/layout/IconVerticalSolidList"/>
-    <dgm:cxn modelId="{6077DC5B-8064-D148-9B98-90A2F7F81E27}" type="presParOf" srcId="{D84016E4-58BD-40FA-B7F6-4303347DD98C}" destId="{FFBFF1C3-DEFE-4C45-8D46-3D0A4E1C4915}" srcOrd="5" destOrd="0" presId="urn:microsoft.com/office/officeart/2018/2/layout/IconVerticalSolidList"/>
-    <dgm:cxn modelId="{70964726-ADD1-214B-A626-283EDD514501}" type="presParOf" srcId="{D84016E4-58BD-40FA-B7F6-4303347DD98C}" destId="{8C2EF732-08D7-4DFF-8A0E-9A415A5BCB73}" srcOrd="6" destOrd="0" presId="urn:microsoft.com/office/officeart/2018/2/layout/IconVerticalSolidList"/>
-    <dgm:cxn modelId="{178C30E2-2983-9A44-95C0-D05EA4CD5D3E}" type="presParOf" srcId="{8C2EF732-08D7-4DFF-8A0E-9A415A5BCB73}" destId="{BE86A51C-9C1E-4B46-BE97-3004A56E2F81}" srcOrd="0" destOrd="0" presId="urn:microsoft.com/office/officeart/2018/2/layout/IconVerticalSolidList"/>
-    <dgm:cxn modelId="{EDF24991-482D-4646-8736-99B2C80A86DC}" type="presParOf" srcId="{8C2EF732-08D7-4DFF-8A0E-9A415A5BCB73}" destId="{478533BB-60F0-452D-A162-CC7735209C16}" srcOrd="1" destOrd="0" presId="urn:microsoft.com/office/officeart/2018/2/layout/IconVerticalSolidList"/>
-    <dgm:cxn modelId="{B2526748-544F-3641-A178-AAB9387A2AA7}" type="presParOf" srcId="{8C2EF732-08D7-4DFF-8A0E-9A415A5BCB73}" destId="{ED60224A-BD84-4FF9-AA22-57164A7D8E4D}" srcOrd="2" destOrd="0" presId="urn:microsoft.com/office/officeart/2018/2/layout/IconVerticalSolidList"/>
-    <dgm:cxn modelId="{ACA7EB1A-F868-4C4E-9E66-5E37EE5DCB1B}" type="presParOf" srcId="{8C2EF732-08D7-4DFF-8A0E-9A415A5BCB73}" destId="{BB2ACA50-68DF-4444-BE19-B8EB3335B515}" srcOrd="3" destOrd="0" presId="urn:microsoft.com/office/officeart/2018/2/layout/IconVerticalSolidList"/>
+    <dgm:cxn modelId="{7F84BD0F-99A9-5141-B27A-A44F00F46E67}" srcId="{A2CCFE78-886C-0446-8FE1-087898354516}" destId="{6EC083AD-D722-6947-A2D6-AA21453D4AB6}" srcOrd="3" destOrd="0" parTransId="{EC9974D7-E4A0-014A-9BDC-AB050D20309D}" sibTransId="{80BCDC1C-2D2D-7B45-8B60-38BBEA39A6D5}"/>
+    <dgm:cxn modelId="{84EBAE2B-CBDB-8B44-AD46-5E3C589F1595}" type="presOf" srcId="{6EC083AD-D722-6947-A2D6-AA21453D4AB6}" destId="{16BDD990-A326-CF43-9C7E-B7D43A7C94EE}" srcOrd="0" destOrd="0" presId="urn:microsoft.com/office/officeart/2005/8/layout/equation1"/>
+    <dgm:cxn modelId="{ACD0E448-EAD0-6E4B-8C65-69CBF335A71E}" type="presOf" srcId="{55722BA0-F9C5-5142-AF66-77462A6D4BAE}" destId="{1AF11B00-4E0F-B14E-B11E-44BAD50E0E26}" srcOrd="0" destOrd="0" presId="urn:microsoft.com/office/officeart/2005/8/layout/equation1"/>
+    <dgm:cxn modelId="{7BF68079-7D5C-1247-BC44-1640D863C95F}" srcId="{A2CCFE78-886C-0446-8FE1-087898354516}" destId="{5ABD9C09-F51D-1641-B1BB-D4FCFB2CF66E}" srcOrd="0" destOrd="0" parTransId="{60E537C2-16C2-0E41-98FA-DC97CC88E62A}" sibTransId="{126D52CC-ECC5-AB4A-8345-E67E0DCFD260}"/>
+    <dgm:cxn modelId="{62088D7C-643F-EC4B-891D-0BCE3046A8E6}" type="presOf" srcId="{126D52CC-ECC5-AB4A-8345-E67E0DCFD260}" destId="{C8282FF6-C590-A740-BE61-74E23FAE2C81}" srcOrd="0" destOrd="0" presId="urn:microsoft.com/office/officeart/2005/8/layout/equation1"/>
+    <dgm:cxn modelId="{C12F2A81-D72D-AF46-AA6E-CB10A5D1476E}" type="presOf" srcId="{726C64F8-68B5-CA48-9793-FAE9D89A436E}" destId="{BBCD109D-044D-6545-880A-7B29B9E7B435}" srcOrd="0" destOrd="0" presId="urn:microsoft.com/office/officeart/2005/8/layout/equation1"/>
+    <dgm:cxn modelId="{8EBEB498-8FE4-3D48-B075-5021C01E617A}" type="presOf" srcId="{E65C2CB9-845E-8542-BD23-302D94D8D021}" destId="{DFED9F97-E167-FE4F-AB48-78293AF3CB5E}" srcOrd="0" destOrd="0" presId="urn:microsoft.com/office/officeart/2005/8/layout/equation1"/>
+    <dgm:cxn modelId="{6090AB9C-8F08-1B44-85C8-D0B64C6D87AA}" srcId="{A2CCFE78-886C-0446-8FE1-087898354516}" destId="{4BEDC3AE-2FCE-9F4D-A6F2-7C4DCE47DC51}" srcOrd="1" destOrd="0" parTransId="{F21B6636-6732-FE47-B574-74F88ACF1589}" sibTransId="{726C64F8-68B5-CA48-9793-FAE9D89A436E}"/>
+    <dgm:cxn modelId="{2052E7B5-03DE-034F-AA13-33099C76418F}" srcId="{A2CCFE78-886C-0446-8FE1-087898354516}" destId="{E65C2CB9-845E-8542-BD23-302D94D8D021}" srcOrd="2" destOrd="0" parTransId="{4C0CE4A9-B6FE-0F4E-907E-858EDE865E8D}" sibTransId="{55722BA0-F9C5-5142-AF66-77462A6D4BAE}"/>
+    <dgm:cxn modelId="{7F32B7C1-77F8-ED4C-8FFF-CDB48815DDE1}" type="presOf" srcId="{4BEDC3AE-2FCE-9F4D-A6F2-7C4DCE47DC51}" destId="{4E44B0E1-C290-4641-B932-45A005B09B69}" srcOrd="0" destOrd="0" presId="urn:microsoft.com/office/officeart/2005/8/layout/equation1"/>
+    <dgm:cxn modelId="{3F80B7C5-FC82-B045-9F45-74816EE9E705}" type="presOf" srcId="{5ABD9C09-F51D-1641-B1BB-D4FCFB2CF66E}" destId="{0D4C08CF-C792-204F-81AC-59F8EE3F8CE0}" srcOrd="0" destOrd="0" presId="urn:microsoft.com/office/officeart/2005/8/layout/equation1"/>
+    <dgm:cxn modelId="{DDBCB1EF-BC4A-FE40-99B9-11EFFF28B531}" type="presOf" srcId="{A2CCFE78-886C-0446-8FE1-087898354516}" destId="{4081E5CA-F8EB-AF46-91ED-98EB12932AE2}" srcOrd="0" destOrd="0" presId="urn:microsoft.com/office/officeart/2005/8/layout/equation1"/>
+    <dgm:cxn modelId="{B952F794-6A62-2746-97AF-2A49EAA2F4A6}" type="presParOf" srcId="{4081E5CA-F8EB-AF46-91ED-98EB12932AE2}" destId="{0D4C08CF-C792-204F-81AC-59F8EE3F8CE0}" srcOrd="0" destOrd="0" presId="urn:microsoft.com/office/officeart/2005/8/layout/equation1"/>
+    <dgm:cxn modelId="{24B296F2-FEC6-9241-80AA-A29ACB964711}" type="presParOf" srcId="{4081E5CA-F8EB-AF46-91ED-98EB12932AE2}" destId="{FF008AE0-9DF7-864A-B1F5-42FA21B3FD40}" srcOrd="1" destOrd="0" presId="urn:microsoft.com/office/officeart/2005/8/layout/equation1"/>
+    <dgm:cxn modelId="{D126870D-DAEA-C143-AD1C-4038D45668BA}" type="presParOf" srcId="{4081E5CA-F8EB-AF46-91ED-98EB12932AE2}" destId="{C8282FF6-C590-A740-BE61-74E23FAE2C81}" srcOrd="2" destOrd="0" presId="urn:microsoft.com/office/officeart/2005/8/layout/equation1"/>
+    <dgm:cxn modelId="{082097A4-3CD0-5D49-B8C6-B6681A2317E2}" type="presParOf" srcId="{4081E5CA-F8EB-AF46-91ED-98EB12932AE2}" destId="{D708FF5B-DCC5-4146-ADFC-BC070404DDBE}" srcOrd="3" destOrd="0" presId="urn:microsoft.com/office/officeart/2005/8/layout/equation1"/>
+    <dgm:cxn modelId="{0E0B0CB8-6991-4D49-9C54-6F194675897D}" type="presParOf" srcId="{4081E5CA-F8EB-AF46-91ED-98EB12932AE2}" destId="{4E44B0E1-C290-4641-B932-45A005B09B69}" srcOrd="4" destOrd="0" presId="urn:microsoft.com/office/officeart/2005/8/layout/equation1"/>
+    <dgm:cxn modelId="{5222775D-D4D6-7F43-B93C-E2A1241F6917}" type="presParOf" srcId="{4081E5CA-F8EB-AF46-91ED-98EB12932AE2}" destId="{52B82FC8-0DC2-4C43-ADA5-B62F0BAD6434}" srcOrd="5" destOrd="0" presId="urn:microsoft.com/office/officeart/2005/8/layout/equation1"/>
+    <dgm:cxn modelId="{A0F729B5-0452-3343-8B28-E4D4135FB420}" type="presParOf" srcId="{4081E5CA-F8EB-AF46-91ED-98EB12932AE2}" destId="{BBCD109D-044D-6545-880A-7B29B9E7B435}" srcOrd="6" destOrd="0" presId="urn:microsoft.com/office/officeart/2005/8/layout/equation1"/>
+    <dgm:cxn modelId="{98342C6A-B134-AF47-9992-0585CB9CD663}" type="presParOf" srcId="{4081E5CA-F8EB-AF46-91ED-98EB12932AE2}" destId="{C9A40E93-52A8-0C44-A829-F555B4E6E0D2}" srcOrd="7" destOrd="0" presId="urn:microsoft.com/office/officeart/2005/8/layout/equation1"/>
+    <dgm:cxn modelId="{25C34292-7A48-0E4A-AF22-8F7A2109DB1D}" type="presParOf" srcId="{4081E5CA-F8EB-AF46-91ED-98EB12932AE2}" destId="{DFED9F97-E167-FE4F-AB48-78293AF3CB5E}" srcOrd="8" destOrd="0" presId="urn:microsoft.com/office/officeart/2005/8/layout/equation1"/>
+    <dgm:cxn modelId="{C27A0641-0D84-9E40-844F-EB76019F68CB}" type="presParOf" srcId="{4081E5CA-F8EB-AF46-91ED-98EB12932AE2}" destId="{7D5266C4-409B-BE45-B82A-9174F906612C}" srcOrd="9" destOrd="0" presId="urn:microsoft.com/office/officeart/2005/8/layout/equation1"/>
+    <dgm:cxn modelId="{72281ECC-69ED-934D-8BD7-BE457146421A}" type="presParOf" srcId="{4081E5CA-F8EB-AF46-91ED-98EB12932AE2}" destId="{1AF11B00-4E0F-B14E-B11E-44BAD50E0E26}" srcOrd="10" destOrd="0" presId="urn:microsoft.com/office/officeart/2005/8/layout/equation1"/>
+    <dgm:cxn modelId="{AB798345-A9B7-8346-8034-6DB8747C2690}" type="presParOf" srcId="{4081E5CA-F8EB-AF46-91ED-98EB12932AE2}" destId="{5798E50E-2103-DA46-9D8F-7C15D8D01DB1}" srcOrd="11" destOrd="0" presId="urn:microsoft.com/office/officeart/2005/8/layout/equation1"/>
+    <dgm:cxn modelId="{5E0F5EFC-D0A5-C646-8838-797BDDD0DF68}" type="presParOf" srcId="{4081E5CA-F8EB-AF46-91ED-98EB12932AE2}" destId="{16BDD990-A326-CF43-9C7E-B7D43A7C94EE}" srcOrd="12" destOrd="0" presId="urn:microsoft.com/office/officeart/2005/8/layout/equation1"/>
   </dgm:cxnLst>
   <dgm:bg/>
   <dgm:whole/>
@@ -4031,7 +3676,7 @@
       <dsp:cNvGrpSpPr/>
     </dsp:nvGrpSpPr>
     <dsp:grpSpPr/>
-    <dsp:sp modelId="{789B7193-0E59-3B47-86C6-E46AE56ADB7D}">
+    <dsp:sp modelId="{C9267905-6F54-F04E-AF2E-CB2975AB340E}">
       <dsp:nvSpPr>
         <dsp:cNvPr id="0" name=""/>
         <dsp:cNvSpPr/>
@@ -4112,7 +3757,7 @@
         <a:ext cx="27996" cy="5599"/>
       </dsp:txXfrm>
     </dsp:sp>
-    <dsp:sp modelId="{F2BA00D6-6FEF-7B4D-8726-4914B8C25F8C}">
+    <dsp:sp modelId="{108596E6-F710-7B4B-85F0-CA30429E116E}">
       <dsp:nvSpPr>
         <dsp:cNvPr id="0" name=""/>
         <dsp:cNvSpPr/>
@@ -4167,7 +3812,7 @@
         </a:bodyPr>
         <a:lstStyle/>
         <a:p>
-          <a:pPr marL="0" lvl="0" indent="0" algn="ctr" defTabSz="1644650">
+          <a:pPr marL="0" lvl="0" indent="0" algn="ctr" defTabSz="1822450">
             <a:lnSpc>
               <a:spcPct val="90000"/>
             </a:lnSpc>
@@ -4180,7 +3825,7 @@
             <a:buNone/>
           </a:pPr>
           <a:r>
-            <a:rPr lang="en-US" sz="3700" kern="1200"/>
+            <a:rPr lang="en-US" sz="4100" kern="1200"/>
             <a:t>Source Code </a:t>
           </a:r>
         </a:p>
@@ -4190,7 +3835,7 @@
         <a:ext cx="2434500" cy="1460700"/>
       </dsp:txXfrm>
     </dsp:sp>
-    <dsp:sp modelId="{91928AE0-5695-A645-B797-1F99B5BCB375}">
+    <dsp:sp modelId="{BE2EDDB4-F6EC-9546-A6CC-CFA9F05B7981}">
       <dsp:nvSpPr>
         <dsp:cNvPr id="0" name=""/>
         <dsp:cNvSpPr/>
@@ -4277,7 +3922,7 @@
         <a:ext cx="152316" cy="5599"/>
       </dsp:txXfrm>
     </dsp:sp>
-    <dsp:sp modelId="{731C0595-CC30-5E40-9ED6-2C24E200E2A9}">
+    <dsp:sp modelId="{1F7BF467-CAA5-E244-A8B0-AE82EC8829C4}">
       <dsp:nvSpPr>
         <dsp:cNvPr id="0" name=""/>
         <dsp:cNvSpPr/>
@@ -4332,7 +3977,7 @@
         </a:bodyPr>
         <a:lstStyle/>
         <a:p>
-          <a:pPr marL="0" lvl="0" indent="0" algn="ctr" defTabSz="1644650">
+          <a:pPr marL="0" lvl="0" indent="0" algn="ctr" defTabSz="1822450">
             <a:lnSpc>
               <a:spcPct val="90000"/>
             </a:lnSpc>
@@ -4345,8 +3990,8 @@
             <a:buNone/>
           </a:pPr>
           <a:r>
-            <a:rPr lang="en-US" sz="3700" kern="1200"/>
-            <a:t>AST (Macro Expansion) </a:t>
+            <a:rPr lang="en-US" sz="4100" kern="1200"/>
+            <a:t>Macro Expansion</a:t>
           </a:r>
         </a:p>
       </dsp:txBody>
@@ -4355,7 +4000,7 @@
         <a:ext cx="2434500" cy="1460700"/>
       </dsp:txXfrm>
     </dsp:sp>
-    <dsp:sp modelId="{81A64EFC-3CBE-C844-BF59-98CF511806C6}">
+    <dsp:sp modelId="{02689391-208A-474B-AD01-1382708DE939}">
       <dsp:nvSpPr>
         <dsp:cNvPr id="0" name=""/>
         <dsp:cNvSpPr/>
@@ -4436,7 +4081,7 @@
         <a:ext cx="27996" cy="5599"/>
       </dsp:txXfrm>
     </dsp:sp>
-    <dsp:sp modelId="{3C001CB2-ED33-074F-BBB6-915B5FCB69A0}">
+    <dsp:sp modelId="{6C013801-D3F7-0749-9984-226755DCA8DD}">
       <dsp:nvSpPr>
         <dsp:cNvPr id="0" name=""/>
         <dsp:cNvSpPr/>
@@ -4491,7 +4136,7 @@
         </a:bodyPr>
         <a:lstStyle/>
         <a:p>
-          <a:pPr marL="0" lvl="0" indent="0" algn="ctr" defTabSz="1644650">
+          <a:pPr marL="0" lvl="0" indent="0" algn="ctr" defTabSz="1822450">
             <a:lnSpc>
               <a:spcPct val="90000"/>
             </a:lnSpc>
@@ -4504,8 +4149,8 @@
             <a:buNone/>
           </a:pPr>
           <a:r>
-            <a:rPr lang="en-US" sz="3700" kern="1200"/>
-            <a:t>IR </a:t>
+            <a:rPr lang="en-US" sz="4100" kern="1200"/>
+            <a:t>AST </a:t>
           </a:r>
         </a:p>
       </dsp:txBody>
@@ -4514,7 +4159,7 @@
         <a:ext cx="2434500" cy="1460700"/>
       </dsp:txXfrm>
     </dsp:sp>
-    <dsp:sp modelId="{63152D2C-8FF2-0D42-B4D7-185E3E7F0AC2}">
+    <dsp:sp modelId="{07224510-582E-F943-AB43-BDABA27328DD}">
       <dsp:nvSpPr>
         <dsp:cNvPr id="0" name=""/>
         <dsp:cNvSpPr/>
@@ -4601,7 +4246,7 @@
         <a:ext cx="152316" cy="5599"/>
       </dsp:txXfrm>
     </dsp:sp>
-    <dsp:sp modelId="{396D08B0-2B1B-DA4D-8422-2BC14DAF0B6C}">
+    <dsp:sp modelId="{539A949E-A62A-CF43-B4A0-934E250B590B}">
       <dsp:nvSpPr>
         <dsp:cNvPr id="0" name=""/>
         <dsp:cNvSpPr/>
@@ -4656,7 +4301,7 @@
         </a:bodyPr>
         <a:lstStyle/>
         <a:p>
-          <a:pPr marL="0" lvl="0" indent="0" algn="ctr" defTabSz="1644650">
+          <a:pPr marL="0" lvl="0" indent="0" algn="ctr" defTabSz="1822450">
             <a:lnSpc>
               <a:spcPct val="90000"/>
             </a:lnSpc>
@@ -4669,8 +4314,8 @@
             <a:buNone/>
           </a:pPr>
           <a:r>
-            <a:rPr lang="en-US" sz="3700" kern="1200"/>
-            <a:t>(SSA) IR </a:t>
+            <a:rPr lang="en-US" sz="4100" kern="1200"/>
+            <a:t>Julia IR</a:t>
           </a:r>
         </a:p>
       </dsp:txBody>
@@ -4679,7 +4324,7 @@
         <a:ext cx="2434500" cy="1460700"/>
       </dsp:txXfrm>
     </dsp:sp>
-    <dsp:sp modelId="{68E63C77-68DE-254F-B45A-682CA93DA124}">
+    <dsp:sp modelId="{99E8F455-F226-D648-86B4-8E481BAEDE50}">
       <dsp:nvSpPr>
         <dsp:cNvPr id="0" name=""/>
         <dsp:cNvSpPr/>
@@ -4760,7 +4405,7 @@
         <a:ext cx="27996" cy="5599"/>
       </dsp:txXfrm>
     </dsp:sp>
-    <dsp:sp modelId="{5EEE3EE2-B98E-7E45-99C2-732E9361EDDE}">
+    <dsp:sp modelId="{B4EEB252-A842-1C47-9152-D1F1DFEB181A}">
       <dsp:nvSpPr>
         <dsp:cNvPr id="0" name=""/>
         <dsp:cNvSpPr/>
@@ -4815,7 +4460,7 @@
         </a:bodyPr>
         <a:lstStyle/>
         <a:p>
-          <a:pPr marL="0" lvl="0" indent="0" algn="ctr" defTabSz="1644650">
+          <a:pPr marL="0" lvl="0" indent="0" algn="ctr" defTabSz="1822450">
             <a:lnSpc>
               <a:spcPct val="90000"/>
             </a:lnSpc>
@@ -4828,7 +4473,7 @@
             <a:buNone/>
           </a:pPr>
           <a:r>
-            <a:rPr lang="en-US" sz="3700" kern="1200"/>
+            <a:rPr lang="en-US" sz="4100" kern="1200"/>
             <a:t>LLVM IR </a:t>
           </a:r>
         </a:p>
@@ -4838,7 +4483,7 @@
         <a:ext cx="2434500" cy="1460700"/>
       </dsp:txXfrm>
     </dsp:sp>
-    <dsp:sp modelId="{7D06A5B2-6EF9-4947-A9A1-FB1630F94575}">
+    <dsp:sp modelId="{8680362E-92B7-7F4B-B1FA-34C7F423AAF0}">
       <dsp:nvSpPr>
         <dsp:cNvPr id="0" name=""/>
         <dsp:cNvSpPr/>
@@ -4893,7 +4538,7 @@
         </a:bodyPr>
         <a:lstStyle/>
         <a:p>
-          <a:pPr marL="0" lvl="0" indent="0" algn="ctr" defTabSz="1644650">
+          <a:pPr marL="0" lvl="0" indent="0" algn="ctr" defTabSz="1822450">
             <a:lnSpc>
               <a:spcPct val="90000"/>
             </a:lnSpc>
@@ -4906,7 +4551,7 @@
             <a:buNone/>
           </a:pPr>
           <a:r>
-            <a:rPr lang="en-US" sz="3700" kern="1200"/>
+            <a:rPr lang="en-US" sz="4100" kern="1200"/>
             <a:t>Native code </a:t>
           </a:r>
         </a:p>
@@ -4928,24 +4573,100 @@
       <dsp:cNvGrpSpPr/>
     </dsp:nvGrpSpPr>
     <dsp:grpSpPr/>
-    <dsp:sp modelId="{F5C48B4C-8060-4E75-8ACF-E747ACF8BC75}">
+    <dsp:sp modelId="{0D4C08CF-C792-204F-81AC-59F8EE3F8CE0}">
       <dsp:nvSpPr>
         <dsp:cNvPr id="0" name=""/>
         <dsp:cNvSpPr/>
       </dsp:nvSpPr>
       <dsp:spPr>
         <a:xfrm>
-          <a:off x="0" y="2312"/>
-          <a:ext cx="6269038" cy="1172105"/>
+          <a:off x="6071" y="1332315"/>
+          <a:ext cx="1686706" cy="1686706"/>
         </a:xfrm>
-        <a:prstGeom prst="roundRect">
-          <a:avLst>
-            <a:gd name="adj" fmla="val 10000"/>
-          </a:avLst>
+        <a:prstGeom prst="ellipse">
+          <a:avLst/>
         </a:prstGeom>
         <a:solidFill>
-          <a:schemeClr val="bg1">
-            <a:lumMod val="95000"/>
+          <a:schemeClr val="accent5">
+            <a:hueOff val="0"/>
+            <a:satOff val="0"/>
+            <a:lumOff val="0"/>
+            <a:alphaOff val="0"/>
+          </a:schemeClr>
+        </a:solidFill>
+        <a:ln w="12700" cap="flat" cmpd="sng" algn="ctr">
+          <a:solidFill>
+            <a:schemeClr val="lt1">
+              <a:hueOff val="0"/>
+              <a:satOff val="0"/>
+              <a:lumOff val="0"/>
+              <a:alphaOff val="0"/>
+            </a:schemeClr>
+          </a:solidFill>
+          <a:prstDash val="solid"/>
+          <a:miter lim="800000"/>
+        </a:ln>
+        <a:effectLst/>
+      </dsp:spPr>
+      <dsp:style>
+        <a:lnRef idx="2">
+          <a:scrgbClr r="0" g="0" b="0"/>
+        </a:lnRef>
+        <a:fillRef idx="1">
+          <a:scrgbClr r="0" g="0" b="0"/>
+        </a:fillRef>
+        <a:effectRef idx="0">
+          <a:scrgbClr r="0" g="0" b="0"/>
+        </a:effectRef>
+        <a:fontRef idx="minor">
+          <a:schemeClr val="lt1"/>
+        </a:fontRef>
+      </dsp:style>
+      <dsp:txBody>
+        <a:bodyPr spcFirstLastPara="0" vert="horz" wrap="square" lIns="22860" tIns="22860" rIns="22860" bIns="22860" numCol="1" spcCol="1270" anchor="ctr" anchorCtr="0">
+          <a:noAutofit/>
+        </a:bodyPr>
+        <a:lstStyle/>
+        <a:p>
+          <a:pPr marL="0" lvl="0" indent="0" algn="ctr" defTabSz="800100">
+            <a:lnSpc>
+              <a:spcPct val="90000"/>
+            </a:lnSpc>
+            <a:spcBef>
+              <a:spcPct val="0"/>
+            </a:spcBef>
+            <a:spcAft>
+              <a:spcPct val="35000"/>
+            </a:spcAft>
+            <a:buNone/>
+          </a:pPr>
+          <a:r>
+            <a:rPr lang="en-US" sz="1800" kern="1200" dirty="0"/>
+            <a:t>Multiple Dispatch</a:t>
+          </a:r>
+        </a:p>
+      </dsp:txBody>
+      <dsp:txXfrm>
+        <a:off x="253083" y="1579327"/>
+        <a:ext cx="1192682" cy="1192682"/>
+      </dsp:txXfrm>
+    </dsp:sp>
+    <dsp:sp modelId="{C8282FF6-C590-A740-BE61-74E23FAE2C81}">
+      <dsp:nvSpPr>
+        <dsp:cNvPr id="0" name=""/>
+        <dsp:cNvSpPr/>
+      </dsp:nvSpPr>
+      <dsp:spPr>
+        <a:xfrm>
+          <a:off x="1829738" y="1686524"/>
+          <a:ext cx="978289" cy="978289"/>
+        </a:xfrm>
+        <a:prstGeom prst="mathPlus">
+          <a:avLst/>
+        </a:prstGeom>
+        <a:solidFill>
+          <a:schemeClr val="accent5">
+            <a:tint val="60000"/>
             <a:hueOff val="0"/>
             <a:satOff val="0"/>
             <a:lumOff val="0"/>
@@ -4967,39 +4688,66 @@
         <a:effectRef idx="0">
           <a:scrgbClr r="0" g="0" b="0"/>
         </a:effectRef>
-        <a:fontRef idx="minor"/>
+        <a:fontRef idx="minor">
+          <a:schemeClr val="lt1"/>
+        </a:fontRef>
       </dsp:style>
+      <dsp:txBody>
+        <a:bodyPr spcFirstLastPara="0" vert="horz" wrap="square" lIns="0" tIns="0" rIns="0" bIns="0" numCol="1" spcCol="1270" anchor="ctr" anchorCtr="0">
+          <a:noAutofit/>
+        </a:bodyPr>
+        <a:lstStyle/>
+        <a:p>
+          <a:pPr marL="0" lvl="0" indent="0" algn="ctr" defTabSz="666750">
+            <a:lnSpc>
+              <a:spcPct val="90000"/>
+            </a:lnSpc>
+            <a:spcBef>
+              <a:spcPct val="0"/>
+            </a:spcBef>
+            <a:spcAft>
+              <a:spcPct val="35000"/>
+            </a:spcAft>
+            <a:buNone/>
+          </a:pPr>
+          <a:endParaRPr lang="en-US" sz="1500" kern="1200"/>
+        </a:p>
+      </dsp:txBody>
+      <dsp:txXfrm>
+        <a:off x="1959410" y="2060622"/>
+        <a:ext cx="718945" cy="230093"/>
+      </dsp:txXfrm>
     </dsp:sp>
-    <dsp:sp modelId="{706D5633-3D99-4AFA-A740-8440EAC7119D}">
+    <dsp:sp modelId="{4E44B0E1-C290-4641-B932-45A005B09B69}">
       <dsp:nvSpPr>
         <dsp:cNvPr id="0" name=""/>
         <dsp:cNvSpPr/>
       </dsp:nvSpPr>
       <dsp:spPr>
         <a:xfrm>
-          <a:off x="354561" y="266036"/>
-          <a:ext cx="644657" cy="644657"/>
+          <a:off x="2944988" y="1332315"/>
+          <a:ext cx="1686706" cy="1686706"/>
         </a:xfrm>
-        <a:prstGeom prst="rect">
+        <a:prstGeom prst="ellipse">
           <a:avLst/>
         </a:prstGeom>
-        <a:blipFill>
-          <a:blip xmlns:r="http://schemas.openxmlformats.org/officeDocument/2006/relationships" r:embed="rId1">
-            <a:extLst>
-              <a:ext uri="{28A0092B-C50C-407E-A947-70E740481C1C}">
-                <a14:useLocalDpi xmlns:a14="http://schemas.microsoft.com/office/drawing/2010/main" val="0"/>
-              </a:ext>
-              <a:ext uri="{96DAC541-7B7A-43D3-8B79-37D633B846F1}">
-                <asvg:svgBlip xmlns:asvg="http://schemas.microsoft.com/office/drawing/2016/SVG/main" r:embed="rId2"/>
-              </a:ext>
-            </a:extLst>
-          </a:blip>
-          <a:stretch>
-            <a:fillRect/>
-          </a:stretch>
-        </a:blipFill>
+        <a:solidFill>
+          <a:schemeClr val="accent5">
+            <a:hueOff val="0"/>
+            <a:satOff val="0"/>
+            <a:lumOff val="0"/>
+            <a:alphaOff val="0"/>
+          </a:schemeClr>
+        </a:solidFill>
         <a:ln w="12700" cap="flat" cmpd="sng" algn="ctr">
-          <a:noFill/>
+          <a:solidFill>
+            <a:schemeClr val="lt1">
+              <a:hueOff val="0"/>
+              <a:satOff val="0"/>
+              <a:lumOff val="0"/>
+              <a:alphaOff val="0"/>
+            </a:schemeClr>
+          </a:solidFill>
           <a:prstDash val="solid"/>
           <a:miter lim="800000"/>
         </a:ln>
@@ -5019,47 +4767,15 @@
           <a:schemeClr val="lt1"/>
         </a:fontRef>
       </dsp:style>
-    </dsp:sp>
-    <dsp:sp modelId="{88F792CC-4D58-4D66-B760-DB2C40964188}">
-      <dsp:nvSpPr>
-        <dsp:cNvPr id="0" name=""/>
-        <dsp:cNvSpPr/>
-      </dsp:nvSpPr>
-      <dsp:spPr>
-        <a:xfrm>
-          <a:off x="1353781" y="2312"/>
-          <a:ext cx="4915256" cy="1172105"/>
-        </a:xfrm>
-        <a:prstGeom prst="rect">
-          <a:avLst/>
-        </a:prstGeom>
-        <a:noFill/>
-        <a:ln>
-          <a:noFill/>
-        </a:ln>
-        <a:effectLst/>
-      </dsp:spPr>
-      <dsp:style>
-        <a:lnRef idx="0">
-          <a:scrgbClr r="0" g="0" b="0"/>
-        </a:lnRef>
-        <a:fillRef idx="0">
-          <a:scrgbClr r="0" g="0" b="0"/>
-        </a:fillRef>
-        <a:effectRef idx="0">
-          <a:scrgbClr r="0" g="0" b="0"/>
-        </a:effectRef>
-        <a:fontRef idx="minor"/>
-      </dsp:style>
       <dsp:txBody>
-        <a:bodyPr spcFirstLastPara="0" vert="horz" wrap="square" lIns="124048" tIns="124048" rIns="124048" bIns="124048" numCol="1" spcCol="1270" anchor="ctr" anchorCtr="0">
+        <a:bodyPr spcFirstLastPara="0" vert="horz" wrap="square" lIns="22860" tIns="22860" rIns="22860" bIns="22860" numCol="1" spcCol="1270" anchor="ctr" anchorCtr="0">
           <a:noAutofit/>
         </a:bodyPr>
         <a:lstStyle/>
         <a:p>
-          <a:pPr marL="0" lvl="0" indent="0" algn="l" defTabSz="977900">
+          <a:pPr marL="0" lvl="0" indent="0" algn="ctr" defTabSz="800100">
             <a:lnSpc>
-              <a:spcPct val="100000"/>
+              <a:spcPct val="90000"/>
             </a:lnSpc>
             <a:spcBef>
               <a:spcPct val="0"/>
@@ -5070,34 +4786,32 @@
             <a:buNone/>
           </a:pPr>
           <a:r>
-            <a:rPr lang="en-US" sz="2200" kern="1200"/>
-            <a:t>JIT compiled</a:t>
+            <a:rPr lang="en-US" sz="1800" kern="1200" dirty="0"/>
+            <a:t>Type Inference</a:t>
           </a:r>
         </a:p>
       </dsp:txBody>
       <dsp:txXfrm>
-        <a:off x="1353781" y="2312"/>
-        <a:ext cx="4915256" cy="1172105"/>
+        <a:off x="3192000" y="1579327"/>
+        <a:ext cx="1192682" cy="1192682"/>
       </dsp:txXfrm>
     </dsp:sp>
-    <dsp:sp modelId="{6F519BB0-4B10-43F4-B427-BD22F8FA1124}">
+    <dsp:sp modelId="{BBCD109D-044D-6545-880A-7B29B9E7B435}">
       <dsp:nvSpPr>
         <dsp:cNvPr id="0" name=""/>
         <dsp:cNvSpPr/>
       </dsp:nvSpPr>
       <dsp:spPr>
         <a:xfrm>
-          <a:off x="0" y="1467444"/>
-          <a:ext cx="6269038" cy="1172105"/>
+          <a:off x="4768655" y="1686524"/>
+          <a:ext cx="978289" cy="978289"/>
         </a:xfrm>
-        <a:prstGeom prst="roundRect">
-          <a:avLst>
-            <a:gd name="adj" fmla="val 10000"/>
-          </a:avLst>
+        <a:prstGeom prst="mathPlus">
+          <a:avLst/>
         </a:prstGeom>
         <a:solidFill>
-          <a:schemeClr val="bg1">
-            <a:lumMod val="95000"/>
+          <a:schemeClr val="accent5">
+            <a:tint val="60000"/>
             <a:hueOff val="0"/>
             <a:satOff val="0"/>
             <a:lumOff val="0"/>
@@ -5119,39 +4833,66 @@
         <a:effectRef idx="0">
           <a:scrgbClr r="0" g="0" b="0"/>
         </a:effectRef>
-        <a:fontRef idx="minor"/>
+        <a:fontRef idx="minor">
+          <a:schemeClr val="lt1"/>
+        </a:fontRef>
       </dsp:style>
+      <dsp:txBody>
+        <a:bodyPr spcFirstLastPara="0" vert="horz" wrap="square" lIns="0" tIns="0" rIns="0" bIns="0" numCol="1" spcCol="1270" anchor="ctr" anchorCtr="0">
+          <a:noAutofit/>
+        </a:bodyPr>
+        <a:lstStyle/>
+        <a:p>
+          <a:pPr marL="0" lvl="0" indent="0" algn="ctr" defTabSz="666750">
+            <a:lnSpc>
+              <a:spcPct val="90000"/>
+            </a:lnSpc>
+            <a:spcBef>
+              <a:spcPct val="0"/>
+            </a:spcBef>
+            <a:spcAft>
+              <a:spcPct val="35000"/>
+            </a:spcAft>
+            <a:buNone/>
+          </a:pPr>
+          <a:endParaRPr lang="en-US" sz="1500" kern="1200"/>
+        </a:p>
+      </dsp:txBody>
+      <dsp:txXfrm>
+        <a:off x="4898327" y="2060622"/>
+        <a:ext cx="718945" cy="230093"/>
+      </dsp:txXfrm>
     </dsp:sp>
-    <dsp:sp modelId="{73FAAFF6-FA3B-49EB-B7AC-D6BF3937BE00}">
+    <dsp:sp modelId="{DFED9F97-E167-FE4F-AB48-78293AF3CB5E}">
       <dsp:nvSpPr>
         <dsp:cNvPr id="0" name=""/>
         <dsp:cNvSpPr/>
       </dsp:nvSpPr>
       <dsp:spPr>
         <a:xfrm>
-          <a:off x="354561" y="1731167"/>
-          <a:ext cx="644657" cy="644657"/>
+          <a:off x="5883905" y="1332315"/>
+          <a:ext cx="1686706" cy="1686706"/>
         </a:xfrm>
-        <a:prstGeom prst="rect">
+        <a:prstGeom prst="ellipse">
           <a:avLst/>
         </a:prstGeom>
-        <a:blipFill>
-          <a:blip xmlns:r="http://schemas.openxmlformats.org/officeDocument/2006/relationships" r:embed="rId3">
-            <a:extLst>
-              <a:ext uri="{28A0092B-C50C-407E-A947-70E740481C1C}">
-                <a14:useLocalDpi xmlns:a14="http://schemas.microsoft.com/office/drawing/2010/main" val="0"/>
-              </a:ext>
-              <a:ext uri="{96DAC541-7B7A-43D3-8B79-37D633B846F1}">
-                <asvg:svgBlip xmlns:asvg="http://schemas.microsoft.com/office/drawing/2016/SVG/main" r:embed="rId4"/>
-              </a:ext>
-            </a:extLst>
-          </a:blip>
-          <a:stretch>
-            <a:fillRect/>
-          </a:stretch>
-        </a:blipFill>
+        <a:solidFill>
+          <a:schemeClr val="accent5">
+            <a:hueOff val="0"/>
+            <a:satOff val="0"/>
+            <a:lumOff val="0"/>
+            <a:alphaOff val="0"/>
+          </a:schemeClr>
+        </a:solidFill>
         <a:ln w="12700" cap="flat" cmpd="sng" algn="ctr">
-          <a:noFill/>
+          <a:solidFill>
+            <a:schemeClr val="lt1">
+              <a:hueOff val="0"/>
+              <a:satOff val="0"/>
+              <a:lumOff val="0"/>
+              <a:alphaOff val="0"/>
+            </a:schemeClr>
+          </a:solidFill>
           <a:prstDash val="solid"/>
           <a:miter lim="800000"/>
         </a:ln>
@@ -5171,47 +4912,15 @@
           <a:schemeClr val="lt1"/>
         </a:fontRef>
       </dsp:style>
-    </dsp:sp>
-    <dsp:sp modelId="{771A816C-236F-47DA-91A9-4ECB1DB57A28}">
-      <dsp:nvSpPr>
-        <dsp:cNvPr id="0" name=""/>
-        <dsp:cNvSpPr/>
-      </dsp:nvSpPr>
-      <dsp:spPr>
-        <a:xfrm>
-          <a:off x="1353781" y="1467444"/>
-          <a:ext cx="4915256" cy="1172105"/>
-        </a:xfrm>
-        <a:prstGeom prst="rect">
-          <a:avLst/>
-        </a:prstGeom>
-        <a:noFill/>
-        <a:ln>
-          <a:noFill/>
-        </a:ln>
-        <a:effectLst/>
-      </dsp:spPr>
-      <dsp:style>
-        <a:lnRef idx="0">
-          <a:scrgbClr r="0" g="0" b="0"/>
-        </a:lnRef>
-        <a:fillRef idx="0">
-          <a:scrgbClr r="0" g="0" b="0"/>
-        </a:fillRef>
-        <a:effectRef idx="0">
-          <a:scrgbClr r="0" g="0" b="0"/>
-        </a:effectRef>
-        <a:fontRef idx="minor"/>
-      </dsp:style>
       <dsp:txBody>
-        <a:bodyPr spcFirstLastPara="0" vert="horz" wrap="square" lIns="124048" tIns="124048" rIns="124048" bIns="124048" numCol="1" spcCol="1270" anchor="ctr" anchorCtr="0">
+        <a:bodyPr spcFirstLastPara="0" vert="horz" wrap="square" lIns="22860" tIns="22860" rIns="22860" bIns="22860" numCol="1" spcCol="1270" anchor="ctr" anchorCtr="0">
           <a:noAutofit/>
         </a:bodyPr>
         <a:lstStyle/>
         <a:p>
-          <a:pPr marL="0" lvl="0" indent="0" algn="l" defTabSz="977900">
+          <a:pPr marL="0" lvl="0" indent="0" algn="ctr" defTabSz="800100">
             <a:lnSpc>
-              <a:spcPct val="100000"/>
+              <a:spcPct val="90000"/>
             </a:lnSpc>
             <a:spcBef>
               <a:spcPct val="0"/>
@@ -5222,34 +4931,32 @@
             <a:buNone/>
           </a:pPr>
           <a:r>
-            <a:rPr lang="en-US" sz="2200" kern="1200"/>
-            <a:t>Cached compilation</a:t>
+            <a:rPr lang="en-US" sz="1800" kern="1200" dirty="0"/>
+            <a:t>JIT compilation</a:t>
           </a:r>
         </a:p>
       </dsp:txBody>
       <dsp:txXfrm>
-        <a:off x="1353781" y="1467444"/>
-        <a:ext cx="4915256" cy="1172105"/>
+        <a:off x="6130917" y="1579327"/>
+        <a:ext cx="1192682" cy="1192682"/>
       </dsp:txXfrm>
     </dsp:sp>
-    <dsp:sp modelId="{B0DCE167-3814-4343-A426-B8573228F429}">
+    <dsp:sp modelId="{1AF11B00-4E0F-B14E-B11E-44BAD50E0E26}">
       <dsp:nvSpPr>
         <dsp:cNvPr id="0" name=""/>
         <dsp:cNvSpPr/>
       </dsp:nvSpPr>
       <dsp:spPr>
         <a:xfrm>
-          <a:off x="0" y="2932575"/>
-          <a:ext cx="6269038" cy="1172105"/>
+          <a:off x="7707572" y="1686524"/>
+          <a:ext cx="978289" cy="978289"/>
         </a:xfrm>
-        <a:prstGeom prst="roundRect">
-          <a:avLst>
-            <a:gd name="adj" fmla="val 10000"/>
-          </a:avLst>
+        <a:prstGeom prst="mathEqual">
+          <a:avLst/>
         </a:prstGeom>
         <a:solidFill>
-          <a:schemeClr val="bg1">
-            <a:lumMod val="95000"/>
+          <a:schemeClr val="accent5">
+            <a:tint val="60000"/>
             <a:hueOff val="0"/>
             <a:satOff val="0"/>
             <a:lumOff val="0"/>
@@ -5271,39 +4978,66 @@
         <a:effectRef idx="0">
           <a:scrgbClr r="0" g="0" b="0"/>
         </a:effectRef>
-        <a:fontRef idx="minor"/>
+        <a:fontRef idx="minor">
+          <a:schemeClr val="lt1"/>
+        </a:fontRef>
       </dsp:style>
+      <dsp:txBody>
+        <a:bodyPr spcFirstLastPara="0" vert="horz" wrap="square" lIns="0" tIns="0" rIns="0" bIns="0" numCol="1" spcCol="1270" anchor="ctr" anchorCtr="0">
+          <a:noAutofit/>
+        </a:bodyPr>
+        <a:lstStyle/>
+        <a:p>
+          <a:pPr marL="0" lvl="0" indent="0" algn="ctr" defTabSz="666750">
+            <a:lnSpc>
+              <a:spcPct val="90000"/>
+            </a:lnSpc>
+            <a:spcBef>
+              <a:spcPct val="0"/>
+            </a:spcBef>
+            <a:spcAft>
+              <a:spcPct val="35000"/>
+            </a:spcAft>
+            <a:buNone/>
+          </a:pPr>
+          <a:endParaRPr lang="en-US" sz="1500" kern="1200"/>
+        </a:p>
+      </dsp:txBody>
+      <dsp:txXfrm>
+        <a:off x="7837244" y="1888052"/>
+        <a:ext cx="718945" cy="575233"/>
+      </dsp:txXfrm>
     </dsp:sp>
-    <dsp:sp modelId="{A6AFA730-E6B4-483A-801C-1E9ED10C7755}">
+    <dsp:sp modelId="{16BDD990-A326-CF43-9C7E-B7D43A7C94EE}">
       <dsp:nvSpPr>
         <dsp:cNvPr id="0" name=""/>
         <dsp:cNvSpPr/>
       </dsp:nvSpPr>
       <dsp:spPr>
         <a:xfrm>
-          <a:off x="354561" y="3196299"/>
-          <a:ext cx="644657" cy="644657"/>
+          <a:off x="8822822" y="1332315"/>
+          <a:ext cx="1686706" cy="1686706"/>
         </a:xfrm>
-        <a:prstGeom prst="rect">
+        <a:prstGeom prst="ellipse">
           <a:avLst/>
         </a:prstGeom>
-        <a:blipFill>
-          <a:blip xmlns:r="http://schemas.openxmlformats.org/officeDocument/2006/relationships" r:embed="rId5">
-            <a:extLst>
-              <a:ext uri="{28A0092B-C50C-407E-A947-70E740481C1C}">
-                <a14:useLocalDpi xmlns:a14="http://schemas.microsoft.com/office/drawing/2010/main" val="0"/>
-              </a:ext>
-              <a:ext uri="{96DAC541-7B7A-43D3-8B79-37D633B846F1}">
-                <asvg:svgBlip xmlns:asvg="http://schemas.microsoft.com/office/drawing/2016/SVG/main" r:embed="rId6"/>
-              </a:ext>
-            </a:extLst>
-          </a:blip>
-          <a:stretch>
-            <a:fillRect/>
-          </a:stretch>
-        </a:blipFill>
+        <a:solidFill>
+          <a:schemeClr val="accent5">
+            <a:hueOff val="0"/>
+            <a:satOff val="0"/>
+            <a:lumOff val="0"/>
+            <a:alphaOff val="0"/>
+          </a:schemeClr>
+        </a:solidFill>
         <a:ln w="12700" cap="flat" cmpd="sng" algn="ctr">
-          <a:noFill/>
+          <a:solidFill>
+            <a:schemeClr val="lt1">
+              <a:hueOff val="0"/>
+              <a:satOff val="0"/>
+              <a:lumOff val="0"/>
+              <a:alphaOff val="0"/>
+            </a:schemeClr>
+          </a:solidFill>
           <a:prstDash val="solid"/>
           <a:miter lim="800000"/>
         </a:ln>
@@ -5323,47 +5057,15 @@
           <a:schemeClr val="lt1"/>
         </a:fontRef>
       </dsp:style>
-    </dsp:sp>
-    <dsp:sp modelId="{24EE8E12-9E10-4432-84D4-33424916AD87}">
-      <dsp:nvSpPr>
-        <dsp:cNvPr id="0" name=""/>
-        <dsp:cNvSpPr/>
-      </dsp:nvSpPr>
-      <dsp:spPr>
-        <a:xfrm>
-          <a:off x="1353781" y="2932575"/>
-          <a:ext cx="4915256" cy="1172105"/>
-        </a:xfrm>
-        <a:prstGeom prst="rect">
-          <a:avLst/>
-        </a:prstGeom>
-        <a:noFill/>
-        <a:ln>
-          <a:noFill/>
-        </a:ln>
-        <a:effectLst/>
-      </dsp:spPr>
-      <dsp:style>
-        <a:lnRef idx="0">
-          <a:scrgbClr r="0" g="0" b="0"/>
-        </a:lnRef>
-        <a:fillRef idx="0">
-          <a:scrgbClr r="0" g="0" b="0"/>
-        </a:fillRef>
-        <a:effectRef idx="0">
-          <a:scrgbClr r="0" g="0" b="0"/>
-        </a:effectRef>
-        <a:fontRef idx="minor"/>
-      </dsp:style>
       <dsp:txBody>
-        <a:bodyPr spcFirstLastPara="0" vert="horz" wrap="square" lIns="124048" tIns="124048" rIns="124048" bIns="124048" numCol="1" spcCol="1270" anchor="ctr" anchorCtr="0">
+        <a:bodyPr spcFirstLastPara="0" vert="horz" wrap="square" lIns="22860" tIns="22860" rIns="22860" bIns="22860" numCol="1" spcCol="1270" anchor="ctr" anchorCtr="0">
           <a:noAutofit/>
         </a:bodyPr>
         <a:lstStyle/>
         <a:p>
-          <a:pPr marL="0" lvl="0" indent="0" algn="l" defTabSz="977900">
+          <a:pPr marL="0" lvl="0" indent="0" algn="ctr" defTabSz="800100">
             <a:lnSpc>
-              <a:spcPct val="100000"/>
+              <a:spcPct val="90000"/>
             </a:lnSpc>
             <a:spcBef>
               <a:spcPct val="0"/>
@@ -5374,166 +5076,14 @@
             <a:buNone/>
           </a:pPr>
           <a:r>
-            <a:rPr lang="en-US" sz="2200" kern="1200"/>
-            <a:t>Type Inference</a:t>
+            <a:rPr lang="en-US" sz="1800" kern="1200" dirty="0"/>
+            <a:t>Type Stability</a:t>
           </a:r>
         </a:p>
       </dsp:txBody>
       <dsp:txXfrm>
-        <a:off x="1353781" y="2932575"/>
-        <a:ext cx="4915256" cy="1172105"/>
-      </dsp:txXfrm>
-    </dsp:sp>
-    <dsp:sp modelId="{BE86A51C-9C1E-4B46-BE97-3004A56E2F81}">
-      <dsp:nvSpPr>
-        <dsp:cNvPr id="0" name=""/>
-        <dsp:cNvSpPr/>
-      </dsp:nvSpPr>
-      <dsp:spPr>
-        <a:xfrm>
-          <a:off x="0" y="4397707"/>
-          <a:ext cx="6269038" cy="1172105"/>
-        </a:xfrm>
-        <a:prstGeom prst="roundRect">
-          <a:avLst>
-            <a:gd name="adj" fmla="val 10000"/>
-          </a:avLst>
-        </a:prstGeom>
-        <a:solidFill>
-          <a:schemeClr val="bg1">
-            <a:lumMod val="95000"/>
-            <a:hueOff val="0"/>
-            <a:satOff val="0"/>
-            <a:lumOff val="0"/>
-            <a:alphaOff val="0"/>
-          </a:schemeClr>
-        </a:solidFill>
-        <a:ln>
-          <a:noFill/>
-        </a:ln>
-        <a:effectLst/>
-      </dsp:spPr>
-      <dsp:style>
-        <a:lnRef idx="0">
-          <a:scrgbClr r="0" g="0" b="0"/>
-        </a:lnRef>
-        <a:fillRef idx="1">
-          <a:scrgbClr r="0" g="0" b="0"/>
-        </a:fillRef>
-        <a:effectRef idx="0">
-          <a:scrgbClr r="0" g="0" b="0"/>
-        </a:effectRef>
-        <a:fontRef idx="minor"/>
-      </dsp:style>
-    </dsp:sp>
-    <dsp:sp modelId="{478533BB-60F0-452D-A162-CC7735209C16}">
-      <dsp:nvSpPr>
-        <dsp:cNvPr id="0" name=""/>
-        <dsp:cNvSpPr/>
-      </dsp:nvSpPr>
-      <dsp:spPr>
-        <a:xfrm>
-          <a:off x="354561" y="4661430"/>
-          <a:ext cx="644657" cy="644657"/>
-        </a:xfrm>
-        <a:prstGeom prst="rect">
-          <a:avLst/>
-        </a:prstGeom>
-        <a:blipFill>
-          <a:blip xmlns:r="http://schemas.openxmlformats.org/officeDocument/2006/relationships" r:embed="rId7">
-            <a:extLst>
-              <a:ext uri="{28A0092B-C50C-407E-A947-70E740481C1C}">
-                <a14:useLocalDpi xmlns:a14="http://schemas.microsoft.com/office/drawing/2010/main" val="0"/>
-              </a:ext>
-              <a:ext uri="{96DAC541-7B7A-43D3-8B79-37D633B846F1}">
-                <asvg:svgBlip xmlns:asvg="http://schemas.microsoft.com/office/drawing/2016/SVG/main" r:embed="rId8"/>
-              </a:ext>
-            </a:extLst>
-          </a:blip>
-          <a:stretch>
-            <a:fillRect/>
-          </a:stretch>
-        </a:blipFill>
-        <a:ln w="12700" cap="flat" cmpd="sng" algn="ctr">
-          <a:noFill/>
-          <a:prstDash val="solid"/>
-          <a:miter lim="800000"/>
-        </a:ln>
-        <a:effectLst/>
-      </dsp:spPr>
-      <dsp:style>
-        <a:lnRef idx="2">
-          <a:scrgbClr r="0" g="0" b="0"/>
-        </a:lnRef>
-        <a:fillRef idx="1">
-          <a:scrgbClr r="0" g="0" b="0"/>
-        </a:fillRef>
-        <a:effectRef idx="0">
-          <a:scrgbClr r="0" g="0" b="0"/>
-        </a:effectRef>
-        <a:fontRef idx="minor">
-          <a:schemeClr val="lt1"/>
-        </a:fontRef>
-      </dsp:style>
-    </dsp:sp>
-    <dsp:sp modelId="{BB2ACA50-68DF-4444-BE19-B8EB3335B515}">
-      <dsp:nvSpPr>
-        <dsp:cNvPr id="0" name=""/>
-        <dsp:cNvSpPr/>
-      </dsp:nvSpPr>
-      <dsp:spPr>
-        <a:xfrm>
-          <a:off x="1353781" y="4397707"/>
-          <a:ext cx="4915256" cy="1172105"/>
-        </a:xfrm>
-        <a:prstGeom prst="rect">
-          <a:avLst/>
-        </a:prstGeom>
-        <a:noFill/>
-        <a:ln>
-          <a:noFill/>
-        </a:ln>
-        <a:effectLst/>
-      </dsp:spPr>
-      <dsp:style>
-        <a:lnRef idx="0">
-          <a:scrgbClr r="0" g="0" b="0"/>
-        </a:lnRef>
-        <a:fillRef idx="0">
-          <a:scrgbClr r="0" g="0" b="0"/>
-        </a:fillRef>
-        <a:effectRef idx="0">
-          <a:scrgbClr r="0" g="0" b="0"/>
-        </a:effectRef>
-        <a:fontRef idx="minor"/>
-      </dsp:style>
-      <dsp:txBody>
-        <a:bodyPr spcFirstLastPara="0" vert="horz" wrap="square" lIns="124048" tIns="124048" rIns="124048" bIns="124048" numCol="1" spcCol="1270" anchor="ctr" anchorCtr="0">
-          <a:noAutofit/>
-        </a:bodyPr>
-        <a:lstStyle/>
-        <a:p>
-          <a:pPr marL="0" lvl="0" indent="0" algn="l" defTabSz="977900">
-            <a:lnSpc>
-              <a:spcPct val="100000"/>
-            </a:lnSpc>
-            <a:spcBef>
-              <a:spcPct val="0"/>
-            </a:spcBef>
-            <a:spcAft>
-              <a:spcPct val="35000"/>
-            </a:spcAft>
-            <a:buNone/>
-          </a:pPr>
-          <a:r>
-            <a:rPr lang="en-US" sz="2200" kern="1200"/>
-            <a:t>Multiple Dispatch</a:t>
-          </a:r>
-        </a:p>
-      </dsp:txBody>
-      <dsp:txXfrm>
-        <a:off x="1353781" y="4397707"/>
-        <a:ext cx="4915256" cy="1172105"/>
+        <a:off x="9069834" y="1579327"/>
+        <a:ext cx="1192682" cy="1192682"/>
       </dsp:txXfrm>
     </dsp:sp>
   </dsp:spTree>
@@ -6457,11 +6007,12 @@
 </file>
 
 <file path=ppt/diagrams/layout2.xml><?xml version="1.0" encoding="utf-8"?>
-<dgm:layoutDef xmlns:dgm="http://schemas.openxmlformats.org/drawingml/2006/diagram" xmlns:a="http://schemas.openxmlformats.org/drawingml/2006/main" uniqueId="urn:microsoft.com/office/officeart/2018/2/layout/IconVerticalSolidList">
-  <dgm:title val="Icon Vertical Solid List"/>
-  <dgm:desc val="Use to show a series of visuals from top to bottom with Level 1 or Level 1 and Level 2 text grouped in a shape. Works best with icons or small pictures with lengthier descriptions."/>
+<dgm:layoutDef xmlns:dgm="http://schemas.openxmlformats.org/drawingml/2006/diagram" xmlns:a="http://schemas.openxmlformats.org/drawingml/2006/main" uniqueId="urn:microsoft.com/office/officeart/2005/8/layout/equation1">
+  <dgm:title val=""/>
+  <dgm:desc val=""/>
   <dgm:catLst>
-    <dgm:cat type="icon" pri="500"/>
+    <dgm:cat type="relationship" pri="17000"/>
+    <dgm:cat type="process" pri="25000"/>
   </dgm:catLst>
   <dgm:sampData useDef="1">
     <dgm:dataModel>
@@ -6470,36 +6021,55 @@
       <dgm:whole/>
     </dgm:dataModel>
   </dgm:sampData>
-  <dgm:styleData useDef="1">
+  <dgm:styleData>
     <dgm:dataModel>
-      <dgm:ptLst/>
+      <dgm:ptLst>
+        <dgm:pt modelId="0" type="doc"/>
+        <dgm:pt modelId="1"/>
+        <dgm:pt modelId="2"/>
+      </dgm:ptLst>
+      <dgm:cxnLst>
+        <dgm:cxn modelId="3" srcId="0" destId="1" srcOrd="0" destOrd="0"/>
+        <dgm:cxn modelId="4" srcId="0" destId="2" srcOrd="1" destOrd="0"/>
+      </dgm:cxnLst>
       <dgm:bg/>
       <dgm:whole/>
     </dgm:dataModel>
   </dgm:styleData>
-  <dgm:clrData useDef="1">
+  <dgm:clrData>
     <dgm:dataModel>
-      <dgm:ptLst/>
+      <dgm:ptLst>
+        <dgm:pt modelId="0" type="doc"/>
+        <dgm:pt modelId="1"/>
+        <dgm:pt modelId="2"/>
+        <dgm:pt modelId="3"/>
+        <dgm:pt modelId="4"/>
+      </dgm:ptLst>
+      <dgm:cxnLst>
+        <dgm:cxn modelId="5" srcId="0" destId="1" srcOrd="0" destOrd="0"/>
+        <dgm:cxn modelId="6" srcId="0" destId="2" srcOrd="1" destOrd="0"/>
+        <dgm:cxn modelId="7" srcId="0" destId="3" srcOrd="2" destOrd="0"/>
+        <dgm:cxn modelId="8" srcId="0" destId="4" srcOrd="3" destOrd="0"/>
+      </dgm:cxnLst>
       <dgm:bg/>
       <dgm:whole/>
     </dgm:dataModel>
   </dgm:clrData>
-  <dgm:layoutNode name="root">
+  <dgm:layoutNode name="linearFlow">
     <dgm:varLst>
       <dgm:dir/>
       <dgm:resizeHandles val="exact"/>
     </dgm:varLst>
     <dgm:choose name="Name0">
-      <dgm:if name="Name1" axis="self" func="var" arg="dir" op="equ" val="norm">
+      <dgm:if name="Name1" func="var" arg="dir" op="equ" val="norm">
         <dgm:alg type="lin">
-          <dgm:param type="linDir" val="fromT"/>
-          <dgm:param type="nodeHorzAlign" val="l"/>
+          <dgm:param type="fallback" val="2D"/>
         </dgm:alg>
       </dgm:if>
       <dgm:else name="Name2">
         <dgm:alg type="lin">
-          <dgm:param type="linDir" val="fromT"/>
-          <dgm:param type="nodeHorzAlign" val="r"/>
+          <dgm:param type="linDir" val="fromR"/>
+          <dgm:param type="fallback" val="2D"/>
         </dgm:alg>
       </dgm:else>
     </dgm:choose>
@@ -6507,150 +6077,41 @@
       <dgm:adjLst/>
     </dgm:shape>
     <dgm:presOf/>
-    <dgm:choose name="Name3">
-      <dgm:if name="Name4" axis="ch" ptType="node" func="cnt" op="lte" val="3">
-        <dgm:constrLst>
-          <dgm:constr type="h" for="ch" forName="compNode" refType="h" fact="0.3"/>
-          <dgm:constr type="w" for="ch" forName="compNode" refType="w"/>
-          <dgm:constr type="h" for="ch" forName="sibTrans" refType="h" refFor="ch" refForName="compNode" fact="0.25"/>
-          <dgm:constr type="primFontSz" for="des" forName="parTx" val="25"/>
-          <dgm:constr type="primFontSz" for="des" forName="desTx" refType="primFontSz" refFor="des" refForName="parTx" op="lte" fact="0.75"/>
-          <dgm:constr type="h" for="des" forName="compNode" op="equ"/>
-          <dgm:constr type="h" for="des" forName="bgRect" op="equ"/>
-          <dgm:constr type="h" for="des" forName="iconRect" op="equ"/>
-          <dgm:constr type="w" for="des" forName="iconRect" op="equ"/>
-          <dgm:constr type="h" for="des" forName="spaceRect" op="equ"/>
-          <dgm:constr type="h" for="des" forName="parTx" op="equ"/>
-          <dgm:constr type="h" for="des" forName="desTx" op="equ"/>
-        </dgm:constrLst>
-      </dgm:if>
-      <dgm:if name="Name5" axis="ch" ptType="node" func="cnt" op="lte" val="4">
-        <dgm:constrLst>
-          <dgm:constr type="h" for="ch" forName="compNode" refType="h" fact="0.3"/>
-          <dgm:constr type="w" for="ch" forName="compNode" refType="w"/>
-          <dgm:constr type="h" for="ch" forName="sibTrans" refType="h" refFor="ch" refForName="compNode" fact="0.25"/>
-          <dgm:constr type="primFontSz" for="des" forName="parTx" val="22"/>
-          <dgm:constr type="primFontSz" for="des" forName="desTx" refType="primFontSz" refFor="des" refForName="parTx" op="lte" fact="0.75"/>
-          <dgm:constr type="h" for="des" forName="compNode" op="equ"/>
-          <dgm:constr type="h" for="des" forName="bgRect" op="equ"/>
-          <dgm:constr type="h" for="des" forName="iconRect" op="equ"/>
-          <dgm:constr type="w" for="des" forName="iconRect" op="equ"/>
-          <dgm:constr type="h" for="des" forName="spaceRect" op="equ"/>
-          <dgm:constr type="h" for="des" forName="parTx" op="equ"/>
-          <dgm:constr type="h" for="des" forName="desTx" op="equ"/>
-        </dgm:constrLst>
-      </dgm:if>
-      <dgm:if name="Name6" axis="ch" ptType="node" func="cnt" op="lte" val="6">
-        <dgm:constrLst>
-          <dgm:constr type="h" for="ch" forName="compNode" refType="h" fact="0.3"/>
-          <dgm:constr type="w" for="ch" forName="compNode" refType="w"/>
-          <dgm:constr type="h" for="ch" forName="sibTrans" refType="h" refFor="ch" refForName="compNode" fact="0.25"/>
-          <dgm:constr type="primFontSz" for="des" forName="parTx" val="19"/>
-          <dgm:constr type="primFontSz" for="des" forName="desTx" refType="primFontSz" refFor="des" refForName="parTx" op="lte" fact="0.75"/>
-          <dgm:constr type="h" for="des" forName="compNode" op="equ"/>
-          <dgm:constr type="h" for="des" forName="bgRect" op="equ"/>
-          <dgm:constr type="h" for="des" forName="iconRect" op="equ"/>
-          <dgm:constr type="w" for="des" forName="iconRect" op="equ"/>
-          <dgm:constr type="h" for="des" forName="spaceRect" op="equ"/>
-          <dgm:constr type="h" for="des" forName="parTx" op="equ"/>
-          <dgm:constr type="h" for="des" forName="desTx" op="equ"/>
-        </dgm:constrLst>
-      </dgm:if>
-      <dgm:else name="Name7">
-        <dgm:constrLst>
-          <dgm:constr type="h" for="ch" forName="compNode" refType="h" fact="0.3"/>
-          <dgm:constr type="w" for="ch" forName="compNode" refType="w"/>
-          <dgm:constr type="h" for="ch" forName="sibTrans" refType="h" refFor="ch" refForName="compNode" fact="0.25"/>
-          <dgm:constr type="primFontSz" for="des" forName="parTx" val="16"/>
-          <dgm:constr type="primFontSz" for="des" forName="desTx" refType="primFontSz" refFor="des" refForName="parTx" op="lte" fact="0.75"/>
-          <dgm:constr type="h" for="des" forName="compNode" op="equ"/>
-          <dgm:constr type="h" for="des" forName="bgRect" op="equ"/>
-          <dgm:constr type="h" for="des" forName="iconRect" op="equ"/>
-          <dgm:constr type="w" for="des" forName="iconRect" op="equ"/>
-          <dgm:constr type="h" for="des" forName="spaceRect" op="equ"/>
-          <dgm:constr type="h" for="des" forName="parTx" op="equ"/>
-          <dgm:constr type="h" for="des" forName="desTx" op="equ"/>
-        </dgm:constrLst>
-      </dgm:else>
-    </dgm:choose>
-    <dgm:ruleLst>
-      <dgm:rule type="h" for="ch" forName="compNode" val="0" fact="NaN" max="NaN"/>
-    </dgm:ruleLst>
-    <dgm:forEach name="Name8" axis="ch" ptType="node">
-      <dgm:layoutNode name="compNode">
-        <dgm:alg type="composite"/>
-        <dgm:shape xmlns:r="http://schemas.openxmlformats.org/officeDocument/2006/relationships" r:blip="">
+    <dgm:constrLst>
+      <dgm:constr type="w" for="ch" ptType="node" refType="w"/>
+      <dgm:constr type="w" for="ch" ptType="sibTrans" refType="w" refFor="ch" refPtType="node" fact="0.58"/>
+      <dgm:constr type="primFontSz" for="ch" ptType="node" op="equ" val="65"/>
+      <dgm:constr type="primFontSz" for="ch" ptType="sibTrans" op="equ" val="55"/>
+      <dgm:constr type="primFontSz" for="ch" ptType="sibTrans" refType="primFontSz" refFor="ch" refPtType="node" op="lte" fact="0.8"/>
+      <dgm:constr type="w" for="ch" forName="spacerL" refType="w" refFor="ch" refPtType="sibTrans" fact="0.14"/>
+      <dgm:constr type="w" for="ch" forName="spacerR" refType="w" refFor="ch" refPtType="sibTrans" fact="0.14"/>
+    </dgm:constrLst>
+    <dgm:ruleLst/>
+    <dgm:forEach name="nodesForEach" axis="ch" ptType="node">
+      <dgm:layoutNode name="node">
+        <dgm:varLst>
+          <dgm:bulletEnabled val="1"/>
+        </dgm:varLst>
+        <dgm:alg type="tx">
+          <dgm:param type="txAnchorVertCh" val="mid"/>
+        </dgm:alg>
+        <dgm:shape xmlns:r="http://schemas.openxmlformats.org/officeDocument/2006/relationships" type="ellipse" r:blip="">
           <dgm:adjLst/>
         </dgm:shape>
-        <dgm:presOf axis="self"/>
-        <dgm:choose name="Name9">
-          <dgm:if name="Name10" axis="ch" ptType="node" func="cnt" op="gte" val="1">
-            <dgm:constrLst>
-              <dgm:constr type="w" for="ch" forName="bgRect" refType="w"/>
-              <dgm:constr type="h" for="ch" forName="bgRect" refType="h"/>
-              <dgm:constr type="l" for="ch" forName="bgRect"/>
-              <dgm:constr type="t" for="ch" forName="bgRect"/>
-              <dgm:constr type="h" for="ch" forName="iconRect" refType="h" fact="0.55"/>
-              <dgm:constr type="w" for="ch" forName="iconRect" refType="h" refFor="ch" refForName="iconRect"/>
-              <dgm:constr type="l" for="ch" forName="iconRect" refType="h" refFor="ch" refForName="iconRect" fact="0.55"/>
-              <dgm:constr type="ctrY" for="ch" forName="iconRect" refType="ctrY" refFor="ch" refForName="bgRect"/>
-              <dgm:constr type="w" for="ch" forName="spaceRect" refType="l" refFor="ch" refForName="iconRect"/>
-              <dgm:constr type="h" for="ch" forName="spaceRect" refType="h"/>
-              <dgm:constr type="l" for="ch" forName="spaceRect" refType="r" refFor="ch" refForName="iconRect"/>
-              <dgm:constr type="t" for="ch" forName="spaceRect"/>
-              <dgm:constr type="w" for="ch" forName="parTx" refType="w" fact="0.45"/>
-              <dgm:constr type="h" for="ch" forName="parTx" refType="h"/>
-              <dgm:constr type="l" for="ch" forName="parTx" refType="r" refFor="ch" refForName="spaceRect"/>
-              <dgm:constr type="t" for="ch" forName="parTx"/>
-              <dgm:constr type="h" for="ch" forName="desTx" refType="h"/>
-              <dgm:constr type="l" for="ch" forName="desTx" refType="r" refFor="ch" refForName="parTx"/>
-              <dgm:constr type="t" for="ch" forName="desTx"/>
-            </dgm:constrLst>
-          </dgm:if>
-          <dgm:else name="Name11">
-            <dgm:constrLst>
-              <dgm:constr type="w" for="ch" forName="bgRect" refType="w"/>
-              <dgm:constr type="h" for="ch" forName="bgRect" refType="h"/>
-              <dgm:constr type="l" for="ch" forName="bgRect"/>
-              <dgm:constr type="t" for="ch" forName="bgRect"/>
-              <dgm:constr type="h" for="ch" forName="iconRect" refType="h" fact="0.55"/>
-              <dgm:constr type="w" for="ch" forName="iconRect" refType="h" refFor="ch" refForName="iconRect"/>
-              <dgm:constr type="l" for="ch" forName="iconRect" refType="h" refFor="ch" refForName="iconRect" fact="0.55"/>
-              <dgm:constr type="ctrY" for="ch" forName="iconRect" refType="ctrY" refFor="ch" refForName="bgRect"/>
-              <dgm:constr type="w" for="ch" forName="spaceRect" refType="l" refFor="ch" refForName="iconRect"/>
-              <dgm:constr type="h" for="ch" forName="spaceRect" refType="h"/>
-              <dgm:constr type="l" for="ch" forName="spaceRect" refType="r" refFor="ch" refForName="iconRect"/>
-              <dgm:constr type="t" for="ch" forName="spaceRect"/>
-              <dgm:constr type="h" for="ch" forName="parTx" refType="h"/>
-              <dgm:constr type="l" for="ch" forName="parTx" refType="r" refFor="ch" refForName="spaceRect"/>
-              <dgm:constr type="t" for="ch" forName="parTx"/>
-            </dgm:constrLst>
-          </dgm:else>
-        </dgm:choose>
+        <dgm:presOf axis="desOrSelf" ptType="node"/>
+        <dgm:constrLst>
+          <dgm:constr type="h" refType="w"/>
+          <dgm:constr type="tMarg" refType="primFontSz" fact="0.1"/>
+          <dgm:constr type="bMarg" refType="primFontSz" fact="0.1"/>
+          <dgm:constr type="lMarg" refType="primFontSz" fact="0.1"/>
+          <dgm:constr type="rMarg" refType="primFontSz" fact="0.1"/>
+        </dgm:constrLst>
         <dgm:ruleLst>
-          <dgm:rule type="h" val="INF" fact="NaN" max="NaN"/>
+          <dgm:rule type="primFontSz" val="5" fact="NaN" max="NaN"/>
         </dgm:ruleLst>
-        <dgm:layoutNode name="bgRect" styleLbl="bgShp">
-          <dgm:alg type="sp"/>
-          <dgm:shape xmlns:r="http://schemas.openxmlformats.org/officeDocument/2006/relationships" type="roundRect" r:blip="">
-            <dgm:adjLst>
-              <dgm:adj idx="1" val="0.1"/>
-            </dgm:adjLst>
-          </dgm:shape>
-          <dgm:presOf/>
-          <dgm:constrLst/>
-          <dgm:ruleLst/>
-        </dgm:layoutNode>
-        <dgm:layoutNode name="iconRect" styleLbl="node1">
-          <dgm:alg type="sp"/>
-          <dgm:shape xmlns:r="http://schemas.openxmlformats.org/officeDocument/2006/relationships" type="rect" r:blip="" blipPhldr="1">
-            <dgm:adjLst/>
-          </dgm:shape>
-          <dgm:presOf/>
-          <dgm:constrLst/>
-          <dgm:ruleLst/>
-        </dgm:layoutNode>
-        <dgm:layoutNode name="spaceRect">
+      </dgm:layoutNode>
+      <dgm:forEach name="sibTransForEach" axis="followSib" ptType="sibTrans" cnt="1">
+        <dgm:layoutNode name="spacerL">
           <dgm:alg type="sp"/>
           <dgm:shape xmlns:r="http://schemas.openxmlformats.org/officeDocument/2006/relationships" r:blip="">
             <dgm:adjLst/>
@@ -6659,94 +6120,44 @@
           <dgm:constrLst/>
           <dgm:ruleLst/>
         </dgm:layoutNode>
-        <dgm:layoutNode name="parTx" styleLbl="revTx">
-          <dgm:varLst>
-            <dgm:chMax val="0"/>
-            <dgm:chPref val="0"/>
-          </dgm:varLst>
-          <dgm:alg type="tx">
-            <dgm:param type="txAnchorVert" val="mid"/>
-            <dgm:param type="parTxLTRAlign" val="l"/>
-            <dgm:param type="shpTxLTRAlignCh" val="l"/>
-            <dgm:param type="parTxRTLAlign" val="r"/>
-            <dgm:param type="shpTxRTLAlignCh" val="r"/>
-          </dgm:alg>
-          <dgm:shape xmlns:r="http://schemas.openxmlformats.org/officeDocument/2006/relationships" type="rect" r:blip="">
-            <dgm:adjLst/>
-          </dgm:shape>
-          <dgm:presOf axis="self" ptType="node"/>
+        <dgm:layoutNode name="sibTrans">
+          <dgm:alg type="tx"/>
+          <dgm:choose name="Name3">
+            <dgm:if name="Name4" axis="followSib" ptType="sibTrans" func="cnt" op="equ" val="0">
+              <dgm:shape xmlns:r="http://schemas.openxmlformats.org/officeDocument/2006/relationships" type="mathEqual" r:blip="">
+                <dgm:adjLst/>
+              </dgm:shape>
+            </dgm:if>
+            <dgm:else name="Name5">
+              <dgm:shape xmlns:r="http://schemas.openxmlformats.org/officeDocument/2006/relationships" type="mathPlus" r:blip="">
+                <dgm:adjLst/>
+              </dgm:shape>
+            </dgm:else>
+          </dgm:choose>
+          <dgm:presOf axis="self"/>
           <dgm:constrLst>
-            <dgm:constr type="lMarg" refType="h" fact="0.3"/>
-            <dgm:constr type="rMarg" refType="h" fact="0.3"/>
-            <dgm:constr type="tMarg" refType="h" fact="0.3"/>
-            <dgm:constr type="bMarg" refType="h" fact="0.3"/>
+            <dgm:constr type="h" refType="w"/>
+            <dgm:constr type="lMarg"/>
+            <dgm:constr type="rMarg"/>
+            <dgm:constr type="tMarg"/>
+            <dgm:constr type="bMarg"/>
           </dgm:constrLst>
           <dgm:ruleLst>
-            <dgm:rule type="primFontSz" val="14" fact="NaN" max="NaN"/>
-            <dgm:rule type="h" val="INF" fact="NaN" max="NaN"/>
+            <dgm:rule type="primFontSz" val="5" fact="NaN" max="NaN"/>
           </dgm:ruleLst>
         </dgm:layoutNode>
-        <dgm:choose name="Name12">
-          <dgm:if name="Name13" axis="ch" ptType="node" func="cnt" op="gte" val="1">
-            <dgm:layoutNode name="desTx" styleLbl="revTx">
-              <dgm:varLst/>
-              <dgm:alg type="tx">
-                <dgm:param type="txAnchorVertCh" val="mid"/>
-                <dgm:param type="parTxLTRAlign" val="l"/>
-                <dgm:param type="shpTxLTRAlignCh" val="l"/>
-                <dgm:param type="parTxRTLAlign" val="r"/>
-                <dgm:param type="shpTxRTLAlignCh" val="r"/>
-                <dgm:param type="stBulletLvl" val="0"/>
-              </dgm:alg>
-              <dgm:shape xmlns:r="http://schemas.openxmlformats.org/officeDocument/2006/relationships" type="rect" r:blip="">
-                <dgm:adjLst/>
-              </dgm:shape>
-              <dgm:presOf axis="des" ptType="node"/>
-              <dgm:constrLst>
-                <dgm:constr type="primFontSz" val="18"/>
-                <dgm:constr type="secFontSz" refType="primFontSz"/>
-                <dgm:constr type="lMarg" refType="h" fact="0.3"/>
-                <dgm:constr type="rMarg" refType="h" fact="0.3"/>
-                <dgm:constr type="tMarg" refType="h" fact="0.3"/>
-                <dgm:constr type="bMarg" refType="h" fact="0.3"/>
-              </dgm:constrLst>
-              <dgm:ruleLst>
-                <dgm:rule type="primFontSz" val="11" fact="NaN" max="NaN"/>
-              </dgm:ruleLst>
-            </dgm:layoutNode>
-          </dgm:if>
-          <dgm:else name="Name14"/>
-        </dgm:choose>
-      </dgm:layoutNode>
-      <dgm:forEach name="Name15" axis="followSib" ptType="sibTrans" cnt="1">
-        <dgm:layoutNode name="sibTrans">
+        <dgm:layoutNode name="spacerR">
           <dgm:alg type="sp"/>
           <dgm:shape xmlns:r="http://schemas.openxmlformats.org/officeDocument/2006/relationships" r:blip="">
             <dgm:adjLst/>
           </dgm:shape>
-          <dgm:presOf axis="self"/>
+          <dgm:presOf/>
           <dgm:constrLst/>
           <dgm:ruleLst/>
         </dgm:layoutNode>
       </dgm:forEach>
     </dgm:forEach>
   </dgm:layoutNode>
-  <dgm:extLst>
-    <a:ext uri="{68A01E43-0DF5-4B5B-8FA6-DAF915123BFB}">
-      <dgm1612:lstStyle xmlns:dgm1612="http://schemas.microsoft.com/office/drawing/2016/12/diagram">
-        <a:lvl1pPr>
-          <a:lnSpc>
-            <a:spcPct val="100000"/>
-          </a:lnSpc>
-        </a:lvl1pPr>
-        <a:lvl2pPr>
-          <a:lnSpc>
-            <a:spcPct val="100000"/>
-          </a:lnSpc>
-        </a:lvl2pPr>
-      </dgm1612:lstStyle>
-    </a:ext>
-  </dgm:extLst>
 </dgm:layoutDef>
 </file>
 
@@ -10167,7 +9578,7 @@
           <a:p>
             <a:fld id="{433C7FF0-8643-0F44-BA0E-C61513593107}" type="datetimeFigureOut">
               <a:rPr lang="en-US" smtClean="0"/>
-              <a:t>10/24/19</a:t>
+              <a:t>10/25/19</a:t>
             </a:fld>
             <a:endParaRPr lang="en-US"/>
           </a:p>
@@ -10499,7 +9910,7 @@
           <a:p>
             <a:fld id="{1C2353BB-4F7C-0247-BEC9-5CD8DBB29C46}" type="slidenum">
               <a:rPr lang="en-US" smtClean="0"/>
-              <a:t>8</a:t>
+              <a:t>9</a:t>
             </a:fld>
             <a:endParaRPr lang="en-US"/>
           </a:p>
@@ -10665,7 +10076,7 @@
           <a:p>
             <a:fld id="{A11AB00C-BFEC-DF45-9018-F9976455E54C}" type="datetimeFigureOut">
               <a:rPr lang="en-US" smtClean="0"/>
-              <a:t>10/24/19</a:t>
+              <a:t>10/25/19</a:t>
             </a:fld>
             <a:endParaRPr lang="en-US"/>
           </a:p>
@@ -10863,7 +10274,7 @@
           <a:p>
             <a:fld id="{A11AB00C-BFEC-DF45-9018-F9976455E54C}" type="datetimeFigureOut">
               <a:rPr lang="en-US" smtClean="0"/>
-              <a:t>10/24/19</a:t>
+              <a:t>10/25/19</a:t>
             </a:fld>
             <a:endParaRPr lang="en-US"/>
           </a:p>
@@ -11071,7 +10482,7 @@
           <a:p>
             <a:fld id="{A11AB00C-BFEC-DF45-9018-F9976455E54C}" type="datetimeFigureOut">
               <a:rPr lang="en-US" smtClean="0"/>
-              <a:t>10/24/19</a:t>
+              <a:t>10/25/19</a:t>
             </a:fld>
             <a:endParaRPr lang="en-US"/>
           </a:p>
@@ -11269,7 +10680,7 @@
           <a:p>
             <a:fld id="{A11AB00C-BFEC-DF45-9018-F9976455E54C}" type="datetimeFigureOut">
               <a:rPr lang="en-US" smtClean="0"/>
-              <a:t>10/24/19</a:t>
+              <a:t>10/25/19</a:t>
             </a:fld>
             <a:endParaRPr lang="en-US"/>
           </a:p>
@@ -11544,7 +10955,7 @@
           <a:p>
             <a:fld id="{A11AB00C-BFEC-DF45-9018-F9976455E54C}" type="datetimeFigureOut">
               <a:rPr lang="en-US" smtClean="0"/>
-              <a:t>10/24/19</a:t>
+              <a:t>10/25/19</a:t>
             </a:fld>
             <a:endParaRPr lang="en-US"/>
           </a:p>
@@ -11809,7 +11220,7 @@
           <a:p>
             <a:fld id="{A11AB00C-BFEC-DF45-9018-F9976455E54C}" type="datetimeFigureOut">
               <a:rPr lang="en-US" smtClean="0"/>
-              <a:t>10/24/19</a:t>
+              <a:t>10/25/19</a:t>
             </a:fld>
             <a:endParaRPr lang="en-US"/>
           </a:p>
@@ -12221,7 +11632,7 @@
           <a:p>
             <a:fld id="{A11AB00C-BFEC-DF45-9018-F9976455E54C}" type="datetimeFigureOut">
               <a:rPr lang="en-US" smtClean="0"/>
-              <a:t>10/24/19</a:t>
+              <a:t>10/25/19</a:t>
             </a:fld>
             <a:endParaRPr lang="en-US"/>
           </a:p>
@@ -12362,7 +11773,7 @@
           <a:p>
             <a:fld id="{A11AB00C-BFEC-DF45-9018-F9976455E54C}" type="datetimeFigureOut">
               <a:rPr lang="en-US" smtClean="0"/>
-              <a:t>10/24/19</a:t>
+              <a:t>10/25/19</a:t>
             </a:fld>
             <a:endParaRPr lang="en-US"/>
           </a:p>
@@ -12475,7 +11886,7 @@
           <a:p>
             <a:fld id="{A11AB00C-BFEC-DF45-9018-F9976455E54C}" type="datetimeFigureOut">
               <a:rPr lang="en-US" smtClean="0"/>
-              <a:t>10/24/19</a:t>
+              <a:t>10/25/19</a:t>
             </a:fld>
             <a:endParaRPr lang="en-US"/>
           </a:p>
@@ -12786,7 +12197,7 @@
           <a:p>
             <a:fld id="{A11AB00C-BFEC-DF45-9018-F9976455E54C}" type="datetimeFigureOut">
               <a:rPr lang="en-US" smtClean="0"/>
-              <a:t>10/24/19</a:t>
+              <a:t>10/25/19</a:t>
             </a:fld>
             <a:endParaRPr lang="en-US"/>
           </a:p>
@@ -13074,7 +12485,7 @@
           <a:p>
             <a:fld id="{A11AB00C-BFEC-DF45-9018-F9976455E54C}" type="datetimeFigureOut">
               <a:rPr lang="en-US" smtClean="0"/>
-              <a:t>10/24/19</a:t>
+              <a:t>10/25/19</a:t>
             </a:fld>
             <a:endParaRPr lang="en-US"/>
           </a:p>
@@ -13315,7 +12726,7 @@
           <a:p>
             <a:fld id="{A11AB00C-BFEC-DF45-9018-F9976455E54C}" type="datetimeFigureOut">
               <a:rPr lang="en-US" smtClean="0"/>
-              <a:t>10/24/19</a:t>
+              <a:t>10/25/19</a:t>
             </a:fld>
             <a:endParaRPr lang="en-US"/>
           </a:p>
@@ -13743,248 +13154,6 @@
           <a:chExt cx="0" cy="0"/>
         </a:xfrm>
       </p:grpSpPr>
-      <p:grpSp>
-        <p:nvGrpSpPr>
-          <p:cNvPr id="8" name="Group 7">
-            <a:extLst>
-              <a:ext uri="{FF2B5EF4-FFF2-40B4-BE49-F238E27FC236}">
-                <a16:creationId xmlns:a16="http://schemas.microsoft.com/office/drawing/2014/main" id="{D2C4BFA1-2075-4901-9E24-E41D1FDD51FD}"/>
-              </a:ext>
-              <a:ext uri="{C183D7F6-B498-43B3-948B-1728B52AA6E4}">
-                <adec:decorative xmlns:adec="http://schemas.microsoft.com/office/drawing/2017/decorative" val="1"/>
-              </a:ext>
-            </a:extLst>
-          </p:cNvPr>
-          <p:cNvGrpSpPr>
-            <a:grpSpLocks noGrp="1" noUngrp="1" noRot="1" noChangeAspect="1" noMove="1" noResize="1"/>
-          </p:cNvGrpSpPr>
-          <p:nvPr>
-            <p:extLst>
-              <p:ext uri="{386F3935-93C4-4BCD-93E2-E3B085C9AB24}">
-                <p16:designElem xmlns:p16="http://schemas.microsoft.com/office/powerpoint/2015/main" val="1"/>
-              </p:ext>
-            </p:extLst>
-          </p:nvPr>
-        </p:nvGrpSpPr>
-        <p:grpSpPr>
-          <a:xfrm>
-            <a:off x="1155481" y="498348"/>
-            <a:ext cx="9902663" cy="5861304"/>
-            <a:chOff x="1155481" y="498348"/>
-            <a:chExt cx="9902663" cy="5861304"/>
-          </a:xfrm>
-        </p:grpSpPr>
-        <p:sp>
-          <p:nvSpPr>
-            <p:cNvPr id="9" name="Oval 5">
-              <a:extLst>
-                <a:ext uri="{FF2B5EF4-FFF2-40B4-BE49-F238E27FC236}">
-                  <a16:creationId xmlns:a16="http://schemas.microsoft.com/office/drawing/2014/main" id="{985A7375-E3AF-4F5C-85AE-17E8832952CA}"/>
-                </a:ext>
-                <a:ext uri="{C183D7F6-B498-43B3-948B-1728B52AA6E4}">
-                  <adec:decorative xmlns:adec="http://schemas.microsoft.com/office/drawing/2017/decorative" val="1"/>
-                </a:ext>
-              </a:extLst>
-            </p:cNvPr>
-            <p:cNvSpPr>
-              <a:spLocks noChangeArrowheads="1"/>
-            </p:cNvSpPr>
-            <p:nvPr>
-              <p:extLst>
-                <p:ext uri="{386F3935-93C4-4BCD-93E2-E3B085C9AB24}">
-                  <p16:designElem xmlns:p16="http://schemas.microsoft.com/office/powerpoint/2015/main" val="1"/>
-                </p:ext>
-              </p:extLst>
-            </p:nvPr>
-          </p:nvSpPr>
-          <p:spPr bwMode="auto">
-            <a:xfrm>
-              <a:off x="1155481" y="498348"/>
-              <a:ext cx="5861304" cy="5861304"/>
-            </a:xfrm>
-            <a:prstGeom prst="ellipse">
-              <a:avLst/>
-            </a:prstGeom>
-            <a:solidFill>
-              <a:schemeClr val="accent1">
-                <a:alpha val="55000"/>
-              </a:schemeClr>
-            </a:solidFill>
-            <a:ln>
-              <a:noFill/>
-            </a:ln>
-          </p:spPr>
-        </p:sp>
-        <p:sp>
-          <p:nvSpPr>
-            <p:cNvPr id="10" name="Oval 9">
-              <a:extLst>
-                <a:ext uri="{FF2B5EF4-FFF2-40B4-BE49-F238E27FC236}">
-                  <a16:creationId xmlns:a16="http://schemas.microsoft.com/office/drawing/2014/main" id="{F0307F65-8304-4FA8-A841-D4D7625411BE}"/>
-                </a:ext>
-                <a:ext uri="{C183D7F6-B498-43B3-948B-1728B52AA6E4}">
-                  <adec:decorative xmlns:adec="http://schemas.microsoft.com/office/drawing/2017/decorative" val="1"/>
-                </a:ext>
-              </a:extLst>
-            </p:cNvPr>
-            <p:cNvSpPr>
-              <a:spLocks noChangeArrowheads="1"/>
-            </p:cNvSpPr>
-            <p:nvPr>
-              <p:extLst>
-                <p:ext uri="{386F3935-93C4-4BCD-93E2-E3B085C9AB24}">
-                  <p16:designElem xmlns:p16="http://schemas.microsoft.com/office/powerpoint/2015/main" val="1"/>
-                </p:ext>
-              </p:extLst>
-            </p:nvPr>
-          </p:nvSpPr>
-          <p:spPr bwMode="auto">
-            <a:xfrm>
-              <a:off x="5196840" y="498348"/>
-              <a:ext cx="5861304" cy="5861304"/>
-            </a:xfrm>
-            <a:prstGeom prst="ellipse">
-              <a:avLst/>
-            </a:prstGeom>
-            <a:solidFill>
-              <a:schemeClr val="accent1">
-                <a:alpha val="55000"/>
-              </a:schemeClr>
-            </a:solidFill>
-            <a:ln>
-              <a:noFill/>
-            </a:ln>
-          </p:spPr>
-        </p:sp>
-        <p:sp>
-          <p:nvSpPr>
-            <p:cNvPr id="11" name="Oval 5">
-              <a:extLst>
-                <a:ext uri="{FF2B5EF4-FFF2-40B4-BE49-F238E27FC236}">
-                  <a16:creationId xmlns:a16="http://schemas.microsoft.com/office/drawing/2014/main" id="{C8B8394C-136F-4E05-A002-D93A5E79CD50}"/>
-                </a:ext>
-                <a:ext uri="{C183D7F6-B498-43B3-948B-1728B52AA6E4}">
-                  <adec:decorative xmlns:adec="http://schemas.microsoft.com/office/drawing/2017/decorative" val="1"/>
-                </a:ext>
-              </a:extLst>
-            </p:cNvPr>
-            <p:cNvSpPr>
-              <a:spLocks noChangeArrowheads="1"/>
-            </p:cNvSpPr>
-            <p:nvPr>
-              <p:extLst>
-                <p:ext uri="{386F3935-93C4-4BCD-93E2-E3B085C9AB24}">
-                  <p16:designElem xmlns:p16="http://schemas.microsoft.com/office/powerpoint/2015/main" val="1"/>
-                </p:ext>
-              </p:extLst>
-            </p:nvPr>
-          </p:nvSpPr>
-          <p:spPr bwMode="auto">
-            <a:xfrm>
-              <a:off x="3165348" y="498348"/>
-              <a:ext cx="5861304" cy="5861304"/>
-            </a:xfrm>
-            <a:prstGeom prst="ellipse">
-              <a:avLst/>
-            </a:prstGeom>
-            <a:solidFill>
-              <a:schemeClr val="accent1">
-                <a:alpha val="70000"/>
-              </a:schemeClr>
-            </a:solidFill>
-            <a:ln>
-              <a:noFill/>
-            </a:ln>
-          </p:spPr>
-        </p:sp>
-      </p:grpSp>
-      <p:sp>
-        <p:nvSpPr>
-          <p:cNvPr id="3" name="Subtitle 2">
-            <a:extLst>
-              <a:ext uri="{FF2B5EF4-FFF2-40B4-BE49-F238E27FC236}">
-                <a16:creationId xmlns:a16="http://schemas.microsoft.com/office/drawing/2014/main" id="{A376200D-4586-1F4C-9F37-7D161C402796}"/>
-              </a:ext>
-            </a:extLst>
-          </p:cNvPr>
-          <p:cNvSpPr>
-            <a:spLocks noGrp="1"/>
-          </p:cNvSpPr>
-          <p:nvPr>
-            <p:ph type="subTitle" idx="1"/>
-          </p:nvPr>
-        </p:nvSpPr>
-        <p:spPr>
-          <a:xfrm>
-            <a:off x="1524000" y="4495800"/>
-            <a:ext cx="9144000" cy="762000"/>
-          </a:xfrm>
-        </p:spPr>
-        <p:txBody>
-          <a:bodyPr>
-            <a:normAutofit/>
-          </a:bodyPr>
-          <a:lstStyle/>
-          <a:p>
-            <a:endParaRPr lang="en-US" sz="1800"/>
-          </a:p>
-        </p:txBody>
-      </p:sp>
-      <p:sp>
-        <p:nvSpPr>
-          <p:cNvPr id="13" name="Rectangle 12">
-            <a:extLst>
-              <a:ext uri="{FF2B5EF4-FFF2-40B4-BE49-F238E27FC236}">
-                <a16:creationId xmlns:a16="http://schemas.microsoft.com/office/drawing/2014/main" id="{053FB2EE-284F-4C87-AB3D-BBF87A9FAB97}"/>
-              </a:ext>
-              <a:ext uri="{C183D7F6-B498-43B3-948B-1728B52AA6E4}">
-                <adec:decorative xmlns:adec="http://schemas.microsoft.com/office/drawing/2017/decorative" val="1"/>
-              </a:ext>
-            </a:extLst>
-          </p:cNvPr>
-          <p:cNvSpPr>
-            <a:spLocks noGrp="1" noRot="1" noChangeAspect="1" noMove="1" noResize="1" noEditPoints="1" noAdjustHandles="1" noChangeArrowheads="1" noChangeShapeType="1" noTextEdit="1"/>
-          </p:cNvSpPr>
-          <p:nvPr>
-            <p:extLst>
-              <p:ext uri="{386F3935-93C4-4BCD-93E2-E3B085C9AB24}">
-                <p16:designElem xmlns:p16="http://schemas.microsoft.com/office/powerpoint/2015/main" val="1"/>
-              </p:ext>
-            </p:extLst>
-          </p:nvPr>
-        </p:nvSpPr>
-        <p:spPr>
-          <a:xfrm>
-            <a:off x="0" y="2514600"/>
-            <a:ext cx="12192000" cy="1828800"/>
-          </a:xfrm>
-          <a:prstGeom prst="rect">
-            <a:avLst/>
-          </a:prstGeom>
-          <a:solidFill>
-            <a:schemeClr val="tx2"/>
-          </a:solidFill>
-          <a:ln>
-            <a:noFill/>
-          </a:ln>
-        </p:spPr>
-        <p:style>
-          <a:lnRef idx="2">
-            <a:schemeClr val="accent1">
-              <a:shade val="50000"/>
-            </a:schemeClr>
-          </a:lnRef>
-          <a:fillRef idx="1">
-            <a:schemeClr val="accent1"/>
-          </a:fillRef>
-          <a:effectRef idx="0">
-            <a:schemeClr val="accent1"/>
-          </a:effectRef>
-          <a:fontRef idx="minor">
-            <a:schemeClr val="lt1"/>
-          </a:fontRef>
-        </p:style>
-      </p:sp>
       <p:sp>
         <p:nvSpPr>
           <p:cNvPr id="2" name="Title 1">
@@ -14021,6 +13190,38 @@
               </a:rPr>
               <a:t>Why is Julia fast and flexible</a:t>
             </a:r>
+          </a:p>
+        </p:txBody>
+      </p:sp>
+      <p:sp>
+        <p:nvSpPr>
+          <p:cNvPr id="3" name="Subtitle 2">
+            <a:extLst>
+              <a:ext uri="{FF2B5EF4-FFF2-40B4-BE49-F238E27FC236}">
+                <a16:creationId xmlns:a16="http://schemas.microsoft.com/office/drawing/2014/main" id="{A376200D-4586-1F4C-9F37-7D161C402796}"/>
+              </a:ext>
+            </a:extLst>
+          </p:cNvPr>
+          <p:cNvSpPr>
+            <a:spLocks noGrp="1"/>
+          </p:cNvSpPr>
+          <p:nvPr>
+            <p:ph type="subTitle" idx="1"/>
+          </p:nvPr>
+        </p:nvSpPr>
+        <p:spPr>
+          <a:xfrm>
+            <a:off x="1524000" y="4495800"/>
+            <a:ext cx="9144000" cy="762000"/>
+          </a:xfrm>
+        </p:spPr>
+        <p:txBody>
+          <a:bodyPr>
+            <a:normAutofit/>
+          </a:bodyPr>
+          <a:lstStyle/>
+          <a:p>
+            <a:endParaRPr lang="en-US" sz="1800"/>
           </a:p>
         </p:txBody>
       </p:sp>
@@ -14070,12 +13271,7 @@
             <p:ph type="title"/>
           </p:nvPr>
         </p:nvSpPr>
-        <p:spPr>
-          <a:xfrm>
-            <a:off x="838200" y="365125"/>
-            <a:ext cx="10515600" cy="1325563"/>
-          </a:xfrm>
-        </p:spPr>
+        <p:spPr/>
         <p:txBody>
           <a:bodyPr/>
           <a:lstStyle/>
@@ -14190,67 +13386,6 @@
       </p:grpSpPr>
       <p:sp>
         <p:nvSpPr>
-          <p:cNvPr id="11" name="Rectangle 10">
-            <a:extLst>
-              <a:ext uri="{FF2B5EF4-FFF2-40B4-BE49-F238E27FC236}">
-                <a16:creationId xmlns:a16="http://schemas.microsoft.com/office/drawing/2014/main" id="{867D4867-5BA7-4462-B2F6-A23F4A622AA7}"/>
-              </a:ext>
-              <a:ext uri="{C183D7F6-B498-43B3-948B-1728B52AA6E4}">
-                <adec:decorative xmlns:adec="http://schemas.microsoft.com/office/drawing/2017/decorative" val="1"/>
-              </a:ext>
-            </a:extLst>
-          </p:cNvPr>
-          <p:cNvSpPr>
-            <a:spLocks noGrp="1" noRot="1" noChangeAspect="1" noMove="1" noResize="1" noEditPoints="1" noAdjustHandles="1" noChangeArrowheads="1" noChangeShapeType="1" noTextEdit="1"/>
-          </p:cNvSpPr>
-          <p:nvPr>
-            <p:extLst>
-              <p:ext uri="{386F3935-93C4-4BCD-93E2-E3B085C9AB24}">
-                <p16:designElem xmlns:p16="http://schemas.microsoft.com/office/powerpoint/2015/main" val="1"/>
-              </p:ext>
-            </p:extLst>
-          </p:nvPr>
-        </p:nvSpPr>
-        <p:spPr>
-          <a:xfrm>
-            <a:off x="0" y="0"/>
-            <a:ext cx="4654296" cy="6858000"/>
-          </a:xfrm>
-          <a:prstGeom prst="rect">
-            <a:avLst/>
-          </a:prstGeom>
-          <a:solidFill>
-            <a:srgbClr val="3F3F3F"/>
-          </a:solidFill>
-          <a:ln>
-            <a:noFill/>
-          </a:ln>
-        </p:spPr>
-        <p:style>
-          <a:lnRef idx="0">
-            <a:scrgbClr r="0" g="0" b="0"/>
-          </a:lnRef>
-          <a:fillRef idx="0">
-            <a:scrgbClr r="0" g="0" b="0"/>
-          </a:fillRef>
-          <a:effectRef idx="0">
-            <a:scrgbClr r="0" g="0" b="0"/>
-          </a:effectRef>
-          <a:fontRef idx="minor">
-            <a:schemeClr val="lt1"/>
-          </a:fontRef>
-        </p:style>
-        <p:txBody>
-          <a:bodyPr rtlCol="0" anchor="ctr"/>
-          <a:lstStyle/>
-          <a:p>
-            <a:pPr algn="ctr"/>
-            <a:endParaRPr lang="en-US" dirty="0"/>
-          </a:p>
-        </p:txBody>
-      </p:sp>
-      <p:sp>
-        <p:nvSpPr>
           <p:cNvPr id="2" name="Title 1">
             <a:extLst>
               <a:ext uri="{FF2B5EF4-FFF2-40B4-BE49-F238E27FC236}">
@@ -14298,6 +13433,38 @@
           </a:p>
         </p:txBody>
       </p:sp>
+      <p:pic>
+        <p:nvPicPr>
+          <p:cNvPr id="5" name="Content Placeholder 4" descr="A view of a city street filled with lots of traffic&#10;&#10;Description automatically generated">
+            <a:extLst>
+              <a:ext uri="{FF2B5EF4-FFF2-40B4-BE49-F238E27FC236}">
+                <a16:creationId xmlns:a16="http://schemas.microsoft.com/office/drawing/2014/main" id="{0FF79CD5-FDF3-1C48-98C9-6899C29793D8}"/>
+              </a:ext>
+            </a:extLst>
+          </p:cNvPr>
+          <p:cNvPicPr>
+            <a:picLocks noGrp="1" noChangeAspect="1"/>
+          </p:cNvPicPr>
+          <p:nvPr>
+            <p:ph idx="1"/>
+          </p:nvPr>
+        </p:nvPicPr>
+        <p:blipFill>
+          <a:blip r:embed="rId2"/>
+          <a:stretch>
+            <a:fillRect/>
+          </a:stretch>
+        </p:blipFill>
+        <p:spPr>
+          <a:xfrm>
+            <a:off x="5297763" y="1004528"/>
+            <a:ext cx="6250769" cy="4688076"/>
+          </a:xfrm>
+          <a:prstGeom prst="rect">
+            <a:avLst/>
+          </a:prstGeom>
+        </p:spPr>
+      </p:pic>
       <p:sp>
         <p:nvSpPr>
           <p:cNvPr id="6" name="Content Placeholder 2">
@@ -14323,7 +13490,7 @@
         </p:spPr>
         <p:txBody>
           <a:bodyPr vert="horz" lIns="91440" tIns="45720" rIns="91440" bIns="45720" rtlCol="0">
-            <a:normAutofit fontScale="92500" lnSpcReduction="20000"/>
+            <a:normAutofit/>
           </a:bodyPr>
           <a:lstStyle>
             <a:lvl1pPr marL="228600" indent="-228600" algn="l" defTabSz="914400" rtl="0" eaLnBrk="1" latinLnBrk="0" hangingPunct="1">
@@ -14529,12 +13696,9 @@
             </a:r>
           </a:p>
           <a:p>
-            <a:r>
-              <a:rPr lang="en-US" sz="2000" dirty="0"/>
-              <a:t>Has to have interpreter installed</a:t>
-            </a:r>
-          </a:p>
-          <a:p>
+            <a:pPr marL="0" indent="0">
+              <a:buNone/>
+            </a:pPr>
             <a:endParaRPr lang="en-US" sz="2000" dirty="0"/>
           </a:p>
           <a:p>
@@ -14572,38 +13736,6 @@
           </a:p>
         </p:txBody>
       </p:sp>
-      <p:pic>
-        <p:nvPicPr>
-          <p:cNvPr id="5" name="Content Placeholder 4" descr="A view of a city street filled with lots of traffic&#10;&#10;Description automatically generated">
-            <a:extLst>
-              <a:ext uri="{FF2B5EF4-FFF2-40B4-BE49-F238E27FC236}">
-                <a16:creationId xmlns:a16="http://schemas.microsoft.com/office/drawing/2014/main" id="{0FF79CD5-FDF3-1C48-98C9-6899C29793D8}"/>
-              </a:ext>
-            </a:extLst>
-          </p:cNvPr>
-          <p:cNvPicPr>
-            <a:picLocks noGrp="1" noChangeAspect="1"/>
-          </p:cNvPicPr>
-          <p:nvPr>
-            <p:ph idx="1"/>
-          </p:nvPr>
-        </p:nvPicPr>
-        <p:blipFill>
-          <a:blip r:embed="rId2"/>
-          <a:stretch>
-            <a:fillRect/>
-          </a:stretch>
-        </p:blipFill>
-        <p:spPr>
-          <a:xfrm>
-            <a:off x="5297763" y="1004528"/>
-            <a:ext cx="6250769" cy="4688076"/>
-          </a:xfrm>
-          <a:prstGeom prst="rect">
-            <a:avLst/>
-          </a:prstGeom>
-        </p:spPr>
-      </p:pic>
     </p:spTree>
     <p:extLst>
       <p:ext uri="{BB962C8B-B14F-4D97-AF65-F5344CB8AC3E}">
@@ -14642,67 +13774,6 @@
           <a:chExt cx="0" cy="0"/>
         </a:xfrm>
       </p:grpSpPr>
-      <p:sp>
-        <p:nvSpPr>
-          <p:cNvPr id="11" name="Rectangle 10">
-            <a:extLst>
-              <a:ext uri="{FF2B5EF4-FFF2-40B4-BE49-F238E27FC236}">
-                <a16:creationId xmlns:a16="http://schemas.microsoft.com/office/drawing/2014/main" id="{867D4867-5BA7-4462-B2F6-A23F4A622AA7}"/>
-              </a:ext>
-              <a:ext uri="{C183D7F6-B498-43B3-948B-1728B52AA6E4}">
-                <adec:decorative xmlns:adec="http://schemas.microsoft.com/office/drawing/2017/decorative" val="1"/>
-              </a:ext>
-            </a:extLst>
-          </p:cNvPr>
-          <p:cNvSpPr>
-            <a:spLocks noGrp="1" noRot="1" noChangeAspect="1" noMove="1" noResize="1" noEditPoints="1" noAdjustHandles="1" noChangeArrowheads="1" noChangeShapeType="1" noTextEdit="1"/>
-          </p:cNvSpPr>
-          <p:nvPr>
-            <p:extLst>
-              <p:ext uri="{386F3935-93C4-4BCD-93E2-E3B085C9AB24}">
-                <p16:designElem xmlns:p16="http://schemas.microsoft.com/office/powerpoint/2015/main" val="1"/>
-              </p:ext>
-            </p:extLst>
-          </p:nvPr>
-        </p:nvSpPr>
-        <p:spPr>
-          <a:xfrm>
-            <a:off x="0" y="0"/>
-            <a:ext cx="4654296" cy="6858000"/>
-          </a:xfrm>
-          <a:prstGeom prst="rect">
-            <a:avLst/>
-          </a:prstGeom>
-          <a:solidFill>
-            <a:srgbClr val="3F3F3F"/>
-          </a:solidFill>
-          <a:ln>
-            <a:noFill/>
-          </a:ln>
-        </p:spPr>
-        <p:style>
-          <a:lnRef idx="0">
-            <a:scrgbClr r="0" g="0" b="0"/>
-          </a:lnRef>
-          <a:fillRef idx="0">
-            <a:scrgbClr r="0" g="0" b="0"/>
-          </a:fillRef>
-          <a:effectRef idx="0">
-            <a:scrgbClr r="0" g="0" b="0"/>
-          </a:effectRef>
-          <a:fontRef idx="minor">
-            <a:schemeClr val="lt1"/>
-          </a:fontRef>
-        </p:style>
-        <p:txBody>
-          <a:bodyPr rtlCol="0" anchor="ctr"/>
-          <a:lstStyle/>
-          <a:p>
-            <a:pPr algn="ctr"/>
-            <a:endParaRPr lang="en-US" dirty="0"/>
-          </a:p>
-        </p:txBody>
-      </p:sp>
       <p:sp>
         <p:nvSpPr>
           <p:cNvPr id="2" name="Title 1">
@@ -14752,6 +13823,38 @@
           </a:p>
         </p:txBody>
       </p:sp>
+      <p:pic>
+        <p:nvPicPr>
+          <p:cNvPr id="5" name="Content Placeholder 4" descr="A close up of a street sign on a highway&#10;&#10;Description automatically generated">
+            <a:extLst>
+              <a:ext uri="{FF2B5EF4-FFF2-40B4-BE49-F238E27FC236}">
+                <a16:creationId xmlns:a16="http://schemas.microsoft.com/office/drawing/2014/main" id="{D2A17715-ED77-6F4F-9CF3-BC84C32FA97F}"/>
+              </a:ext>
+            </a:extLst>
+          </p:cNvPr>
+          <p:cNvPicPr>
+            <a:picLocks noGrp="1" noChangeAspect="1"/>
+          </p:cNvPicPr>
+          <p:nvPr>
+            <p:ph idx="1"/>
+          </p:nvPr>
+        </p:nvPicPr>
+        <p:blipFill>
+          <a:blip r:embed="rId2"/>
+          <a:stretch>
+            <a:fillRect/>
+          </a:stretch>
+        </p:blipFill>
+        <p:spPr>
+          <a:xfrm>
+            <a:off x="5297763" y="1317067"/>
+            <a:ext cx="6250769" cy="4062999"/>
+          </a:xfrm>
+          <a:prstGeom prst="rect">
+            <a:avLst/>
+          </a:prstGeom>
+        </p:spPr>
+      </p:pic>
       <p:sp>
         <p:nvSpPr>
           <p:cNvPr id="6" name="Content Placeholder 2">
@@ -14967,7 +14070,7 @@
           <a:p>
             <a:r>
               <a:rPr lang="en-US" sz="2000" dirty="0"/>
-              <a:t>Portable and fast runtime after compilation</a:t>
+              <a:t>Fast runtime after compilation</a:t>
             </a:r>
             <a:endParaRPr lang="en-US" sz="2000" kern="1200" dirty="0">
               <a:solidFill>
@@ -15013,38 +14116,6 @@
           </a:p>
         </p:txBody>
       </p:sp>
-      <p:pic>
-        <p:nvPicPr>
-          <p:cNvPr id="5" name="Content Placeholder 4" descr="A close up of a street sign on a highway&#10;&#10;Description automatically generated">
-            <a:extLst>
-              <a:ext uri="{FF2B5EF4-FFF2-40B4-BE49-F238E27FC236}">
-                <a16:creationId xmlns:a16="http://schemas.microsoft.com/office/drawing/2014/main" id="{D2A17715-ED77-6F4F-9CF3-BC84C32FA97F}"/>
-              </a:ext>
-            </a:extLst>
-          </p:cNvPr>
-          <p:cNvPicPr>
-            <a:picLocks noGrp="1" noChangeAspect="1"/>
-          </p:cNvPicPr>
-          <p:nvPr>
-            <p:ph idx="1"/>
-          </p:nvPr>
-        </p:nvPicPr>
-        <p:blipFill>
-          <a:blip r:embed="rId2"/>
-          <a:stretch>
-            <a:fillRect/>
-          </a:stretch>
-        </p:blipFill>
-        <p:spPr>
-          <a:xfrm>
-            <a:off x="5297763" y="1317067"/>
-            <a:ext cx="6250769" cy="4062999"/>
-          </a:xfrm>
-          <a:prstGeom prst="rect">
-            <a:avLst/>
-          </a:prstGeom>
-        </p:spPr>
-      </p:pic>
     </p:spTree>
     <p:extLst>
       <p:ext uri="{BB962C8B-B14F-4D97-AF65-F5344CB8AC3E}">
@@ -15085,100 +14156,6 @@
       </p:grpSpPr>
       <p:sp>
         <p:nvSpPr>
-          <p:cNvPr id="10" name="Rectangle 9">
-            <a:extLst>
-              <a:ext uri="{FF2B5EF4-FFF2-40B4-BE49-F238E27FC236}">
-                <a16:creationId xmlns:a16="http://schemas.microsoft.com/office/drawing/2014/main" id="{823AC064-BC96-4F32-8AE1-B2FD38754823}"/>
-              </a:ext>
-              <a:ext uri="{C183D7F6-B498-43B3-948B-1728B52AA6E4}">
-                <adec:decorative xmlns:adec="http://schemas.microsoft.com/office/drawing/2017/decorative" val="1"/>
-              </a:ext>
-            </a:extLst>
-          </p:cNvPr>
-          <p:cNvSpPr>
-            <a:spLocks noGrp="1" noRot="1" noChangeAspect="1" noMove="1" noResize="1" noEditPoints="1" noAdjustHandles="1" noChangeArrowheads="1" noChangeShapeType="1" noTextEdit="1"/>
-          </p:cNvSpPr>
-          <p:nvPr>
-            <p:extLst>
-              <p:ext uri="{386F3935-93C4-4BCD-93E2-E3B085C9AB24}">
-                <p16:designElem xmlns:p16="http://schemas.microsoft.com/office/powerpoint/2015/main" val="1"/>
-              </p:ext>
-            </p:extLst>
-          </p:nvPr>
-        </p:nvSpPr>
-        <p:spPr bwMode="ltGray">
-          <a:xfrm>
-            <a:off x="378068" y="343486"/>
-            <a:ext cx="11438793" cy="1844256"/>
-          </a:xfrm>
-          <a:prstGeom prst="rect">
-            <a:avLst/>
-          </a:prstGeom>
-          <a:solidFill>
-            <a:srgbClr val="404040"/>
-          </a:solidFill>
-          <a:ln w="127000" cap="sq" cmpd="thinThick">
-            <a:solidFill>
-              <a:srgbClr val="404040"/>
-            </a:solidFill>
-          </a:ln>
-        </p:spPr>
-        <p:style>
-          <a:lnRef idx="2">
-            <a:schemeClr val="accent1">
-              <a:shade val="50000"/>
-            </a:schemeClr>
-          </a:lnRef>
-          <a:fillRef idx="1">
-            <a:schemeClr val="accent1"/>
-          </a:fillRef>
-          <a:effectRef idx="0">
-            <a:schemeClr val="accent1"/>
-          </a:effectRef>
-          <a:fontRef idx="minor">
-            <a:schemeClr val="lt1"/>
-          </a:fontRef>
-        </p:style>
-        <p:txBody>
-          <a:bodyPr rtlCol="0" anchor="ctr"/>
-          <a:lstStyle/>
-          <a:p>
-            <a:pPr marL="0" marR="0" lvl="0" indent="0" algn="ctr" defTabSz="914400" rtl="0" eaLnBrk="1" fontAlgn="auto" latinLnBrk="0" hangingPunct="1">
-              <a:lnSpc>
-                <a:spcPct val="100000"/>
-              </a:lnSpc>
-              <a:spcBef>
-                <a:spcPts val="0"/>
-              </a:spcBef>
-              <a:spcAft>
-                <a:spcPts val="0"/>
-              </a:spcAft>
-              <a:buClrTx/>
-              <a:buSzTx/>
-              <a:buFontTx/>
-              <a:buNone/>
-              <a:tabLst/>
-              <a:defRPr/>
-            </a:pPr>
-            <a:endParaRPr kumimoji="0" lang="en-US" sz="1800" b="0" i="0" u="none" strike="noStrike" kern="1200" cap="none" spc="0" normalizeH="0" baseline="0" noProof="0">
-              <a:ln>
-                <a:noFill/>
-              </a:ln>
-              <a:solidFill>
-                <a:prstClr val="white"/>
-              </a:solidFill>
-              <a:effectLst/>
-              <a:uLnTx/>
-              <a:uFillTx/>
-              <a:latin typeface="Calibri" panose="020F0502020204030204"/>
-              <a:ea typeface="+mn-ea"/>
-              <a:cs typeface="+mn-cs"/>
-            </a:endParaRPr>
-          </a:p>
-        </p:txBody>
-      </p:sp>
-      <p:sp>
-        <p:nvSpPr>
           <p:cNvPr id="2" name="Title 1">
             <a:extLst>
               <a:ext uri="{FF2B5EF4-FFF2-40B4-BE49-F238E27FC236}">
@@ -15195,115 +14172,100 @@
         </p:nvSpPr>
         <p:spPr>
           <a:xfrm>
-            <a:off x="526073" y="466578"/>
-            <a:ext cx="11139854" cy="930447"/>
+            <a:off x="838200" y="963877"/>
+            <a:ext cx="3494362" cy="4930246"/>
           </a:xfrm>
         </p:spPr>
         <p:txBody>
-          <a:bodyPr vert="horz" lIns="91440" tIns="45720" rIns="91440" bIns="45720" rtlCol="0" anchor="b">
+          <a:bodyPr vert="horz" lIns="91440" tIns="45720" rIns="91440" bIns="45720" rtlCol="0">
             <a:normAutofit/>
           </a:bodyPr>
           <a:lstStyle/>
           <a:p>
-            <a:pPr algn="ctr"/>
+            <a:pPr algn="r"/>
             <a:r>
-              <a:rPr lang="en-US" sz="5400" kern="1200">
+              <a:rPr lang="en-US" sz="4400" b="1" kern="1200" dirty="0">
                 <a:solidFill>
-                  <a:srgbClr val="FFFFFF"/>
+                  <a:schemeClr val="accent1"/>
                 </a:solidFill>
                 <a:latin typeface="+mj-lt"/>
                 <a:ea typeface="+mj-ea"/>
                 <a:cs typeface="+mj-cs"/>
               </a:rPr>
-              <a:t>Stages of compiler and interpreter</a:t>
+              <a:t>Just In Time Compiler (JIT)</a:t>
             </a:r>
           </a:p>
         </p:txBody>
       </p:sp>
-      <p:cxnSp>
-        <p:nvCxnSpPr>
-          <p:cNvPr id="12" name="Straight Connector 11">
+      <p:sp>
+        <p:nvSpPr>
+          <p:cNvPr id="50" name="Content Placeholder 3">
             <a:extLst>
               <a:ext uri="{FF2B5EF4-FFF2-40B4-BE49-F238E27FC236}">
-                <a16:creationId xmlns:a16="http://schemas.microsoft.com/office/drawing/2014/main" id="{7E7C77BC-7138-40B1-A15B-20F57A494629}"/>
-              </a:ext>
-              <a:ext uri="{C183D7F6-B498-43B3-948B-1728B52AA6E4}">
-                <adec:decorative xmlns:adec="http://schemas.microsoft.com/office/drawing/2017/decorative" val="1"/>
+                <a16:creationId xmlns:a16="http://schemas.microsoft.com/office/drawing/2014/main" id="{F0FD0B2E-2CA7-C746-8740-E0EA8318428A}"/>
               </a:ext>
             </a:extLst>
           </p:cNvPr>
-          <p:cNvCxnSpPr>
-            <a:cxnSpLocks noGrp="1" noRot="1" noChangeAspect="1" noMove="1" noResize="1" noEditPoints="1" noAdjustHandles="1" noChangeArrowheads="1" noChangeShapeType="1"/>
-          </p:cNvCxnSpPr>
-          <p:nvPr>
-            <p:extLst>
-              <p:ext uri="{386F3935-93C4-4BCD-93E2-E3B085C9AB24}">
-                <p16:designElem xmlns:p16="http://schemas.microsoft.com/office/powerpoint/2015/main" val="1"/>
-              </p:ext>
-            </p:extLst>
-          </p:nvPr>
-        </p:nvCxnSpPr>
-        <p:spPr>
-          <a:xfrm>
-            <a:off x="2209800" y="1448631"/>
-            <a:ext cx="7772400" cy="0"/>
-          </a:xfrm>
-          <a:prstGeom prst="line">
-            <a:avLst/>
-          </a:prstGeom>
-          <a:ln w="22225">
-            <a:solidFill>
-              <a:srgbClr val="D9D9D9"/>
-            </a:solidFill>
-          </a:ln>
-        </p:spPr>
-        <p:style>
-          <a:lnRef idx="1">
-            <a:schemeClr val="accent1"/>
-          </a:lnRef>
-          <a:fillRef idx="0">
-            <a:schemeClr val="accent1"/>
-          </a:fillRef>
-          <a:effectRef idx="0">
-            <a:schemeClr val="accent1"/>
-          </a:effectRef>
-          <a:fontRef idx="minor">
-            <a:schemeClr val="tx1"/>
-          </a:fontRef>
-        </p:style>
-      </p:cxnSp>
-      <p:pic>
-        <p:nvPicPr>
-          <p:cNvPr id="5" name="Content Placeholder 4">
-            <a:extLst>
-              <a:ext uri="{FF2B5EF4-FFF2-40B4-BE49-F238E27FC236}">
-                <a16:creationId xmlns:a16="http://schemas.microsoft.com/office/drawing/2014/main" id="{4C2EFE78-9822-B44A-B378-DCE9628E4144}"/>
-              </a:ext>
-            </a:extLst>
-          </p:cNvPr>
-          <p:cNvPicPr>
-            <a:picLocks noGrp="1" noChangeAspect="1"/>
-          </p:cNvPicPr>
+          <p:cNvSpPr>
+            <a:spLocks noGrp="1"/>
+          </p:cNvSpPr>
           <p:nvPr>
             <p:ph idx="1"/>
           </p:nvPr>
-        </p:nvPicPr>
-        <p:blipFill>
-          <a:blip r:embed="rId2"/>
-          <a:stretch>
-            <a:fillRect/>
-          </a:stretch>
-        </p:blipFill>
+        </p:nvSpPr>
         <p:spPr>
           <a:xfrm>
-            <a:off x="1466129" y="2509911"/>
-            <a:ext cx="9204643" cy="3997637"/>
+            <a:off x="4976031" y="963877"/>
+            <a:ext cx="6377769" cy="4930246"/>
           </a:xfrm>
-          <a:prstGeom prst="rect">
-            <a:avLst/>
-          </a:prstGeom>
         </p:spPr>
-      </p:pic>
+        <p:txBody>
+          <a:bodyPr anchor="ctr">
+            <a:normAutofit/>
+          </a:bodyPr>
+          <a:lstStyle/>
+          <a:p>
+            <a:pPr lvl="1"/>
+            <a:r>
+              <a:rPr lang="en-US" sz="2400" dirty="0"/>
+              <a:t>Speed of compiled code </a:t>
+            </a:r>
+          </a:p>
+          <a:p>
+            <a:pPr lvl="1"/>
+            <a:r>
+              <a:rPr lang="en-US" sz="2400" dirty="0"/>
+              <a:t>Flexibility of interpreted code</a:t>
+            </a:r>
+          </a:p>
+          <a:p>
+            <a:pPr lvl="1"/>
+            <a:r>
+              <a:rPr lang="en-US" sz="2400" dirty="0"/>
+              <a:t>More runtime information for compiler</a:t>
+            </a:r>
+          </a:p>
+          <a:p>
+            <a:pPr lvl="1"/>
+            <a:endParaRPr lang="en-US" dirty="0"/>
+          </a:p>
+          <a:p>
+            <a:pPr lvl="1"/>
+            <a:r>
+              <a:rPr lang="en-US" sz="2400" dirty="0"/>
+              <a:t>Overhead of interpreter and compilation</a:t>
+            </a:r>
+          </a:p>
+          <a:p>
+            <a:pPr lvl="1"/>
+            <a:endParaRPr lang="en-US" sz="2400" dirty="0"/>
+          </a:p>
+          <a:p>
+            <a:pPr lvl="1"/>
+            <a:endParaRPr lang="en-US" sz="2400" dirty="0"/>
+          </a:p>
+        </p:txBody>
+      </p:sp>
     </p:spTree>
     <p:extLst>
       <p:ext uri="{BB962C8B-B14F-4D97-AF65-F5344CB8AC3E}">
@@ -15318,6 +14280,139 @@
 </file>
 
 <file path=ppt/slides/slide6.xml><?xml version="1.0" encoding="utf-8"?>
+<p:sld xmlns:a="http://schemas.openxmlformats.org/drawingml/2006/main" xmlns:r="http://schemas.openxmlformats.org/officeDocument/2006/relationships" xmlns:p="http://schemas.openxmlformats.org/presentationml/2006/main">
+  <p:cSld>
+    <p:bg>
+      <p:bgPr>
+        <a:solidFill>
+          <a:schemeClr val="bg1"/>
+        </a:solidFill>
+        <a:effectLst/>
+      </p:bgPr>
+    </p:bg>
+    <p:spTree>
+      <p:nvGrpSpPr>
+        <p:cNvPr id="1" name=""/>
+        <p:cNvGrpSpPr/>
+        <p:nvPr/>
+      </p:nvGrpSpPr>
+      <p:grpSpPr>
+        <a:xfrm>
+          <a:off x="0" y="0"/>
+          <a:ext cx="0" cy="0"/>
+          <a:chOff x="0" y="0"/>
+          <a:chExt cx="0" cy="0"/>
+        </a:xfrm>
+      </p:grpSpPr>
+      <p:sp>
+        <p:nvSpPr>
+          <p:cNvPr id="2" name="Title 1">
+            <a:extLst>
+              <a:ext uri="{FF2B5EF4-FFF2-40B4-BE49-F238E27FC236}">
+                <a16:creationId xmlns:a16="http://schemas.microsoft.com/office/drawing/2014/main" id="{F0C43EAF-BFCD-8540-BE7E-6642106A7F36}"/>
+              </a:ext>
+            </a:extLst>
+          </p:cNvPr>
+          <p:cNvSpPr>
+            <a:spLocks noGrp="1"/>
+          </p:cNvSpPr>
+          <p:nvPr>
+            <p:ph type="title"/>
+          </p:nvPr>
+        </p:nvSpPr>
+        <p:spPr>
+          <a:xfrm>
+            <a:off x="838200" y="963877"/>
+            <a:ext cx="3494362" cy="4930246"/>
+          </a:xfrm>
+        </p:spPr>
+        <p:txBody>
+          <a:bodyPr>
+            <a:normAutofit/>
+          </a:bodyPr>
+          <a:lstStyle/>
+          <a:p>
+            <a:pPr algn="r"/>
+            <a:r>
+              <a:rPr lang="en-US" sz="4400" b="1" dirty="0">
+                <a:solidFill>
+                  <a:schemeClr val="accent1"/>
+                </a:solidFill>
+              </a:rPr>
+              <a:t>Multiple Dispatch</a:t>
+            </a:r>
+            <a:endParaRPr lang="en-US" sz="4400" dirty="0">
+              <a:solidFill>
+                <a:schemeClr val="accent1"/>
+              </a:solidFill>
+            </a:endParaRPr>
+          </a:p>
+        </p:txBody>
+      </p:sp>
+      <p:sp>
+        <p:nvSpPr>
+          <p:cNvPr id="3" name="Content Placeholder 2">
+            <a:extLst>
+              <a:ext uri="{FF2B5EF4-FFF2-40B4-BE49-F238E27FC236}">
+                <a16:creationId xmlns:a16="http://schemas.microsoft.com/office/drawing/2014/main" id="{2F21F6AC-9316-AF45-B98B-D0C36B111278}"/>
+              </a:ext>
+            </a:extLst>
+          </p:cNvPr>
+          <p:cNvSpPr>
+            <a:spLocks noGrp="1"/>
+          </p:cNvSpPr>
+          <p:nvPr>
+            <p:ph idx="1"/>
+          </p:nvPr>
+        </p:nvSpPr>
+        <p:spPr>
+          <a:xfrm>
+            <a:off x="4976031" y="963877"/>
+            <a:ext cx="6377769" cy="4930246"/>
+          </a:xfrm>
+        </p:spPr>
+        <p:txBody>
+          <a:bodyPr anchor="ctr">
+            <a:normAutofit/>
+          </a:bodyPr>
+          <a:lstStyle/>
+          <a:p>
+            <a:r>
+              <a:rPr lang="en-US" sz="2400" dirty="0"/>
+              <a:t>function overload, polymorphism </a:t>
+            </a:r>
+          </a:p>
+          <a:p>
+            <a:r>
+              <a:rPr lang="en-US" sz="2400" dirty="0"/>
+              <a:t>Same function name, different argument by type or number of arguments </a:t>
+            </a:r>
+          </a:p>
+          <a:p>
+            <a:r>
+              <a:rPr lang="en-US" sz="2400" dirty="0"/>
+              <a:t>Dispatched to most efficient route for your functions.</a:t>
+            </a:r>
+          </a:p>
+          <a:p>
+            <a:endParaRPr lang="en-US" sz="2400" dirty="0"/>
+          </a:p>
+        </p:txBody>
+      </p:sp>
+    </p:spTree>
+    <p:extLst>
+      <p:ext uri="{BB962C8B-B14F-4D97-AF65-F5344CB8AC3E}">
+        <p14:creationId xmlns:p14="http://schemas.microsoft.com/office/powerpoint/2010/main" val="433806095"/>
+      </p:ext>
+    </p:extLst>
+  </p:cSld>
+  <p:clrMapOvr>
+    <a:masterClrMapping/>
+  </p:clrMapOvr>
+</p:sld>
+</file>
+
+<file path=ppt/slides/slide7.xml><?xml version="1.0" encoding="utf-8"?>
 <p:sld xmlns:a="http://schemas.openxmlformats.org/drawingml/2006/main" xmlns:r="http://schemas.openxmlformats.org/officeDocument/2006/relationships" xmlns:p="http://schemas.openxmlformats.org/presentationml/2006/main">
   <p:cSld>
     <p:bg>
@@ -15393,7 +14488,7 @@
             <p:ph idx="1"/>
             <p:extLst>
               <p:ext uri="{D42A27DB-BD31-4B8C-83A1-F6EECF244321}">
-                <p14:modId xmlns:p14="http://schemas.microsoft.com/office/powerpoint/2010/main" val="3742410087"/>
+                <p14:modId xmlns:p14="http://schemas.microsoft.com/office/powerpoint/2010/main" val="3996888474"/>
               </p:ext>
             </p:extLst>
           </p:nvPr>
@@ -15412,228 +14507,6 @@
     <p:extLst>
       <p:ext uri="{BB962C8B-B14F-4D97-AF65-F5344CB8AC3E}">
         <p14:creationId xmlns:p14="http://schemas.microsoft.com/office/powerpoint/2010/main" val="1456074013"/>
-      </p:ext>
-    </p:extLst>
-  </p:cSld>
-  <p:clrMapOvr>
-    <a:masterClrMapping/>
-  </p:clrMapOvr>
-</p:sld>
-</file>
-
-<file path=ppt/slides/slide7.xml><?xml version="1.0" encoding="utf-8"?>
-<p:sld xmlns:a="http://schemas.openxmlformats.org/drawingml/2006/main" xmlns:r="http://schemas.openxmlformats.org/officeDocument/2006/relationships" xmlns:p="http://schemas.openxmlformats.org/presentationml/2006/main">
-  <p:cSld>
-    <p:bg>
-      <p:bgPr>
-        <a:solidFill>
-          <a:schemeClr val="bg1"/>
-        </a:solidFill>
-        <a:effectLst/>
-      </p:bgPr>
-    </p:bg>
-    <p:spTree>
-      <p:nvGrpSpPr>
-        <p:cNvPr id="1" name=""/>
-        <p:cNvGrpSpPr/>
-        <p:nvPr/>
-      </p:nvGrpSpPr>
-      <p:grpSpPr>
-        <a:xfrm>
-          <a:off x="0" y="0"/>
-          <a:ext cx="0" cy="0"/>
-          <a:chOff x="0" y="0"/>
-          <a:chExt cx="0" cy="0"/>
-        </a:xfrm>
-      </p:grpSpPr>
-      <p:sp>
-        <p:nvSpPr>
-          <p:cNvPr id="18" name="Rectangle 14">
-            <a:extLst>
-              <a:ext uri="{FF2B5EF4-FFF2-40B4-BE49-F238E27FC236}">
-                <a16:creationId xmlns:a16="http://schemas.microsoft.com/office/drawing/2014/main" id="{08E89D5E-1885-4160-AC77-CC471DD1D0DB}"/>
-              </a:ext>
-              <a:ext uri="{C183D7F6-B498-43B3-948B-1728B52AA6E4}">
-                <adec:decorative xmlns:adec="http://schemas.microsoft.com/office/drawing/2017/decorative" val="1"/>
-              </a:ext>
-            </a:extLst>
-          </p:cNvPr>
-          <p:cNvSpPr>
-            <a:spLocks noGrp="1" noRot="1" noChangeAspect="1" noMove="1" noResize="1" noEditPoints="1" noAdjustHandles="1" noChangeArrowheads="1" noChangeShapeType="1" noTextEdit="1"/>
-          </p:cNvSpPr>
-          <p:nvPr>
-            <p:extLst>
-              <p:ext uri="{386F3935-93C4-4BCD-93E2-E3B085C9AB24}">
-                <p16:designElem xmlns:p16="http://schemas.microsoft.com/office/powerpoint/2015/main" val="1"/>
-              </p:ext>
-            </p:extLst>
-          </p:nvPr>
-        </p:nvSpPr>
-        <p:spPr>
-          <a:xfrm>
-            <a:off x="0" y="0"/>
-            <a:ext cx="4636008" cy="6858000"/>
-          </a:xfrm>
-          <a:prstGeom prst="rect">
-            <a:avLst/>
-          </a:prstGeom>
-          <a:ln>
-            <a:noFill/>
-          </a:ln>
-        </p:spPr>
-        <p:style>
-          <a:lnRef idx="2">
-            <a:schemeClr val="accent1">
-              <a:shade val="50000"/>
-            </a:schemeClr>
-          </a:lnRef>
-          <a:fillRef idx="1">
-            <a:schemeClr val="accent1"/>
-          </a:fillRef>
-          <a:effectRef idx="0">
-            <a:schemeClr val="accent1"/>
-          </a:effectRef>
-          <a:fontRef idx="minor">
-            <a:schemeClr val="lt1"/>
-          </a:fontRef>
-        </p:style>
-        <p:txBody>
-          <a:bodyPr rtlCol="0" anchor="ctr"/>
-          <a:lstStyle/>
-          <a:p>
-            <a:pPr algn="ctr"/>
-            <a:endParaRPr lang="en-US"/>
-          </a:p>
-        </p:txBody>
-      </p:sp>
-      <p:sp>
-        <p:nvSpPr>
-          <p:cNvPr id="2" name="Title 1">
-            <a:extLst>
-              <a:ext uri="{FF2B5EF4-FFF2-40B4-BE49-F238E27FC236}">
-                <a16:creationId xmlns:a16="http://schemas.microsoft.com/office/drawing/2014/main" id="{D7204E97-453A-0142-A15D-C873DF603350}"/>
-              </a:ext>
-            </a:extLst>
-          </p:cNvPr>
-          <p:cNvSpPr>
-            <a:spLocks noGrp="1"/>
-          </p:cNvSpPr>
-          <p:nvPr>
-            <p:ph type="title"/>
-          </p:nvPr>
-        </p:nvSpPr>
-        <p:spPr>
-          <a:xfrm>
-            <a:off x="943277" y="712269"/>
-            <a:ext cx="3370998" cy="5502264"/>
-          </a:xfrm>
-        </p:spPr>
-        <p:txBody>
-          <a:bodyPr>
-            <a:normAutofit/>
-          </a:bodyPr>
-          <a:lstStyle/>
-          <a:p>
-            <a:r>
-              <a:rPr lang="en-US" sz="4400">
-                <a:solidFill>
-                  <a:srgbClr val="FFFFFF"/>
-                </a:solidFill>
-              </a:rPr>
-              <a:t>Why is Julia fast and flexible </a:t>
-            </a:r>
-          </a:p>
-        </p:txBody>
-      </p:sp>
-      <p:cxnSp>
-        <p:nvCxnSpPr>
-          <p:cNvPr id="17" name="Straight Connector 16">
-            <a:extLst>
-              <a:ext uri="{FF2B5EF4-FFF2-40B4-BE49-F238E27FC236}">
-                <a16:creationId xmlns:a16="http://schemas.microsoft.com/office/drawing/2014/main" id="{550D2BD1-98F9-412D-905B-3A843EF4078B}"/>
-              </a:ext>
-              <a:ext uri="{C183D7F6-B498-43B3-948B-1728B52AA6E4}">
-                <adec:decorative xmlns:adec="http://schemas.microsoft.com/office/drawing/2017/decorative" val="1"/>
-              </a:ext>
-            </a:extLst>
-          </p:cNvPr>
-          <p:cNvCxnSpPr>
-            <a:cxnSpLocks noGrp="1" noRot="1" noChangeAspect="1" noMove="1" noResize="1" noEditPoints="1" noAdjustHandles="1" noChangeArrowheads="1" noChangeShapeType="1"/>
-          </p:cNvCxnSpPr>
-          <p:nvPr>
-            <p:extLst>
-              <p:ext uri="{386F3935-93C4-4BCD-93E2-E3B085C9AB24}">
-                <p16:designElem xmlns:p16="http://schemas.microsoft.com/office/powerpoint/2015/main" val="1"/>
-              </p:ext>
-            </p:extLst>
-          </p:nvPr>
-        </p:nvCxnSpPr>
-        <p:spPr>
-          <a:xfrm flipV="1">
-            <a:off x="762000" y="2971800"/>
-            <a:ext cx="0" cy="914400"/>
-          </a:xfrm>
-          <a:prstGeom prst="line">
-            <a:avLst/>
-          </a:prstGeom>
-          <a:ln w="19050">
-            <a:solidFill>
-              <a:srgbClr val="FFFFFF">
-                <a:alpha val="80000"/>
-              </a:srgbClr>
-            </a:solidFill>
-          </a:ln>
-        </p:spPr>
-        <p:style>
-          <a:lnRef idx="1">
-            <a:schemeClr val="accent1"/>
-          </a:lnRef>
-          <a:fillRef idx="0">
-            <a:schemeClr val="accent1"/>
-          </a:fillRef>
-          <a:effectRef idx="0">
-            <a:schemeClr val="accent1"/>
-          </a:effectRef>
-          <a:fontRef idx="minor">
-            <a:schemeClr val="tx1"/>
-          </a:fontRef>
-        </p:style>
-      </p:cxnSp>
-      <p:graphicFrame>
-        <p:nvGraphicFramePr>
-          <p:cNvPr id="5" name="Content Placeholder 2">
-            <a:extLst>
-              <a:ext uri="{FF2B5EF4-FFF2-40B4-BE49-F238E27FC236}">
-                <a16:creationId xmlns:a16="http://schemas.microsoft.com/office/drawing/2014/main" id="{60F9718F-9455-452F-B50E-A88F9A40B49A}"/>
-              </a:ext>
-            </a:extLst>
-          </p:cNvPr>
-          <p:cNvGraphicFramePr>
-            <a:graphicFrameLocks noGrp="1"/>
-          </p:cNvGraphicFramePr>
-          <p:nvPr>
-            <p:ph idx="1"/>
-            <p:extLst>
-              <p:ext uri="{D42A27DB-BD31-4B8C-83A1-F6EECF244321}">
-                <p14:modId xmlns:p14="http://schemas.microsoft.com/office/powerpoint/2010/main" val="990065415"/>
-              </p:ext>
-            </p:extLst>
-          </p:nvPr>
-        </p:nvGraphicFramePr>
-        <p:xfrm>
-          <a:off x="5280025" y="642938"/>
-          <a:ext cx="6269038" cy="5572125"/>
-        </p:xfrm>
-        <a:graphic>
-          <a:graphicData uri="http://schemas.openxmlformats.org/drawingml/2006/diagram">
-            <dgm:relIds xmlns:dgm="http://schemas.openxmlformats.org/drawingml/2006/diagram" xmlns:r="http://schemas.openxmlformats.org/officeDocument/2006/relationships" r:dm="rId2" r:lo="rId3" r:qs="rId4" r:cs="rId5"/>
-          </a:graphicData>
-        </a:graphic>
-      </p:graphicFrame>
-    </p:spTree>
-    <p:extLst>
-      <p:ext uri="{BB962C8B-B14F-4D97-AF65-F5344CB8AC3E}">
-        <p14:creationId xmlns:p14="http://schemas.microsoft.com/office/powerpoint/2010/main" val="4043627393"/>
       </p:ext>
     </p:extLst>
   </p:cSld>
@@ -15670,485 +14543,112 @@
       </p:grpSpPr>
       <p:sp>
         <p:nvSpPr>
-          <p:cNvPr id="15" name="Freeform: Shape 17">
+          <p:cNvPr id="2" name="Title 1">
             <a:extLst>
               <a:ext uri="{FF2B5EF4-FFF2-40B4-BE49-F238E27FC236}">
-                <a16:creationId xmlns:a16="http://schemas.microsoft.com/office/drawing/2014/main" id="{46C2E80F-49A6-4372-B103-219D417A55ED}"/>
-              </a:ext>
-              <a:ext uri="{C183D7F6-B498-43B3-948B-1728B52AA6E4}">
-                <adec:decorative xmlns:adec="http://schemas.microsoft.com/office/drawing/2017/decorative" val="1"/>
+                <a16:creationId xmlns:a16="http://schemas.microsoft.com/office/drawing/2014/main" id="{D7204E97-453A-0142-A15D-C873DF603350}"/>
               </a:ext>
             </a:extLst>
           </p:cNvPr>
           <p:cNvSpPr>
-            <a:spLocks noGrp="1" noRot="1" noChangeAspect="1" noMove="1" noResize="1" noEditPoints="1" noAdjustHandles="1" noChangeArrowheads="1" noChangeShapeType="1" noTextEdit="1"/>
+            <a:spLocks noGrp="1"/>
           </p:cNvSpPr>
           <p:nvPr>
-            <p:extLst>
-              <p:ext uri="{386F3935-93C4-4BCD-93E2-E3B085C9AB24}">
-                <p16:designElem xmlns:p16="http://schemas.microsoft.com/office/powerpoint/2015/main" val="1"/>
-              </p:ext>
-            </p:extLst>
+            <p:ph type="title"/>
           </p:nvPr>
         </p:nvSpPr>
         <p:spPr>
           <a:xfrm>
-            <a:off x="484096" y="470925"/>
-            <a:ext cx="4381009" cy="5892104"/>
+            <a:off x="838200" y="365125"/>
+            <a:ext cx="10515600" cy="1325563"/>
           </a:xfrm>
-          <a:custGeom>
+          <a:prstGeom prst="ellipse">
             <a:avLst/>
-            <a:gdLst>
-              <a:gd name="connsiteX0" fmla="*/ 0 w 4381009"/>
-              <a:gd name="connsiteY0" fmla="*/ 0 h 5892104"/>
-              <a:gd name="connsiteX1" fmla="*/ 4157628 w 4381009"/>
-              <a:gd name="connsiteY1" fmla="*/ 0 h 5892104"/>
-              <a:gd name="connsiteX2" fmla="*/ 4169302 w 4381009"/>
-              <a:gd name="connsiteY2" fmla="*/ 68659 h 5892104"/>
-              <a:gd name="connsiteX3" fmla="*/ 4191571 w 4381009"/>
-              <a:gd name="connsiteY3" fmla="*/ 205472 h 5892104"/>
-              <a:gd name="connsiteX4" fmla="*/ 4213368 w 4381009"/>
-              <a:gd name="connsiteY4" fmla="*/ 342890 h 5892104"/>
-              <a:gd name="connsiteX5" fmla="*/ 4232030 w 4381009"/>
-              <a:gd name="connsiteY5" fmla="*/ 480913 h 5892104"/>
-              <a:gd name="connsiteX6" fmla="*/ 4250848 w 4381009"/>
-              <a:gd name="connsiteY6" fmla="*/ 618332 h 5892104"/>
-              <a:gd name="connsiteX7" fmla="*/ 4268412 w 4381009"/>
-              <a:gd name="connsiteY7" fmla="*/ 756355 h 5892104"/>
-              <a:gd name="connsiteX8" fmla="*/ 4283467 w 4381009"/>
-              <a:gd name="connsiteY8" fmla="*/ 892563 h 5892104"/>
-              <a:gd name="connsiteX9" fmla="*/ 4297737 w 4381009"/>
-              <a:gd name="connsiteY9" fmla="*/ 1030587 h 5892104"/>
-              <a:gd name="connsiteX10" fmla="*/ 4310754 w 4381009"/>
-              <a:gd name="connsiteY10" fmla="*/ 1168005 h 5892104"/>
-              <a:gd name="connsiteX11" fmla="*/ 4322045 w 4381009"/>
-              <a:gd name="connsiteY11" fmla="*/ 1303002 h 5892104"/>
-              <a:gd name="connsiteX12" fmla="*/ 4333336 w 4381009"/>
-              <a:gd name="connsiteY12" fmla="*/ 1439815 h 5892104"/>
-              <a:gd name="connsiteX13" fmla="*/ 4342745 w 4381009"/>
-              <a:gd name="connsiteY13" fmla="*/ 1574812 h 5892104"/>
-              <a:gd name="connsiteX14" fmla="*/ 4350115 w 4381009"/>
-              <a:gd name="connsiteY14" fmla="*/ 1709808 h 5892104"/>
-              <a:gd name="connsiteX15" fmla="*/ 4357799 w 4381009"/>
-              <a:gd name="connsiteY15" fmla="*/ 1844200 h 5892104"/>
-              <a:gd name="connsiteX16" fmla="*/ 4364229 w 4381009"/>
-              <a:gd name="connsiteY16" fmla="*/ 1977381 h 5892104"/>
-              <a:gd name="connsiteX17" fmla="*/ 4368777 w 4381009"/>
-              <a:gd name="connsiteY17" fmla="*/ 2109351 h 5892104"/>
-              <a:gd name="connsiteX18" fmla="*/ 4372697 w 4381009"/>
-              <a:gd name="connsiteY18" fmla="*/ 2241321 h 5892104"/>
-              <a:gd name="connsiteX19" fmla="*/ 4376461 w 4381009"/>
-              <a:gd name="connsiteY19" fmla="*/ 2372080 h 5892104"/>
-              <a:gd name="connsiteX20" fmla="*/ 4378186 w 4381009"/>
-              <a:gd name="connsiteY20" fmla="*/ 2501023 h 5892104"/>
-              <a:gd name="connsiteX21" fmla="*/ 4380068 w 4381009"/>
-              <a:gd name="connsiteY21" fmla="*/ 2629966 h 5892104"/>
-              <a:gd name="connsiteX22" fmla="*/ 4381009 w 4381009"/>
-              <a:gd name="connsiteY22" fmla="*/ 2757093 h 5892104"/>
-              <a:gd name="connsiteX23" fmla="*/ 4380068 w 4381009"/>
-              <a:gd name="connsiteY23" fmla="*/ 2883010 h 5892104"/>
-              <a:gd name="connsiteX24" fmla="*/ 4380068 w 4381009"/>
-              <a:gd name="connsiteY24" fmla="*/ 3007715 h 5892104"/>
-              <a:gd name="connsiteX25" fmla="*/ 4378186 w 4381009"/>
-              <a:gd name="connsiteY25" fmla="*/ 3131210 h 5892104"/>
-              <a:gd name="connsiteX26" fmla="*/ 4375363 w 4381009"/>
-              <a:gd name="connsiteY26" fmla="*/ 3252283 h 5892104"/>
-              <a:gd name="connsiteX27" fmla="*/ 4372697 w 4381009"/>
-              <a:gd name="connsiteY27" fmla="*/ 3372146 h 5892104"/>
-              <a:gd name="connsiteX28" fmla="*/ 4369718 w 4381009"/>
-              <a:gd name="connsiteY28" fmla="*/ 3489587 h 5892104"/>
-              <a:gd name="connsiteX29" fmla="*/ 4365170 w 4381009"/>
-              <a:gd name="connsiteY29" fmla="*/ 3606423 h 5892104"/>
-              <a:gd name="connsiteX30" fmla="*/ 4360309 w 4381009"/>
-              <a:gd name="connsiteY30" fmla="*/ 3721443 h 5892104"/>
-              <a:gd name="connsiteX31" fmla="*/ 4355918 w 4381009"/>
-              <a:gd name="connsiteY31" fmla="*/ 3834041 h 5892104"/>
-              <a:gd name="connsiteX32" fmla="*/ 4343529 w 4381009"/>
-              <a:gd name="connsiteY32" fmla="*/ 4053789 h 5892104"/>
-              <a:gd name="connsiteX33" fmla="*/ 4330356 w 4381009"/>
-              <a:gd name="connsiteY33" fmla="*/ 4264457 h 5892104"/>
-              <a:gd name="connsiteX34" fmla="*/ 4316556 w 4381009"/>
-              <a:gd name="connsiteY34" fmla="*/ 4466650 h 5892104"/>
-              <a:gd name="connsiteX35" fmla="*/ 4301344 w 4381009"/>
-              <a:gd name="connsiteY35" fmla="*/ 4657946 h 5892104"/>
-              <a:gd name="connsiteX36" fmla="*/ 4285506 w 4381009"/>
-              <a:gd name="connsiteY36" fmla="*/ 4840767 h 5892104"/>
-              <a:gd name="connsiteX37" fmla="*/ 4268412 w 4381009"/>
-              <a:gd name="connsiteY37" fmla="*/ 5010269 h 5892104"/>
-              <a:gd name="connsiteX38" fmla="*/ 4251633 w 4381009"/>
-              <a:gd name="connsiteY38" fmla="*/ 5169481 h 5892104"/>
-              <a:gd name="connsiteX39" fmla="*/ 4234853 w 4381009"/>
-              <a:gd name="connsiteY39" fmla="*/ 5315980 h 5892104"/>
-              <a:gd name="connsiteX40" fmla="*/ 4219014 w 4381009"/>
-              <a:gd name="connsiteY40" fmla="*/ 5450371 h 5892104"/>
-              <a:gd name="connsiteX41" fmla="*/ 4203959 w 4381009"/>
-              <a:gd name="connsiteY41" fmla="*/ 5569628 h 5892104"/>
-              <a:gd name="connsiteX42" fmla="*/ 4189689 w 4381009"/>
-              <a:gd name="connsiteY42" fmla="*/ 5677384 h 5892104"/>
-              <a:gd name="connsiteX43" fmla="*/ 4177770 w 4381009"/>
-              <a:gd name="connsiteY43" fmla="*/ 5768189 h 5892104"/>
-              <a:gd name="connsiteX44" fmla="*/ 4166479 w 4381009"/>
-              <a:gd name="connsiteY44" fmla="*/ 5844465 h 5892104"/>
-              <a:gd name="connsiteX45" fmla="*/ 4159132 w 4381009"/>
-              <a:gd name="connsiteY45" fmla="*/ 5892104 h 5892104"/>
-              <a:gd name="connsiteX46" fmla="*/ 0 w 4381009"/>
-              <a:gd name="connsiteY46" fmla="*/ 5892104 h 5892104"/>
-            </a:gdLst>
-            <a:ahLst/>
-            <a:cxnLst>
-              <a:cxn ang="0">
-                <a:pos x="connsiteX0" y="connsiteY0"/>
-              </a:cxn>
-              <a:cxn ang="0">
-                <a:pos x="connsiteX1" y="connsiteY1"/>
-              </a:cxn>
-              <a:cxn ang="0">
-                <a:pos x="connsiteX2" y="connsiteY2"/>
-              </a:cxn>
-              <a:cxn ang="0">
-                <a:pos x="connsiteX3" y="connsiteY3"/>
-              </a:cxn>
-              <a:cxn ang="0">
-                <a:pos x="connsiteX4" y="connsiteY4"/>
-              </a:cxn>
-              <a:cxn ang="0">
-                <a:pos x="connsiteX5" y="connsiteY5"/>
-              </a:cxn>
-              <a:cxn ang="0">
-                <a:pos x="connsiteX6" y="connsiteY6"/>
-              </a:cxn>
-              <a:cxn ang="0">
-                <a:pos x="connsiteX7" y="connsiteY7"/>
-              </a:cxn>
-              <a:cxn ang="0">
-                <a:pos x="connsiteX8" y="connsiteY8"/>
-              </a:cxn>
-              <a:cxn ang="0">
-                <a:pos x="connsiteX9" y="connsiteY9"/>
-              </a:cxn>
-              <a:cxn ang="0">
-                <a:pos x="connsiteX10" y="connsiteY10"/>
-              </a:cxn>
-              <a:cxn ang="0">
-                <a:pos x="connsiteX11" y="connsiteY11"/>
-              </a:cxn>
-              <a:cxn ang="0">
-                <a:pos x="connsiteX12" y="connsiteY12"/>
-              </a:cxn>
-              <a:cxn ang="0">
-                <a:pos x="connsiteX13" y="connsiteY13"/>
-              </a:cxn>
-              <a:cxn ang="0">
-                <a:pos x="connsiteX14" y="connsiteY14"/>
-              </a:cxn>
-              <a:cxn ang="0">
-                <a:pos x="connsiteX15" y="connsiteY15"/>
-              </a:cxn>
-              <a:cxn ang="0">
-                <a:pos x="connsiteX16" y="connsiteY16"/>
-              </a:cxn>
-              <a:cxn ang="0">
-                <a:pos x="connsiteX17" y="connsiteY17"/>
-              </a:cxn>
-              <a:cxn ang="0">
-                <a:pos x="connsiteX18" y="connsiteY18"/>
-              </a:cxn>
-              <a:cxn ang="0">
-                <a:pos x="connsiteX19" y="connsiteY19"/>
-              </a:cxn>
-              <a:cxn ang="0">
-                <a:pos x="connsiteX20" y="connsiteY20"/>
-              </a:cxn>
-              <a:cxn ang="0">
-                <a:pos x="connsiteX21" y="connsiteY21"/>
-              </a:cxn>
-              <a:cxn ang="0">
-                <a:pos x="connsiteX22" y="connsiteY22"/>
-              </a:cxn>
-              <a:cxn ang="0">
-                <a:pos x="connsiteX23" y="connsiteY23"/>
-              </a:cxn>
-              <a:cxn ang="0">
-                <a:pos x="connsiteX24" y="connsiteY24"/>
-              </a:cxn>
-              <a:cxn ang="0">
-                <a:pos x="connsiteX25" y="connsiteY25"/>
-              </a:cxn>
-              <a:cxn ang="0">
-                <a:pos x="connsiteX26" y="connsiteY26"/>
-              </a:cxn>
-              <a:cxn ang="0">
-                <a:pos x="connsiteX27" y="connsiteY27"/>
-              </a:cxn>
-              <a:cxn ang="0">
-                <a:pos x="connsiteX28" y="connsiteY28"/>
-              </a:cxn>
-              <a:cxn ang="0">
-                <a:pos x="connsiteX29" y="connsiteY29"/>
-              </a:cxn>
-              <a:cxn ang="0">
-                <a:pos x="connsiteX30" y="connsiteY30"/>
-              </a:cxn>
-              <a:cxn ang="0">
-                <a:pos x="connsiteX31" y="connsiteY31"/>
-              </a:cxn>
-              <a:cxn ang="0">
-                <a:pos x="connsiteX32" y="connsiteY32"/>
-              </a:cxn>
-              <a:cxn ang="0">
-                <a:pos x="connsiteX33" y="connsiteY33"/>
-              </a:cxn>
-              <a:cxn ang="0">
-                <a:pos x="connsiteX34" y="connsiteY34"/>
-              </a:cxn>
-              <a:cxn ang="0">
-                <a:pos x="connsiteX35" y="connsiteY35"/>
-              </a:cxn>
-              <a:cxn ang="0">
-                <a:pos x="connsiteX36" y="connsiteY36"/>
-              </a:cxn>
-              <a:cxn ang="0">
-                <a:pos x="connsiteX37" y="connsiteY37"/>
-              </a:cxn>
-              <a:cxn ang="0">
-                <a:pos x="connsiteX38" y="connsiteY38"/>
-              </a:cxn>
-              <a:cxn ang="0">
-                <a:pos x="connsiteX39" y="connsiteY39"/>
-              </a:cxn>
-              <a:cxn ang="0">
-                <a:pos x="connsiteX40" y="connsiteY40"/>
-              </a:cxn>
-              <a:cxn ang="0">
-                <a:pos x="connsiteX41" y="connsiteY41"/>
-              </a:cxn>
-              <a:cxn ang="0">
-                <a:pos x="connsiteX42" y="connsiteY42"/>
-              </a:cxn>
-              <a:cxn ang="0">
-                <a:pos x="connsiteX43" y="connsiteY43"/>
-              </a:cxn>
-              <a:cxn ang="0">
-                <a:pos x="connsiteX44" y="connsiteY44"/>
-              </a:cxn>
-              <a:cxn ang="0">
-                <a:pos x="connsiteX45" y="connsiteY45"/>
-              </a:cxn>
-              <a:cxn ang="0">
-                <a:pos x="connsiteX46" y="connsiteY46"/>
-              </a:cxn>
-            </a:cxnLst>
-            <a:rect l="l" t="t" r="r" b="b"/>
-            <a:pathLst>
-              <a:path w="4381009" h="5892104">
-                <a:moveTo>
-                  <a:pt x="0" y="0"/>
-                </a:moveTo>
-                <a:lnTo>
-                  <a:pt x="4157628" y="0"/>
-                </a:lnTo>
-                <a:lnTo>
-                  <a:pt x="4169302" y="68659"/>
-                </a:lnTo>
-                <a:lnTo>
-                  <a:pt x="4191571" y="205472"/>
-                </a:lnTo>
-                <a:lnTo>
-                  <a:pt x="4213368" y="342890"/>
-                </a:lnTo>
-                <a:lnTo>
-                  <a:pt x="4232030" y="480913"/>
-                </a:lnTo>
-                <a:lnTo>
-                  <a:pt x="4250848" y="618332"/>
-                </a:lnTo>
-                <a:lnTo>
-                  <a:pt x="4268412" y="756355"/>
-                </a:lnTo>
-                <a:lnTo>
-                  <a:pt x="4283467" y="892563"/>
-                </a:lnTo>
-                <a:lnTo>
-                  <a:pt x="4297737" y="1030587"/>
-                </a:lnTo>
-                <a:lnTo>
-                  <a:pt x="4310754" y="1168005"/>
-                </a:lnTo>
-                <a:lnTo>
-                  <a:pt x="4322045" y="1303002"/>
-                </a:lnTo>
-                <a:lnTo>
-                  <a:pt x="4333336" y="1439815"/>
-                </a:lnTo>
-                <a:lnTo>
-                  <a:pt x="4342745" y="1574812"/>
-                </a:lnTo>
-                <a:lnTo>
-                  <a:pt x="4350115" y="1709808"/>
-                </a:lnTo>
-                <a:lnTo>
-                  <a:pt x="4357799" y="1844200"/>
-                </a:lnTo>
-                <a:lnTo>
-                  <a:pt x="4364229" y="1977381"/>
-                </a:lnTo>
-                <a:lnTo>
-                  <a:pt x="4368777" y="2109351"/>
-                </a:lnTo>
-                <a:lnTo>
-                  <a:pt x="4372697" y="2241321"/>
-                </a:lnTo>
-                <a:lnTo>
-                  <a:pt x="4376461" y="2372080"/>
-                </a:lnTo>
-                <a:lnTo>
-                  <a:pt x="4378186" y="2501023"/>
-                </a:lnTo>
-                <a:lnTo>
-                  <a:pt x="4380068" y="2629966"/>
-                </a:lnTo>
-                <a:lnTo>
-                  <a:pt x="4381009" y="2757093"/>
-                </a:lnTo>
-                <a:lnTo>
-                  <a:pt x="4380068" y="2883010"/>
-                </a:lnTo>
-                <a:lnTo>
-                  <a:pt x="4380068" y="3007715"/>
-                </a:lnTo>
-                <a:lnTo>
-                  <a:pt x="4378186" y="3131210"/>
-                </a:lnTo>
-                <a:lnTo>
-                  <a:pt x="4375363" y="3252283"/>
-                </a:lnTo>
-                <a:lnTo>
-                  <a:pt x="4372697" y="3372146"/>
-                </a:lnTo>
-                <a:lnTo>
-                  <a:pt x="4369718" y="3489587"/>
-                </a:lnTo>
-                <a:lnTo>
-                  <a:pt x="4365170" y="3606423"/>
-                </a:lnTo>
-                <a:lnTo>
-                  <a:pt x="4360309" y="3721443"/>
-                </a:lnTo>
-                <a:lnTo>
-                  <a:pt x="4355918" y="3834041"/>
-                </a:lnTo>
-                <a:lnTo>
-                  <a:pt x="4343529" y="4053789"/>
-                </a:lnTo>
-                <a:lnTo>
-                  <a:pt x="4330356" y="4264457"/>
-                </a:lnTo>
-                <a:lnTo>
-                  <a:pt x="4316556" y="4466650"/>
-                </a:lnTo>
-                <a:lnTo>
-                  <a:pt x="4301344" y="4657946"/>
-                </a:lnTo>
-                <a:lnTo>
-                  <a:pt x="4285506" y="4840767"/>
-                </a:lnTo>
-                <a:lnTo>
-                  <a:pt x="4268412" y="5010269"/>
-                </a:lnTo>
-                <a:lnTo>
-                  <a:pt x="4251633" y="5169481"/>
-                </a:lnTo>
-                <a:lnTo>
-                  <a:pt x="4234853" y="5315980"/>
-                </a:lnTo>
-                <a:lnTo>
-                  <a:pt x="4219014" y="5450371"/>
-                </a:lnTo>
-                <a:lnTo>
-                  <a:pt x="4203959" y="5569628"/>
-                </a:lnTo>
-                <a:lnTo>
-                  <a:pt x="4189689" y="5677384"/>
-                </a:lnTo>
-                <a:lnTo>
-                  <a:pt x="4177770" y="5768189"/>
-                </a:lnTo>
-                <a:lnTo>
-                  <a:pt x="4166479" y="5844465"/>
-                </a:lnTo>
-                <a:lnTo>
-                  <a:pt x="4159132" y="5892104"/>
-                </a:lnTo>
-                <a:lnTo>
-                  <a:pt x="0" y="5892104"/>
-                </a:lnTo>
-                <a:close/>
-              </a:path>
-            </a:pathLst>
-          </a:custGeom>
-          <a:solidFill>
-            <a:srgbClr val="404040"/>
-          </a:solidFill>
-          <a:ln>
-            <a:noFill/>
-          </a:ln>
+          </a:prstGeom>
         </p:spPr>
-        <p:style>
-          <a:lnRef idx="2">
-            <a:schemeClr val="accent1">
-              <a:shade val="50000"/>
-            </a:schemeClr>
-          </a:lnRef>
-          <a:fillRef idx="1">
-            <a:schemeClr val="accent1"/>
-          </a:fillRef>
-          <a:effectRef idx="0">
-            <a:schemeClr val="accent1"/>
-          </a:effectRef>
-          <a:fontRef idx="minor">
-            <a:schemeClr val="lt1"/>
-          </a:fontRef>
-        </p:style>
         <p:txBody>
-          <a:bodyPr wrap="square" rtlCol="0" anchor="ctr">
-            <a:noAutofit/>
+          <a:bodyPr vert="horz" lIns="91440" tIns="45720" rIns="91440" bIns="45720" rtlCol="0">
+            <a:normAutofit/>
           </a:bodyPr>
           <a:lstStyle/>
           <a:p>
-            <a:pPr marL="0" marR="0" lvl="0" indent="0" algn="ctr" defTabSz="457200" rtl="0" eaLnBrk="1" fontAlgn="auto" latinLnBrk="0" hangingPunct="1">
-              <a:lnSpc>
-                <a:spcPct val="100000"/>
-              </a:lnSpc>
-              <a:spcBef>
-                <a:spcPts val="0"/>
-              </a:spcBef>
-              <a:spcAft>
-                <a:spcPts val="0"/>
-              </a:spcAft>
-              <a:buClrTx/>
-              <a:buSzTx/>
-              <a:buFontTx/>
-              <a:buNone/>
-              <a:tabLst/>
-              <a:defRPr/>
-            </a:pPr>
-            <a:endParaRPr kumimoji="0" lang="en-US" sz="1800" b="0" i="0" u="none" strike="noStrike" kern="1200" cap="none" spc="0" normalizeH="0" baseline="0" noProof="0">
-              <a:ln>
-                <a:noFill/>
-              </a:ln>
-              <a:solidFill>
-                <a:prstClr val="white"/>
-              </a:solidFill>
-              <a:effectLst/>
-              <a:uLnTx/>
-              <a:uFillTx/>
-              <a:latin typeface="Calibri" panose="020F0502020204030204"/>
-              <a:ea typeface="+mn-ea"/>
-              <a:cs typeface="+mn-cs"/>
-            </a:endParaRPr>
+            <a:r>
+              <a:rPr lang="en-US" sz="4400" kern="1200" dirty="0">
+                <a:latin typeface="+mj-lt"/>
+                <a:ea typeface="+mj-ea"/>
+                <a:cs typeface="+mj-cs"/>
+              </a:rPr>
+              <a:t>Why is Julia fast and flexible </a:t>
+            </a:r>
           </a:p>
         </p:txBody>
       </p:sp>
+      <p:graphicFrame>
+        <p:nvGraphicFramePr>
+          <p:cNvPr id="8" name="Diagram 7">
+            <a:extLst>
+              <a:ext uri="{FF2B5EF4-FFF2-40B4-BE49-F238E27FC236}">
+                <a16:creationId xmlns:a16="http://schemas.microsoft.com/office/drawing/2014/main" id="{79B2145F-F14A-D44C-B475-83FB8FDAB161}"/>
+              </a:ext>
+            </a:extLst>
+          </p:cNvPr>
+          <p:cNvGraphicFramePr/>
+          <p:nvPr>
+            <p:extLst>
+              <p:ext uri="{D42A27DB-BD31-4B8C-83A1-F6EECF244321}">
+                <p14:modId xmlns:p14="http://schemas.microsoft.com/office/powerpoint/2010/main" val="2029921726"/>
+              </p:ext>
+            </p:extLst>
+          </p:nvPr>
+        </p:nvGraphicFramePr>
+        <p:xfrm>
+          <a:off x="838200" y="1825625"/>
+          <a:ext cx="10515600" cy="4351338"/>
+        </p:xfrm>
+        <a:graphic>
+          <a:graphicData uri="http://schemas.openxmlformats.org/drawingml/2006/diagram">
+            <dgm:relIds xmlns:dgm="http://schemas.openxmlformats.org/drawingml/2006/diagram" xmlns:r="http://schemas.openxmlformats.org/officeDocument/2006/relationships" r:dm="rId2" r:lo="rId3" r:qs="rId4" r:cs="rId5"/>
+          </a:graphicData>
+        </a:graphic>
+      </p:graphicFrame>
+    </p:spTree>
+    <p:extLst>
+      <p:ext uri="{BB962C8B-B14F-4D97-AF65-F5344CB8AC3E}">
+        <p14:creationId xmlns:p14="http://schemas.microsoft.com/office/powerpoint/2010/main" val="4043627393"/>
+      </p:ext>
+    </p:extLst>
+  </p:cSld>
+  <p:clrMapOvr>
+    <a:masterClrMapping/>
+  </p:clrMapOvr>
+</p:sld>
+</file>
+
+<file path=ppt/slides/slide9.xml><?xml version="1.0" encoding="utf-8"?>
+<p:sld xmlns:a="http://schemas.openxmlformats.org/drawingml/2006/main" xmlns:r="http://schemas.openxmlformats.org/officeDocument/2006/relationships" xmlns:p="http://schemas.openxmlformats.org/presentationml/2006/main">
+  <p:cSld>
+    <p:bg>
+      <p:bgPr>
+        <a:solidFill>
+          <a:schemeClr val="bg1"/>
+        </a:solidFill>
+        <a:effectLst/>
+      </p:bgPr>
+    </p:bg>
+    <p:spTree>
+      <p:nvGrpSpPr>
+        <p:cNvPr id="1" name=""/>
+        <p:cNvGrpSpPr/>
+        <p:nvPr/>
+      </p:nvGrpSpPr>
+      <p:grpSpPr>
+        <a:xfrm>
+          <a:off x="0" y="0"/>
+          <a:ext cx="0" cy="0"/>
+          <a:chOff x="0" y="0"/>
+          <a:chExt cx="0" cy="0"/>
+        </a:xfrm>
+      </p:grpSpPr>
       <p:sp>
         <p:nvSpPr>
           <p:cNvPr id="2" name="Title 1">

--- a/notebooks/xiaoqi-why-julia-fast.pptx
+++ b/notebooks/xiaoqi-why-julia-fast.pptx
@@ -124,42 +124,45 @@
 </file>
 
 <file path=ppt/diagrams/colors1.xml><?xml version="1.0" encoding="utf-8"?>
-<dgm:colorsDef xmlns:dgm="http://schemas.openxmlformats.org/drawingml/2006/diagram" xmlns:a="http://schemas.openxmlformats.org/drawingml/2006/main" uniqueId="urn:microsoft.com/office/officeart/2005/8/colors/accent0_3">
+<dgm:colorsDef xmlns:dgm="http://schemas.openxmlformats.org/drawingml/2006/diagram" xmlns:a="http://schemas.openxmlformats.org/drawingml/2006/main" uniqueId="urn:microsoft.com/office/officeart/2005/8/colors/colorful5">
   <dgm:title val=""/>
   <dgm:desc val=""/>
   <dgm:catLst>
-    <dgm:cat type="mainScheme" pri="10300"/>
+    <dgm:cat type="colorful" pri="10500"/>
   </dgm:catLst>
   <dgm:styleLbl name="node0">
     <dgm:fillClrLst meth="repeat">
-      <a:schemeClr val="dk2"/>
+      <a:schemeClr val="accent4"/>
     </dgm:fillClrLst>
     <dgm:linClrLst meth="repeat">
-      <a:schemeClr val="lt2"/>
+      <a:schemeClr val="lt1"/>
     </dgm:linClrLst>
     <dgm:effectClrLst/>
     <dgm:txLinClrLst/>
     <dgm:txFillClrLst/>
     <dgm:txEffectClrLst/>
   </dgm:styleLbl>
-  <dgm:styleLbl name="alignNode1">
-    <dgm:fillClrLst meth="repeat">
-      <a:schemeClr val="dk2"/>
+  <dgm:styleLbl name="node1">
+    <dgm:fillClrLst>
+      <a:schemeClr val="accent5"/>
+      <a:schemeClr val="accent6"/>
     </dgm:fillClrLst>
     <dgm:linClrLst meth="repeat">
-      <a:schemeClr val="dk2"/>
+      <a:schemeClr val="lt1"/>
     </dgm:linClrLst>
     <dgm:effectClrLst/>
     <dgm:txLinClrLst/>
     <dgm:txFillClrLst/>
     <dgm:txEffectClrLst/>
   </dgm:styleLbl>
-  <dgm:styleLbl name="node1">
-    <dgm:fillClrLst meth="repeat">
-      <a:schemeClr val="dk2"/>
+  <dgm:styleLbl name="alignNode1">
+    <dgm:fillClrLst>
+      <a:schemeClr val="accent5"/>
+      <a:schemeClr val="accent6"/>
     </dgm:fillClrLst>
-    <dgm:linClrLst meth="repeat">
-      <a:schemeClr val="lt2"/>
+    <dgm:linClrLst>
+      <a:schemeClr val="accent5"/>
+      <a:schemeClr val="accent6"/>
     </dgm:linClrLst>
     <dgm:effectClrLst/>
     <dgm:txLinClrLst/>
@@ -167,11 +170,12 @@
     <dgm:txEffectClrLst/>
   </dgm:styleLbl>
   <dgm:styleLbl name="lnNode1">
-    <dgm:fillClrLst meth="repeat">
-      <a:schemeClr val="dk2"/>
+    <dgm:fillClrLst>
+      <a:schemeClr val="accent5"/>
+      <a:schemeClr val="accent6"/>
     </dgm:fillClrLst>
     <dgm:linClrLst meth="repeat">
-      <a:schemeClr val="lt2"/>
+      <a:schemeClr val="lt1"/>
     </dgm:linClrLst>
     <dgm:effectClrLst/>
     <dgm:txLinClrLst/>
@@ -179,13 +183,16 @@
     <dgm:txEffectClrLst/>
   </dgm:styleLbl>
   <dgm:styleLbl name="vennNode1">
-    <dgm:fillClrLst meth="repeat">
-      <a:schemeClr val="dk2">
+    <dgm:fillClrLst>
+      <a:schemeClr val="accent5">
+        <a:alpha val="50000"/>
+      </a:schemeClr>
+      <a:schemeClr val="accent6">
         <a:alpha val="50000"/>
       </a:schemeClr>
     </dgm:fillClrLst>
     <dgm:linClrLst meth="repeat">
-      <a:schemeClr val="lt2"/>
+      <a:schemeClr val="lt1"/>
     </dgm:linClrLst>
     <dgm:effectClrLst/>
     <dgm:txLinClrLst/>
@@ -193,11 +200,11 @@
     <dgm:txEffectClrLst/>
   </dgm:styleLbl>
   <dgm:styleLbl name="node2">
-    <dgm:fillClrLst meth="repeat">
-      <a:schemeClr val="dk2"/>
+    <dgm:fillClrLst>
+      <a:schemeClr val="accent6"/>
     </dgm:fillClrLst>
     <dgm:linClrLst meth="repeat">
-      <a:schemeClr val="lt2"/>
+      <a:schemeClr val="lt1"/>
     </dgm:linClrLst>
     <dgm:effectClrLst/>
     <dgm:txLinClrLst/>
@@ -205,11 +212,11 @@
     <dgm:txEffectClrLst/>
   </dgm:styleLbl>
   <dgm:styleLbl name="node3">
-    <dgm:fillClrLst meth="repeat">
-      <a:schemeClr val="dk2"/>
+    <dgm:fillClrLst>
+      <a:schemeClr val="accent1"/>
     </dgm:fillClrLst>
     <dgm:linClrLst meth="repeat">
-      <a:schemeClr val="lt2"/>
+      <a:schemeClr val="lt1"/>
     </dgm:linClrLst>
     <dgm:effectClrLst/>
     <dgm:txLinClrLst/>
@@ -217,11 +224,11 @@
     <dgm:txEffectClrLst/>
   </dgm:styleLbl>
   <dgm:styleLbl name="node4">
-    <dgm:fillClrLst meth="repeat">
-      <a:schemeClr val="dk2"/>
+    <dgm:fillClrLst>
+      <a:schemeClr val="accent2"/>
     </dgm:fillClrLst>
     <dgm:linClrLst meth="repeat">
-      <a:schemeClr val="lt2"/>
+      <a:schemeClr val="lt1"/>
     </dgm:linClrLst>
     <dgm:effectClrLst/>
     <dgm:txLinClrLst/>
@@ -229,67 +236,69 @@
     <dgm:txEffectClrLst/>
   </dgm:styleLbl>
   <dgm:styleLbl name="fgImgPlace1">
-    <dgm:fillClrLst meth="repeat">
-      <a:schemeClr val="dk2">
+    <dgm:fillClrLst>
+      <a:schemeClr val="accent5">
+        <a:tint val="50000"/>
+      </a:schemeClr>
+      <a:schemeClr val="accent6">
         <a:tint val="50000"/>
       </a:schemeClr>
     </dgm:fillClrLst>
     <dgm:linClrLst meth="repeat">
-      <a:schemeClr val="lt2"/>
+      <a:schemeClr val="lt1"/>
     </dgm:linClrLst>
     <dgm:effectClrLst/>
     <dgm:txLinClrLst/>
     <dgm:txFillClrLst meth="repeat">
-      <a:schemeClr val="lt2"/>
+      <a:schemeClr val="lt1"/>
     </dgm:txFillClrLst>
     <dgm:txEffectClrLst/>
   </dgm:styleLbl>
   <dgm:styleLbl name="alignImgPlace1">
-    <dgm:fillClrLst meth="repeat">
-      <a:schemeClr val="dk2">
+    <dgm:fillClrLst>
+      <a:schemeClr val="accent5">
         <a:tint val="50000"/>
+      </a:schemeClr>
+      <a:schemeClr val="accent6">
+        <a:tint val="20000"/>
       </a:schemeClr>
     </dgm:fillClrLst>
     <dgm:linClrLst meth="repeat">
-      <a:schemeClr val="dk2">
-        <a:shade val="80000"/>
-      </a:schemeClr>
+      <a:schemeClr val="lt1"/>
     </dgm:linClrLst>
     <dgm:effectClrLst/>
     <dgm:txLinClrLst/>
     <dgm:txFillClrLst meth="repeat">
-      <a:schemeClr val="lt2"/>
+      <a:schemeClr val="lt1"/>
     </dgm:txFillClrLst>
     <dgm:txEffectClrLst/>
   </dgm:styleLbl>
   <dgm:styleLbl name="bgImgPlace1">
-    <dgm:fillClrLst meth="repeat">
-      <a:schemeClr val="dk2">
+    <dgm:fillClrLst>
+      <a:schemeClr val="accent5">
         <a:tint val="50000"/>
+      </a:schemeClr>
+      <a:schemeClr val="accent6">
+        <a:tint val="20000"/>
       </a:schemeClr>
     </dgm:fillClrLst>
     <dgm:linClrLst meth="repeat">
-      <a:schemeClr val="dk2">
-        <a:shade val="80000"/>
-      </a:schemeClr>
+      <a:schemeClr val="lt1"/>
     </dgm:linClrLst>
     <dgm:effectClrLst/>
     <dgm:txLinClrLst/>
     <dgm:txFillClrLst meth="repeat">
-      <a:schemeClr val="lt2"/>
+      <a:schemeClr val="lt1"/>
     </dgm:txFillClrLst>
     <dgm:txEffectClrLst/>
   </dgm:styleLbl>
   <dgm:styleLbl name="sibTrans2D1">
-    <dgm:fillClrLst meth="repeat">
-      <a:schemeClr val="dk2">
-        <a:tint val="60000"/>
-      </a:schemeClr>
+    <dgm:fillClrLst>
+      <a:schemeClr val="accent5"/>
+      <a:schemeClr val="accent6"/>
     </dgm:fillClrLst>
     <dgm:linClrLst meth="repeat">
-      <a:schemeClr val="dk2">
-        <a:tint val="60000"/>
-      </a:schemeClr>
+      <a:schemeClr val="lt1"/>
     </dgm:linClrLst>
     <dgm:effectClrLst/>
     <dgm:txLinClrLst/>
@@ -297,194 +306,55 @@
     <dgm:txEffectClrLst/>
   </dgm:styleLbl>
   <dgm:styleLbl name="fgSibTrans2D1">
-    <dgm:fillClrLst meth="repeat">
-      <a:schemeClr val="dk2">
-        <a:tint val="60000"/>
-      </a:schemeClr>
+    <dgm:fillClrLst>
+      <a:schemeClr val="accent5"/>
+      <a:schemeClr val="accent6"/>
     </dgm:fillClrLst>
     <dgm:linClrLst meth="repeat">
-      <a:schemeClr val="dk2">
-        <a:tint val="60000"/>
-      </a:schemeClr>
-    </dgm:linClrLst>
-    <dgm:effectClrLst/>
-    <dgm:txLinClrLst/>
-    <dgm:txFillClrLst/>
-    <dgm:txEffectClrLst/>
-  </dgm:styleLbl>
-  <dgm:styleLbl name="bgSibTrans2D1">
-    <dgm:fillClrLst meth="repeat">
-      <a:schemeClr val="dk2">
-        <a:tint val="60000"/>
-      </a:schemeClr>
-    </dgm:fillClrLst>
-    <dgm:linClrLst meth="repeat">
-      <a:schemeClr val="dk2">
-        <a:tint val="60000"/>
-      </a:schemeClr>
-    </dgm:linClrLst>
-    <dgm:effectClrLst/>
-    <dgm:txLinClrLst/>
-    <dgm:txFillClrLst/>
-    <dgm:txEffectClrLst/>
-  </dgm:styleLbl>
-  <dgm:styleLbl name="sibTrans1D1">
-    <dgm:fillClrLst meth="repeat">
-      <a:schemeClr val="dk2"/>
-    </dgm:fillClrLst>
-    <dgm:linClrLst meth="repeat">
-      <a:schemeClr val="dk2"/>
+      <a:schemeClr val="lt1"/>
     </dgm:linClrLst>
     <dgm:effectClrLst/>
     <dgm:txLinClrLst/>
     <dgm:txFillClrLst meth="repeat">
-      <a:schemeClr val="lt2"/>
+      <a:schemeClr val="lt1"/>
     </dgm:txFillClrLst>
     <dgm:txEffectClrLst/>
   </dgm:styleLbl>
-  <dgm:styleLbl name="callout">
-    <dgm:fillClrLst meth="repeat">
-      <a:schemeClr val="dk2"/>
+  <dgm:styleLbl name="bgSibTrans2D1">
+    <dgm:fillClrLst>
+      <a:schemeClr val="accent5"/>
+      <a:schemeClr val="accent6"/>
     </dgm:fillClrLst>
     <dgm:linClrLst meth="repeat">
-      <a:schemeClr val="dk2">
-        <a:tint val="50000"/>
-      </a:schemeClr>
+      <a:schemeClr val="lt1"/>
     </dgm:linClrLst>
     <dgm:effectClrLst/>
     <dgm:txLinClrLst/>
     <dgm:txFillClrLst meth="repeat">
-      <a:schemeClr val="lt2"/>
+      <a:schemeClr val="lt1"/>
     </dgm:txFillClrLst>
     <dgm:txEffectClrLst/>
   </dgm:styleLbl>
-  <dgm:styleLbl name="asst0">
-    <dgm:fillClrLst meth="repeat">
-      <a:schemeClr val="dk2"/>
-    </dgm:fillClrLst>
-    <dgm:linClrLst meth="repeat">
-      <a:schemeClr val="lt2"/>
-    </dgm:linClrLst>
-    <dgm:effectClrLst/>
-    <dgm:txLinClrLst/>
-    <dgm:txFillClrLst/>
-    <dgm:txEffectClrLst/>
-  </dgm:styleLbl>
-  <dgm:styleLbl name="asst1">
-    <dgm:fillClrLst meth="repeat">
-      <a:schemeClr val="dk2"/>
-    </dgm:fillClrLst>
-    <dgm:linClrLst meth="repeat">
-      <a:schemeClr val="lt2"/>
-    </dgm:linClrLst>
-    <dgm:effectClrLst/>
-    <dgm:txLinClrLst/>
-    <dgm:txFillClrLst/>
-    <dgm:txEffectClrLst/>
-  </dgm:styleLbl>
-  <dgm:styleLbl name="asst2">
-    <dgm:fillClrLst meth="repeat">
-      <a:schemeClr val="dk2"/>
-    </dgm:fillClrLst>
-    <dgm:linClrLst meth="repeat">
-      <a:schemeClr val="lt2"/>
-    </dgm:linClrLst>
-    <dgm:effectClrLst/>
-    <dgm:txLinClrLst/>
-    <dgm:txFillClrLst/>
-    <dgm:txEffectClrLst/>
-  </dgm:styleLbl>
-  <dgm:styleLbl name="asst3">
-    <dgm:fillClrLst meth="repeat">
-      <a:schemeClr val="dk2"/>
-    </dgm:fillClrLst>
-    <dgm:linClrLst meth="repeat">
-      <a:schemeClr val="lt2"/>
-    </dgm:linClrLst>
-    <dgm:effectClrLst/>
-    <dgm:txLinClrLst/>
-    <dgm:txFillClrLst/>
-    <dgm:txEffectClrLst/>
-  </dgm:styleLbl>
-  <dgm:styleLbl name="asst4">
-    <dgm:fillClrLst meth="repeat">
-      <a:schemeClr val="dk2"/>
-    </dgm:fillClrLst>
-    <dgm:linClrLst meth="repeat">
-      <a:schemeClr val="lt2"/>
-    </dgm:linClrLst>
-    <dgm:effectClrLst/>
-    <dgm:txLinClrLst/>
-    <dgm:txFillClrLst/>
-    <dgm:txEffectClrLst/>
-  </dgm:styleLbl>
-  <dgm:styleLbl name="parChTrans2D1">
-    <dgm:fillClrLst meth="repeat">
-      <a:schemeClr val="dk2">
-        <a:tint val="60000"/>
-      </a:schemeClr>
-    </dgm:fillClrLst>
-    <dgm:linClrLst meth="repeat">
-      <a:schemeClr val="dk2">
-        <a:tint val="60000"/>
-      </a:schemeClr>
+  <dgm:styleLbl name="sibTrans1D1">
+    <dgm:fillClrLst/>
+    <dgm:linClrLst>
+      <a:schemeClr val="accent5"/>
+      <a:schemeClr val="accent6"/>
     </dgm:linClrLst>
     <dgm:effectClrLst/>
     <dgm:txLinClrLst/>
     <dgm:txFillClrLst meth="repeat">
-      <a:schemeClr val="lt2"/>
+      <a:schemeClr val="tx1"/>
     </dgm:txFillClrLst>
     <dgm:txEffectClrLst/>
   </dgm:styleLbl>
-  <dgm:styleLbl name="parChTrans2D2">
+  <dgm:styleLbl name="callout">
     <dgm:fillClrLst meth="repeat">
-      <a:schemeClr val="dk2"/>
+      <a:schemeClr val="accent5"/>
     </dgm:fillClrLst>
     <dgm:linClrLst meth="repeat">
-      <a:schemeClr val="dk2"/>
-    </dgm:linClrLst>
-    <dgm:effectClrLst/>
-    <dgm:txLinClrLst/>
-    <dgm:txFillClrLst meth="repeat">
-      <a:schemeClr val="lt2"/>
-    </dgm:txFillClrLst>
-    <dgm:txEffectClrLst/>
-  </dgm:styleLbl>
-  <dgm:styleLbl name="parChTrans2D3">
-    <dgm:fillClrLst meth="repeat">
-      <a:schemeClr val="dk2"/>
-    </dgm:fillClrLst>
-    <dgm:linClrLst meth="repeat">
-      <a:schemeClr val="dk2"/>
-    </dgm:linClrLst>
-    <dgm:effectClrLst/>
-    <dgm:txLinClrLst/>
-    <dgm:txFillClrLst meth="repeat">
-      <a:schemeClr val="lt2"/>
-    </dgm:txFillClrLst>
-    <dgm:txEffectClrLst/>
-  </dgm:styleLbl>
-  <dgm:styleLbl name="parChTrans2D4">
-    <dgm:fillClrLst meth="repeat">
-      <a:schemeClr val="dk2"/>
-    </dgm:fillClrLst>
-    <dgm:linClrLst meth="repeat">
-      <a:schemeClr val="dk2"/>
-    </dgm:linClrLst>
-    <dgm:effectClrLst/>
-    <dgm:txLinClrLst/>
-    <dgm:txFillClrLst meth="repeat">
-      <a:schemeClr val="lt2"/>
-    </dgm:txFillClrLst>
-    <dgm:txEffectClrLst/>
-  </dgm:styleLbl>
-  <dgm:styleLbl name="parChTrans1D1">
-    <dgm:fillClrLst meth="repeat">
-      <a:schemeClr val="dk2"/>
-    </dgm:fillClrLst>
-    <dgm:linClrLst meth="repeat">
-      <a:schemeClr val="dk2">
-        <a:shade val="60000"/>
+      <a:schemeClr val="accent5">
+        <a:tint val="50000"/>
       </a:schemeClr>
     </dgm:linClrLst>
     <dgm:effectClrLst/>
@@ -494,14 +364,128 @@
     </dgm:txFillClrLst>
     <dgm:txEffectClrLst/>
   </dgm:styleLbl>
-  <dgm:styleLbl name="parChTrans1D2">
+  <dgm:styleLbl name="asst0">
     <dgm:fillClrLst meth="repeat">
-      <a:schemeClr val="dk2"/>
+      <a:schemeClr val="accent5"/>
     </dgm:fillClrLst>
     <dgm:linClrLst meth="repeat">
-      <a:schemeClr val="dk2">
-        <a:shade val="60000"/>
+      <a:schemeClr val="lt1">
+        <a:shade val="80000"/>
       </a:schemeClr>
+    </dgm:linClrLst>
+    <dgm:effectClrLst/>
+    <dgm:txLinClrLst/>
+    <dgm:txFillClrLst/>
+    <dgm:txEffectClrLst/>
+  </dgm:styleLbl>
+  <dgm:styleLbl name="asst1">
+    <dgm:fillClrLst meth="repeat">
+      <a:schemeClr val="accent6"/>
+    </dgm:fillClrLst>
+    <dgm:linClrLst meth="repeat">
+      <a:schemeClr val="lt1">
+        <a:shade val="80000"/>
+      </a:schemeClr>
+    </dgm:linClrLst>
+    <dgm:effectClrLst/>
+    <dgm:txLinClrLst/>
+    <dgm:txFillClrLst/>
+    <dgm:txEffectClrLst/>
+  </dgm:styleLbl>
+  <dgm:styleLbl name="asst2">
+    <dgm:fillClrLst>
+      <a:schemeClr val="accent1"/>
+    </dgm:fillClrLst>
+    <dgm:linClrLst meth="repeat">
+      <a:schemeClr val="lt1"/>
+    </dgm:linClrLst>
+    <dgm:effectClrLst/>
+    <dgm:txLinClrLst/>
+    <dgm:txFillClrLst/>
+    <dgm:txEffectClrLst/>
+  </dgm:styleLbl>
+  <dgm:styleLbl name="asst3">
+    <dgm:fillClrLst>
+      <a:schemeClr val="accent2"/>
+    </dgm:fillClrLst>
+    <dgm:linClrLst meth="repeat">
+      <a:schemeClr val="lt1"/>
+    </dgm:linClrLst>
+    <dgm:effectClrLst/>
+    <dgm:txLinClrLst/>
+    <dgm:txFillClrLst/>
+    <dgm:txEffectClrLst/>
+  </dgm:styleLbl>
+  <dgm:styleLbl name="asst4">
+    <dgm:fillClrLst>
+      <a:schemeClr val="accent3"/>
+    </dgm:fillClrLst>
+    <dgm:linClrLst meth="repeat">
+      <a:schemeClr val="lt1"/>
+    </dgm:linClrLst>
+    <dgm:effectClrLst/>
+    <dgm:txLinClrLst/>
+    <dgm:txFillClrLst/>
+    <dgm:txEffectClrLst/>
+  </dgm:styleLbl>
+  <dgm:styleLbl name="parChTrans2D1">
+    <dgm:fillClrLst meth="repeat">
+      <a:schemeClr val="accent5"/>
+    </dgm:fillClrLst>
+    <dgm:linClrLst meth="repeat">
+      <a:schemeClr val="lt1"/>
+    </dgm:linClrLst>
+    <dgm:effectClrLst/>
+    <dgm:txLinClrLst/>
+    <dgm:txFillClrLst meth="repeat">
+      <a:schemeClr val="lt1"/>
+    </dgm:txFillClrLst>
+    <dgm:txEffectClrLst/>
+  </dgm:styleLbl>
+  <dgm:styleLbl name="parChTrans2D2">
+    <dgm:fillClrLst meth="repeat">
+      <a:schemeClr val="accent6"/>
+    </dgm:fillClrLst>
+    <dgm:linClrLst meth="repeat">
+      <a:schemeClr val="lt1"/>
+    </dgm:linClrLst>
+    <dgm:effectClrLst/>
+    <dgm:txLinClrLst/>
+    <dgm:txFillClrLst/>
+    <dgm:txEffectClrLst/>
+  </dgm:styleLbl>
+  <dgm:styleLbl name="parChTrans2D3">
+    <dgm:fillClrLst meth="repeat">
+      <a:schemeClr val="accent6"/>
+    </dgm:fillClrLst>
+    <dgm:linClrLst meth="repeat">
+      <a:schemeClr val="lt1"/>
+    </dgm:linClrLst>
+    <dgm:effectClrLst/>
+    <dgm:txLinClrLst/>
+    <dgm:txFillClrLst/>
+    <dgm:txEffectClrLst/>
+  </dgm:styleLbl>
+  <dgm:styleLbl name="parChTrans2D4">
+    <dgm:fillClrLst meth="repeat">
+      <a:schemeClr val="accent1"/>
+    </dgm:fillClrLst>
+    <dgm:linClrLst meth="repeat">
+      <a:schemeClr val="lt1"/>
+    </dgm:linClrLst>
+    <dgm:effectClrLst/>
+    <dgm:txLinClrLst/>
+    <dgm:txFillClrLst meth="repeat">
+      <a:schemeClr val="lt1"/>
+    </dgm:txFillClrLst>
+    <dgm:txEffectClrLst/>
+  </dgm:styleLbl>
+  <dgm:styleLbl name="parChTrans1D1">
+    <dgm:fillClrLst meth="repeat">
+      <a:schemeClr val="accent5"/>
+    </dgm:fillClrLst>
+    <dgm:linClrLst meth="repeat">
+      <a:schemeClr val="accent5"/>
     </dgm:linClrLst>
     <dgm:effectClrLst/>
     <dgm:txLinClrLst/>
@@ -510,14 +494,14 @@
     </dgm:txFillClrLst>
     <dgm:txEffectClrLst/>
   </dgm:styleLbl>
-  <dgm:styleLbl name="parChTrans1D3">
+  <dgm:styleLbl name="parChTrans1D2">
     <dgm:fillClrLst meth="repeat">
-      <a:schemeClr val="dk2"/>
+      <a:schemeClr val="accent6">
+        <a:tint val="90000"/>
+      </a:schemeClr>
     </dgm:fillClrLst>
     <dgm:linClrLst meth="repeat">
-      <a:schemeClr val="dk2">
-        <a:shade val="80000"/>
-      </a:schemeClr>
+      <a:schemeClr val="accent6"/>
     </dgm:linClrLst>
     <dgm:effectClrLst/>
     <dgm:txLinClrLst/>
@@ -526,14 +510,14 @@
     </dgm:txFillClrLst>
     <dgm:txEffectClrLst/>
   </dgm:styleLbl>
-  <dgm:styleLbl name="parChTrans1D4">
+  <dgm:styleLbl name="parChTrans1D3">
     <dgm:fillClrLst meth="repeat">
-      <a:schemeClr val="dk2"/>
+      <a:schemeClr val="accent6">
+        <a:tint val="70000"/>
+      </a:schemeClr>
     </dgm:fillClrLst>
     <dgm:linClrLst meth="repeat">
-      <a:schemeClr val="dk2">
-        <a:shade val="80000"/>
-      </a:schemeClr>
+      <a:schemeClr val="accent1"/>
     </dgm:linClrLst>
     <dgm:effectClrLst/>
     <dgm:txLinClrLst/>
@@ -542,14 +526,31 @@
     </dgm:txFillClrLst>
     <dgm:txEffectClrLst/>
   </dgm:styleLbl>
+  <dgm:styleLbl name="parChTrans1D4">
+    <dgm:fillClrLst meth="repeat">
+      <a:schemeClr val="accent6">
+        <a:tint val="50000"/>
+      </a:schemeClr>
+    </dgm:fillClrLst>
+    <dgm:linClrLst meth="repeat">
+      <a:schemeClr val="accent2"/>
+    </dgm:linClrLst>
+    <dgm:effectClrLst/>
+    <dgm:txLinClrLst/>
+    <dgm:txFillClrLst meth="repeat">
+      <a:schemeClr val="tx1"/>
+    </dgm:txFillClrLst>
+    <dgm:txEffectClrLst/>
+  </dgm:styleLbl>
   <dgm:styleLbl name="fgAcc1">
     <dgm:fillClrLst meth="repeat">
-      <a:schemeClr val="lt2">
+      <a:schemeClr val="lt1">
         <a:alpha val="90000"/>
       </a:schemeClr>
     </dgm:fillClrLst>
-    <dgm:linClrLst meth="repeat">
-      <a:schemeClr val="dk2"/>
+    <dgm:linClrLst>
+      <a:schemeClr val="accent5"/>
+      <a:schemeClr val="accent6"/>
     </dgm:linClrLst>
     <dgm:effectClrLst/>
     <dgm:txLinClrLst/>
@@ -560,12 +561,13 @@
   </dgm:styleLbl>
   <dgm:styleLbl name="conFgAcc1">
     <dgm:fillClrLst meth="repeat">
-      <a:schemeClr val="lt2">
+      <a:schemeClr val="lt1">
         <a:alpha val="90000"/>
       </a:schemeClr>
     </dgm:fillClrLst>
-    <dgm:linClrLst meth="repeat">
-      <a:schemeClr val="dk2"/>
+    <dgm:linClrLst>
+      <a:schemeClr val="accent5"/>
+      <a:schemeClr val="accent6"/>
     </dgm:linClrLst>
     <dgm:effectClrLst/>
     <dgm:txLinClrLst/>
@@ -576,12 +578,13 @@
   </dgm:styleLbl>
   <dgm:styleLbl name="alignAcc1">
     <dgm:fillClrLst meth="repeat">
-      <a:schemeClr val="lt2">
+      <a:schemeClr val="lt1">
         <a:alpha val="90000"/>
       </a:schemeClr>
     </dgm:fillClrLst>
-    <dgm:linClrLst meth="repeat">
-      <a:schemeClr val="dk2"/>
+    <dgm:linClrLst>
+      <a:schemeClr val="accent5"/>
+      <a:schemeClr val="accent6"/>
     </dgm:linClrLst>
     <dgm:effectClrLst/>
     <dgm:txLinClrLst/>
@@ -592,12 +595,12 @@
   </dgm:styleLbl>
   <dgm:styleLbl name="trAlignAcc1">
     <dgm:fillClrLst meth="repeat">
-      <a:schemeClr val="lt2">
+      <a:schemeClr val="lt1">
         <a:alpha val="40000"/>
       </a:schemeClr>
     </dgm:fillClrLst>
     <dgm:linClrLst meth="repeat">
-      <a:schemeClr val="dk2"/>
+      <a:schemeClr val="accent5"/>
     </dgm:linClrLst>
     <dgm:effectClrLst/>
     <dgm:txLinClrLst/>
@@ -608,12 +611,13 @@
   </dgm:styleLbl>
   <dgm:styleLbl name="bgAcc1">
     <dgm:fillClrLst meth="repeat">
-      <a:schemeClr val="lt2">
+      <a:schemeClr val="lt1">
         <a:alpha val="90000"/>
       </a:schemeClr>
     </dgm:fillClrLst>
-    <dgm:linClrLst meth="repeat">
-      <a:schemeClr val="dk2"/>
+    <dgm:linClrLst>
+      <a:schemeClr val="accent5"/>
+      <a:schemeClr val="accent6"/>
     </dgm:linClrLst>
     <dgm:effectClrLst/>
     <dgm:txLinClrLst/>
@@ -624,10 +628,11 @@
   </dgm:styleLbl>
   <dgm:styleLbl name="solidFgAcc1">
     <dgm:fillClrLst meth="repeat">
-      <a:schemeClr val="lt2"/>
+      <a:schemeClr val="lt1"/>
     </dgm:fillClrLst>
-    <dgm:linClrLst meth="repeat">
-      <a:schemeClr val="dk2"/>
+    <dgm:linClrLst>
+      <a:schemeClr val="accent5"/>
+      <a:schemeClr val="accent6"/>
     </dgm:linClrLst>
     <dgm:effectClrLst/>
     <dgm:txLinClrLst/>
@@ -638,10 +643,11 @@
   </dgm:styleLbl>
   <dgm:styleLbl name="solidAlignAcc1">
     <dgm:fillClrLst meth="repeat">
-      <a:schemeClr val="lt2"/>
+      <a:schemeClr val="lt1"/>
     </dgm:fillClrLst>
-    <dgm:linClrLst meth="repeat">
-      <a:schemeClr val="dk2"/>
+    <dgm:linClrLst>
+      <a:schemeClr val="accent5"/>
+      <a:schemeClr val="accent6"/>
     </dgm:linClrLst>
     <dgm:effectClrLst/>
     <dgm:txLinClrLst/>
@@ -652,10 +658,11 @@
   </dgm:styleLbl>
   <dgm:styleLbl name="solidBgAcc1">
     <dgm:fillClrLst meth="repeat">
-      <a:schemeClr val="lt2"/>
+      <a:schemeClr val="lt1"/>
     </dgm:fillClrLst>
-    <dgm:linClrLst meth="repeat">
-      <a:schemeClr val="dk2"/>
+    <dgm:linClrLst>
+      <a:schemeClr val="accent5"/>
+      <a:schemeClr val="accent6"/>
     </dgm:linClrLst>
     <dgm:effectClrLst/>
     <dgm:txLinClrLst/>
@@ -665,16 +672,24 @@
     <dgm:txEffectClrLst/>
   </dgm:styleLbl>
   <dgm:styleLbl name="fgAccFollowNode1">
-    <dgm:fillClrLst meth="repeat">
-      <a:schemeClr val="dk2">
+    <dgm:fillClrLst>
+      <a:schemeClr val="accent5">
+        <a:tint val="40000"/>
         <a:alpha val="90000"/>
+      </a:schemeClr>
+      <a:schemeClr val="accent6">
         <a:tint val="40000"/>
+        <a:alpha val="90000"/>
       </a:schemeClr>
     </dgm:fillClrLst>
-    <dgm:linClrLst meth="repeat">
-      <a:schemeClr val="dk2">
+    <dgm:linClrLst>
+      <a:schemeClr val="accent5">
+        <a:tint val="40000"/>
         <a:alpha val="90000"/>
+      </a:schemeClr>
+      <a:schemeClr val="accent5">
         <a:tint val="40000"/>
+        <a:alpha val="90000"/>
       </a:schemeClr>
     </dgm:linClrLst>
     <dgm:effectClrLst/>
@@ -685,16 +700,24 @@
     <dgm:txEffectClrLst/>
   </dgm:styleLbl>
   <dgm:styleLbl name="alignAccFollowNode1">
-    <dgm:fillClrLst meth="repeat">
-      <a:schemeClr val="dk2">
+    <dgm:fillClrLst>
+      <a:schemeClr val="accent5">
+        <a:tint val="40000"/>
         <a:alpha val="90000"/>
+      </a:schemeClr>
+      <a:schemeClr val="accent6">
         <a:tint val="40000"/>
+        <a:alpha val="90000"/>
       </a:schemeClr>
     </dgm:fillClrLst>
-    <dgm:linClrLst meth="repeat">
-      <a:schemeClr val="dk2">
+    <dgm:linClrLst>
+      <a:schemeClr val="accent5">
+        <a:tint val="40000"/>
         <a:alpha val="90000"/>
+      </a:schemeClr>
+      <a:schemeClr val="accent6">
         <a:tint val="40000"/>
+        <a:alpha val="90000"/>
       </a:schemeClr>
     </dgm:linClrLst>
     <dgm:effectClrLst/>
@@ -705,16 +728,24 @@
     <dgm:txEffectClrLst/>
   </dgm:styleLbl>
   <dgm:styleLbl name="bgAccFollowNode1">
-    <dgm:fillClrLst meth="repeat">
-      <a:schemeClr val="dk2">
+    <dgm:fillClrLst>
+      <a:schemeClr val="accent5">
+        <a:tint val="40000"/>
         <a:alpha val="90000"/>
+      </a:schemeClr>
+      <a:schemeClr val="accent6">
         <a:tint val="40000"/>
+        <a:alpha val="90000"/>
       </a:schemeClr>
     </dgm:fillClrLst>
-    <dgm:linClrLst meth="repeat">
-      <a:schemeClr val="dk2">
+    <dgm:linClrLst>
+      <a:schemeClr val="accent5">
+        <a:tint val="40000"/>
         <a:alpha val="90000"/>
+      </a:schemeClr>
+      <a:schemeClr val="accent6">
         <a:tint val="40000"/>
+        <a:alpha val="90000"/>
       </a:schemeClr>
     </dgm:linClrLst>
     <dgm:effectClrLst/>
@@ -726,12 +757,12 @@
   </dgm:styleLbl>
   <dgm:styleLbl name="fgAcc0">
     <dgm:fillClrLst meth="repeat">
-      <a:schemeClr val="lt2">
+      <a:schemeClr val="lt1">
         <a:alpha val="90000"/>
       </a:schemeClr>
     </dgm:fillClrLst>
-    <dgm:linClrLst meth="repeat">
-      <a:schemeClr val="dk2"/>
+    <dgm:linClrLst>
+      <a:schemeClr val="accent4"/>
     </dgm:linClrLst>
     <dgm:effectClrLst/>
     <dgm:txLinClrLst/>
@@ -742,12 +773,12 @@
   </dgm:styleLbl>
   <dgm:styleLbl name="fgAcc2">
     <dgm:fillClrLst meth="repeat">
-      <a:schemeClr val="lt2">
+      <a:schemeClr val="lt1">
         <a:alpha val="90000"/>
       </a:schemeClr>
     </dgm:fillClrLst>
-    <dgm:linClrLst meth="repeat">
-      <a:schemeClr val="dk2"/>
+    <dgm:linClrLst>
+      <a:schemeClr val="accent6"/>
     </dgm:linClrLst>
     <dgm:effectClrLst/>
     <dgm:txLinClrLst/>
@@ -758,12 +789,12 @@
   </dgm:styleLbl>
   <dgm:styleLbl name="fgAcc3">
     <dgm:fillClrLst meth="repeat">
-      <a:schemeClr val="lt2">
+      <a:schemeClr val="lt1">
         <a:alpha val="90000"/>
       </a:schemeClr>
     </dgm:fillClrLst>
-    <dgm:linClrLst meth="repeat">
-      <a:schemeClr val="dk2"/>
+    <dgm:linClrLst>
+      <a:schemeClr val="accent1"/>
     </dgm:linClrLst>
     <dgm:effectClrLst/>
     <dgm:txLinClrLst/>
@@ -774,12 +805,12 @@
   </dgm:styleLbl>
   <dgm:styleLbl name="fgAcc4">
     <dgm:fillClrLst meth="repeat">
-      <a:schemeClr val="lt2">
+      <a:schemeClr val="lt1">
         <a:alpha val="90000"/>
       </a:schemeClr>
     </dgm:fillClrLst>
-    <dgm:linClrLst meth="repeat">
-      <a:schemeClr val="dk2"/>
+    <dgm:linClrLst>
+      <a:schemeClr val="accent2"/>
     </dgm:linClrLst>
     <dgm:effectClrLst/>
     <dgm:txLinClrLst/>
@@ -790,12 +821,12 @@
   </dgm:styleLbl>
   <dgm:styleLbl name="bgShp">
     <dgm:fillClrLst meth="repeat">
-      <a:schemeClr val="dk2">
+      <a:schemeClr val="accent5">
         <a:tint val="40000"/>
       </a:schemeClr>
     </dgm:fillClrLst>
     <dgm:linClrLst meth="repeat">
-      <a:schemeClr val="dk2"/>
+      <a:schemeClr val="dk1"/>
     </dgm:linClrLst>
     <dgm:effectClrLst/>
     <dgm:txLinClrLst/>
@@ -806,12 +837,12 @@
   </dgm:styleLbl>
   <dgm:styleLbl name="dkBgShp">
     <dgm:fillClrLst meth="repeat">
-      <a:schemeClr val="dk2">
-        <a:shade val="80000"/>
+      <a:schemeClr val="accent5">
+        <a:shade val="90000"/>
       </a:schemeClr>
     </dgm:fillClrLst>
     <dgm:linClrLst meth="repeat">
-      <a:schemeClr val="dk2"/>
+      <a:schemeClr val="dk1"/>
     </dgm:linClrLst>
     <dgm:effectClrLst/>
     <dgm:txLinClrLst/>
@@ -822,13 +853,13 @@
   </dgm:styleLbl>
   <dgm:styleLbl name="trBgShp">
     <dgm:fillClrLst meth="repeat">
-      <a:schemeClr val="dk2">
+      <a:schemeClr val="accent5">
         <a:tint val="50000"/>
         <a:alpha val="40000"/>
       </a:schemeClr>
     </dgm:fillClrLst>
     <dgm:linClrLst meth="repeat">
-      <a:schemeClr val="dk2"/>
+      <a:schemeClr val="accent5"/>
     </dgm:linClrLst>
     <dgm:effectClrLst/>
     <dgm:txLinClrLst/>
@@ -839,12 +870,12 @@
   </dgm:styleLbl>
   <dgm:styleLbl name="fgShp">
     <dgm:fillClrLst meth="repeat">
-      <a:schemeClr val="dk2">
-        <a:tint val="60000"/>
+      <a:schemeClr val="accent5">
+        <a:tint val="40000"/>
       </a:schemeClr>
     </dgm:fillClrLst>
     <dgm:linClrLst meth="repeat">
-      <a:schemeClr val="lt2"/>
+      <a:schemeClr val="lt1"/>
     </dgm:linClrLst>
     <dgm:effectClrLst/>
     <dgm:txLinClrLst/>
@@ -855,7 +886,7 @@
   </dgm:styleLbl>
   <dgm:styleLbl name="revTx">
     <dgm:fillClrLst meth="repeat">
-      <a:schemeClr val="lt2">
+      <a:schemeClr val="lt1">
         <a:alpha val="0"/>
       </a:schemeClr>
     </dgm:fillClrLst>
@@ -1622,15 +1653,15 @@
 </file>
 
 <file path=ppt/diagrams/colors3.xml><?xml version="1.0" encoding="utf-8"?>
-<dgm:colorsDef xmlns:dgm="http://schemas.openxmlformats.org/drawingml/2006/diagram" xmlns:a="http://schemas.openxmlformats.org/drawingml/2006/main" uniqueId="urn:microsoft.com/office/officeart/2005/8/colors/colorful2">
+<dgm:colorsDef xmlns:dgm="http://schemas.openxmlformats.org/drawingml/2006/diagram" xmlns:a="http://schemas.openxmlformats.org/drawingml/2006/main" uniqueId="urn:microsoft.com/office/officeart/2005/8/colors/colorful5">
   <dgm:title val=""/>
   <dgm:desc val=""/>
   <dgm:catLst>
-    <dgm:cat type="colorful" pri="10200"/>
+    <dgm:cat type="colorful" pri="10500"/>
   </dgm:catLst>
   <dgm:styleLbl name="node0">
     <dgm:fillClrLst meth="repeat">
-      <a:schemeClr val="accent1"/>
+      <a:schemeClr val="accent4"/>
     </dgm:fillClrLst>
     <dgm:linClrLst meth="repeat">
       <a:schemeClr val="lt1"/>
@@ -1642,8 +1673,8 @@
   </dgm:styleLbl>
   <dgm:styleLbl name="node1">
     <dgm:fillClrLst>
-      <a:schemeClr val="accent2"/>
-      <a:schemeClr val="accent3"/>
+      <a:schemeClr val="accent5"/>
+      <a:schemeClr val="accent6"/>
     </dgm:fillClrLst>
     <dgm:linClrLst meth="repeat">
       <a:schemeClr val="lt1"/>
@@ -1655,12 +1686,12 @@
   </dgm:styleLbl>
   <dgm:styleLbl name="alignNode1">
     <dgm:fillClrLst>
-      <a:schemeClr val="accent2"/>
-      <a:schemeClr val="accent3"/>
+      <a:schemeClr val="accent5"/>
+      <a:schemeClr val="accent6"/>
     </dgm:fillClrLst>
     <dgm:linClrLst>
-      <a:schemeClr val="accent2"/>
-      <a:schemeClr val="accent3"/>
+      <a:schemeClr val="accent5"/>
+      <a:schemeClr val="accent6"/>
     </dgm:linClrLst>
     <dgm:effectClrLst/>
     <dgm:txLinClrLst/>
@@ -1669,8 +1700,8 @@
   </dgm:styleLbl>
   <dgm:styleLbl name="lnNode1">
     <dgm:fillClrLst>
-      <a:schemeClr val="accent2"/>
-      <a:schemeClr val="accent3"/>
+      <a:schemeClr val="accent5"/>
+      <a:schemeClr val="accent6"/>
     </dgm:fillClrLst>
     <dgm:linClrLst meth="repeat">
       <a:schemeClr val="lt1"/>
@@ -1682,10 +1713,10 @@
   </dgm:styleLbl>
   <dgm:styleLbl name="vennNode1">
     <dgm:fillClrLst>
-      <a:schemeClr val="accent2">
+      <a:schemeClr val="accent5">
         <a:alpha val="50000"/>
       </a:schemeClr>
-      <a:schemeClr val="accent3">
+      <a:schemeClr val="accent6">
         <a:alpha val="50000"/>
       </a:schemeClr>
     </dgm:fillClrLst>
@@ -1699,7 +1730,7 @@
   </dgm:styleLbl>
   <dgm:styleLbl name="node2">
     <dgm:fillClrLst>
-      <a:schemeClr val="accent3"/>
+      <a:schemeClr val="accent6"/>
     </dgm:fillClrLst>
     <dgm:linClrLst meth="repeat">
       <a:schemeClr val="lt1"/>
@@ -1711,7 +1742,7 @@
   </dgm:styleLbl>
   <dgm:styleLbl name="node3">
     <dgm:fillClrLst>
-      <a:schemeClr val="accent4"/>
+      <a:schemeClr val="accent1"/>
     </dgm:fillClrLst>
     <dgm:linClrLst meth="repeat">
       <a:schemeClr val="lt1"/>
@@ -1723,7 +1754,7 @@
   </dgm:styleLbl>
   <dgm:styleLbl name="node4">
     <dgm:fillClrLst>
-      <a:schemeClr val="accent5"/>
+      <a:schemeClr val="accent2"/>
     </dgm:fillClrLst>
     <dgm:linClrLst meth="repeat">
       <a:schemeClr val="lt1"/>
@@ -1735,10 +1766,10 @@
   </dgm:styleLbl>
   <dgm:styleLbl name="fgImgPlace1">
     <dgm:fillClrLst>
-      <a:schemeClr val="accent2">
+      <a:schemeClr val="accent5">
         <a:tint val="50000"/>
       </a:schemeClr>
-      <a:schemeClr val="accent3">
+      <a:schemeClr val="accent6">
         <a:tint val="50000"/>
       </a:schemeClr>
     </dgm:fillClrLst>
@@ -1754,10 +1785,10 @@
   </dgm:styleLbl>
   <dgm:styleLbl name="alignImgPlace1">
     <dgm:fillClrLst>
-      <a:schemeClr val="accent2">
+      <a:schemeClr val="accent5">
         <a:tint val="50000"/>
       </a:schemeClr>
-      <a:schemeClr val="accent3">
+      <a:schemeClr val="accent6">
         <a:tint val="20000"/>
       </a:schemeClr>
     </dgm:fillClrLst>
@@ -1773,10 +1804,10 @@
   </dgm:styleLbl>
   <dgm:styleLbl name="bgImgPlace1">
     <dgm:fillClrLst>
-      <a:schemeClr val="accent2">
+      <a:schemeClr val="accent5">
         <a:tint val="50000"/>
       </a:schemeClr>
-      <a:schemeClr val="accent3">
+      <a:schemeClr val="accent6">
         <a:tint val="20000"/>
       </a:schemeClr>
     </dgm:fillClrLst>
@@ -1792,8 +1823,8 @@
   </dgm:styleLbl>
   <dgm:styleLbl name="sibTrans2D1">
     <dgm:fillClrLst>
-      <a:schemeClr val="accent2"/>
-      <a:schemeClr val="accent3"/>
+      <a:schemeClr val="accent5"/>
+      <a:schemeClr val="accent6"/>
     </dgm:fillClrLst>
     <dgm:linClrLst meth="repeat">
       <a:schemeClr val="lt1"/>
@@ -1805,8 +1836,8 @@
   </dgm:styleLbl>
   <dgm:styleLbl name="fgSibTrans2D1">
     <dgm:fillClrLst>
-      <a:schemeClr val="accent2"/>
-      <a:schemeClr val="accent3"/>
+      <a:schemeClr val="accent5"/>
+      <a:schemeClr val="accent6"/>
     </dgm:fillClrLst>
     <dgm:linClrLst meth="repeat">
       <a:schemeClr val="lt1"/>
@@ -1820,8 +1851,8 @@
   </dgm:styleLbl>
   <dgm:styleLbl name="bgSibTrans2D1">
     <dgm:fillClrLst>
-      <a:schemeClr val="accent2"/>
-      <a:schemeClr val="accent3"/>
+      <a:schemeClr val="accent5"/>
+      <a:schemeClr val="accent6"/>
     </dgm:fillClrLst>
     <dgm:linClrLst meth="repeat">
       <a:schemeClr val="lt1"/>
@@ -1836,8 +1867,8 @@
   <dgm:styleLbl name="sibTrans1D1">
     <dgm:fillClrLst/>
     <dgm:linClrLst>
-      <a:schemeClr val="accent2"/>
-      <a:schemeClr val="accent3"/>
+      <a:schemeClr val="accent5"/>
+      <a:schemeClr val="accent6"/>
     </dgm:linClrLst>
     <dgm:effectClrLst/>
     <dgm:txLinClrLst/>
@@ -1848,10 +1879,10 @@
   </dgm:styleLbl>
   <dgm:styleLbl name="callout">
     <dgm:fillClrLst meth="repeat">
-      <a:schemeClr val="accent2"/>
+      <a:schemeClr val="accent5"/>
     </dgm:fillClrLst>
     <dgm:linClrLst meth="repeat">
-      <a:schemeClr val="accent2">
+      <a:schemeClr val="accent5">
         <a:tint val="50000"/>
       </a:schemeClr>
     </dgm:linClrLst>
@@ -1864,7 +1895,7 @@
   </dgm:styleLbl>
   <dgm:styleLbl name="asst0">
     <dgm:fillClrLst meth="repeat">
-      <a:schemeClr val="accent2"/>
+      <a:schemeClr val="accent5"/>
     </dgm:fillClrLst>
     <dgm:linClrLst meth="repeat">
       <a:schemeClr val="lt1">
@@ -1878,7 +1909,7 @@
   </dgm:styleLbl>
   <dgm:styleLbl name="asst1">
     <dgm:fillClrLst meth="repeat">
-      <a:schemeClr val="accent3"/>
+      <a:schemeClr val="accent6"/>
     </dgm:fillClrLst>
     <dgm:linClrLst meth="repeat">
       <a:schemeClr val="lt1">
@@ -1892,7 +1923,7 @@
   </dgm:styleLbl>
   <dgm:styleLbl name="asst2">
     <dgm:fillClrLst>
-      <a:schemeClr val="accent4"/>
+      <a:schemeClr val="accent1"/>
     </dgm:fillClrLst>
     <dgm:linClrLst meth="repeat">
       <a:schemeClr val="lt1"/>
@@ -1904,7 +1935,7 @@
   </dgm:styleLbl>
   <dgm:styleLbl name="asst3">
     <dgm:fillClrLst>
-      <a:schemeClr val="accent5"/>
+      <a:schemeClr val="accent2"/>
     </dgm:fillClrLst>
     <dgm:linClrLst meth="repeat">
       <a:schemeClr val="lt1"/>
@@ -1916,32 +1947,6 @@
   </dgm:styleLbl>
   <dgm:styleLbl name="asst4">
     <dgm:fillClrLst>
-      <a:schemeClr val="accent6"/>
-    </dgm:fillClrLst>
-    <dgm:linClrLst meth="repeat">
-      <a:schemeClr val="lt1"/>
-    </dgm:linClrLst>
-    <dgm:effectClrLst/>
-    <dgm:txLinClrLst/>
-    <dgm:txFillClrLst/>
-    <dgm:txEffectClrLst/>
-  </dgm:styleLbl>
-  <dgm:styleLbl name="parChTrans2D1">
-    <dgm:fillClrLst meth="repeat">
-      <a:schemeClr val="accent2"/>
-    </dgm:fillClrLst>
-    <dgm:linClrLst meth="repeat">
-      <a:schemeClr val="lt1"/>
-    </dgm:linClrLst>
-    <dgm:effectClrLst/>
-    <dgm:txLinClrLst/>
-    <dgm:txFillClrLst meth="repeat">
-      <a:schemeClr val="lt1"/>
-    </dgm:txFillClrLst>
-    <dgm:txEffectClrLst/>
-  </dgm:styleLbl>
-  <dgm:styleLbl name="parChTrans2D2">
-    <dgm:fillClrLst meth="repeat">
       <a:schemeClr val="accent3"/>
     </dgm:fillClrLst>
     <dgm:linClrLst meth="repeat">
@@ -1952,19 +1957,7 @@
     <dgm:txFillClrLst/>
     <dgm:txEffectClrLst/>
   </dgm:styleLbl>
-  <dgm:styleLbl name="parChTrans2D3">
-    <dgm:fillClrLst meth="repeat">
-      <a:schemeClr val="accent4"/>
-    </dgm:fillClrLst>
-    <dgm:linClrLst meth="repeat">
-      <a:schemeClr val="lt1"/>
-    </dgm:linClrLst>
-    <dgm:effectClrLst/>
-    <dgm:txLinClrLst/>
-    <dgm:txFillClrLst/>
-    <dgm:txEffectClrLst/>
-  </dgm:styleLbl>
-  <dgm:styleLbl name="parChTrans2D4">
+  <dgm:styleLbl name="parChTrans2D1">
     <dgm:fillClrLst meth="repeat">
       <a:schemeClr val="accent5"/>
     </dgm:fillClrLst>
@@ -1978,9 +1971,95 @@
     </dgm:txFillClrLst>
     <dgm:txEffectClrLst/>
   </dgm:styleLbl>
+  <dgm:styleLbl name="parChTrans2D2">
+    <dgm:fillClrLst meth="repeat">
+      <a:schemeClr val="accent6"/>
+    </dgm:fillClrLst>
+    <dgm:linClrLst meth="repeat">
+      <a:schemeClr val="lt1"/>
+    </dgm:linClrLst>
+    <dgm:effectClrLst/>
+    <dgm:txLinClrLst/>
+    <dgm:txFillClrLst/>
+    <dgm:txEffectClrLst/>
+  </dgm:styleLbl>
+  <dgm:styleLbl name="parChTrans2D3">
+    <dgm:fillClrLst meth="repeat">
+      <a:schemeClr val="accent6"/>
+    </dgm:fillClrLst>
+    <dgm:linClrLst meth="repeat">
+      <a:schemeClr val="lt1"/>
+    </dgm:linClrLst>
+    <dgm:effectClrLst/>
+    <dgm:txLinClrLst/>
+    <dgm:txFillClrLst/>
+    <dgm:txEffectClrLst/>
+  </dgm:styleLbl>
+  <dgm:styleLbl name="parChTrans2D4">
+    <dgm:fillClrLst meth="repeat">
+      <a:schemeClr val="accent1"/>
+    </dgm:fillClrLst>
+    <dgm:linClrLst meth="repeat">
+      <a:schemeClr val="lt1"/>
+    </dgm:linClrLst>
+    <dgm:effectClrLst/>
+    <dgm:txLinClrLst/>
+    <dgm:txFillClrLst meth="repeat">
+      <a:schemeClr val="lt1"/>
+    </dgm:txFillClrLst>
+    <dgm:txEffectClrLst/>
+  </dgm:styleLbl>
   <dgm:styleLbl name="parChTrans1D1">
     <dgm:fillClrLst meth="repeat">
-      <a:schemeClr val="accent2"/>
+      <a:schemeClr val="accent5"/>
+    </dgm:fillClrLst>
+    <dgm:linClrLst meth="repeat">
+      <a:schemeClr val="accent5"/>
+    </dgm:linClrLst>
+    <dgm:effectClrLst/>
+    <dgm:txLinClrLst/>
+    <dgm:txFillClrLst meth="repeat">
+      <a:schemeClr val="tx1"/>
+    </dgm:txFillClrLst>
+    <dgm:txEffectClrLst/>
+  </dgm:styleLbl>
+  <dgm:styleLbl name="parChTrans1D2">
+    <dgm:fillClrLst meth="repeat">
+      <a:schemeClr val="accent6">
+        <a:tint val="90000"/>
+      </a:schemeClr>
+    </dgm:fillClrLst>
+    <dgm:linClrLst meth="repeat">
+      <a:schemeClr val="accent6"/>
+    </dgm:linClrLst>
+    <dgm:effectClrLst/>
+    <dgm:txLinClrLst/>
+    <dgm:txFillClrLst meth="repeat">
+      <a:schemeClr val="tx1"/>
+    </dgm:txFillClrLst>
+    <dgm:txEffectClrLst/>
+  </dgm:styleLbl>
+  <dgm:styleLbl name="parChTrans1D3">
+    <dgm:fillClrLst meth="repeat">
+      <a:schemeClr val="accent6">
+        <a:tint val="70000"/>
+      </a:schemeClr>
+    </dgm:fillClrLst>
+    <dgm:linClrLst meth="repeat">
+      <a:schemeClr val="accent1"/>
+    </dgm:linClrLst>
+    <dgm:effectClrLst/>
+    <dgm:txLinClrLst/>
+    <dgm:txFillClrLst meth="repeat">
+      <a:schemeClr val="tx1"/>
+    </dgm:txFillClrLst>
+    <dgm:txEffectClrLst/>
+  </dgm:styleLbl>
+  <dgm:styleLbl name="parChTrans1D4">
+    <dgm:fillClrLst meth="repeat">
+      <a:schemeClr val="accent6">
+        <a:tint val="50000"/>
+      </a:schemeClr>
     </dgm:fillClrLst>
     <dgm:linClrLst meth="repeat">
       <a:schemeClr val="accent2"/>
@@ -1992,42 +2071,61 @@
     </dgm:txFillClrLst>
     <dgm:txEffectClrLst/>
   </dgm:styleLbl>
-  <dgm:styleLbl name="parChTrans1D2">
+  <dgm:styleLbl name="fgAcc1">
     <dgm:fillClrLst meth="repeat">
-      <a:schemeClr val="accent2">
-        <a:tint val="90000"/>
+      <a:schemeClr val="lt1">
+        <a:alpha val="90000"/>
       </a:schemeClr>
     </dgm:fillClrLst>
-    <dgm:linClrLst meth="repeat">
-      <a:schemeClr val="accent3"/>
+    <dgm:linClrLst>
+      <a:schemeClr val="accent5"/>
+      <a:schemeClr val="accent6"/>
     </dgm:linClrLst>
     <dgm:effectClrLst/>
     <dgm:txLinClrLst/>
     <dgm:txFillClrLst meth="repeat">
-      <a:schemeClr val="tx1"/>
+      <a:schemeClr val="dk1"/>
     </dgm:txFillClrLst>
     <dgm:txEffectClrLst/>
   </dgm:styleLbl>
-  <dgm:styleLbl name="parChTrans1D3">
+  <dgm:styleLbl name="conFgAcc1">
     <dgm:fillClrLst meth="repeat">
-      <a:schemeClr val="accent2">
-        <a:tint val="70000"/>
+      <a:schemeClr val="lt1">
+        <a:alpha val="90000"/>
       </a:schemeClr>
     </dgm:fillClrLst>
-    <dgm:linClrLst meth="repeat">
-      <a:schemeClr val="accent4"/>
+    <dgm:linClrLst>
+      <a:schemeClr val="accent5"/>
+      <a:schemeClr val="accent6"/>
     </dgm:linClrLst>
     <dgm:effectClrLst/>
     <dgm:txLinClrLst/>
     <dgm:txFillClrLst meth="repeat">
-      <a:schemeClr val="tx1"/>
+      <a:schemeClr val="dk1"/>
     </dgm:txFillClrLst>
     <dgm:txEffectClrLst/>
   </dgm:styleLbl>
-  <dgm:styleLbl name="parChTrans1D4">
+  <dgm:styleLbl name="alignAcc1">
     <dgm:fillClrLst meth="repeat">
-      <a:schemeClr val="accent2">
-        <a:tint val="50000"/>
+      <a:schemeClr val="lt1">
+        <a:alpha val="90000"/>
+      </a:schemeClr>
+    </dgm:fillClrLst>
+    <dgm:linClrLst>
+      <a:schemeClr val="accent5"/>
+      <a:schemeClr val="accent6"/>
+    </dgm:linClrLst>
+    <dgm:effectClrLst/>
+    <dgm:txLinClrLst/>
+    <dgm:txFillClrLst meth="repeat">
+      <a:schemeClr val="dk1"/>
+    </dgm:txFillClrLst>
+    <dgm:txEffectClrLst/>
+  </dgm:styleLbl>
+  <dgm:styleLbl name="trAlignAcc1">
+    <dgm:fillClrLst meth="repeat">
+      <a:schemeClr val="lt1">
+        <a:alpha val="40000"/>
       </a:schemeClr>
     </dgm:fillClrLst>
     <dgm:linClrLst meth="repeat">
@@ -2036,19 +2134,19 @@
     <dgm:effectClrLst/>
     <dgm:txLinClrLst/>
     <dgm:txFillClrLst meth="repeat">
-      <a:schemeClr val="tx1"/>
+      <a:schemeClr val="dk1"/>
     </dgm:txFillClrLst>
     <dgm:txEffectClrLst/>
   </dgm:styleLbl>
-  <dgm:styleLbl name="fgAcc1">
+  <dgm:styleLbl name="bgAcc1">
     <dgm:fillClrLst meth="repeat">
       <a:schemeClr val="lt1">
         <a:alpha val="90000"/>
       </a:schemeClr>
     </dgm:fillClrLst>
     <dgm:linClrLst>
-      <a:schemeClr val="accent2"/>
-      <a:schemeClr val="accent3"/>
+      <a:schemeClr val="accent5"/>
+      <a:schemeClr val="accent6"/>
     </dgm:linClrLst>
     <dgm:effectClrLst/>
     <dgm:txLinClrLst/>
@@ -2057,15 +2155,13 @@
     </dgm:txFillClrLst>
     <dgm:txEffectClrLst/>
   </dgm:styleLbl>
-  <dgm:styleLbl name="conFgAcc1">
+  <dgm:styleLbl name="solidFgAcc1">
     <dgm:fillClrLst meth="repeat">
-      <a:schemeClr val="lt1">
-        <a:alpha val="90000"/>
-      </a:schemeClr>
+      <a:schemeClr val="lt1"/>
     </dgm:fillClrLst>
     <dgm:linClrLst>
-      <a:schemeClr val="accent2"/>
-      <a:schemeClr val="accent3"/>
+      <a:schemeClr val="accent5"/>
+      <a:schemeClr val="accent6"/>
     </dgm:linClrLst>
     <dgm:effectClrLst/>
     <dgm:txLinClrLst/>
@@ -2074,15 +2170,13 @@
     </dgm:txFillClrLst>
     <dgm:txEffectClrLst/>
   </dgm:styleLbl>
-  <dgm:styleLbl name="alignAcc1">
+  <dgm:styleLbl name="solidAlignAcc1">
     <dgm:fillClrLst meth="repeat">
-      <a:schemeClr val="lt1">
-        <a:alpha val="90000"/>
-      </a:schemeClr>
+      <a:schemeClr val="lt1"/>
     </dgm:fillClrLst>
     <dgm:linClrLst>
-      <a:schemeClr val="accent2"/>
-      <a:schemeClr val="accent3"/>
+      <a:schemeClr val="accent5"/>
+      <a:schemeClr val="accent6"/>
     </dgm:linClrLst>
     <dgm:effectClrLst/>
     <dgm:txLinClrLst/>
@@ -2091,14 +2185,13 @@
     </dgm:txFillClrLst>
     <dgm:txEffectClrLst/>
   </dgm:styleLbl>
-  <dgm:styleLbl name="trAlignAcc1">
+  <dgm:styleLbl name="solidBgAcc1">
     <dgm:fillClrLst meth="repeat">
-      <a:schemeClr val="lt1">
-        <a:alpha val="40000"/>
-      </a:schemeClr>
+      <a:schemeClr val="lt1"/>
     </dgm:fillClrLst>
-    <dgm:linClrLst meth="repeat">
-      <a:schemeClr val="accent2"/>
+    <dgm:linClrLst>
+      <a:schemeClr val="accent5"/>
+      <a:schemeClr val="accent6"/>
     </dgm:linClrLst>
     <dgm:effectClrLst/>
     <dgm:txLinClrLst/>
@@ -2107,85 +2200,23 @@
     </dgm:txFillClrLst>
     <dgm:txEffectClrLst/>
   </dgm:styleLbl>
-  <dgm:styleLbl name="bgAcc1">
-    <dgm:fillClrLst meth="repeat">
-      <a:schemeClr val="lt1">
-        <a:alpha val="90000"/>
-      </a:schemeClr>
-    </dgm:fillClrLst>
-    <dgm:linClrLst>
-      <a:schemeClr val="accent2"/>
-      <a:schemeClr val="accent3"/>
-    </dgm:linClrLst>
-    <dgm:effectClrLst/>
-    <dgm:txLinClrLst/>
-    <dgm:txFillClrLst meth="repeat">
-      <a:schemeClr val="dk1"/>
-    </dgm:txFillClrLst>
-    <dgm:txEffectClrLst/>
-  </dgm:styleLbl>
-  <dgm:styleLbl name="solidFgAcc1">
-    <dgm:fillClrLst meth="repeat">
-      <a:schemeClr val="lt1"/>
-    </dgm:fillClrLst>
-    <dgm:linClrLst>
-      <a:schemeClr val="accent2"/>
-      <a:schemeClr val="accent3"/>
-    </dgm:linClrLst>
-    <dgm:effectClrLst/>
-    <dgm:txLinClrLst/>
-    <dgm:txFillClrLst meth="repeat">
-      <a:schemeClr val="dk1"/>
-    </dgm:txFillClrLst>
-    <dgm:txEffectClrLst/>
-  </dgm:styleLbl>
-  <dgm:styleLbl name="solidAlignAcc1">
-    <dgm:fillClrLst meth="repeat">
-      <a:schemeClr val="lt1"/>
-    </dgm:fillClrLst>
-    <dgm:linClrLst>
-      <a:schemeClr val="accent2"/>
-      <a:schemeClr val="accent3"/>
-    </dgm:linClrLst>
-    <dgm:effectClrLst/>
-    <dgm:txLinClrLst/>
-    <dgm:txFillClrLst meth="repeat">
-      <a:schemeClr val="dk1"/>
-    </dgm:txFillClrLst>
-    <dgm:txEffectClrLst/>
-  </dgm:styleLbl>
-  <dgm:styleLbl name="solidBgAcc1">
-    <dgm:fillClrLst meth="repeat">
-      <a:schemeClr val="lt1"/>
-    </dgm:fillClrLst>
-    <dgm:linClrLst>
-      <a:schemeClr val="accent2"/>
-      <a:schemeClr val="accent3"/>
-    </dgm:linClrLst>
-    <dgm:effectClrLst/>
-    <dgm:txLinClrLst/>
-    <dgm:txFillClrLst meth="repeat">
-      <a:schemeClr val="dk1"/>
-    </dgm:txFillClrLst>
-    <dgm:txEffectClrLst/>
-  </dgm:styleLbl>
   <dgm:styleLbl name="fgAccFollowNode1">
     <dgm:fillClrLst>
-      <a:schemeClr val="accent2">
+      <a:schemeClr val="accent5">
         <a:tint val="40000"/>
         <a:alpha val="90000"/>
       </a:schemeClr>
-      <a:schemeClr val="accent3">
+      <a:schemeClr val="accent6">
         <a:tint val="40000"/>
         <a:alpha val="90000"/>
       </a:schemeClr>
     </dgm:fillClrLst>
     <dgm:linClrLst>
-      <a:schemeClr val="accent2">
+      <a:schemeClr val="accent5">
         <a:tint val="40000"/>
         <a:alpha val="90000"/>
       </a:schemeClr>
-      <a:schemeClr val="accent3">
+      <a:schemeClr val="accent5">
         <a:tint val="40000"/>
         <a:alpha val="90000"/>
       </a:schemeClr>
@@ -2199,21 +2230,21 @@
   </dgm:styleLbl>
   <dgm:styleLbl name="alignAccFollowNode1">
     <dgm:fillClrLst>
-      <a:schemeClr val="accent2">
+      <a:schemeClr val="accent5">
         <a:tint val="40000"/>
         <a:alpha val="90000"/>
       </a:schemeClr>
-      <a:schemeClr val="accent3">
+      <a:schemeClr val="accent6">
         <a:tint val="40000"/>
         <a:alpha val="90000"/>
       </a:schemeClr>
     </dgm:fillClrLst>
     <dgm:linClrLst>
-      <a:schemeClr val="accent2">
+      <a:schemeClr val="accent5">
         <a:tint val="40000"/>
         <a:alpha val="90000"/>
       </a:schemeClr>
-      <a:schemeClr val="accent3">
+      <a:schemeClr val="accent6">
         <a:tint val="40000"/>
         <a:alpha val="90000"/>
       </a:schemeClr>
@@ -2227,21 +2258,21 @@
   </dgm:styleLbl>
   <dgm:styleLbl name="bgAccFollowNode1">
     <dgm:fillClrLst>
-      <a:schemeClr val="accent2">
+      <a:schemeClr val="accent5">
         <a:tint val="40000"/>
         <a:alpha val="90000"/>
       </a:schemeClr>
-      <a:schemeClr val="accent3">
+      <a:schemeClr val="accent6">
         <a:tint val="40000"/>
         <a:alpha val="90000"/>
       </a:schemeClr>
     </dgm:fillClrLst>
     <dgm:linClrLst>
-      <a:schemeClr val="accent2">
+      <a:schemeClr val="accent5">
         <a:tint val="40000"/>
         <a:alpha val="90000"/>
       </a:schemeClr>
-      <a:schemeClr val="accent3">
+      <a:schemeClr val="accent6">
         <a:tint val="40000"/>
         <a:alpha val="90000"/>
       </a:schemeClr>
@@ -2254,6 +2285,38 @@
     <dgm:txEffectClrLst/>
   </dgm:styleLbl>
   <dgm:styleLbl name="fgAcc0">
+    <dgm:fillClrLst meth="repeat">
+      <a:schemeClr val="lt1">
+        <a:alpha val="90000"/>
+      </a:schemeClr>
+    </dgm:fillClrLst>
+    <dgm:linClrLst>
+      <a:schemeClr val="accent4"/>
+    </dgm:linClrLst>
+    <dgm:effectClrLst/>
+    <dgm:txLinClrLst/>
+    <dgm:txFillClrLst meth="repeat">
+      <a:schemeClr val="dk1"/>
+    </dgm:txFillClrLst>
+    <dgm:txEffectClrLst/>
+  </dgm:styleLbl>
+  <dgm:styleLbl name="fgAcc2">
+    <dgm:fillClrLst meth="repeat">
+      <a:schemeClr val="lt1">
+        <a:alpha val="90000"/>
+      </a:schemeClr>
+    </dgm:fillClrLst>
+    <dgm:linClrLst>
+      <a:schemeClr val="accent6"/>
+    </dgm:linClrLst>
+    <dgm:effectClrLst/>
+    <dgm:txLinClrLst/>
+    <dgm:txFillClrLst meth="repeat">
+      <a:schemeClr val="dk1"/>
+    </dgm:txFillClrLst>
+    <dgm:txEffectClrLst/>
+  </dgm:styleLbl>
+  <dgm:styleLbl name="fgAcc3">
     <dgm:fillClrLst meth="repeat">
       <a:schemeClr val="lt1">
         <a:alpha val="90000"/>
@@ -2269,14 +2332,14 @@
     </dgm:txFillClrLst>
     <dgm:txEffectClrLst/>
   </dgm:styleLbl>
-  <dgm:styleLbl name="fgAcc2">
+  <dgm:styleLbl name="fgAcc4">
     <dgm:fillClrLst meth="repeat">
       <a:schemeClr val="lt1">
         <a:alpha val="90000"/>
       </a:schemeClr>
     </dgm:fillClrLst>
     <dgm:linClrLst>
-      <a:schemeClr val="accent3"/>
+      <a:schemeClr val="accent2"/>
     </dgm:linClrLst>
     <dgm:effectClrLst/>
     <dgm:txLinClrLst/>
@@ -2285,41 +2348,9 @@
     </dgm:txFillClrLst>
     <dgm:txEffectClrLst/>
   </dgm:styleLbl>
-  <dgm:styleLbl name="fgAcc3">
-    <dgm:fillClrLst meth="repeat">
-      <a:schemeClr val="lt1">
-        <a:alpha val="90000"/>
-      </a:schemeClr>
-    </dgm:fillClrLst>
-    <dgm:linClrLst>
-      <a:schemeClr val="accent4"/>
-    </dgm:linClrLst>
-    <dgm:effectClrLst/>
-    <dgm:txLinClrLst/>
-    <dgm:txFillClrLst meth="repeat">
-      <a:schemeClr val="dk1"/>
-    </dgm:txFillClrLst>
-    <dgm:txEffectClrLst/>
-  </dgm:styleLbl>
-  <dgm:styleLbl name="fgAcc4">
-    <dgm:fillClrLst meth="repeat">
-      <a:schemeClr val="lt1">
-        <a:alpha val="90000"/>
-      </a:schemeClr>
-    </dgm:fillClrLst>
-    <dgm:linClrLst>
-      <a:schemeClr val="accent5"/>
-    </dgm:linClrLst>
-    <dgm:effectClrLst/>
-    <dgm:txLinClrLst/>
-    <dgm:txFillClrLst meth="repeat">
-      <a:schemeClr val="dk1"/>
-    </dgm:txFillClrLst>
-    <dgm:txEffectClrLst/>
-  </dgm:styleLbl>
   <dgm:styleLbl name="bgShp">
     <dgm:fillClrLst meth="repeat">
-      <a:schemeClr val="accent2">
+      <a:schemeClr val="accent5">
         <a:tint val="40000"/>
       </a:schemeClr>
     </dgm:fillClrLst>
@@ -2335,7 +2366,7 @@
   </dgm:styleLbl>
   <dgm:styleLbl name="dkBgShp">
     <dgm:fillClrLst meth="repeat">
-      <a:schemeClr val="accent2">
+      <a:schemeClr val="accent5">
         <a:shade val="90000"/>
       </a:schemeClr>
     </dgm:fillClrLst>
@@ -2351,13 +2382,13 @@
   </dgm:styleLbl>
   <dgm:styleLbl name="trBgShp">
     <dgm:fillClrLst meth="repeat">
-      <a:schemeClr val="accent2">
+      <a:schemeClr val="accent5">
         <a:tint val="50000"/>
         <a:alpha val="40000"/>
       </a:schemeClr>
     </dgm:fillClrLst>
     <dgm:linClrLst meth="repeat">
-      <a:schemeClr val="accent2"/>
+      <a:schemeClr val="accent5"/>
     </dgm:linClrLst>
     <dgm:effectClrLst/>
     <dgm:txLinClrLst/>
@@ -2368,7 +2399,7 @@
   </dgm:styleLbl>
   <dgm:styleLbl name="fgShp">
     <dgm:fillClrLst meth="repeat">
-      <a:schemeClr val="accent2">
+      <a:schemeClr val="accent5">
         <a:tint val="40000"/>
       </a:schemeClr>
     </dgm:fillClrLst>
@@ -2407,7 +2438,7 @@
 <dgm:dataModel xmlns:dgm="http://schemas.openxmlformats.org/drawingml/2006/diagram" xmlns:a="http://schemas.openxmlformats.org/drawingml/2006/main">
   <dgm:ptLst>
     <dgm:pt modelId="{24E0129C-5D95-3C47-9B06-04043CA55473}" type="doc">
-      <dgm:prSet loTypeId="urn:microsoft.com/office/officeart/2016/7/layout/RepeatingBendingProcessNew" loCatId="process" qsTypeId="urn:microsoft.com/office/officeart/2005/8/quickstyle/simple1" qsCatId="simple" csTypeId="urn:microsoft.com/office/officeart/2005/8/colors/accent0_3" csCatId="mainScheme" phldr="1"/>
+      <dgm:prSet loTypeId="urn:microsoft.com/office/officeart/2016/7/layout/RepeatingBendingProcessNew" loCatId="process" qsTypeId="urn:microsoft.com/office/officeart/2005/8/quickstyle/simple1" qsCatId="simple" csTypeId="urn:microsoft.com/office/officeart/2005/8/colors/colorful5" csCatId="colorful" phldr="1"/>
       <dgm:spPr/>
       <dgm:t>
         <a:bodyPr/>
@@ -2444,7 +2475,15 @@
     </dgm:pt>
     <dgm:pt modelId="{EA1065AE-525E-244C-952A-B85BD6D72DEB}" type="sibTrans" cxnId="{6872C27D-205A-C94F-85EF-3DAD0CFA0E38}">
       <dgm:prSet/>
-      <dgm:spPr/>
+      <dgm:spPr>
+        <a:ln w="28575">
+          <a:solidFill>
+            <a:schemeClr val="bg1">
+              <a:lumMod val="50000"/>
+            </a:schemeClr>
+          </a:solidFill>
+        </a:ln>
+      </dgm:spPr>
       <dgm:t>
         <a:bodyPr/>
         <a:lstStyle/>
@@ -2480,7 +2519,15 @@
     </dgm:pt>
     <dgm:pt modelId="{D8A76DA0-028A-4347-B367-C963157D82D0}" type="sibTrans" cxnId="{34137092-4DAF-5341-94BF-9A26F5C586FD}">
       <dgm:prSet/>
-      <dgm:spPr/>
+      <dgm:spPr>
+        <a:ln w="28575">
+          <a:solidFill>
+            <a:schemeClr val="bg1">
+              <a:lumMod val="50000"/>
+            </a:schemeClr>
+          </a:solidFill>
+        </a:ln>
+      </dgm:spPr>
       <dgm:t>
         <a:bodyPr/>
         <a:lstStyle/>
@@ -2516,7 +2563,15 @@
     </dgm:pt>
     <dgm:pt modelId="{62047629-E52A-284B-83D2-588FF7B8B97A}" type="sibTrans" cxnId="{FAA2D410-C836-2348-ADA3-ACD259035B67}">
       <dgm:prSet/>
-      <dgm:spPr/>
+      <dgm:spPr>
+        <a:ln w="28575">
+          <a:solidFill>
+            <a:schemeClr val="bg1">
+              <a:lumMod val="50000"/>
+            </a:schemeClr>
+          </a:solidFill>
+        </a:ln>
+      </dgm:spPr>
       <dgm:t>
         <a:bodyPr/>
         <a:lstStyle/>
@@ -2552,7 +2607,15 @@
     </dgm:pt>
     <dgm:pt modelId="{805BC26B-79AE-C54B-A389-ADD6762194EB}" type="sibTrans" cxnId="{B21E2A74-399E-1B42-AC50-352623C53375}">
       <dgm:prSet/>
-      <dgm:spPr/>
+      <dgm:spPr>
+        <a:ln w="28575">
+          <a:solidFill>
+            <a:schemeClr val="bg1">
+              <a:lumMod val="50000"/>
+            </a:schemeClr>
+          </a:solidFill>
+        </a:ln>
+      </dgm:spPr>
       <dgm:t>
         <a:bodyPr/>
         <a:lstStyle/>
@@ -2624,7 +2687,15 @@
     </dgm:pt>
     <dgm:pt modelId="{7EF71C4A-833D-554E-A5A7-CA5AC68C8857}" type="sibTrans" cxnId="{8EE06894-002B-624F-8D60-4A3CFED7A3D5}">
       <dgm:prSet/>
-      <dgm:spPr/>
+      <dgm:spPr>
+        <a:ln w="28575">
+          <a:solidFill>
+            <a:schemeClr val="bg1">
+              <a:lumMod val="50000"/>
+            </a:schemeClr>
+          </a:solidFill>
+        </a:ln>
+      </dgm:spPr>
       <dgm:t>
         <a:bodyPr/>
         <a:lstStyle/>
@@ -2633,7 +2704,7 @@
         </a:p>
       </dgm:t>
     </dgm:pt>
-    <dgm:pt modelId="{A7CA9436-FF99-924B-98B4-5149CD2ED020}" type="pres">
+    <dgm:pt modelId="{5362013A-1C80-5349-A382-28D3FF1DE6F9}" type="pres">
       <dgm:prSet presAssocID="{24E0129C-5D95-3C47-9B06-04043CA55473}" presName="Name0" presStyleCnt="0">
         <dgm:presLayoutVars>
           <dgm:dir/>
@@ -2642,7 +2713,7 @@
       </dgm:prSet>
       <dgm:spPr/>
     </dgm:pt>
-    <dgm:pt modelId="{108596E6-F710-7B4B-85F0-CA30429E116E}" type="pres">
+    <dgm:pt modelId="{9BD49620-195D-354B-8EBF-55890738D1D8}" type="pres">
       <dgm:prSet presAssocID="{763B299A-A3A6-C74C-AF8C-5B276FF55B92}" presName="node" presStyleLbl="node1" presStyleIdx="0" presStyleCnt="6">
         <dgm:presLayoutVars>
           <dgm:bulletEnabled val="1"/>
@@ -2650,15 +2721,15 @@
       </dgm:prSet>
       <dgm:spPr/>
     </dgm:pt>
-    <dgm:pt modelId="{C9267905-6F54-F04E-AF2E-CB2975AB340E}" type="pres">
+    <dgm:pt modelId="{5FCFDDC5-0114-784B-BAF4-F20CF49B4B2D}" type="pres">
       <dgm:prSet presAssocID="{EA1065AE-525E-244C-952A-B85BD6D72DEB}" presName="sibTrans" presStyleLbl="sibTrans1D1" presStyleIdx="0" presStyleCnt="5"/>
       <dgm:spPr/>
     </dgm:pt>
-    <dgm:pt modelId="{A5C68796-E2AE-ED41-8921-B9B291DC977E}" type="pres">
+    <dgm:pt modelId="{47B17261-E363-C24C-8927-CB00ECDC5AC8}" type="pres">
       <dgm:prSet presAssocID="{EA1065AE-525E-244C-952A-B85BD6D72DEB}" presName="connectorText" presStyleLbl="sibTrans1D1" presStyleIdx="0" presStyleCnt="5"/>
       <dgm:spPr/>
     </dgm:pt>
-    <dgm:pt modelId="{1F7BF467-CAA5-E244-A8B0-AE82EC8829C4}" type="pres">
+    <dgm:pt modelId="{58A84B51-DEE9-A247-90C0-3C128E280237}" type="pres">
       <dgm:prSet presAssocID="{9E0B73BB-25E6-244C-88D2-C78394E258A0}" presName="node" presStyleLbl="node1" presStyleIdx="1" presStyleCnt="6">
         <dgm:presLayoutVars>
           <dgm:bulletEnabled val="1"/>
@@ -2666,15 +2737,15 @@
       </dgm:prSet>
       <dgm:spPr/>
     </dgm:pt>
-    <dgm:pt modelId="{BE2EDDB4-F6EC-9546-A6CC-CFA9F05B7981}" type="pres">
+    <dgm:pt modelId="{44CFAD02-6EDE-4549-AE12-10AE7C41EEA0}" type="pres">
       <dgm:prSet presAssocID="{D8A76DA0-028A-4347-B367-C963157D82D0}" presName="sibTrans" presStyleLbl="sibTrans1D1" presStyleIdx="1" presStyleCnt="5"/>
       <dgm:spPr/>
     </dgm:pt>
-    <dgm:pt modelId="{C2C09F19-9945-2C4F-8F80-28442B46E447}" type="pres">
+    <dgm:pt modelId="{A827C844-D2A6-ED49-976C-DE29AFA31FB3}" type="pres">
       <dgm:prSet presAssocID="{D8A76DA0-028A-4347-B367-C963157D82D0}" presName="connectorText" presStyleLbl="sibTrans1D1" presStyleIdx="1" presStyleCnt="5"/>
       <dgm:spPr/>
     </dgm:pt>
-    <dgm:pt modelId="{6C013801-D3F7-0749-9984-226755DCA8DD}" type="pres">
+    <dgm:pt modelId="{A21DA58C-02AC-354E-AB72-7026516EB3F8}" type="pres">
       <dgm:prSet presAssocID="{95E11F2F-0E57-104E-98C9-2CD537C7637E}" presName="node" presStyleLbl="node1" presStyleIdx="2" presStyleCnt="6">
         <dgm:presLayoutVars>
           <dgm:bulletEnabled val="1"/>
@@ -2682,15 +2753,15 @@
       </dgm:prSet>
       <dgm:spPr/>
     </dgm:pt>
-    <dgm:pt modelId="{02689391-208A-474B-AD01-1382708DE939}" type="pres">
+    <dgm:pt modelId="{CD01FFEF-8A91-8349-B927-DE1FF2455BAE}" type="pres">
       <dgm:prSet presAssocID="{7EF71C4A-833D-554E-A5A7-CA5AC68C8857}" presName="sibTrans" presStyleLbl="sibTrans1D1" presStyleIdx="2" presStyleCnt="5"/>
       <dgm:spPr/>
     </dgm:pt>
-    <dgm:pt modelId="{6B1BA5BA-A325-3E4A-AF27-F65F2589830E}" type="pres">
+    <dgm:pt modelId="{D1DC987B-D3BE-2346-A948-32CDA9201EE2}" type="pres">
       <dgm:prSet presAssocID="{7EF71C4A-833D-554E-A5A7-CA5AC68C8857}" presName="connectorText" presStyleLbl="sibTrans1D1" presStyleIdx="2" presStyleCnt="5"/>
       <dgm:spPr/>
     </dgm:pt>
-    <dgm:pt modelId="{539A949E-A62A-CF43-B4A0-934E250B590B}" type="pres">
+    <dgm:pt modelId="{BEE0466D-831D-DB42-AB95-EFE9D78AFF92}" type="pres">
       <dgm:prSet presAssocID="{AB00244D-9919-D542-8AA4-999F3F2E3475}" presName="node" presStyleLbl="node1" presStyleIdx="3" presStyleCnt="6">
         <dgm:presLayoutVars>
           <dgm:bulletEnabled val="1"/>
@@ -2698,15 +2769,15 @@
       </dgm:prSet>
       <dgm:spPr/>
     </dgm:pt>
-    <dgm:pt modelId="{07224510-582E-F943-AB43-BDABA27328DD}" type="pres">
+    <dgm:pt modelId="{0B92585E-66D8-6D4C-B6E3-80B4C4F49202}" type="pres">
       <dgm:prSet presAssocID="{62047629-E52A-284B-83D2-588FF7B8B97A}" presName="sibTrans" presStyleLbl="sibTrans1D1" presStyleIdx="3" presStyleCnt="5"/>
       <dgm:spPr/>
     </dgm:pt>
-    <dgm:pt modelId="{E8E7055B-8659-9F42-90CF-CB71AC69C516}" type="pres">
+    <dgm:pt modelId="{31189D5B-EB97-CA4F-83FF-AC9DBDBE2A08}" type="pres">
       <dgm:prSet presAssocID="{62047629-E52A-284B-83D2-588FF7B8B97A}" presName="connectorText" presStyleLbl="sibTrans1D1" presStyleIdx="3" presStyleCnt="5"/>
       <dgm:spPr/>
     </dgm:pt>
-    <dgm:pt modelId="{B4EEB252-A842-1C47-9152-D1F1DFEB181A}" type="pres">
+    <dgm:pt modelId="{7FA658A9-219B-5A45-975A-CE4A3A526FC3}" type="pres">
       <dgm:prSet presAssocID="{BF56499D-67D8-9245-8F21-5369813FC338}" presName="node" presStyleLbl="node1" presStyleIdx="4" presStyleCnt="6">
         <dgm:presLayoutVars>
           <dgm:bulletEnabled val="1"/>
@@ -2714,15 +2785,15 @@
       </dgm:prSet>
       <dgm:spPr/>
     </dgm:pt>
-    <dgm:pt modelId="{99E8F455-F226-D648-86B4-8E481BAEDE50}" type="pres">
+    <dgm:pt modelId="{DFA21956-7D41-D940-88B7-DDDF0F1FB40E}" type="pres">
       <dgm:prSet presAssocID="{805BC26B-79AE-C54B-A389-ADD6762194EB}" presName="sibTrans" presStyleLbl="sibTrans1D1" presStyleIdx="4" presStyleCnt="5"/>
       <dgm:spPr/>
     </dgm:pt>
-    <dgm:pt modelId="{BAB59A33-D8A0-0645-BAE6-FE48FD8DD1D3}" type="pres">
+    <dgm:pt modelId="{93C4D4CD-D18F-734C-936B-D645989ED30C}" type="pres">
       <dgm:prSet presAssocID="{805BC26B-79AE-C54B-A389-ADD6762194EB}" presName="connectorText" presStyleLbl="sibTrans1D1" presStyleIdx="4" presStyleCnt="5"/>
       <dgm:spPr/>
     </dgm:pt>
-    <dgm:pt modelId="{8680362E-92B7-7F4B-B1FA-34C7F423AAF0}" type="pres">
+    <dgm:pt modelId="{841BFFC4-5AE5-984E-967E-8B0611A8E7D8}" type="pres">
       <dgm:prSet presAssocID="{C03BADCA-9FD8-8C4F-804F-4DA3C9FF831C}" presName="node" presStyleLbl="node1" presStyleIdx="5" presStyleCnt="6">
         <dgm:presLayoutVars>
           <dgm:bulletEnabled val="1"/>
@@ -2732,45 +2803,45 @@
     </dgm:pt>
   </dgm:ptLst>
   <dgm:cxnLst>
-    <dgm:cxn modelId="{8938B90D-3086-D74F-98F2-15EA13F2FA35}" type="presOf" srcId="{7EF71C4A-833D-554E-A5A7-CA5AC68C8857}" destId="{6B1BA5BA-A325-3E4A-AF27-F65F2589830E}" srcOrd="1" destOrd="0" presId="urn:microsoft.com/office/officeart/2016/7/layout/RepeatingBendingProcessNew"/>
+    <dgm:cxn modelId="{A950200E-FD3D-C046-B6B1-3AFB6888743F}" type="presOf" srcId="{95E11F2F-0E57-104E-98C9-2CD537C7637E}" destId="{A21DA58C-02AC-354E-AB72-7026516EB3F8}" srcOrd="0" destOrd="0" presId="urn:microsoft.com/office/officeart/2016/7/layout/RepeatingBendingProcessNew"/>
+    <dgm:cxn modelId="{A9F52F0E-21AA-3148-BF5C-690B0DBE39A2}" type="presOf" srcId="{9E0B73BB-25E6-244C-88D2-C78394E258A0}" destId="{58A84B51-DEE9-A247-90C0-3C128E280237}" srcOrd="0" destOrd="0" presId="urn:microsoft.com/office/officeart/2016/7/layout/RepeatingBendingProcessNew"/>
     <dgm:cxn modelId="{FAA2D410-C836-2348-ADA3-ACD259035B67}" srcId="{24E0129C-5D95-3C47-9B06-04043CA55473}" destId="{AB00244D-9919-D542-8AA4-999F3F2E3475}" srcOrd="3" destOrd="0" parTransId="{EF962EC7-8BC5-A942-AFBB-7CD76626A40C}" sibTransId="{62047629-E52A-284B-83D2-588FF7B8B97A}"/>
-    <dgm:cxn modelId="{435B0221-0B4E-7B45-A508-4B6C16D72E35}" type="presOf" srcId="{763B299A-A3A6-C74C-AF8C-5B276FF55B92}" destId="{108596E6-F710-7B4B-85F0-CA30429E116E}" srcOrd="0" destOrd="0" presId="urn:microsoft.com/office/officeart/2016/7/layout/RepeatingBendingProcessNew"/>
-    <dgm:cxn modelId="{09390027-7FAE-EC4A-BC40-4C0F5EFBC7D4}" type="presOf" srcId="{EA1065AE-525E-244C-952A-B85BD6D72DEB}" destId="{C9267905-6F54-F04E-AF2E-CB2975AB340E}" srcOrd="0" destOrd="0" presId="urn:microsoft.com/office/officeart/2016/7/layout/RepeatingBendingProcessNew"/>
-    <dgm:cxn modelId="{2D734D2A-A79A-3E4C-AC9B-4264AB72DC23}" type="presOf" srcId="{D8A76DA0-028A-4347-B367-C963157D82D0}" destId="{BE2EDDB4-F6EC-9546-A6CC-CFA9F05B7981}" srcOrd="0" destOrd="0" presId="urn:microsoft.com/office/officeart/2016/7/layout/RepeatingBendingProcessNew"/>
-    <dgm:cxn modelId="{EE540D42-B2C9-C849-8AE8-0234636335E3}" type="presOf" srcId="{805BC26B-79AE-C54B-A389-ADD6762194EB}" destId="{99E8F455-F226-D648-86B4-8E481BAEDE50}" srcOrd="0" destOrd="0" presId="urn:microsoft.com/office/officeart/2016/7/layout/RepeatingBendingProcessNew"/>
-    <dgm:cxn modelId="{2FFA2444-D643-E845-835F-3647295CB2B8}" type="presOf" srcId="{95E11F2F-0E57-104E-98C9-2CD537C7637E}" destId="{6C013801-D3F7-0749-9984-226755DCA8DD}" srcOrd="0" destOrd="0" presId="urn:microsoft.com/office/officeart/2016/7/layout/RepeatingBendingProcessNew"/>
-    <dgm:cxn modelId="{1A6E4D46-E83F-1E49-92E7-26157E996999}" type="presOf" srcId="{62047629-E52A-284B-83D2-588FF7B8B97A}" destId="{E8E7055B-8659-9F42-90CF-CB71AC69C516}" srcOrd="1" destOrd="0" presId="urn:microsoft.com/office/officeart/2016/7/layout/RepeatingBendingProcessNew"/>
-    <dgm:cxn modelId="{3C2D415F-B625-3E40-A1BE-9643D0E05E33}" type="presOf" srcId="{62047629-E52A-284B-83D2-588FF7B8B97A}" destId="{07224510-582E-F943-AB43-BDABA27328DD}" srcOrd="0" destOrd="0" presId="urn:microsoft.com/office/officeart/2016/7/layout/RepeatingBendingProcessNew"/>
-    <dgm:cxn modelId="{A892F563-F7EB-F34D-96E4-49AE32743D25}" type="presOf" srcId="{D8A76DA0-028A-4347-B367-C963157D82D0}" destId="{C2C09F19-9945-2C4F-8F80-28442B46E447}" srcOrd="1" destOrd="0" presId="urn:microsoft.com/office/officeart/2016/7/layout/RepeatingBendingProcessNew"/>
-    <dgm:cxn modelId="{057E2766-CAE9-654F-8CC0-03EBFFFF7A8D}" type="presOf" srcId="{24E0129C-5D95-3C47-9B06-04043CA55473}" destId="{A7CA9436-FF99-924B-98B4-5149CD2ED020}" srcOrd="0" destOrd="0" presId="urn:microsoft.com/office/officeart/2016/7/layout/RepeatingBendingProcessNew"/>
+    <dgm:cxn modelId="{DD8C7F25-920C-1045-9A6D-FA6627A7D822}" type="presOf" srcId="{7EF71C4A-833D-554E-A5A7-CA5AC68C8857}" destId="{CD01FFEF-8A91-8349-B927-DE1FF2455BAE}" srcOrd="0" destOrd="0" presId="urn:microsoft.com/office/officeart/2016/7/layout/RepeatingBendingProcessNew"/>
+    <dgm:cxn modelId="{7332C731-74A0-D443-A55C-81B319BEE4AF}" type="presOf" srcId="{62047629-E52A-284B-83D2-588FF7B8B97A}" destId="{0B92585E-66D8-6D4C-B6E3-80B4C4F49202}" srcOrd="0" destOrd="0" presId="urn:microsoft.com/office/officeart/2016/7/layout/RepeatingBendingProcessNew"/>
+    <dgm:cxn modelId="{7671D74B-778D-8648-9F06-514102CA615A}" type="presOf" srcId="{EA1065AE-525E-244C-952A-B85BD6D72DEB}" destId="{47B17261-E363-C24C-8927-CB00ECDC5AC8}" srcOrd="1" destOrd="0" presId="urn:microsoft.com/office/officeart/2016/7/layout/RepeatingBendingProcessNew"/>
+    <dgm:cxn modelId="{17126450-626E-B945-BAF3-9DA9671A4BB2}" type="presOf" srcId="{AB00244D-9919-D542-8AA4-999F3F2E3475}" destId="{BEE0466D-831D-DB42-AB95-EFE9D78AFF92}" srcOrd="0" destOrd="0" presId="urn:microsoft.com/office/officeart/2016/7/layout/RepeatingBendingProcessNew"/>
+    <dgm:cxn modelId="{125B5B5B-B3ED-8545-BBED-DA7DE563EC9D}" type="presOf" srcId="{7EF71C4A-833D-554E-A5A7-CA5AC68C8857}" destId="{D1DC987B-D3BE-2346-A948-32CDA9201EE2}" srcOrd="1" destOrd="0" presId="urn:microsoft.com/office/officeart/2016/7/layout/RepeatingBendingProcessNew"/>
+    <dgm:cxn modelId="{FF7B1C67-0BEB-A74E-94F6-6659255D823E}" type="presOf" srcId="{763B299A-A3A6-C74C-AF8C-5B276FF55B92}" destId="{9BD49620-195D-354B-8EBF-55890738D1D8}" srcOrd="0" destOrd="0" presId="urn:microsoft.com/office/officeart/2016/7/layout/RepeatingBendingProcessNew"/>
     <dgm:cxn modelId="{B21E2A74-399E-1B42-AC50-352623C53375}" srcId="{24E0129C-5D95-3C47-9B06-04043CA55473}" destId="{BF56499D-67D8-9245-8F21-5369813FC338}" srcOrd="4" destOrd="0" parTransId="{830F276B-D9D6-7C44-9266-7F95A33DF122}" sibTransId="{805BC26B-79AE-C54B-A389-ADD6762194EB}"/>
+    <dgm:cxn modelId="{9FC76274-8315-E94C-97A6-EA495412BAD4}" type="presOf" srcId="{805BC26B-79AE-C54B-A389-ADD6762194EB}" destId="{93C4D4CD-D18F-734C-936B-D645989ED30C}" srcOrd="1" destOrd="0" presId="urn:microsoft.com/office/officeart/2016/7/layout/RepeatingBendingProcessNew"/>
     <dgm:cxn modelId="{6872C27D-205A-C94F-85EF-3DAD0CFA0E38}" srcId="{24E0129C-5D95-3C47-9B06-04043CA55473}" destId="{763B299A-A3A6-C74C-AF8C-5B276FF55B92}" srcOrd="0" destOrd="0" parTransId="{13F4654A-455A-0E41-85F6-63CBA0A33461}" sibTransId="{EA1065AE-525E-244C-952A-B85BD6D72DEB}"/>
-    <dgm:cxn modelId="{8143D687-CF3D-E445-96CC-6175DEEBF0DE}" type="presOf" srcId="{AB00244D-9919-D542-8AA4-999F3F2E3475}" destId="{539A949E-A62A-CF43-B4A0-934E250B590B}" srcOrd="0" destOrd="0" presId="urn:microsoft.com/office/officeart/2016/7/layout/RepeatingBendingProcessNew"/>
+    <dgm:cxn modelId="{3379AC85-9B97-AC45-81E1-4695126202E4}" type="presOf" srcId="{805BC26B-79AE-C54B-A389-ADD6762194EB}" destId="{DFA21956-7D41-D940-88B7-DDDF0F1FB40E}" srcOrd="0" destOrd="0" presId="urn:microsoft.com/office/officeart/2016/7/layout/RepeatingBendingProcessNew"/>
+    <dgm:cxn modelId="{B2F9348A-64E7-9F47-B4DC-E76A0C6970D8}" type="presOf" srcId="{C03BADCA-9FD8-8C4F-804F-4DA3C9FF831C}" destId="{841BFFC4-5AE5-984E-967E-8B0611A8E7D8}" srcOrd="0" destOrd="0" presId="urn:microsoft.com/office/officeart/2016/7/layout/RepeatingBendingProcessNew"/>
     <dgm:cxn modelId="{3E8F648F-8765-3E4D-835E-161BD1F58846}" srcId="{24E0129C-5D95-3C47-9B06-04043CA55473}" destId="{C03BADCA-9FD8-8C4F-804F-4DA3C9FF831C}" srcOrd="5" destOrd="0" parTransId="{9C4A3FD5-F1B8-704B-BB4D-674827F98DA7}" sibTransId="{8F1AD1F0-B5F0-0646-8549-8CABBC31C689}"/>
     <dgm:cxn modelId="{34137092-4DAF-5341-94BF-9A26F5C586FD}" srcId="{24E0129C-5D95-3C47-9B06-04043CA55473}" destId="{9E0B73BB-25E6-244C-88D2-C78394E258A0}" srcOrd="1" destOrd="0" parTransId="{B10C9FC0-E9BD-4144-839B-705700E99C0F}" sibTransId="{D8A76DA0-028A-4347-B367-C963157D82D0}"/>
     <dgm:cxn modelId="{8EE06894-002B-624F-8D60-4A3CFED7A3D5}" srcId="{24E0129C-5D95-3C47-9B06-04043CA55473}" destId="{95E11F2F-0E57-104E-98C9-2CD537C7637E}" srcOrd="2" destOrd="0" parTransId="{2D706E57-8DE1-4342-A7B3-308383F243D2}" sibTransId="{7EF71C4A-833D-554E-A5A7-CA5AC68C8857}"/>
-    <dgm:cxn modelId="{6A2219A9-6134-EA40-9E43-1443C1A8C328}" type="presOf" srcId="{BF56499D-67D8-9245-8F21-5369813FC338}" destId="{B4EEB252-A842-1C47-9152-D1F1DFEB181A}" srcOrd="0" destOrd="0" presId="urn:microsoft.com/office/officeart/2016/7/layout/RepeatingBendingProcessNew"/>
-    <dgm:cxn modelId="{A06B7BB7-7D1C-B04D-A171-6952C305B16C}" type="presOf" srcId="{9E0B73BB-25E6-244C-88D2-C78394E258A0}" destId="{1F7BF467-CAA5-E244-A8B0-AE82EC8829C4}" srcOrd="0" destOrd="0" presId="urn:microsoft.com/office/officeart/2016/7/layout/RepeatingBendingProcessNew"/>
-    <dgm:cxn modelId="{04FDD7C5-D198-CC49-AE13-B3DC3DFE61BB}" type="presOf" srcId="{C03BADCA-9FD8-8C4F-804F-4DA3C9FF831C}" destId="{8680362E-92B7-7F4B-B1FA-34C7F423AAF0}" srcOrd="0" destOrd="0" presId="urn:microsoft.com/office/officeart/2016/7/layout/RepeatingBendingProcessNew"/>
-    <dgm:cxn modelId="{1980EFC8-B36E-1047-8E22-785C3C6EE36A}" type="presOf" srcId="{EA1065AE-525E-244C-952A-B85BD6D72DEB}" destId="{A5C68796-E2AE-ED41-8921-B9B291DC977E}" srcOrd="1" destOrd="0" presId="urn:microsoft.com/office/officeart/2016/7/layout/RepeatingBendingProcessNew"/>
-    <dgm:cxn modelId="{1D8D98E8-8F8F-9A40-BBC2-B010003D085B}" type="presOf" srcId="{805BC26B-79AE-C54B-A389-ADD6762194EB}" destId="{BAB59A33-D8A0-0645-BAE6-FE48FD8DD1D3}" srcOrd="1" destOrd="0" presId="urn:microsoft.com/office/officeart/2016/7/layout/RepeatingBendingProcessNew"/>
-    <dgm:cxn modelId="{B4D8CCF0-1C66-A747-AA60-F04AC71F5D37}" type="presOf" srcId="{7EF71C4A-833D-554E-A5A7-CA5AC68C8857}" destId="{02689391-208A-474B-AD01-1382708DE939}" srcOrd="0" destOrd="0" presId="urn:microsoft.com/office/officeart/2016/7/layout/RepeatingBendingProcessNew"/>
-    <dgm:cxn modelId="{EACC1217-DA4A-BB45-935C-F6F9E5ED1583}" type="presParOf" srcId="{A7CA9436-FF99-924B-98B4-5149CD2ED020}" destId="{108596E6-F710-7B4B-85F0-CA30429E116E}" srcOrd="0" destOrd="0" presId="urn:microsoft.com/office/officeart/2016/7/layout/RepeatingBendingProcessNew"/>
-    <dgm:cxn modelId="{B35E5EE0-ACEE-D046-A73C-ED407A8BC261}" type="presParOf" srcId="{A7CA9436-FF99-924B-98B4-5149CD2ED020}" destId="{C9267905-6F54-F04E-AF2E-CB2975AB340E}" srcOrd="1" destOrd="0" presId="urn:microsoft.com/office/officeart/2016/7/layout/RepeatingBendingProcessNew"/>
-    <dgm:cxn modelId="{4B0F64A2-5F54-B940-AE51-AED98694364A}" type="presParOf" srcId="{C9267905-6F54-F04E-AF2E-CB2975AB340E}" destId="{A5C68796-E2AE-ED41-8921-B9B291DC977E}" srcOrd="0" destOrd="0" presId="urn:microsoft.com/office/officeart/2016/7/layout/RepeatingBendingProcessNew"/>
-    <dgm:cxn modelId="{88D3FF8C-E73D-C148-AE67-0AE00AD3777D}" type="presParOf" srcId="{A7CA9436-FF99-924B-98B4-5149CD2ED020}" destId="{1F7BF467-CAA5-E244-A8B0-AE82EC8829C4}" srcOrd="2" destOrd="0" presId="urn:microsoft.com/office/officeart/2016/7/layout/RepeatingBendingProcessNew"/>
-    <dgm:cxn modelId="{2AD109A1-425A-F342-B6A0-61A2064657B6}" type="presParOf" srcId="{A7CA9436-FF99-924B-98B4-5149CD2ED020}" destId="{BE2EDDB4-F6EC-9546-A6CC-CFA9F05B7981}" srcOrd="3" destOrd="0" presId="urn:microsoft.com/office/officeart/2016/7/layout/RepeatingBendingProcessNew"/>
-    <dgm:cxn modelId="{58814D02-A5D4-3E48-BEDF-71CA57BC3C92}" type="presParOf" srcId="{BE2EDDB4-F6EC-9546-A6CC-CFA9F05B7981}" destId="{C2C09F19-9945-2C4F-8F80-28442B46E447}" srcOrd="0" destOrd="0" presId="urn:microsoft.com/office/officeart/2016/7/layout/RepeatingBendingProcessNew"/>
-    <dgm:cxn modelId="{7A6580CC-B129-6C49-8BA0-D4D909967EE5}" type="presParOf" srcId="{A7CA9436-FF99-924B-98B4-5149CD2ED020}" destId="{6C013801-D3F7-0749-9984-226755DCA8DD}" srcOrd="4" destOrd="0" presId="urn:microsoft.com/office/officeart/2016/7/layout/RepeatingBendingProcessNew"/>
-    <dgm:cxn modelId="{CD930B32-05C2-3345-839B-DA6FF1B15615}" type="presParOf" srcId="{A7CA9436-FF99-924B-98B4-5149CD2ED020}" destId="{02689391-208A-474B-AD01-1382708DE939}" srcOrd="5" destOrd="0" presId="urn:microsoft.com/office/officeart/2016/7/layout/RepeatingBendingProcessNew"/>
-    <dgm:cxn modelId="{14247858-B9F9-4947-9ED9-D2AE484A7011}" type="presParOf" srcId="{02689391-208A-474B-AD01-1382708DE939}" destId="{6B1BA5BA-A325-3E4A-AF27-F65F2589830E}" srcOrd="0" destOrd="0" presId="urn:microsoft.com/office/officeart/2016/7/layout/RepeatingBendingProcessNew"/>
-    <dgm:cxn modelId="{5D7E7615-E345-C247-8360-681C603D812E}" type="presParOf" srcId="{A7CA9436-FF99-924B-98B4-5149CD2ED020}" destId="{539A949E-A62A-CF43-B4A0-934E250B590B}" srcOrd="6" destOrd="0" presId="urn:microsoft.com/office/officeart/2016/7/layout/RepeatingBendingProcessNew"/>
-    <dgm:cxn modelId="{25A305BB-09C1-A94F-91FB-5407F48968EC}" type="presParOf" srcId="{A7CA9436-FF99-924B-98B4-5149CD2ED020}" destId="{07224510-582E-F943-AB43-BDABA27328DD}" srcOrd="7" destOrd="0" presId="urn:microsoft.com/office/officeart/2016/7/layout/RepeatingBendingProcessNew"/>
-    <dgm:cxn modelId="{EFEBCB6A-09A5-5D4E-B761-240A696B1596}" type="presParOf" srcId="{07224510-582E-F943-AB43-BDABA27328DD}" destId="{E8E7055B-8659-9F42-90CF-CB71AC69C516}" srcOrd="0" destOrd="0" presId="urn:microsoft.com/office/officeart/2016/7/layout/RepeatingBendingProcessNew"/>
-    <dgm:cxn modelId="{CB53D6C4-9683-7D42-896A-12C5BC7CA7E7}" type="presParOf" srcId="{A7CA9436-FF99-924B-98B4-5149CD2ED020}" destId="{B4EEB252-A842-1C47-9152-D1F1DFEB181A}" srcOrd="8" destOrd="0" presId="urn:microsoft.com/office/officeart/2016/7/layout/RepeatingBendingProcessNew"/>
-    <dgm:cxn modelId="{1016D125-A3A6-A847-880D-26107E2FE196}" type="presParOf" srcId="{A7CA9436-FF99-924B-98B4-5149CD2ED020}" destId="{99E8F455-F226-D648-86B4-8E481BAEDE50}" srcOrd="9" destOrd="0" presId="urn:microsoft.com/office/officeart/2016/7/layout/RepeatingBendingProcessNew"/>
-    <dgm:cxn modelId="{ECFF9C55-7D43-5742-B69F-5F77C2367934}" type="presParOf" srcId="{99E8F455-F226-D648-86B4-8E481BAEDE50}" destId="{BAB59A33-D8A0-0645-BAE6-FE48FD8DD1D3}" srcOrd="0" destOrd="0" presId="urn:microsoft.com/office/officeart/2016/7/layout/RepeatingBendingProcessNew"/>
-    <dgm:cxn modelId="{3D07333F-B803-264D-8E39-05FA21C7BB00}" type="presParOf" srcId="{A7CA9436-FF99-924B-98B4-5149CD2ED020}" destId="{8680362E-92B7-7F4B-B1FA-34C7F423AAF0}" srcOrd="10" destOrd="0" presId="urn:microsoft.com/office/officeart/2016/7/layout/RepeatingBendingProcessNew"/>
+    <dgm:cxn modelId="{D4BD0695-9CEB-7B4F-8ADD-6682EECEE0E5}" type="presOf" srcId="{BF56499D-67D8-9245-8F21-5369813FC338}" destId="{7FA658A9-219B-5A45-975A-CE4A3A526FC3}" srcOrd="0" destOrd="0" presId="urn:microsoft.com/office/officeart/2016/7/layout/RepeatingBendingProcessNew"/>
+    <dgm:cxn modelId="{39509397-583C-A645-8964-C4BE92E70205}" type="presOf" srcId="{D8A76DA0-028A-4347-B367-C963157D82D0}" destId="{A827C844-D2A6-ED49-976C-DE29AFA31FB3}" srcOrd="1" destOrd="0" presId="urn:microsoft.com/office/officeart/2016/7/layout/RepeatingBendingProcessNew"/>
+    <dgm:cxn modelId="{72B348AF-231B-3E45-BE35-64A3AE1BDF2C}" type="presOf" srcId="{D8A76DA0-028A-4347-B367-C963157D82D0}" destId="{44CFAD02-6EDE-4549-AE12-10AE7C41EEA0}" srcOrd="0" destOrd="0" presId="urn:microsoft.com/office/officeart/2016/7/layout/RepeatingBendingProcessNew"/>
+    <dgm:cxn modelId="{1D7E7FBF-0A3B-4A44-8ABC-655563862631}" type="presOf" srcId="{62047629-E52A-284B-83D2-588FF7B8B97A}" destId="{31189D5B-EB97-CA4F-83FF-AC9DBDBE2A08}" srcOrd="1" destOrd="0" presId="urn:microsoft.com/office/officeart/2016/7/layout/RepeatingBendingProcessNew"/>
+    <dgm:cxn modelId="{B24EC0CE-BFCA-9E42-AFA7-A363AF63F702}" type="presOf" srcId="{EA1065AE-525E-244C-952A-B85BD6D72DEB}" destId="{5FCFDDC5-0114-784B-BAF4-F20CF49B4B2D}" srcOrd="0" destOrd="0" presId="urn:microsoft.com/office/officeart/2016/7/layout/RepeatingBendingProcessNew"/>
+    <dgm:cxn modelId="{D87527E3-5A8C-AF4C-A42E-4ABF4C5E5995}" type="presOf" srcId="{24E0129C-5D95-3C47-9B06-04043CA55473}" destId="{5362013A-1C80-5349-A382-28D3FF1DE6F9}" srcOrd="0" destOrd="0" presId="urn:microsoft.com/office/officeart/2016/7/layout/RepeatingBendingProcessNew"/>
+    <dgm:cxn modelId="{D45F547D-E5A2-BC41-A206-3DFB6C7C4D1B}" type="presParOf" srcId="{5362013A-1C80-5349-A382-28D3FF1DE6F9}" destId="{9BD49620-195D-354B-8EBF-55890738D1D8}" srcOrd="0" destOrd="0" presId="urn:microsoft.com/office/officeart/2016/7/layout/RepeatingBendingProcessNew"/>
+    <dgm:cxn modelId="{6A5C4F77-058F-C843-A9CA-4E3AE8597A0B}" type="presParOf" srcId="{5362013A-1C80-5349-A382-28D3FF1DE6F9}" destId="{5FCFDDC5-0114-784B-BAF4-F20CF49B4B2D}" srcOrd="1" destOrd="0" presId="urn:microsoft.com/office/officeart/2016/7/layout/RepeatingBendingProcessNew"/>
+    <dgm:cxn modelId="{A2B156C9-8EF3-0942-9C4B-7EEBB363ED32}" type="presParOf" srcId="{5FCFDDC5-0114-784B-BAF4-F20CF49B4B2D}" destId="{47B17261-E363-C24C-8927-CB00ECDC5AC8}" srcOrd="0" destOrd="0" presId="urn:microsoft.com/office/officeart/2016/7/layout/RepeatingBendingProcessNew"/>
+    <dgm:cxn modelId="{F15DC02D-27E8-4745-9E8C-210D51B6570E}" type="presParOf" srcId="{5362013A-1C80-5349-A382-28D3FF1DE6F9}" destId="{58A84B51-DEE9-A247-90C0-3C128E280237}" srcOrd="2" destOrd="0" presId="urn:microsoft.com/office/officeart/2016/7/layout/RepeatingBendingProcessNew"/>
+    <dgm:cxn modelId="{B804CB3B-2DCB-E443-A5F3-1DCD18AF9726}" type="presParOf" srcId="{5362013A-1C80-5349-A382-28D3FF1DE6F9}" destId="{44CFAD02-6EDE-4549-AE12-10AE7C41EEA0}" srcOrd="3" destOrd="0" presId="urn:microsoft.com/office/officeart/2016/7/layout/RepeatingBendingProcessNew"/>
+    <dgm:cxn modelId="{DBD69A0F-B4AE-C94B-87AA-75E148D96EE9}" type="presParOf" srcId="{44CFAD02-6EDE-4549-AE12-10AE7C41EEA0}" destId="{A827C844-D2A6-ED49-976C-DE29AFA31FB3}" srcOrd="0" destOrd="0" presId="urn:microsoft.com/office/officeart/2016/7/layout/RepeatingBendingProcessNew"/>
+    <dgm:cxn modelId="{E6383D40-591E-114E-9201-0380A54B1A5A}" type="presParOf" srcId="{5362013A-1C80-5349-A382-28D3FF1DE6F9}" destId="{A21DA58C-02AC-354E-AB72-7026516EB3F8}" srcOrd="4" destOrd="0" presId="urn:microsoft.com/office/officeart/2016/7/layout/RepeatingBendingProcessNew"/>
+    <dgm:cxn modelId="{6EE0EBB8-C7F3-2B43-A7C5-6B5A39A570D4}" type="presParOf" srcId="{5362013A-1C80-5349-A382-28D3FF1DE6F9}" destId="{CD01FFEF-8A91-8349-B927-DE1FF2455BAE}" srcOrd="5" destOrd="0" presId="urn:microsoft.com/office/officeart/2016/7/layout/RepeatingBendingProcessNew"/>
+    <dgm:cxn modelId="{13B7ED88-2C9F-E549-AC95-25B330ADB0EC}" type="presParOf" srcId="{CD01FFEF-8A91-8349-B927-DE1FF2455BAE}" destId="{D1DC987B-D3BE-2346-A948-32CDA9201EE2}" srcOrd="0" destOrd="0" presId="urn:microsoft.com/office/officeart/2016/7/layout/RepeatingBendingProcessNew"/>
+    <dgm:cxn modelId="{FF8AECCA-D6BE-114A-958F-93E434F7F68E}" type="presParOf" srcId="{5362013A-1C80-5349-A382-28D3FF1DE6F9}" destId="{BEE0466D-831D-DB42-AB95-EFE9D78AFF92}" srcOrd="6" destOrd="0" presId="urn:microsoft.com/office/officeart/2016/7/layout/RepeatingBendingProcessNew"/>
+    <dgm:cxn modelId="{5BB92BDD-179F-1741-8819-38D2FD28C600}" type="presParOf" srcId="{5362013A-1C80-5349-A382-28D3FF1DE6F9}" destId="{0B92585E-66D8-6D4C-B6E3-80B4C4F49202}" srcOrd="7" destOrd="0" presId="urn:microsoft.com/office/officeart/2016/7/layout/RepeatingBendingProcessNew"/>
+    <dgm:cxn modelId="{2D657E1C-7EB6-964F-B447-53CF3ADB28E0}" type="presParOf" srcId="{0B92585E-66D8-6D4C-B6E3-80B4C4F49202}" destId="{31189D5B-EB97-CA4F-83FF-AC9DBDBE2A08}" srcOrd="0" destOrd="0" presId="urn:microsoft.com/office/officeart/2016/7/layout/RepeatingBendingProcessNew"/>
+    <dgm:cxn modelId="{5497A084-7252-BE49-A11C-B18C96F7ADA5}" type="presParOf" srcId="{5362013A-1C80-5349-A382-28D3FF1DE6F9}" destId="{7FA658A9-219B-5A45-975A-CE4A3A526FC3}" srcOrd="8" destOrd="0" presId="urn:microsoft.com/office/officeart/2016/7/layout/RepeatingBendingProcessNew"/>
+    <dgm:cxn modelId="{2A6A764F-1521-0B43-8DC7-DE4BADA8E701}" type="presParOf" srcId="{5362013A-1C80-5349-A382-28D3FF1DE6F9}" destId="{DFA21956-7D41-D940-88B7-DDDF0F1FB40E}" srcOrd="9" destOrd="0" presId="urn:microsoft.com/office/officeart/2016/7/layout/RepeatingBendingProcessNew"/>
+    <dgm:cxn modelId="{8C6A20FE-B87D-6943-944E-9761D8BF9209}" type="presParOf" srcId="{DFA21956-7D41-D940-88B7-DDDF0F1FB40E}" destId="{93C4D4CD-D18F-734C-936B-D645989ED30C}" srcOrd="0" destOrd="0" presId="urn:microsoft.com/office/officeart/2016/7/layout/RepeatingBendingProcessNew"/>
+    <dgm:cxn modelId="{1D337F48-E47C-334C-95E6-A87AF4D433F5}" type="presParOf" srcId="{5362013A-1C80-5349-A382-28D3FF1DE6F9}" destId="{841BFFC4-5AE5-984E-967E-8B0611A8E7D8}" srcOrd="10" destOrd="0" presId="urn:microsoft.com/office/officeart/2016/7/layout/RepeatingBendingProcessNew"/>
   </dgm:cxnLst>
   <dgm:bg/>
   <dgm:whole/>
@@ -3059,7 +3130,7 @@
 <dgm:dataModel xmlns:dgm="http://schemas.openxmlformats.org/drawingml/2006/diagram" xmlns:a="http://schemas.openxmlformats.org/drawingml/2006/main">
   <dgm:ptLst>
     <dgm:pt modelId="{A1BFBDD7-1E18-445F-8115-E09FF590B384}" type="doc">
-      <dgm:prSet loTypeId="urn:microsoft.com/office/officeart/2005/8/layout/vList5" loCatId="list" qsTypeId="urn:microsoft.com/office/officeart/2005/8/quickstyle/simple1" qsCatId="simple" csTypeId="urn:microsoft.com/office/officeart/2005/8/colors/colorful2" csCatId="colorful" phldr="1"/>
+      <dgm:prSet loTypeId="urn:microsoft.com/office/officeart/2005/8/layout/vList5" loCatId="list" qsTypeId="urn:microsoft.com/office/officeart/2005/8/quickstyle/simple1" qsCatId="simple" csTypeId="urn:microsoft.com/office/officeart/2005/8/colors/colorful5" csCatId="colorful" phldr="1"/>
       <dgm:spPr/>
       <dgm:t>
         <a:bodyPr/>
@@ -3509,7 +3580,7 @@
         </a:p>
       </dgm:t>
     </dgm:pt>
-    <dgm:pt modelId="{3B17F6D1-1289-D84A-998F-5B0F9C690318}" type="pres">
+    <dgm:pt modelId="{F4836869-4AD8-8C49-A3A9-F5B4D0B7249A}" type="pres">
       <dgm:prSet presAssocID="{A1BFBDD7-1E18-445F-8115-E09FF590B384}" presName="Name0" presStyleCnt="0">
         <dgm:presLayoutVars>
           <dgm:dir/>
@@ -3519,11 +3590,11 @@
       </dgm:prSet>
       <dgm:spPr/>
     </dgm:pt>
-    <dgm:pt modelId="{AF9E883A-F6A6-8349-8997-B3659E49C965}" type="pres">
+    <dgm:pt modelId="{484B03F3-2994-EF45-BA26-34C1254340B6}" type="pres">
       <dgm:prSet presAssocID="{5C568554-7535-4300-8615-374316965E9C}" presName="linNode" presStyleCnt="0"/>
       <dgm:spPr/>
     </dgm:pt>
-    <dgm:pt modelId="{C348B490-4758-2348-95D4-F47331E4A85A}" type="pres">
+    <dgm:pt modelId="{F4A5664C-2AD6-2442-A594-6DBE4DA58A7D}" type="pres">
       <dgm:prSet presAssocID="{5C568554-7535-4300-8615-374316965E9C}" presName="parentText" presStyleLbl="node1" presStyleIdx="0" presStyleCnt="4">
         <dgm:presLayoutVars>
           <dgm:chMax val="1"/>
@@ -3532,7 +3603,7 @@
       </dgm:prSet>
       <dgm:spPr/>
     </dgm:pt>
-    <dgm:pt modelId="{FDBF05B4-D36B-C149-B968-D2A2DE9F55BC}" type="pres">
+    <dgm:pt modelId="{FDB3E8DD-F168-7448-8FF9-589400015950}" type="pres">
       <dgm:prSet presAssocID="{5C568554-7535-4300-8615-374316965E9C}" presName="descendantText" presStyleLbl="alignAccFollowNode1" presStyleIdx="0" presStyleCnt="4">
         <dgm:presLayoutVars>
           <dgm:bulletEnabled val="1"/>
@@ -3540,15 +3611,15 @@
       </dgm:prSet>
       <dgm:spPr/>
     </dgm:pt>
-    <dgm:pt modelId="{9528C5E7-5B33-9C4E-9A41-983A87AA15D9}" type="pres">
+    <dgm:pt modelId="{E5F3D165-0144-364A-8B39-177BE273F83A}" type="pres">
       <dgm:prSet presAssocID="{4BB1CD2E-0D05-4741-9C6A-BDFA8A4BCE07}" presName="sp" presStyleCnt="0"/>
       <dgm:spPr/>
     </dgm:pt>
-    <dgm:pt modelId="{C63BA1E9-3E45-9549-B706-2667FF452DA1}" type="pres">
+    <dgm:pt modelId="{F520D214-450B-AC42-A570-60659FB9364C}" type="pres">
       <dgm:prSet presAssocID="{72D78306-E24E-4A50-9867-E4E7044F5AD5}" presName="linNode" presStyleCnt="0"/>
       <dgm:spPr/>
     </dgm:pt>
-    <dgm:pt modelId="{A4EBBE77-BE75-574C-8FCD-5A1BDCEE059F}" type="pres">
+    <dgm:pt modelId="{4300F195-D647-534F-9588-B126E5CDC85D}" type="pres">
       <dgm:prSet presAssocID="{72D78306-E24E-4A50-9867-E4E7044F5AD5}" presName="parentText" presStyleLbl="node1" presStyleIdx="1" presStyleCnt="4">
         <dgm:presLayoutVars>
           <dgm:chMax val="1"/>
@@ -3557,7 +3628,7 @@
       </dgm:prSet>
       <dgm:spPr/>
     </dgm:pt>
-    <dgm:pt modelId="{BBBEA0E7-4147-C34B-9D66-877A2F2FBAC3}" type="pres">
+    <dgm:pt modelId="{58D772C2-4F39-574C-8CAF-ECF9D0E587F1}" type="pres">
       <dgm:prSet presAssocID="{72D78306-E24E-4A50-9867-E4E7044F5AD5}" presName="descendantText" presStyleLbl="alignAccFollowNode1" presStyleIdx="1" presStyleCnt="4">
         <dgm:presLayoutVars>
           <dgm:bulletEnabled val="1"/>
@@ -3565,15 +3636,15 @@
       </dgm:prSet>
       <dgm:spPr/>
     </dgm:pt>
-    <dgm:pt modelId="{D127B4C9-27FB-B34D-87BF-E84060B5543B}" type="pres">
+    <dgm:pt modelId="{9A251819-EBEE-6E4B-AB6B-60603CD30C64}" type="pres">
       <dgm:prSet presAssocID="{0882FDED-A438-4DF3-AA7C-21E9F99C770E}" presName="sp" presStyleCnt="0"/>
       <dgm:spPr/>
     </dgm:pt>
-    <dgm:pt modelId="{FB6A2B43-3FBB-4542-B549-8A57F2F021C3}" type="pres">
+    <dgm:pt modelId="{DF32633A-2C26-B746-B55B-54F1DC69E855}" type="pres">
       <dgm:prSet presAssocID="{1E476772-E926-42A1-9A1B-CAC3A749F5DA}" presName="linNode" presStyleCnt="0"/>
       <dgm:spPr/>
     </dgm:pt>
-    <dgm:pt modelId="{E0755FB0-923B-CD40-96F6-31C3C4C3B293}" type="pres">
+    <dgm:pt modelId="{8058C386-0673-9B46-A269-EC40E934911E}" type="pres">
       <dgm:prSet presAssocID="{1E476772-E926-42A1-9A1B-CAC3A749F5DA}" presName="parentText" presStyleLbl="node1" presStyleIdx="2" presStyleCnt="4">
         <dgm:presLayoutVars>
           <dgm:chMax val="1"/>
@@ -3582,7 +3653,7 @@
       </dgm:prSet>
       <dgm:spPr/>
     </dgm:pt>
-    <dgm:pt modelId="{8463B778-1DDB-8E4F-B9A1-A6214970B0E1}" type="pres">
+    <dgm:pt modelId="{BA5F3569-162A-614A-810F-34BC641FC633}" type="pres">
       <dgm:prSet presAssocID="{1E476772-E926-42A1-9A1B-CAC3A749F5DA}" presName="descendantText" presStyleLbl="alignAccFollowNode1" presStyleIdx="2" presStyleCnt="4">
         <dgm:presLayoutVars>
           <dgm:bulletEnabled val="1"/>
@@ -3590,15 +3661,15 @@
       </dgm:prSet>
       <dgm:spPr/>
     </dgm:pt>
-    <dgm:pt modelId="{B23D2AAC-6BA3-C046-BF82-B2059A3BDD42}" type="pres">
+    <dgm:pt modelId="{FABEFB8E-D291-3245-83E1-040E16117546}" type="pres">
       <dgm:prSet presAssocID="{F793F875-7251-449A-B592-4FB63D8FDCDD}" presName="sp" presStyleCnt="0"/>
       <dgm:spPr/>
     </dgm:pt>
-    <dgm:pt modelId="{4C79C561-E37D-E740-A25E-97D8AF251362}" type="pres">
+    <dgm:pt modelId="{CAB29984-5B04-E640-9BF0-4AD0388B8199}" type="pres">
       <dgm:prSet presAssocID="{CDFC4793-86E9-4044-95FE-6AD5184DBCEA}" presName="linNode" presStyleCnt="0"/>
       <dgm:spPr/>
     </dgm:pt>
-    <dgm:pt modelId="{C1FE65BE-02DD-8147-BB71-65637701F9FD}" type="pres">
+    <dgm:pt modelId="{EC2C3918-5D91-8949-A9EC-B1FD45B99AC1}" type="pres">
       <dgm:prSet presAssocID="{CDFC4793-86E9-4044-95FE-6AD5184DBCEA}" presName="parentText" presStyleLbl="node1" presStyleIdx="3" presStyleCnt="4">
         <dgm:presLayoutVars>
           <dgm:chMax val="1"/>
@@ -3607,7 +3678,7 @@
       </dgm:prSet>
       <dgm:spPr/>
     </dgm:pt>
-    <dgm:pt modelId="{C00F8C18-05EB-7F40-B33A-0737D27B4492}" type="pres">
+    <dgm:pt modelId="{E6462D9A-7037-A149-BEBA-F1881C4FFC85}" type="pres">
       <dgm:prSet presAssocID="{CDFC4793-86E9-4044-95FE-6AD5184DBCEA}" presName="descendantText" presStyleLbl="alignAccFollowNode1" presStyleIdx="3" presStyleCnt="4">
         <dgm:presLayoutVars>
           <dgm:bulletEnabled val="1"/>
@@ -3619,44 +3690,44 @@
   <dgm:cxnLst>
     <dgm:cxn modelId="{3F223F07-3C5E-4ABB-92B7-42827A5F1EC1}" srcId="{CDFC4793-86E9-4044-95FE-6AD5184DBCEA}" destId="{39F4DC2A-F490-49EA-BA5D-95F5D433C87A}" srcOrd="1" destOrd="0" parTransId="{6EDDE6E3-64EA-4442-A678-A719A0E7E8CF}" sibTransId="{B47119B0-95D0-467B-AB5A-9CCD79227EC4}"/>
     <dgm:cxn modelId="{948DB717-D957-453D-9D19-FF66D970F775}" srcId="{72D78306-E24E-4A50-9867-E4E7044F5AD5}" destId="{9A6250AD-EFB0-4200-A8C7-55350B13E8AC}" srcOrd="0" destOrd="0" parTransId="{0ECF86A8-533C-4F19-9FC3-C02D7211E868}" sibTransId="{D488C0E8-4E95-47A0-BDEA-2E1F15099791}"/>
+    <dgm:cxn modelId="{56640119-9B1B-CA4D-86C3-EBD5004B220C}" type="presOf" srcId="{1E476772-E926-42A1-9A1B-CAC3A749F5DA}" destId="{8058C386-0673-9B46-A269-EC40E934911E}" srcOrd="0" destOrd="0" presId="urn:microsoft.com/office/officeart/2005/8/layout/vList5"/>
+    <dgm:cxn modelId="{D2B2B222-37B0-4745-ABC1-5F30E6642157}" type="presOf" srcId="{DC8C6BBF-C147-4868-A57A-6497CAE604D1}" destId="{E6462D9A-7037-A149-BEBA-F1881C4FFC85}" srcOrd="0" destOrd="0" presId="urn:microsoft.com/office/officeart/2005/8/layout/vList5"/>
     <dgm:cxn modelId="{96FA862B-4400-417F-9359-5ED7779A08A7}" srcId="{A1BFBDD7-1E18-445F-8115-E09FF590B384}" destId="{CDFC4793-86E9-4044-95FE-6AD5184DBCEA}" srcOrd="3" destOrd="0" parTransId="{542CA93F-266A-431F-92A2-F30873A6A78E}" sibTransId="{AEC5520D-9456-4A72-A41D-58F7C507CB6B}"/>
-    <dgm:cxn modelId="{E164972B-3D47-B74C-AFB0-EF3A03C6ACAC}" type="presOf" srcId="{09EBAF86-E7E2-4C25-8A3F-CE0F908053AE}" destId="{FDBF05B4-D36B-C149-B968-D2A2DE9F55BC}" srcOrd="0" destOrd="0" presId="urn:microsoft.com/office/officeart/2005/8/layout/vList5"/>
-    <dgm:cxn modelId="{B857F32F-BAF2-0E4E-B461-3BDA690DCFBE}" type="presOf" srcId="{9A6250AD-EFB0-4200-A8C7-55350B13E8AC}" destId="{BBBEA0E7-4147-C34B-9D66-877A2F2FBAC3}" srcOrd="0" destOrd="0" presId="urn:microsoft.com/office/officeart/2005/8/layout/vList5"/>
-    <dgm:cxn modelId="{495BB632-CCBD-B544-937A-4EAE739E28BB}" type="presOf" srcId="{D6E7D8BF-5499-4108-8C39-5A57C4CB5272}" destId="{8463B778-1DDB-8E4F-B9A1-A6214970B0E1}" srcOrd="0" destOrd="1" presId="urn:microsoft.com/office/officeart/2005/8/layout/vList5"/>
     <dgm:cxn modelId="{23BCEB32-0336-4C37-91B0-31589EA87469}" srcId="{CDFC4793-86E9-4044-95FE-6AD5184DBCEA}" destId="{DC8C6BBF-C147-4868-A57A-6497CAE604D1}" srcOrd="0" destOrd="0" parTransId="{3A8C441B-7393-49C6-8314-FC0DC488ACEF}" sibTransId="{1A880C34-7F82-43F9-BD57-945CF5FF40CB}"/>
     <dgm:cxn modelId="{A162D84B-14D6-4864-8B3D-67FBFA025942}" srcId="{72D78306-E24E-4A50-9867-E4E7044F5AD5}" destId="{BFD8B4BB-2A02-4DF8-A13D-148A7D546FF7}" srcOrd="1" destOrd="0" parTransId="{854F7687-E44A-4CE7-911F-74BDD448941F}" sibTransId="{709BCD26-5C12-488F-B33C-515335F9E894}"/>
-    <dgm:cxn modelId="{D3FAD658-CFE6-FA4D-92A2-CACFDCA17EA3}" type="presOf" srcId="{CDFC4793-86E9-4044-95FE-6AD5184DBCEA}" destId="{C1FE65BE-02DD-8147-BB71-65637701F9FD}" srcOrd="0" destOrd="0" presId="urn:microsoft.com/office/officeart/2005/8/layout/vList5"/>
-    <dgm:cxn modelId="{11AF366A-CCA2-7B4B-812B-8FC7F332A960}" type="presOf" srcId="{DC8C6BBF-C147-4868-A57A-6497CAE604D1}" destId="{C00F8C18-05EB-7F40-B33A-0737D27B4492}" srcOrd="0" destOrd="0" presId="urn:microsoft.com/office/officeart/2005/8/layout/vList5"/>
-    <dgm:cxn modelId="{BA4C666F-B0E3-AC44-9F56-B1F465F3BD3E}" type="presOf" srcId="{C98FC20D-A10E-44A4-A108-62A273769370}" destId="{8463B778-1DDB-8E4F-B9A1-A6214970B0E1}" srcOrd="0" destOrd="0" presId="urn:microsoft.com/office/officeart/2005/8/layout/vList5"/>
+    <dgm:cxn modelId="{AB07EE55-E9E6-3F4F-8687-A2D58CC819A9}" type="presOf" srcId="{9A6250AD-EFB0-4200-A8C7-55350B13E8AC}" destId="{58D772C2-4F39-574C-8CAF-ECF9D0E587F1}" srcOrd="0" destOrd="0" presId="urn:microsoft.com/office/officeart/2005/8/layout/vList5"/>
+    <dgm:cxn modelId="{F4CAEF6D-0C10-504B-B3E1-E3C76BBF7CDB}" type="presOf" srcId="{72D78306-E24E-4A50-9867-E4E7044F5AD5}" destId="{4300F195-D647-534F-9588-B126E5CDC85D}" srcOrd="0" destOrd="0" presId="urn:microsoft.com/office/officeart/2005/8/layout/vList5"/>
     <dgm:cxn modelId="{7C5D4870-E458-406E-AF37-BF6CFE76D3F2}" srcId="{5C568554-7535-4300-8615-374316965E9C}" destId="{09EBAF86-E7E2-4C25-8A3F-CE0F908053AE}" srcOrd="0" destOrd="0" parTransId="{64D06446-2AAF-496C-B4D2-11E2ABF2D1CF}" sibTransId="{403656B3-781D-42E2-89D3-3BFCB18EB14F}"/>
-    <dgm:cxn modelId="{4504B573-6C30-E444-8C9B-A0ED6F55D92E}" type="presOf" srcId="{BFD8B4BB-2A02-4DF8-A13D-148A7D546FF7}" destId="{BBBEA0E7-4147-C34B-9D66-877A2F2FBAC3}" srcOrd="0" destOrd="1" presId="urn:microsoft.com/office/officeart/2005/8/layout/vList5"/>
+    <dgm:cxn modelId="{7B589473-CB30-F44F-ACF9-CAE1FC155F35}" type="presOf" srcId="{BFD8B4BB-2A02-4DF8-A13D-148A7D546FF7}" destId="{58D772C2-4F39-574C-8CAF-ECF9D0E587F1}" srcOrd="0" destOrd="1" presId="urn:microsoft.com/office/officeart/2005/8/layout/vList5"/>
     <dgm:cxn modelId="{7239DC79-63FB-4124-8B34-3E6E70AFD6F5}" srcId="{1E476772-E926-42A1-9A1B-CAC3A749F5DA}" destId="{D6E7D8BF-5499-4108-8C39-5A57C4CB5272}" srcOrd="1" destOrd="0" parTransId="{25981B64-0CFA-4CF4-94C9-CCCA678AD27C}" sibTransId="{11BB140F-79CA-4536-9AF2-EE48841644D0}"/>
-    <dgm:cxn modelId="{8CC3D686-9B36-9E4E-802E-D877FD31CA41}" type="presOf" srcId="{69A67A82-3E41-4064-B619-864A1866FAE5}" destId="{C00F8C18-05EB-7F40-B33A-0737D27B4492}" srcOrd="0" destOrd="2" presId="urn:microsoft.com/office/officeart/2005/8/layout/vList5"/>
+    <dgm:cxn modelId="{6CB34F7D-9178-5546-9337-977044EE2244}" type="presOf" srcId="{A1BFBDD7-1E18-445F-8115-E09FF590B384}" destId="{F4836869-4AD8-8C49-A3A9-F5B4D0B7249A}" srcOrd="0" destOrd="0" presId="urn:microsoft.com/office/officeart/2005/8/layout/vList5"/>
+    <dgm:cxn modelId="{7D2BB08A-6150-C143-889D-A667E72F277E}" type="presOf" srcId="{39F4DC2A-F490-49EA-BA5D-95F5D433C87A}" destId="{E6462D9A-7037-A149-BEBA-F1881C4FFC85}" srcOrd="0" destOrd="1" presId="urn:microsoft.com/office/officeart/2005/8/layout/vList5"/>
     <dgm:cxn modelId="{62BC2D92-CE86-4C95-8AC1-66658F5842FF}" srcId="{1E476772-E926-42A1-9A1B-CAC3A749F5DA}" destId="{C98FC20D-A10E-44A4-A108-62A273769370}" srcOrd="0" destOrd="0" parTransId="{C695B60A-29CA-48D8-984D-28C1676160F8}" sibTransId="{C8E44A61-19D7-4AD9-8772-2C1A66455F1D}"/>
-    <dgm:cxn modelId="{EB346694-15B8-2146-B0C6-20FF84184762}" type="presOf" srcId="{1E476772-E926-42A1-9A1B-CAC3A749F5DA}" destId="{E0755FB0-923B-CD40-96F6-31C3C4C3B293}" srcOrd="0" destOrd="0" presId="urn:microsoft.com/office/officeart/2005/8/layout/vList5"/>
-    <dgm:cxn modelId="{FBCC07AE-1CF7-3F4F-A148-24E90ACD5023}" type="presOf" srcId="{39F4DC2A-F490-49EA-BA5D-95F5D433C87A}" destId="{C00F8C18-05EB-7F40-B33A-0737D27B4492}" srcOrd="0" destOrd="1" presId="urn:microsoft.com/office/officeart/2005/8/layout/vList5"/>
-    <dgm:cxn modelId="{5162A2BC-49D5-5C4D-A042-7C9CFB1F8697}" type="presOf" srcId="{5C568554-7535-4300-8615-374316965E9C}" destId="{C348B490-4758-2348-95D4-F47331E4A85A}" srcOrd="0" destOrd="0" presId="urn:microsoft.com/office/officeart/2005/8/layout/vList5"/>
-    <dgm:cxn modelId="{2EC7B4BC-4F25-FF43-AF3D-6AB8ABF4B016}" type="presOf" srcId="{72D78306-E24E-4A50-9867-E4E7044F5AD5}" destId="{A4EBBE77-BE75-574C-8FCD-5A1BDCEE059F}" srcOrd="0" destOrd="0" presId="urn:microsoft.com/office/officeart/2005/8/layout/vList5"/>
+    <dgm:cxn modelId="{C11893BC-1233-BD4A-AB8C-42C9846023B1}" type="presOf" srcId="{D6E7D8BF-5499-4108-8C39-5A57C4CB5272}" destId="{BA5F3569-162A-614A-810F-34BC641FC633}" srcOrd="0" destOrd="1" presId="urn:microsoft.com/office/officeart/2005/8/layout/vList5"/>
+    <dgm:cxn modelId="{7DDCD9C9-2A47-E44F-BA98-A5E7718B7351}" type="presOf" srcId="{5C568554-7535-4300-8615-374316965E9C}" destId="{F4A5664C-2AD6-2442-A594-6DBE4DA58A7D}" srcOrd="0" destOrd="0" presId="urn:microsoft.com/office/officeart/2005/8/layout/vList5"/>
+    <dgm:cxn modelId="{66B65DDA-58BA-454D-8871-D624AB0C35B1}" type="presOf" srcId="{CDFC4793-86E9-4044-95FE-6AD5184DBCEA}" destId="{EC2C3918-5D91-8949-A9EC-B1FD45B99AC1}" srcOrd="0" destOrd="0" presId="urn:microsoft.com/office/officeart/2005/8/layout/vList5"/>
     <dgm:cxn modelId="{C10EB3DE-C4A9-4B9E-AE27-554FE2895AC9}" srcId="{CDFC4793-86E9-4044-95FE-6AD5184DBCEA}" destId="{69A67A82-3E41-4064-B619-864A1866FAE5}" srcOrd="2" destOrd="0" parTransId="{1F9B1627-4EB1-4BA0-AC60-EF8E44F9A529}" sibTransId="{7A0ABF5D-F3B3-41F0-AADC-64D60C8D6DAE}"/>
+    <dgm:cxn modelId="{1136C2E4-9917-7646-A9C4-DAEB3E0EF983}" type="presOf" srcId="{09EBAF86-E7E2-4C25-8A3F-CE0F908053AE}" destId="{FDB3E8DD-F168-7448-8FF9-589400015950}" srcOrd="0" destOrd="0" presId="urn:microsoft.com/office/officeart/2005/8/layout/vList5"/>
     <dgm:cxn modelId="{A4D61DE6-543D-44B2-872E-3113675C832D}" srcId="{A1BFBDD7-1E18-445F-8115-E09FF590B384}" destId="{72D78306-E24E-4A50-9867-E4E7044F5AD5}" srcOrd="1" destOrd="0" parTransId="{675EE85A-3FD4-47F5-9F2B-BAB6B113D1E4}" sibTransId="{0882FDED-A438-4DF3-AA7C-21E9F99C770E}"/>
     <dgm:cxn modelId="{EFB27BE6-A1F0-44D2-867A-4466D249D959}" srcId="{A1BFBDD7-1E18-445F-8115-E09FF590B384}" destId="{1E476772-E926-42A1-9A1B-CAC3A749F5DA}" srcOrd="2" destOrd="0" parTransId="{F6FA7A1B-C792-4ECC-A061-CEB27BD69CF1}" sibTransId="{F793F875-7251-449A-B592-4FB63D8FDCDD}"/>
+    <dgm:cxn modelId="{7AF815E9-423A-164B-8175-A8B0F523FC83}" type="presOf" srcId="{69A67A82-3E41-4064-B619-864A1866FAE5}" destId="{E6462D9A-7037-A149-BEBA-F1881C4FFC85}" srcOrd="0" destOrd="2" presId="urn:microsoft.com/office/officeart/2005/8/layout/vList5"/>
     <dgm:cxn modelId="{F1205EF0-6C04-4628-9577-8EF2693DDB93}" srcId="{A1BFBDD7-1E18-445F-8115-E09FF590B384}" destId="{5C568554-7535-4300-8615-374316965E9C}" srcOrd="0" destOrd="0" parTransId="{5E668361-676E-41E3-8736-49DC20FD8275}" sibTransId="{4BB1CD2E-0D05-4741-9C6A-BDFA8A4BCE07}"/>
-    <dgm:cxn modelId="{AB6494FE-BE24-C34E-8E54-3BB0A8447E52}" type="presOf" srcId="{A1BFBDD7-1E18-445F-8115-E09FF590B384}" destId="{3B17F6D1-1289-D84A-998F-5B0F9C690318}" srcOrd="0" destOrd="0" presId="urn:microsoft.com/office/officeart/2005/8/layout/vList5"/>
-    <dgm:cxn modelId="{CFAFAF6A-88FC-4E4B-9133-85F4E9C15351}" type="presParOf" srcId="{3B17F6D1-1289-D84A-998F-5B0F9C690318}" destId="{AF9E883A-F6A6-8349-8997-B3659E49C965}" srcOrd="0" destOrd="0" presId="urn:microsoft.com/office/officeart/2005/8/layout/vList5"/>
-    <dgm:cxn modelId="{EAE05424-881F-F440-BD30-09C5B16B5251}" type="presParOf" srcId="{AF9E883A-F6A6-8349-8997-B3659E49C965}" destId="{C348B490-4758-2348-95D4-F47331E4A85A}" srcOrd="0" destOrd="0" presId="urn:microsoft.com/office/officeart/2005/8/layout/vList5"/>
-    <dgm:cxn modelId="{F80BAD51-3E88-FB4D-BAF9-0601C81D5360}" type="presParOf" srcId="{AF9E883A-F6A6-8349-8997-B3659E49C965}" destId="{FDBF05B4-D36B-C149-B968-D2A2DE9F55BC}" srcOrd="1" destOrd="0" presId="urn:microsoft.com/office/officeart/2005/8/layout/vList5"/>
-    <dgm:cxn modelId="{08648083-2521-994E-8BA5-F2C0A0E39EA7}" type="presParOf" srcId="{3B17F6D1-1289-D84A-998F-5B0F9C690318}" destId="{9528C5E7-5B33-9C4E-9A41-983A87AA15D9}" srcOrd="1" destOrd="0" presId="urn:microsoft.com/office/officeart/2005/8/layout/vList5"/>
-    <dgm:cxn modelId="{F7582F23-B98F-4C41-8D96-23EC77F8E1BF}" type="presParOf" srcId="{3B17F6D1-1289-D84A-998F-5B0F9C690318}" destId="{C63BA1E9-3E45-9549-B706-2667FF452DA1}" srcOrd="2" destOrd="0" presId="urn:microsoft.com/office/officeart/2005/8/layout/vList5"/>
-    <dgm:cxn modelId="{D518ACB2-899A-D946-B788-47F43D71BF8F}" type="presParOf" srcId="{C63BA1E9-3E45-9549-B706-2667FF452DA1}" destId="{A4EBBE77-BE75-574C-8FCD-5A1BDCEE059F}" srcOrd="0" destOrd="0" presId="urn:microsoft.com/office/officeart/2005/8/layout/vList5"/>
-    <dgm:cxn modelId="{5251967F-2D53-0447-B9C1-6F12B6B46F16}" type="presParOf" srcId="{C63BA1E9-3E45-9549-B706-2667FF452DA1}" destId="{BBBEA0E7-4147-C34B-9D66-877A2F2FBAC3}" srcOrd="1" destOrd="0" presId="urn:microsoft.com/office/officeart/2005/8/layout/vList5"/>
-    <dgm:cxn modelId="{14C377F4-2AFD-1144-AA13-87CE3D277772}" type="presParOf" srcId="{3B17F6D1-1289-D84A-998F-5B0F9C690318}" destId="{D127B4C9-27FB-B34D-87BF-E84060B5543B}" srcOrd="3" destOrd="0" presId="urn:microsoft.com/office/officeart/2005/8/layout/vList5"/>
-    <dgm:cxn modelId="{2C53DD7D-CB9E-5A40-9E0B-15D24970B8CC}" type="presParOf" srcId="{3B17F6D1-1289-D84A-998F-5B0F9C690318}" destId="{FB6A2B43-3FBB-4542-B549-8A57F2F021C3}" srcOrd="4" destOrd="0" presId="urn:microsoft.com/office/officeart/2005/8/layout/vList5"/>
-    <dgm:cxn modelId="{922F70FD-49F6-6D45-A1B3-7EE175C5555E}" type="presParOf" srcId="{FB6A2B43-3FBB-4542-B549-8A57F2F021C3}" destId="{E0755FB0-923B-CD40-96F6-31C3C4C3B293}" srcOrd="0" destOrd="0" presId="urn:microsoft.com/office/officeart/2005/8/layout/vList5"/>
-    <dgm:cxn modelId="{43A233A6-4BC5-8D45-85D5-BF4557A13710}" type="presParOf" srcId="{FB6A2B43-3FBB-4542-B549-8A57F2F021C3}" destId="{8463B778-1DDB-8E4F-B9A1-A6214970B0E1}" srcOrd="1" destOrd="0" presId="urn:microsoft.com/office/officeart/2005/8/layout/vList5"/>
-    <dgm:cxn modelId="{7070260D-C24C-1347-BFC2-74A7CF38D4D1}" type="presParOf" srcId="{3B17F6D1-1289-D84A-998F-5B0F9C690318}" destId="{B23D2AAC-6BA3-C046-BF82-B2059A3BDD42}" srcOrd="5" destOrd="0" presId="urn:microsoft.com/office/officeart/2005/8/layout/vList5"/>
-    <dgm:cxn modelId="{6FBDA669-56B8-3645-B448-0688D5651EE8}" type="presParOf" srcId="{3B17F6D1-1289-D84A-998F-5B0F9C690318}" destId="{4C79C561-E37D-E740-A25E-97D8AF251362}" srcOrd="6" destOrd="0" presId="urn:microsoft.com/office/officeart/2005/8/layout/vList5"/>
-    <dgm:cxn modelId="{9ED99509-C686-A94C-A17B-06184CC1B672}" type="presParOf" srcId="{4C79C561-E37D-E740-A25E-97D8AF251362}" destId="{C1FE65BE-02DD-8147-BB71-65637701F9FD}" srcOrd="0" destOrd="0" presId="urn:microsoft.com/office/officeart/2005/8/layout/vList5"/>
-    <dgm:cxn modelId="{899DB646-E1AF-AF4F-BC2D-037F78510AB5}" type="presParOf" srcId="{4C79C561-E37D-E740-A25E-97D8AF251362}" destId="{C00F8C18-05EB-7F40-B33A-0737D27B4492}" srcOrd="1" destOrd="0" presId="urn:microsoft.com/office/officeart/2005/8/layout/vList5"/>
+    <dgm:cxn modelId="{64A784F7-1793-854B-9407-6C7C0E550469}" type="presOf" srcId="{C98FC20D-A10E-44A4-A108-62A273769370}" destId="{BA5F3569-162A-614A-810F-34BC641FC633}" srcOrd="0" destOrd="0" presId="urn:microsoft.com/office/officeart/2005/8/layout/vList5"/>
+    <dgm:cxn modelId="{3DA09EB8-8E01-3B4C-83A7-CED1DDEB32FC}" type="presParOf" srcId="{F4836869-4AD8-8C49-A3A9-F5B4D0B7249A}" destId="{484B03F3-2994-EF45-BA26-34C1254340B6}" srcOrd="0" destOrd="0" presId="urn:microsoft.com/office/officeart/2005/8/layout/vList5"/>
+    <dgm:cxn modelId="{5578AEA3-C0A9-BF47-B301-8B83D6820250}" type="presParOf" srcId="{484B03F3-2994-EF45-BA26-34C1254340B6}" destId="{F4A5664C-2AD6-2442-A594-6DBE4DA58A7D}" srcOrd="0" destOrd="0" presId="urn:microsoft.com/office/officeart/2005/8/layout/vList5"/>
+    <dgm:cxn modelId="{2FEC479E-A067-4A41-939E-CA321706BEF2}" type="presParOf" srcId="{484B03F3-2994-EF45-BA26-34C1254340B6}" destId="{FDB3E8DD-F168-7448-8FF9-589400015950}" srcOrd="1" destOrd="0" presId="urn:microsoft.com/office/officeart/2005/8/layout/vList5"/>
+    <dgm:cxn modelId="{F5F23CC9-CE34-7C4A-8406-E1A851683111}" type="presParOf" srcId="{F4836869-4AD8-8C49-A3A9-F5B4D0B7249A}" destId="{E5F3D165-0144-364A-8B39-177BE273F83A}" srcOrd="1" destOrd="0" presId="urn:microsoft.com/office/officeart/2005/8/layout/vList5"/>
+    <dgm:cxn modelId="{5FC988D5-89F1-A244-82B2-9940947F01B2}" type="presParOf" srcId="{F4836869-4AD8-8C49-A3A9-F5B4D0B7249A}" destId="{F520D214-450B-AC42-A570-60659FB9364C}" srcOrd="2" destOrd="0" presId="urn:microsoft.com/office/officeart/2005/8/layout/vList5"/>
+    <dgm:cxn modelId="{80981E4B-A1EB-9046-A621-679F53F00517}" type="presParOf" srcId="{F520D214-450B-AC42-A570-60659FB9364C}" destId="{4300F195-D647-534F-9588-B126E5CDC85D}" srcOrd="0" destOrd="0" presId="urn:microsoft.com/office/officeart/2005/8/layout/vList5"/>
+    <dgm:cxn modelId="{4BCECF2E-5C9F-C845-8D59-35E945CEDF92}" type="presParOf" srcId="{F520D214-450B-AC42-A570-60659FB9364C}" destId="{58D772C2-4F39-574C-8CAF-ECF9D0E587F1}" srcOrd="1" destOrd="0" presId="urn:microsoft.com/office/officeart/2005/8/layout/vList5"/>
+    <dgm:cxn modelId="{3FE35A36-6B6A-D74C-B007-F73AFCA348E2}" type="presParOf" srcId="{F4836869-4AD8-8C49-A3A9-F5B4D0B7249A}" destId="{9A251819-EBEE-6E4B-AB6B-60603CD30C64}" srcOrd="3" destOrd="0" presId="urn:microsoft.com/office/officeart/2005/8/layout/vList5"/>
+    <dgm:cxn modelId="{9CF6033D-B6F2-8B4A-8EA9-99B1EC434BCD}" type="presParOf" srcId="{F4836869-4AD8-8C49-A3A9-F5B4D0B7249A}" destId="{DF32633A-2C26-B746-B55B-54F1DC69E855}" srcOrd="4" destOrd="0" presId="urn:microsoft.com/office/officeart/2005/8/layout/vList5"/>
+    <dgm:cxn modelId="{DC03117E-26E1-534F-8F1B-D0E0D1D9507B}" type="presParOf" srcId="{DF32633A-2C26-B746-B55B-54F1DC69E855}" destId="{8058C386-0673-9B46-A269-EC40E934911E}" srcOrd="0" destOrd="0" presId="urn:microsoft.com/office/officeart/2005/8/layout/vList5"/>
+    <dgm:cxn modelId="{79EAD28E-31EE-1648-9AC3-8BA00CCFB51C}" type="presParOf" srcId="{DF32633A-2C26-B746-B55B-54F1DC69E855}" destId="{BA5F3569-162A-614A-810F-34BC641FC633}" srcOrd="1" destOrd="0" presId="urn:microsoft.com/office/officeart/2005/8/layout/vList5"/>
+    <dgm:cxn modelId="{E6EB77EE-88D6-EE44-B5DF-6FF3960E175B}" type="presParOf" srcId="{F4836869-4AD8-8C49-A3A9-F5B4D0B7249A}" destId="{FABEFB8E-D291-3245-83E1-040E16117546}" srcOrd="5" destOrd="0" presId="urn:microsoft.com/office/officeart/2005/8/layout/vList5"/>
+    <dgm:cxn modelId="{7C121A31-4C60-CF4B-ABA7-9F7F03EE0430}" type="presParOf" srcId="{F4836869-4AD8-8C49-A3A9-F5B4D0B7249A}" destId="{CAB29984-5B04-E640-9BF0-4AD0388B8199}" srcOrd="6" destOrd="0" presId="urn:microsoft.com/office/officeart/2005/8/layout/vList5"/>
+    <dgm:cxn modelId="{FAC88CD5-0AD1-CB4B-92FE-9D32A0F9D4FA}" type="presParOf" srcId="{CAB29984-5B04-E640-9BF0-4AD0388B8199}" destId="{EC2C3918-5D91-8949-A9EC-B1FD45B99AC1}" srcOrd="0" destOrd="0" presId="urn:microsoft.com/office/officeart/2005/8/layout/vList5"/>
+    <dgm:cxn modelId="{77608BD6-4581-E342-BE68-CDB584082DCB}" type="presParOf" srcId="{CAB29984-5B04-E640-9BF0-4AD0388B8199}" destId="{E6462D9A-7037-A149-BEBA-F1881C4FFC85}" srcOrd="1" destOrd="0" presId="urn:microsoft.com/office/officeart/2005/8/layout/vList5"/>
   </dgm:cxnLst>
   <dgm:bg/>
   <dgm:whole/>
@@ -3676,15 +3747,15 @@
       <dsp:cNvGrpSpPr/>
     </dsp:nvGrpSpPr>
     <dsp:grpSpPr/>
-    <dsp:sp modelId="{C9267905-6F54-F04E-AF2E-CB2975AB340E}">
+    <dsp:sp modelId="{5FCFDDC5-0114-784B-BAF4-F20CF49B4B2D}">
       <dsp:nvSpPr>
         <dsp:cNvPr id="0" name=""/>
         <dsp:cNvSpPr/>
       </dsp:nvSpPr>
       <dsp:spPr>
         <a:xfrm>
-          <a:off x="2850052" y="685988"/>
-          <a:ext cx="529335" cy="91440"/>
+          <a:off x="3040792" y="870618"/>
+          <a:ext cx="667342" cy="91440"/>
         </a:xfrm>
         <a:custGeom>
           <a:avLst/>
@@ -3698,19 +3769,16 @@
                 <a:pt x="0" y="45720"/>
               </a:moveTo>
               <a:lnTo>
-                <a:pt x="529335" y="45720"/>
+                <a:pt x="667342" y="45720"/>
               </a:lnTo>
             </a:path>
           </a:pathLst>
         </a:custGeom>
         <a:noFill/>
-        <a:ln w="6350" cap="flat" cmpd="sng" algn="ctr">
+        <a:ln w="28575" cap="flat" cmpd="sng" algn="ctr">
           <a:solidFill>
-            <a:schemeClr val="dk2">
-              <a:hueOff val="0"/>
-              <a:satOff val="0"/>
-              <a:lumOff val="0"/>
-              <a:alphaOff val="0"/>
+            <a:schemeClr val="bg1">
+              <a:lumMod val="50000"/>
             </a:schemeClr>
           </a:solidFill>
           <a:prstDash val="solid"/>
@@ -3753,25 +3821,25 @@
         </a:p>
       </dsp:txBody>
       <dsp:txXfrm>
-        <a:off x="3100721" y="728908"/>
-        <a:ext cx="27996" cy="5599"/>
+        <a:off x="3357014" y="912848"/>
+        <a:ext cx="34897" cy="6979"/>
       </dsp:txXfrm>
     </dsp:sp>
-    <dsp:sp modelId="{108596E6-F710-7B4B-85F0-CA30429E116E}">
+    <dsp:sp modelId="{9BD49620-195D-354B-8EBF-55890738D1D8}">
       <dsp:nvSpPr>
         <dsp:cNvPr id="0" name=""/>
         <dsp:cNvSpPr/>
       </dsp:nvSpPr>
       <dsp:spPr>
         <a:xfrm>
-          <a:off x="417351" y="1358"/>
-          <a:ext cx="2434500" cy="1460700"/>
+          <a:off x="8061" y="5979"/>
+          <a:ext cx="3034531" cy="1820718"/>
         </a:xfrm>
         <a:prstGeom prst="rect">
           <a:avLst/>
         </a:prstGeom>
         <a:solidFill>
-          <a:schemeClr val="dk2">
+          <a:schemeClr val="accent5">
             <a:hueOff val="0"/>
             <a:satOff val="0"/>
             <a:lumOff val="0"/>
@@ -3780,7 +3848,7 @@
         </a:solidFill>
         <a:ln w="12700" cap="flat" cmpd="sng" algn="ctr">
           <a:solidFill>
-            <a:schemeClr val="lt2">
+            <a:schemeClr val="lt1">
               <a:hueOff val="0"/>
               <a:satOff val="0"/>
               <a:lumOff val="0"/>
@@ -3807,12 +3875,12 @@
         </a:fontRef>
       </dsp:style>
       <dsp:txBody>
-        <a:bodyPr spcFirstLastPara="0" vert="horz" wrap="square" lIns="119293" tIns="125219" rIns="119293" bIns="125219" numCol="1" spcCol="1270" anchor="ctr" anchorCtr="0">
+        <a:bodyPr spcFirstLastPara="0" vert="horz" wrap="square" lIns="148695" tIns="156081" rIns="148695" bIns="156081" numCol="1" spcCol="1270" anchor="ctr" anchorCtr="0">
           <a:noAutofit/>
         </a:bodyPr>
         <a:lstStyle/>
         <a:p>
-          <a:pPr marL="0" lvl="0" indent="0" algn="ctr" defTabSz="1822450">
+          <a:pPr marL="0" lvl="0" indent="0" algn="ctr" defTabSz="2311400">
             <a:lnSpc>
               <a:spcPct val="90000"/>
             </a:lnSpc>
@@ -3825,25 +3893,25 @@
             <a:buNone/>
           </a:pPr>
           <a:r>
-            <a:rPr lang="en-US" sz="4100" kern="1200"/>
+            <a:rPr lang="en-US" sz="5200" kern="1200"/>
             <a:t>Source Code </a:t>
           </a:r>
         </a:p>
       </dsp:txBody>
       <dsp:txXfrm>
-        <a:off x="417351" y="1358"/>
-        <a:ext cx="2434500" cy="1460700"/>
+        <a:off x="8061" y="5979"/>
+        <a:ext cx="3034531" cy="1820718"/>
       </dsp:txXfrm>
     </dsp:sp>
-    <dsp:sp modelId="{BE2EDDB4-F6EC-9546-A6CC-CFA9F05B7981}">
+    <dsp:sp modelId="{44CFAD02-6EDE-4549-AE12-10AE7C41EEA0}">
       <dsp:nvSpPr>
         <dsp:cNvPr id="0" name=""/>
         <dsp:cNvSpPr/>
       </dsp:nvSpPr>
       <dsp:spPr>
         <a:xfrm>
-          <a:off x="1634602" y="1460258"/>
-          <a:ext cx="2994435" cy="529335"/>
+          <a:off x="6773265" y="870618"/>
+          <a:ext cx="667342" cy="91440"/>
         </a:xfrm>
         <a:custGeom>
           <a:avLst/>
@@ -3854,28 +3922,19 @@
           <a:pathLst>
             <a:path>
               <a:moveTo>
-                <a:pt x="2994435" y="0"/>
+                <a:pt x="0" y="45720"/>
               </a:moveTo>
               <a:lnTo>
-                <a:pt x="2994435" y="281767"/>
-              </a:lnTo>
-              <a:lnTo>
-                <a:pt x="0" y="281767"/>
-              </a:lnTo>
-              <a:lnTo>
-                <a:pt x="0" y="529335"/>
+                <a:pt x="667342" y="45720"/>
               </a:lnTo>
             </a:path>
           </a:pathLst>
         </a:custGeom>
         <a:noFill/>
-        <a:ln w="6350" cap="flat" cmpd="sng" algn="ctr">
+        <a:ln w="28575" cap="flat" cmpd="sng" algn="ctr">
           <a:solidFill>
-            <a:schemeClr val="dk2">
-              <a:hueOff val="0"/>
-              <a:satOff val="0"/>
-              <a:lumOff val="0"/>
-              <a:alphaOff val="0"/>
+            <a:schemeClr val="bg1">
+              <a:lumMod val="50000"/>
             </a:schemeClr>
           </a:solidFill>
           <a:prstDash val="solid"/>
@@ -3918,34 +3977,34 @@
         </a:p>
       </dsp:txBody>
       <dsp:txXfrm>
-        <a:off x="3055661" y="1722126"/>
-        <a:ext cx="152316" cy="5599"/>
+        <a:off x="7089488" y="912848"/>
+        <a:ext cx="34897" cy="6979"/>
       </dsp:txXfrm>
     </dsp:sp>
-    <dsp:sp modelId="{1F7BF467-CAA5-E244-A8B0-AE82EC8829C4}">
+    <dsp:sp modelId="{58A84B51-DEE9-A247-90C0-3C128E280237}">
       <dsp:nvSpPr>
         <dsp:cNvPr id="0" name=""/>
         <dsp:cNvSpPr/>
       </dsp:nvSpPr>
       <dsp:spPr>
         <a:xfrm>
-          <a:off x="3411787" y="1358"/>
-          <a:ext cx="2434500" cy="1460700"/>
+          <a:off x="3740534" y="5979"/>
+          <a:ext cx="3034531" cy="1820718"/>
         </a:xfrm>
         <a:prstGeom prst="rect">
           <a:avLst/>
         </a:prstGeom>
         <a:solidFill>
-          <a:schemeClr val="dk2">
-            <a:hueOff val="0"/>
-            <a:satOff val="0"/>
-            <a:lumOff val="0"/>
+          <a:schemeClr val="accent5">
+            <a:hueOff val="-1351709"/>
+            <a:satOff val="-3484"/>
+            <a:lumOff val="-2353"/>
             <a:alphaOff val="0"/>
           </a:schemeClr>
         </a:solidFill>
         <a:ln w="12700" cap="flat" cmpd="sng" algn="ctr">
           <a:solidFill>
-            <a:schemeClr val="lt2">
+            <a:schemeClr val="lt1">
               <a:hueOff val="0"/>
               <a:satOff val="0"/>
               <a:lumOff val="0"/>
@@ -3972,12 +4031,12 @@
         </a:fontRef>
       </dsp:style>
       <dsp:txBody>
-        <a:bodyPr spcFirstLastPara="0" vert="horz" wrap="square" lIns="119293" tIns="125219" rIns="119293" bIns="125219" numCol="1" spcCol="1270" anchor="ctr" anchorCtr="0">
+        <a:bodyPr spcFirstLastPara="0" vert="horz" wrap="square" lIns="148695" tIns="156081" rIns="148695" bIns="156081" numCol="1" spcCol="1270" anchor="ctr" anchorCtr="0">
           <a:noAutofit/>
         </a:bodyPr>
         <a:lstStyle/>
         <a:p>
-          <a:pPr marL="0" lvl="0" indent="0" algn="ctr" defTabSz="1822450">
+          <a:pPr marL="0" lvl="0" indent="0" algn="ctr" defTabSz="2311400">
             <a:lnSpc>
               <a:spcPct val="90000"/>
             </a:lnSpc>
@@ -3990,25 +4049,25 @@
             <a:buNone/>
           </a:pPr>
           <a:r>
-            <a:rPr lang="en-US" sz="4100" kern="1200"/>
+            <a:rPr lang="en-US" sz="5200" kern="1200"/>
             <a:t>Macro Expansion</a:t>
           </a:r>
         </a:p>
       </dsp:txBody>
       <dsp:txXfrm>
-        <a:off x="3411787" y="1358"/>
-        <a:ext cx="2434500" cy="1460700"/>
+        <a:off x="3740534" y="5979"/>
+        <a:ext cx="3034531" cy="1820718"/>
       </dsp:txXfrm>
     </dsp:sp>
-    <dsp:sp modelId="{02689391-208A-474B-AD01-1382708DE939}">
+    <dsp:sp modelId="{CD01FFEF-8A91-8349-B927-DE1FF2455BAE}">
       <dsp:nvSpPr>
         <dsp:cNvPr id="0" name=""/>
         <dsp:cNvSpPr/>
       </dsp:nvSpPr>
       <dsp:spPr>
         <a:xfrm>
-          <a:off x="2850052" y="2706624"/>
-          <a:ext cx="529335" cy="91440"/>
+          <a:off x="1525326" y="1824897"/>
+          <a:ext cx="7464946" cy="667342"/>
         </a:xfrm>
         <a:custGeom>
           <a:avLst/>
@@ -4019,22 +4078,25 @@
           <a:pathLst>
             <a:path>
               <a:moveTo>
-                <a:pt x="0" y="45720"/>
+                <a:pt x="7464946" y="0"/>
               </a:moveTo>
               <a:lnTo>
-                <a:pt x="529335" y="45720"/>
+                <a:pt x="7464946" y="350771"/>
+              </a:lnTo>
+              <a:lnTo>
+                <a:pt x="0" y="350771"/>
+              </a:lnTo>
+              <a:lnTo>
+                <a:pt x="0" y="667342"/>
               </a:lnTo>
             </a:path>
           </a:pathLst>
         </a:custGeom>
         <a:noFill/>
-        <a:ln w="6350" cap="flat" cmpd="sng" algn="ctr">
+        <a:ln w="28575" cap="flat" cmpd="sng" algn="ctr">
           <a:solidFill>
-            <a:schemeClr val="dk2">
-              <a:hueOff val="0"/>
-              <a:satOff val="0"/>
-              <a:lumOff val="0"/>
-              <a:alphaOff val="0"/>
+            <a:schemeClr val="bg1">
+              <a:lumMod val="50000"/>
             </a:schemeClr>
           </a:solidFill>
           <a:prstDash val="solid"/>
@@ -4077,34 +4139,34 @@
         </a:p>
       </dsp:txBody>
       <dsp:txXfrm>
-        <a:off x="3100721" y="2749544"/>
-        <a:ext cx="27996" cy="5599"/>
+        <a:off x="5070362" y="2155079"/>
+        <a:ext cx="374875" cy="6979"/>
       </dsp:txXfrm>
     </dsp:sp>
-    <dsp:sp modelId="{6C013801-D3F7-0749-9984-226755DCA8DD}">
+    <dsp:sp modelId="{A21DA58C-02AC-354E-AB72-7026516EB3F8}">
       <dsp:nvSpPr>
         <dsp:cNvPr id="0" name=""/>
         <dsp:cNvSpPr/>
       </dsp:nvSpPr>
       <dsp:spPr>
         <a:xfrm>
-          <a:off x="417351" y="2021993"/>
-          <a:ext cx="2434500" cy="1460700"/>
+          <a:off x="7473007" y="5979"/>
+          <a:ext cx="3034531" cy="1820718"/>
         </a:xfrm>
         <a:prstGeom prst="rect">
           <a:avLst/>
         </a:prstGeom>
         <a:solidFill>
-          <a:schemeClr val="dk2">
-            <a:hueOff val="0"/>
-            <a:satOff val="0"/>
-            <a:lumOff val="0"/>
+          <a:schemeClr val="accent5">
+            <a:hueOff val="-2703417"/>
+            <a:satOff val="-6968"/>
+            <a:lumOff val="-4706"/>
             <a:alphaOff val="0"/>
           </a:schemeClr>
         </a:solidFill>
         <a:ln w="12700" cap="flat" cmpd="sng" algn="ctr">
           <a:solidFill>
-            <a:schemeClr val="lt2">
+            <a:schemeClr val="lt1">
               <a:hueOff val="0"/>
               <a:satOff val="0"/>
               <a:lumOff val="0"/>
@@ -4131,12 +4193,12 @@
         </a:fontRef>
       </dsp:style>
       <dsp:txBody>
-        <a:bodyPr spcFirstLastPara="0" vert="horz" wrap="square" lIns="119293" tIns="125219" rIns="119293" bIns="125219" numCol="1" spcCol="1270" anchor="ctr" anchorCtr="0">
+        <a:bodyPr spcFirstLastPara="0" vert="horz" wrap="square" lIns="148695" tIns="156081" rIns="148695" bIns="156081" numCol="1" spcCol="1270" anchor="ctr" anchorCtr="0">
           <a:noAutofit/>
         </a:bodyPr>
         <a:lstStyle/>
         <a:p>
-          <a:pPr marL="0" lvl="0" indent="0" algn="ctr" defTabSz="1822450">
+          <a:pPr marL="0" lvl="0" indent="0" algn="ctr" defTabSz="2311400">
             <a:lnSpc>
               <a:spcPct val="90000"/>
             </a:lnSpc>
@@ -4149,25 +4211,25 @@
             <a:buNone/>
           </a:pPr>
           <a:r>
-            <a:rPr lang="en-US" sz="4100" kern="1200"/>
+            <a:rPr lang="en-US" sz="5200" kern="1200"/>
             <a:t>AST </a:t>
           </a:r>
         </a:p>
       </dsp:txBody>
       <dsp:txXfrm>
-        <a:off x="417351" y="2021993"/>
-        <a:ext cx="2434500" cy="1460700"/>
+        <a:off x="7473007" y="5979"/>
+        <a:ext cx="3034531" cy="1820718"/>
       </dsp:txXfrm>
     </dsp:sp>
-    <dsp:sp modelId="{07224510-582E-F943-AB43-BDABA27328DD}">
+    <dsp:sp modelId="{0B92585E-66D8-6D4C-B6E3-80B4C4F49202}">
       <dsp:nvSpPr>
         <dsp:cNvPr id="0" name=""/>
         <dsp:cNvSpPr/>
       </dsp:nvSpPr>
       <dsp:spPr>
         <a:xfrm>
-          <a:off x="1634602" y="3480894"/>
-          <a:ext cx="2994435" cy="529335"/>
+          <a:off x="3040792" y="3389279"/>
+          <a:ext cx="667342" cy="91440"/>
         </a:xfrm>
         <a:custGeom>
           <a:avLst/>
@@ -4178,28 +4240,19 @@
           <a:pathLst>
             <a:path>
               <a:moveTo>
-                <a:pt x="2994435" y="0"/>
+                <a:pt x="0" y="45720"/>
               </a:moveTo>
               <a:lnTo>
-                <a:pt x="2994435" y="281767"/>
-              </a:lnTo>
-              <a:lnTo>
-                <a:pt x="0" y="281767"/>
-              </a:lnTo>
-              <a:lnTo>
-                <a:pt x="0" y="529335"/>
+                <a:pt x="667342" y="45720"/>
               </a:lnTo>
             </a:path>
           </a:pathLst>
         </a:custGeom>
         <a:noFill/>
-        <a:ln w="6350" cap="flat" cmpd="sng" algn="ctr">
+        <a:ln w="28575" cap="flat" cmpd="sng" algn="ctr">
           <a:solidFill>
-            <a:schemeClr val="dk2">
-              <a:hueOff val="0"/>
-              <a:satOff val="0"/>
-              <a:lumOff val="0"/>
-              <a:alphaOff val="0"/>
+            <a:schemeClr val="bg1">
+              <a:lumMod val="50000"/>
             </a:schemeClr>
           </a:solidFill>
           <a:prstDash val="solid"/>
@@ -4242,34 +4295,34 @@
         </a:p>
       </dsp:txBody>
       <dsp:txXfrm>
-        <a:off x="3055661" y="3742762"/>
-        <a:ext cx="152316" cy="5599"/>
+        <a:off x="3357014" y="3431509"/>
+        <a:ext cx="34897" cy="6979"/>
       </dsp:txXfrm>
     </dsp:sp>
-    <dsp:sp modelId="{539A949E-A62A-CF43-B4A0-934E250B590B}">
+    <dsp:sp modelId="{BEE0466D-831D-DB42-AB95-EFE9D78AFF92}">
       <dsp:nvSpPr>
         <dsp:cNvPr id="0" name=""/>
         <dsp:cNvSpPr/>
       </dsp:nvSpPr>
       <dsp:spPr>
         <a:xfrm>
-          <a:off x="3411787" y="2021993"/>
-          <a:ext cx="2434500" cy="1460700"/>
+          <a:off x="8061" y="2524640"/>
+          <a:ext cx="3034531" cy="1820718"/>
         </a:xfrm>
         <a:prstGeom prst="rect">
           <a:avLst/>
         </a:prstGeom>
         <a:solidFill>
-          <a:schemeClr val="dk2">
-            <a:hueOff val="0"/>
-            <a:satOff val="0"/>
-            <a:lumOff val="0"/>
+          <a:schemeClr val="accent5">
+            <a:hueOff val="-4055126"/>
+            <a:satOff val="-10451"/>
+            <a:lumOff val="-7059"/>
             <a:alphaOff val="0"/>
           </a:schemeClr>
         </a:solidFill>
         <a:ln w="12700" cap="flat" cmpd="sng" algn="ctr">
           <a:solidFill>
-            <a:schemeClr val="lt2">
+            <a:schemeClr val="lt1">
               <a:hueOff val="0"/>
               <a:satOff val="0"/>
               <a:lumOff val="0"/>
@@ -4296,12 +4349,12 @@
         </a:fontRef>
       </dsp:style>
       <dsp:txBody>
-        <a:bodyPr spcFirstLastPara="0" vert="horz" wrap="square" lIns="119293" tIns="125219" rIns="119293" bIns="125219" numCol="1" spcCol="1270" anchor="ctr" anchorCtr="0">
+        <a:bodyPr spcFirstLastPara="0" vert="horz" wrap="square" lIns="148695" tIns="156081" rIns="148695" bIns="156081" numCol="1" spcCol="1270" anchor="ctr" anchorCtr="0">
           <a:noAutofit/>
         </a:bodyPr>
         <a:lstStyle/>
         <a:p>
-          <a:pPr marL="0" lvl="0" indent="0" algn="ctr" defTabSz="1822450">
+          <a:pPr marL="0" lvl="0" indent="0" algn="ctr" defTabSz="2311400">
             <a:lnSpc>
               <a:spcPct val="90000"/>
             </a:lnSpc>
@@ -4314,25 +4367,25 @@
             <a:buNone/>
           </a:pPr>
           <a:r>
-            <a:rPr lang="en-US" sz="4100" kern="1200"/>
+            <a:rPr lang="en-US" sz="5200" kern="1200"/>
             <a:t>Julia IR</a:t>
           </a:r>
         </a:p>
       </dsp:txBody>
       <dsp:txXfrm>
-        <a:off x="3411787" y="2021993"/>
-        <a:ext cx="2434500" cy="1460700"/>
+        <a:off x="8061" y="2524640"/>
+        <a:ext cx="3034531" cy="1820718"/>
       </dsp:txXfrm>
     </dsp:sp>
-    <dsp:sp modelId="{99E8F455-F226-D648-86B4-8E481BAEDE50}">
+    <dsp:sp modelId="{DFA21956-7D41-D940-88B7-DDDF0F1FB40E}">
       <dsp:nvSpPr>
         <dsp:cNvPr id="0" name=""/>
         <dsp:cNvSpPr/>
       </dsp:nvSpPr>
       <dsp:spPr>
         <a:xfrm>
-          <a:off x="2850052" y="4727259"/>
-          <a:ext cx="529335" cy="91440"/>
+          <a:off x="6773265" y="3389279"/>
+          <a:ext cx="667342" cy="91440"/>
         </a:xfrm>
         <a:custGeom>
           <a:avLst/>
@@ -4346,19 +4399,16 @@
                 <a:pt x="0" y="45720"/>
               </a:moveTo>
               <a:lnTo>
-                <a:pt x="529335" y="45720"/>
+                <a:pt x="667342" y="45720"/>
               </a:lnTo>
             </a:path>
           </a:pathLst>
         </a:custGeom>
         <a:noFill/>
-        <a:ln w="6350" cap="flat" cmpd="sng" algn="ctr">
+        <a:ln w="28575" cap="flat" cmpd="sng" algn="ctr">
           <a:solidFill>
-            <a:schemeClr val="dk2">
-              <a:hueOff val="0"/>
-              <a:satOff val="0"/>
-              <a:lumOff val="0"/>
-              <a:alphaOff val="0"/>
+            <a:schemeClr val="bg1">
+              <a:lumMod val="50000"/>
             </a:schemeClr>
           </a:solidFill>
           <a:prstDash val="solid"/>
@@ -4401,34 +4451,34 @@
         </a:p>
       </dsp:txBody>
       <dsp:txXfrm>
-        <a:off x="3100721" y="4770179"/>
-        <a:ext cx="27996" cy="5599"/>
+        <a:off x="7089488" y="3431509"/>
+        <a:ext cx="34897" cy="6979"/>
       </dsp:txXfrm>
     </dsp:sp>
-    <dsp:sp modelId="{B4EEB252-A842-1C47-9152-D1F1DFEB181A}">
+    <dsp:sp modelId="{7FA658A9-219B-5A45-975A-CE4A3A526FC3}">
       <dsp:nvSpPr>
         <dsp:cNvPr id="0" name=""/>
         <dsp:cNvSpPr/>
       </dsp:nvSpPr>
       <dsp:spPr>
         <a:xfrm>
-          <a:off x="417351" y="4042629"/>
-          <a:ext cx="2434500" cy="1460700"/>
+          <a:off x="3740534" y="2524640"/>
+          <a:ext cx="3034531" cy="1820718"/>
         </a:xfrm>
         <a:prstGeom prst="rect">
           <a:avLst/>
         </a:prstGeom>
         <a:solidFill>
-          <a:schemeClr val="dk2">
-            <a:hueOff val="0"/>
-            <a:satOff val="0"/>
-            <a:lumOff val="0"/>
+          <a:schemeClr val="accent5">
+            <a:hueOff val="-5406834"/>
+            <a:satOff val="-13935"/>
+            <a:lumOff val="-9412"/>
             <a:alphaOff val="0"/>
           </a:schemeClr>
         </a:solidFill>
         <a:ln w="12700" cap="flat" cmpd="sng" algn="ctr">
           <a:solidFill>
-            <a:schemeClr val="lt2">
+            <a:schemeClr val="lt1">
               <a:hueOff val="0"/>
               <a:satOff val="0"/>
               <a:lumOff val="0"/>
@@ -4455,12 +4505,12 @@
         </a:fontRef>
       </dsp:style>
       <dsp:txBody>
-        <a:bodyPr spcFirstLastPara="0" vert="horz" wrap="square" lIns="119293" tIns="125219" rIns="119293" bIns="125219" numCol="1" spcCol="1270" anchor="ctr" anchorCtr="0">
+        <a:bodyPr spcFirstLastPara="0" vert="horz" wrap="square" lIns="148695" tIns="156081" rIns="148695" bIns="156081" numCol="1" spcCol="1270" anchor="ctr" anchorCtr="0">
           <a:noAutofit/>
         </a:bodyPr>
         <a:lstStyle/>
         <a:p>
-          <a:pPr marL="0" lvl="0" indent="0" algn="ctr" defTabSz="1822450">
+          <a:pPr marL="0" lvl="0" indent="0" algn="ctr" defTabSz="2311400">
             <a:lnSpc>
               <a:spcPct val="90000"/>
             </a:lnSpc>
@@ -4473,40 +4523,40 @@
             <a:buNone/>
           </a:pPr>
           <a:r>
-            <a:rPr lang="en-US" sz="4100" kern="1200"/>
+            <a:rPr lang="en-US" sz="5200" kern="1200"/>
             <a:t>LLVM IR </a:t>
           </a:r>
         </a:p>
       </dsp:txBody>
       <dsp:txXfrm>
-        <a:off x="417351" y="4042629"/>
-        <a:ext cx="2434500" cy="1460700"/>
+        <a:off x="3740534" y="2524640"/>
+        <a:ext cx="3034531" cy="1820718"/>
       </dsp:txXfrm>
     </dsp:sp>
-    <dsp:sp modelId="{8680362E-92B7-7F4B-B1FA-34C7F423AAF0}">
+    <dsp:sp modelId="{841BFFC4-5AE5-984E-967E-8B0611A8E7D8}">
       <dsp:nvSpPr>
         <dsp:cNvPr id="0" name=""/>
         <dsp:cNvSpPr/>
       </dsp:nvSpPr>
       <dsp:spPr>
         <a:xfrm>
-          <a:off x="3411787" y="4042629"/>
-          <a:ext cx="2434500" cy="1460700"/>
+          <a:off x="7473007" y="2524640"/>
+          <a:ext cx="3034531" cy="1820718"/>
         </a:xfrm>
         <a:prstGeom prst="rect">
           <a:avLst/>
         </a:prstGeom>
         <a:solidFill>
-          <a:schemeClr val="dk2">
-            <a:hueOff val="0"/>
-            <a:satOff val="0"/>
-            <a:lumOff val="0"/>
+          <a:schemeClr val="accent5">
+            <a:hueOff val="-6758543"/>
+            <a:satOff val="-17419"/>
+            <a:lumOff val="-11765"/>
             <a:alphaOff val="0"/>
           </a:schemeClr>
         </a:solidFill>
         <a:ln w="12700" cap="flat" cmpd="sng" algn="ctr">
           <a:solidFill>
-            <a:schemeClr val="lt2">
+            <a:schemeClr val="lt1">
               <a:hueOff val="0"/>
               <a:satOff val="0"/>
               <a:lumOff val="0"/>
@@ -4533,12 +4583,12 @@
         </a:fontRef>
       </dsp:style>
       <dsp:txBody>
-        <a:bodyPr spcFirstLastPara="0" vert="horz" wrap="square" lIns="119293" tIns="125219" rIns="119293" bIns="125219" numCol="1" spcCol="1270" anchor="ctr" anchorCtr="0">
+        <a:bodyPr spcFirstLastPara="0" vert="horz" wrap="square" lIns="148695" tIns="156081" rIns="148695" bIns="156081" numCol="1" spcCol="1270" anchor="ctr" anchorCtr="0">
           <a:noAutofit/>
         </a:bodyPr>
         <a:lstStyle/>
         <a:p>
-          <a:pPr marL="0" lvl="0" indent="0" algn="ctr" defTabSz="1822450">
+          <a:pPr marL="0" lvl="0" indent="0" algn="ctr" defTabSz="2311400">
             <a:lnSpc>
               <a:spcPct val="90000"/>
             </a:lnSpc>
@@ -4551,14 +4601,14 @@
             <a:buNone/>
           </a:pPr>
           <a:r>
-            <a:rPr lang="en-US" sz="4100" kern="1200"/>
+            <a:rPr lang="en-US" sz="5200" kern="1200"/>
             <a:t>Native code </a:t>
           </a:r>
         </a:p>
       </dsp:txBody>
       <dsp:txXfrm>
-        <a:off x="3411787" y="4042629"/>
-        <a:ext cx="2434500" cy="1460700"/>
+        <a:off x="7473007" y="2524640"/>
+        <a:ext cx="3034531" cy="1820718"/>
       </dsp:txXfrm>
     </dsp:sp>
   </dsp:spTree>
@@ -5098,21 +5148,21 @@
       <dsp:cNvGrpSpPr/>
     </dsp:nvGrpSpPr>
     <dsp:grpSpPr/>
-    <dsp:sp modelId="{FDBF05B4-D36B-C149-B968-D2A2DE9F55BC}">
+    <dsp:sp modelId="{FDB3E8DD-F168-7448-8FF9-589400015950}">
       <dsp:nvSpPr>
         <dsp:cNvPr id="0" name=""/>
         <dsp:cNvSpPr/>
       </dsp:nvSpPr>
       <dsp:spPr>
         <a:xfrm rot="5400000">
-          <a:off x="3862548" y="-1373030"/>
-          <a:ext cx="1133404" cy="4168706"/>
+          <a:off x="6731621" y="-2839081"/>
+          <a:ext cx="837972" cy="6729984"/>
         </a:xfrm>
         <a:prstGeom prst="round2SameRect">
           <a:avLst/>
         </a:prstGeom>
         <a:solidFill>
-          <a:schemeClr val="accent2">
+          <a:schemeClr val="accent5">
             <a:tint val="40000"/>
             <a:alpha val="90000"/>
             <a:hueOff val="0"/>
@@ -5123,7 +5173,7 @@
         </a:solidFill>
         <a:ln w="12700" cap="flat" cmpd="sng" algn="ctr">
           <a:solidFill>
-            <a:schemeClr val="accent2">
+            <a:schemeClr val="accent5">
               <a:tint val="40000"/>
               <a:alpha val="90000"/>
               <a:hueOff val="0"/>
@@ -5150,12 +5200,12 @@
         <a:fontRef idx="minor"/>
       </dsp:style>
       <dsp:txBody>
-        <a:bodyPr spcFirstLastPara="0" vert="horz" wrap="square" lIns="49530" tIns="24765" rIns="49530" bIns="24765" numCol="1" spcCol="1270" anchor="ctr" anchorCtr="0">
+        <a:bodyPr spcFirstLastPara="0" vert="horz" wrap="square" lIns="57150" tIns="28575" rIns="57150" bIns="28575" numCol="1" spcCol="1270" anchor="ctr" anchorCtr="0">
           <a:noAutofit/>
         </a:bodyPr>
         <a:lstStyle/>
         <a:p>
-          <a:pPr marL="114300" lvl="1" indent="-114300" algn="l" defTabSz="577850">
+          <a:pPr marL="114300" lvl="1" indent="-114300" algn="l" defTabSz="666750">
             <a:lnSpc>
               <a:spcPct val="90000"/>
             </a:lnSpc>
@@ -5168,39 +5218,39 @@
             <a:buChar char="•"/>
           </a:pPr>
           <a:r>
-            <a:rPr lang="en-US" sz="1300" kern="1200" dirty="0"/>
+            <a:rPr lang="en-US" sz="1500" kern="1200" dirty="0"/>
             <a:t>Most </a:t>
           </a:r>
           <a:r>
-            <a:rPr lang="en-US" sz="1300" kern="1200" dirty="0" err="1"/>
+            <a:rPr lang="en-US" sz="1500" kern="1200" dirty="0" err="1"/>
             <a:t>usefull</a:t>
           </a:r>
           <a:r>
-            <a:rPr lang="en-US" sz="1300" kern="1200" dirty="0"/>
+            <a:rPr lang="en-US" sz="1500" kern="1200" dirty="0"/>
             <a:t> in unbalanced workloads. Dynamic scheduling with producer and consumer algorithms</a:t>
           </a:r>
         </a:p>
       </dsp:txBody>
       <dsp:txXfrm rot="-5400000">
-        <a:off x="2344897" y="199949"/>
-        <a:ext cx="4113378" cy="1022748"/>
+        <a:off x="3785615" y="147831"/>
+        <a:ext cx="6689078" cy="756160"/>
       </dsp:txXfrm>
     </dsp:sp>
-    <dsp:sp modelId="{C348B490-4758-2348-95D4-F47331E4A85A}">
+    <dsp:sp modelId="{F4A5664C-2AD6-2442-A594-6DBE4DA58A7D}">
       <dsp:nvSpPr>
         <dsp:cNvPr id="0" name=""/>
         <dsp:cNvSpPr/>
       </dsp:nvSpPr>
       <dsp:spPr>
         <a:xfrm>
-          <a:off x="0" y="2945"/>
-          <a:ext cx="2344897" cy="1416755"/>
+          <a:off x="0" y="2177"/>
+          <a:ext cx="3785616" cy="1047465"/>
         </a:xfrm>
         <a:prstGeom prst="roundRect">
           <a:avLst/>
         </a:prstGeom>
         <a:solidFill>
-          <a:schemeClr val="accent2">
+          <a:schemeClr val="accent5">
             <a:hueOff val="0"/>
             <a:satOff val="0"/>
             <a:lumOff val="0"/>
@@ -5236,12 +5286,12 @@
         </a:fontRef>
       </dsp:style>
       <dsp:txBody>
-        <a:bodyPr spcFirstLastPara="0" vert="horz" wrap="square" lIns="121920" tIns="60960" rIns="121920" bIns="60960" numCol="1" spcCol="1270" anchor="ctr" anchorCtr="0">
+        <a:bodyPr spcFirstLastPara="0" vert="horz" wrap="square" lIns="110490" tIns="55245" rIns="110490" bIns="55245" numCol="1" spcCol="1270" anchor="ctr" anchorCtr="0">
           <a:noAutofit/>
         </a:bodyPr>
         <a:lstStyle/>
         <a:p>
-          <a:pPr marL="0" lvl="0" indent="0" algn="ctr" defTabSz="1422400">
+          <a:pPr marL="0" lvl="0" indent="0" algn="ctr" defTabSz="1289050">
             <a:lnSpc>
               <a:spcPct val="90000"/>
             </a:lnSpc>
@@ -5254,47 +5304,47 @@
             <a:buNone/>
           </a:pPr>
           <a:r>
-            <a:rPr lang="en-US" sz="3200" kern="1200" dirty="0"/>
+            <a:rPr lang="en-US" sz="2900" kern="1200" dirty="0"/>
             <a:t>Coroutines</a:t>
           </a:r>
         </a:p>
       </dsp:txBody>
       <dsp:txXfrm>
-        <a:off x="69160" y="72105"/>
-        <a:ext cx="2206577" cy="1278435"/>
+        <a:off x="51133" y="53310"/>
+        <a:ext cx="3683350" cy="945199"/>
       </dsp:txXfrm>
     </dsp:sp>
-    <dsp:sp modelId="{BBBEA0E7-4147-C34B-9D66-877A2F2FBAC3}">
+    <dsp:sp modelId="{58D772C2-4F39-574C-8CAF-ECF9D0E587F1}">
       <dsp:nvSpPr>
         <dsp:cNvPr id="0" name=""/>
         <dsp:cNvSpPr/>
       </dsp:nvSpPr>
       <dsp:spPr>
         <a:xfrm rot="5400000">
-          <a:off x="3862548" y="114563"/>
-          <a:ext cx="1133404" cy="4168706"/>
+          <a:off x="6731621" y="-1739242"/>
+          <a:ext cx="837972" cy="6729984"/>
         </a:xfrm>
         <a:prstGeom prst="round2SameRect">
           <a:avLst/>
         </a:prstGeom>
         <a:solidFill>
-          <a:schemeClr val="accent2">
+          <a:schemeClr val="accent5">
             <a:tint val="40000"/>
             <a:alpha val="90000"/>
-            <a:hueOff val="-283075"/>
-            <a:satOff val="-25115"/>
-            <a:lumOff val="-256"/>
+            <a:hueOff val="-2246587"/>
+            <a:satOff val="-7611"/>
+            <a:lumOff val="-976"/>
             <a:alphaOff val="0"/>
           </a:schemeClr>
         </a:solidFill>
         <a:ln w="12700" cap="flat" cmpd="sng" algn="ctr">
           <a:solidFill>
-            <a:schemeClr val="accent2">
+            <a:schemeClr val="accent5">
               <a:tint val="40000"/>
               <a:alpha val="90000"/>
-              <a:hueOff val="-283075"/>
-              <a:satOff val="-25115"/>
-              <a:lumOff val="-256"/>
+              <a:hueOff val="-2246587"/>
+              <a:satOff val="-7611"/>
+              <a:lumOff val="-976"/>
               <a:alphaOff val="0"/>
             </a:schemeClr>
           </a:solidFill>
@@ -5316,12 +5366,12 @@
         <a:fontRef idx="minor"/>
       </dsp:style>
       <dsp:txBody>
-        <a:bodyPr spcFirstLastPara="0" vert="horz" wrap="square" lIns="49530" tIns="24765" rIns="49530" bIns="24765" numCol="1" spcCol="1270" anchor="ctr" anchorCtr="0">
+        <a:bodyPr spcFirstLastPara="0" vert="horz" wrap="square" lIns="57150" tIns="28575" rIns="57150" bIns="28575" numCol="1" spcCol="1270" anchor="ctr" anchorCtr="0">
           <a:noAutofit/>
         </a:bodyPr>
         <a:lstStyle/>
         <a:p>
-          <a:pPr marL="114300" lvl="1" indent="-114300" algn="l" defTabSz="577850">
+          <a:pPr marL="114300" lvl="1" indent="-114300" algn="l" defTabSz="666750">
             <a:lnSpc>
               <a:spcPct val="90000"/>
             </a:lnSpc>
@@ -5334,12 +5384,12 @@
             <a:buChar char="•"/>
           </a:pPr>
           <a:r>
-            <a:rPr lang="en-US" sz="1300" kern="1200" dirty="0"/>
+            <a:rPr lang="en-US" sz="1500" kern="1200" dirty="0"/>
             <a:t>@thread macro</a:t>
           </a:r>
         </a:p>
         <a:p>
-          <a:pPr marL="114300" lvl="1" indent="-114300" algn="l" defTabSz="577850">
+          <a:pPr marL="114300" lvl="1" indent="-114300" algn="l" defTabSz="666750">
             <a:lnSpc>
               <a:spcPct val="90000"/>
             </a:lnSpc>
@@ -5352,34 +5402,34 @@
             <a:buChar char="•"/>
           </a:pPr>
           <a:r>
-            <a:rPr lang="en-US" sz="1300" kern="1200" dirty="0"/>
+            <a:rPr lang="en-US" sz="1500" kern="1200" dirty="0"/>
             <a:t>Atomic operations -&gt; avoid race condition</a:t>
           </a:r>
         </a:p>
       </dsp:txBody>
       <dsp:txXfrm rot="-5400000">
-        <a:off x="2344897" y="1687542"/>
-        <a:ext cx="4113378" cy="1022748"/>
+        <a:off x="3785615" y="1247670"/>
+        <a:ext cx="6689078" cy="756160"/>
       </dsp:txXfrm>
     </dsp:sp>
-    <dsp:sp modelId="{A4EBBE77-BE75-574C-8FCD-5A1BDCEE059F}">
+    <dsp:sp modelId="{4300F195-D647-534F-9588-B126E5CDC85D}">
       <dsp:nvSpPr>
         <dsp:cNvPr id="0" name=""/>
         <dsp:cNvSpPr/>
       </dsp:nvSpPr>
       <dsp:spPr>
         <a:xfrm>
-          <a:off x="0" y="1490538"/>
-          <a:ext cx="2344897" cy="1416755"/>
+          <a:off x="0" y="1102016"/>
+          <a:ext cx="3785616" cy="1047465"/>
         </a:xfrm>
         <a:prstGeom prst="roundRect">
           <a:avLst/>
         </a:prstGeom>
         <a:solidFill>
-          <a:schemeClr val="accent2">
-            <a:hueOff val="-485121"/>
-            <a:satOff val="-27976"/>
-            <a:lumOff val="2876"/>
+          <a:schemeClr val="accent5">
+            <a:hueOff val="-2252848"/>
+            <a:satOff val="-5806"/>
+            <a:lumOff val="-3922"/>
             <a:alphaOff val="0"/>
           </a:schemeClr>
         </a:solidFill>
@@ -5412,12 +5462,12 @@
         </a:fontRef>
       </dsp:style>
       <dsp:txBody>
-        <a:bodyPr spcFirstLastPara="0" vert="horz" wrap="square" lIns="121920" tIns="60960" rIns="121920" bIns="60960" numCol="1" spcCol="1270" anchor="ctr" anchorCtr="0">
+        <a:bodyPr spcFirstLastPara="0" vert="horz" wrap="square" lIns="110490" tIns="55245" rIns="110490" bIns="55245" numCol="1" spcCol="1270" anchor="ctr" anchorCtr="0">
           <a:noAutofit/>
         </a:bodyPr>
         <a:lstStyle/>
         <a:p>
-          <a:pPr marL="0" lvl="0" indent="0" algn="ctr" defTabSz="1422400">
+          <a:pPr marL="0" lvl="0" indent="0" algn="ctr" defTabSz="1289050">
             <a:lnSpc>
               <a:spcPct val="90000"/>
             </a:lnSpc>
@@ -5430,47 +5480,47 @@
             <a:buNone/>
           </a:pPr>
           <a:r>
-            <a:rPr lang="en-US" sz="3200" kern="1200" dirty="0"/>
+            <a:rPr lang="en-US" sz="2900" kern="1200" dirty="0"/>
             <a:t>Multi-threading</a:t>
           </a:r>
         </a:p>
       </dsp:txBody>
       <dsp:txXfrm>
-        <a:off x="69160" y="1559698"/>
-        <a:ext cx="2206577" cy="1278435"/>
+        <a:off x="51133" y="1153149"/>
+        <a:ext cx="3683350" cy="945199"/>
       </dsp:txXfrm>
     </dsp:sp>
-    <dsp:sp modelId="{8463B778-1DDB-8E4F-B9A1-A6214970B0E1}">
+    <dsp:sp modelId="{BA5F3569-162A-614A-810F-34BC641FC633}">
       <dsp:nvSpPr>
         <dsp:cNvPr id="0" name=""/>
         <dsp:cNvSpPr/>
       </dsp:nvSpPr>
       <dsp:spPr>
         <a:xfrm rot="5400000">
-          <a:off x="3862548" y="1602156"/>
-          <a:ext cx="1133404" cy="4168706"/>
+          <a:off x="6731621" y="-639403"/>
+          <a:ext cx="837972" cy="6729984"/>
         </a:xfrm>
         <a:prstGeom prst="round2SameRect">
           <a:avLst/>
         </a:prstGeom>
         <a:solidFill>
-          <a:schemeClr val="accent2">
+          <a:schemeClr val="accent5">
             <a:tint val="40000"/>
             <a:alpha val="90000"/>
-            <a:hueOff val="-566151"/>
-            <a:satOff val="-50231"/>
-            <a:lumOff val="-513"/>
+            <a:hueOff val="-4493175"/>
+            <a:satOff val="-15221"/>
+            <a:lumOff val="-1952"/>
             <a:alphaOff val="0"/>
           </a:schemeClr>
         </a:solidFill>
         <a:ln w="12700" cap="flat" cmpd="sng" algn="ctr">
           <a:solidFill>
-            <a:schemeClr val="accent2">
+            <a:schemeClr val="accent5">
               <a:tint val="40000"/>
               <a:alpha val="90000"/>
-              <a:hueOff val="-566151"/>
-              <a:satOff val="-50231"/>
-              <a:lumOff val="-513"/>
+              <a:hueOff val="-4493175"/>
+              <a:satOff val="-15221"/>
+              <a:lumOff val="-1952"/>
               <a:alphaOff val="0"/>
             </a:schemeClr>
           </a:solidFill>
@@ -5492,12 +5542,12 @@
         <a:fontRef idx="minor"/>
       </dsp:style>
       <dsp:txBody>
-        <a:bodyPr spcFirstLastPara="0" vert="horz" wrap="square" lIns="49530" tIns="24765" rIns="49530" bIns="24765" numCol="1" spcCol="1270" anchor="ctr" anchorCtr="0">
+        <a:bodyPr spcFirstLastPara="0" vert="horz" wrap="square" lIns="57150" tIns="28575" rIns="57150" bIns="28575" numCol="1" spcCol="1270" anchor="ctr" anchorCtr="0">
           <a:noAutofit/>
         </a:bodyPr>
         <a:lstStyle/>
         <a:p>
-          <a:pPr marL="114300" lvl="1" indent="-114300" algn="l" defTabSz="577850">
+          <a:pPr marL="114300" lvl="1" indent="-114300" algn="l" defTabSz="666750">
             <a:lnSpc>
               <a:spcPct val="90000"/>
             </a:lnSpc>
@@ -5510,12 +5560,12 @@
             <a:buChar char="•"/>
           </a:pPr>
           <a:r>
-            <a:rPr lang="en-US" sz="1300" kern="1200"/>
+            <a:rPr lang="en-US" sz="1500" kern="1200"/>
             <a:t>Code availability and loading packages  </a:t>
           </a:r>
         </a:p>
         <a:p>
-          <a:pPr marL="114300" lvl="1" indent="-114300" algn="l" defTabSz="577850">
+          <a:pPr marL="114300" lvl="1" indent="-114300" algn="l" defTabSz="666750">
             <a:lnSpc>
               <a:spcPct val="90000"/>
             </a:lnSpc>
@@ -5528,34 +5578,34 @@
             <a:buChar char="•"/>
           </a:pPr>
           <a:r>
-            <a:rPr lang="en-US" sz="1300" kern="1200"/>
+            <a:rPr lang="en-US" sz="1500" kern="1200"/>
             <a:t>Data movement</a:t>
           </a:r>
         </a:p>
       </dsp:txBody>
       <dsp:txXfrm rot="-5400000">
-        <a:off x="2344897" y="3175135"/>
-        <a:ext cx="4113378" cy="1022748"/>
+        <a:off x="3785615" y="2347509"/>
+        <a:ext cx="6689078" cy="756160"/>
       </dsp:txXfrm>
     </dsp:sp>
-    <dsp:sp modelId="{E0755FB0-923B-CD40-96F6-31C3C4C3B293}">
+    <dsp:sp modelId="{8058C386-0673-9B46-A269-EC40E934911E}">
       <dsp:nvSpPr>
         <dsp:cNvPr id="0" name=""/>
         <dsp:cNvSpPr/>
       </dsp:nvSpPr>
       <dsp:spPr>
         <a:xfrm>
-          <a:off x="0" y="2978131"/>
-          <a:ext cx="2344897" cy="1416755"/>
+          <a:off x="0" y="2201855"/>
+          <a:ext cx="3785616" cy="1047465"/>
         </a:xfrm>
         <a:prstGeom prst="roundRect">
           <a:avLst/>
         </a:prstGeom>
         <a:solidFill>
-          <a:schemeClr val="accent2">
-            <a:hueOff val="-970242"/>
-            <a:satOff val="-55952"/>
-            <a:lumOff val="5752"/>
+          <a:schemeClr val="accent5">
+            <a:hueOff val="-4505695"/>
+            <a:satOff val="-11613"/>
+            <a:lumOff val="-7843"/>
             <a:alphaOff val="0"/>
           </a:schemeClr>
         </a:solidFill>
@@ -5588,12 +5638,12 @@
         </a:fontRef>
       </dsp:style>
       <dsp:txBody>
-        <a:bodyPr spcFirstLastPara="0" vert="horz" wrap="square" lIns="121920" tIns="60960" rIns="121920" bIns="60960" numCol="1" spcCol="1270" anchor="ctr" anchorCtr="0">
+        <a:bodyPr spcFirstLastPara="0" vert="horz" wrap="square" lIns="110490" tIns="55245" rIns="110490" bIns="55245" numCol="1" spcCol="1270" anchor="ctr" anchorCtr="0">
           <a:noAutofit/>
         </a:bodyPr>
         <a:lstStyle/>
         <a:p>
-          <a:pPr marL="0" lvl="0" indent="0" algn="ctr" defTabSz="1422400">
+          <a:pPr marL="0" lvl="0" indent="0" algn="ctr" defTabSz="1289050">
             <a:lnSpc>
               <a:spcPct val="90000"/>
             </a:lnSpc>
@@ -5606,47 +5656,47 @@
             <a:buNone/>
           </a:pPr>
           <a:r>
-            <a:rPr lang="en-US" sz="3200" kern="1200"/>
+            <a:rPr lang="en-US" sz="2900" kern="1200"/>
             <a:t>Distributed Computing</a:t>
           </a:r>
         </a:p>
       </dsp:txBody>
       <dsp:txXfrm>
-        <a:off x="69160" y="3047291"/>
-        <a:ext cx="2206577" cy="1278435"/>
+        <a:off x="51133" y="2252988"/>
+        <a:ext cx="3683350" cy="945199"/>
       </dsp:txXfrm>
     </dsp:sp>
-    <dsp:sp modelId="{C00F8C18-05EB-7F40-B33A-0737D27B4492}">
+    <dsp:sp modelId="{E6462D9A-7037-A149-BEBA-F1881C4FFC85}">
       <dsp:nvSpPr>
         <dsp:cNvPr id="0" name=""/>
         <dsp:cNvSpPr/>
       </dsp:nvSpPr>
       <dsp:spPr>
         <a:xfrm rot="5400000">
-          <a:off x="3862548" y="3089749"/>
-          <a:ext cx="1133404" cy="4168706"/>
+          <a:off x="6731621" y="460435"/>
+          <a:ext cx="837972" cy="6729984"/>
         </a:xfrm>
         <a:prstGeom prst="round2SameRect">
           <a:avLst/>
         </a:prstGeom>
         <a:solidFill>
-          <a:schemeClr val="accent2">
+          <a:schemeClr val="accent5">
             <a:tint val="40000"/>
             <a:alpha val="90000"/>
-            <a:hueOff val="-849226"/>
-            <a:satOff val="-75346"/>
-            <a:lumOff val="-769"/>
+            <a:hueOff val="-6739762"/>
+            <a:satOff val="-22832"/>
+            <a:lumOff val="-2928"/>
             <a:alphaOff val="0"/>
           </a:schemeClr>
         </a:solidFill>
         <a:ln w="12700" cap="flat" cmpd="sng" algn="ctr">
           <a:solidFill>
-            <a:schemeClr val="accent2">
+            <a:schemeClr val="accent5">
               <a:tint val="40000"/>
               <a:alpha val="90000"/>
-              <a:hueOff val="-849226"/>
-              <a:satOff val="-75346"/>
-              <a:lumOff val="-769"/>
+              <a:hueOff val="-6739762"/>
+              <a:satOff val="-22832"/>
+              <a:lumOff val="-2928"/>
               <a:alphaOff val="0"/>
             </a:schemeClr>
           </a:solidFill>
@@ -5668,12 +5718,12 @@
         <a:fontRef idx="minor"/>
       </dsp:style>
       <dsp:txBody>
-        <a:bodyPr spcFirstLastPara="0" vert="horz" wrap="square" lIns="49530" tIns="24765" rIns="49530" bIns="24765" numCol="1" spcCol="1270" anchor="ctr" anchorCtr="0">
+        <a:bodyPr spcFirstLastPara="0" vert="horz" wrap="square" lIns="57150" tIns="28575" rIns="57150" bIns="28575" numCol="1" spcCol="1270" anchor="ctr" anchorCtr="0">
           <a:noAutofit/>
         </a:bodyPr>
         <a:lstStyle/>
         <a:p>
-          <a:pPr marL="114300" lvl="1" indent="-114300" algn="l" defTabSz="577850">
+          <a:pPr marL="114300" lvl="1" indent="-114300" algn="l" defTabSz="666750">
             <a:lnSpc>
               <a:spcPct val="90000"/>
             </a:lnSpc>
@@ -5686,12 +5736,12 @@
             <a:buChar char="•"/>
           </a:pPr>
           <a:r>
-            <a:rPr lang="en-US" sz="1300" kern="1200"/>
+            <a:rPr lang="en-US" sz="1500" kern="1200"/>
             <a:t>CUDA and OpenCL support</a:t>
           </a:r>
         </a:p>
         <a:p>
-          <a:pPr marL="114300" lvl="1" indent="-114300" algn="l" defTabSz="577850">
+          <a:pPr marL="114300" lvl="1" indent="-114300" algn="l" defTabSz="666750">
             <a:lnSpc>
               <a:spcPct val="90000"/>
             </a:lnSpc>
@@ -5704,12 +5754,12 @@
             <a:buChar char="•"/>
           </a:pPr>
           <a:r>
-            <a:rPr lang="en-US" sz="1300" kern="1200"/>
+            <a:rPr lang="en-US" sz="1500" kern="1200"/>
             <a:t>Hands off approach: use existing library such as CuArrays or CLArrays </a:t>
           </a:r>
         </a:p>
         <a:p>
-          <a:pPr marL="114300" lvl="1" indent="-114300" algn="l" defTabSz="577850">
+          <a:pPr marL="114300" lvl="1" indent="-114300" algn="l" defTabSz="666750">
             <a:lnSpc>
               <a:spcPct val="90000"/>
             </a:lnSpc>
@@ -5722,34 +5772,34 @@
             <a:buChar char="•"/>
           </a:pPr>
           <a:r>
-            <a:rPr lang="en-US" sz="1300" kern="1200"/>
+            <a:rPr lang="en-US" sz="1500" kern="1200"/>
             <a:t>Hands on approach: write custom GPU kernel using CUDAnative and CUDAdrv</a:t>
           </a:r>
         </a:p>
       </dsp:txBody>
       <dsp:txXfrm rot="-5400000">
-        <a:off x="2344897" y="4662728"/>
-        <a:ext cx="4113378" cy="1022748"/>
+        <a:off x="3785615" y="3447347"/>
+        <a:ext cx="6689078" cy="756160"/>
       </dsp:txXfrm>
     </dsp:sp>
-    <dsp:sp modelId="{C1FE65BE-02DD-8147-BB71-65637701F9FD}">
+    <dsp:sp modelId="{EC2C3918-5D91-8949-A9EC-B1FD45B99AC1}">
       <dsp:nvSpPr>
         <dsp:cNvPr id="0" name=""/>
         <dsp:cNvSpPr/>
       </dsp:nvSpPr>
       <dsp:spPr>
         <a:xfrm>
-          <a:off x="0" y="4465725"/>
-          <a:ext cx="2344897" cy="1416755"/>
+          <a:off x="0" y="3301694"/>
+          <a:ext cx="3785616" cy="1047465"/>
         </a:xfrm>
         <a:prstGeom prst="roundRect">
           <a:avLst/>
         </a:prstGeom>
         <a:solidFill>
-          <a:schemeClr val="accent2">
-            <a:hueOff val="-1455363"/>
-            <a:satOff val="-83928"/>
-            <a:lumOff val="8628"/>
+          <a:schemeClr val="accent5">
+            <a:hueOff val="-6758543"/>
+            <a:satOff val="-17419"/>
+            <a:lumOff val="-11765"/>
             <a:alphaOff val="0"/>
           </a:schemeClr>
         </a:solidFill>
@@ -5782,12 +5832,12 @@
         </a:fontRef>
       </dsp:style>
       <dsp:txBody>
-        <a:bodyPr spcFirstLastPara="0" vert="horz" wrap="square" lIns="121920" tIns="60960" rIns="121920" bIns="60960" numCol="1" spcCol="1270" anchor="ctr" anchorCtr="0">
+        <a:bodyPr spcFirstLastPara="0" vert="horz" wrap="square" lIns="110490" tIns="55245" rIns="110490" bIns="55245" numCol="1" spcCol="1270" anchor="ctr" anchorCtr="0">
           <a:noAutofit/>
         </a:bodyPr>
         <a:lstStyle/>
         <a:p>
-          <a:pPr marL="0" lvl="0" indent="0" algn="ctr" defTabSz="1422400">
+          <a:pPr marL="0" lvl="0" indent="0" algn="ctr" defTabSz="1289050">
             <a:lnSpc>
               <a:spcPct val="90000"/>
             </a:lnSpc>
@@ -5800,14 +5850,14 @@
             <a:buNone/>
           </a:pPr>
           <a:r>
-            <a:rPr lang="en-US" sz="3200" kern="1200"/>
+            <a:rPr lang="en-US" sz="2900" kern="1200"/>
             <a:t>GPU</a:t>
           </a:r>
         </a:p>
       </dsp:txBody>
       <dsp:txXfrm>
-        <a:off x="69160" y="4534885"/>
-        <a:ext cx="2206577" cy="1278435"/>
+        <a:off x="51133" y="3352827"/>
+        <a:ext cx="3683350" cy="945199"/>
       </dsp:txXfrm>
     </dsp:sp>
   </dsp:spTree>
@@ -13154,6 +13204,248 @@
           <a:chExt cx="0" cy="0"/>
         </a:xfrm>
       </p:grpSpPr>
+      <p:grpSp>
+        <p:nvGrpSpPr>
+          <p:cNvPr id="8" name="Group 7">
+            <a:extLst>
+              <a:ext uri="{FF2B5EF4-FFF2-40B4-BE49-F238E27FC236}">
+                <a16:creationId xmlns:a16="http://schemas.microsoft.com/office/drawing/2014/main" id="{D2C4BFA1-2075-4901-9E24-E41D1FDD51FD}"/>
+              </a:ext>
+              <a:ext uri="{C183D7F6-B498-43B3-948B-1728B52AA6E4}">
+                <adec:decorative xmlns:adec="http://schemas.microsoft.com/office/drawing/2017/decorative" val="1"/>
+              </a:ext>
+            </a:extLst>
+          </p:cNvPr>
+          <p:cNvGrpSpPr>
+            <a:grpSpLocks noGrp="1" noUngrp="1" noRot="1" noChangeAspect="1" noMove="1" noResize="1"/>
+          </p:cNvGrpSpPr>
+          <p:nvPr>
+            <p:extLst>
+              <p:ext uri="{386F3935-93C4-4BCD-93E2-E3B085C9AB24}">
+                <p16:designElem xmlns:p16="http://schemas.microsoft.com/office/powerpoint/2015/main" val="1"/>
+              </p:ext>
+            </p:extLst>
+          </p:nvPr>
+        </p:nvGrpSpPr>
+        <p:grpSpPr>
+          <a:xfrm>
+            <a:off x="1155481" y="498348"/>
+            <a:ext cx="9902663" cy="5861304"/>
+            <a:chOff x="1155481" y="498348"/>
+            <a:chExt cx="9902663" cy="5861304"/>
+          </a:xfrm>
+        </p:grpSpPr>
+        <p:sp>
+          <p:nvSpPr>
+            <p:cNvPr id="9" name="Oval 5">
+              <a:extLst>
+                <a:ext uri="{FF2B5EF4-FFF2-40B4-BE49-F238E27FC236}">
+                  <a16:creationId xmlns:a16="http://schemas.microsoft.com/office/drawing/2014/main" id="{985A7375-E3AF-4F5C-85AE-17E8832952CA}"/>
+                </a:ext>
+                <a:ext uri="{C183D7F6-B498-43B3-948B-1728B52AA6E4}">
+                  <adec:decorative xmlns:adec="http://schemas.microsoft.com/office/drawing/2017/decorative" val="1"/>
+                </a:ext>
+              </a:extLst>
+            </p:cNvPr>
+            <p:cNvSpPr>
+              <a:spLocks noChangeArrowheads="1"/>
+            </p:cNvSpPr>
+            <p:nvPr>
+              <p:extLst>
+                <p:ext uri="{386F3935-93C4-4BCD-93E2-E3B085C9AB24}">
+                  <p16:designElem xmlns:p16="http://schemas.microsoft.com/office/powerpoint/2015/main" val="1"/>
+                </p:ext>
+              </p:extLst>
+            </p:nvPr>
+          </p:nvSpPr>
+          <p:spPr bwMode="auto">
+            <a:xfrm>
+              <a:off x="1155481" y="498348"/>
+              <a:ext cx="5861304" cy="5861304"/>
+            </a:xfrm>
+            <a:prstGeom prst="ellipse">
+              <a:avLst/>
+            </a:prstGeom>
+            <a:solidFill>
+              <a:schemeClr val="accent1">
+                <a:alpha val="55000"/>
+              </a:schemeClr>
+            </a:solidFill>
+            <a:ln>
+              <a:noFill/>
+            </a:ln>
+          </p:spPr>
+        </p:sp>
+        <p:sp>
+          <p:nvSpPr>
+            <p:cNvPr id="10" name="Oval 9">
+              <a:extLst>
+                <a:ext uri="{FF2B5EF4-FFF2-40B4-BE49-F238E27FC236}">
+                  <a16:creationId xmlns:a16="http://schemas.microsoft.com/office/drawing/2014/main" id="{F0307F65-8304-4FA8-A841-D4D7625411BE}"/>
+                </a:ext>
+                <a:ext uri="{C183D7F6-B498-43B3-948B-1728B52AA6E4}">
+                  <adec:decorative xmlns:adec="http://schemas.microsoft.com/office/drawing/2017/decorative" val="1"/>
+                </a:ext>
+              </a:extLst>
+            </p:cNvPr>
+            <p:cNvSpPr>
+              <a:spLocks noChangeArrowheads="1"/>
+            </p:cNvSpPr>
+            <p:nvPr>
+              <p:extLst>
+                <p:ext uri="{386F3935-93C4-4BCD-93E2-E3B085C9AB24}">
+                  <p16:designElem xmlns:p16="http://schemas.microsoft.com/office/powerpoint/2015/main" val="1"/>
+                </p:ext>
+              </p:extLst>
+            </p:nvPr>
+          </p:nvSpPr>
+          <p:spPr bwMode="auto">
+            <a:xfrm>
+              <a:off x="5196840" y="498348"/>
+              <a:ext cx="5861304" cy="5861304"/>
+            </a:xfrm>
+            <a:prstGeom prst="ellipse">
+              <a:avLst/>
+            </a:prstGeom>
+            <a:solidFill>
+              <a:schemeClr val="accent1">
+                <a:alpha val="55000"/>
+              </a:schemeClr>
+            </a:solidFill>
+            <a:ln>
+              <a:noFill/>
+            </a:ln>
+          </p:spPr>
+        </p:sp>
+        <p:sp>
+          <p:nvSpPr>
+            <p:cNvPr id="11" name="Oval 5">
+              <a:extLst>
+                <a:ext uri="{FF2B5EF4-FFF2-40B4-BE49-F238E27FC236}">
+                  <a16:creationId xmlns:a16="http://schemas.microsoft.com/office/drawing/2014/main" id="{C8B8394C-136F-4E05-A002-D93A5E79CD50}"/>
+                </a:ext>
+                <a:ext uri="{C183D7F6-B498-43B3-948B-1728B52AA6E4}">
+                  <adec:decorative xmlns:adec="http://schemas.microsoft.com/office/drawing/2017/decorative" val="1"/>
+                </a:ext>
+              </a:extLst>
+            </p:cNvPr>
+            <p:cNvSpPr>
+              <a:spLocks noChangeArrowheads="1"/>
+            </p:cNvSpPr>
+            <p:nvPr>
+              <p:extLst>
+                <p:ext uri="{386F3935-93C4-4BCD-93E2-E3B085C9AB24}">
+                  <p16:designElem xmlns:p16="http://schemas.microsoft.com/office/powerpoint/2015/main" val="1"/>
+                </p:ext>
+              </p:extLst>
+            </p:nvPr>
+          </p:nvSpPr>
+          <p:spPr bwMode="auto">
+            <a:xfrm>
+              <a:off x="3165348" y="498348"/>
+              <a:ext cx="5861304" cy="5861304"/>
+            </a:xfrm>
+            <a:prstGeom prst="ellipse">
+              <a:avLst/>
+            </a:prstGeom>
+            <a:solidFill>
+              <a:schemeClr val="accent1">
+                <a:alpha val="70000"/>
+              </a:schemeClr>
+            </a:solidFill>
+            <a:ln>
+              <a:noFill/>
+            </a:ln>
+          </p:spPr>
+        </p:sp>
+      </p:grpSp>
+      <p:sp>
+        <p:nvSpPr>
+          <p:cNvPr id="3" name="Subtitle 2">
+            <a:extLst>
+              <a:ext uri="{FF2B5EF4-FFF2-40B4-BE49-F238E27FC236}">
+                <a16:creationId xmlns:a16="http://schemas.microsoft.com/office/drawing/2014/main" id="{A376200D-4586-1F4C-9F37-7D161C402796}"/>
+              </a:ext>
+            </a:extLst>
+          </p:cNvPr>
+          <p:cNvSpPr>
+            <a:spLocks noGrp="1"/>
+          </p:cNvSpPr>
+          <p:nvPr>
+            <p:ph type="subTitle" idx="1"/>
+          </p:nvPr>
+        </p:nvSpPr>
+        <p:spPr>
+          <a:xfrm>
+            <a:off x="1524000" y="4495800"/>
+            <a:ext cx="9144000" cy="762000"/>
+          </a:xfrm>
+        </p:spPr>
+        <p:txBody>
+          <a:bodyPr>
+            <a:normAutofit/>
+          </a:bodyPr>
+          <a:lstStyle/>
+          <a:p>
+            <a:endParaRPr lang="en-US" sz="1800"/>
+          </a:p>
+        </p:txBody>
+      </p:sp>
+      <p:sp>
+        <p:nvSpPr>
+          <p:cNvPr id="13" name="Rectangle 12">
+            <a:extLst>
+              <a:ext uri="{FF2B5EF4-FFF2-40B4-BE49-F238E27FC236}">
+                <a16:creationId xmlns:a16="http://schemas.microsoft.com/office/drawing/2014/main" id="{053FB2EE-284F-4C87-AB3D-BBF87A9FAB97}"/>
+              </a:ext>
+              <a:ext uri="{C183D7F6-B498-43B3-948B-1728B52AA6E4}">
+                <adec:decorative xmlns:adec="http://schemas.microsoft.com/office/drawing/2017/decorative" val="1"/>
+              </a:ext>
+            </a:extLst>
+          </p:cNvPr>
+          <p:cNvSpPr>
+            <a:spLocks noGrp="1" noRot="1" noChangeAspect="1" noMove="1" noResize="1" noEditPoints="1" noAdjustHandles="1" noChangeArrowheads="1" noChangeShapeType="1" noTextEdit="1"/>
+          </p:cNvSpPr>
+          <p:nvPr>
+            <p:extLst>
+              <p:ext uri="{386F3935-93C4-4BCD-93E2-E3B085C9AB24}">
+                <p16:designElem xmlns:p16="http://schemas.microsoft.com/office/powerpoint/2015/main" val="1"/>
+              </p:ext>
+            </p:extLst>
+          </p:nvPr>
+        </p:nvSpPr>
+        <p:spPr>
+          <a:xfrm>
+            <a:off x="0" y="2514600"/>
+            <a:ext cx="12192000" cy="1828800"/>
+          </a:xfrm>
+          <a:prstGeom prst="rect">
+            <a:avLst/>
+          </a:prstGeom>
+          <a:solidFill>
+            <a:schemeClr val="tx2"/>
+          </a:solidFill>
+          <a:ln>
+            <a:noFill/>
+          </a:ln>
+        </p:spPr>
+        <p:style>
+          <a:lnRef idx="2">
+            <a:schemeClr val="accent1">
+              <a:shade val="50000"/>
+            </a:schemeClr>
+          </a:lnRef>
+          <a:fillRef idx="1">
+            <a:schemeClr val="accent1"/>
+          </a:fillRef>
+          <a:effectRef idx="0">
+            <a:schemeClr val="accent1"/>
+          </a:effectRef>
+          <a:fontRef idx="minor">
+            <a:schemeClr val="lt1"/>
+          </a:fontRef>
+        </p:style>
+      </p:sp>
       <p:sp>
         <p:nvSpPr>
           <p:cNvPr id="2" name="Title 1">
@@ -13190,38 +13482,6 @@
               </a:rPr>
               <a:t>Why is Julia fast and flexible</a:t>
             </a:r>
-          </a:p>
-        </p:txBody>
-      </p:sp>
-      <p:sp>
-        <p:nvSpPr>
-          <p:cNvPr id="3" name="Subtitle 2">
-            <a:extLst>
-              <a:ext uri="{FF2B5EF4-FFF2-40B4-BE49-F238E27FC236}">
-                <a16:creationId xmlns:a16="http://schemas.microsoft.com/office/drawing/2014/main" id="{A376200D-4586-1F4C-9F37-7D161C402796}"/>
-              </a:ext>
-            </a:extLst>
-          </p:cNvPr>
-          <p:cNvSpPr>
-            <a:spLocks noGrp="1"/>
-          </p:cNvSpPr>
-          <p:nvPr>
-            <p:ph type="subTitle" idx="1"/>
-          </p:nvPr>
-        </p:nvSpPr>
-        <p:spPr>
-          <a:xfrm>
-            <a:off x="1524000" y="4495800"/>
-            <a:ext cx="9144000" cy="762000"/>
-          </a:xfrm>
-        </p:spPr>
-        <p:txBody>
-          <a:bodyPr>
-            <a:normAutofit/>
-          </a:bodyPr>
-          <a:lstStyle/>
-          <a:p>
-            <a:endParaRPr lang="en-US" sz="1800"/>
           </a:p>
         </p:txBody>
       </p:sp>
@@ -13386,6 +13646,67 @@
       </p:grpSpPr>
       <p:sp>
         <p:nvSpPr>
+          <p:cNvPr id="11" name="Rectangle 10">
+            <a:extLst>
+              <a:ext uri="{FF2B5EF4-FFF2-40B4-BE49-F238E27FC236}">
+                <a16:creationId xmlns:a16="http://schemas.microsoft.com/office/drawing/2014/main" id="{867D4867-5BA7-4462-B2F6-A23F4A622AA7}"/>
+              </a:ext>
+              <a:ext uri="{C183D7F6-B498-43B3-948B-1728B52AA6E4}">
+                <adec:decorative xmlns:adec="http://schemas.microsoft.com/office/drawing/2017/decorative" val="1"/>
+              </a:ext>
+            </a:extLst>
+          </p:cNvPr>
+          <p:cNvSpPr>
+            <a:spLocks noGrp="1" noRot="1" noChangeAspect="1" noMove="1" noResize="1" noEditPoints="1" noAdjustHandles="1" noChangeArrowheads="1" noChangeShapeType="1" noTextEdit="1"/>
+          </p:cNvSpPr>
+          <p:nvPr>
+            <p:extLst>
+              <p:ext uri="{386F3935-93C4-4BCD-93E2-E3B085C9AB24}">
+                <p16:designElem xmlns:p16="http://schemas.microsoft.com/office/powerpoint/2015/main" val="1"/>
+              </p:ext>
+            </p:extLst>
+          </p:nvPr>
+        </p:nvSpPr>
+        <p:spPr>
+          <a:xfrm>
+            <a:off x="0" y="0"/>
+            <a:ext cx="4654296" cy="6858000"/>
+          </a:xfrm>
+          <a:prstGeom prst="rect">
+            <a:avLst/>
+          </a:prstGeom>
+          <a:solidFill>
+            <a:srgbClr val="3F3F3F"/>
+          </a:solidFill>
+          <a:ln>
+            <a:noFill/>
+          </a:ln>
+        </p:spPr>
+        <p:style>
+          <a:lnRef idx="0">
+            <a:scrgbClr r="0" g="0" b="0"/>
+          </a:lnRef>
+          <a:fillRef idx="0">
+            <a:scrgbClr r="0" g="0" b="0"/>
+          </a:fillRef>
+          <a:effectRef idx="0">
+            <a:scrgbClr r="0" g="0" b="0"/>
+          </a:effectRef>
+          <a:fontRef idx="minor">
+            <a:schemeClr val="lt1"/>
+          </a:fontRef>
+        </p:style>
+        <p:txBody>
+          <a:bodyPr rtlCol="0" anchor="ctr"/>
+          <a:lstStyle/>
+          <a:p>
+            <a:pPr algn="ctr"/>
+            <a:endParaRPr lang="en-US" dirty="0"/>
+          </a:p>
+        </p:txBody>
+      </p:sp>
+      <p:sp>
+        <p:nvSpPr>
           <p:cNvPr id="2" name="Title 1">
             <a:extLst>
               <a:ext uri="{FF2B5EF4-FFF2-40B4-BE49-F238E27FC236}">
@@ -13430,41 +13751,17 @@
               </a:rPr>
               <a:t>Interpreted Language</a:t>
             </a:r>
+            <a:endParaRPr lang="en-US" sz="2800" kern="1200" dirty="0">
+              <a:solidFill>
+                <a:schemeClr val="tx1"/>
+              </a:solidFill>
+              <a:latin typeface="+mj-lt"/>
+              <a:ea typeface="+mj-ea"/>
+              <a:cs typeface="+mj-cs"/>
+            </a:endParaRPr>
           </a:p>
         </p:txBody>
       </p:sp>
-      <p:pic>
-        <p:nvPicPr>
-          <p:cNvPr id="5" name="Content Placeholder 4" descr="A view of a city street filled with lots of traffic&#10;&#10;Description automatically generated">
-            <a:extLst>
-              <a:ext uri="{FF2B5EF4-FFF2-40B4-BE49-F238E27FC236}">
-                <a16:creationId xmlns:a16="http://schemas.microsoft.com/office/drawing/2014/main" id="{0FF79CD5-FDF3-1C48-98C9-6899C29793D8}"/>
-              </a:ext>
-            </a:extLst>
-          </p:cNvPr>
-          <p:cNvPicPr>
-            <a:picLocks noGrp="1" noChangeAspect="1"/>
-          </p:cNvPicPr>
-          <p:nvPr>
-            <p:ph idx="1"/>
-          </p:nvPr>
-        </p:nvPicPr>
-        <p:blipFill>
-          <a:blip r:embed="rId2"/>
-          <a:stretch>
-            <a:fillRect/>
-          </a:stretch>
-        </p:blipFill>
-        <p:spPr>
-          <a:xfrm>
-            <a:off x="5297763" y="1004528"/>
-            <a:ext cx="6250769" cy="4688076"/>
-          </a:xfrm>
-          <a:prstGeom prst="rect">
-            <a:avLst/>
-          </a:prstGeom>
-        </p:spPr>
-      </p:pic>
       <p:sp>
         <p:nvSpPr>
           <p:cNvPr id="6" name="Content Placeholder 2">
@@ -13657,55 +13954,133 @@
             </a:lvl9pPr>
           </a:lstStyle>
           <a:p>
-            <a:endParaRPr lang="en-US" sz="2000" dirty="0"/>
+            <a:endParaRPr lang="en-US" sz="2000" kern="1200">
+              <a:solidFill>
+                <a:schemeClr val="tx1"/>
+              </a:solidFill>
+              <a:latin typeface="+mn-lt"/>
+              <a:ea typeface="+mn-ea"/>
+              <a:cs typeface="+mn-cs"/>
+            </a:endParaRPr>
           </a:p>
           <a:p>
             <a:r>
-              <a:rPr lang="en-US" sz="2000" dirty="0"/>
+              <a:rPr lang="en-US" sz="2000" kern="1200">
+                <a:solidFill>
+                  <a:schemeClr val="tx1"/>
+                </a:solidFill>
+                <a:latin typeface="+mn-lt"/>
+                <a:ea typeface="+mn-ea"/>
+                <a:cs typeface="+mn-cs"/>
+              </a:rPr>
               <a:t>Interpreted line by line</a:t>
             </a:r>
           </a:p>
           <a:p>
             <a:r>
-              <a:rPr lang="en-US" sz="2000" dirty="0"/>
+              <a:rPr lang="en-US" sz="2000" kern="1200">
+                <a:solidFill>
+                  <a:schemeClr val="tx1"/>
+                </a:solidFill>
+                <a:latin typeface="+mn-lt"/>
+                <a:ea typeface="+mn-ea"/>
+                <a:cs typeface="+mn-cs"/>
+              </a:rPr>
               <a:t>Dynamic variable type</a:t>
             </a:r>
           </a:p>
           <a:p>
-            <a:endParaRPr lang="en-US" sz="2000" dirty="0"/>
+            <a:endParaRPr lang="en-US" sz="2000" kern="1200">
+              <a:solidFill>
+                <a:schemeClr val="tx1"/>
+              </a:solidFill>
+              <a:latin typeface="+mn-lt"/>
+              <a:ea typeface="+mn-ea"/>
+              <a:cs typeface="+mn-cs"/>
+            </a:endParaRPr>
           </a:p>
           <a:p>
             <a:r>
-              <a:rPr lang="en-US" sz="2000" dirty="0"/>
+              <a:rPr lang="en-US" sz="2000" kern="1200">
+                <a:solidFill>
+                  <a:schemeClr val="tx1"/>
+                </a:solidFill>
+                <a:latin typeface="+mn-lt"/>
+                <a:ea typeface="+mn-ea"/>
+                <a:cs typeface="+mn-cs"/>
+              </a:rPr>
               <a:t>Adaptive data structure</a:t>
             </a:r>
           </a:p>
           <a:p>
             <a:r>
-              <a:rPr lang="en-US" sz="2000" dirty="0"/>
+              <a:rPr lang="en-US" sz="2000" kern="1200">
+                <a:solidFill>
+                  <a:schemeClr val="tx1"/>
+                </a:solidFill>
+                <a:latin typeface="+mn-lt"/>
+                <a:ea typeface="+mn-ea"/>
+                <a:cs typeface="+mn-cs"/>
+              </a:rPr>
               <a:t>Quick to debug and revise</a:t>
             </a:r>
           </a:p>
           <a:p>
-            <a:endParaRPr lang="en-US" sz="2000" dirty="0"/>
+            <a:endParaRPr lang="en-US" sz="2000" kern="1200">
+              <a:solidFill>
+                <a:schemeClr val="tx1"/>
+              </a:solidFill>
+              <a:latin typeface="+mn-lt"/>
+              <a:ea typeface="+mn-ea"/>
+              <a:cs typeface="+mn-cs"/>
+            </a:endParaRPr>
           </a:p>
           <a:p>
             <a:r>
-              <a:rPr lang="en-US" sz="2000" dirty="0"/>
+              <a:rPr lang="en-US" sz="2000" kern="1200">
+                <a:solidFill>
+                  <a:schemeClr val="tx1"/>
+                </a:solidFill>
+                <a:latin typeface="+mn-lt"/>
+                <a:ea typeface="+mn-ea"/>
+                <a:cs typeface="+mn-cs"/>
+              </a:rPr>
               <a:t>Repetitive interpretation</a:t>
             </a:r>
           </a:p>
           <a:p>
-            <a:pPr marL="0" indent="0">
-              <a:buNone/>
-            </a:pPr>
-            <a:endParaRPr lang="en-US" sz="2000" dirty="0"/>
+            <a:pPr marL="0"/>
+            <a:endParaRPr lang="en-US" sz="2000" kern="1200">
+              <a:solidFill>
+                <a:schemeClr val="tx1"/>
+              </a:solidFill>
+              <a:latin typeface="+mn-lt"/>
+              <a:ea typeface="+mn-ea"/>
+              <a:cs typeface="+mn-cs"/>
+            </a:endParaRPr>
           </a:p>
           <a:p>
-            <a:endParaRPr lang="en-US" sz="2000" dirty="0"/>
+            <a:endParaRPr lang="en-US" sz="2000" kern="1200">
+              <a:solidFill>
+                <a:schemeClr val="tx1"/>
+              </a:solidFill>
+              <a:latin typeface="+mn-lt"/>
+              <a:ea typeface="+mn-ea"/>
+              <a:cs typeface="+mn-cs"/>
+            </a:endParaRPr>
           </a:p>
           <a:p>
-            <a:endParaRPr lang="en-US" sz="2000" kern="1200" dirty="0">
+            <a:endParaRPr lang="en-US" sz="2000" kern="1200">
+              <a:solidFill>
+                <a:schemeClr val="tx1"/>
+              </a:solidFill>
+              <a:latin typeface="+mn-lt"/>
+              <a:ea typeface="+mn-ea"/>
+              <a:cs typeface="+mn-cs"/>
+            </a:endParaRPr>
+          </a:p>
+          <a:p>
+            <a:endParaRPr lang="en-US" sz="2000" kern="1200">
               <a:solidFill>
                 <a:schemeClr val="tx1"/>
               </a:solidFill>
@@ -13724,15 +14099,69 @@
               <a:cs typeface="+mn-cs"/>
             </a:endParaRPr>
           </a:p>
+        </p:txBody>
+      </p:sp>
+      <p:pic>
+        <p:nvPicPr>
+          <p:cNvPr id="5" name="Content Placeholder 4" descr="A view of a city street filled with lots of traffic&#10;&#10;Description automatically generated">
+            <a:extLst>
+              <a:ext uri="{FF2B5EF4-FFF2-40B4-BE49-F238E27FC236}">
+                <a16:creationId xmlns:a16="http://schemas.microsoft.com/office/drawing/2014/main" id="{0FF79CD5-FDF3-1C48-98C9-6899C29793D8}"/>
+              </a:ext>
+            </a:extLst>
+          </p:cNvPr>
+          <p:cNvPicPr>
+            <a:picLocks noGrp="1" noChangeAspect="1"/>
+          </p:cNvPicPr>
+          <p:nvPr>
+            <p:ph idx="1"/>
+          </p:nvPr>
+        </p:nvPicPr>
+        <p:blipFill>
+          <a:blip r:embed="rId2"/>
+          <a:stretch>
+            <a:fillRect/>
+          </a:stretch>
+        </p:blipFill>
+        <p:spPr>
+          <a:xfrm>
+            <a:off x="5297763" y="1004528"/>
+            <a:ext cx="6250769" cy="4688076"/>
+          </a:xfrm>
+          <a:prstGeom prst="rect">
+            <a:avLst/>
+          </a:prstGeom>
+        </p:spPr>
+      </p:pic>
+      <p:sp>
+        <p:nvSpPr>
+          <p:cNvPr id="3" name="TextBox 2">
+            <a:extLst>
+              <a:ext uri="{FF2B5EF4-FFF2-40B4-BE49-F238E27FC236}">
+                <a16:creationId xmlns:a16="http://schemas.microsoft.com/office/drawing/2014/main" id="{EA0A0326-ACA3-394B-A5A1-9CA936994CCB}"/>
+              </a:ext>
+            </a:extLst>
+          </p:cNvPr>
+          <p:cNvSpPr txBox="1"/>
+          <p:nvPr/>
+        </p:nvSpPr>
+        <p:spPr>
+          <a:xfrm>
+            <a:off x="2497873" y="1862254"/>
+            <a:ext cx="184731" cy="369332"/>
+          </a:xfrm>
+          <a:prstGeom prst="rect">
+            <a:avLst/>
+          </a:prstGeom>
+          <a:noFill/>
+        </p:spPr>
+        <p:txBody>
+          <a:bodyPr wrap="none" rtlCol="0">
+            <a:spAutoFit/>
+          </a:bodyPr>
+          <a:lstStyle/>
           <a:p>
-            <a:endParaRPr lang="en-US" sz="2000" kern="1200" dirty="0">
-              <a:solidFill>
-                <a:schemeClr val="tx1"/>
-              </a:solidFill>
-              <a:latin typeface="+mn-lt"/>
-              <a:ea typeface="+mn-ea"/>
-              <a:cs typeface="+mn-cs"/>
-            </a:endParaRPr>
+            <a:endParaRPr lang="en-US" dirty="0"/>
           </a:p>
         </p:txBody>
       </p:sp>
@@ -13774,6 +14203,67 @@
           <a:chExt cx="0" cy="0"/>
         </a:xfrm>
       </p:grpSpPr>
+      <p:sp>
+        <p:nvSpPr>
+          <p:cNvPr id="11" name="Rectangle 10">
+            <a:extLst>
+              <a:ext uri="{FF2B5EF4-FFF2-40B4-BE49-F238E27FC236}">
+                <a16:creationId xmlns:a16="http://schemas.microsoft.com/office/drawing/2014/main" id="{867D4867-5BA7-4462-B2F6-A23F4A622AA7}"/>
+              </a:ext>
+              <a:ext uri="{C183D7F6-B498-43B3-948B-1728B52AA6E4}">
+                <adec:decorative xmlns:adec="http://schemas.microsoft.com/office/drawing/2017/decorative" val="1"/>
+              </a:ext>
+            </a:extLst>
+          </p:cNvPr>
+          <p:cNvSpPr>
+            <a:spLocks noGrp="1" noRot="1" noChangeAspect="1" noMove="1" noResize="1" noEditPoints="1" noAdjustHandles="1" noChangeArrowheads="1" noChangeShapeType="1" noTextEdit="1"/>
+          </p:cNvSpPr>
+          <p:nvPr>
+            <p:extLst>
+              <p:ext uri="{386F3935-93C4-4BCD-93E2-E3B085C9AB24}">
+                <p16:designElem xmlns:p16="http://schemas.microsoft.com/office/powerpoint/2015/main" val="1"/>
+              </p:ext>
+            </p:extLst>
+          </p:nvPr>
+        </p:nvSpPr>
+        <p:spPr>
+          <a:xfrm>
+            <a:off x="0" y="0"/>
+            <a:ext cx="4654296" cy="6858000"/>
+          </a:xfrm>
+          <a:prstGeom prst="rect">
+            <a:avLst/>
+          </a:prstGeom>
+          <a:solidFill>
+            <a:srgbClr val="3F3F3F"/>
+          </a:solidFill>
+          <a:ln>
+            <a:noFill/>
+          </a:ln>
+        </p:spPr>
+        <p:style>
+          <a:lnRef idx="0">
+            <a:scrgbClr r="0" g="0" b="0"/>
+          </a:lnRef>
+          <a:fillRef idx="0">
+            <a:scrgbClr r="0" g="0" b="0"/>
+          </a:fillRef>
+          <a:effectRef idx="0">
+            <a:scrgbClr r="0" g="0" b="0"/>
+          </a:effectRef>
+          <a:fontRef idx="minor">
+            <a:schemeClr val="lt1"/>
+          </a:fontRef>
+        </p:style>
+        <p:txBody>
+          <a:bodyPr rtlCol="0" anchor="ctr"/>
+          <a:lstStyle/>
+          <a:p>
+            <a:pPr algn="ctr"/>
+            <a:endParaRPr lang="en-US" dirty="0"/>
+          </a:p>
+        </p:txBody>
+      </p:sp>
       <p:sp>
         <p:nvSpPr>
           <p:cNvPr id="2" name="Title 1">
@@ -13823,38 +14313,6 @@
           </a:p>
         </p:txBody>
       </p:sp>
-      <p:pic>
-        <p:nvPicPr>
-          <p:cNvPr id="5" name="Content Placeholder 4" descr="A close up of a street sign on a highway&#10;&#10;Description automatically generated">
-            <a:extLst>
-              <a:ext uri="{FF2B5EF4-FFF2-40B4-BE49-F238E27FC236}">
-                <a16:creationId xmlns:a16="http://schemas.microsoft.com/office/drawing/2014/main" id="{D2A17715-ED77-6F4F-9CF3-BC84C32FA97F}"/>
-              </a:ext>
-            </a:extLst>
-          </p:cNvPr>
-          <p:cNvPicPr>
-            <a:picLocks noGrp="1" noChangeAspect="1"/>
-          </p:cNvPicPr>
-          <p:nvPr>
-            <p:ph idx="1"/>
-          </p:nvPr>
-        </p:nvPicPr>
-        <p:blipFill>
-          <a:blip r:embed="rId2"/>
-          <a:stretch>
-            <a:fillRect/>
-          </a:stretch>
-        </p:blipFill>
-        <p:spPr>
-          <a:xfrm>
-            <a:off x="5297763" y="1317067"/>
-            <a:ext cx="6250769" cy="4062999"/>
-          </a:xfrm>
-          <a:prstGeom prst="rect">
-            <a:avLst/>
-          </a:prstGeom>
-        </p:spPr>
-      </p:pic>
       <p:sp>
         <p:nvSpPr>
           <p:cNvPr id="6" name="Content Placeholder 2">
@@ -13880,7 +14338,7 @@
         </p:spPr>
         <p:txBody>
           <a:bodyPr vert="horz" lIns="91440" tIns="45720" rIns="91440" bIns="45720" rtlCol="0">
-            <a:normAutofit lnSpcReduction="10000"/>
+            <a:normAutofit/>
           </a:bodyPr>
           <a:lstStyle>
             <a:lvl1pPr marL="228600" indent="-228600" algn="l" defTabSz="914400" rtl="0" eaLnBrk="1" latinLnBrk="0" hangingPunct="1">
@@ -14048,41 +14506,32 @@
           </a:lstStyle>
           <a:p>
             <a:r>
-              <a:rPr lang="en-US" sz="2000" dirty="0"/>
+              <a:rPr lang="en-US" sz="1700" kern="1200">
+                <a:solidFill>
+                  <a:schemeClr val="tx1"/>
+                </a:solidFill>
+                <a:latin typeface="+mn-lt"/>
+                <a:ea typeface="+mn-ea"/>
+                <a:cs typeface="+mn-cs"/>
+              </a:rPr>
               <a:t>Compile ahead of time to machine code</a:t>
             </a:r>
           </a:p>
           <a:p>
             <a:r>
-              <a:rPr lang="en-US" sz="2000" dirty="0"/>
+              <a:rPr lang="en-US" sz="1700" kern="1200">
+                <a:solidFill>
+                  <a:schemeClr val="tx1"/>
+                </a:solidFill>
+                <a:latin typeface="+mn-lt"/>
+                <a:ea typeface="+mn-ea"/>
+                <a:cs typeface="+mn-cs"/>
+              </a:rPr>
               <a:t>Require type information</a:t>
             </a:r>
           </a:p>
           <a:p>
-            <a:endParaRPr lang="en-US" sz="2000" dirty="0"/>
-          </a:p>
-          <a:p>
-            <a:r>
-              <a:rPr lang="en-US" sz="2000" dirty="0"/>
-              <a:t>Provide compiler optimizations</a:t>
-            </a:r>
-          </a:p>
-          <a:p>
-            <a:r>
-              <a:rPr lang="en-US" sz="2000" dirty="0"/>
-              <a:t>Fast runtime after compilation</a:t>
-            </a:r>
-            <a:endParaRPr lang="en-US" sz="2000" kern="1200" dirty="0">
-              <a:solidFill>
-                <a:schemeClr val="tx1"/>
-              </a:solidFill>
-              <a:latin typeface="+mn-lt"/>
-              <a:ea typeface="+mn-ea"/>
-              <a:cs typeface="+mn-cs"/>
-            </a:endParaRPr>
-          </a:p>
-          <a:p>
-            <a:endParaRPr lang="en-US" sz="2000" kern="1200" dirty="0">
+            <a:endParaRPr lang="en-US" sz="1700" kern="1200">
               <a:solidFill>
                 <a:schemeClr val="tx1"/>
               </a:solidFill>
@@ -14093,7 +14542,43 @@
           </a:p>
           <a:p>
             <a:r>
-              <a:rPr lang="en-US" sz="2000" kern="1200" dirty="0">
+              <a:rPr lang="en-US" sz="1700" kern="1200">
+                <a:solidFill>
+                  <a:schemeClr val="tx1"/>
+                </a:solidFill>
+                <a:latin typeface="+mn-lt"/>
+                <a:ea typeface="+mn-ea"/>
+                <a:cs typeface="+mn-cs"/>
+              </a:rPr>
+              <a:t>Provide compiler optimizations</a:t>
+            </a:r>
+          </a:p>
+          <a:p>
+            <a:r>
+              <a:rPr lang="en-US" sz="1700" kern="1200">
+                <a:solidFill>
+                  <a:schemeClr val="tx1"/>
+                </a:solidFill>
+                <a:latin typeface="+mn-lt"/>
+                <a:ea typeface="+mn-ea"/>
+                <a:cs typeface="+mn-cs"/>
+              </a:rPr>
+              <a:t>Fast runtime after compilation</a:t>
+            </a:r>
+          </a:p>
+          <a:p>
+            <a:endParaRPr lang="en-US" sz="1700" kern="1200">
+              <a:solidFill>
+                <a:schemeClr val="tx1"/>
+              </a:solidFill>
+              <a:latin typeface="+mn-lt"/>
+              <a:ea typeface="+mn-ea"/>
+              <a:cs typeface="+mn-cs"/>
+            </a:endParaRPr>
+          </a:p>
+          <a:p>
+            <a:r>
+              <a:rPr lang="en-US" sz="1700" kern="1200">
                 <a:solidFill>
                   <a:schemeClr val="tx1"/>
                 </a:solidFill>
@@ -14105,7 +14590,7 @@
             </a:r>
           </a:p>
           <a:p>
-            <a:endParaRPr lang="en-US" sz="2000" kern="1200" dirty="0">
+            <a:endParaRPr lang="en-US" sz="1700" kern="1200">
               <a:solidFill>
                 <a:schemeClr val="tx1"/>
               </a:solidFill>
@@ -14116,6 +14601,38 @@
           </a:p>
         </p:txBody>
       </p:sp>
+      <p:pic>
+        <p:nvPicPr>
+          <p:cNvPr id="5" name="Content Placeholder 4" descr="A close up of a street sign on a highway&#10;&#10;Description automatically generated">
+            <a:extLst>
+              <a:ext uri="{FF2B5EF4-FFF2-40B4-BE49-F238E27FC236}">
+                <a16:creationId xmlns:a16="http://schemas.microsoft.com/office/drawing/2014/main" id="{D2A17715-ED77-6F4F-9CF3-BC84C32FA97F}"/>
+              </a:ext>
+            </a:extLst>
+          </p:cNvPr>
+          <p:cNvPicPr>
+            <a:picLocks noGrp="1" noChangeAspect="1"/>
+          </p:cNvPicPr>
+          <p:nvPr>
+            <p:ph idx="1"/>
+          </p:nvPr>
+        </p:nvPicPr>
+        <p:blipFill>
+          <a:blip r:embed="rId2"/>
+          <a:stretch>
+            <a:fillRect/>
+          </a:stretch>
+        </p:blipFill>
+        <p:spPr>
+          <a:xfrm>
+            <a:off x="5297763" y="1317067"/>
+            <a:ext cx="6250769" cy="4062999"/>
+          </a:xfrm>
+          <a:prstGeom prst="rect">
+            <a:avLst/>
+          </a:prstGeom>
+        </p:spPr>
+      </p:pic>
     </p:spTree>
     <p:extLst>
       <p:ext uri="{BB962C8B-B14F-4D97-AF65-F5344CB8AC3E}">
@@ -14154,6 +14671,71 @@
           <a:chExt cx="0" cy="0"/>
         </a:xfrm>
       </p:grpSpPr>
+      <p:sp>
+        <p:nvSpPr>
+          <p:cNvPr id="55" name="Rectangle 54">
+            <a:extLst>
+              <a:ext uri="{FF2B5EF4-FFF2-40B4-BE49-F238E27FC236}">
+                <a16:creationId xmlns:a16="http://schemas.microsoft.com/office/drawing/2014/main" id="{8D70B121-56F4-4848-B38B-182089D909FA}"/>
+              </a:ext>
+              <a:ext uri="{C183D7F6-B498-43B3-948B-1728B52AA6E4}">
+                <adec:decorative xmlns:adec="http://schemas.microsoft.com/office/drawing/2017/decorative" val="1"/>
+              </a:ext>
+            </a:extLst>
+          </p:cNvPr>
+          <p:cNvSpPr>
+            <a:spLocks noGrp="1" noRot="1" noChangeAspect="1" noMove="1" noResize="1" noEditPoints="1" noAdjustHandles="1" noChangeArrowheads="1" noChangeShapeType="1" noTextEdit="1"/>
+          </p:cNvSpPr>
+          <p:nvPr>
+            <p:extLst>
+              <p:ext uri="{386F3935-93C4-4BCD-93E2-E3B085C9AB24}">
+                <p16:designElem xmlns:p16="http://schemas.microsoft.com/office/powerpoint/2015/main" val="1"/>
+              </p:ext>
+            </p:extLst>
+          </p:nvPr>
+        </p:nvSpPr>
+        <p:spPr bwMode="ltGray">
+          <a:xfrm>
+            <a:off x="321564" y="320040"/>
+            <a:ext cx="11548872" cy="6217920"/>
+          </a:xfrm>
+          <a:prstGeom prst="rect">
+            <a:avLst/>
+          </a:prstGeom>
+          <a:solidFill>
+            <a:schemeClr val="tx1">
+              <a:alpha val="8000"/>
+            </a:schemeClr>
+          </a:solidFill>
+          <a:ln w="127000" cap="sq" cmpd="thinThick">
+            <a:noFill/>
+          </a:ln>
+        </p:spPr>
+        <p:style>
+          <a:lnRef idx="2">
+            <a:schemeClr val="accent1">
+              <a:shade val="50000"/>
+            </a:schemeClr>
+          </a:lnRef>
+          <a:fillRef idx="1">
+            <a:schemeClr val="accent1"/>
+          </a:fillRef>
+          <a:effectRef idx="0">
+            <a:schemeClr val="accent1"/>
+          </a:effectRef>
+          <a:fontRef idx="minor">
+            <a:schemeClr val="lt1"/>
+          </a:fontRef>
+        </p:style>
+        <p:txBody>
+          <a:bodyPr rtlCol="0" anchor="ctr"/>
+          <a:lstStyle/>
+          <a:p>
+            <a:pPr algn="ctr"/>
+            <a:endParaRPr lang="en-US"/>
+          </a:p>
+        </p:txBody>
+      </p:sp>
       <p:sp>
         <p:nvSpPr>
           <p:cNvPr id="2" name="Title 1">
@@ -14197,6 +14779,61 @@
           </a:p>
         </p:txBody>
       </p:sp>
+      <p:cxnSp>
+        <p:nvCxnSpPr>
+          <p:cNvPr id="57" name="Straight Connector 56">
+            <a:extLst>
+              <a:ext uri="{FF2B5EF4-FFF2-40B4-BE49-F238E27FC236}">
+                <a16:creationId xmlns:a16="http://schemas.microsoft.com/office/drawing/2014/main" id="{2D72A2C9-F3CA-4216-8BAD-FA4C970C3C4E}"/>
+              </a:ext>
+              <a:ext uri="{C183D7F6-B498-43B3-948B-1728B52AA6E4}">
+                <adec:decorative xmlns:adec="http://schemas.microsoft.com/office/drawing/2017/decorative" val="1"/>
+              </a:ext>
+            </a:extLst>
+          </p:cNvPr>
+          <p:cNvCxnSpPr>
+            <a:cxnSpLocks noGrp="1" noRot="1" noChangeAspect="1" noMove="1" noResize="1" noEditPoints="1" noAdjustHandles="1" noChangeArrowheads="1" noChangeShapeType="1"/>
+          </p:cNvCxnSpPr>
+          <p:nvPr>
+            <p:extLst>
+              <p:ext uri="{386F3935-93C4-4BCD-93E2-E3B085C9AB24}">
+                <p16:designElem xmlns:p16="http://schemas.microsoft.com/office/powerpoint/2015/main" val="1"/>
+              </p:ext>
+            </p:extLst>
+          </p:nvPr>
+        </p:nvCxnSpPr>
+        <p:spPr>
+          <a:xfrm>
+            <a:off x="4654296" y="2057400"/>
+            <a:ext cx="0" cy="2743200"/>
+          </a:xfrm>
+          <a:prstGeom prst="line">
+            <a:avLst/>
+          </a:prstGeom>
+          <a:ln w="19050">
+            <a:solidFill>
+              <a:schemeClr val="tx1">
+                <a:lumMod val="85000"/>
+                <a:lumOff val="15000"/>
+              </a:schemeClr>
+            </a:solidFill>
+          </a:ln>
+        </p:spPr>
+        <p:style>
+          <a:lnRef idx="1">
+            <a:schemeClr val="accent1"/>
+          </a:lnRef>
+          <a:fillRef idx="0">
+            <a:schemeClr val="accent1"/>
+          </a:fillRef>
+          <a:effectRef idx="0">
+            <a:schemeClr val="accent1"/>
+          </a:effectRef>
+          <a:fontRef idx="minor">
+            <a:schemeClr val="tx1"/>
+          </a:fontRef>
+        </p:style>
+      </p:cxnSp>
       <p:sp>
         <p:nvSpPr>
           <p:cNvPr id="50" name="Content Placeholder 3">
@@ -14247,7 +14884,7 @@
           </a:p>
           <a:p>
             <a:pPr lvl="1"/>
-            <a:endParaRPr lang="en-US" dirty="0"/>
+            <a:endParaRPr lang="en-US" sz="2400"/>
           </a:p>
           <a:p>
             <a:pPr lvl="1"/>
@@ -14306,6 +14943,71 @@
       </p:grpSpPr>
       <p:sp>
         <p:nvSpPr>
+          <p:cNvPr id="8" name="Rectangle 7">
+            <a:extLst>
+              <a:ext uri="{FF2B5EF4-FFF2-40B4-BE49-F238E27FC236}">
+                <a16:creationId xmlns:a16="http://schemas.microsoft.com/office/drawing/2014/main" id="{8D70B121-56F4-4848-B38B-182089D909FA}"/>
+              </a:ext>
+              <a:ext uri="{C183D7F6-B498-43B3-948B-1728B52AA6E4}">
+                <adec:decorative xmlns:adec="http://schemas.microsoft.com/office/drawing/2017/decorative" val="1"/>
+              </a:ext>
+            </a:extLst>
+          </p:cNvPr>
+          <p:cNvSpPr>
+            <a:spLocks noGrp="1" noRot="1" noChangeAspect="1" noMove="1" noResize="1" noEditPoints="1" noAdjustHandles="1" noChangeArrowheads="1" noChangeShapeType="1" noTextEdit="1"/>
+          </p:cNvSpPr>
+          <p:nvPr>
+            <p:extLst>
+              <p:ext uri="{386F3935-93C4-4BCD-93E2-E3B085C9AB24}">
+                <p16:designElem xmlns:p16="http://schemas.microsoft.com/office/powerpoint/2015/main" val="1"/>
+              </p:ext>
+            </p:extLst>
+          </p:nvPr>
+        </p:nvSpPr>
+        <p:spPr bwMode="ltGray">
+          <a:xfrm>
+            <a:off x="321564" y="320040"/>
+            <a:ext cx="11548872" cy="6217920"/>
+          </a:xfrm>
+          <a:prstGeom prst="rect">
+            <a:avLst/>
+          </a:prstGeom>
+          <a:solidFill>
+            <a:schemeClr val="tx1">
+              <a:alpha val="8000"/>
+            </a:schemeClr>
+          </a:solidFill>
+          <a:ln w="127000" cap="sq" cmpd="thinThick">
+            <a:noFill/>
+          </a:ln>
+        </p:spPr>
+        <p:style>
+          <a:lnRef idx="2">
+            <a:schemeClr val="accent1">
+              <a:shade val="50000"/>
+            </a:schemeClr>
+          </a:lnRef>
+          <a:fillRef idx="1">
+            <a:schemeClr val="accent1"/>
+          </a:fillRef>
+          <a:effectRef idx="0">
+            <a:schemeClr val="accent1"/>
+          </a:effectRef>
+          <a:fontRef idx="minor">
+            <a:schemeClr val="lt1"/>
+          </a:fontRef>
+        </p:style>
+        <p:txBody>
+          <a:bodyPr rtlCol="0" anchor="ctr"/>
+          <a:lstStyle/>
+          <a:p>
+            <a:pPr algn="ctr"/>
+            <a:endParaRPr lang="en-US"/>
+          </a:p>
+        </p:txBody>
+      </p:sp>
+      <p:sp>
+        <p:nvSpPr>
           <p:cNvPr id="2" name="Title 1">
             <a:extLst>
               <a:ext uri="{FF2B5EF4-FFF2-40B4-BE49-F238E27FC236}">
@@ -14349,6 +15051,61 @@
           </a:p>
         </p:txBody>
       </p:sp>
+      <p:cxnSp>
+        <p:nvCxnSpPr>
+          <p:cNvPr id="10" name="Straight Connector 9">
+            <a:extLst>
+              <a:ext uri="{FF2B5EF4-FFF2-40B4-BE49-F238E27FC236}">
+                <a16:creationId xmlns:a16="http://schemas.microsoft.com/office/drawing/2014/main" id="{2D72A2C9-F3CA-4216-8BAD-FA4C970C3C4E}"/>
+              </a:ext>
+              <a:ext uri="{C183D7F6-B498-43B3-948B-1728B52AA6E4}">
+                <adec:decorative xmlns:adec="http://schemas.microsoft.com/office/drawing/2017/decorative" val="1"/>
+              </a:ext>
+            </a:extLst>
+          </p:cNvPr>
+          <p:cNvCxnSpPr>
+            <a:cxnSpLocks noGrp="1" noRot="1" noChangeAspect="1" noMove="1" noResize="1" noEditPoints="1" noAdjustHandles="1" noChangeArrowheads="1" noChangeShapeType="1"/>
+          </p:cNvCxnSpPr>
+          <p:nvPr>
+            <p:extLst>
+              <p:ext uri="{386F3935-93C4-4BCD-93E2-E3B085C9AB24}">
+                <p16:designElem xmlns:p16="http://schemas.microsoft.com/office/powerpoint/2015/main" val="1"/>
+              </p:ext>
+            </p:extLst>
+          </p:nvPr>
+        </p:nvCxnSpPr>
+        <p:spPr>
+          <a:xfrm>
+            <a:off x="4654296" y="2057400"/>
+            <a:ext cx="0" cy="2743200"/>
+          </a:xfrm>
+          <a:prstGeom prst="line">
+            <a:avLst/>
+          </a:prstGeom>
+          <a:ln w="19050">
+            <a:solidFill>
+              <a:schemeClr val="tx1">
+                <a:lumMod val="85000"/>
+                <a:lumOff val="15000"/>
+              </a:schemeClr>
+            </a:solidFill>
+          </a:ln>
+        </p:spPr>
+        <p:style>
+          <a:lnRef idx="1">
+            <a:schemeClr val="accent1"/>
+          </a:lnRef>
+          <a:fillRef idx="0">
+            <a:schemeClr val="accent1"/>
+          </a:fillRef>
+          <a:effectRef idx="0">
+            <a:schemeClr val="accent1"/>
+          </a:effectRef>
+          <a:fontRef idx="minor">
+            <a:schemeClr val="tx1"/>
+          </a:fontRef>
+        </p:style>
+      </p:cxnSp>
       <p:sp>
         <p:nvSpPr>
           <p:cNvPr id="3" name="Content Placeholder 2">
@@ -14455,8 +15212,8 @@
         </p:nvSpPr>
         <p:spPr>
           <a:xfrm>
-            <a:off x="838200" y="713232"/>
-            <a:ext cx="3374136" cy="5504688"/>
+            <a:off x="838200" y="365125"/>
+            <a:ext cx="10515600" cy="1325563"/>
           </a:xfrm>
         </p:spPr>
         <p:txBody>
@@ -14466,7 +15223,7 @@
           <a:lstStyle/>
           <a:p>
             <a:r>
-              <a:rPr lang="en-US" sz="4400"/>
+              <a:rPr lang="en-US" sz="4400" dirty="0"/>
               <a:t>Compilation Stages of Julia Code</a:t>
             </a:r>
           </a:p>
@@ -14488,14 +15245,14 @@
             <p:ph idx="1"/>
             <p:extLst>
               <p:ext uri="{D42A27DB-BD31-4B8C-83A1-F6EECF244321}">
-                <p14:modId xmlns:p14="http://schemas.microsoft.com/office/powerpoint/2010/main" val="3996888474"/>
+                <p14:modId xmlns:p14="http://schemas.microsoft.com/office/powerpoint/2010/main" val="1853308916"/>
               </p:ext>
             </p:extLst>
           </p:nvPr>
         </p:nvGraphicFramePr>
         <p:xfrm>
-          <a:off x="5093208" y="713232"/>
-          <a:ext cx="6263640" cy="5504688"/>
+          <a:off x="838200" y="1825625"/>
+          <a:ext cx="10515600" cy="4351338"/>
         </p:xfrm>
         <a:graphic>
           <a:graphicData uri="http://schemas.openxmlformats.org/drawingml/2006/diagram">
@@ -14667,8 +15424,8 @@
         </p:nvSpPr>
         <p:spPr>
           <a:xfrm>
-            <a:off x="863029" y="1012004"/>
-            <a:ext cx="3416158" cy="4795408"/>
+            <a:off x="838200" y="365125"/>
+            <a:ext cx="10515600" cy="1325563"/>
           </a:xfrm>
         </p:spPr>
         <p:txBody>
@@ -14678,11 +15435,7 @@
           <a:lstStyle/>
           <a:p>
             <a:r>
-              <a:rPr lang="en-US" sz="4400" dirty="0">
-                <a:solidFill>
-                  <a:srgbClr val="FFFFFF"/>
-                </a:solidFill>
-              </a:rPr>
+              <a:rPr lang="en-US" sz="4400"/>
               <a:t>Parallel Computing</a:t>
             </a:r>
           </a:p>
@@ -14704,14 +15457,14 @@
             <p:ph idx="1"/>
             <p:extLst>
               <p:ext uri="{D42A27DB-BD31-4B8C-83A1-F6EECF244321}">
-                <p14:modId xmlns:p14="http://schemas.microsoft.com/office/powerpoint/2010/main" val="949387582"/>
+                <p14:modId xmlns:p14="http://schemas.microsoft.com/office/powerpoint/2010/main" val="650744338"/>
               </p:ext>
             </p:extLst>
           </p:nvPr>
         </p:nvGraphicFramePr>
         <p:xfrm>
-          <a:off x="5194300" y="470924"/>
-          <a:ext cx="6513604" cy="5885426"/>
+          <a:off x="838200" y="1825625"/>
+          <a:ext cx="10515600" cy="4351338"/>
         </p:xfrm>
         <a:graphic>
           <a:graphicData uri="http://schemas.openxmlformats.org/drawingml/2006/diagram">

--- a/notebooks/xiaoqi-why-julia-fast.pptx
+++ b/notebooks/xiaoqi-why-julia-fast.pptx
@@ -2476,13 +2476,7 @@
     <dgm:pt modelId="{EA1065AE-525E-244C-952A-B85BD6D72DEB}" type="sibTrans" cxnId="{6872C27D-205A-C94F-85EF-3DAD0CFA0E38}">
       <dgm:prSet/>
       <dgm:spPr>
-        <a:ln w="28575">
-          <a:solidFill>
-            <a:schemeClr val="bg1">
-              <a:lumMod val="50000"/>
-            </a:schemeClr>
-          </a:solidFill>
-        </a:ln>
+        <a:ln w="28575"/>
       </dgm:spPr>
       <dgm:t>
         <a:bodyPr/>
@@ -2520,13 +2514,7 @@
     <dgm:pt modelId="{D8A76DA0-028A-4347-B367-C963157D82D0}" type="sibTrans" cxnId="{34137092-4DAF-5341-94BF-9A26F5C586FD}">
       <dgm:prSet/>
       <dgm:spPr>
-        <a:ln w="28575">
-          <a:solidFill>
-            <a:schemeClr val="bg1">
-              <a:lumMod val="50000"/>
-            </a:schemeClr>
-          </a:solidFill>
-        </a:ln>
+        <a:ln w="28575"/>
       </dgm:spPr>
       <dgm:t>
         <a:bodyPr/>
@@ -2564,13 +2552,7 @@
     <dgm:pt modelId="{62047629-E52A-284B-83D2-588FF7B8B97A}" type="sibTrans" cxnId="{FAA2D410-C836-2348-ADA3-ACD259035B67}">
       <dgm:prSet/>
       <dgm:spPr>
-        <a:ln w="28575">
-          <a:solidFill>
-            <a:schemeClr val="bg1">
-              <a:lumMod val="50000"/>
-            </a:schemeClr>
-          </a:solidFill>
-        </a:ln>
+        <a:ln w="28575"/>
       </dgm:spPr>
       <dgm:t>
         <a:bodyPr/>
@@ -2608,13 +2590,7 @@
     <dgm:pt modelId="{805BC26B-79AE-C54B-A389-ADD6762194EB}" type="sibTrans" cxnId="{B21E2A74-399E-1B42-AC50-352623C53375}">
       <dgm:prSet/>
       <dgm:spPr>
-        <a:ln w="28575">
-          <a:solidFill>
-            <a:schemeClr val="bg1">
-              <a:lumMod val="50000"/>
-            </a:schemeClr>
-          </a:solidFill>
-        </a:ln>
+        <a:ln w="28575"/>
       </dgm:spPr>
       <dgm:t>
         <a:bodyPr/>
@@ -2688,13 +2664,7 @@
     <dgm:pt modelId="{7EF71C4A-833D-554E-A5A7-CA5AC68C8857}" type="sibTrans" cxnId="{8EE06894-002B-624F-8D60-4A3CFED7A3D5}">
       <dgm:prSet/>
       <dgm:spPr>
-        <a:ln w="28575">
-          <a:solidFill>
-            <a:schemeClr val="bg1">
-              <a:lumMod val="50000"/>
-            </a:schemeClr>
-          </a:solidFill>
-        </a:ln>
+        <a:ln w="28575"/>
       </dgm:spPr>
       <dgm:t>
         <a:bodyPr/>
@@ -2941,7 +2911,11 @@
     </dgm:pt>
     <dgm:pt modelId="{6EC083AD-D722-6947-A2D6-AA21453D4AB6}">
       <dgm:prSet phldrT="[Text]"/>
-      <dgm:spPr/>
+      <dgm:spPr>
+        <a:solidFill>
+          <a:schemeClr val="accent6"/>
+        </a:solidFill>
+      </dgm:spPr>
       <dgm:t>
         <a:bodyPr/>
         <a:lstStyle/>
@@ -3184,16 +3158,12 @@
         <a:lstStyle/>
         <a:p>
           <a:r>
-            <a:rPr lang="en-US" dirty="0"/>
-            <a:t>Most </a:t>
-          </a:r>
-          <a:r>
-            <a:rPr lang="en-US" dirty="0" err="1"/>
-            <a:t>usefull</a:t>
+            <a:rPr lang="en-US"/>
+            <a:t>Most useful </a:t>
           </a:r>
           <a:r>
             <a:rPr lang="en-US" dirty="0"/>
-            <a:t> in unbalanced workloads. Dynamic scheduling with producer and consumer algorithms</a:t>
+            <a:t>in unbalanced workloads. Dynamic scheduling with producer and consumer algorithms</a:t>
           </a:r>
         </a:p>
       </dgm:t>
@@ -3777,9 +3747,7 @@
         <a:noFill/>
         <a:ln w="28575" cap="flat" cmpd="sng" algn="ctr">
           <a:solidFill>
-            <a:schemeClr val="bg1">
-              <a:lumMod val="50000"/>
-            </a:schemeClr>
+            <a:scrgbClr r="0" g="0" b="0"/>
           </a:solidFill>
           <a:prstDash val="solid"/>
           <a:miter lim="800000"/>
@@ -3933,9 +3901,7 @@
         <a:noFill/>
         <a:ln w="28575" cap="flat" cmpd="sng" algn="ctr">
           <a:solidFill>
-            <a:schemeClr val="bg1">
-              <a:lumMod val="50000"/>
-            </a:schemeClr>
+            <a:scrgbClr r="0" g="0" b="0"/>
           </a:solidFill>
           <a:prstDash val="solid"/>
           <a:miter lim="800000"/>
@@ -4095,9 +4061,7 @@
         <a:noFill/>
         <a:ln w="28575" cap="flat" cmpd="sng" algn="ctr">
           <a:solidFill>
-            <a:schemeClr val="bg1">
-              <a:lumMod val="50000"/>
-            </a:schemeClr>
+            <a:scrgbClr r="0" g="0" b="0"/>
           </a:solidFill>
           <a:prstDash val="solid"/>
           <a:miter lim="800000"/>
@@ -4251,9 +4215,7 @@
         <a:noFill/>
         <a:ln w="28575" cap="flat" cmpd="sng" algn="ctr">
           <a:solidFill>
-            <a:schemeClr val="bg1">
-              <a:lumMod val="50000"/>
-            </a:schemeClr>
+            <a:scrgbClr r="0" g="0" b="0"/>
           </a:solidFill>
           <a:prstDash val="solid"/>
           <a:miter lim="800000"/>
@@ -4407,9 +4369,7 @@
         <a:noFill/>
         <a:ln w="28575" cap="flat" cmpd="sng" algn="ctr">
           <a:solidFill>
-            <a:schemeClr val="bg1">
-              <a:lumMod val="50000"/>
-            </a:schemeClr>
+            <a:scrgbClr r="0" g="0" b="0"/>
           </a:solidFill>
           <a:prstDash val="solid"/>
           <a:miter lim="800000"/>
@@ -5072,12 +5032,7 @@
           <a:avLst/>
         </a:prstGeom>
         <a:solidFill>
-          <a:schemeClr val="accent5">
-            <a:hueOff val="0"/>
-            <a:satOff val="0"/>
-            <a:lumOff val="0"/>
-            <a:alphaOff val="0"/>
-          </a:schemeClr>
+          <a:schemeClr val="accent6"/>
         </a:solidFill>
         <a:ln w="12700" cap="flat" cmpd="sng" algn="ctr">
           <a:solidFill>
@@ -5218,16 +5173,12 @@
             <a:buChar char="•"/>
           </a:pPr>
           <a:r>
-            <a:rPr lang="en-US" sz="1500" kern="1200" dirty="0"/>
-            <a:t>Most </a:t>
-          </a:r>
-          <a:r>
-            <a:rPr lang="en-US" sz="1500" kern="1200" dirty="0" err="1"/>
-            <a:t>usefull</a:t>
+            <a:rPr lang="en-US" sz="1500" kern="1200"/>
+            <a:t>Most useful </a:t>
           </a:r>
           <a:r>
             <a:rPr lang="en-US" sz="1500" kern="1200" dirty="0"/>
-            <a:t> in unbalanced workloads. Dynamic scheduling with producer and consumer algorithms</a:t>
+            <a:t>in unbalanced workloads. Dynamic scheduling with producer and consumer algorithms</a:t>
           </a:r>
         </a:p>
       </dsp:txBody>
@@ -15245,7 +15196,7 @@
             <p:ph idx="1"/>
             <p:extLst>
               <p:ext uri="{D42A27DB-BD31-4B8C-83A1-F6EECF244321}">
-                <p14:modId xmlns:p14="http://schemas.microsoft.com/office/powerpoint/2010/main" val="1853308916"/>
+                <p14:modId xmlns:p14="http://schemas.microsoft.com/office/powerpoint/2010/main" val="1021031382"/>
               </p:ext>
             </p:extLst>
           </p:nvPr>
@@ -15330,13 +15281,18 @@
           <a:lstStyle/>
           <a:p>
             <a:r>
-              <a:rPr lang="en-US" sz="4400" kern="1200" dirty="0">
+              <a:rPr lang="en-US" sz="4400" kern="1200">
                 <a:latin typeface="+mj-lt"/>
                 <a:ea typeface="+mj-ea"/>
                 <a:cs typeface="+mj-cs"/>
               </a:rPr>
               <a:t>Why is Julia fast and flexible </a:t>
             </a:r>
+            <a:endParaRPr lang="en-US" sz="4400" kern="1200" dirty="0">
+              <a:latin typeface="+mj-lt"/>
+              <a:ea typeface="+mj-ea"/>
+              <a:cs typeface="+mj-cs"/>
+            </a:endParaRPr>
           </a:p>
         </p:txBody>
       </p:sp>
@@ -15353,7 +15309,7 @@
           <p:nvPr>
             <p:extLst>
               <p:ext uri="{D42A27DB-BD31-4B8C-83A1-F6EECF244321}">
-                <p14:modId xmlns:p14="http://schemas.microsoft.com/office/powerpoint/2010/main" val="2029921726"/>
+                <p14:modId xmlns:p14="http://schemas.microsoft.com/office/powerpoint/2010/main" val="4045528191"/>
               </p:ext>
             </p:extLst>
           </p:nvPr>
@@ -15457,7 +15413,7 @@
             <p:ph idx="1"/>
             <p:extLst>
               <p:ext uri="{D42A27DB-BD31-4B8C-83A1-F6EECF244321}">
-                <p14:modId xmlns:p14="http://schemas.microsoft.com/office/powerpoint/2010/main" val="650744338"/>
+                <p14:modId xmlns:p14="http://schemas.microsoft.com/office/powerpoint/2010/main" val="132605139"/>
               </p:ext>
             </p:extLst>
           </p:nvPr>
